--- a/Document/발표자료.pptx
+++ b/Document/발표자료.pptx
@@ -8,6 +8,10 @@
     <p:sldId id="256" r:id="rId2"/>
     <p:sldId id="257" r:id="rId3"/>
     <p:sldId id="258" r:id="rId4"/>
+    <p:sldId id="259" r:id="rId5"/>
+    <p:sldId id="260" r:id="rId6"/>
+    <p:sldId id="261" r:id="rId7"/>
+    <p:sldId id="262" r:id="rId8"/>
   </p:sldIdLst>
   <p:sldSz cx="12192000" cy="6858000"/>
   <p:notesSz cx="6858000" cy="9144000"/>
@@ -106,6 +110,11 @@
       </a:defRPr>
     </a:lvl9pPr>
   </p:defaultTextStyle>
+  <p:extLst>
+    <p:ext uri="{EFAFB233-063F-42B5-8137-9DF3F51BA10A}">
+      <p15:sldGuideLst xmlns:p15="http://schemas.microsoft.com/office/powerpoint/2012/main"/>
+    </p:ext>
+  </p:extLst>
 </p:presentation>
 </file>
 
@@ -131,7 +140,7 @@
           <p:cNvPr id="2" name="제목 1">
             <a:extLst>
               <a:ext uri="{FF2B5EF4-FFF2-40B4-BE49-F238E27FC236}">
-                <a16:creationId xmlns:a16="http://schemas.microsoft.com/office/drawing/2014/main" id="{B936B912-8F14-4454-841F-F830FE1C510A}"/>
+                <a16:creationId xmlns:a16="http://schemas.microsoft.com/office/drawing/2014/main" xmlns="" id="{B936B912-8F14-4454-841F-F830FE1C510A}"/>
               </a:ext>
             </a:extLst>
           </p:cNvPr>
@@ -168,7 +177,7 @@
           <p:cNvPr id="3" name="부제목 2">
             <a:extLst>
               <a:ext uri="{FF2B5EF4-FFF2-40B4-BE49-F238E27FC236}">
-                <a16:creationId xmlns:a16="http://schemas.microsoft.com/office/drawing/2014/main" id="{8BABFFD6-FDD0-4F2B-9B66-760A09682190}"/>
+                <a16:creationId xmlns:a16="http://schemas.microsoft.com/office/drawing/2014/main" xmlns="" id="{8BABFFD6-FDD0-4F2B-9B66-760A09682190}"/>
               </a:ext>
             </a:extLst>
           </p:cNvPr>
@@ -238,7 +247,7 @@
           <p:cNvPr id="4" name="날짜 개체 틀 3">
             <a:extLst>
               <a:ext uri="{FF2B5EF4-FFF2-40B4-BE49-F238E27FC236}">
-                <a16:creationId xmlns:a16="http://schemas.microsoft.com/office/drawing/2014/main" id="{D2C7BDE2-087A-4A4E-BFCB-C54C166307EA}"/>
+                <a16:creationId xmlns:a16="http://schemas.microsoft.com/office/drawing/2014/main" xmlns="" id="{D2C7BDE2-087A-4A4E-BFCB-C54C166307EA}"/>
               </a:ext>
             </a:extLst>
           </p:cNvPr>
@@ -256,7 +265,7 @@
           <a:p>
             <a:fld id="{F1E08AD5-9E69-4E2B-9F94-C8CBCC606C5B}" type="datetimeFigureOut">
               <a:rPr lang="ko-KR" altLang="en-US" smtClean="0"/>
-              <a:t>2018-11-26</a:t>
+              <a:t>2018-11-27</a:t>
             </a:fld>
             <a:endParaRPr lang="ko-KR" altLang="en-US"/>
           </a:p>
@@ -267,7 +276,7 @@
           <p:cNvPr id="5" name="바닥글 개체 틀 4">
             <a:extLst>
               <a:ext uri="{FF2B5EF4-FFF2-40B4-BE49-F238E27FC236}">
-                <a16:creationId xmlns:a16="http://schemas.microsoft.com/office/drawing/2014/main" id="{B058C36A-5080-4A1F-BD9A-209F167EACC5}"/>
+                <a16:creationId xmlns:a16="http://schemas.microsoft.com/office/drawing/2014/main" xmlns="" id="{B058C36A-5080-4A1F-BD9A-209F167EACC5}"/>
               </a:ext>
             </a:extLst>
           </p:cNvPr>
@@ -292,7 +301,7 @@
           <p:cNvPr id="6" name="슬라이드 번호 개체 틀 5">
             <a:extLst>
               <a:ext uri="{FF2B5EF4-FFF2-40B4-BE49-F238E27FC236}">
-                <a16:creationId xmlns:a16="http://schemas.microsoft.com/office/drawing/2014/main" id="{5D26E8C6-FEB9-4E54-82A2-DABAB1DBA83F}"/>
+                <a16:creationId xmlns:a16="http://schemas.microsoft.com/office/drawing/2014/main" xmlns="" id="{5D26E8C6-FEB9-4E54-82A2-DABAB1DBA83F}"/>
               </a:ext>
             </a:extLst>
           </p:cNvPr>
@@ -351,7 +360,7 @@
           <p:cNvPr id="2" name="제목 1">
             <a:extLst>
               <a:ext uri="{FF2B5EF4-FFF2-40B4-BE49-F238E27FC236}">
-                <a16:creationId xmlns:a16="http://schemas.microsoft.com/office/drawing/2014/main" id="{6522FE70-5AAD-46AC-A3AD-B2FFC97CD113}"/>
+                <a16:creationId xmlns:a16="http://schemas.microsoft.com/office/drawing/2014/main" xmlns="" id="{6522FE70-5AAD-46AC-A3AD-B2FFC97CD113}"/>
               </a:ext>
             </a:extLst>
           </p:cNvPr>
@@ -379,7 +388,7 @@
           <p:cNvPr id="3" name="세로 텍스트 개체 틀 2">
             <a:extLst>
               <a:ext uri="{FF2B5EF4-FFF2-40B4-BE49-F238E27FC236}">
-                <a16:creationId xmlns:a16="http://schemas.microsoft.com/office/drawing/2014/main" id="{675C94ED-F63A-445A-902F-85AA9985202B}"/>
+                <a16:creationId xmlns:a16="http://schemas.microsoft.com/office/drawing/2014/main" xmlns="" id="{675C94ED-F63A-445A-902F-85AA9985202B}"/>
               </a:ext>
             </a:extLst>
           </p:cNvPr>
@@ -436,7 +445,7 @@
           <p:cNvPr id="4" name="날짜 개체 틀 3">
             <a:extLst>
               <a:ext uri="{FF2B5EF4-FFF2-40B4-BE49-F238E27FC236}">
-                <a16:creationId xmlns:a16="http://schemas.microsoft.com/office/drawing/2014/main" id="{EFC916FE-88B2-456F-9155-001FC6F14397}"/>
+                <a16:creationId xmlns:a16="http://schemas.microsoft.com/office/drawing/2014/main" xmlns="" id="{EFC916FE-88B2-456F-9155-001FC6F14397}"/>
               </a:ext>
             </a:extLst>
           </p:cNvPr>
@@ -454,7 +463,7 @@
           <a:p>
             <a:fld id="{F1E08AD5-9E69-4E2B-9F94-C8CBCC606C5B}" type="datetimeFigureOut">
               <a:rPr lang="ko-KR" altLang="en-US" smtClean="0"/>
-              <a:t>2018-11-26</a:t>
+              <a:t>2018-11-27</a:t>
             </a:fld>
             <a:endParaRPr lang="ko-KR" altLang="en-US"/>
           </a:p>
@@ -465,7 +474,7 @@
           <p:cNvPr id="5" name="바닥글 개체 틀 4">
             <a:extLst>
               <a:ext uri="{FF2B5EF4-FFF2-40B4-BE49-F238E27FC236}">
-                <a16:creationId xmlns:a16="http://schemas.microsoft.com/office/drawing/2014/main" id="{6863F8D2-1235-4969-BC8F-853FCD5C0FF0}"/>
+                <a16:creationId xmlns:a16="http://schemas.microsoft.com/office/drawing/2014/main" xmlns="" id="{6863F8D2-1235-4969-BC8F-853FCD5C0FF0}"/>
               </a:ext>
             </a:extLst>
           </p:cNvPr>
@@ -490,7 +499,7 @@
           <p:cNvPr id="6" name="슬라이드 번호 개체 틀 5">
             <a:extLst>
               <a:ext uri="{FF2B5EF4-FFF2-40B4-BE49-F238E27FC236}">
-                <a16:creationId xmlns:a16="http://schemas.microsoft.com/office/drawing/2014/main" id="{8C426888-C4B2-4432-8415-02EF77C0AFD0}"/>
+                <a16:creationId xmlns:a16="http://schemas.microsoft.com/office/drawing/2014/main" xmlns="" id="{8C426888-C4B2-4432-8415-02EF77C0AFD0}"/>
               </a:ext>
             </a:extLst>
           </p:cNvPr>
@@ -549,7 +558,7 @@
           <p:cNvPr id="2" name="세로 제목 1">
             <a:extLst>
               <a:ext uri="{FF2B5EF4-FFF2-40B4-BE49-F238E27FC236}">
-                <a16:creationId xmlns:a16="http://schemas.microsoft.com/office/drawing/2014/main" id="{C2380799-B9B6-49A5-BE4F-87339A69295D}"/>
+                <a16:creationId xmlns:a16="http://schemas.microsoft.com/office/drawing/2014/main" xmlns="" id="{C2380799-B9B6-49A5-BE4F-87339A69295D}"/>
               </a:ext>
             </a:extLst>
           </p:cNvPr>
@@ -582,7 +591,7 @@
           <p:cNvPr id="3" name="세로 텍스트 개체 틀 2">
             <a:extLst>
               <a:ext uri="{FF2B5EF4-FFF2-40B4-BE49-F238E27FC236}">
-                <a16:creationId xmlns:a16="http://schemas.microsoft.com/office/drawing/2014/main" id="{DA0DF918-840B-45D2-B837-7C4E5569A752}"/>
+                <a16:creationId xmlns:a16="http://schemas.microsoft.com/office/drawing/2014/main" xmlns="" id="{DA0DF918-840B-45D2-B837-7C4E5569A752}"/>
               </a:ext>
             </a:extLst>
           </p:cNvPr>
@@ -644,7 +653,7 @@
           <p:cNvPr id="4" name="날짜 개체 틀 3">
             <a:extLst>
               <a:ext uri="{FF2B5EF4-FFF2-40B4-BE49-F238E27FC236}">
-                <a16:creationId xmlns:a16="http://schemas.microsoft.com/office/drawing/2014/main" id="{E6B75E25-B397-4F4A-8857-A02D14ABCE3A}"/>
+                <a16:creationId xmlns:a16="http://schemas.microsoft.com/office/drawing/2014/main" xmlns="" id="{E6B75E25-B397-4F4A-8857-A02D14ABCE3A}"/>
               </a:ext>
             </a:extLst>
           </p:cNvPr>
@@ -662,7 +671,7 @@
           <a:p>
             <a:fld id="{F1E08AD5-9E69-4E2B-9F94-C8CBCC606C5B}" type="datetimeFigureOut">
               <a:rPr lang="ko-KR" altLang="en-US" smtClean="0"/>
-              <a:t>2018-11-26</a:t>
+              <a:t>2018-11-27</a:t>
             </a:fld>
             <a:endParaRPr lang="ko-KR" altLang="en-US"/>
           </a:p>
@@ -673,7 +682,7 @@
           <p:cNvPr id="5" name="바닥글 개체 틀 4">
             <a:extLst>
               <a:ext uri="{FF2B5EF4-FFF2-40B4-BE49-F238E27FC236}">
-                <a16:creationId xmlns:a16="http://schemas.microsoft.com/office/drawing/2014/main" id="{CE837077-09C9-43D3-99B1-B74C9360A72C}"/>
+                <a16:creationId xmlns:a16="http://schemas.microsoft.com/office/drawing/2014/main" xmlns="" id="{CE837077-09C9-43D3-99B1-B74C9360A72C}"/>
               </a:ext>
             </a:extLst>
           </p:cNvPr>
@@ -698,7 +707,7 @@
           <p:cNvPr id="6" name="슬라이드 번호 개체 틀 5">
             <a:extLst>
               <a:ext uri="{FF2B5EF4-FFF2-40B4-BE49-F238E27FC236}">
-                <a16:creationId xmlns:a16="http://schemas.microsoft.com/office/drawing/2014/main" id="{B016B6BF-CEBF-4743-AB57-FE41059AF6FA}"/>
+                <a16:creationId xmlns:a16="http://schemas.microsoft.com/office/drawing/2014/main" xmlns="" id="{B016B6BF-CEBF-4743-AB57-FE41059AF6FA}"/>
               </a:ext>
             </a:extLst>
           </p:cNvPr>
@@ -757,7 +766,7 @@
           <p:cNvPr id="2" name="제목 1">
             <a:extLst>
               <a:ext uri="{FF2B5EF4-FFF2-40B4-BE49-F238E27FC236}">
-                <a16:creationId xmlns:a16="http://schemas.microsoft.com/office/drawing/2014/main" id="{C8ADD370-53FE-44C5-9074-47E2559983B6}"/>
+                <a16:creationId xmlns:a16="http://schemas.microsoft.com/office/drawing/2014/main" xmlns="" id="{C8ADD370-53FE-44C5-9074-47E2559983B6}"/>
               </a:ext>
             </a:extLst>
           </p:cNvPr>
@@ -785,7 +794,7 @@
           <p:cNvPr id="3" name="내용 개체 틀 2">
             <a:extLst>
               <a:ext uri="{FF2B5EF4-FFF2-40B4-BE49-F238E27FC236}">
-                <a16:creationId xmlns:a16="http://schemas.microsoft.com/office/drawing/2014/main" id="{BBD08937-E849-4A00-BDD4-07F619C5E046}"/>
+                <a16:creationId xmlns:a16="http://schemas.microsoft.com/office/drawing/2014/main" xmlns="" id="{BBD08937-E849-4A00-BDD4-07F619C5E046}"/>
               </a:ext>
             </a:extLst>
           </p:cNvPr>
@@ -842,7 +851,7 @@
           <p:cNvPr id="4" name="날짜 개체 틀 3">
             <a:extLst>
               <a:ext uri="{FF2B5EF4-FFF2-40B4-BE49-F238E27FC236}">
-                <a16:creationId xmlns:a16="http://schemas.microsoft.com/office/drawing/2014/main" id="{E6DF612E-C229-4FDD-81CF-F633CCAD6056}"/>
+                <a16:creationId xmlns:a16="http://schemas.microsoft.com/office/drawing/2014/main" xmlns="" id="{E6DF612E-C229-4FDD-81CF-F633CCAD6056}"/>
               </a:ext>
             </a:extLst>
           </p:cNvPr>
@@ -860,7 +869,7 @@
           <a:p>
             <a:fld id="{F1E08AD5-9E69-4E2B-9F94-C8CBCC606C5B}" type="datetimeFigureOut">
               <a:rPr lang="ko-KR" altLang="en-US" smtClean="0"/>
-              <a:t>2018-11-26</a:t>
+              <a:t>2018-11-27</a:t>
             </a:fld>
             <a:endParaRPr lang="ko-KR" altLang="en-US"/>
           </a:p>
@@ -871,7 +880,7 @@
           <p:cNvPr id="5" name="바닥글 개체 틀 4">
             <a:extLst>
               <a:ext uri="{FF2B5EF4-FFF2-40B4-BE49-F238E27FC236}">
-                <a16:creationId xmlns:a16="http://schemas.microsoft.com/office/drawing/2014/main" id="{DE1DA4F0-C3D3-4A3A-B77B-AFD11048B6A3}"/>
+                <a16:creationId xmlns:a16="http://schemas.microsoft.com/office/drawing/2014/main" xmlns="" id="{DE1DA4F0-C3D3-4A3A-B77B-AFD11048B6A3}"/>
               </a:ext>
             </a:extLst>
           </p:cNvPr>
@@ -896,7 +905,7 @@
           <p:cNvPr id="6" name="슬라이드 번호 개체 틀 5">
             <a:extLst>
               <a:ext uri="{FF2B5EF4-FFF2-40B4-BE49-F238E27FC236}">
-                <a16:creationId xmlns:a16="http://schemas.microsoft.com/office/drawing/2014/main" id="{A7E7E67F-EE93-4EB3-AFA8-389F83DA7C53}"/>
+                <a16:creationId xmlns:a16="http://schemas.microsoft.com/office/drawing/2014/main" xmlns="" id="{A7E7E67F-EE93-4EB3-AFA8-389F83DA7C53}"/>
               </a:ext>
             </a:extLst>
           </p:cNvPr>
@@ -955,7 +964,7 @@
           <p:cNvPr id="2" name="제목 1">
             <a:extLst>
               <a:ext uri="{FF2B5EF4-FFF2-40B4-BE49-F238E27FC236}">
-                <a16:creationId xmlns:a16="http://schemas.microsoft.com/office/drawing/2014/main" id="{DE95C7A9-2628-4F2D-8FAD-5467883AB9E5}"/>
+                <a16:creationId xmlns:a16="http://schemas.microsoft.com/office/drawing/2014/main" xmlns="" id="{DE95C7A9-2628-4F2D-8FAD-5467883AB9E5}"/>
               </a:ext>
             </a:extLst>
           </p:cNvPr>
@@ -992,7 +1001,7 @@
           <p:cNvPr id="3" name="텍스트 개체 틀 2">
             <a:extLst>
               <a:ext uri="{FF2B5EF4-FFF2-40B4-BE49-F238E27FC236}">
-                <a16:creationId xmlns:a16="http://schemas.microsoft.com/office/drawing/2014/main" id="{7C7CA35E-20E5-4286-9FE6-05E33B32DCC6}"/>
+                <a16:creationId xmlns:a16="http://schemas.microsoft.com/office/drawing/2014/main" xmlns="" id="{7C7CA35E-20E5-4286-9FE6-05E33B32DCC6}"/>
               </a:ext>
             </a:extLst>
           </p:cNvPr>
@@ -1117,7 +1126,7 @@
           <p:cNvPr id="4" name="날짜 개체 틀 3">
             <a:extLst>
               <a:ext uri="{FF2B5EF4-FFF2-40B4-BE49-F238E27FC236}">
-                <a16:creationId xmlns:a16="http://schemas.microsoft.com/office/drawing/2014/main" id="{4E2A9C52-AABA-4146-A783-558D8D8BF602}"/>
+                <a16:creationId xmlns:a16="http://schemas.microsoft.com/office/drawing/2014/main" xmlns="" id="{4E2A9C52-AABA-4146-A783-558D8D8BF602}"/>
               </a:ext>
             </a:extLst>
           </p:cNvPr>
@@ -1135,7 +1144,7 @@
           <a:p>
             <a:fld id="{F1E08AD5-9E69-4E2B-9F94-C8CBCC606C5B}" type="datetimeFigureOut">
               <a:rPr lang="ko-KR" altLang="en-US" smtClean="0"/>
-              <a:t>2018-11-26</a:t>
+              <a:t>2018-11-27</a:t>
             </a:fld>
             <a:endParaRPr lang="ko-KR" altLang="en-US"/>
           </a:p>
@@ -1146,7 +1155,7 @@
           <p:cNvPr id="5" name="바닥글 개체 틀 4">
             <a:extLst>
               <a:ext uri="{FF2B5EF4-FFF2-40B4-BE49-F238E27FC236}">
-                <a16:creationId xmlns:a16="http://schemas.microsoft.com/office/drawing/2014/main" id="{67C1B6AB-2F4C-4C8C-B3A6-A44F2A6161A7}"/>
+                <a16:creationId xmlns:a16="http://schemas.microsoft.com/office/drawing/2014/main" xmlns="" id="{67C1B6AB-2F4C-4C8C-B3A6-A44F2A6161A7}"/>
               </a:ext>
             </a:extLst>
           </p:cNvPr>
@@ -1171,7 +1180,7 @@
           <p:cNvPr id="6" name="슬라이드 번호 개체 틀 5">
             <a:extLst>
               <a:ext uri="{FF2B5EF4-FFF2-40B4-BE49-F238E27FC236}">
-                <a16:creationId xmlns:a16="http://schemas.microsoft.com/office/drawing/2014/main" id="{11B3794C-92B6-4B3F-8D28-F3C90F724496}"/>
+                <a16:creationId xmlns:a16="http://schemas.microsoft.com/office/drawing/2014/main" xmlns="" id="{11B3794C-92B6-4B3F-8D28-F3C90F724496}"/>
               </a:ext>
             </a:extLst>
           </p:cNvPr>
@@ -1230,7 +1239,7 @@
           <p:cNvPr id="2" name="제목 1">
             <a:extLst>
               <a:ext uri="{FF2B5EF4-FFF2-40B4-BE49-F238E27FC236}">
-                <a16:creationId xmlns:a16="http://schemas.microsoft.com/office/drawing/2014/main" id="{3AA66B23-CCBA-4651-BB9D-5892D9D79C9D}"/>
+                <a16:creationId xmlns:a16="http://schemas.microsoft.com/office/drawing/2014/main" xmlns="" id="{3AA66B23-CCBA-4651-BB9D-5892D9D79C9D}"/>
               </a:ext>
             </a:extLst>
           </p:cNvPr>
@@ -1258,7 +1267,7 @@
           <p:cNvPr id="3" name="내용 개체 틀 2">
             <a:extLst>
               <a:ext uri="{FF2B5EF4-FFF2-40B4-BE49-F238E27FC236}">
-                <a16:creationId xmlns:a16="http://schemas.microsoft.com/office/drawing/2014/main" id="{BE0F50E7-3CE9-43EA-9E3A-A2C8508A9051}"/>
+                <a16:creationId xmlns:a16="http://schemas.microsoft.com/office/drawing/2014/main" xmlns="" id="{BE0F50E7-3CE9-43EA-9E3A-A2C8508A9051}"/>
               </a:ext>
             </a:extLst>
           </p:cNvPr>
@@ -1320,7 +1329,7 @@
           <p:cNvPr id="4" name="내용 개체 틀 3">
             <a:extLst>
               <a:ext uri="{FF2B5EF4-FFF2-40B4-BE49-F238E27FC236}">
-                <a16:creationId xmlns:a16="http://schemas.microsoft.com/office/drawing/2014/main" id="{AA724CDE-ECB7-400E-BB1F-2CC86000DA9D}"/>
+                <a16:creationId xmlns:a16="http://schemas.microsoft.com/office/drawing/2014/main" xmlns="" id="{AA724CDE-ECB7-400E-BB1F-2CC86000DA9D}"/>
               </a:ext>
             </a:extLst>
           </p:cNvPr>
@@ -1382,7 +1391,7 @@
           <p:cNvPr id="5" name="날짜 개체 틀 4">
             <a:extLst>
               <a:ext uri="{FF2B5EF4-FFF2-40B4-BE49-F238E27FC236}">
-                <a16:creationId xmlns:a16="http://schemas.microsoft.com/office/drawing/2014/main" id="{7C01F48B-D319-44D1-BDAC-23C5EFBBCF88}"/>
+                <a16:creationId xmlns:a16="http://schemas.microsoft.com/office/drawing/2014/main" xmlns="" id="{7C01F48B-D319-44D1-BDAC-23C5EFBBCF88}"/>
               </a:ext>
             </a:extLst>
           </p:cNvPr>
@@ -1400,7 +1409,7 @@
           <a:p>
             <a:fld id="{F1E08AD5-9E69-4E2B-9F94-C8CBCC606C5B}" type="datetimeFigureOut">
               <a:rPr lang="ko-KR" altLang="en-US" smtClean="0"/>
-              <a:t>2018-11-26</a:t>
+              <a:t>2018-11-27</a:t>
             </a:fld>
             <a:endParaRPr lang="ko-KR" altLang="en-US"/>
           </a:p>
@@ -1411,7 +1420,7 @@
           <p:cNvPr id="6" name="바닥글 개체 틀 5">
             <a:extLst>
               <a:ext uri="{FF2B5EF4-FFF2-40B4-BE49-F238E27FC236}">
-                <a16:creationId xmlns:a16="http://schemas.microsoft.com/office/drawing/2014/main" id="{E8F58D82-AD40-4FE0-8A83-7BE1B73D3B3A}"/>
+                <a16:creationId xmlns:a16="http://schemas.microsoft.com/office/drawing/2014/main" xmlns="" id="{E8F58D82-AD40-4FE0-8A83-7BE1B73D3B3A}"/>
               </a:ext>
             </a:extLst>
           </p:cNvPr>
@@ -1436,7 +1445,7 @@
           <p:cNvPr id="7" name="슬라이드 번호 개체 틀 6">
             <a:extLst>
               <a:ext uri="{FF2B5EF4-FFF2-40B4-BE49-F238E27FC236}">
-                <a16:creationId xmlns:a16="http://schemas.microsoft.com/office/drawing/2014/main" id="{88EB293D-25FD-47E5-9BE8-23B499CCB71F}"/>
+                <a16:creationId xmlns:a16="http://schemas.microsoft.com/office/drawing/2014/main" xmlns="" id="{88EB293D-25FD-47E5-9BE8-23B499CCB71F}"/>
               </a:ext>
             </a:extLst>
           </p:cNvPr>
@@ -1495,7 +1504,7 @@
           <p:cNvPr id="2" name="제목 1">
             <a:extLst>
               <a:ext uri="{FF2B5EF4-FFF2-40B4-BE49-F238E27FC236}">
-                <a16:creationId xmlns:a16="http://schemas.microsoft.com/office/drawing/2014/main" id="{DD02B42E-5366-430E-931F-948440EFF756}"/>
+                <a16:creationId xmlns:a16="http://schemas.microsoft.com/office/drawing/2014/main" xmlns="" id="{DD02B42E-5366-430E-931F-948440EFF756}"/>
               </a:ext>
             </a:extLst>
           </p:cNvPr>
@@ -1528,7 +1537,7 @@
           <p:cNvPr id="3" name="텍스트 개체 틀 2">
             <a:extLst>
               <a:ext uri="{FF2B5EF4-FFF2-40B4-BE49-F238E27FC236}">
-                <a16:creationId xmlns:a16="http://schemas.microsoft.com/office/drawing/2014/main" id="{B00581D1-9821-4AC3-BB51-B12F84B52654}"/>
+                <a16:creationId xmlns:a16="http://schemas.microsoft.com/office/drawing/2014/main" xmlns="" id="{B00581D1-9821-4AC3-BB51-B12F84B52654}"/>
               </a:ext>
             </a:extLst>
           </p:cNvPr>
@@ -1599,7 +1608,7 @@
           <p:cNvPr id="4" name="내용 개체 틀 3">
             <a:extLst>
               <a:ext uri="{FF2B5EF4-FFF2-40B4-BE49-F238E27FC236}">
-                <a16:creationId xmlns:a16="http://schemas.microsoft.com/office/drawing/2014/main" id="{547A433D-A49B-4B74-AE18-75CC8413FB85}"/>
+                <a16:creationId xmlns:a16="http://schemas.microsoft.com/office/drawing/2014/main" xmlns="" id="{547A433D-A49B-4B74-AE18-75CC8413FB85}"/>
               </a:ext>
             </a:extLst>
           </p:cNvPr>
@@ -1661,7 +1670,7 @@
           <p:cNvPr id="5" name="텍스트 개체 틀 4">
             <a:extLst>
               <a:ext uri="{FF2B5EF4-FFF2-40B4-BE49-F238E27FC236}">
-                <a16:creationId xmlns:a16="http://schemas.microsoft.com/office/drawing/2014/main" id="{F6885725-5E78-41C4-BFF0-7E60811C10CD}"/>
+                <a16:creationId xmlns:a16="http://schemas.microsoft.com/office/drawing/2014/main" xmlns="" id="{F6885725-5E78-41C4-BFF0-7E60811C10CD}"/>
               </a:ext>
             </a:extLst>
           </p:cNvPr>
@@ -1732,7 +1741,7 @@
           <p:cNvPr id="6" name="내용 개체 틀 5">
             <a:extLst>
               <a:ext uri="{FF2B5EF4-FFF2-40B4-BE49-F238E27FC236}">
-                <a16:creationId xmlns:a16="http://schemas.microsoft.com/office/drawing/2014/main" id="{37153D67-3B92-4621-A2D6-7C0EB77DC057}"/>
+                <a16:creationId xmlns:a16="http://schemas.microsoft.com/office/drawing/2014/main" xmlns="" id="{37153D67-3B92-4621-A2D6-7C0EB77DC057}"/>
               </a:ext>
             </a:extLst>
           </p:cNvPr>
@@ -1794,7 +1803,7 @@
           <p:cNvPr id="7" name="날짜 개체 틀 6">
             <a:extLst>
               <a:ext uri="{FF2B5EF4-FFF2-40B4-BE49-F238E27FC236}">
-                <a16:creationId xmlns:a16="http://schemas.microsoft.com/office/drawing/2014/main" id="{34B3B4BE-2C5C-48B3-BA79-E2D71BC00D25}"/>
+                <a16:creationId xmlns:a16="http://schemas.microsoft.com/office/drawing/2014/main" xmlns="" id="{34B3B4BE-2C5C-48B3-BA79-E2D71BC00D25}"/>
               </a:ext>
             </a:extLst>
           </p:cNvPr>
@@ -1812,7 +1821,7 @@
           <a:p>
             <a:fld id="{F1E08AD5-9E69-4E2B-9F94-C8CBCC606C5B}" type="datetimeFigureOut">
               <a:rPr lang="ko-KR" altLang="en-US" smtClean="0"/>
-              <a:t>2018-11-26</a:t>
+              <a:t>2018-11-27</a:t>
             </a:fld>
             <a:endParaRPr lang="ko-KR" altLang="en-US"/>
           </a:p>
@@ -1823,7 +1832,7 @@
           <p:cNvPr id="8" name="바닥글 개체 틀 7">
             <a:extLst>
               <a:ext uri="{FF2B5EF4-FFF2-40B4-BE49-F238E27FC236}">
-                <a16:creationId xmlns:a16="http://schemas.microsoft.com/office/drawing/2014/main" id="{052BBC5D-24C1-4EC7-82AE-78A73D26800F}"/>
+                <a16:creationId xmlns:a16="http://schemas.microsoft.com/office/drawing/2014/main" xmlns="" id="{052BBC5D-24C1-4EC7-82AE-78A73D26800F}"/>
               </a:ext>
             </a:extLst>
           </p:cNvPr>
@@ -1848,7 +1857,7 @@
           <p:cNvPr id="9" name="슬라이드 번호 개체 틀 8">
             <a:extLst>
               <a:ext uri="{FF2B5EF4-FFF2-40B4-BE49-F238E27FC236}">
-                <a16:creationId xmlns:a16="http://schemas.microsoft.com/office/drawing/2014/main" id="{E7CE8E55-714C-4D96-81E1-9C272EE0D029}"/>
+                <a16:creationId xmlns:a16="http://schemas.microsoft.com/office/drawing/2014/main" xmlns="" id="{E7CE8E55-714C-4D96-81E1-9C272EE0D029}"/>
               </a:ext>
             </a:extLst>
           </p:cNvPr>
@@ -1907,7 +1916,7 @@
           <p:cNvPr id="2" name="제목 1">
             <a:extLst>
               <a:ext uri="{FF2B5EF4-FFF2-40B4-BE49-F238E27FC236}">
-                <a16:creationId xmlns:a16="http://schemas.microsoft.com/office/drawing/2014/main" id="{72CC9B56-CC2D-4EC5-ADAC-B641C68DACCD}"/>
+                <a16:creationId xmlns:a16="http://schemas.microsoft.com/office/drawing/2014/main" xmlns="" id="{72CC9B56-CC2D-4EC5-ADAC-B641C68DACCD}"/>
               </a:ext>
             </a:extLst>
           </p:cNvPr>
@@ -1935,7 +1944,7 @@
           <p:cNvPr id="3" name="날짜 개체 틀 2">
             <a:extLst>
               <a:ext uri="{FF2B5EF4-FFF2-40B4-BE49-F238E27FC236}">
-                <a16:creationId xmlns:a16="http://schemas.microsoft.com/office/drawing/2014/main" id="{7B6E839D-776A-482D-A584-3ADE24E9CCCA}"/>
+                <a16:creationId xmlns:a16="http://schemas.microsoft.com/office/drawing/2014/main" xmlns="" id="{7B6E839D-776A-482D-A584-3ADE24E9CCCA}"/>
               </a:ext>
             </a:extLst>
           </p:cNvPr>
@@ -1953,7 +1962,7 @@
           <a:p>
             <a:fld id="{F1E08AD5-9E69-4E2B-9F94-C8CBCC606C5B}" type="datetimeFigureOut">
               <a:rPr lang="ko-KR" altLang="en-US" smtClean="0"/>
-              <a:t>2018-11-26</a:t>
+              <a:t>2018-11-27</a:t>
             </a:fld>
             <a:endParaRPr lang="ko-KR" altLang="en-US"/>
           </a:p>
@@ -1964,7 +1973,7 @@
           <p:cNvPr id="4" name="바닥글 개체 틀 3">
             <a:extLst>
               <a:ext uri="{FF2B5EF4-FFF2-40B4-BE49-F238E27FC236}">
-                <a16:creationId xmlns:a16="http://schemas.microsoft.com/office/drawing/2014/main" id="{66B39A00-DBDF-40F4-B0A8-5C51012C1B84}"/>
+                <a16:creationId xmlns:a16="http://schemas.microsoft.com/office/drawing/2014/main" xmlns="" id="{66B39A00-DBDF-40F4-B0A8-5C51012C1B84}"/>
               </a:ext>
             </a:extLst>
           </p:cNvPr>
@@ -1989,7 +1998,7 @@
           <p:cNvPr id="5" name="슬라이드 번호 개체 틀 4">
             <a:extLst>
               <a:ext uri="{FF2B5EF4-FFF2-40B4-BE49-F238E27FC236}">
-                <a16:creationId xmlns:a16="http://schemas.microsoft.com/office/drawing/2014/main" id="{5195F81A-DD8A-4275-8137-0597AD08AD1E}"/>
+                <a16:creationId xmlns:a16="http://schemas.microsoft.com/office/drawing/2014/main" xmlns="" id="{5195F81A-DD8A-4275-8137-0597AD08AD1E}"/>
               </a:ext>
             </a:extLst>
           </p:cNvPr>
@@ -2048,7 +2057,7 @@
           <p:cNvPr id="2" name="날짜 개체 틀 1">
             <a:extLst>
               <a:ext uri="{FF2B5EF4-FFF2-40B4-BE49-F238E27FC236}">
-                <a16:creationId xmlns:a16="http://schemas.microsoft.com/office/drawing/2014/main" id="{F065F68B-1533-4963-A54B-CEE48C7AFE98}"/>
+                <a16:creationId xmlns:a16="http://schemas.microsoft.com/office/drawing/2014/main" xmlns="" id="{F065F68B-1533-4963-A54B-CEE48C7AFE98}"/>
               </a:ext>
             </a:extLst>
           </p:cNvPr>
@@ -2066,7 +2075,7 @@
           <a:p>
             <a:fld id="{F1E08AD5-9E69-4E2B-9F94-C8CBCC606C5B}" type="datetimeFigureOut">
               <a:rPr lang="ko-KR" altLang="en-US" smtClean="0"/>
-              <a:t>2018-11-26</a:t>
+              <a:t>2018-11-27</a:t>
             </a:fld>
             <a:endParaRPr lang="ko-KR" altLang="en-US"/>
           </a:p>
@@ -2077,7 +2086,7 @@
           <p:cNvPr id="3" name="바닥글 개체 틀 2">
             <a:extLst>
               <a:ext uri="{FF2B5EF4-FFF2-40B4-BE49-F238E27FC236}">
-                <a16:creationId xmlns:a16="http://schemas.microsoft.com/office/drawing/2014/main" id="{58EE470F-A156-43DB-AF4D-A418A13FC06A}"/>
+                <a16:creationId xmlns:a16="http://schemas.microsoft.com/office/drawing/2014/main" xmlns="" id="{58EE470F-A156-43DB-AF4D-A418A13FC06A}"/>
               </a:ext>
             </a:extLst>
           </p:cNvPr>
@@ -2102,7 +2111,7 @@
           <p:cNvPr id="4" name="슬라이드 번호 개체 틀 3">
             <a:extLst>
               <a:ext uri="{FF2B5EF4-FFF2-40B4-BE49-F238E27FC236}">
-                <a16:creationId xmlns:a16="http://schemas.microsoft.com/office/drawing/2014/main" id="{D9E472DA-D5E2-4F99-8E2A-AB735C09801E}"/>
+                <a16:creationId xmlns:a16="http://schemas.microsoft.com/office/drawing/2014/main" xmlns="" id="{D9E472DA-D5E2-4F99-8E2A-AB735C09801E}"/>
               </a:ext>
             </a:extLst>
           </p:cNvPr>
@@ -2161,7 +2170,7 @@
           <p:cNvPr id="2" name="제목 1">
             <a:extLst>
               <a:ext uri="{FF2B5EF4-FFF2-40B4-BE49-F238E27FC236}">
-                <a16:creationId xmlns:a16="http://schemas.microsoft.com/office/drawing/2014/main" id="{EE8E2C22-E96D-4E30-829E-C5601080B61C}"/>
+                <a16:creationId xmlns:a16="http://schemas.microsoft.com/office/drawing/2014/main" xmlns="" id="{EE8E2C22-E96D-4E30-829E-C5601080B61C}"/>
               </a:ext>
             </a:extLst>
           </p:cNvPr>
@@ -2198,7 +2207,7 @@
           <p:cNvPr id="3" name="내용 개체 틀 2">
             <a:extLst>
               <a:ext uri="{FF2B5EF4-FFF2-40B4-BE49-F238E27FC236}">
-                <a16:creationId xmlns:a16="http://schemas.microsoft.com/office/drawing/2014/main" id="{FF85F714-56E0-45E6-A574-CFBABF0A914A}"/>
+                <a16:creationId xmlns:a16="http://schemas.microsoft.com/office/drawing/2014/main" xmlns="" id="{FF85F714-56E0-45E6-A574-CFBABF0A914A}"/>
               </a:ext>
             </a:extLst>
           </p:cNvPr>
@@ -2288,7 +2297,7 @@
           <p:cNvPr id="4" name="텍스트 개체 틀 3">
             <a:extLst>
               <a:ext uri="{FF2B5EF4-FFF2-40B4-BE49-F238E27FC236}">
-                <a16:creationId xmlns:a16="http://schemas.microsoft.com/office/drawing/2014/main" id="{6E1EB69D-CF07-420B-98BD-B53C60016B2E}"/>
+                <a16:creationId xmlns:a16="http://schemas.microsoft.com/office/drawing/2014/main" xmlns="" id="{6E1EB69D-CF07-420B-98BD-B53C60016B2E}"/>
               </a:ext>
             </a:extLst>
           </p:cNvPr>
@@ -2359,7 +2368,7 @@
           <p:cNvPr id="5" name="날짜 개체 틀 4">
             <a:extLst>
               <a:ext uri="{FF2B5EF4-FFF2-40B4-BE49-F238E27FC236}">
-                <a16:creationId xmlns:a16="http://schemas.microsoft.com/office/drawing/2014/main" id="{3F9EE376-932C-4F20-912A-19A9A92368BE}"/>
+                <a16:creationId xmlns:a16="http://schemas.microsoft.com/office/drawing/2014/main" xmlns="" id="{3F9EE376-932C-4F20-912A-19A9A92368BE}"/>
               </a:ext>
             </a:extLst>
           </p:cNvPr>
@@ -2377,7 +2386,7 @@
           <a:p>
             <a:fld id="{F1E08AD5-9E69-4E2B-9F94-C8CBCC606C5B}" type="datetimeFigureOut">
               <a:rPr lang="ko-KR" altLang="en-US" smtClean="0"/>
-              <a:t>2018-11-26</a:t>
+              <a:t>2018-11-27</a:t>
             </a:fld>
             <a:endParaRPr lang="ko-KR" altLang="en-US"/>
           </a:p>
@@ -2388,7 +2397,7 @@
           <p:cNvPr id="6" name="바닥글 개체 틀 5">
             <a:extLst>
               <a:ext uri="{FF2B5EF4-FFF2-40B4-BE49-F238E27FC236}">
-                <a16:creationId xmlns:a16="http://schemas.microsoft.com/office/drawing/2014/main" id="{6C08D442-9F4C-4537-AB2F-F56660233C99}"/>
+                <a16:creationId xmlns:a16="http://schemas.microsoft.com/office/drawing/2014/main" xmlns="" id="{6C08D442-9F4C-4537-AB2F-F56660233C99}"/>
               </a:ext>
             </a:extLst>
           </p:cNvPr>
@@ -2413,7 +2422,7 @@
           <p:cNvPr id="7" name="슬라이드 번호 개체 틀 6">
             <a:extLst>
               <a:ext uri="{FF2B5EF4-FFF2-40B4-BE49-F238E27FC236}">
-                <a16:creationId xmlns:a16="http://schemas.microsoft.com/office/drawing/2014/main" id="{9CFFC8C6-17C1-444B-B85B-E71B0A034E0B}"/>
+                <a16:creationId xmlns:a16="http://schemas.microsoft.com/office/drawing/2014/main" xmlns="" id="{9CFFC8C6-17C1-444B-B85B-E71B0A034E0B}"/>
               </a:ext>
             </a:extLst>
           </p:cNvPr>
@@ -2472,7 +2481,7 @@
           <p:cNvPr id="2" name="제목 1">
             <a:extLst>
               <a:ext uri="{FF2B5EF4-FFF2-40B4-BE49-F238E27FC236}">
-                <a16:creationId xmlns:a16="http://schemas.microsoft.com/office/drawing/2014/main" id="{63C56BF2-B225-434A-B878-CF35C517A78C}"/>
+                <a16:creationId xmlns:a16="http://schemas.microsoft.com/office/drawing/2014/main" xmlns="" id="{63C56BF2-B225-434A-B878-CF35C517A78C}"/>
               </a:ext>
             </a:extLst>
           </p:cNvPr>
@@ -2509,7 +2518,7 @@
           <p:cNvPr id="3" name="그림 개체 틀 2">
             <a:extLst>
               <a:ext uri="{FF2B5EF4-FFF2-40B4-BE49-F238E27FC236}">
-                <a16:creationId xmlns:a16="http://schemas.microsoft.com/office/drawing/2014/main" id="{735853CD-1204-4BFE-9E7D-FA03056BDF91}"/>
+                <a16:creationId xmlns:a16="http://schemas.microsoft.com/office/drawing/2014/main" xmlns="" id="{735853CD-1204-4BFE-9E7D-FA03056BDF91}"/>
               </a:ext>
             </a:extLst>
           </p:cNvPr>
@@ -2576,7 +2585,7 @@
           <p:cNvPr id="4" name="텍스트 개체 틀 3">
             <a:extLst>
               <a:ext uri="{FF2B5EF4-FFF2-40B4-BE49-F238E27FC236}">
-                <a16:creationId xmlns:a16="http://schemas.microsoft.com/office/drawing/2014/main" id="{630D1046-84F8-47E2-9637-EE1F8D66172A}"/>
+                <a16:creationId xmlns:a16="http://schemas.microsoft.com/office/drawing/2014/main" xmlns="" id="{630D1046-84F8-47E2-9637-EE1F8D66172A}"/>
               </a:ext>
             </a:extLst>
           </p:cNvPr>
@@ -2647,7 +2656,7 @@
           <p:cNvPr id="5" name="날짜 개체 틀 4">
             <a:extLst>
               <a:ext uri="{FF2B5EF4-FFF2-40B4-BE49-F238E27FC236}">
-                <a16:creationId xmlns:a16="http://schemas.microsoft.com/office/drawing/2014/main" id="{56573E4D-EA74-4746-B5BF-A9FF0E3AF999}"/>
+                <a16:creationId xmlns:a16="http://schemas.microsoft.com/office/drawing/2014/main" xmlns="" id="{56573E4D-EA74-4746-B5BF-A9FF0E3AF999}"/>
               </a:ext>
             </a:extLst>
           </p:cNvPr>
@@ -2665,7 +2674,7 @@
           <a:p>
             <a:fld id="{F1E08AD5-9E69-4E2B-9F94-C8CBCC606C5B}" type="datetimeFigureOut">
               <a:rPr lang="ko-KR" altLang="en-US" smtClean="0"/>
-              <a:t>2018-11-26</a:t>
+              <a:t>2018-11-27</a:t>
             </a:fld>
             <a:endParaRPr lang="ko-KR" altLang="en-US"/>
           </a:p>
@@ -2676,7 +2685,7 @@
           <p:cNvPr id="6" name="바닥글 개체 틀 5">
             <a:extLst>
               <a:ext uri="{FF2B5EF4-FFF2-40B4-BE49-F238E27FC236}">
-                <a16:creationId xmlns:a16="http://schemas.microsoft.com/office/drawing/2014/main" id="{53508D7C-3EBC-4B81-8BC0-015ACC2DF71B}"/>
+                <a16:creationId xmlns:a16="http://schemas.microsoft.com/office/drawing/2014/main" xmlns="" id="{53508D7C-3EBC-4B81-8BC0-015ACC2DF71B}"/>
               </a:ext>
             </a:extLst>
           </p:cNvPr>
@@ -2701,7 +2710,7 @@
           <p:cNvPr id="7" name="슬라이드 번호 개체 틀 6">
             <a:extLst>
               <a:ext uri="{FF2B5EF4-FFF2-40B4-BE49-F238E27FC236}">
-                <a16:creationId xmlns:a16="http://schemas.microsoft.com/office/drawing/2014/main" id="{F06D730C-C52D-488A-B3AC-856FBF2E0D93}"/>
+                <a16:creationId xmlns:a16="http://schemas.microsoft.com/office/drawing/2014/main" xmlns="" id="{F06D730C-C52D-488A-B3AC-856FBF2E0D93}"/>
               </a:ext>
             </a:extLst>
           </p:cNvPr>
@@ -2765,7 +2774,7 @@
           <p:cNvPr id="2" name="제목 개체 틀 1">
             <a:extLst>
               <a:ext uri="{FF2B5EF4-FFF2-40B4-BE49-F238E27FC236}">
-                <a16:creationId xmlns:a16="http://schemas.microsoft.com/office/drawing/2014/main" id="{9820A22F-101A-402F-A5BB-D095C3AA9064}"/>
+                <a16:creationId xmlns:a16="http://schemas.microsoft.com/office/drawing/2014/main" xmlns="" id="{9820A22F-101A-402F-A5BB-D095C3AA9064}"/>
               </a:ext>
             </a:extLst>
           </p:cNvPr>
@@ -2803,7 +2812,7 @@
           <p:cNvPr id="3" name="텍스트 개체 틀 2">
             <a:extLst>
               <a:ext uri="{FF2B5EF4-FFF2-40B4-BE49-F238E27FC236}">
-                <a16:creationId xmlns:a16="http://schemas.microsoft.com/office/drawing/2014/main" id="{21450A64-DD20-48B6-913C-D3DE6053C593}"/>
+                <a16:creationId xmlns:a16="http://schemas.microsoft.com/office/drawing/2014/main" xmlns="" id="{21450A64-DD20-48B6-913C-D3DE6053C593}"/>
               </a:ext>
             </a:extLst>
           </p:cNvPr>
@@ -2870,7 +2879,7 @@
           <p:cNvPr id="4" name="날짜 개체 틀 3">
             <a:extLst>
               <a:ext uri="{FF2B5EF4-FFF2-40B4-BE49-F238E27FC236}">
-                <a16:creationId xmlns:a16="http://schemas.microsoft.com/office/drawing/2014/main" id="{A5C6B5C1-6075-4315-A6E3-6CCB2438CE33}"/>
+                <a16:creationId xmlns:a16="http://schemas.microsoft.com/office/drawing/2014/main" xmlns="" id="{A5C6B5C1-6075-4315-A6E3-6CCB2438CE33}"/>
               </a:ext>
             </a:extLst>
           </p:cNvPr>
@@ -2906,7 +2915,7 @@
           <a:p>
             <a:fld id="{F1E08AD5-9E69-4E2B-9F94-C8CBCC606C5B}" type="datetimeFigureOut">
               <a:rPr lang="ko-KR" altLang="en-US" smtClean="0"/>
-              <a:t>2018-11-26</a:t>
+              <a:t>2018-11-27</a:t>
             </a:fld>
             <a:endParaRPr lang="ko-KR" altLang="en-US"/>
           </a:p>
@@ -2917,7 +2926,7 @@
           <p:cNvPr id="5" name="바닥글 개체 틀 4">
             <a:extLst>
               <a:ext uri="{FF2B5EF4-FFF2-40B4-BE49-F238E27FC236}">
-                <a16:creationId xmlns:a16="http://schemas.microsoft.com/office/drawing/2014/main" id="{44EC332D-5CC3-4692-ADAC-F797423C040C}"/>
+                <a16:creationId xmlns:a16="http://schemas.microsoft.com/office/drawing/2014/main" xmlns="" id="{44EC332D-5CC3-4692-ADAC-F797423C040C}"/>
               </a:ext>
             </a:extLst>
           </p:cNvPr>
@@ -2960,7 +2969,7 @@
           <p:cNvPr id="6" name="슬라이드 번호 개체 틀 5">
             <a:extLst>
               <a:ext uri="{FF2B5EF4-FFF2-40B4-BE49-F238E27FC236}">
-                <a16:creationId xmlns:a16="http://schemas.microsoft.com/office/drawing/2014/main" id="{6EAA751D-6B6D-458B-9E99-DFAF8049E4EA}"/>
+                <a16:creationId xmlns:a16="http://schemas.microsoft.com/office/drawing/2014/main" xmlns="" id="{6EAA751D-6B6D-458B-9E99-DFAF8049E4EA}"/>
               </a:ext>
             </a:extLst>
           </p:cNvPr>
@@ -3325,62 +3334,10 @@
       </p:grpSpPr>
       <p:sp>
         <p:nvSpPr>
-          <p:cNvPr id="4" name="직사각형 3">
-            <a:extLst>
-              <a:ext uri="{FF2B5EF4-FFF2-40B4-BE49-F238E27FC236}">
-                <a16:creationId xmlns:a16="http://schemas.microsoft.com/office/drawing/2014/main" id="{FC0C0D25-D217-4498-9619-FFD24B55B160}"/>
-              </a:ext>
-            </a:extLst>
-          </p:cNvPr>
-          <p:cNvSpPr/>
-          <p:nvPr/>
-        </p:nvSpPr>
-        <p:spPr>
-          <a:xfrm>
-            <a:off x="0" y="3395133"/>
-            <a:ext cx="12192000" cy="67734"/>
-          </a:xfrm>
-          <a:prstGeom prst="rect">
-            <a:avLst/>
-          </a:prstGeom>
-          <a:solidFill>
-            <a:schemeClr val="tx1"/>
-          </a:solidFill>
-          <a:ln>
-            <a:noFill/>
-          </a:ln>
-        </p:spPr>
-        <p:style>
-          <a:lnRef idx="2">
-            <a:schemeClr val="accent1">
-              <a:shade val="50000"/>
-            </a:schemeClr>
-          </a:lnRef>
-          <a:fillRef idx="1">
-            <a:schemeClr val="accent1"/>
-          </a:fillRef>
-          <a:effectRef idx="0">
-            <a:schemeClr val="accent1"/>
-          </a:effectRef>
-          <a:fontRef idx="minor">
-            <a:schemeClr val="lt1"/>
-          </a:fontRef>
-        </p:style>
-        <p:txBody>
-          <a:bodyPr rtlCol="0" anchor="ctr"/>
-          <a:lstStyle/>
-          <a:p>
-            <a:pPr algn="ctr"/>
-            <a:endParaRPr lang="ko-KR" altLang="en-US"/>
-          </a:p>
-        </p:txBody>
-      </p:sp>
-      <p:sp>
-        <p:nvSpPr>
           <p:cNvPr id="6" name="TextBox 5">
             <a:extLst>
               <a:ext uri="{FF2B5EF4-FFF2-40B4-BE49-F238E27FC236}">
-                <a16:creationId xmlns:a16="http://schemas.microsoft.com/office/drawing/2014/main" id="{090DD904-92DF-4C00-9DEF-62DB324CA9DC}"/>
+                <a16:creationId xmlns:a16="http://schemas.microsoft.com/office/drawing/2014/main" xmlns="" id="{090DD904-92DF-4C00-9DEF-62DB324CA9DC}"/>
               </a:ext>
             </a:extLst>
           </p:cNvPr>
@@ -3390,7 +3347,7 @@
         <p:spPr>
           <a:xfrm>
             <a:off x="9392355" y="5664692"/>
-            <a:ext cx="2454518" cy="707886"/>
+            <a:ext cx="2484976" cy="707886"/>
           </a:xfrm>
           <a:prstGeom prst="rect">
             <a:avLst/>
@@ -3404,25 +3361,43 @@
           <a:lstStyle/>
           <a:p>
             <a:r>
-              <a:rPr lang="en-US" altLang="ko-KR" sz="2000" dirty="0"/>
+              <a:rPr lang="en-US" altLang="ko-KR" sz="2000" dirty="0">
+                <a:latin typeface="Adobe 고딕 Std B" panose="020B0800000000000000" pitchFamily="34" charset="-127"/>
+                <a:ea typeface="Adobe 고딕 Std B" panose="020B0800000000000000" pitchFamily="34" charset="-127"/>
+              </a:rPr>
               <a:t>2013180049 </a:t>
             </a:r>
             <a:r>
-              <a:rPr lang="ko-KR" altLang="en-US" sz="2000" dirty="0"/>
+              <a:rPr lang="ko-KR" altLang="en-US" sz="2000" dirty="0">
+                <a:latin typeface="Adobe 고딕 Std B" panose="020B0800000000000000" pitchFamily="34" charset="-127"/>
+                <a:ea typeface="Adobe 고딕 Std B" panose="020B0800000000000000" pitchFamily="34" charset="-127"/>
+              </a:rPr>
               <a:t>김천기</a:t>
             </a:r>
-            <a:endParaRPr lang="en-US" altLang="ko-KR" sz="2000" dirty="0"/>
-          </a:p>
-          <a:p>
-            <a:r>
-              <a:rPr lang="en-US" altLang="ko-KR" sz="2000" dirty="0"/>
+            <a:endParaRPr lang="en-US" altLang="ko-KR" sz="2000" dirty="0">
+              <a:latin typeface="Adobe 고딕 Std B" panose="020B0800000000000000" pitchFamily="34" charset="-127"/>
+              <a:ea typeface="Adobe 고딕 Std B" panose="020B0800000000000000" pitchFamily="34" charset="-127"/>
+            </a:endParaRPr>
+          </a:p>
+          <a:p>
+            <a:r>
+              <a:rPr lang="en-US" altLang="ko-KR" sz="2000" dirty="0">
+                <a:latin typeface="Adobe 고딕 Std B" panose="020B0800000000000000" pitchFamily="34" charset="-127"/>
+                <a:ea typeface="Adobe 고딕 Std B" panose="020B0800000000000000" pitchFamily="34" charset="-127"/>
+              </a:rPr>
               <a:t>2016182029 </a:t>
             </a:r>
             <a:r>
-              <a:rPr lang="ko-KR" altLang="en-US" sz="2000" dirty="0" err="1"/>
+              <a:rPr lang="ko-KR" altLang="en-US" sz="2000" dirty="0" err="1">
+                <a:latin typeface="Adobe 고딕 Std B" panose="020B0800000000000000" pitchFamily="34" charset="-127"/>
+                <a:ea typeface="Adobe 고딕 Std B" panose="020B0800000000000000" pitchFamily="34" charset="-127"/>
+              </a:rPr>
               <a:t>이소현</a:t>
             </a:r>
-            <a:endParaRPr lang="en-US" altLang="ko-KR" sz="2000" dirty="0"/>
+            <a:endParaRPr lang="en-US" altLang="ko-KR" sz="2000" dirty="0">
+              <a:latin typeface="Adobe 고딕 Std B" panose="020B0800000000000000" pitchFamily="34" charset="-127"/>
+              <a:ea typeface="Adobe 고딕 Std B" panose="020B0800000000000000" pitchFamily="34" charset="-127"/>
+            </a:endParaRPr>
           </a:p>
         </p:txBody>
       </p:sp>
@@ -3431,7 +3406,7 @@
           <p:cNvPr id="7" name="직사각형 6">
             <a:extLst>
               <a:ext uri="{FF2B5EF4-FFF2-40B4-BE49-F238E27FC236}">
-                <a16:creationId xmlns:a16="http://schemas.microsoft.com/office/drawing/2014/main" id="{60ABF07A-FE4E-4688-80CC-687EED60F91B}"/>
+                <a16:creationId xmlns:a16="http://schemas.microsoft.com/office/drawing/2014/main" xmlns="" id="{60ABF07A-FE4E-4688-80CC-687EED60F91B}"/>
               </a:ext>
             </a:extLst>
           </p:cNvPr>
@@ -3483,7 +3458,7 @@
           <p:cNvPr id="8" name="TextBox 7">
             <a:extLst>
               <a:ext uri="{FF2B5EF4-FFF2-40B4-BE49-F238E27FC236}">
-                <a16:creationId xmlns:a16="http://schemas.microsoft.com/office/drawing/2014/main" id="{6136D3A2-8D78-4CCE-AFF0-FB3E4EC571BB}"/>
+                <a16:creationId xmlns:a16="http://schemas.microsoft.com/office/drawing/2014/main" xmlns="" id="{6136D3A2-8D78-4CCE-AFF0-FB3E4EC571BB}"/>
               </a:ext>
             </a:extLst>
           </p:cNvPr>
@@ -3492,8 +3467,8 @@
         </p:nvSpPr>
         <p:spPr>
           <a:xfrm>
-            <a:off x="722490" y="4972756"/>
-            <a:ext cx="1948354" cy="369332"/>
+            <a:off x="722489" y="4972756"/>
+            <a:ext cx="2123742" cy="369332"/>
           </a:xfrm>
           <a:prstGeom prst="rect">
             <a:avLst/>
@@ -3501,20 +3476,29 @@
           <a:noFill/>
         </p:spPr>
         <p:txBody>
-          <a:bodyPr wrap="none" rtlCol="0">
+          <a:bodyPr wrap="square" rtlCol="0">
             <a:spAutoFit/>
           </a:bodyPr>
           <a:lstStyle/>
           <a:p>
             <a:r>
-              <a:rPr lang="en-US" altLang="ko-KR" dirty="0"/>
+              <a:rPr lang="en-US" altLang="ko-KR" dirty="0">
+                <a:latin typeface="Adobe 고딕 Std B" panose="020B0800000000000000" pitchFamily="34" charset="-127"/>
+                <a:ea typeface="Adobe 고딕 Std B" panose="020B0800000000000000" pitchFamily="34" charset="-127"/>
+              </a:rPr>
               <a:t>Professor. </a:t>
             </a:r>
             <a:r>
-              <a:rPr lang="ko-KR" altLang="en-US" dirty="0" err="1"/>
+              <a:rPr lang="ko-KR" altLang="en-US" dirty="0" err="1">
+                <a:latin typeface="Adobe 고딕 Std B" panose="020B0800000000000000" pitchFamily="34" charset="-127"/>
+                <a:ea typeface="Adobe 고딕 Std B" panose="020B0800000000000000" pitchFamily="34" charset="-127"/>
+              </a:rPr>
               <a:t>김경철</a:t>
             </a:r>
-            <a:endParaRPr lang="ko-KR" altLang="en-US" dirty="0"/>
+            <a:endParaRPr lang="ko-KR" altLang="en-US" dirty="0">
+              <a:latin typeface="Adobe 고딕 Std B" panose="020B0800000000000000" pitchFamily="34" charset="-127"/>
+              <a:ea typeface="Adobe 고딕 Std B" panose="020B0800000000000000" pitchFamily="34" charset="-127"/>
+            </a:endParaRPr>
           </a:p>
         </p:txBody>
       </p:sp>
@@ -3523,7 +3507,7 @@
           <p:cNvPr id="10" name="직선 연결선 9">
             <a:extLst>
               <a:ext uri="{FF2B5EF4-FFF2-40B4-BE49-F238E27FC236}">
-                <a16:creationId xmlns:a16="http://schemas.microsoft.com/office/drawing/2014/main" id="{B3FBACC2-97ED-4D82-BB8A-5711DC7F65D1}"/>
+                <a16:creationId xmlns:a16="http://schemas.microsoft.com/office/drawing/2014/main" xmlns="" id="{B3FBACC2-97ED-4D82-BB8A-5711DC7F65D1}"/>
               </a:ext>
             </a:extLst>
           </p:cNvPr>
@@ -3561,10 +3545,89 @@
       </p:cxnSp>
       <p:sp>
         <p:nvSpPr>
+          <p:cNvPr id="17" name="object 3"/>
+          <p:cNvSpPr/>
+          <p:nvPr/>
+        </p:nvSpPr>
+        <p:spPr>
+          <a:xfrm>
+            <a:off x="-12879" y="2899603"/>
+            <a:ext cx="12192000" cy="2257819"/>
+          </a:xfrm>
+          <a:prstGeom prst="rect">
+            <a:avLst/>
+          </a:prstGeom>
+          <a:blipFill>
+            <a:blip r:embed="rId2" cstate="print"/>
+            <a:stretch>
+              <a:fillRect/>
+            </a:stretch>
+          </a:blipFill>
+        </p:spPr>
+        <p:txBody>
+          <a:bodyPr wrap="square" lIns="0" tIns="0" rIns="0" bIns="0" rtlCol="0"/>
+          <a:lstStyle/>
+          <a:p>
+            <a:endParaRPr/>
+          </a:p>
+        </p:txBody>
+      </p:sp>
+      <p:sp>
+        <p:nvSpPr>
+          <p:cNvPr id="18" name="object 4"/>
+          <p:cNvSpPr/>
+          <p:nvPr/>
+        </p:nvSpPr>
+        <p:spPr>
+          <a:xfrm>
+            <a:off x="0" y="3125989"/>
+            <a:ext cx="12192000" cy="862537"/>
+          </a:xfrm>
+          <a:custGeom>
+            <a:avLst/>
+            <a:gdLst/>
+            <a:ahLst/>
+            <a:cxnLst/>
+            <a:rect l="l" t="t" r="r" b="b"/>
+            <a:pathLst>
+              <a:path w="12192000" h="1270000">
+                <a:moveTo>
+                  <a:pt x="0" y="0"/>
+                </a:moveTo>
+                <a:lnTo>
+                  <a:pt x="12192000" y="0"/>
+                </a:lnTo>
+                <a:lnTo>
+                  <a:pt x="12192000" y="1269999"/>
+                </a:lnTo>
+                <a:lnTo>
+                  <a:pt x="0" y="1269999"/>
+                </a:lnTo>
+                <a:lnTo>
+                  <a:pt x="0" y="0"/>
+                </a:lnTo>
+                <a:close/>
+              </a:path>
+            </a:pathLst>
+          </a:custGeom>
+          <a:solidFill>
+            <a:srgbClr val="FABACF"/>
+          </a:solidFill>
+        </p:spPr>
+        <p:txBody>
+          <a:bodyPr wrap="square" lIns="0" tIns="0" rIns="0" bIns="0" rtlCol="0"/>
+          <a:lstStyle/>
+          <a:p>
+            <a:endParaRPr/>
+          </a:p>
+        </p:txBody>
+      </p:sp>
+      <p:sp>
+        <p:nvSpPr>
           <p:cNvPr id="11" name="TextBox 10">
             <a:extLst>
               <a:ext uri="{FF2B5EF4-FFF2-40B4-BE49-F238E27FC236}">
-                <a16:creationId xmlns:a16="http://schemas.microsoft.com/office/drawing/2014/main" id="{91BE35E7-FEAB-4F32-8A4C-A484EAB8A745}"/>
+                <a16:creationId xmlns:a16="http://schemas.microsoft.com/office/drawing/2014/main" xmlns="" id="{91BE35E7-FEAB-4F32-8A4C-A484EAB8A745}"/>
               </a:ext>
             </a:extLst>
           </p:cNvPr>
@@ -3573,8 +3636,8 @@
         </p:nvSpPr>
         <p:spPr>
           <a:xfrm>
-            <a:off x="3997579" y="2739592"/>
-            <a:ext cx="4038798" cy="1446550"/>
+            <a:off x="2065739" y="1858835"/>
+            <a:ext cx="8034764" cy="2246769"/>
           </a:xfrm>
           <a:prstGeom prst="rect">
             <a:avLst/>
@@ -3589,17 +3652,69 @@
           <a:p>
             <a:pPr algn="ctr"/>
             <a:r>
-              <a:rPr lang="en-US" altLang="ko-KR" sz="4400" dirty="0"/>
-              <a:t>PLAY GROUND</a:t>
+              <a:rPr lang="en-US" altLang="ko-KR" sz="8000" u="sng" dirty="0">
+                <a:latin typeface="타이포_쌍문동 B" panose="02020803020101020101" pitchFamily="18" charset="-127"/>
+                <a:ea typeface="타이포_쌍문동 B" panose="02020803020101020101" pitchFamily="18" charset="-127"/>
+              </a:rPr>
+              <a:t>PLAY </a:t>
+            </a:r>
+            <a:r>
+              <a:rPr lang="en-US" altLang="ko-KR" sz="8000" u="sng" dirty="0" smtClean="0">
+                <a:latin typeface="타이포_쌍문동 B" panose="02020803020101020101" pitchFamily="18" charset="-127"/>
+                <a:ea typeface="타이포_쌍문동 B" panose="02020803020101020101" pitchFamily="18" charset="-127"/>
+              </a:rPr>
+              <a:t>GROUND</a:t>
             </a:r>
           </a:p>
           <a:p>
             <a:pPr algn="ctr"/>
             <a:r>
-              <a:rPr lang="en-US" altLang="ko-KR" sz="4400" dirty="0"/>
-              <a:t>: ON AIR</a:t>
-            </a:r>
-            <a:endParaRPr lang="ko-KR" altLang="en-US" sz="4400" dirty="0"/>
+              <a:rPr lang="en-US" altLang="ko-KR" sz="6000" dirty="0" smtClean="0">
+                <a:latin typeface="타이포_쌍문동 B" panose="02020803020101020101" pitchFamily="18" charset="-127"/>
+                <a:ea typeface="타이포_쌍문동 B" panose="02020803020101020101" pitchFamily="18" charset="-127"/>
+              </a:rPr>
+              <a:t>ON </a:t>
+            </a:r>
+            <a:r>
+              <a:rPr lang="en-US" altLang="ko-KR" sz="6000" dirty="0">
+                <a:latin typeface="타이포_쌍문동 B" panose="02020803020101020101" pitchFamily="18" charset="-127"/>
+                <a:ea typeface="타이포_쌍문동 B" panose="02020803020101020101" pitchFamily="18" charset="-127"/>
+              </a:rPr>
+              <a:t>AIR</a:t>
+            </a:r>
+            <a:endParaRPr lang="ko-KR" altLang="en-US" sz="6000" dirty="0">
+              <a:latin typeface="타이포_쌍문동 B" panose="02020803020101020101" pitchFamily="18" charset="-127"/>
+              <a:ea typeface="타이포_쌍문동 B" panose="02020803020101020101" pitchFamily="18" charset="-127"/>
+            </a:endParaRPr>
+          </a:p>
+        </p:txBody>
+      </p:sp>
+      <p:sp>
+        <p:nvSpPr>
+          <p:cNvPr id="20" name="object 3"/>
+          <p:cNvSpPr/>
+          <p:nvPr/>
+        </p:nvSpPr>
+        <p:spPr>
+          <a:xfrm>
+            <a:off x="2202287" y="1919914"/>
+            <a:ext cx="7765961" cy="2185690"/>
+          </a:xfrm>
+          <a:prstGeom prst="rect">
+            <a:avLst/>
+          </a:prstGeom>
+          <a:blipFill>
+            <a:blip r:embed="rId2" cstate="print"/>
+            <a:stretch>
+              <a:fillRect/>
+            </a:stretch>
+          </a:blipFill>
+        </p:spPr>
+        <p:txBody>
+          <a:bodyPr wrap="square" lIns="0" tIns="0" rIns="0" bIns="0" rtlCol="0"/>
+          <a:lstStyle/>
+          <a:p>
+            <a:endParaRPr/>
           </a:p>
         </p:txBody>
       </p:sp>
@@ -3613,6 +3728,13 @@
   <p:clrMapOvr>
     <a:masterClrMapping/>
   </p:clrMapOvr>
+  <p:timing>
+    <p:tnLst>
+      <p:par>
+        <p:cTn id="1" dur="indefinite" restart="never" nodeType="tmRoot"/>
+      </p:par>
+    </p:tnLst>
+  </p:timing>
 </p:sld>
 </file>
 
@@ -3635,53 +3757,306 @@
       </p:grpSpPr>
       <p:sp>
         <p:nvSpPr>
-          <p:cNvPr id="4" name="직사각형 3">
-            <a:extLst>
-              <a:ext uri="{FF2B5EF4-FFF2-40B4-BE49-F238E27FC236}">
-                <a16:creationId xmlns:a16="http://schemas.microsoft.com/office/drawing/2014/main" id="{BBA19A6B-3A6A-4FCE-A774-6EED780621A0}"/>
-              </a:ext>
-            </a:extLst>
-          </p:cNvPr>
+          <p:cNvPr id="3" name="object 4"/>
           <p:cNvSpPr/>
           <p:nvPr/>
         </p:nvSpPr>
         <p:spPr>
           <a:xfrm>
-            <a:off x="0" y="832555"/>
-            <a:ext cx="12192000" cy="67734"/>
+            <a:off x="0" y="837127"/>
+            <a:ext cx="12192000" cy="86228"/>
+          </a:xfrm>
+          <a:custGeom>
+            <a:avLst/>
+            <a:gdLst/>
+            <a:ahLst/>
+            <a:cxnLst/>
+            <a:rect l="l" t="t" r="r" b="b"/>
+            <a:pathLst>
+              <a:path w="12192000" h="1270000">
+                <a:moveTo>
+                  <a:pt x="0" y="0"/>
+                </a:moveTo>
+                <a:lnTo>
+                  <a:pt x="12192000" y="0"/>
+                </a:lnTo>
+                <a:lnTo>
+                  <a:pt x="12192000" y="1269999"/>
+                </a:lnTo>
+                <a:lnTo>
+                  <a:pt x="0" y="1269999"/>
+                </a:lnTo>
+                <a:lnTo>
+                  <a:pt x="0" y="0"/>
+                </a:lnTo>
+                <a:close/>
+              </a:path>
+            </a:pathLst>
+          </a:custGeom>
+          <a:solidFill>
+            <a:srgbClr val="FABACF"/>
+          </a:solidFill>
+        </p:spPr>
+        <p:txBody>
+          <a:bodyPr wrap="square" lIns="0" tIns="0" rIns="0" bIns="0" rtlCol="0"/>
+          <a:lstStyle/>
+          <a:p>
+            <a:endParaRPr/>
+          </a:p>
+        </p:txBody>
+      </p:sp>
+      <p:sp>
+        <p:nvSpPr>
+          <p:cNvPr id="2" name="TextBox 1"/>
+          <p:cNvSpPr txBox="1"/>
+          <p:nvPr/>
+        </p:nvSpPr>
+        <p:spPr>
+          <a:xfrm>
+            <a:off x="180303" y="129241"/>
+            <a:ext cx="3815468" cy="707886"/>
           </a:xfrm>
           <a:prstGeom prst="rect">
             <a:avLst/>
           </a:prstGeom>
-          <a:solidFill>
-            <a:schemeClr val="tx1"/>
-          </a:solidFill>
-          <a:ln>
-            <a:noFill/>
-          </a:ln>
+          <a:noFill/>
         </p:spPr>
-        <p:style>
-          <a:lnRef idx="2">
-            <a:schemeClr val="accent1">
-              <a:shade val="50000"/>
-            </a:schemeClr>
-          </a:lnRef>
-          <a:fillRef idx="1">
-            <a:schemeClr val="accent1"/>
-          </a:fillRef>
-          <a:effectRef idx="0">
-            <a:schemeClr val="accent1"/>
-          </a:effectRef>
-          <a:fontRef idx="minor">
-            <a:schemeClr val="lt1"/>
-          </a:fontRef>
-        </p:style>
-        <p:txBody>
-          <a:bodyPr rtlCol="0" anchor="ctr"/>
-          <a:lstStyle/>
-          <a:p>
-            <a:pPr algn="ctr"/>
-            <a:endParaRPr lang="ko-KR" altLang="en-US"/>
+        <p:txBody>
+          <a:bodyPr wrap="none" rtlCol="0">
+            <a:spAutoFit/>
+          </a:bodyPr>
+          <a:lstStyle/>
+          <a:p>
+            <a:pPr marL="571500" indent="-571500">
+              <a:buFont typeface="Arial" panose="020B0604020202020204" pitchFamily="34" charset="0"/>
+              <a:buChar char="•"/>
+            </a:pPr>
+            <a:r>
+              <a:rPr lang="en-US" altLang="ko-KR" sz="4000" dirty="0" smtClean="0">
+                <a:latin typeface="타이포_쌍문동 B" panose="02020803020101020101" pitchFamily="18" charset="-127"/>
+                <a:ea typeface="타이포_쌍문동 B" panose="02020803020101020101" pitchFamily="18" charset="-127"/>
+              </a:rPr>
+              <a:t>CONTENTS</a:t>
+            </a:r>
+            <a:endParaRPr lang="ko-KR" altLang="en-US" sz="4000" dirty="0">
+              <a:latin typeface="타이포_쌍문동 B" panose="02020803020101020101" pitchFamily="18" charset="-127"/>
+              <a:ea typeface="타이포_쌍문동 B" panose="02020803020101020101" pitchFamily="18" charset="-127"/>
+            </a:endParaRPr>
+          </a:p>
+        </p:txBody>
+      </p:sp>
+      <p:sp>
+        <p:nvSpPr>
+          <p:cNvPr id="5" name="TextBox 4"/>
+          <p:cNvSpPr txBox="1"/>
+          <p:nvPr/>
+        </p:nvSpPr>
+        <p:spPr>
+          <a:xfrm>
+            <a:off x="1596980" y="1454762"/>
+            <a:ext cx="2422458" cy="584775"/>
+          </a:xfrm>
+          <a:prstGeom prst="rect">
+            <a:avLst/>
+          </a:prstGeom>
+          <a:noFill/>
+        </p:spPr>
+        <p:txBody>
+          <a:bodyPr wrap="none" rtlCol="0">
+            <a:spAutoFit/>
+          </a:bodyPr>
+          <a:lstStyle/>
+          <a:p>
+            <a:r>
+              <a:rPr lang="en-US" altLang="ko-KR" sz="3200" dirty="0" smtClean="0">
+                <a:latin typeface="HY헤드라인M" panose="02030600000101010101" pitchFamily="18" charset="-127"/>
+                <a:ea typeface="HY헤드라인M" panose="02030600000101010101" pitchFamily="18" charset="-127"/>
+              </a:rPr>
+              <a:t>1. </a:t>
+            </a:r>
+            <a:r>
+              <a:rPr lang="ko-KR" altLang="en-US" sz="3200" dirty="0" smtClean="0">
+                <a:latin typeface="HY헤드라인M" panose="02030600000101010101" pitchFamily="18" charset="-127"/>
+                <a:ea typeface="HY헤드라인M" panose="02030600000101010101" pitchFamily="18" charset="-127"/>
+              </a:rPr>
+              <a:t>연구 목적</a:t>
+            </a:r>
+            <a:endParaRPr lang="ko-KR" altLang="en-US" sz="3200" dirty="0">
+              <a:latin typeface="HY헤드라인M" panose="02030600000101010101" pitchFamily="18" charset="-127"/>
+              <a:ea typeface="HY헤드라인M" panose="02030600000101010101" pitchFamily="18" charset="-127"/>
+            </a:endParaRPr>
+          </a:p>
+        </p:txBody>
+      </p:sp>
+      <p:sp>
+        <p:nvSpPr>
+          <p:cNvPr id="6" name="TextBox 5"/>
+          <p:cNvSpPr txBox="1"/>
+          <p:nvPr/>
+        </p:nvSpPr>
+        <p:spPr>
+          <a:xfrm>
+            <a:off x="1596980" y="2492645"/>
+            <a:ext cx="3789820" cy="584775"/>
+          </a:xfrm>
+          <a:prstGeom prst="rect">
+            <a:avLst/>
+          </a:prstGeom>
+          <a:noFill/>
+        </p:spPr>
+        <p:txBody>
+          <a:bodyPr wrap="none" rtlCol="0">
+            <a:spAutoFit/>
+          </a:bodyPr>
+          <a:lstStyle/>
+          <a:p>
+            <a:r>
+              <a:rPr lang="en-US" altLang="ko-KR" sz="3200" dirty="0" smtClean="0">
+                <a:latin typeface="HY헤드라인M" panose="02030600000101010101" pitchFamily="18" charset="-127"/>
+                <a:ea typeface="HY헤드라인M" panose="02030600000101010101" pitchFamily="18" charset="-127"/>
+              </a:rPr>
+              <a:t>2. </a:t>
+            </a:r>
+            <a:r>
+              <a:rPr lang="ko-KR" altLang="en-US" sz="3200" dirty="0" smtClean="0">
+                <a:latin typeface="HY헤드라인M" panose="02030600000101010101" pitchFamily="18" charset="-127"/>
+                <a:ea typeface="HY헤드라인M" panose="02030600000101010101" pitchFamily="18" charset="-127"/>
+              </a:rPr>
+              <a:t>게임소개 및 특징</a:t>
+            </a:r>
+            <a:endParaRPr lang="ko-KR" altLang="en-US" sz="3200" dirty="0">
+              <a:latin typeface="HY헤드라인M" panose="02030600000101010101" pitchFamily="18" charset="-127"/>
+              <a:ea typeface="HY헤드라인M" panose="02030600000101010101" pitchFamily="18" charset="-127"/>
+            </a:endParaRPr>
+          </a:p>
+        </p:txBody>
+      </p:sp>
+      <p:sp>
+        <p:nvSpPr>
+          <p:cNvPr id="7" name="TextBox 6"/>
+          <p:cNvSpPr txBox="1"/>
+          <p:nvPr/>
+        </p:nvSpPr>
+        <p:spPr>
+          <a:xfrm>
+            <a:off x="1596980" y="3485143"/>
+            <a:ext cx="3926075" cy="584775"/>
+          </a:xfrm>
+          <a:prstGeom prst="rect">
+            <a:avLst/>
+          </a:prstGeom>
+          <a:noFill/>
+        </p:spPr>
+        <p:txBody>
+          <a:bodyPr wrap="none" rtlCol="0">
+            <a:spAutoFit/>
+          </a:bodyPr>
+          <a:lstStyle/>
+          <a:p>
+            <a:r>
+              <a:rPr lang="en-US" altLang="ko-KR" sz="3200" dirty="0" smtClean="0">
+                <a:latin typeface="HY헤드라인M" panose="02030600000101010101" pitchFamily="18" charset="-127"/>
+                <a:ea typeface="HY헤드라인M" panose="02030600000101010101" pitchFamily="18" charset="-127"/>
+              </a:rPr>
+              <a:t>3. </a:t>
+            </a:r>
+            <a:r>
+              <a:rPr lang="ko-KR" altLang="en-US" sz="3200" dirty="0" smtClean="0">
+                <a:latin typeface="HY헤드라인M" panose="02030600000101010101" pitchFamily="18" charset="-127"/>
+                <a:ea typeface="HY헤드라인M" panose="02030600000101010101" pitchFamily="18" charset="-127"/>
+              </a:rPr>
+              <a:t>구현 환경 및 기술</a:t>
+            </a:r>
+            <a:endParaRPr lang="ko-KR" altLang="en-US" sz="3200" dirty="0">
+              <a:latin typeface="HY헤드라인M" panose="02030600000101010101" pitchFamily="18" charset="-127"/>
+              <a:ea typeface="HY헤드라인M" panose="02030600000101010101" pitchFamily="18" charset="-127"/>
+            </a:endParaRPr>
+          </a:p>
+        </p:txBody>
+      </p:sp>
+      <p:sp>
+        <p:nvSpPr>
+          <p:cNvPr id="8" name="TextBox 7"/>
+          <p:cNvSpPr txBox="1"/>
+          <p:nvPr/>
+        </p:nvSpPr>
+        <p:spPr>
+          <a:xfrm>
+            <a:off x="1596980" y="4523026"/>
+            <a:ext cx="4200189" cy="584775"/>
+          </a:xfrm>
+          <a:prstGeom prst="rect">
+            <a:avLst/>
+          </a:prstGeom>
+          <a:noFill/>
+        </p:spPr>
+        <p:txBody>
+          <a:bodyPr wrap="none" rtlCol="0">
+            <a:spAutoFit/>
+          </a:bodyPr>
+          <a:lstStyle/>
+          <a:p>
+            <a:r>
+              <a:rPr lang="en-US" altLang="ko-KR" sz="3200" dirty="0" smtClean="0">
+                <a:latin typeface="HY헤드라인M" panose="02030600000101010101" pitchFamily="18" charset="-127"/>
+                <a:ea typeface="HY헤드라인M" panose="02030600000101010101" pitchFamily="18" charset="-127"/>
+              </a:rPr>
+              <a:t>4. </a:t>
+            </a:r>
+            <a:r>
+              <a:rPr lang="ko-KR" altLang="en-US" sz="3200" dirty="0" smtClean="0">
+                <a:latin typeface="HY헤드라인M" panose="02030600000101010101" pitchFamily="18" charset="-127"/>
+                <a:ea typeface="HY헤드라인M" panose="02030600000101010101" pitchFamily="18" charset="-127"/>
+              </a:rPr>
+              <a:t>타 제품과의 차별성</a:t>
+            </a:r>
+            <a:endParaRPr lang="ko-KR" altLang="en-US" sz="3200" dirty="0">
+              <a:latin typeface="HY헤드라인M" panose="02030600000101010101" pitchFamily="18" charset="-127"/>
+              <a:ea typeface="HY헤드라인M" panose="02030600000101010101" pitchFamily="18" charset="-127"/>
+            </a:endParaRPr>
+          </a:p>
+        </p:txBody>
+      </p:sp>
+      <p:sp>
+        <p:nvSpPr>
+          <p:cNvPr id="9" name="TextBox 8"/>
+          <p:cNvSpPr txBox="1"/>
+          <p:nvPr/>
+        </p:nvSpPr>
+        <p:spPr>
+          <a:xfrm>
+            <a:off x="1596980" y="5545267"/>
+            <a:ext cx="3789820" cy="584775"/>
+          </a:xfrm>
+          <a:prstGeom prst="rect">
+            <a:avLst/>
+          </a:prstGeom>
+          <a:noFill/>
+        </p:spPr>
+        <p:txBody>
+          <a:bodyPr wrap="none" rtlCol="0">
+            <a:spAutoFit/>
+          </a:bodyPr>
+          <a:lstStyle/>
+          <a:p>
+            <a:r>
+              <a:rPr lang="en-US" altLang="ko-KR" sz="3200" dirty="0" smtClean="0">
+                <a:latin typeface="HY헤드라인M" panose="02030600000101010101" pitchFamily="18" charset="-127"/>
+                <a:ea typeface="HY헤드라인M" panose="02030600000101010101" pitchFamily="18" charset="-127"/>
+              </a:rPr>
+              <a:t>5. </a:t>
+            </a:r>
+            <a:r>
+              <a:rPr lang="ko-KR" altLang="en-US" sz="3200" dirty="0" smtClean="0">
+                <a:latin typeface="HY헤드라인M" panose="02030600000101010101" pitchFamily="18" charset="-127"/>
+                <a:ea typeface="HY헤드라인M" panose="02030600000101010101" pitchFamily="18" charset="-127"/>
+              </a:rPr>
+              <a:t>역할분담 및 일정</a:t>
+            </a:r>
+            <a:endParaRPr lang="ko-KR" altLang="en-US" sz="3200" dirty="0">
+              <a:latin typeface="HY헤드라인M" panose="02030600000101010101" pitchFamily="18" charset="-127"/>
+              <a:ea typeface="HY헤드라인M" panose="02030600000101010101" pitchFamily="18" charset="-127"/>
+            </a:endParaRPr>
           </a:p>
         </p:txBody>
       </p:sp>
@@ -3695,6 +4070,13 @@
   <p:clrMapOvr>
     <a:masterClrMapping/>
   </p:clrMapOvr>
+  <p:timing>
+    <p:tnLst>
+      <p:par>
+        <p:cTn id="1" dur="indefinite" restart="never" nodeType="tmRoot"/>
+      </p:par>
+    </p:tnLst>
+  </p:timing>
 </p:sld>
 </file>
 
@@ -3715,6 +4097,380 @@
           <a:chExt cx="0" cy="0"/>
         </a:xfrm>
       </p:grpSpPr>
+      <p:sp>
+        <p:nvSpPr>
+          <p:cNvPr id="2" name="object 4"/>
+          <p:cNvSpPr/>
+          <p:nvPr/>
+        </p:nvSpPr>
+        <p:spPr>
+          <a:xfrm>
+            <a:off x="0" y="837127"/>
+            <a:ext cx="12192000" cy="86228"/>
+          </a:xfrm>
+          <a:custGeom>
+            <a:avLst/>
+            <a:gdLst/>
+            <a:ahLst/>
+            <a:cxnLst/>
+            <a:rect l="l" t="t" r="r" b="b"/>
+            <a:pathLst>
+              <a:path w="12192000" h="1270000">
+                <a:moveTo>
+                  <a:pt x="0" y="0"/>
+                </a:moveTo>
+                <a:lnTo>
+                  <a:pt x="12192000" y="0"/>
+                </a:lnTo>
+                <a:lnTo>
+                  <a:pt x="12192000" y="1269999"/>
+                </a:lnTo>
+                <a:lnTo>
+                  <a:pt x="0" y="1269999"/>
+                </a:lnTo>
+                <a:lnTo>
+                  <a:pt x="0" y="0"/>
+                </a:lnTo>
+                <a:close/>
+              </a:path>
+            </a:pathLst>
+          </a:custGeom>
+          <a:solidFill>
+            <a:srgbClr val="FABACF"/>
+          </a:solidFill>
+        </p:spPr>
+        <p:txBody>
+          <a:bodyPr wrap="square" lIns="0" tIns="0" rIns="0" bIns="0" rtlCol="0"/>
+          <a:lstStyle/>
+          <a:p>
+            <a:endParaRPr/>
+          </a:p>
+        </p:txBody>
+      </p:sp>
+      <p:sp>
+        <p:nvSpPr>
+          <p:cNvPr id="3" name="TextBox 2"/>
+          <p:cNvSpPr txBox="1"/>
+          <p:nvPr/>
+        </p:nvSpPr>
+        <p:spPr>
+          <a:xfrm>
+            <a:off x="180303" y="129241"/>
+            <a:ext cx="3140603" cy="707886"/>
+          </a:xfrm>
+          <a:prstGeom prst="rect">
+            <a:avLst/>
+          </a:prstGeom>
+          <a:noFill/>
+        </p:spPr>
+        <p:txBody>
+          <a:bodyPr wrap="none" rtlCol="0">
+            <a:spAutoFit/>
+          </a:bodyPr>
+          <a:lstStyle/>
+          <a:p>
+            <a:pPr marL="742950" indent="-742950">
+              <a:buFont typeface="+mj-lt"/>
+              <a:buAutoNum type="arabicPeriod"/>
+            </a:pPr>
+            <a:r>
+              <a:rPr lang="ko-KR" altLang="en-US" sz="4000" dirty="0" smtClean="0">
+                <a:latin typeface="타이포_쌍문동 B" panose="02020803020101020101" pitchFamily="18" charset="-127"/>
+                <a:ea typeface="타이포_쌍문동 B" panose="02020803020101020101" pitchFamily="18" charset="-127"/>
+              </a:rPr>
+              <a:t>연구 목적</a:t>
+            </a:r>
+            <a:endParaRPr lang="ko-KR" altLang="en-US" sz="4000" dirty="0">
+              <a:latin typeface="타이포_쌍문동 B" panose="02020803020101020101" pitchFamily="18" charset="-127"/>
+              <a:ea typeface="타이포_쌍문동 B" panose="02020803020101020101" pitchFamily="18" charset="-127"/>
+            </a:endParaRPr>
+          </a:p>
+        </p:txBody>
+      </p:sp>
+      <p:sp>
+        <p:nvSpPr>
+          <p:cNvPr id="4" name="TextBox 3"/>
+          <p:cNvSpPr txBox="1"/>
+          <p:nvPr/>
+        </p:nvSpPr>
+        <p:spPr>
+          <a:xfrm>
+            <a:off x="669701" y="1338853"/>
+            <a:ext cx="3244799" cy="584775"/>
+          </a:xfrm>
+          <a:prstGeom prst="rect">
+            <a:avLst/>
+          </a:prstGeom>
+          <a:noFill/>
+        </p:spPr>
+        <p:txBody>
+          <a:bodyPr wrap="none" rtlCol="0">
+            <a:spAutoFit/>
+          </a:bodyPr>
+          <a:lstStyle/>
+          <a:p>
+            <a:pPr marL="457200" indent="-457200">
+              <a:buFont typeface="Arial" panose="020B0604020202020204" pitchFamily="34" charset="0"/>
+              <a:buChar char="•"/>
+            </a:pPr>
+            <a:r>
+              <a:rPr lang="ko-KR" altLang="en-US" sz="3200" dirty="0" smtClean="0">
+                <a:latin typeface="HY헤드라인M" panose="02030600000101010101" pitchFamily="18" charset="-127"/>
+                <a:ea typeface="HY헤드라인M" panose="02030600000101010101" pitchFamily="18" charset="-127"/>
+              </a:rPr>
+              <a:t>게임의 필요성</a:t>
+            </a:r>
+            <a:endParaRPr lang="ko-KR" altLang="en-US" sz="3200" dirty="0">
+              <a:latin typeface="HY헤드라인M" panose="02030600000101010101" pitchFamily="18" charset="-127"/>
+              <a:ea typeface="HY헤드라인M" panose="02030600000101010101" pitchFamily="18" charset="-127"/>
+            </a:endParaRPr>
+          </a:p>
+        </p:txBody>
+      </p:sp>
+      <p:sp>
+        <p:nvSpPr>
+          <p:cNvPr id="5" name="TextBox 4"/>
+          <p:cNvSpPr txBox="1"/>
+          <p:nvPr/>
+        </p:nvSpPr>
+        <p:spPr>
+          <a:xfrm>
+            <a:off x="1169831" y="2212470"/>
+            <a:ext cx="11020966" cy="2308324"/>
+          </a:xfrm>
+          <a:prstGeom prst="rect">
+            <a:avLst/>
+          </a:prstGeom>
+          <a:noFill/>
+        </p:spPr>
+        <p:txBody>
+          <a:bodyPr wrap="none" rtlCol="0">
+            <a:spAutoFit/>
+          </a:bodyPr>
+          <a:lstStyle/>
+          <a:p>
+            <a:r>
+              <a:rPr lang="en-US" altLang="ko-KR" sz="2400" dirty="0" smtClean="0">
+                <a:latin typeface="HY헤드라인M" panose="02030600000101010101" pitchFamily="18" charset="-127"/>
+                <a:ea typeface="HY헤드라인M" panose="02030600000101010101" pitchFamily="18" charset="-127"/>
+              </a:rPr>
+              <a:t>YouTube, </a:t>
+            </a:r>
+            <a:r>
+              <a:rPr lang="ko-KR" altLang="en-US" sz="2400" dirty="0" err="1" smtClean="0">
+                <a:latin typeface="HY헤드라인M" panose="02030600000101010101" pitchFamily="18" charset="-127"/>
+                <a:ea typeface="HY헤드라인M" panose="02030600000101010101" pitchFamily="18" charset="-127"/>
+              </a:rPr>
+              <a:t>트위치</a:t>
+            </a:r>
+            <a:r>
+              <a:rPr lang="en-US" altLang="ko-KR" sz="2400" dirty="0" smtClean="0">
+                <a:latin typeface="HY헤드라인M" panose="02030600000101010101" pitchFamily="18" charset="-127"/>
+                <a:ea typeface="HY헤드라인M" panose="02030600000101010101" pitchFamily="18" charset="-127"/>
+              </a:rPr>
+              <a:t>, </a:t>
+            </a:r>
+            <a:r>
+              <a:rPr lang="ko-KR" altLang="en-US" sz="2400" dirty="0" smtClean="0">
+                <a:latin typeface="HY헤드라인M" panose="02030600000101010101" pitchFamily="18" charset="-127"/>
+                <a:ea typeface="HY헤드라인M" panose="02030600000101010101" pitchFamily="18" charset="-127"/>
+              </a:rPr>
+              <a:t>아프리카</a:t>
+            </a:r>
+            <a:r>
+              <a:rPr lang="en-US" altLang="ko-KR" sz="2400" dirty="0" smtClean="0">
+                <a:latin typeface="HY헤드라인M" panose="02030600000101010101" pitchFamily="18" charset="-127"/>
+                <a:ea typeface="HY헤드라인M" panose="02030600000101010101" pitchFamily="18" charset="-127"/>
+              </a:rPr>
+              <a:t>TV </a:t>
+            </a:r>
+            <a:r>
+              <a:rPr lang="ko-KR" altLang="en-US" sz="2400" dirty="0" smtClean="0">
+                <a:latin typeface="HY헤드라인M" panose="02030600000101010101" pitchFamily="18" charset="-127"/>
+                <a:ea typeface="HY헤드라인M" panose="02030600000101010101" pitchFamily="18" charset="-127"/>
+              </a:rPr>
+              <a:t>등과 같이 </a:t>
+            </a:r>
+            <a:r>
+              <a:rPr lang="ko-KR" altLang="en-US" sz="2400" dirty="0" err="1" smtClean="0">
+                <a:latin typeface="HY헤드라인M" panose="02030600000101010101" pitchFamily="18" charset="-127"/>
+                <a:ea typeface="HY헤드라인M" panose="02030600000101010101" pitchFamily="18" charset="-127"/>
+              </a:rPr>
+              <a:t>ㅇㅇㅇㅇ연</a:t>
+            </a:r>
+            <a:r>
+              <a:rPr lang="ko-KR" altLang="en-US" sz="2400" dirty="0" smtClean="0">
+                <a:latin typeface="HY헤드라인M" panose="02030600000101010101" pitchFamily="18" charset="-127"/>
+                <a:ea typeface="HY헤드라인M" panose="02030600000101010101" pitchFamily="18" charset="-127"/>
+              </a:rPr>
+              <a:t> 몇 명 의 사용자</a:t>
+            </a:r>
+            <a:r>
+              <a:rPr lang="en-US" altLang="ko-KR" sz="2400" dirty="0" smtClean="0">
+                <a:latin typeface="HY헤드라인M" panose="02030600000101010101" pitchFamily="18" charset="-127"/>
+                <a:ea typeface="HY헤드라인M" panose="02030600000101010101" pitchFamily="18" charset="-127"/>
+              </a:rPr>
+              <a:t/>
+            </a:r>
+            <a:br>
+              <a:rPr lang="en-US" altLang="ko-KR" sz="2400" dirty="0" smtClean="0">
+                <a:latin typeface="HY헤드라인M" panose="02030600000101010101" pitchFamily="18" charset="-127"/>
+                <a:ea typeface="HY헤드라인M" panose="02030600000101010101" pitchFamily="18" charset="-127"/>
+              </a:rPr>
+            </a:br>
+            <a:r>
+              <a:rPr lang="ko-KR" altLang="en-US" sz="2400" dirty="0" smtClean="0">
+                <a:latin typeface="HY헤드라인M" panose="02030600000101010101" pitchFamily="18" charset="-127"/>
+                <a:ea typeface="HY헤드라인M" panose="02030600000101010101" pitchFamily="18" charset="-127"/>
+              </a:rPr>
+              <a:t>내용 </a:t>
+            </a:r>
+            <a:r>
+              <a:rPr lang="ko-KR" altLang="en-US" sz="2400" dirty="0" err="1" smtClean="0">
+                <a:latin typeface="HY헤드라인M" panose="02030600000101010101" pitchFamily="18" charset="-127"/>
+                <a:ea typeface="HY헤드라인M" panose="02030600000101010101" pitchFamily="18" charset="-127"/>
+              </a:rPr>
+              <a:t>ㅇㅇㅇㅇ</a:t>
+            </a:r>
+            <a:r>
+              <a:rPr lang="ko-KR" altLang="en-US" sz="2400" dirty="0" smtClean="0">
+                <a:latin typeface="HY헤드라인M" panose="02030600000101010101" pitchFamily="18" charset="-127"/>
+                <a:ea typeface="HY헤드라인M" panose="02030600000101010101" pitchFamily="18" charset="-127"/>
+              </a:rPr>
+              <a:t> 이 </a:t>
+            </a:r>
+            <a:r>
+              <a:rPr lang="ko-KR" altLang="en-US" sz="2400" dirty="0" err="1" smtClean="0">
+                <a:latin typeface="HY헤드라인M" panose="02030600000101010101" pitchFamily="18" charset="-127"/>
+                <a:ea typeface="HY헤드라인M" panose="02030600000101010101" pitchFamily="18" charset="-127"/>
+              </a:rPr>
+              <a:t>사용중이라</a:t>
+            </a:r>
+            <a:r>
+              <a:rPr lang="ko-KR" altLang="en-US" sz="2400" dirty="0" smtClean="0">
+                <a:latin typeface="HY헤드라인M" panose="02030600000101010101" pitchFamily="18" charset="-127"/>
+                <a:ea typeface="HY헤드라인M" panose="02030600000101010101" pitchFamily="18" charset="-127"/>
+              </a:rPr>
+              <a:t> 이러한 게임이 현 개발이 안되어 있으므로</a:t>
+            </a:r>
+            <a:r>
+              <a:rPr lang="en-US" altLang="ko-KR" sz="2400" dirty="0" smtClean="0">
+                <a:latin typeface="HY헤드라인M" panose="02030600000101010101" pitchFamily="18" charset="-127"/>
+                <a:ea typeface="HY헤드라인M" panose="02030600000101010101" pitchFamily="18" charset="-127"/>
+              </a:rPr>
+              <a:t/>
+            </a:r>
+            <a:br>
+              <a:rPr lang="en-US" altLang="ko-KR" sz="2400" dirty="0" smtClean="0">
+                <a:latin typeface="HY헤드라인M" panose="02030600000101010101" pitchFamily="18" charset="-127"/>
+                <a:ea typeface="HY헤드라인M" panose="02030600000101010101" pitchFamily="18" charset="-127"/>
+              </a:rPr>
+            </a:br>
+            <a:r>
+              <a:rPr lang="ko-KR" altLang="en-US" sz="2400" dirty="0" smtClean="0">
+                <a:latin typeface="HY헤드라인M" panose="02030600000101010101" pitchFamily="18" charset="-127"/>
+                <a:ea typeface="HY헤드라인M" panose="02030600000101010101" pitchFamily="18" charset="-127"/>
+              </a:rPr>
+              <a:t>미래 지향성이 있는 게임과 확실한 진출 가능성이 있는 시장이 마련되어있다</a:t>
+            </a:r>
+            <a:endParaRPr lang="en-US" altLang="ko-KR" sz="2400" dirty="0" smtClean="0">
+              <a:latin typeface="HY헤드라인M" panose="02030600000101010101" pitchFamily="18" charset="-127"/>
+              <a:ea typeface="HY헤드라인M" panose="02030600000101010101" pitchFamily="18" charset="-127"/>
+            </a:endParaRPr>
+          </a:p>
+          <a:p>
+            <a:r>
+              <a:rPr lang="ko-KR" altLang="en-US" sz="2400" dirty="0" err="1" smtClean="0">
+                <a:latin typeface="HY헤드라인M" panose="02030600000101010101" pitchFamily="18" charset="-127"/>
+                <a:ea typeface="HY헤드라인M" panose="02030600000101010101" pitchFamily="18" charset="-127"/>
+              </a:rPr>
+              <a:t>ㅇㅇㅇㅇ이로써</a:t>
+            </a:r>
+            <a:r>
+              <a:rPr lang="ko-KR" altLang="en-US" sz="2400" dirty="0" smtClean="0">
+                <a:latin typeface="HY헤드라인M" panose="02030600000101010101" pitchFamily="18" charset="-127"/>
+                <a:ea typeface="HY헤드라인M" panose="02030600000101010101" pitchFamily="18" charset="-127"/>
+              </a:rPr>
+              <a:t> 선두 주자를 하겠다</a:t>
+            </a:r>
+            <a:r>
+              <a:rPr lang="en-US" altLang="ko-KR" sz="2400" dirty="0" smtClean="0">
+                <a:latin typeface="HY헤드라인M" panose="02030600000101010101" pitchFamily="18" charset="-127"/>
+                <a:ea typeface="HY헤드라인M" panose="02030600000101010101" pitchFamily="18" charset="-127"/>
+              </a:rPr>
+              <a:t>.</a:t>
+            </a:r>
+          </a:p>
+          <a:p>
+            <a:endParaRPr lang="en-US" altLang="ko-KR" sz="2400" dirty="0">
+              <a:latin typeface="HY헤드라인M" panose="02030600000101010101" pitchFamily="18" charset="-127"/>
+              <a:ea typeface="HY헤드라인M" panose="02030600000101010101" pitchFamily="18" charset="-127"/>
+            </a:endParaRPr>
+          </a:p>
+          <a:p>
+            <a:r>
+              <a:rPr lang="en-US" altLang="ko-KR" sz="2400" dirty="0" smtClean="0">
+                <a:latin typeface="HY헤드라인M" panose="02030600000101010101" pitchFamily="18" charset="-127"/>
+                <a:ea typeface="HY헤드라인M" panose="02030600000101010101" pitchFamily="18" charset="-127"/>
+              </a:rPr>
+              <a:t>- </a:t>
+            </a:r>
+            <a:r>
+              <a:rPr lang="ko-KR" altLang="en-US" sz="2400" dirty="0" smtClean="0">
+                <a:latin typeface="HY헤드라인M" panose="02030600000101010101" pitchFamily="18" charset="-127"/>
+                <a:ea typeface="HY헤드라인M" panose="02030600000101010101" pitchFamily="18" charset="-127"/>
+              </a:rPr>
+              <a:t>투표기능 정도의 구현게임은 있음 </a:t>
+            </a:r>
+            <a:r>
+              <a:rPr lang="en-US" altLang="ko-KR" sz="2400" dirty="0" smtClean="0">
+                <a:latin typeface="HY헤드라인M" panose="02030600000101010101" pitchFamily="18" charset="-127"/>
+                <a:ea typeface="HY헤드라인M" panose="02030600000101010101" pitchFamily="18" charset="-127"/>
+              </a:rPr>
+              <a:t>(</a:t>
+            </a:r>
+            <a:r>
+              <a:rPr lang="ko-KR" altLang="en-US" sz="2400" dirty="0" err="1" smtClean="0">
+                <a:latin typeface="HY헤드라인M" panose="02030600000101010101" pitchFamily="18" charset="-127"/>
+                <a:ea typeface="HY헤드라인M" panose="02030600000101010101" pitchFamily="18" charset="-127"/>
+              </a:rPr>
+              <a:t>다키스톤</a:t>
+            </a:r>
+            <a:r>
+              <a:rPr lang="ko-KR" altLang="en-US" sz="2400" dirty="0" smtClean="0">
+                <a:latin typeface="HY헤드라인M" panose="02030600000101010101" pitchFamily="18" charset="-127"/>
+                <a:ea typeface="HY헤드라인M" panose="02030600000101010101" pitchFamily="18" charset="-127"/>
+              </a:rPr>
+              <a:t> 이라 불리는 </a:t>
+            </a:r>
+            <a:r>
+              <a:rPr lang="ko-KR" altLang="en-US" sz="2400" dirty="0" err="1" smtClean="0">
+                <a:latin typeface="HY헤드라인M" panose="02030600000101010101" pitchFamily="18" charset="-127"/>
+                <a:ea typeface="HY헤드라인M" panose="02030600000101010101" pitchFamily="18" charset="-127"/>
+              </a:rPr>
+              <a:t>슬레어</a:t>
+            </a:r>
+            <a:r>
+              <a:rPr lang="ko-KR" altLang="en-US" sz="2400" dirty="0" smtClean="0">
+                <a:latin typeface="HY헤드라인M" panose="02030600000101010101" pitchFamily="18" charset="-127"/>
+                <a:ea typeface="HY헤드라인M" panose="02030600000101010101" pitchFamily="18" charset="-127"/>
+              </a:rPr>
+              <a:t> 더 </a:t>
+            </a:r>
+            <a:r>
+              <a:rPr lang="ko-KR" altLang="en-US" sz="2400" dirty="0" err="1" smtClean="0">
+                <a:latin typeface="HY헤드라인M" panose="02030600000101010101" pitchFamily="18" charset="-127"/>
+                <a:ea typeface="HY헤드라인M" panose="02030600000101010101" pitchFamily="18" charset="-127"/>
+              </a:rPr>
+              <a:t>스파이어</a:t>
+            </a:r>
+            <a:endParaRPr lang="ko-KR" altLang="en-US" sz="2400" dirty="0">
+              <a:latin typeface="HY헤드라인M" panose="02030600000101010101" pitchFamily="18" charset="-127"/>
+              <a:ea typeface="HY헤드라인M" panose="02030600000101010101" pitchFamily="18" charset="-127"/>
+            </a:endParaRPr>
+          </a:p>
+        </p:txBody>
+      </p:sp>
     </p:spTree>
     <p:extLst>
       <p:ext uri="{BB962C8B-B14F-4D97-AF65-F5344CB8AC3E}">
@@ -3725,6 +4481,839 @@
   <p:clrMapOvr>
     <a:masterClrMapping/>
   </p:clrMapOvr>
+  <p:timing>
+    <p:tnLst>
+      <p:par>
+        <p:cTn id="1" dur="indefinite" restart="never" nodeType="tmRoot"/>
+      </p:par>
+    </p:tnLst>
+  </p:timing>
+</p:sld>
+</file>
+
+<file path=ppt/slides/slide4.xml><?xml version="1.0" encoding="utf-8"?>
+<p:sld xmlns:a="http://schemas.openxmlformats.org/drawingml/2006/main" xmlns:r="http://schemas.openxmlformats.org/officeDocument/2006/relationships" xmlns:p="http://schemas.openxmlformats.org/presentationml/2006/main">
+  <p:cSld>
+    <p:spTree>
+      <p:nvGrpSpPr>
+        <p:cNvPr id="1" name=""/>
+        <p:cNvGrpSpPr/>
+        <p:nvPr/>
+      </p:nvGrpSpPr>
+      <p:grpSpPr>
+        <a:xfrm>
+          <a:off x="0" y="0"/>
+          <a:ext cx="0" cy="0"/>
+          <a:chOff x="0" y="0"/>
+          <a:chExt cx="0" cy="0"/>
+        </a:xfrm>
+      </p:grpSpPr>
+      <p:sp>
+        <p:nvSpPr>
+          <p:cNvPr id="4" name="object 4"/>
+          <p:cNvSpPr/>
+          <p:nvPr/>
+        </p:nvSpPr>
+        <p:spPr>
+          <a:xfrm>
+            <a:off x="0" y="837127"/>
+            <a:ext cx="12192000" cy="86228"/>
+          </a:xfrm>
+          <a:custGeom>
+            <a:avLst/>
+            <a:gdLst/>
+            <a:ahLst/>
+            <a:cxnLst/>
+            <a:rect l="l" t="t" r="r" b="b"/>
+            <a:pathLst>
+              <a:path w="12192000" h="1270000">
+                <a:moveTo>
+                  <a:pt x="0" y="0"/>
+                </a:moveTo>
+                <a:lnTo>
+                  <a:pt x="12192000" y="0"/>
+                </a:lnTo>
+                <a:lnTo>
+                  <a:pt x="12192000" y="1269999"/>
+                </a:lnTo>
+                <a:lnTo>
+                  <a:pt x="0" y="1269999"/>
+                </a:lnTo>
+                <a:lnTo>
+                  <a:pt x="0" y="0"/>
+                </a:lnTo>
+                <a:close/>
+              </a:path>
+            </a:pathLst>
+          </a:custGeom>
+          <a:solidFill>
+            <a:srgbClr val="FABACF"/>
+          </a:solidFill>
+        </p:spPr>
+        <p:txBody>
+          <a:bodyPr wrap="square" lIns="0" tIns="0" rIns="0" bIns="0" rtlCol="0"/>
+          <a:lstStyle/>
+          <a:p>
+            <a:endParaRPr/>
+          </a:p>
+        </p:txBody>
+      </p:sp>
+      <p:sp>
+        <p:nvSpPr>
+          <p:cNvPr id="5" name="TextBox 4"/>
+          <p:cNvSpPr txBox="1"/>
+          <p:nvPr/>
+        </p:nvSpPr>
+        <p:spPr>
+          <a:xfrm>
+            <a:off x="180303" y="129241"/>
+            <a:ext cx="4770858" cy="707886"/>
+          </a:xfrm>
+          <a:prstGeom prst="rect">
+            <a:avLst/>
+          </a:prstGeom>
+          <a:noFill/>
+        </p:spPr>
+        <p:txBody>
+          <a:bodyPr wrap="none" rtlCol="0">
+            <a:spAutoFit/>
+          </a:bodyPr>
+          <a:lstStyle/>
+          <a:p>
+            <a:r>
+              <a:rPr lang="en-US" altLang="ko-KR" sz="4000" dirty="0" smtClean="0">
+                <a:latin typeface="타이포_쌍문동 B" panose="02020803020101020101" pitchFamily="18" charset="-127"/>
+                <a:ea typeface="타이포_쌍문동 B" panose="02020803020101020101" pitchFamily="18" charset="-127"/>
+              </a:rPr>
+              <a:t>2. </a:t>
+            </a:r>
+            <a:r>
+              <a:rPr lang="ko-KR" altLang="en-US" sz="4000" dirty="0" smtClean="0">
+                <a:latin typeface="타이포_쌍문동 B" panose="02020803020101020101" pitchFamily="18" charset="-127"/>
+                <a:ea typeface="타이포_쌍문동 B" panose="02020803020101020101" pitchFamily="18" charset="-127"/>
+              </a:rPr>
+              <a:t>게임소개 및 특징</a:t>
+            </a:r>
+            <a:endParaRPr lang="ko-KR" altLang="en-US" sz="4000" dirty="0">
+              <a:latin typeface="타이포_쌍문동 B" panose="02020803020101020101" pitchFamily="18" charset="-127"/>
+              <a:ea typeface="타이포_쌍문동 B" panose="02020803020101020101" pitchFamily="18" charset="-127"/>
+            </a:endParaRPr>
+          </a:p>
+        </p:txBody>
+      </p:sp>
+      <p:sp>
+        <p:nvSpPr>
+          <p:cNvPr id="6" name="TextBox 5"/>
+          <p:cNvSpPr txBox="1"/>
+          <p:nvPr/>
+        </p:nvSpPr>
+        <p:spPr>
+          <a:xfrm>
+            <a:off x="669701" y="1338853"/>
+            <a:ext cx="11174854" cy="2062103"/>
+          </a:xfrm>
+          <a:prstGeom prst="rect">
+            <a:avLst/>
+          </a:prstGeom>
+          <a:noFill/>
+        </p:spPr>
+        <p:txBody>
+          <a:bodyPr wrap="none" rtlCol="0">
+            <a:spAutoFit/>
+          </a:bodyPr>
+          <a:lstStyle/>
+          <a:p>
+            <a:r>
+              <a:rPr lang="ko-KR" altLang="en-US" sz="3200" dirty="0" err="1" smtClean="0">
+                <a:latin typeface="HY헤드라인M" panose="02030600000101010101" pitchFamily="18" charset="-127"/>
+                <a:ea typeface="HY헤드라인M" panose="02030600000101010101" pitchFamily="18" charset="-127"/>
+              </a:rPr>
+              <a:t>트위치</a:t>
+            </a:r>
+            <a:r>
+              <a:rPr lang="en-US" altLang="ko-KR" sz="3200" dirty="0" smtClean="0">
+                <a:latin typeface="HY헤드라인M" panose="02030600000101010101" pitchFamily="18" charset="-127"/>
+                <a:ea typeface="HY헤드라인M" panose="02030600000101010101" pitchFamily="18" charset="-127"/>
+              </a:rPr>
+              <a:t>API</a:t>
+            </a:r>
+            <a:r>
+              <a:rPr lang="ko-KR" altLang="en-US" sz="3200" dirty="0" smtClean="0">
+                <a:latin typeface="HY헤드라인M" panose="02030600000101010101" pitchFamily="18" charset="-127"/>
+                <a:ea typeface="HY헤드라인M" panose="02030600000101010101" pitchFamily="18" charset="-127"/>
+              </a:rPr>
+              <a:t>를 선택한 이유 </a:t>
+            </a:r>
+            <a:r>
+              <a:rPr lang="en-US" altLang="ko-KR" sz="3200" dirty="0" smtClean="0">
+                <a:latin typeface="HY헤드라인M" panose="02030600000101010101" pitchFamily="18" charset="-127"/>
+                <a:ea typeface="HY헤드라인M" panose="02030600000101010101" pitchFamily="18" charset="-127"/>
+              </a:rPr>
+              <a:t>+ </a:t>
+            </a:r>
+            <a:r>
+              <a:rPr lang="ko-KR" altLang="en-US" sz="3200" dirty="0" smtClean="0">
+                <a:latin typeface="HY헤드라인M" panose="02030600000101010101" pitchFamily="18" charset="-127"/>
+                <a:ea typeface="HY헤드라인M" panose="02030600000101010101" pitchFamily="18" charset="-127"/>
+              </a:rPr>
+              <a:t>어떤 형식의 게임인지</a:t>
+            </a:r>
+            <a:endParaRPr lang="en-US" altLang="ko-KR" sz="3200" dirty="0" smtClean="0">
+              <a:latin typeface="HY헤드라인M" panose="02030600000101010101" pitchFamily="18" charset="-127"/>
+              <a:ea typeface="HY헤드라인M" panose="02030600000101010101" pitchFamily="18" charset="-127"/>
+            </a:endParaRPr>
+          </a:p>
+          <a:p>
+            <a:r>
+              <a:rPr lang="en-US" altLang="ko-KR" sz="3200" dirty="0">
+                <a:latin typeface="HY헤드라인M" panose="02030600000101010101" pitchFamily="18" charset="-127"/>
+                <a:ea typeface="HY헤드라인M" panose="02030600000101010101" pitchFamily="18" charset="-127"/>
+              </a:rPr>
+              <a:t> </a:t>
+            </a:r>
+            <a:r>
+              <a:rPr lang="en-US" altLang="ko-KR" sz="3200" dirty="0" smtClean="0">
+                <a:latin typeface="HY헤드라인M" panose="02030600000101010101" pitchFamily="18" charset="-127"/>
+                <a:ea typeface="HY헤드라인M" panose="02030600000101010101" pitchFamily="18" charset="-127"/>
+              </a:rPr>
+              <a:t>                                    (1</a:t>
+            </a:r>
+            <a:r>
+              <a:rPr lang="ko-KR" altLang="en-US" sz="3200" dirty="0" smtClean="0">
+                <a:latin typeface="HY헤드라인M" panose="02030600000101010101" pitchFamily="18" charset="-127"/>
+                <a:ea typeface="HY헤드라인M" panose="02030600000101010101" pitchFamily="18" charset="-127"/>
+              </a:rPr>
+              <a:t>인 </a:t>
+            </a:r>
+            <a:r>
+              <a:rPr lang="ko-KR" altLang="en-US" sz="3200" dirty="0" err="1" smtClean="0">
+                <a:latin typeface="HY헤드라인M" panose="02030600000101010101" pitchFamily="18" charset="-127"/>
+                <a:ea typeface="HY헤드라인M" panose="02030600000101010101" pitchFamily="18" charset="-127"/>
+              </a:rPr>
+              <a:t>크리에이터</a:t>
+            </a:r>
+            <a:r>
+              <a:rPr lang="ko-KR" altLang="en-US" sz="3200" dirty="0" smtClean="0">
+                <a:latin typeface="HY헤드라인M" panose="02030600000101010101" pitchFamily="18" charset="-127"/>
+                <a:ea typeface="HY헤드라인M" panose="02030600000101010101" pitchFamily="18" charset="-127"/>
+              </a:rPr>
+              <a:t> 방송 연관 사진</a:t>
+            </a:r>
+            <a:r>
+              <a:rPr lang="en-US" altLang="ko-KR" sz="3200" dirty="0" smtClean="0">
+                <a:latin typeface="HY헤드라인M" panose="02030600000101010101" pitchFamily="18" charset="-127"/>
+                <a:ea typeface="HY헤드라인M" panose="02030600000101010101" pitchFamily="18" charset="-127"/>
+              </a:rPr>
+              <a:t>)</a:t>
+            </a:r>
+          </a:p>
+          <a:p>
+            <a:endParaRPr lang="en-US" altLang="ko-KR" sz="3200" dirty="0">
+              <a:latin typeface="HY헤드라인M" panose="02030600000101010101" pitchFamily="18" charset="-127"/>
+              <a:ea typeface="HY헤드라인M" panose="02030600000101010101" pitchFamily="18" charset="-127"/>
+            </a:endParaRPr>
+          </a:p>
+          <a:p>
+            <a:endParaRPr lang="ko-KR" altLang="en-US" sz="3200" dirty="0">
+              <a:latin typeface="HY헤드라인M" panose="02030600000101010101" pitchFamily="18" charset="-127"/>
+              <a:ea typeface="HY헤드라인M" panose="02030600000101010101" pitchFamily="18" charset="-127"/>
+            </a:endParaRPr>
+          </a:p>
+        </p:txBody>
+      </p:sp>
+    </p:spTree>
+    <p:extLst>
+      <p:ext uri="{BB962C8B-B14F-4D97-AF65-F5344CB8AC3E}">
+        <p14:creationId xmlns:p14="http://schemas.microsoft.com/office/powerpoint/2010/main" val="1869839230"/>
+      </p:ext>
+    </p:extLst>
+  </p:cSld>
+  <p:clrMapOvr>
+    <a:masterClrMapping/>
+  </p:clrMapOvr>
+  <p:timing>
+    <p:tnLst>
+      <p:par>
+        <p:cTn id="1" dur="indefinite" restart="never" nodeType="tmRoot"/>
+      </p:par>
+    </p:tnLst>
+  </p:timing>
+</p:sld>
+</file>
+
+<file path=ppt/slides/slide5.xml><?xml version="1.0" encoding="utf-8"?>
+<p:sld xmlns:a="http://schemas.openxmlformats.org/drawingml/2006/main" xmlns:r="http://schemas.openxmlformats.org/officeDocument/2006/relationships" xmlns:p="http://schemas.openxmlformats.org/presentationml/2006/main">
+  <p:cSld>
+    <p:spTree>
+      <p:nvGrpSpPr>
+        <p:cNvPr id="1" name=""/>
+        <p:cNvGrpSpPr/>
+        <p:nvPr/>
+      </p:nvGrpSpPr>
+      <p:grpSpPr>
+        <a:xfrm>
+          <a:off x="0" y="0"/>
+          <a:ext cx="0" cy="0"/>
+          <a:chOff x="0" y="0"/>
+          <a:chExt cx="0" cy="0"/>
+        </a:xfrm>
+      </p:grpSpPr>
+      <p:sp>
+        <p:nvSpPr>
+          <p:cNvPr id="4" name="object 4"/>
+          <p:cNvSpPr/>
+          <p:nvPr/>
+        </p:nvSpPr>
+        <p:spPr>
+          <a:xfrm>
+            <a:off x="0" y="837127"/>
+            <a:ext cx="12192000" cy="86228"/>
+          </a:xfrm>
+          <a:custGeom>
+            <a:avLst/>
+            <a:gdLst/>
+            <a:ahLst/>
+            <a:cxnLst/>
+            <a:rect l="l" t="t" r="r" b="b"/>
+            <a:pathLst>
+              <a:path w="12192000" h="1270000">
+                <a:moveTo>
+                  <a:pt x="0" y="0"/>
+                </a:moveTo>
+                <a:lnTo>
+                  <a:pt x="12192000" y="0"/>
+                </a:lnTo>
+                <a:lnTo>
+                  <a:pt x="12192000" y="1269999"/>
+                </a:lnTo>
+                <a:lnTo>
+                  <a:pt x="0" y="1269999"/>
+                </a:lnTo>
+                <a:lnTo>
+                  <a:pt x="0" y="0"/>
+                </a:lnTo>
+                <a:close/>
+              </a:path>
+            </a:pathLst>
+          </a:custGeom>
+          <a:solidFill>
+            <a:srgbClr val="FABACF"/>
+          </a:solidFill>
+        </p:spPr>
+        <p:txBody>
+          <a:bodyPr wrap="square" lIns="0" tIns="0" rIns="0" bIns="0" rtlCol="0"/>
+          <a:lstStyle/>
+          <a:p>
+            <a:endParaRPr/>
+          </a:p>
+        </p:txBody>
+      </p:sp>
+      <p:sp>
+        <p:nvSpPr>
+          <p:cNvPr id="5" name="TextBox 4"/>
+          <p:cNvSpPr txBox="1"/>
+          <p:nvPr/>
+        </p:nvSpPr>
+        <p:spPr>
+          <a:xfrm>
+            <a:off x="180303" y="129241"/>
+            <a:ext cx="4924746" cy="707886"/>
+          </a:xfrm>
+          <a:prstGeom prst="rect">
+            <a:avLst/>
+          </a:prstGeom>
+          <a:noFill/>
+        </p:spPr>
+        <p:txBody>
+          <a:bodyPr wrap="none" rtlCol="0">
+            <a:spAutoFit/>
+          </a:bodyPr>
+          <a:lstStyle/>
+          <a:p>
+            <a:r>
+              <a:rPr lang="en-US" altLang="ko-KR" sz="4000" dirty="0">
+                <a:latin typeface="타이포_쌍문동 B" panose="02020803020101020101" pitchFamily="18" charset="-127"/>
+                <a:ea typeface="타이포_쌍문동 B" panose="02020803020101020101" pitchFamily="18" charset="-127"/>
+              </a:rPr>
+              <a:t>3</a:t>
+            </a:r>
+            <a:r>
+              <a:rPr lang="en-US" altLang="ko-KR" sz="4000" dirty="0" smtClean="0">
+                <a:latin typeface="타이포_쌍문동 B" panose="02020803020101020101" pitchFamily="18" charset="-127"/>
+                <a:ea typeface="타이포_쌍문동 B" panose="02020803020101020101" pitchFamily="18" charset="-127"/>
+              </a:rPr>
+              <a:t>. </a:t>
+            </a:r>
+            <a:r>
+              <a:rPr lang="ko-KR" altLang="en-US" sz="4000" dirty="0" smtClean="0">
+                <a:latin typeface="타이포_쌍문동 B" panose="02020803020101020101" pitchFamily="18" charset="-127"/>
+                <a:ea typeface="타이포_쌍문동 B" panose="02020803020101020101" pitchFamily="18" charset="-127"/>
+              </a:rPr>
+              <a:t>구현 환경 및 기술</a:t>
+            </a:r>
+            <a:endParaRPr lang="ko-KR" altLang="en-US" sz="4000" dirty="0">
+              <a:latin typeface="타이포_쌍문동 B" panose="02020803020101020101" pitchFamily="18" charset="-127"/>
+              <a:ea typeface="타이포_쌍문동 B" panose="02020803020101020101" pitchFamily="18" charset="-127"/>
+            </a:endParaRPr>
+          </a:p>
+        </p:txBody>
+      </p:sp>
+      <p:sp>
+        <p:nvSpPr>
+          <p:cNvPr id="6" name="TextBox 5"/>
+          <p:cNvSpPr txBox="1"/>
+          <p:nvPr/>
+        </p:nvSpPr>
+        <p:spPr>
+          <a:xfrm>
+            <a:off x="669701" y="1338853"/>
+            <a:ext cx="5136342" cy="3539430"/>
+          </a:xfrm>
+          <a:prstGeom prst="rect">
+            <a:avLst/>
+          </a:prstGeom>
+          <a:noFill/>
+        </p:spPr>
+        <p:txBody>
+          <a:bodyPr wrap="none" rtlCol="0">
+            <a:spAutoFit/>
+          </a:bodyPr>
+          <a:lstStyle/>
+          <a:p>
+            <a:pPr marL="457200" indent="-457200">
+              <a:buFont typeface="Arial" panose="020B0604020202020204" pitchFamily="34" charset="0"/>
+              <a:buChar char="•"/>
+            </a:pPr>
+            <a:r>
+              <a:rPr lang="en-US" altLang="ko-KR" sz="3200" dirty="0" smtClean="0">
+                <a:latin typeface="HY헤드라인M" panose="02030600000101010101" pitchFamily="18" charset="-127"/>
+                <a:ea typeface="HY헤드라인M" panose="02030600000101010101" pitchFamily="18" charset="-127"/>
+              </a:rPr>
+              <a:t>Visual Studio 2017 C++</a:t>
+            </a:r>
+          </a:p>
+          <a:p>
+            <a:pPr marL="457200" indent="-457200">
+              <a:buFont typeface="Arial" panose="020B0604020202020204" pitchFamily="34" charset="0"/>
+              <a:buChar char="•"/>
+            </a:pPr>
+            <a:r>
+              <a:rPr lang="en-US" altLang="ko-KR" sz="3200" dirty="0" smtClean="0">
+                <a:latin typeface="HY헤드라인M" panose="02030600000101010101" pitchFamily="18" charset="-127"/>
+                <a:ea typeface="HY헤드라인M" panose="02030600000101010101" pitchFamily="18" charset="-127"/>
+              </a:rPr>
+              <a:t>DirectX 12 S</a:t>
+            </a:r>
+            <a:r>
+              <a:rPr lang="ko-KR" altLang="en-US" sz="3200" dirty="0" smtClean="0">
+                <a:latin typeface="HY헤드라인M" panose="02030600000101010101" pitchFamily="18" charset="-127"/>
+                <a:ea typeface="HY헤드라인M" panose="02030600000101010101" pitchFamily="18" charset="-127"/>
+              </a:rPr>
+              <a:t>아</a:t>
+            </a:r>
+            <a:endParaRPr lang="en-US" altLang="ko-KR" sz="3200" dirty="0" smtClean="0">
+              <a:latin typeface="HY헤드라인M" panose="02030600000101010101" pitchFamily="18" charset="-127"/>
+              <a:ea typeface="HY헤드라인M" panose="02030600000101010101" pitchFamily="18" charset="-127"/>
+            </a:endParaRPr>
+          </a:p>
+          <a:p>
+            <a:pPr marL="457200" indent="-457200">
+              <a:buFont typeface="Arial" panose="020B0604020202020204" pitchFamily="34" charset="0"/>
+              <a:buChar char="•"/>
+            </a:pPr>
+            <a:r>
+              <a:rPr lang="en-US" altLang="ko-KR" sz="3200" dirty="0" smtClean="0">
+                <a:latin typeface="HY헤드라인M" panose="02030600000101010101" pitchFamily="18" charset="-127"/>
+                <a:ea typeface="HY헤드라인M" panose="02030600000101010101" pitchFamily="18" charset="-127"/>
+              </a:rPr>
+              <a:t>IOCP</a:t>
+            </a:r>
+          </a:p>
+          <a:p>
+            <a:pPr marL="457200" indent="-457200">
+              <a:buFont typeface="Arial" panose="020B0604020202020204" pitchFamily="34" charset="0"/>
+              <a:buChar char="•"/>
+            </a:pPr>
+            <a:r>
+              <a:rPr lang="ko-KR" altLang="en-US" sz="3200" dirty="0" err="1" smtClean="0">
+                <a:latin typeface="HY헤드라인M" panose="02030600000101010101" pitchFamily="18" charset="-127"/>
+                <a:ea typeface="HY헤드라인M" panose="02030600000101010101" pitchFamily="18" charset="-127"/>
+              </a:rPr>
+              <a:t>트위치</a:t>
+            </a:r>
+            <a:r>
+              <a:rPr lang="ko-KR" altLang="en-US" sz="3200" dirty="0" smtClean="0">
+                <a:latin typeface="HY헤드라인M" panose="02030600000101010101" pitchFamily="18" charset="-127"/>
+                <a:ea typeface="HY헤드라인M" panose="02030600000101010101" pitchFamily="18" charset="-127"/>
+              </a:rPr>
+              <a:t> 방송 </a:t>
+            </a:r>
+            <a:r>
+              <a:rPr lang="ko-KR" altLang="en-US" sz="3200" dirty="0" err="1" smtClean="0">
+                <a:latin typeface="HY헤드라인M" panose="02030600000101010101" pitchFamily="18" charset="-127"/>
+                <a:ea typeface="HY헤드라인M" panose="02030600000101010101" pitchFamily="18" charset="-127"/>
+              </a:rPr>
+              <a:t>플렛폼</a:t>
+            </a:r>
+            <a:r>
+              <a:rPr lang="ko-KR" altLang="en-US" sz="3200" dirty="0" smtClean="0">
+                <a:latin typeface="HY헤드라인M" panose="02030600000101010101" pitchFamily="18" charset="-127"/>
+                <a:ea typeface="HY헤드라인M" panose="02030600000101010101" pitchFamily="18" charset="-127"/>
+              </a:rPr>
+              <a:t> </a:t>
+            </a:r>
+            <a:r>
+              <a:rPr lang="en-US" altLang="ko-KR" sz="3200" dirty="0" smtClean="0">
+                <a:latin typeface="HY헤드라인M" panose="02030600000101010101" pitchFamily="18" charset="-127"/>
+                <a:ea typeface="HY헤드라인M" panose="02030600000101010101" pitchFamily="18" charset="-127"/>
+              </a:rPr>
+              <a:t>API</a:t>
+            </a:r>
+          </a:p>
+          <a:p>
+            <a:pPr marL="457200" indent="-457200">
+              <a:buFont typeface="Arial" panose="020B0604020202020204" pitchFamily="34" charset="0"/>
+              <a:buChar char="•"/>
+            </a:pPr>
+            <a:r>
+              <a:rPr lang="en-US" altLang="ko-KR" sz="3200" dirty="0" smtClean="0">
+                <a:latin typeface="HY헤드라인M" panose="02030600000101010101" pitchFamily="18" charset="-127"/>
+                <a:ea typeface="HY헤드라인M" panose="02030600000101010101" pitchFamily="18" charset="-127"/>
+              </a:rPr>
+              <a:t>FBX S</a:t>
+            </a:r>
+            <a:r>
+              <a:rPr lang="ko-KR" altLang="en-US" sz="3200" dirty="0" smtClean="0">
+                <a:latin typeface="HY헤드라인M" panose="02030600000101010101" pitchFamily="18" charset="-127"/>
+                <a:ea typeface="HY헤드라인M" panose="02030600000101010101" pitchFamily="18" charset="-127"/>
+              </a:rPr>
+              <a:t>아</a:t>
+            </a:r>
+            <a:endParaRPr lang="en-US" altLang="ko-KR" sz="3200" dirty="0" smtClean="0">
+              <a:latin typeface="HY헤드라인M" panose="02030600000101010101" pitchFamily="18" charset="-127"/>
+              <a:ea typeface="HY헤드라인M" panose="02030600000101010101" pitchFamily="18" charset="-127"/>
+            </a:endParaRPr>
+          </a:p>
+          <a:p>
+            <a:pPr marL="457200" indent="-457200">
+              <a:buFont typeface="Arial" panose="020B0604020202020204" pitchFamily="34" charset="0"/>
+              <a:buChar char="•"/>
+            </a:pPr>
+            <a:r>
+              <a:rPr lang="en-US" altLang="ko-KR" sz="3200" dirty="0" err="1" smtClean="0">
+                <a:latin typeface="HY헤드라인M" panose="02030600000101010101" pitchFamily="18" charset="-127"/>
+                <a:ea typeface="HY헤드라인M" panose="02030600000101010101" pitchFamily="18" charset="-127"/>
+              </a:rPr>
+              <a:t>PhotoShop</a:t>
+            </a:r>
+            <a:endParaRPr lang="en-US" altLang="ko-KR" sz="3200" dirty="0" smtClean="0">
+              <a:latin typeface="HY헤드라인M" panose="02030600000101010101" pitchFamily="18" charset="-127"/>
+              <a:ea typeface="HY헤드라인M" panose="02030600000101010101" pitchFamily="18" charset="-127"/>
+            </a:endParaRPr>
+          </a:p>
+          <a:p>
+            <a:pPr marL="457200" indent="-457200">
+              <a:buFont typeface="Arial" panose="020B0604020202020204" pitchFamily="34" charset="0"/>
+              <a:buChar char="•"/>
+            </a:pPr>
+            <a:r>
+              <a:rPr lang="ko-KR" altLang="en-US" sz="3200" dirty="0" smtClean="0">
+                <a:latin typeface="HY헤드라인M" panose="02030600000101010101" pitchFamily="18" charset="-127"/>
+                <a:ea typeface="HY헤드라인M" panose="02030600000101010101" pitchFamily="18" charset="-127"/>
+              </a:rPr>
+              <a:t>등등</a:t>
+            </a:r>
+            <a:endParaRPr lang="en-US" altLang="ko-KR" sz="3200" dirty="0" smtClean="0">
+              <a:latin typeface="HY헤드라인M" panose="02030600000101010101" pitchFamily="18" charset="-127"/>
+              <a:ea typeface="HY헤드라인M" panose="02030600000101010101" pitchFamily="18" charset="-127"/>
+            </a:endParaRPr>
+          </a:p>
+        </p:txBody>
+      </p:sp>
+    </p:spTree>
+    <p:extLst>
+      <p:ext uri="{BB962C8B-B14F-4D97-AF65-F5344CB8AC3E}">
+        <p14:creationId xmlns:p14="http://schemas.microsoft.com/office/powerpoint/2010/main" val="2519324529"/>
+      </p:ext>
+    </p:extLst>
+  </p:cSld>
+  <p:clrMapOvr>
+    <a:masterClrMapping/>
+  </p:clrMapOvr>
+  <p:timing>
+    <p:tnLst>
+      <p:par>
+        <p:cTn id="1" dur="indefinite" restart="never" nodeType="tmRoot"/>
+      </p:par>
+    </p:tnLst>
+  </p:timing>
+</p:sld>
+</file>
+
+<file path=ppt/slides/slide6.xml><?xml version="1.0" encoding="utf-8"?>
+<p:sld xmlns:a="http://schemas.openxmlformats.org/drawingml/2006/main" xmlns:r="http://schemas.openxmlformats.org/officeDocument/2006/relationships" xmlns:p="http://schemas.openxmlformats.org/presentationml/2006/main">
+  <p:cSld>
+    <p:spTree>
+      <p:nvGrpSpPr>
+        <p:cNvPr id="1" name=""/>
+        <p:cNvGrpSpPr/>
+        <p:nvPr/>
+      </p:nvGrpSpPr>
+      <p:grpSpPr>
+        <a:xfrm>
+          <a:off x="0" y="0"/>
+          <a:ext cx="0" cy="0"/>
+          <a:chOff x="0" y="0"/>
+          <a:chExt cx="0" cy="0"/>
+        </a:xfrm>
+      </p:grpSpPr>
+      <p:sp>
+        <p:nvSpPr>
+          <p:cNvPr id="4" name="object 4"/>
+          <p:cNvSpPr/>
+          <p:nvPr/>
+        </p:nvSpPr>
+        <p:spPr>
+          <a:xfrm>
+            <a:off x="0" y="837127"/>
+            <a:ext cx="12192000" cy="86228"/>
+          </a:xfrm>
+          <a:custGeom>
+            <a:avLst/>
+            <a:gdLst/>
+            <a:ahLst/>
+            <a:cxnLst/>
+            <a:rect l="l" t="t" r="r" b="b"/>
+            <a:pathLst>
+              <a:path w="12192000" h="1270000">
+                <a:moveTo>
+                  <a:pt x="0" y="0"/>
+                </a:moveTo>
+                <a:lnTo>
+                  <a:pt x="12192000" y="0"/>
+                </a:lnTo>
+                <a:lnTo>
+                  <a:pt x="12192000" y="1269999"/>
+                </a:lnTo>
+                <a:lnTo>
+                  <a:pt x="0" y="1269999"/>
+                </a:lnTo>
+                <a:lnTo>
+                  <a:pt x="0" y="0"/>
+                </a:lnTo>
+                <a:close/>
+              </a:path>
+            </a:pathLst>
+          </a:custGeom>
+          <a:solidFill>
+            <a:srgbClr val="FABACF"/>
+          </a:solidFill>
+        </p:spPr>
+        <p:txBody>
+          <a:bodyPr wrap="square" lIns="0" tIns="0" rIns="0" bIns="0" rtlCol="0"/>
+          <a:lstStyle/>
+          <a:p>
+            <a:endParaRPr/>
+          </a:p>
+        </p:txBody>
+      </p:sp>
+      <p:sp>
+        <p:nvSpPr>
+          <p:cNvPr id="5" name="TextBox 4"/>
+          <p:cNvSpPr txBox="1"/>
+          <p:nvPr/>
+        </p:nvSpPr>
+        <p:spPr>
+          <a:xfrm>
+            <a:off x="180303" y="129241"/>
+            <a:ext cx="5283819" cy="707886"/>
+          </a:xfrm>
+          <a:prstGeom prst="rect">
+            <a:avLst/>
+          </a:prstGeom>
+          <a:noFill/>
+        </p:spPr>
+        <p:txBody>
+          <a:bodyPr wrap="none" rtlCol="0">
+            <a:spAutoFit/>
+          </a:bodyPr>
+          <a:lstStyle/>
+          <a:p>
+            <a:r>
+              <a:rPr lang="en-US" altLang="ko-KR" sz="4000" dirty="0" smtClean="0">
+                <a:latin typeface="타이포_쌍문동 B" panose="02020803020101020101" pitchFamily="18" charset="-127"/>
+                <a:ea typeface="타이포_쌍문동 B" panose="02020803020101020101" pitchFamily="18" charset="-127"/>
+              </a:rPr>
+              <a:t>4. </a:t>
+            </a:r>
+            <a:r>
+              <a:rPr lang="ko-KR" altLang="en-US" sz="4000" dirty="0" smtClean="0">
+                <a:latin typeface="타이포_쌍문동 B" panose="02020803020101020101" pitchFamily="18" charset="-127"/>
+                <a:ea typeface="타이포_쌍문동 B" panose="02020803020101020101" pitchFamily="18" charset="-127"/>
+              </a:rPr>
+              <a:t>타 제품과의 차별성</a:t>
+            </a:r>
+            <a:endParaRPr lang="ko-KR" altLang="en-US" sz="4000" dirty="0">
+              <a:latin typeface="타이포_쌍문동 B" panose="02020803020101020101" pitchFamily="18" charset="-127"/>
+              <a:ea typeface="타이포_쌍문동 B" panose="02020803020101020101" pitchFamily="18" charset="-127"/>
+            </a:endParaRPr>
+          </a:p>
+        </p:txBody>
+      </p:sp>
+    </p:spTree>
+    <p:extLst>
+      <p:ext uri="{BB962C8B-B14F-4D97-AF65-F5344CB8AC3E}">
+        <p14:creationId xmlns:p14="http://schemas.microsoft.com/office/powerpoint/2010/main" val="1572282577"/>
+      </p:ext>
+    </p:extLst>
+  </p:cSld>
+  <p:clrMapOvr>
+    <a:masterClrMapping/>
+  </p:clrMapOvr>
+  <p:timing>
+    <p:tnLst>
+      <p:par>
+        <p:cTn id="1" dur="indefinite" restart="never" nodeType="tmRoot"/>
+      </p:par>
+    </p:tnLst>
+  </p:timing>
+</p:sld>
+</file>
+
+<file path=ppt/slides/slide7.xml><?xml version="1.0" encoding="utf-8"?>
+<p:sld xmlns:a="http://schemas.openxmlformats.org/drawingml/2006/main" xmlns:r="http://schemas.openxmlformats.org/officeDocument/2006/relationships" xmlns:p="http://schemas.openxmlformats.org/presentationml/2006/main">
+  <p:cSld>
+    <p:spTree>
+      <p:nvGrpSpPr>
+        <p:cNvPr id="1" name=""/>
+        <p:cNvGrpSpPr/>
+        <p:nvPr/>
+      </p:nvGrpSpPr>
+      <p:grpSpPr>
+        <a:xfrm>
+          <a:off x="0" y="0"/>
+          <a:ext cx="0" cy="0"/>
+          <a:chOff x="0" y="0"/>
+          <a:chExt cx="0" cy="0"/>
+        </a:xfrm>
+      </p:grpSpPr>
+      <p:sp>
+        <p:nvSpPr>
+          <p:cNvPr id="4" name="object 4"/>
+          <p:cNvSpPr/>
+          <p:nvPr/>
+        </p:nvSpPr>
+        <p:spPr>
+          <a:xfrm>
+            <a:off x="0" y="837127"/>
+            <a:ext cx="12192000" cy="86228"/>
+          </a:xfrm>
+          <a:custGeom>
+            <a:avLst/>
+            <a:gdLst/>
+            <a:ahLst/>
+            <a:cxnLst/>
+            <a:rect l="l" t="t" r="r" b="b"/>
+            <a:pathLst>
+              <a:path w="12192000" h="1270000">
+                <a:moveTo>
+                  <a:pt x="0" y="0"/>
+                </a:moveTo>
+                <a:lnTo>
+                  <a:pt x="12192000" y="0"/>
+                </a:lnTo>
+                <a:lnTo>
+                  <a:pt x="12192000" y="1269999"/>
+                </a:lnTo>
+                <a:lnTo>
+                  <a:pt x="0" y="1269999"/>
+                </a:lnTo>
+                <a:lnTo>
+                  <a:pt x="0" y="0"/>
+                </a:lnTo>
+                <a:close/>
+              </a:path>
+            </a:pathLst>
+          </a:custGeom>
+          <a:solidFill>
+            <a:srgbClr val="FABACF"/>
+          </a:solidFill>
+        </p:spPr>
+        <p:txBody>
+          <a:bodyPr wrap="square" lIns="0" tIns="0" rIns="0" bIns="0" rtlCol="0"/>
+          <a:lstStyle/>
+          <a:p>
+            <a:endParaRPr/>
+          </a:p>
+        </p:txBody>
+      </p:sp>
+      <p:sp>
+        <p:nvSpPr>
+          <p:cNvPr id="5" name="TextBox 4"/>
+          <p:cNvSpPr txBox="1"/>
+          <p:nvPr/>
+        </p:nvSpPr>
+        <p:spPr>
+          <a:xfrm>
+            <a:off x="180303" y="129241"/>
+            <a:ext cx="4924746" cy="707886"/>
+          </a:xfrm>
+          <a:prstGeom prst="rect">
+            <a:avLst/>
+          </a:prstGeom>
+          <a:noFill/>
+        </p:spPr>
+        <p:txBody>
+          <a:bodyPr wrap="none" rtlCol="0">
+            <a:spAutoFit/>
+          </a:bodyPr>
+          <a:lstStyle/>
+          <a:p>
+            <a:r>
+              <a:rPr lang="en-US" altLang="ko-KR" sz="4000" dirty="0">
+                <a:latin typeface="타이포_쌍문동 B" panose="02020803020101020101" pitchFamily="18" charset="-127"/>
+                <a:ea typeface="타이포_쌍문동 B" panose="02020803020101020101" pitchFamily="18" charset="-127"/>
+              </a:rPr>
+              <a:t>5</a:t>
+            </a:r>
+            <a:r>
+              <a:rPr lang="en-US" altLang="ko-KR" sz="4000" dirty="0" smtClean="0">
+                <a:latin typeface="타이포_쌍문동 B" panose="02020803020101020101" pitchFamily="18" charset="-127"/>
+                <a:ea typeface="타이포_쌍문동 B" panose="02020803020101020101" pitchFamily="18" charset="-127"/>
+              </a:rPr>
+              <a:t>. </a:t>
+            </a:r>
+            <a:r>
+              <a:rPr lang="ko-KR" altLang="en-US" sz="4000" dirty="0" smtClean="0">
+                <a:latin typeface="타이포_쌍문동 B" panose="02020803020101020101" pitchFamily="18" charset="-127"/>
+                <a:ea typeface="타이포_쌍문동 B" panose="02020803020101020101" pitchFamily="18" charset="-127"/>
+              </a:rPr>
+              <a:t>역할 분담 및 일정</a:t>
+            </a:r>
+            <a:endParaRPr lang="ko-KR" altLang="en-US" sz="4000" dirty="0">
+              <a:latin typeface="타이포_쌍문동 B" panose="02020803020101020101" pitchFamily="18" charset="-127"/>
+              <a:ea typeface="타이포_쌍문동 B" panose="02020803020101020101" pitchFamily="18" charset="-127"/>
+            </a:endParaRPr>
+          </a:p>
+        </p:txBody>
+      </p:sp>
+    </p:spTree>
+    <p:extLst>
+      <p:ext uri="{BB962C8B-B14F-4D97-AF65-F5344CB8AC3E}">
+        <p14:creationId xmlns:p14="http://schemas.microsoft.com/office/powerpoint/2010/main" val="4118720777"/>
+      </p:ext>
+    </p:extLst>
+  </p:cSld>
+  <p:clrMapOvr>
+    <a:masterClrMapping/>
+  </p:clrMapOvr>
+  <p:timing>
+    <p:tnLst>
+      <p:par>
+        <p:cTn id="1" dur="indefinite" restart="never" nodeType="tmRoot"/>
+      </p:par>
+    </p:tnLst>
+  </p:timing>
 </p:sld>
 </file>
 

--- a/Document/발표자료.pptx
+++ b/Document/발표자료.pptx
@@ -140,7 +140,7 @@
           <p:cNvPr id="2" name="제목 1">
             <a:extLst>
               <a:ext uri="{FF2B5EF4-FFF2-40B4-BE49-F238E27FC236}">
-                <a16:creationId xmlns:a16="http://schemas.microsoft.com/office/drawing/2014/main" xmlns="" id="{B936B912-8F14-4454-841F-F830FE1C510A}"/>
+                <a16:creationId xmlns:a16="http://schemas.microsoft.com/office/drawing/2014/main" id="{B936B912-8F14-4454-841F-F830FE1C510A}"/>
               </a:ext>
             </a:extLst>
           </p:cNvPr>
@@ -177,7 +177,7 @@
           <p:cNvPr id="3" name="부제목 2">
             <a:extLst>
               <a:ext uri="{FF2B5EF4-FFF2-40B4-BE49-F238E27FC236}">
-                <a16:creationId xmlns:a16="http://schemas.microsoft.com/office/drawing/2014/main" xmlns="" id="{8BABFFD6-FDD0-4F2B-9B66-760A09682190}"/>
+                <a16:creationId xmlns:a16="http://schemas.microsoft.com/office/drawing/2014/main" id="{8BABFFD6-FDD0-4F2B-9B66-760A09682190}"/>
               </a:ext>
             </a:extLst>
           </p:cNvPr>
@@ -247,7 +247,7 @@
           <p:cNvPr id="4" name="날짜 개체 틀 3">
             <a:extLst>
               <a:ext uri="{FF2B5EF4-FFF2-40B4-BE49-F238E27FC236}">
-                <a16:creationId xmlns:a16="http://schemas.microsoft.com/office/drawing/2014/main" xmlns="" id="{D2C7BDE2-087A-4A4E-BFCB-C54C166307EA}"/>
+                <a16:creationId xmlns:a16="http://schemas.microsoft.com/office/drawing/2014/main" id="{D2C7BDE2-087A-4A4E-BFCB-C54C166307EA}"/>
               </a:ext>
             </a:extLst>
           </p:cNvPr>
@@ -265,7 +265,7 @@
           <a:p>
             <a:fld id="{F1E08AD5-9E69-4E2B-9F94-C8CBCC606C5B}" type="datetimeFigureOut">
               <a:rPr lang="ko-KR" altLang="en-US" smtClean="0"/>
-              <a:t>2018-11-27</a:t>
+              <a:t>2018-11-28</a:t>
             </a:fld>
             <a:endParaRPr lang="ko-KR" altLang="en-US"/>
           </a:p>
@@ -276,7 +276,7 @@
           <p:cNvPr id="5" name="바닥글 개체 틀 4">
             <a:extLst>
               <a:ext uri="{FF2B5EF4-FFF2-40B4-BE49-F238E27FC236}">
-                <a16:creationId xmlns:a16="http://schemas.microsoft.com/office/drawing/2014/main" xmlns="" id="{B058C36A-5080-4A1F-BD9A-209F167EACC5}"/>
+                <a16:creationId xmlns:a16="http://schemas.microsoft.com/office/drawing/2014/main" id="{B058C36A-5080-4A1F-BD9A-209F167EACC5}"/>
               </a:ext>
             </a:extLst>
           </p:cNvPr>
@@ -301,7 +301,7 @@
           <p:cNvPr id="6" name="슬라이드 번호 개체 틀 5">
             <a:extLst>
               <a:ext uri="{FF2B5EF4-FFF2-40B4-BE49-F238E27FC236}">
-                <a16:creationId xmlns:a16="http://schemas.microsoft.com/office/drawing/2014/main" xmlns="" id="{5D26E8C6-FEB9-4E54-82A2-DABAB1DBA83F}"/>
+                <a16:creationId xmlns:a16="http://schemas.microsoft.com/office/drawing/2014/main" id="{5D26E8C6-FEB9-4E54-82A2-DABAB1DBA83F}"/>
               </a:ext>
             </a:extLst>
           </p:cNvPr>
@@ -360,7 +360,7 @@
           <p:cNvPr id="2" name="제목 1">
             <a:extLst>
               <a:ext uri="{FF2B5EF4-FFF2-40B4-BE49-F238E27FC236}">
-                <a16:creationId xmlns:a16="http://schemas.microsoft.com/office/drawing/2014/main" xmlns="" id="{6522FE70-5AAD-46AC-A3AD-B2FFC97CD113}"/>
+                <a16:creationId xmlns:a16="http://schemas.microsoft.com/office/drawing/2014/main" id="{6522FE70-5AAD-46AC-A3AD-B2FFC97CD113}"/>
               </a:ext>
             </a:extLst>
           </p:cNvPr>
@@ -388,7 +388,7 @@
           <p:cNvPr id="3" name="세로 텍스트 개체 틀 2">
             <a:extLst>
               <a:ext uri="{FF2B5EF4-FFF2-40B4-BE49-F238E27FC236}">
-                <a16:creationId xmlns:a16="http://schemas.microsoft.com/office/drawing/2014/main" xmlns="" id="{675C94ED-F63A-445A-902F-85AA9985202B}"/>
+                <a16:creationId xmlns:a16="http://schemas.microsoft.com/office/drawing/2014/main" id="{675C94ED-F63A-445A-902F-85AA9985202B}"/>
               </a:ext>
             </a:extLst>
           </p:cNvPr>
@@ -445,7 +445,7 @@
           <p:cNvPr id="4" name="날짜 개체 틀 3">
             <a:extLst>
               <a:ext uri="{FF2B5EF4-FFF2-40B4-BE49-F238E27FC236}">
-                <a16:creationId xmlns:a16="http://schemas.microsoft.com/office/drawing/2014/main" xmlns="" id="{EFC916FE-88B2-456F-9155-001FC6F14397}"/>
+                <a16:creationId xmlns:a16="http://schemas.microsoft.com/office/drawing/2014/main" id="{EFC916FE-88B2-456F-9155-001FC6F14397}"/>
               </a:ext>
             </a:extLst>
           </p:cNvPr>
@@ -463,7 +463,7 @@
           <a:p>
             <a:fld id="{F1E08AD5-9E69-4E2B-9F94-C8CBCC606C5B}" type="datetimeFigureOut">
               <a:rPr lang="ko-KR" altLang="en-US" smtClean="0"/>
-              <a:t>2018-11-27</a:t>
+              <a:t>2018-11-28</a:t>
             </a:fld>
             <a:endParaRPr lang="ko-KR" altLang="en-US"/>
           </a:p>
@@ -474,7 +474,7 @@
           <p:cNvPr id="5" name="바닥글 개체 틀 4">
             <a:extLst>
               <a:ext uri="{FF2B5EF4-FFF2-40B4-BE49-F238E27FC236}">
-                <a16:creationId xmlns:a16="http://schemas.microsoft.com/office/drawing/2014/main" xmlns="" id="{6863F8D2-1235-4969-BC8F-853FCD5C0FF0}"/>
+                <a16:creationId xmlns:a16="http://schemas.microsoft.com/office/drawing/2014/main" id="{6863F8D2-1235-4969-BC8F-853FCD5C0FF0}"/>
               </a:ext>
             </a:extLst>
           </p:cNvPr>
@@ -499,7 +499,7 @@
           <p:cNvPr id="6" name="슬라이드 번호 개체 틀 5">
             <a:extLst>
               <a:ext uri="{FF2B5EF4-FFF2-40B4-BE49-F238E27FC236}">
-                <a16:creationId xmlns:a16="http://schemas.microsoft.com/office/drawing/2014/main" xmlns="" id="{8C426888-C4B2-4432-8415-02EF77C0AFD0}"/>
+                <a16:creationId xmlns:a16="http://schemas.microsoft.com/office/drawing/2014/main" id="{8C426888-C4B2-4432-8415-02EF77C0AFD0}"/>
               </a:ext>
             </a:extLst>
           </p:cNvPr>
@@ -558,7 +558,7 @@
           <p:cNvPr id="2" name="세로 제목 1">
             <a:extLst>
               <a:ext uri="{FF2B5EF4-FFF2-40B4-BE49-F238E27FC236}">
-                <a16:creationId xmlns:a16="http://schemas.microsoft.com/office/drawing/2014/main" xmlns="" id="{C2380799-B9B6-49A5-BE4F-87339A69295D}"/>
+                <a16:creationId xmlns:a16="http://schemas.microsoft.com/office/drawing/2014/main" id="{C2380799-B9B6-49A5-BE4F-87339A69295D}"/>
               </a:ext>
             </a:extLst>
           </p:cNvPr>
@@ -591,7 +591,7 @@
           <p:cNvPr id="3" name="세로 텍스트 개체 틀 2">
             <a:extLst>
               <a:ext uri="{FF2B5EF4-FFF2-40B4-BE49-F238E27FC236}">
-                <a16:creationId xmlns:a16="http://schemas.microsoft.com/office/drawing/2014/main" xmlns="" id="{DA0DF918-840B-45D2-B837-7C4E5569A752}"/>
+                <a16:creationId xmlns:a16="http://schemas.microsoft.com/office/drawing/2014/main" id="{DA0DF918-840B-45D2-B837-7C4E5569A752}"/>
               </a:ext>
             </a:extLst>
           </p:cNvPr>
@@ -653,7 +653,7 @@
           <p:cNvPr id="4" name="날짜 개체 틀 3">
             <a:extLst>
               <a:ext uri="{FF2B5EF4-FFF2-40B4-BE49-F238E27FC236}">
-                <a16:creationId xmlns:a16="http://schemas.microsoft.com/office/drawing/2014/main" xmlns="" id="{E6B75E25-B397-4F4A-8857-A02D14ABCE3A}"/>
+                <a16:creationId xmlns:a16="http://schemas.microsoft.com/office/drawing/2014/main" id="{E6B75E25-B397-4F4A-8857-A02D14ABCE3A}"/>
               </a:ext>
             </a:extLst>
           </p:cNvPr>
@@ -671,7 +671,7 @@
           <a:p>
             <a:fld id="{F1E08AD5-9E69-4E2B-9F94-C8CBCC606C5B}" type="datetimeFigureOut">
               <a:rPr lang="ko-KR" altLang="en-US" smtClean="0"/>
-              <a:t>2018-11-27</a:t>
+              <a:t>2018-11-28</a:t>
             </a:fld>
             <a:endParaRPr lang="ko-KR" altLang="en-US"/>
           </a:p>
@@ -682,7 +682,7 @@
           <p:cNvPr id="5" name="바닥글 개체 틀 4">
             <a:extLst>
               <a:ext uri="{FF2B5EF4-FFF2-40B4-BE49-F238E27FC236}">
-                <a16:creationId xmlns:a16="http://schemas.microsoft.com/office/drawing/2014/main" xmlns="" id="{CE837077-09C9-43D3-99B1-B74C9360A72C}"/>
+                <a16:creationId xmlns:a16="http://schemas.microsoft.com/office/drawing/2014/main" id="{CE837077-09C9-43D3-99B1-B74C9360A72C}"/>
               </a:ext>
             </a:extLst>
           </p:cNvPr>
@@ -707,7 +707,7 @@
           <p:cNvPr id="6" name="슬라이드 번호 개체 틀 5">
             <a:extLst>
               <a:ext uri="{FF2B5EF4-FFF2-40B4-BE49-F238E27FC236}">
-                <a16:creationId xmlns:a16="http://schemas.microsoft.com/office/drawing/2014/main" xmlns="" id="{B016B6BF-CEBF-4743-AB57-FE41059AF6FA}"/>
+                <a16:creationId xmlns:a16="http://schemas.microsoft.com/office/drawing/2014/main" id="{B016B6BF-CEBF-4743-AB57-FE41059AF6FA}"/>
               </a:ext>
             </a:extLst>
           </p:cNvPr>
@@ -766,7 +766,7 @@
           <p:cNvPr id="2" name="제목 1">
             <a:extLst>
               <a:ext uri="{FF2B5EF4-FFF2-40B4-BE49-F238E27FC236}">
-                <a16:creationId xmlns:a16="http://schemas.microsoft.com/office/drawing/2014/main" xmlns="" id="{C8ADD370-53FE-44C5-9074-47E2559983B6}"/>
+                <a16:creationId xmlns:a16="http://schemas.microsoft.com/office/drawing/2014/main" id="{C8ADD370-53FE-44C5-9074-47E2559983B6}"/>
               </a:ext>
             </a:extLst>
           </p:cNvPr>
@@ -794,7 +794,7 @@
           <p:cNvPr id="3" name="내용 개체 틀 2">
             <a:extLst>
               <a:ext uri="{FF2B5EF4-FFF2-40B4-BE49-F238E27FC236}">
-                <a16:creationId xmlns:a16="http://schemas.microsoft.com/office/drawing/2014/main" xmlns="" id="{BBD08937-E849-4A00-BDD4-07F619C5E046}"/>
+                <a16:creationId xmlns:a16="http://schemas.microsoft.com/office/drawing/2014/main" id="{BBD08937-E849-4A00-BDD4-07F619C5E046}"/>
               </a:ext>
             </a:extLst>
           </p:cNvPr>
@@ -851,7 +851,7 @@
           <p:cNvPr id="4" name="날짜 개체 틀 3">
             <a:extLst>
               <a:ext uri="{FF2B5EF4-FFF2-40B4-BE49-F238E27FC236}">
-                <a16:creationId xmlns:a16="http://schemas.microsoft.com/office/drawing/2014/main" xmlns="" id="{E6DF612E-C229-4FDD-81CF-F633CCAD6056}"/>
+                <a16:creationId xmlns:a16="http://schemas.microsoft.com/office/drawing/2014/main" id="{E6DF612E-C229-4FDD-81CF-F633CCAD6056}"/>
               </a:ext>
             </a:extLst>
           </p:cNvPr>
@@ -869,7 +869,7 @@
           <a:p>
             <a:fld id="{F1E08AD5-9E69-4E2B-9F94-C8CBCC606C5B}" type="datetimeFigureOut">
               <a:rPr lang="ko-KR" altLang="en-US" smtClean="0"/>
-              <a:t>2018-11-27</a:t>
+              <a:t>2018-11-28</a:t>
             </a:fld>
             <a:endParaRPr lang="ko-KR" altLang="en-US"/>
           </a:p>
@@ -880,7 +880,7 @@
           <p:cNvPr id="5" name="바닥글 개체 틀 4">
             <a:extLst>
               <a:ext uri="{FF2B5EF4-FFF2-40B4-BE49-F238E27FC236}">
-                <a16:creationId xmlns:a16="http://schemas.microsoft.com/office/drawing/2014/main" xmlns="" id="{DE1DA4F0-C3D3-4A3A-B77B-AFD11048B6A3}"/>
+                <a16:creationId xmlns:a16="http://schemas.microsoft.com/office/drawing/2014/main" id="{DE1DA4F0-C3D3-4A3A-B77B-AFD11048B6A3}"/>
               </a:ext>
             </a:extLst>
           </p:cNvPr>
@@ -905,7 +905,7 @@
           <p:cNvPr id="6" name="슬라이드 번호 개체 틀 5">
             <a:extLst>
               <a:ext uri="{FF2B5EF4-FFF2-40B4-BE49-F238E27FC236}">
-                <a16:creationId xmlns:a16="http://schemas.microsoft.com/office/drawing/2014/main" xmlns="" id="{A7E7E67F-EE93-4EB3-AFA8-389F83DA7C53}"/>
+                <a16:creationId xmlns:a16="http://schemas.microsoft.com/office/drawing/2014/main" id="{A7E7E67F-EE93-4EB3-AFA8-389F83DA7C53}"/>
               </a:ext>
             </a:extLst>
           </p:cNvPr>
@@ -964,7 +964,7 @@
           <p:cNvPr id="2" name="제목 1">
             <a:extLst>
               <a:ext uri="{FF2B5EF4-FFF2-40B4-BE49-F238E27FC236}">
-                <a16:creationId xmlns:a16="http://schemas.microsoft.com/office/drawing/2014/main" xmlns="" id="{DE95C7A9-2628-4F2D-8FAD-5467883AB9E5}"/>
+                <a16:creationId xmlns:a16="http://schemas.microsoft.com/office/drawing/2014/main" id="{DE95C7A9-2628-4F2D-8FAD-5467883AB9E5}"/>
               </a:ext>
             </a:extLst>
           </p:cNvPr>
@@ -1001,7 +1001,7 @@
           <p:cNvPr id="3" name="텍스트 개체 틀 2">
             <a:extLst>
               <a:ext uri="{FF2B5EF4-FFF2-40B4-BE49-F238E27FC236}">
-                <a16:creationId xmlns:a16="http://schemas.microsoft.com/office/drawing/2014/main" xmlns="" id="{7C7CA35E-20E5-4286-9FE6-05E33B32DCC6}"/>
+                <a16:creationId xmlns:a16="http://schemas.microsoft.com/office/drawing/2014/main" id="{7C7CA35E-20E5-4286-9FE6-05E33B32DCC6}"/>
               </a:ext>
             </a:extLst>
           </p:cNvPr>
@@ -1126,7 +1126,7 @@
           <p:cNvPr id="4" name="날짜 개체 틀 3">
             <a:extLst>
               <a:ext uri="{FF2B5EF4-FFF2-40B4-BE49-F238E27FC236}">
-                <a16:creationId xmlns:a16="http://schemas.microsoft.com/office/drawing/2014/main" xmlns="" id="{4E2A9C52-AABA-4146-A783-558D8D8BF602}"/>
+                <a16:creationId xmlns:a16="http://schemas.microsoft.com/office/drawing/2014/main" id="{4E2A9C52-AABA-4146-A783-558D8D8BF602}"/>
               </a:ext>
             </a:extLst>
           </p:cNvPr>
@@ -1144,7 +1144,7 @@
           <a:p>
             <a:fld id="{F1E08AD5-9E69-4E2B-9F94-C8CBCC606C5B}" type="datetimeFigureOut">
               <a:rPr lang="ko-KR" altLang="en-US" smtClean="0"/>
-              <a:t>2018-11-27</a:t>
+              <a:t>2018-11-28</a:t>
             </a:fld>
             <a:endParaRPr lang="ko-KR" altLang="en-US"/>
           </a:p>
@@ -1155,7 +1155,7 @@
           <p:cNvPr id="5" name="바닥글 개체 틀 4">
             <a:extLst>
               <a:ext uri="{FF2B5EF4-FFF2-40B4-BE49-F238E27FC236}">
-                <a16:creationId xmlns:a16="http://schemas.microsoft.com/office/drawing/2014/main" xmlns="" id="{67C1B6AB-2F4C-4C8C-B3A6-A44F2A6161A7}"/>
+                <a16:creationId xmlns:a16="http://schemas.microsoft.com/office/drawing/2014/main" id="{67C1B6AB-2F4C-4C8C-B3A6-A44F2A6161A7}"/>
               </a:ext>
             </a:extLst>
           </p:cNvPr>
@@ -1180,7 +1180,7 @@
           <p:cNvPr id="6" name="슬라이드 번호 개체 틀 5">
             <a:extLst>
               <a:ext uri="{FF2B5EF4-FFF2-40B4-BE49-F238E27FC236}">
-                <a16:creationId xmlns:a16="http://schemas.microsoft.com/office/drawing/2014/main" xmlns="" id="{11B3794C-92B6-4B3F-8D28-F3C90F724496}"/>
+                <a16:creationId xmlns:a16="http://schemas.microsoft.com/office/drawing/2014/main" id="{11B3794C-92B6-4B3F-8D28-F3C90F724496}"/>
               </a:ext>
             </a:extLst>
           </p:cNvPr>
@@ -1239,7 +1239,7 @@
           <p:cNvPr id="2" name="제목 1">
             <a:extLst>
               <a:ext uri="{FF2B5EF4-FFF2-40B4-BE49-F238E27FC236}">
-                <a16:creationId xmlns:a16="http://schemas.microsoft.com/office/drawing/2014/main" xmlns="" id="{3AA66B23-CCBA-4651-BB9D-5892D9D79C9D}"/>
+                <a16:creationId xmlns:a16="http://schemas.microsoft.com/office/drawing/2014/main" id="{3AA66B23-CCBA-4651-BB9D-5892D9D79C9D}"/>
               </a:ext>
             </a:extLst>
           </p:cNvPr>
@@ -1267,7 +1267,7 @@
           <p:cNvPr id="3" name="내용 개체 틀 2">
             <a:extLst>
               <a:ext uri="{FF2B5EF4-FFF2-40B4-BE49-F238E27FC236}">
-                <a16:creationId xmlns:a16="http://schemas.microsoft.com/office/drawing/2014/main" xmlns="" id="{BE0F50E7-3CE9-43EA-9E3A-A2C8508A9051}"/>
+                <a16:creationId xmlns:a16="http://schemas.microsoft.com/office/drawing/2014/main" id="{BE0F50E7-3CE9-43EA-9E3A-A2C8508A9051}"/>
               </a:ext>
             </a:extLst>
           </p:cNvPr>
@@ -1329,7 +1329,7 @@
           <p:cNvPr id="4" name="내용 개체 틀 3">
             <a:extLst>
               <a:ext uri="{FF2B5EF4-FFF2-40B4-BE49-F238E27FC236}">
-                <a16:creationId xmlns:a16="http://schemas.microsoft.com/office/drawing/2014/main" xmlns="" id="{AA724CDE-ECB7-400E-BB1F-2CC86000DA9D}"/>
+                <a16:creationId xmlns:a16="http://schemas.microsoft.com/office/drawing/2014/main" id="{AA724CDE-ECB7-400E-BB1F-2CC86000DA9D}"/>
               </a:ext>
             </a:extLst>
           </p:cNvPr>
@@ -1391,7 +1391,7 @@
           <p:cNvPr id="5" name="날짜 개체 틀 4">
             <a:extLst>
               <a:ext uri="{FF2B5EF4-FFF2-40B4-BE49-F238E27FC236}">
-                <a16:creationId xmlns:a16="http://schemas.microsoft.com/office/drawing/2014/main" xmlns="" id="{7C01F48B-D319-44D1-BDAC-23C5EFBBCF88}"/>
+                <a16:creationId xmlns:a16="http://schemas.microsoft.com/office/drawing/2014/main" id="{7C01F48B-D319-44D1-BDAC-23C5EFBBCF88}"/>
               </a:ext>
             </a:extLst>
           </p:cNvPr>
@@ -1409,7 +1409,7 @@
           <a:p>
             <a:fld id="{F1E08AD5-9E69-4E2B-9F94-C8CBCC606C5B}" type="datetimeFigureOut">
               <a:rPr lang="ko-KR" altLang="en-US" smtClean="0"/>
-              <a:t>2018-11-27</a:t>
+              <a:t>2018-11-28</a:t>
             </a:fld>
             <a:endParaRPr lang="ko-KR" altLang="en-US"/>
           </a:p>
@@ -1420,7 +1420,7 @@
           <p:cNvPr id="6" name="바닥글 개체 틀 5">
             <a:extLst>
               <a:ext uri="{FF2B5EF4-FFF2-40B4-BE49-F238E27FC236}">
-                <a16:creationId xmlns:a16="http://schemas.microsoft.com/office/drawing/2014/main" xmlns="" id="{E8F58D82-AD40-4FE0-8A83-7BE1B73D3B3A}"/>
+                <a16:creationId xmlns:a16="http://schemas.microsoft.com/office/drawing/2014/main" id="{E8F58D82-AD40-4FE0-8A83-7BE1B73D3B3A}"/>
               </a:ext>
             </a:extLst>
           </p:cNvPr>
@@ -1445,7 +1445,7 @@
           <p:cNvPr id="7" name="슬라이드 번호 개체 틀 6">
             <a:extLst>
               <a:ext uri="{FF2B5EF4-FFF2-40B4-BE49-F238E27FC236}">
-                <a16:creationId xmlns:a16="http://schemas.microsoft.com/office/drawing/2014/main" xmlns="" id="{88EB293D-25FD-47E5-9BE8-23B499CCB71F}"/>
+                <a16:creationId xmlns:a16="http://schemas.microsoft.com/office/drawing/2014/main" id="{88EB293D-25FD-47E5-9BE8-23B499CCB71F}"/>
               </a:ext>
             </a:extLst>
           </p:cNvPr>
@@ -1504,7 +1504,7 @@
           <p:cNvPr id="2" name="제목 1">
             <a:extLst>
               <a:ext uri="{FF2B5EF4-FFF2-40B4-BE49-F238E27FC236}">
-                <a16:creationId xmlns:a16="http://schemas.microsoft.com/office/drawing/2014/main" xmlns="" id="{DD02B42E-5366-430E-931F-948440EFF756}"/>
+                <a16:creationId xmlns:a16="http://schemas.microsoft.com/office/drawing/2014/main" id="{DD02B42E-5366-430E-931F-948440EFF756}"/>
               </a:ext>
             </a:extLst>
           </p:cNvPr>
@@ -1537,7 +1537,7 @@
           <p:cNvPr id="3" name="텍스트 개체 틀 2">
             <a:extLst>
               <a:ext uri="{FF2B5EF4-FFF2-40B4-BE49-F238E27FC236}">
-                <a16:creationId xmlns:a16="http://schemas.microsoft.com/office/drawing/2014/main" xmlns="" id="{B00581D1-9821-4AC3-BB51-B12F84B52654}"/>
+                <a16:creationId xmlns:a16="http://schemas.microsoft.com/office/drawing/2014/main" id="{B00581D1-9821-4AC3-BB51-B12F84B52654}"/>
               </a:ext>
             </a:extLst>
           </p:cNvPr>
@@ -1608,7 +1608,7 @@
           <p:cNvPr id="4" name="내용 개체 틀 3">
             <a:extLst>
               <a:ext uri="{FF2B5EF4-FFF2-40B4-BE49-F238E27FC236}">
-                <a16:creationId xmlns:a16="http://schemas.microsoft.com/office/drawing/2014/main" xmlns="" id="{547A433D-A49B-4B74-AE18-75CC8413FB85}"/>
+                <a16:creationId xmlns:a16="http://schemas.microsoft.com/office/drawing/2014/main" id="{547A433D-A49B-4B74-AE18-75CC8413FB85}"/>
               </a:ext>
             </a:extLst>
           </p:cNvPr>
@@ -1670,7 +1670,7 @@
           <p:cNvPr id="5" name="텍스트 개체 틀 4">
             <a:extLst>
               <a:ext uri="{FF2B5EF4-FFF2-40B4-BE49-F238E27FC236}">
-                <a16:creationId xmlns:a16="http://schemas.microsoft.com/office/drawing/2014/main" xmlns="" id="{F6885725-5E78-41C4-BFF0-7E60811C10CD}"/>
+                <a16:creationId xmlns:a16="http://schemas.microsoft.com/office/drawing/2014/main" id="{F6885725-5E78-41C4-BFF0-7E60811C10CD}"/>
               </a:ext>
             </a:extLst>
           </p:cNvPr>
@@ -1741,7 +1741,7 @@
           <p:cNvPr id="6" name="내용 개체 틀 5">
             <a:extLst>
               <a:ext uri="{FF2B5EF4-FFF2-40B4-BE49-F238E27FC236}">
-                <a16:creationId xmlns:a16="http://schemas.microsoft.com/office/drawing/2014/main" xmlns="" id="{37153D67-3B92-4621-A2D6-7C0EB77DC057}"/>
+                <a16:creationId xmlns:a16="http://schemas.microsoft.com/office/drawing/2014/main" id="{37153D67-3B92-4621-A2D6-7C0EB77DC057}"/>
               </a:ext>
             </a:extLst>
           </p:cNvPr>
@@ -1803,7 +1803,7 @@
           <p:cNvPr id="7" name="날짜 개체 틀 6">
             <a:extLst>
               <a:ext uri="{FF2B5EF4-FFF2-40B4-BE49-F238E27FC236}">
-                <a16:creationId xmlns:a16="http://schemas.microsoft.com/office/drawing/2014/main" xmlns="" id="{34B3B4BE-2C5C-48B3-BA79-E2D71BC00D25}"/>
+                <a16:creationId xmlns:a16="http://schemas.microsoft.com/office/drawing/2014/main" id="{34B3B4BE-2C5C-48B3-BA79-E2D71BC00D25}"/>
               </a:ext>
             </a:extLst>
           </p:cNvPr>
@@ -1821,7 +1821,7 @@
           <a:p>
             <a:fld id="{F1E08AD5-9E69-4E2B-9F94-C8CBCC606C5B}" type="datetimeFigureOut">
               <a:rPr lang="ko-KR" altLang="en-US" smtClean="0"/>
-              <a:t>2018-11-27</a:t>
+              <a:t>2018-11-28</a:t>
             </a:fld>
             <a:endParaRPr lang="ko-KR" altLang="en-US"/>
           </a:p>
@@ -1832,7 +1832,7 @@
           <p:cNvPr id="8" name="바닥글 개체 틀 7">
             <a:extLst>
               <a:ext uri="{FF2B5EF4-FFF2-40B4-BE49-F238E27FC236}">
-                <a16:creationId xmlns:a16="http://schemas.microsoft.com/office/drawing/2014/main" xmlns="" id="{052BBC5D-24C1-4EC7-82AE-78A73D26800F}"/>
+                <a16:creationId xmlns:a16="http://schemas.microsoft.com/office/drawing/2014/main" id="{052BBC5D-24C1-4EC7-82AE-78A73D26800F}"/>
               </a:ext>
             </a:extLst>
           </p:cNvPr>
@@ -1857,7 +1857,7 @@
           <p:cNvPr id="9" name="슬라이드 번호 개체 틀 8">
             <a:extLst>
               <a:ext uri="{FF2B5EF4-FFF2-40B4-BE49-F238E27FC236}">
-                <a16:creationId xmlns:a16="http://schemas.microsoft.com/office/drawing/2014/main" xmlns="" id="{E7CE8E55-714C-4D96-81E1-9C272EE0D029}"/>
+                <a16:creationId xmlns:a16="http://schemas.microsoft.com/office/drawing/2014/main" id="{E7CE8E55-714C-4D96-81E1-9C272EE0D029}"/>
               </a:ext>
             </a:extLst>
           </p:cNvPr>
@@ -1916,7 +1916,7 @@
           <p:cNvPr id="2" name="제목 1">
             <a:extLst>
               <a:ext uri="{FF2B5EF4-FFF2-40B4-BE49-F238E27FC236}">
-                <a16:creationId xmlns:a16="http://schemas.microsoft.com/office/drawing/2014/main" xmlns="" id="{72CC9B56-CC2D-4EC5-ADAC-B641C68DACCD}"/>
+                <a16:creationId xmlns:a16="http://schemas.microsoft.com/office/drawing/2014/main" id="{72CC9B56-CC2D-4EC5-ADAC-B641C68DACCD}"/>
               </a:ext>
             </a:extLst>
           </p:cNvPr>
@@ -1944,7 +1944,7 @@
           <p:cNvPr id="3" name="날짜 개체 틀 2">
             <a:extLst>
               <a:ext uri="{FF2B5EF4-FFF2-40B4-BE49-F238E27FC236}">
-                <a16:creationId xmlns:a16="http://schemas.microsoft.com/office/drawing/2014/main" xmlns="" id="{7B6E839D-776A-482D-A584-3ADE24E9CCCA}"/>
+                <a16:creationId xmlns:a16="http://schemas.microsoft.com/office/drawing/2014/main" id="{7B6E839D-776A-482D-A584-3ADE24E9CCCA}"/>
               </a:ext>
             </a:extLst>
           </p:cNvPr>
@@ -1962,7 +1962,7 @@
           <a:p>
             <a:fld id="{F1E08AD5-9E69-4E2B-9F94-C8CBCC606C5B}" type="datetimeFigureOut">
               <a:rPr lang="ko-KR" altLang="en-US" smtClean="0"/>
-              <a:t>2018-11-27</a:t>
+              <a:t>2018-11-28</a:t>
             </a:fld>
             <a:endParaRPr lang="ko-KR" altLang="en-US"/>
           </a:p>
@@ -1973,7 +1973,7 @@
           <p:cNvPr id="4" name="바닥글 개체 틀 3">
             <a:extLst>
               <a:ext uri="{FF2B5EF4-FFF2-40B4-BE49-F238E27FC236}">
-                <a16:creationId xmlns:a16="http://schemas.microsoft.com/office/drawing/2014/main" xmlns="" id="{66B39A00-DBDF-40F4-B0A8-5C51012C1B84}"/>
+                <a16:creationId xmlns:a16="http://schemas.microsoft.com/office/drawing/2014/main" id="{66B39A00-DBDF-40F4-B0A8-5C51012C1B84}"/>
               </a:ext>
             </a:extLst>
           </p:cNvPr>
@@ -1998,7 +1998,7 @@
           <p:cNvPr id="5" name="슬라이드 번호 개체 틀 4">
             <a:extLst>
               <a:ext uri="{FF2B5EF4-FFF2-40B4-BE49-F238E27FC236}">
-                <a16:creationId xmlns:a16="http://schemas.microsoft.com/office/drawing/2014/main" xmlns="" id="{5195F81A-DD8A-4275-8137-0597AD08AD1E}"/>
+                <a16:creationId xmlns:a16="http://schemas.microsoft.com/office/drawing/2014/main" id="{5195F81A-DD8A-4275-8137-0597AD08AD1E}"/>
               </a:ext>
             </a:extLst>
           </p:cNvPr>
@@ -2057,7 +2057,7 @@
           <p:cNvPr id="2" name="날짜 개체 틀 1">
             <a:extLst>
               <a:ext uri="{FF2B5EF4-FFF2-40B4-BE49-F238E27FC236}">
-                <a16:creationId xmlns:a16="http://schemas.microsoft.com/office/drawing/2014/main" xmlns="" id="{F065F68B-1533-4963-A54B-CEE48C7AFE98}"/>
+                <a16:creationId xmlns:a16="http://schemas.microsoft.com/office/drawing/2014/main" id="{F065F68B-1533-4963-A54B-CEE48C7AFE98}"/>
               </a:ext>
             </a:extLst>
           </p:cNvPr>
@@ -2075,7 +2075,7 @@
           <a:p>
             <a:fld id="{F1E08AD5-9E69-4E2B-9F94-C8CBCC606C5B}" type="datetimeFigureOut">
               <a:rPr lang="ko-KR" altLang="en-US" smtClean="0"/>
-              <a:t>2018-11-27</a:t>
+              <a:t>2018-11-28</a:t>
             </a:fld>
             <a:endParaRPr lang="ko-KR" altLang="en-US"/>
           </a:p>
@@ -2086,7 +2086,7 @@
           <p:cNvPr id="3" name="바닥글 개체 틀 2">
             <a:extLst>
               <a:ext uri="{FF2B5EF4-FFF2-40B4-BE49-F238E27FC236}">
-                <a16:creationId xmlns:a16="http://schemas.microsoft.com/office/drawing/2014/main" xmlns="" id="{58EE470F-A156-43DB-AF4D-A418A13FC06A}"/>
+                <a16:creationId xmlns:a16="http://schemas.microsoft.com/office/drawing/2014/main" id="{58EE470F-A156-43DB-AF4D-A418A13FC06A}"/>
               </a:ext>
             </a:extLst>
           </p:cNvPr>
@@ -2111,7 +2111,7 @@
           <p:cNvPr id="4" name="슬라이드 번호 개체 틀 3">
             <a:extLst>
               <a:ext uri="{FF2B5EF4-FFF2-40B4-BE49-F238E27FC236}">
-                <a16:creationId xmlns:a16="http://schemas.microsoft.com/office/drawing/2014/main" xmlns="" id="{D9E472DA-D5E2-4F99-8E2A-AB735C09801E}"/>
+                <a16:creationId xmlns:a16="http://schemas.microsoft.com/office/drawing/2014/main" id="{D9E472DA-D5E2-4F99-8E2A-AB735C09801E}"/>
               </a:ext>
             </a:extLst>
           </p:cNvPr>
@@ -2170,7 +2170,7 @@
           <p:cNvPr id="2" name="제목 1">
             <a:extLst>
               <a:ext uri="{FF2B5EF4-FFF2-40B4-BE49-F238E27FC236}">
-                <a16:creationId xmlns:a16="http://schemas.microsoft.com/office/drawing/2014/main" xmlns="" id="{EE8E2C22-E96D-4E30-829E-C5601080B61C}"/>
+                <a16:creationId xmlns:a16="http://schemas.microsoft.com/office/drawing/2014/main" id="{EE8E2C22-E96D-4E30-829E-C5601080B61C}"/>
               </a:ext>
             </a:extLst>
           </p:cNvPr>
@@ -2207,7 +2207,7 @@
           <p:cNvPr id="3" name="내용 개체 틀 2">
             <a:extLst>
               <a:ext uri="{FF2B5EF4-FFF2-40B4-BE49-F238E27FC236}">
-                <a16:creationId xmlns:a16="http://schemas.microsoft.com/office/drawing/2014/main" xmlns="" id="{FF85F714-56E0-45E6-A574-CFBABF0A914A}"/>
+                <a16:creationId xmlns:a16="http://schemas.microsoft.com/office/drawing/2014/main" id="{FF85F714-56E0-45E6-A574-CFBABF0A914A}"/>
               </a:ext>
             </a:extLst>
           </p:cNvPr>
@@ -2297,7 +2297,7 @@
           <p:cNvPr id="4" name="텍스트 개체 틀 3">
             <a:extLst>
               <a:ext uri="{FF2B5EF4-FFF2-40B4-BE49-F238E27FC236}">
-                <a16:creationId xmlns:a16="http://schemas.microsoft.com/office/drawing/2014/main" xmlns="" id="{6E1EB69D-CF07-420B-98BD-B53C60016B2E}"/>
+                <a16:creationId xmlns:a16="http://schemas.microsoft.com/office/drawing/2014/main" id="{6E1EB69D-CF07-420B-98BD-B53C60016B2E}"/>
               </a:ext>
             </a:extLst>
           </p:cNvPr>
@@ -2368,7 +2368,7 @@
           <p:cNvPr id="5" name="날짜 개체 틀 4">
             <a:extLst>
               <a:ext uri="{FF2B5EF4-FFF2-40B4-BE49-F238E27FC236}">
-                <a16:creationId xmlns:a16="http://schemas.microsoft.com/office/drawing/2014/main" xmlns="" id="{3F9EE376-932C-4F20-912A-19A9A92368BE}"/>
+                <a16:creationId xmlns:a16="http://schemas.microsoft.com/office/drawing/2014/main" id="{3F9EE376-932C-4F20-912A-19A9A92368BE}"/>
               </a:ext>
             </a:extLst>
           </p:cNvPr>
@@ -2386,7 +2386,7 @@
           <a:p>
             <a:fld id="{F1E08AD5-9E69-4E2B-9F94-C8CBCC606C5B}" type="datetimeFigureOut">
               <a:rPr lang="ko-KR" altLang="en-US" smtClean="0"/>
-              <a:t>2018-11-27</a:t>
+              <a:t>2018-11-28</a:t>
             </a:fld>
             <a:endParaRPr lang="ko-KR" altLang="en-US"/>
           </a:p>
@@ -2397,7 +2397,7 @@
           <p:cNvPr id="6" name="바닥글 개체 틀 5">
             <a:extLst>
               <a:ext uri="{FF2B5EF4-FFF2-40B4-BE49-F238E27FC236}">
-                <a16:creationId xmlns:a16="http://schemas.microsoft.com/office/drawing/2014/main" xmlns="" id="{6C08D442-9F4C-4537-AB2F-F56660233C99}"/>
+                <a16:creationId xmlns:a16="http://schemas.microsoft.com/office/drawing/2014/main" id="{6C08D442-9F4C-4537-AB2F-F56660233C99}"/>
               </a:ext>
             </a:extLst>
           </p:cNvPr>
@@ -2422,7 +2422,7 @@
           <p:cNvPr id="7" name="슬라이드 번호 개체 틀 6">
             <a:extLst>
               <a:ext uri="{FF2B5EF4-FFF2-40B4-BE49-F238E27FC236}">
-                <a16:creationId xmlns:a16="http://schemas.microsoft.com/office/drawing/2014/main" xmlns="" id="{9CFFC8C6-17C1-444B-B85B-E71B0A034E0B}"/>
+                <a16:creationId xmlns:a16="http://schemas.microsoft.com/office/drawing/2014/main" id="{9CFFC8C6-17C1-444B-B85B-E71B0A034E0B}"/>
               </a:ext>
             </a:extLst>
           </p:cNvPr>
@@ -2481,7 +2481,7 @@
           <p:cNvPr id="2" name="제목 1">
             <a:extLst>
               <a:ext uri="{FF2B5EF4-FFF2-40B4-BE49-F238E27FC236}">
-                <a16:creationId xmlns:a16="http://schemas.microsoft.com/office/drawing/2014/main" xmlns="" id="{63C56BF2-B225-434A-B878-CF35C517A78C}"/>
+                <a16:creationId xmlns:a16="http://schemas.microsoft.com/office/drawing/2014/main" id="{63C56BF2-B225-434A-B878-CF35C517A78C}"/>
               </a:ext>
             </a:extLst>
           </p:cNvPr>
@@ -2518,7 +2518,7 @@
           <p:cNvPr id="3" name="그림 개체 틀 2">
             <a:extLst>
               <a:ext uri="{FF2B5EF4-FFF2-40B4-BE49-F238E27FC236}">
-                <a16:creationId xmlns:a16="http://schemas.microsoft.com/office/drawing/2014/main" xmlns="" id="{735853CD-1204-4BFE-9E7D-FA03056BDF91}"/>
+                <a16:creationId xmlns:a16="http://schemas.microsoft.com/office/drawing/2014/main" id="{735853CD-1204-4BFE-9E7D-FA03056BDF91}"/>
               </a:ext>
             </a:extLst>
           </p:cNvPr>
@@ -2585,7 +2585,7 @@
           <p:cNvPr id="4" name="텍스트 개체 틀 3">
             <a:extLst>
               <a:ext uri="{FF2B5EF4-FFF2-40B4-BE49-F238E27FC236}">
-                <a16:creationId xmlns:a16="http://schemas.microsoft.com/office/drawing/2014/main" xmlns="" id="{630D1046-84F8-47E2-9637-EE1F8D66172A}"/>
+                <a16:creationId xmlns:a16="http://schemas.microsoft.com/office/drawing/2014/main" id="{630D1046-84F8-47E2-9637-EE1F8D66172A}"/>
               </a:ext>
             </a:extLst>
           </p:cNvPr>
@@ -2656,7 +2656,7 @@
           <p:cNvPr id="5" name="날짜 개체 틀 4">
             <a:extLst>
               <a:ext uri="{FF2B5EF4-FFF2-40B4-BE49-F238E27FC236}">
-                <a16:creationId xmlns:a16="http://schemas.microsoft.com/office/drawing/2014/main" xmlns="" id="{56573E4D-EA74-4746-B5BF-A9FF0E3AF999}"/>
+                <a16:creationId xmlns:a16="http://schemas.microsoft.com/office/drawing/2014/main" id="{56573E4D-EA74-4746-B5BF-A9FF0E3AF999}"/>
               </a:ext>
             </a:extLst>
           </p:cNvPr>
@@ -2674,7 +2674,7 @@
           <a:p>
             <a:fld id="{F1E08AD5-9E69-4E2B-9F94-C8CBCC606C5B}" type="datetimeFigureOut">
               <a:rPr lang="ko-KR" altLang="en-US" smtClean="0"/>
-              <a:t>2018-11-27</a:t>
+              <a:t>2018-11-28</a:t>
             </a:fld>
             <a:endParaRPr lang="ko-KR" altLang="en-US"/>
           </a:p>
@@ -2685,7 +2685,7 @@
           <p:cNvPr id="6" name="바닥글 개체 틀 5">
             <a:extLst>
               <a:ext uri="{FF2B5EF4-FFF2-40B4-BE49-F238E27FC236}">
-                <a16:creationId xmlns:a16="http://schemas.microsoft.com/office/drawing/2014/main" xmlns="" id="{53508D7C-3EBC-4B81-8BC0-015ACC2DF71B}"/>
+                <a16:creationId xmlns:a16="http://schemas.microsoft.com/office/drawing/2014/main" id="{53508D7C-3EBC-4B81-8BC0-015ACC2DF71B}"/>
               </a:ext>
             </a:extLst>
           </p:cNvPr>
@@ -2710,7 +2710,7 @@
           <p:cNvPr id="7" name="슬라이드 번호 개체 틀 6">
             <a:extLst>
               <a:ext uri="{FF2B5EF4-FFF2-40B4-BE49-F238E27FC236}">
-                <a16:creationId xmlns:a16="http://schemas.microsoft.com/office/drawing/2014/main" xmlns="" id="{F06D730C-C52D-488A-B3AC-856FBF2E0D93}"/>
+                <a16:creationId xmlns:a16="http://schemas.microsoft.com/office/drawing/2014/main" id="{F06D730C-C52D-488A-B3AC-856FBF2E0D93}"/>
               </a:ext>
             </a:extLst>
           </p:cNvPr>
@@ -2774,7 +2774,7 @@
           <p:cNvPr id="2" name="제목 개체 틀 1">
             <a:extLst>
               <a:ext uri="{FF2B5EF4-FFF2-40B4-BE49-F238E27FC236}">
-                <a16:creationId xmlns:a16="http://schemas.microsoft.com/office/drawing/2014/main" xmlns="" id="{9820A22F-101A-402F-A5BB-D095C3AA9064}"/>
+                <a16:creationId xmlns:a16="http://schemas.microsoft.com/office/drawing/2014/main" id="{9820A22F-101A-402F-A5BB-D095C3AA9064}"/>
               </a:ext>
             </a:extLst>
           </p:cNvPr>
@@ -2812,7 +2812,7 @@
           <p:cNvPr id="3" name="텍스트 개체 틀 2">
             <a:extLst>
               <a:ext uri="{FF2B5EF4-FFF2-40B4-BE49-F238E27FC236}">
-                <a16:creationId xmlns:a16="http://schemas.microsoft.com/office/drawing/2014/main" xmlns="" id="{21450A64-DD20-48B6-913C-D3DE6053C593}"/>
+                <a16:creationId xmlns:a16="http://schemas.microsoft.com/office/drawing/2014/main" id="{21450A64-DD20-48B6-913C-D3DE6053C593}"/>
               </a:ext>
             </a:extLst>
           </p:cNvPr>
@@ -2879,7 +2879,7 @@
           <p:cNvPr id="4" name="날짜 개체 틀 3">
             <a:extLst>
               <a:ext uri="{FF2B5EF4-FFF2-40B4-BE49-F238E27FC236}">
-                <a16:creationId xmlns:a16="http://schemas.microsoft.com/office/drawing/2014/main" xmlns="" id="{A5C6B5C1-6075-4315-A6E3-6CCB2438CE33}"/>
+                <a16:creationId xmlns:a16="http://schemas.microsoft.com/office/drawing/2014/main" id="{A5C6B5C1-6075-4315-A6E3-6CCB2438CE33}"/>
               </a:ext>
             </a:extLst>
           </p:cNvPr>
@@ -2915,7 +2915,7 @@
           <a:p>
             <a:fld id="{F1E08AD5-9E69-4E2B-9F94-C8CBCC606C5B}" type="datetimeFigureOut">
               <a:rPr lang="ko-KR" altLang="en-US" smtClean="0"/>
-              <a:t>2018-11-27</a:t>
+              <a:t>2018-11-28</a:t>
             </a:fld>
             <a:endParaRPr lang="ko-KR" altLang="en-US"/>
           </a:p>
@@ -2926,7 +2926,7 @@
           <p:cNvPr id="5" name="바닥글 개체 틀 4">
             <a:extLst>
               <a:ext uri="{FF2B5EF4-FFF2-40B4-BE49-F238E27FC236}">
-                <a16:creationId xmlns:a16="http://schemas.microsoft.com/office/drawing/2014/main" xmlns="" id="{44EC332D-5CC3-4692-ADAC-F797423C040C}"/>
+                <a16:creationId xmlns:a16="http://schemas.microsoft.com/office/drawing/2014/main" id="{44EC332D-5CC3-4692-ADAC-F797423C040C}"/>
               </a:ext>
             </a:extLst>
           </p:cNvPr>
@@ -2969,7 +2969,7 @@
           <p:cNvPr id="6" name="슬라이드 번호 개체 틀 5">
             <a:extLst>
               <a:ext uri="{FF2B5EF4-FFF2-40B4-BE49-F238E27FC236}">
-                <a16:creationId xmlns:a16="http://schemas.microsoft.com/office/drawing/2014/main" xmlns="" id="{6EAA751D-6B6D-458B-9E99-DFAF8049E4EA}"/>
+                <a16:creationId xmlns:a16="http://schemas.microsoft.com/office/drawing/2014/main" id="{6EAA751D-6B6D-458B-9E99-DFAF8049E4EA}"/>
               </a:ext>
             </a:extLst>
           </p:cNvPr>
@@ -3334,10 +3334,39 @@
       </p:grpSpPr>
       <p:sp>
         <p:nvSpPr>
+          <p:cNvPr id="20" name="object 3"/>
+          <p:cNvSpPr/>
+          <p:nvPr/>
+        </p:nvSpPr>
+        <p:spPr>
+          <a:xfrm>
+            <a:off x="2200140" y="2121408"/>
+            <a:ext cx="7765961" cy="1984196"/>
+          </a:xfrm>
+          <a:prstGeom prst="rect">
+            <a:avLst/>
+          </a:prstGeom>
+          <a:blipFill>
+            <a:blip r:embed="rId2" cstate="print"/>
+            <a:stretch>
+              <a:fillRect/>
+            </a:stretch>
+          </a:blipFill>
+        </p:spPr>
+        <p:txBody>
+          <a:bodyPr wrap="square" lIns="0" tIns="0" rIns="0" bIns="0" rtlCol="0"/>
+          <a:lstStyle/>
+          <a:p>
+            <a:endParaRPr/>
+          </a:p>
+        </p:txBody>
+      </p:sp>
+      <p:sp>
+        <p:nvSpPr>
           <p:cNvPr id="6" name="TextBox 5">
             <a:extLst>
               <a:ext uri="{FF2B5EF4-FFF2-40B4-BE49-F238E27FC236}">
-                <a16:creationId xmlns:a16="http://schemas.microsoft.com/office/drawing/2014/main" xmlns="" id="{090DD904-92DF-4C00-9DEF-62DB324CA9DC}"/>
+                <a16:creationId xmlns:a16="http://schemas.microsoft.com/office/drawing/2014/main" id="{090DD904-92DF-4C00-9DEF-62DB324CA9DC}"/>
               </a:ext>
             </a:extLst>
           </p:cNvPr>
@@ -3406,7 +3435,7 @@
           <p:cNvPr id="7" name="직사각형 6">
             <a:extLst>
               <a:ext uri="{FF2B5EF4-FFF2-40B4-BE49-F238E27FC236}">
-                <a16:creationId xmlns:a16="http://schemas.microsoft.com/office/drawing/2014/main" xmlns="" id="{60ABF07A-FE4E-4688-80CC-687EED60F91B}"/>
+                <a16:creationId xmlns:a16="http://schemas.microsoft.com/office/drawing/2014/main" id="{60ABF07A-FE4E-4688-80CC-687EED60F91B}"/>
               </a:ext>
             </a:extLst>
           </p:cNvPr>
@@ -3458,7 +3487,7 @@
           <p:cNvPr id="8" name="TextBox 7">
             <a:extLst>
               <a:ext uri="{FF2B5EF4-FFF2-40B4-BE49-F238E27FC236}">
-                <a16:creationId xmlns:a16="http://schemas.microsoft.com/office/drawing/2014/main" xmlns="" id="{6136D3A2-8D78-4CCE-AFF0-FB3E4EC571BB}"/>
+                <a16:creationId xmlns:a16="http://schemas.microsoft.com/office/drawing/2014/main" id="{6136D3A2-8D78-4CCE-AFF0-FB3E4EC571BB}"/>
               </a:ext>
             </a:extLst>
           </p:cNvPr>
@@ -3507,7 +3536,7 @@
           <p:cNvPr id="10" name="직선 연결선 9">
             <a:extLst>
               <a:ext uri="{FF2B5EF4-FFF2-40B4-BE49-F238E27FC236}">
-                <a16:creationId xmlns:a16="http://schemas.microsoft.com/office/drawing/2014/main" xmlns="" id="{B3FBACC2-97ED-4D82-BB8A-5711DC7F65D1}"/>
+                <a16:creationId xmlns:a16="http://schemas.microsoft.com/office/drawing/2014/main" id="{B3FBACC2-97ED-4D82-BB8A-5711DC7F65D1}"/>
               </a:ext>
             </a:extLst>
           </p:cNvPr>
@@ -3627,7 +3656,7 @@
           <p:cNvPr id="11" name="TextBox 10">
             <a:extLst>
               <a:ext uri="{FF2B5EF4-FFF2-40B4-BE49-F238E27FC236}">
-                <a16:creationId xmlns:a16="http://schemas.microsoft.com/office/drawing/2014/main" xmlns="" id="{91BE35E7-FEAB-4F32-8A4C-A484EAB8A745}"/>
+                <a16:creationId xmlns:a16="http://schemas.microsoft.com/office/drawing/2014/main" id="{91BE35E7-FEAB-4F32-8A4C-A484EAB8A745}"/>
               </a:ext>
             </a:extLst>
           </p:cNvPr>
@@ -3636,8 +3665,8 @@
         </p:nvSpPr>
         <p:spPr>
           <a:xfrm>
-            <a:off x="2065739" y="1858835"/>
-            <a:ext cx="8034764" cy="2246769"/>
+            <a:off x="2486143" y="1858835"/>
+            <a:ext cx="7193956" cy="2246769"/>
           </a:xfrm>
           <a:prstGeom prst="rect">
             <a:avLst/>
@@ -3652,69 +3681,26 @@
           <a:p>
             <a:pPr algn="ctr"/>
             <a:r>
-              <a:rPr lang="en-US" altLang="ko-KR" sz="8000" u="sng" dirty="0">
+              <a:rPr lang="en-US" altLang="ko-KR" sz="8000" dirty="0">
                 <a:latin typeface="타이포_쌍문동 B" panose="02020803020101020101" pitchFamily="18" charset="-127"/>
                 <a:ea typeface="타이포_쌍문동 B" panose="02020803020101020101" pitchFamily="18" charset="-127"/>
               </a:rPr>
-              <a:t>PLAY </a:t>
-            </a:r>
-            <a:r>
-              <a:rPr lang="en-US" altLang="ko-KR" sz="8000" u="sng" dirty="0" smtClean="0">
-                <a:latin typeface="타이포_쌍문동 B" panose="02020803020101020101" pitchFamily="18" charset="-127"/>
-                <a:ea typeface="타이포_쌍문동 B" panose="02020803020101020101" pitchFamily="18" charset="-127"/>
-              </a:rPr>
-              <a:t>GROUND</a:t>
+              <a:t>PLAY GROUND</a:t>
             </a:r>
           </a:p>
           <a:p>
             <a:pPr algn="ctr"/>
-            <a:r>
-              <a:rPr lang="en-US" altLang="ko-KR" sz="6000" dirty="0" smtClean="0">
-                <a:latin typeface="타이포_쌍문동 B" panose="02020803020101020101" pitchFamily="18" charset="-127"/>
-                <a:ea typeface="타이포_쌍문동 B" panose="02020803020101020101" pitchFamily="18" charset="-127"/>
-              </a:rPr>
-              <a:t>ON </a:t>
-            </a:r>
             <a:r>
               <a:rPr lang="en-US" altLang="ko-KR" sz="6000" dirty="0">
                 <a:latin typeface="타이포_쌍문동 B" panose="02020803020101020101" pitchFamily="18" charset="-127"/>
                 <a:ea typeface="타이포_쌍문동 B" panose="02020803020101020101" pitchFamily="18" charset="-127"/>
               </a:rPr>
-              <a:t>AIR</a:t>
+              <a:t>ON AIR</a:t>
             </a:r>
             <a:endParaRPr lang="ko-KR" altLang="en-US" sz="6000" dirty="0">
               <a:latin typeface="타이포_쌍문동 B" panose="02020803020101020101" pitchFamily="18" charset="-127"/>
               <a:ea typeface="타이포_쌍문동 B" panose="02020803020101020101" pitchFamily="18" charset="-127"/>
             </a:endParaRPr>
-          </a:p>
-        </p:txBody>
-      </p:sp>
-      <p:sp>
-        <p:nvSpPr>
-          <p:cNvPr id="20" name="object 3"/>
-          <p:cNvSpPr/>
-          <p:nvPr/>
-        </p:nvSpPr>
-        <p:spPr>
-          <a:xfrm>
-            <a:off x="2202287" y="1919914"/>
-            <a:ext cx="7765961" cy="2185690"/>
-          </a:xfrm>
-          <a:prstGeom prst="rect">
-            <a:avLst/>
-          </a:prstGeom>
-          <a:blipFill>
-            <a:blip r:embed="rId2" cstate="print"/>
-            <a:stretch>
-              <a:fillRect/>
-            </a:stretch>
-          </a:blipFill>
-        </p:spPr>
-        <p:txBody>
-          <a:bodyPr wrap="square" lIns="0" tIns="0" rIns="0" bIns="0" rtlCol="0"/>
-          <a:lstStyle/>
-          <a:p>
-            <a:endParaRPr/>
           </a:p>
         </p:txBody>
       </p:sp>
@@ -3728,13 +3714,6 @@
   <p:clrMapOvr>
     <a:masterClrMapping/>
   </p:clrMapOvr>
-  <p:timing>
-    <p:tnLst>
-      <p:par>
-        <p:cTn id="1" dur="indefinite" restart="never" nodeType="tmRoot"/>
-      </p:par>
-    </p:tnLst>
-  </p:timing>
 </p:sld>
 </file>
 
@@ -3832,7 +3811,7 @@
               <a:buChar char="•"/>
             </a:pPr>
             <a:r>
-              <a:rPr lang="en-US" altLang="ko-KR" sz="4000" dirty="0" smtClean="0">
+              <a:rPr lang="en-US" altLang="ko-KR" sz="4000" dirty="0">
                 <a:latin typeface="타이포_쌍문동 B" panose="02020803020101020101" pitchFamily="18" charset="-127"/>
                 <a:ea typeface="타이포_쌍문동 B" panose="02020803020101020101" pitchFamily="18" charset="-127"/>
               </a:rPr>
@@ -3868,23 +3847,19 @@
           <a:lstStyle/>
           <a:p>
             <a:r>
-              <a:rPr lang="en-US" altLang="ko-KR" sz="3200" dirty="0" smtClean="0">
+              <a:rPr lang="en-US" altLang="ko-KR" sz="3200" dirty="0">
                 <a:latin typeface="HY헤드라인M" panose="02030600000101010101" pitchFamily="18" charset="-127"/>
                 <a:ea typeface="HY헤드라인M" panose="02030600000101010101" pitchFamily="18" charset="-127"/>
               </a:rPr>
               <a:t>1. </a:t>
             </a:r>
             <a:r>
-              <a:rPr lang="ko-KR" altLang="en-US" sz="3200" dirty="0" smtClean="0">
+              <a:rPr lang="ko-KR" altLang="en-US" sz="3200" dirty="0">
                 <a:latin typeface="HY헤드라인M" panose="02030600000101010101" pitchFamily="18" charset="-127"/>
                 <a:ea typeface="HY헤드라인M" panose="02030600000101010101" pitchFamily="18" charset="-127"/>
               </a:rPr>
               <a:t>연구 목적</a:t>
             </a:r>
-            <a:endParaRPr lang="ko-KR" altLang="en-US" sz="3200" dirty="0">
-              <a:latin typeface="HY헤드라인M" panose="02030600000101010101" pitchFamily="18" charset="-127"/>
-              <a:ea typeface="HY헤드라인M" panose="02030600000101010101" pitchFamily="18" charset="-127"/>
-            </a:endParaRPr>
           </a:p>
         </p:txBody>
       </p:sp>
@@ -3911,23 +3886,19 @@
           <a:lstStyle/>
           <a:p>
             <a:r>
-              <a:rPr lang="en-US" altLang="ko-KR" sz="3200" dirty="0" smtClean="0">
+              <a:rPr lang="en-US" altLang="ko-KR" sz="3200" dirty="0">
                 <a:latin typeface="HY헤드라인M" panose="02030600000101010101" pitchFamily="18" charset="-127"/>
                 <a:ea typeface="HY헤드라인M" panose="02030600000101010101" pitchFamily="18" charset="-127"/>
               </a:rPr>
               <a:t>2. </a:t>
             </a:r>
             <a:r>
-              <a:rPr lang="ko-KR" altLang="en-US" sz="3200" dirty="0" smtClean="0">
+              <a:rPr lang="ko-KR" altLang="en-US" sz="3200" dirty="0">
                 <a:latin typeface="HY헤드라인M" panose="02030600000101010101" pitchFamily="18" charset="-127"/>
                 <a:ea typeface="HY헤드라인M" panose="02030600000101010101" pitchFamily="18" charset="-127"/>
               </a:rPr>
               <a:t>게임소개 및 특징</a:t>
             </a:r>
-            <a:endParaRPr lang="ko-KR" altLang="en-US" sz="3200" dirty="0">
-              <a:latin typeface="HY헤드라인M" panose="02030600000101010101" pitchFamily="18" charset="-127"/>
-              <a:ea typeface="HY헤드라인M" panose="02030600000101010101" pitchFamily="18" charset="-127"/>
-            </a:endParaRPr>
           </a:p>
         </p:txBody>
       </p:sp>
@@ -3954,23 +3925,19 @@
           <a:lstStyle/>
           <a:p>
             <a:r>
-              <a:rPr lang="en-US" altLang="ko-KR" sz="3200" dirty="0" smtClean="0">
+              <a:rPr lang="en-US" altLang="ko-KR" sz="3200" dirty="0">
                 <a:latin typeface="HY헤드라인M" panose="02030600000101010101" pitchFamily="18" charset="-127"/>
                 <a:ea typeface="HY헤드라인M" panose="02030600000101010101" pitchFamily="18" charset="-127"/>
               </a:rPr>
               <a:t>3. </a:t>
             </a:r>
             <a:r>
-              <a:rPr lang="ko-KR" altLang="en-US" sz="3200" dirty="0" smtClean="0">
+              <a:rPr lang="ko-KR" altLang="en-US" sz="3200" dirty="0">
                 <a:latin typeface="HY헤드라인M" panose="02030600000101010101" pitchFamily="18" charset="-127"/>
                 <a:ea typeface="HY헤드라인M" panose="02030600000101010101" pitchFamily="18" charset="-127"/>
               </a:rPr>
               <a:t>구현 환경 및 기술</a:t>
             </a:r>
-            <a:endParaRPr lang="ko-KR" altLang="en-US" sz="3200" dirty="0">
-              <a:latin typeface="HY헤드라인M" panose="02030600000101010101" pitchFamily="18" charset="-127"/>
-              <a:ea typeface="HY헤드라인M" panose="02030600000101010101" pitchFamily="18" charset="-127"/>
-            </a:endParaRPr>
           </a:p>
         </p:txBody>
       </p:sp>
@@ -3997,23 +3964,19 @@
           <a:lstStyle/>
           <a:p>
             <a:r>
-              <a:rPr lang="en-US" altLang="ko-KR" sz="3200" dirty="0" smtClean="0">
+              <a:rPr lang="en-US" altLang="ko-KR" sz="3200" dirty="0">
                 <a:latin typeface="HY헤드라인M" panose="02030600000101010101" pitchFamily="18" charset="-127"/>
                 <a:ea typeface="HY헤드라인M" panose="02030600000101010101" pitchFamily="18" charset="-127"/>
               </a:rPr>
               <a:t>4. </a:t>
             </a:r>
             <a:r>
-              <a:rPr lang="ko-KR" altLang="en-US" sz="3200" dirty="0" smtClean="0">
+              <a:rPr lang="ko-KR" altLang="en-US" sz="3200" dirty="0">
                 <a:latin typeface="HY헤드라인M" panose="02030600000101010101" pitchFamily="18" charset="-127"/>
                 <a:ea typeface="HY헤드라인M" panose="02030600000101010101" pitchFamily="18" charset="-127"/>
               </a:rPr>
               <a:t>타 제품과의 차별성</a:t>
             </a:r>
-            <a:endParaRPr lang="ko-KR" altLang="en-US" sz="3200" dirty="0">
-              <a:latin typeface="HY헤드라인M" panose="02030600000101010101" pitchFamily="18" charset="-127"/>
-              <a:ea typeface="HY헤드라인M" panose="02030600000101010101" pitchFamily="18" charset="-127"/>
-            </a:endParaRPr>
           </a:p>
         </p:txBody>
       </p:sp>
@@ -4040,23 +4003,19 @@
           <a:lstStyle/>
           <a:p>
             <a:r>
-              <a:rPr lang="en-US" altLang="ko-KR" sz="3200" dirty="0" smtClean="0">
+              <a:rPr lang="en-US" altLang="ko-KR" sz="3200" dirty="0">
                 <a:latin typeface="HY헤드라인M" panose="02030600000101010101" pitchFamily="18" charset="-127"/>
                 <a:ea typeface="HY헤드라인M" panose="02030600000101010101" pitchFamily="18" charset="-127"/>
               </a:rPr>
               <a:t>5. </a:t>
             </a:r>
             <a:r>
-              <a:rPr lang="ko-KR" altLang="en-US" sz="3200" dirty="0" smtClean="0">
+              <a:rPr lang="ko-KR" altLang="en-US" sz="3200" dirty="0">
                 <a:latin typeface="HY헤드라인M" panose="02030600000101010101" pitchFamily="18" charset="-127"/>
                 <a:ea typeface="HY헤드라인M" panose="02030600000101010101" pitchFamily="18" charset="-127"/>
               </a:rPr>
               <a:t>역할분담 및 일정</a:t>
             </a:r>
-            <a:endParaRPr lang="ko-KR" altLang="en-US" sz="3200" dirty="0">
-              <a:latin typeface="HY헤드라인M" panose="02030600000101010101" pitchFamily="18" charset="-127"/>
-              <a:ea typeface="HY헤드라인M" panose="02030600000101010101" pitchFamily="18" charset="-127"/>
-            </a:endParaRPr>
           </a:p>
         </p:txBody>
       </p:sp>
@@ -4070,13 +4029,6 @@
   <p:clrMapOvr>
     <a:masterClrMapping/>
   </p:clrMapOvr>
-  <p:timing>
-    <p:tnLst>
-      <p:par>
-        <p:cTn id="1" dur="indefinite" restart="never" nodeType="tmRoot"/>
-      </p:par>
-    </p:tnLst>
-  </p:timing>
 </p:sld>
 </file>
 
@@ -4174,16 +4126,12 @@
               <a:buAutoNum type="arabicPeriod"/>
             </a:pPr>
             <a:r>
-              <a:rPr lang="ko-KR" altLang="en-US" sz="4000" dirty="0" smtClean="0">
+              <a:rPr lang="ko-KR" altLang="en-US" sz="4000" dirty="0">
                 <a:latin typeface="타이포_쌍문동 B" panose="02020803020101020101" pitchFamily="18" charset="-127"/>
                 <a:ea typeface="타이포_쌍문동 B" panose="02020803020101020101" pitchFamily="18" charset="-127"/>
               </a:rPr>
               <a:t>연구 목적</a:t>
             </a:r>
-            <a:endParaRPr lang="ko-KR" altLang="en-US" sz="4000" dirty="0">
-              <a:latin typeface="타이포_쌍문동 B" panose="02020803020101020101" pitchFamily="18" charset="-127"/>
-              <a:ea typeface="타이포_쌍문동 B" panose="02020803020101020101" pitchFamily="18" charset="-127"/>
-            </a:endParaRPr>
           </a:p>
         </p:txBody>
       </p:sp>
@@ -4195,7 +4143,7 @@
         </p:nvSpPr>
         <p:spPr>
           <a:xfrm>
-            <a:off x="669701" y="1338853"/>
+            <a:off x="455945" y="1338853"/>
             <a:ext cx="3244799" cy="584775"/>
           </a:xfrm>
           <a:prstGeom prst="rect">
@@ -4214,16 +4162,12 @@
               <a:buChar char="•"/>
             </a:pPr>
             <a:r>
-              <a:rPr lang="ko-KR" altLang="en-US" sz="3200" dirty="0" smtClean="0">
+              <a:rPr lang="ko-KR" altLang="en-US" sz="3200" dirty="0">
                 <a:latin typeface="HY헤드라인M" panose="02030600000101010101" pitchFamily="18" charset="-127"/>
                 <a:ea typeface="HY헤드라인M" panose="02030600000101010101" pitchFamily="18" charset="-127"/>
               </a:rPr>
               <a:t>게임의 필요성</a:t>
             </a:r>
-            <a:endParaRPr lang="ko-KR" altLang="en-US" sz="3200" dirty="0">
-              <a:latin typeface="HY헤드라인M" panose="02030600000101010101" pitchFamily="18" charset="-127"/>
-              <a:ea typeface="HY헤드라인M" panose="02030600000101010101" pitchFamily="18" charset="-127"/>
-            </a:endParaRPr>
           </a:p>
         </p:txBody>
       </p:sp>
@@ -4235,8 +4179,8 @@
         </p:nvSpPr>
         <p:spPr>
           <a:xfrm>
-            <a:off x="1169831" y="2212470"/>
-            <a:ext cx="11020966" cy="2308324"/>
+            <a:off x="669701" y="2274838"/>
+            <a:ext cx="11418510" cy="3662541"/>
           </a:xfrm>
           <a:prstGeom prst="rect">
             <a:avLst/>
@@ -4250,158 +4194,186 @@
           <a:lstStyle/>
           <a:p>
             <a:r>
-              <a:rPr lang="en-US" altLang="ko-KR" sz="2400" dirty="0" smtClean="0">
-                <a:latin typeface="HY헤드라인M" panose="02030600000101010101" pitchFamily="18" charset="-127"/>
-                <a:ea typeface="HY헤드라인M" panose="02030600000101010101" pitchFamily="18" charset="-127"/>
-              </a:rPr>
-              <a:t>YouTube, </a:t>
-            </a:r>
-            <a:r>
-              <a:rPr lang="ko-KR" altLang="en-US" sz="2400" dirty="0" err="1" smtClean="0">
+              <a:rPr lang="ko-KR" altLang="en-US" sz="2400" dirty="0">
+                <a:latin typeface="HY헤드라인M" panose="02030600000101010101" pitchFamily="18" charset="-127"/>
+                <a:ea typeface="HY헤드라인M" panose="02030600000101010101" pitchFamily="18" charset="-127"/>
+              </a:rPr>
+              <a:t>연 </a:t>
+            </a:r>
+            <a:r>
+              <a:rPr lang="en-US" altLang="ko-KR" sz="2400" dirty="0">
+                <a:latin typeface="HY헤드라인M" panose="02030600000101010101" pitchFamily="18" charset="-127"/>
+                <a:ea typeface="HY헤드라인M" panose="02030600000101010101" pitchFamily="18" charset="-127"/>
+              </a:rPr>
+              <a:t>YouTube </a:t>
+            </a:r>
+            <a:r>
+              <a:rPr lang="ko-KR" altLang="en-US" sz="2400" dirty="0">
+                <a:latin typeface="HY헤드라인M" panose="02030600000101010101" pitchFamily="18" charset="-127"/>
+                <a:ea typeface="HY헤드라인M" panose="02030600000101010101" pitchFamily="18" charset="-127"/>
+              </a:rPr>
+              <a:t>약 </a:t>
+            </a:r>
+            <a:r>
+              <a:rPr lang="en-US" altLang="ko-KR" sz="2400" dirty="0">
+                <a:latin typeface="HY헤드라인M" panose="02030600000101010101" pitchFamily="18" charset="-127"/>
+                <a:ea typeface="HY헤드라인M" panose="02030600000101010101" pitchFamily="18" charset="-127"/>
+              </a:rPr>
+              <a:t>4</a:t>
+            </a:r>
+            <a:r>
+              <a:rPr lang="ko-KR" altLang="en-US" sz="2400" dirty="0">
+                <a:latin typeface="HY헤드라인M" panose="02030600000101010101" pitchFamily="18" charset="-127"/>
+                <a:ea typeface="HY헤드라인M" panose="02030600000101010101" pitchFamily="18" charset="-127"/>
+              </a:rPr>
+              <a:t>억</a:t>
+            </a:r>
+            <a:r>
+              <a:rPr lang="en-US" altLang="ko-KR" sz="2400" dirty="0">
+                <a:latin typeface="HY헤드라인M" panose="02030600000101010101" pitchFamily="18" charset="-127"/>
+                <a:ea typeface="HY헤드라인M" panose="02030600000101010101" pitchFamily="18" charset="-127"/>
+              </a:rPr>
+              <a:t>, </a:t>
+            </a:r>
+            <a:r>
+              <a:rPr lang="ko-KR" altLang="en-US" sz="2400" dirty="0" err="1">
                 <a:latin typeface="HY헤드라인M" panose="02030600000101010101" pitchFamily="18" charset="-127"/>
                 <a:ea typeface="HY헤드라인M" panose="02030600000101010101" pitchFamily="18" charset="-127"/>
               </a:rPr>
               <a:t>트위치</a:t>
             </a:r>
             <a:r>
-              <a:rPr lang="en-US" altLang="ko-KR" sz="2400" dirty="0" smtClean="0">
+              <a:rPr lang="ko-KR" altLang="en-US" sz="2400" dirty="0">
+                <a:latin typeface="HY헤드라인M" panose="02030600000101010101" pitchFamily="18" charset="-127"/>
+                <a:ea typeface="HY헤드라인M" panose="02030600000101010101" pitchFamily="18" charset="-127"/>
+              </a:rPr>
+              <a:t> </a:t>
+            </a:r>
+            <a:r>
+              <a:rPr lang="en-US" altLang="ko-KR" sz="2400" dirty="0">
+                <a:latin typeface="HY헤드라인M" panose="02030600000101010101" pitchFamily="18" charset="-127"/>
+                <a:ea typeface="HY헤드라인M" panose="02030600000101010101" pitchFamily="18" charset="-127"/>
+              </a:rPr>
+              <a:t>210</a:t>
+            </a:r>
+            <a:r>
+              <a:rPr lang="ko-KR" altLang="en-US" sz="2400" dirty="0">
+                <a:latin typeface="HY헤드라인M" panose="02030600000101010101" pitchFamily="18" charset="-127"/>
+                <a:ea typeface="HY헤드라인M" panose="02030600000101010101" pitchFamily="18" charset="-127"/>
+              </a:rPr>
+              <a:t>만</a:t>
+            </a:r>
+            <a:r>
+              <a:rPr lang="en-US" altLang="ko-KR" sz="2400" dirty="0">
                 <a:latin typeface="HY헤드라인M" panose="02030600000101010101" pitchFamily="18" charset="-127"/>
                 <a:ea typeface="HY헤드라인M" panose="02030600000101010101" pitchFamily="18" charset="-127"/>
               </a:rPr>
               <a:t>, </a:t>
             </a:r>
             <a:r>
-              <a:rPr lang="ko-KR" altLang="en-US" sz="2400" dirty="0" smtClean="0">
+              <a:rPr lang="ko-KR" altLang="en-US" sz="2400" dirty="0">
                 <a:latin typeface="HY헤드라인M" panose="02030600000101010101" pitchFamily="18" charset="-127"/>
                 <a:ea typeface="HY헤드라인M" panose="02030600000101010101" pitchFamily="18" charset="-127"/>
               </a:rPr>
               <a:t>아프리카</a:t>
             </a:r>
             <a:r>
-              <a:rPr lang="en-US" altLang="ko-KR" sz="2400" dirty="0" smtClean="0">
-                <a:latin typeface="HY헤드라인M" panose="02030600000101010101" pitchFamily="18" charset="-127"/>
-                <a:ea typeface="HY헤드라인M" panose="02030600000101010101" pitchFamily="18" charset="-127"/>
-              </a:rPr>
-              <a:t>TV </a:t>
-            </a:r>
-            <a:r>
-              <a:rPr lang="ko-KR" altLang="en-US" sz="2400" dirty="0" smtClean="0">
-                <a:latin typeface="HY헤드라인M" panose="02030600000101010101" pitchFamily="18" charset="-127"/>
-                <a:ea typeface="HY헤드라인M" panose="02030600000101010101" pitchFamily="18" charset="-127"/>
-              </a:rPr>
-              <a:t>등과 같이 </a:t>
-            </a:r>
-            <a:r>
-              <a:rPr lang="ko-KR" altLang="en-US" sz="2400" dirty="0" err="1" smtClean="0">
-                <a:latin typeface="HY헤드라인M" panose="02030600000101010101" pitchFamily="18" charset="-127"/>
-                <a:ea typeface="HY헤드라인M" panose="02030600000101010101" pitchFamily="18" charset="-127"/>
-              </a:rPr>
-              <a:t>ㅇㅇㅇㅇ연</a:t>
-            </a:r>
-            <a:r>
-              <a:rPr lang="ko-KR" altLang="en-US" sz="2400" dirty="0" smtClean="0">
-                <a:latin typeface="HY헤드라인M" panose="02030600000101010101" pitchFamily="18" charset="-127"/>
-                <a:ea typeface="HY헤드라인M" panose="02030600000101010101" pitchFamily="18" charset="-127"/>
-              </a:rPr>
-              <a:t> 몇 명 의 사용자</a:t>
-            </a:r>
-            <a:r>
-              <a:rPr lang="en-US" altLang="ko-KR" sz="2400" dirty="0" smtClean="0">
-                <a:latin typeface="HY헤드라인M" panose="02030600000101010101" pitchFamily="18" charset="-127"/>
-                <a:ea typeface="HY헤드라인M" panose="02030600000101010101" pitchFamily="18" charset="-127"/>
-              </a:rPr>
-              <a:t/>
+              <a:rPr lang="en-US" altLang="ko-KR" sz="2400" dirty="0">
+                <a:latin typeface="HY헤드라인M" panose="02030600000101010101" pitchFamily="18" charset="-127"/>
+                <a:ea typeface="HY헤드라인M" panose="02030600000101010101" pitchFamily="18" charset="-127"/>
+              </a:rPr>
+              <a:t>TV 120</a:t>
+            </a:r>
+            <a:r>
+              <a:rPr lang="ko-KR" altLang="en-US" sz="2400" dirty="0">
+                <a:latin typeface="HY헤드라인M" panose="02030600000101010101" pitchFamily="18" charset="-127"/>
+                <a:ea typeface="HY헤드라인M" panose="02030600000101010101" pitchFamily="18" charset="-127"/>
+              </a:rPr>
+              <a:t>만</a:t>
+            </a:r>
+            <a:r>
+              <a:rPr lang="en-US" altLang="ko-KR" sz="2400" dirty="0">
+                <a:latin typeface="HY헤드라인M" panose="02030600000101010101" pitchFamily="18" charset="-127"/>
+                <a:ea typeface="HY헤드라인M" panose="02030600000101010101" pitchFamily="18" charset="-127"/>
+              </a:rPr>
+              <a:t> </a:t>
+            </a:r>
+            <a:r>
+              <a:rPr lang="ko-KR" altLang="en-US" sz="2400" dirty="0">
+                <a:latin typeface="HY헤드라인M" panose="02030600000101010101" pitchFamily="18" charset="-127"/>
+                <a:ea typeface="HY헤드라인M" panose="02030600000101010101" pitchFamily="18" charset="-127"/>
+              </a:rPr>
+              <a:t>명 </a:t>
+            </a:r>
+            <a:r>
+              <a:rPr lang="en-US" altLang="ko-KR" sz="2400" dirty="0">
+                <a:latin typeface="HY헤드라인M" panose="02030600000101010101" pitchFamily="18" charset="-127"/>
+                <a:ea typeface="HY헤드라인M" panose="02030600000101010101" pitchFamily="18" charset="-127"/>
+              </a:rPr>
+              <a:t>(</a:t>
+            </a:r>
+            <a:r>
+              <a:rPr lang="ko-KR" altLang="en-US" sz="2400" dirty="0">
+                <a:latin typeface="HY헤드라인M" panose="02030600000101010101" pitchFamily="18" charset="-127"/>
+                <a:ea typeface="HY헤드라인M" panose="02030600000101010101" pitchFamily="18" charset="-127"/>
+              </a:rPr>
+              <a:t>로그인기준</a:t>
+            </a:r>
+            <a:r>
+              <a:rPr lang="en-US" altLang="ko-KR" sz="2400" dirty="0">
+                <a:latin typeface="HY헤드라인M" panose="02030600000101010101" pitchFamily="18" charset="-127"/>
+                <a:ea typeface="HY헤드라인M" panose="02030600000101010101" pitchFamily="18" charset="-127"/>
+              </a:rPr>
+              <a:t>) </a:t>
+            </a:r>
+            <a:r>
+              <a:rPr lang="ko-KR" altLang="en-US" sz="2400" dirty="0">
+                <a:latin typeface="HY헤드라인M" panose="02030600000101010101" pitchFamily="18" charset="-127"/>
+                <a:ea typeface="HY헤드라인M" panose="02030600000101010101" pitchFamily="18" charset="-127"/>
+              </a:rPr>
+              <a:t>의 사용자</a:t>
             </a:r>
             <a:br>
-              <a:rPr lang="en-US" altLang="ko-KR" sz="2400" dirty="0" smtClean="0">
+              <a:rPr lang="en-US" altLang="ko-KR" sz="2400" dirty="0">
                 <a:latin typeface="HY헤드라인M" panose="02030600000101010101" pitchFamily="18" charset="-127"/>
                 <a:ea typeface="HY헤드라인M" panose="02030600000101010101" pitchFamily="18" charset="-127"/>
               </a:rPr>
             </a:br>
             <a:r>
-              <a:rPr lang="ko-KR" altLang="en-US" sz="2400" dirty="0" smtClean="0">
-                <a:latin typeface="HY헤드라인M" panose="02030600000101010101" pitchFamily="18" charset="-127"/>
-                <a:ea typeface="HY헤드라인M" panose="02030600000101010101" pitchFamily="18" charset="-127"/>
-              </a:rPr>
-              <a:t>내용 </a:t>
-            </a:r>
-            <a:r>
-              <a:rPr lang="ko-KR" altLang="en-US" sz="2400" dirty="0" err="1" smtClean="0">
-                <a:latin typeface="HY헤드라인M" panose="02030600000101010101" pitchFamily="18" charset="-127"/>
-                <a:ea typeface="HY헤드라인M" panose="02030600000101010101" pitchFamily="18" charset="-127"/>
-              </a:rPr>
-              <a:t>ㅇㅇㅇㅇ</a:t>
-            </a:r>
-            <a:r>
-              <a:rPr lang="ko-KR" altLang="en-US" sz="2400" dirty="0" smtClean="0">
-                <a:latin typeface="HY헤드라인M" panose="02030600000101010101" pitchFamily="18" charset="-127"/>
-                <a:ea typeface="HY헤드라인M" panose="02030600000101010101" pitchFamily="18" charset="-127"/>
-              </a:rPr>
-              <a:t> 이 </a:t>
-            </a:r>
-            <a:r>
-              <a:rPr lang="ko-KR" altLang="en-US" sz="2400" dirty="0" err="1" smtClean="0">
-                <a:latin typeface="HY헤드라인M" panose="02030600000101010101" pitchFamily="18" charset="-127"/>
-                <a:ea typeface="HY헤드라인M" panose="02030600000101010101" pitchFamily="18" charset="-127"/>
-              </a:rPr>
-              <a:t>사용중이라</a:t>
-            </a:r>
-            <a:r>
-              <a:rPr lang="ko-KR" altLang="en-US" sz="2400" dirty="0" smtClean="0">
-                <a:latin typeface="HY헤드라인M" panose="02030600000101010101" pitchFamily="18" charset="-127"/>
-                <a:ea typeface="HY헤드라인M" panose="02030600000101010101" pitchFamily="18" charset="-127"/>
-              </a:rPr>
-              <a:t> 이러한 게임이 현 개발이 안되어 있으므로</a:t>
-            </a:r>
-            <a:r>
-              <a:rPr lang="en-US" altLang="ko-KR" sz="2400" dirty="0" smtClean="0">
-                <a:latin typeface="HY헤드라인M" panose="02030600000101010101" pitchFamily="18" charset="-127"/>
-                <a:ea typeface="HY헤드라인M" panose="02030600000101010101" pitchFamily="18" charset="-127"/>
-              </a:rPr>
-              <a:t/>
-            </a:r>
-            <a:br>
-              <a:rPr lang="en-US" altLang="ko-KR" sz="2400" dirty="0" smtClean="0">
-                <a:latin typeface="HY헤드라인M" panose="02030600000101010101" pitchFamily="18" charset="-127"/>
-                <a:ea typeface="HY헤드라인M" panose="02030600000101010101" pitchFamily="18" charset="-127"/>
-              </a:rPr>
-            </a:br>
-            <a:r>
-              <a:rPr lang="ko-KR" altLang="en-US" sz="2400" dirty="0" smtClean="0">
-                <a:latin typeface="HY헤드라인M" panose="02030600000101010101" pitchFamily="18" charset="-127"/>
-                <a:ea typeface="HY헤드라인M" panose="02030600000101010101" pitchFamily="18" charset="-127"/>
-              </a:rPr>
-              <a:t>미래 지향성이 있는 게임과 확실한 진출 가능성이 있는 시장이 마련되어있다</a:t>
-            </a:r>
-            <a:endParaRPr lang="en-US" altLang="ko-KR" sz="2400" dirty="0" smtClean="0">
-              <a:latin typeface="HY헤드라인M" panose="02030600000101010101" pitchFamily="18" charset="-127"/>
-              <a:ea typeface="HY헤드라인M" panose="02030600000101010101" pitchFamily="18" charset="-127"/>
-            </a:endParaRPr>
-          </a:p>
-          <a:p>
-            <a:r>
-              <a:rPr lang="ko-KR" altLang="en-US" sz="2400" dirty="0" err="1" smtClean="0">
-                <a:latin typeface="HY헤드라인M" panose="02030600000101010101" pitchFamily="18" charset="-127"/>
-                <a:ea typeface="HY헤드라인M" panose="02030600000101010101" pitchFamily="18" charset="-127"/>
-              </a:rPr>
-              <a:t>ㅇㅇㅇㅇ이로써</a:t>
-            </a:r>
-            <a:r>
-              <a:rPr lang="ko-KR" altLang="en-US" sz="2400" dirty="0" smtClean="0">
-                <a:latin typeface="HY헤드라인M" panose="02030600000101010101" pitchFamily="18" charset="-127"/>
-                <a:ea typeface="HY헤드라인M" panose="02030600000101010101" pitchFamily="18" charset="-127"/>
-              </a:rPr>
-              <a:t> 선두 주자를 하겠다</a:t>
-            </a:r>
-            <a:r>
-              <a:rPr lang="en-US" altLang="ko-KR" sz="2400" dirty="0" smtClean="0">
-                <a:latin typeface="HY헤드라인M" panose="02030600000101010101" pitchFamily="18" charset="-127"/>
-                <a:ea typeface="HY헤드라인M" panose="02030600000101010101" pitchFamily="18" charset="-127"/>
-              </a:rPr>
-              <a:t>.</a:t>
-            </a:r>
-          </a:p>
-          <a:p>
+              <a:rPr lang="ko-KR" altLang="en-US" sz="2400" dirty="0">
+                <a:latin typeface="HY헤드라인M" panose="02030600000101010101" pitchFamily="18" charset="-127"/>
+                <a:ea typeface="HY헤드라인M" panose="02030600000101010101" pitchFamily="18" charset="-127"/>
+              </a:rPr>
+              <a:t>가 있는 </a:t>
+            </a:r>
+            <a:r>
+              <a:rPr lang="en-US" altLang="ko-KR" sz="2400" dirty="0">
+                <a:latin typeface="HY헤드라인M" panose="02030600000101010101" pitchFamily="18" charset="-127"/>
+                <a:ea typeface="HY헤드라인M" panose="02030600000101010101" pitchFamily="18" charset="-127"/>
+              </a:rPr>
+              <a:t>1</a:t>
+            </a:r>
+            <a:r>
+              <a:rPr lang="ko-KR" altLang="en-US" sz="2400" dirty="0">
+                <a:latin typeface="HY헤드라인M" panose="02030600000101010101" pitchFamily="18" charset="-127"/>
+                <a:ea typeface="HY헤드라인M" panose="02030600000101010101" pitchFamily="18" charset="-127"/>
+              </a:rPr>
+              <a:t>인 미디어 </a:t>
+            </a:r>
+            <a:r>
+              <a:rPr lang="ko-KR" altLang="en-US" sz="2400" dirty="0" err="1">
+                <a:latin typeface="HY헤드라인M" panose="02030600000101010101" pitchFamily="18" charset="-127"/>
+                <a:ea typeface="HY헤드라인M" panose="02030600000101010101" pitchFamily="18" charset="-127"/>
+              </a:rPr>
+              <a:t>플렛폼</a:t>
+            </a:r>
+            <a:r>
+              <a:rPr lang="ko-KR" altLang="en-US" sz="2400" dirty="0">
+                <a:latin typeface="HY헤드라인M" panose="02030600000101010101" pitchFamily="18" charset="-127"/>
+                <a:ea typeface="HY헤드라인M" panose="02030600000101010101" pitchFamily="18" charset="-127"/>
+              </a:rPr>
+              <a:t> 시장이 엄청난 성장세를 보이고 있으며</a:t>
+            </a:r>
             <a:endParaRPr lang="en-US" altLang="ko-KR" sz="2400" dirty="0">
               <a:latin typeface="HY헤드라인M" panose="02030600000101010101" pitchFamily="18" charset="-127"/>
               <a:ea typeface="HY헤드라인M" panose="02030600000101010101" pitchFamily="18" charset="-127"/>
@@ -4409,62 +4381,203 @@
           </a:p>
           <a:p>
             <a:r>
-              <a:rPr lang="en-US" altLang="ko-KR" sz="2400" dirty="0" smtClean="0">
+              <a:rPr lang="ko-KR" altLang="en-US" sz="2400" dirty="0">
+                <a:latin typeface="HY헤드라인M" panose="02030600000101010101" pitchFamily="18" charset="-127"/>
+                <a:ea typeface="HY헤드라인M" panose="02030600000101010101" pitchFamily="18" charset="-127"/>
+              </a:rPr>
+              <a:t>그 중 게임이 차지 하고 있는 비율은 약 </a:t>
+            </a:r>
+            <a:r>
+              <a:rPr lang="en-US" altLang="ko-KR" sz="2400" dirty="0">
+                <a:latin typeface="HY헤드라인M" panose="02030600000101010101" pitchFamily="18" charset="-127"/>
+                <a:ea typeface="HY헤드라인M" panose="02030600000101010101" pitchFamily="18" charset="-127"/>
+              </a:rPr>
+              <a:t>70% </a:t>
+            </a:r>
+            <a:r>
+              <a:rPr lang="ko-KR" altLang="en-US" sz="2400" dirty="0">
+                <a:latin typeface="HY헤드라인M" panose="02030600000101010101" pitchFamily="18" charset="-127"/>
+                <a:ea typeface="HY헤드라인M" panose="02030600000101010101" pitchFamily="18" charset="-127"/>
+              </a:rPr>
+              <a:t>로 많은 비중을 차지하고 있다</a:t>
+            </a:r>
+            <a:r>
+              <a:rPr lang="en-US" altLang="ko-KR" sz="2400" dirty="0">
+                <a:latin typeface="HY헤드라인M" panose="02030600000101010101" pitchFamily="18" charset="-127"/>
+                <a:ea typeface="HY헤드라인M" panose="02030600000101010101" pitchFamily="18" charset="-127"/>
+              </a:rPr>
+              <a:t>.</a:t>
+            </a:r>
+          </a:p>
+          <a:p>
+            <a:endParaRPr lang="en-US" altLang="ko-KR" sz="2400" dirty="0">
+              <a:latin typeface="HY헤드라인M" panose="02030600000101010101" pitchFamily="18" charset="-127"/>
+              <a:ea typeface="HY헤드라인M" panose="02030600000101010101" pitchFamily="18" charset="-127"/>
+            </a:endParaRPr>
+          </a:p>
+          <a:p>
+            <a:endParaRPr lang="en-US" altLang="ko-KR" sz="2400" dirty="0">
+              <a:latin typeface="HY헤드라인M" panose="02030600000101010101" pitchFamily="18" charset="-127"/>
+              <a:ea typeface="HY헤드라인M" panose="02030600000101010101" pitchFamily="18" charset="-127"/>
+            </a:endParaRPr>
+          </a:p>
+          <a:p>
+            <a:endParaRPr lang="en-US" altLang="ko-KR" sz="2400" dirty="0">
+              <a:latin typeface="HY헤드라인M" panose="02030600000101010101" pitchFamily="18" charset="-127"/>
+              <a:ea typeface="HY헤드라인M" panose="02030600000101010101" pitchFamily="18" charset="-127"/>
+            </a:endParaRPr>
+          </a:p>
+          <a:p>
+            <a:r>
+              <a:rPr lang="ko-KR" altLang="en-US" sz="2400" dirty="0">
+                <a:latin typeface="HY헤드라인M" panose="02030600000101010101" pitchFamily="18" charset="-127"/>
+                <a:ea typeface="HY헤드라인M" panose="02030600000101010101" pitchFamily="18" charset="-127"/>
+              </a:rPr>
+              <a:t>확실한 진출 가능성이 있는 시장이 마련되 있음에도 </a:t>
+            </a:r>
+            <a:endParaRPr lang="en-US" altLang="ko-KR" sz="2400" dirty="0">
+              <a:latin typeface="HY헤드라인M" panose="02030600000101010101" pitchFamily="18" charset="-127"/>
+              <a:ea typeface="HY헤드라인M" panose="02030600000101010101" pitchFamily="18" charset="-127"/>
+            </a:endParaRPr>
+          </a:p>
+          <a:p>
+            <a:r>
+              <a:rPr lang="ko-KR" altLang="en-US" sz="2400" dirty="0">
+                <a:latin typeface="HY헤드라인M" panose="02030600000101010101" pitchFamily="18" charset="-127"/>
+                <a:ea typeface="HY헤드라인M" panose="02030600000101010101" pitchFamily="18" charset="-127"/>
+              </a:rPr>
+              <a:t>그에 맞는 게임이 나오지 않고 있다</a:t>
+            </a:r>
+            <a:r>
+              <a:rPr lang="en-US" altLang="ko-KR" sz="2400" dirty="0">
+                <a:latin typeface="HY헤드라인M" panose="02030600000101010101" pitchFamily="18" charset="-127"/>
+                <a:ea typeface="HY헤드라인M" panose="02030600000101010101" pitchFamily="18" charset="-127"/>
+              </a:rPr>
+              <a:t>.</a:t>
+            </a:r>
+          </a:p>
+          <a:p>
+            <a:endParaRPr lang="en-US" altLang="ko-KR" sz="2400" dirty="0">
+              <a:latin typeface="HY헤드라인M" panose="02030600000101010101" pitchFamily="18" charset="-127"/>
+              <a:ea typeface="HY헤드라인M" panose="02030600000101010101" pitchFamily="18" charset="-127"/>
+            </a:endParaRPr>
+          </a:p>
+          <a:p>
+            <a:r>
+              <a:rPr lang="en-US" altLang="ko-KR" sz="1600" dirty="0">
                 <a:latin typeface="HY헤드라인M" panose="02030600000101010101" pitchFamily="18" charset="-127"/>
                 <a:ea typeface="HY헤드라인M" panose="02030600000101010101" pitchFamily="18" charset="-127"/>
               </a:rPr>
               <a:t>- </a:t>
             </a:r>
             <a:r>
-              <a:rPr lang="ko-KR" altLang="en-US" sz="2400" dirty="0" smtClean="0">
-                <a:latin typeface="HY헤드라인M" panose="02030600000101010101" pitchFamily="18" charset="-127"/>
-                <a:ea typeface="HY헤드라인M" panose="02030600000101010101" pitchFamily="18" charset="-127"/>
-              </a:rPr>
-              <a:t>투표기능 정도의 구현게임은 있음 </a:t>
-            </a:r>
-            <a:r>
-              <a:rPr lang="en-US" altLang="ko-KR" sz="2400" dirty="0" smtClean="0">
+              <a:rPr lang="ko-KR" altLang="en-US" sz="1600" dirty="0">
+                <a:latin typeface="HY헤드라인M" panose="02030600000101010101" pitchFamily="18" charset="-127"/>
+                <a:ea typeface="HY헤드라인M" panose="02030600000101010101" pitchFamily="18" charset="-127"/>
+              </a:rPr>
+              <a:t>투표 기능 구현 게임은 있다</a:t>
+            </a:r>
+            <a:r>
+              <a:rPr lang="en-US" altLang="ko-KR" sz="1600" dirty="0">
+                <a:latin typeface="HY헤드라인M" panose="02030600000101010101" pitchFamily="18" charset="-127"/>
+                <a:ea typeface="HY헤드라인M" panose="02030600000101010101" pitchFamily="18" charset="-127"/>
+              </a:rPr>
+              <a:t>.</a:t>
+            </a:r>
+            <a:r>
+              <a:rPr lang="ko-KR" altLang="en-US" sz="1600" dirty="0">
+                <a:latin typeface="HY헤드라인M" panose="02030600000101010101" pitchFamily="18" charset="-127"/>
+                <a:ea typeface="HY헤드라인M" panose="02030600000101010101" pitchFamily="18" charset="-127"/>
+              </a:rPr>
+              <a:t> </a:t>
+            </a:r>
+            <a:r>
+              <a:rPr lang="en-US" altLang="ko-KR" sz="1600" dirty="0">
                 <a:latin typeface="HY헤드라인M" panose="02030600000101010101" pitchFamily="18" charset="-127"/>
                 <a:ea typeface="HY헤드라인M" panose="02030600000101010101" pitchFamily="18" charset="-127"/>
               </a:rPr>
               <a:t>(</a:t>
             </a:r>
             <a:r>
-              <a:rPr lang="ko-KR" altLang="en-US" sz="2400" dirty="0" err="1" smtClean="0">
-                <a:latin typeface="HY헤드라인M" panose="02030600000101010101" pitchFamily="18" charset="-127"/>
-                <a:ea typeface="HY헤드라인M" panose="02030600000101010101" pitchFamily="18" charset="-127"/>
-              </a:rPr>
-              <a:t>다키스톤</a:t>
-            </a:r>
-            <a:r>
-              <a:rPr lang="ko-KR" altLang="en-US" sz="2400" dirty="0" smtClean="0">
-                <a:latin typeface="HY헤드라인M" panose="02030600000101010101" pitchFamily="18" charset="-127"/>
-                <a:ea typeface="HY헤드라인M" panose="02030600000101010101" pitchFamily="18" charset="-127"/>
-              </a:rPr>
-              <a:t> 이라 불리는 </a:t>
-            </a:r>
-            <a:r>
-              <a:rPr lang="ko-KR" altLang="en-US" sz="2400" dirty="0" err="1" smtClean="0">
-                <a:latin typeface="HY헤드라인M" panose="02030600000101010101" pitchFamily="18" charset="-127"/>
-                <a:ea typeface="HY헤드라인M" panose="02030600000101010101" pitchFamily="18" charset="-127"/>
-              </a:rPr>
-              <a:t>슬레어</a:t>
-            </a:r>
-            <a:r>
-              <a:rPr lang="ko-KR" altLang="en-US" sz="2400" dirty="0" smtClean="0">
-                <a:latin typeface="HY헤드라인M" panose="02030600000101010101" pitchFamily="18" charset="-127"/>
-                <a:ea typeface="HY헤드라인M" panose="02030600000101010101" pitchFamily="18" charset="-127"/>
-              </a:rPr>
-              <a:t> 더 </a:t>
-            </a:r>
-            <a:r>
-              <a:rPr lang="ko-KR" altLang="en-US" sz="2400" dirty="0" err="1" smtClean="0">
-                <a:latin typeface="HY헤드라인M" panose="02030600000101010101" pitchFamily="18" charset="-127"/>
-                <a:ea typeface="HY헤드라인M" panose="02030600000101010101" pitchFamily="18" charset="-127"/>
-              </a:rPr>
-              <a:t>스파이어</a:t>
-            </a:r>
-            <a:endParaRPr lang="ko-KR" altLang="en-US" sz="2400" dirty="0">
+              <a:rPr lang="en-US" altLang="ko-KR" sz="1600" dirty="0">
+                <a:hlinkClick r:id="rId2"/>
+              </a:rPr>
+              <a:t>Slay the Spire</a:t>
+            </a:r>
+            <a:r>
+              <a:rPr lang="en-US" altLang="ko-KR" sz="1600" dirty="0"/>
+              <a:t>]</a:t>
+            </a:r>
+            <a:endParaRPr lang="ko-KR" altLang="en-US" sz="1600" dirty="0">
+              <a:latin typeface="HY헤드라인M" panose="02030600000101010101" pitchFamily="18" charset="-127"/>
+              <a:ea typeface="HY헤드라인M" panose="02030600000101010101" pitchFamily="18" charset="-127"/>
+            </a:endParaRPr>
+          </a:p>
+        </p:txBody>
+      </p:sp>
+      <p:sp>
+        <p:nvSpPr>
+          <p:cNvPr id="8" name="TextBox 7">
+            <a:extLst>
+              <a:ext uri="{FF2B5EF4-FFF2-40B4-BE49-F238E27FC236}">
+                <a16:creationId xmlns:a16="http://schemas.microsoft.com/office/drawing/2014/main" id="{19D8874A-4E9C-4026-924B-5BEEA86EABD0}"/>
+              </a:ext>
+            </a:extLst>
+          </p:cNvPr>
+          <p:cNvSpPr txBox="1"/>
+          <p:nvPr/>
+        </p:nvSpPr>
+        <p:spPr>
+          <a:xfrm>
+            <a:off x="507956" y="3521333"/>
+            <a:ext cx="1362874" cy="707886"/>
+          </a:xfrm>
+          <a:prstGeom prst="rect">
+            <a:avLst/>
+          </a:prstGeom>
+          <a:noFill/>
+          <a:effectLst>
+            <a:outerShdw blurRad="50800" dist="38100" dir="2700000" algn="tl" rotWithShape="0">
+              <a:prstClr val="black">
+                <a:alpha val="40000"/>
+              </a:prstClr>
+            </a:outerShdw>
+          </a:effectLst>
+        </p:spPr>
+        <p:txBody>
+          <a:bodyPr wrap="none" rtlCol="0">
+            <a:spAutoFit/>
+          </a:bodyPr>
+          <a:lstStyle/>
+          <a:p>
+            <a:r>
+              <a:rPr lang="en-US" altLang="ko-KR" sz="4000" b="1" dirty="0">
+                <a:solidFill>
+                  <a:srgbClr val="FABACF"/>
+                </a:solidFill>
+                <a:effectLst>
+                  <a:outerShdw blurRad="38100" dist="38100" dir="2700000" algn="tl">
+                    <a:srgbClr val="000000">
+                      <a:alpha val="43137"/>
+                    </a:srgbClr>
+                  </a:outerShdw>
+                </a:effectLst>
+                <a:latin typeface="HY헤드라인M" panose="02030600000101010101" pitchFamily="18" charset="-127"/>
+                <a:ea typeface="HY헤드라인M" panose="02030600000101010101" pitchFamily="18" charset="-127"/>
+              </a:rPr>
+              <a:t>BUT !</a:t>
+            </a:r>
+            <a:endParaRPr lang="ko-KR" altLang="en-US" sz="4000" b="1" dirty="0">
+              <a:solidFill>
+                <a:srgbClr val="FABACF"/>
+              </a:solidFill>
+              <a:effectLst>
+                <a:outerShdw blurRad="38100" dist="38100" dir="2700000" algn="tl">
+                  <a:srgbClr val="000000">
+                    <a:alpha val="43137"/>
+                  </a:srgbClr>
+                </a:outerShdw>
+              </a:effectLst>
               <a:latin typeface="HY헤드라인M" panose="02030600000101010101" pitchFamily="18" charset="-127"/>
               <a:ea typeface="HY헤드라인M" panose="02030600000101010101" pitchFamily="18" charset="-127"/>
             </a:endParaRPr>
@@ -4481,13 +4594,6 @@
   <p:clrMapOvr>
     <a:masterClrMapping/>
   </p:clrMapOvr>
-  <p:timing>
-    <p:tnLst>
-      <p:par>
-        <p:cTn id="1" dur="indefinite" restart="never" nodeType="tmRoot"/>
-      </p:par>
-    </p:tnLst>
-  </p:timing>
 </p:sld>
 </file>
 
@@ -4581,23 +4687,19 @@
           <a:lstStyle/>
           <a:p>
             <a:r>
-              <a:rPr lang="en-US" altLang="ko-KR" sz="4000" dirty="0" smtClean="0">
+              <a:rPr lang="en-US" altLang="ko-KR" sz="4000" dirty="0">
                 <a:latin typeface="타이포_쌍문동 B" panose="02020803020101020101" pitchFamily="18" charset="-127"/>
                 <a:ea typeface="타이포_쌍문동 B" panose="02020803020101020101" pitchFamily="18" charset="-127"/>
               </a:rPr>
               <a:t>2. </a:t>
             </a:r>
             <a:r>
-              <a:rPr lang="ko-KR" altLang="en-US" sz="4000" dirty="0" smtClean="0">
+              <a:rPr lang="ko-KR" altLang="en-US" sz="4000" dirty="0">
                 <a:latin typeface="타이포_쌍문동 B" panose="02020803020101020101" pitchFamily="18" charset="-127"/>
                 <a:ea typeface="타이포_쌍문동 B" panose="02020803020101020101" pitchFamily="18" charset="-127"/>
               </a:rPr>
               <a:t>게임소개 및 특징</a:t>
             </a:r>
-            <a:endParaRPr lang="ko-KR" altLang="en-US" sz="4000" dirty="0">
-              <a:latin typeface="타이포_쌍문동 B" panose="02020803020101020101" pitchFamily="18" charset="-127"/>
-              <a:ea typeface="타이포_쌍문동 B" panose="02020803020101020101" pitchFamily="18" charset="-127"/>
-            </a:endParaRPr>
           </a:p>
         </p:txBody>
       </p:sp>
@@ -4610,7 +4712,7 @@
         <p:spPr>
           <a:xfrm>
             <a:off x="669701" y="1338853"/>
-            <a:ext cx="11174854" cy="2062103"/>
+            <a:ext cx="6133410" cy="2554545"/>
           </a:xfrm>
           <a:prstGeom prst="rect">
             <a:avLst/>
@@ -4624,41 +4726,43 @@
           <a:lstStyle/>
           <a:p>
             <a:r>
-              <a:rPr lang="ko-KR" altLang="en-US" sz="3200" dirty="0" err="1" smtClean="0">
+              <a:rPr lang="ko-KR" altLang="en-US" sz="3200" dirty="0" err="1">
                 <a:latin typeface="HY헤드라인M" panose="02030600000101010101" pitchFamily="18" charset="-127"/>
                 <a:ea typeface="HY헤드라인M" panose="02030600000101010101" pitchFamily="18" charset="-127"/>
               </a:rPr>
               <a:t>트위치</a:t>
             </a:r>
             <a:r>
-              <a:rPr lang="en-US" altLang="ko-KR" sz="3200" dirty="0" smtClean="0">
+              <a:rPr lang="en-US" altLang="ko-KR" sz="3200" dirty="0">
                 <a:latin typeface="HY헤드라인M" panose="02030600000101010101" pitchFamily="18" charset="-127"/>
                 <a:ea typeface="HY헤드라인M" panose="02030600000101010101" pitchFamily="18" charset="-127"/>
               </a:rPr>
               <a:t>API</a:t>
             </a:r>
             <a:r>
-              <a:rPr lang="ko-KR" altLang="en-US" sz="3200" dirty="0" smtClean="0">
+              <a:rPr lang="ko-KR" altLang="en-US" sz="3200" dirty="0">
                 <a:latin typeface="HY헤드라인M" panose="02030600000101010101" pitchFamily="18" charset="-127"/>
                 <a:ea typeface="HY헤드라인M" panose="02030600000101010101" pitchFamily="18" charset="-127"/>
               </a:rPr>
               <a:t>를 선택한 이유 </a:t>
             </a:r>
             <a:r>
-              <a:rPr lang="en-US" altLang="ko-KR" sz="3200" dirty="0" smtClean="0">
+              <a:rPr lang="en-US" altLang="ko-KR" sz="3200" dirty="0">
                 <a:latin typeface="HY헤드라인M" panose="02030600000101010101" pitchFamily="18" charset="-127"/>
                 <a:ea typeface="HY헤드라인M" panose="02030600000101010101" pitchFamily="18" charset="-127"/>
               </a:rPr>
               <a:t>+ </a:t>
             </a:r>
-            <a:r>
-              <a:rPr lang="ko-KR" altLang="en-US" sz="3200" dirty="0" smtClean="0">
+          </a:p>
+          <a:p>
+            <a:r>
+              <a:rPr lang="ko-KR" altLang="en-US" sz="3200" dirty="0">
                 <a:latin typeface="HY헤드라인M" panose="02030600000101010101" pitchFamily="18" charset="-127"/>
                 <a:ea typeface="HY헤드라인M" panose="02030600000101010101" pitchFamily="18" charset="-127"/>
               </a:rPr>
               <a:t>어떤 형식의 게임인지</a:t>
             </a:r>
-            <a:endParaRPr lang="en-US" altLang="ko-KR" sz="3200" dirty="0" smtClean="0">
+            <a:endParaRPr lang="en-US" altLang="ko-KR" sz="3200" dirty="0">
               <a:latin typeface="HY헤드라인M" panose="02030600000101010101" pitchFamily="18" charset="-127"/>
               <a:ea typeface="HY헤드라인M" panose="02030600000101010101" pitchFamily="18" charset="-127"/>
             </a:endParaRPr>
@@ -4669,38 +4773,31 @@
                 <a:latin typeface="HY헤드라인M" panose="02030600000101010101" pitchFamily="18" charset="-127"/>
                 <a:ea typeface="HY헤드라인M" panose="02030600000101010101" pitchFamily="18" charset="-127"/>
               </a:rPr>
-              <a:t> </a:t>
-            </a:r>
-            <a:r>
-              <a:rPr lang="en-US" altLang="ko-KR" sz="3200" dirty="0" smtClean="0">
-                <a:latin typeface="HY헤드라인M" panose="02030600000101010101" pitchFamily="18" charset="-127"/>
-                <a:ea typeface="HY헤드라인M" panose="02030600000101010101" pitchFamily="18" charset="-127"/>
-              </a:rPr>
-              <a:t>                                    (1</a:t>
-            </a:r>
-            <a:r>
-              <a:rPr lang="ko-KR" altLang="en-US" sz="3200" dirty="0" smtClean="0">
+              <a:t>(1</a:t>
+            </a:r>
+            <a:r>
+              <a:rPr lang="ko-KR" altLang="en-US" sz="3200" dirty="0">
                 <a:latin typeface="HY헤드라인M" panose="02030600000101010101" pitchFamily="18" charset="-127"/>
                 <a:ea typeface="HY헤드라인M" panose="02030600000101010101" pitchFamily="18" charset="-127"/>
               </a:rPr>
               <a:t>인 </a:t>
             </a:r>
             <a:r>
-              <a:rPr lang="ko-KR" altLang="en-US" sz="3200" dirty="0" err="1" smtClean="0">
+              <a:rPr lang="ko-KR" altLang="en-US" sz="3200" dirty="0" err="1">
                 <a:latin typeface="HY헤드라인M" panose="02030600000101010101" pitchFamily="18" charset="-127"/>
                 <a:ea typeface="HY헤드라인M" panose="02030600000101010101" pitchFamily="18" charset="-127"/>
               </a:rPr>
               <a:t>크리에이터</a:t>
             </a:r>
             <a:r>
-              <a:rPr lang="ko-KR" altLang="en-US" sz="3200" dirty="0" smtClean="0">
+              <a:rPr lang="ko-KR" altLang="en-US" sz="3200" dirty="0">
                 <a:latin typeface="HY헤드라인M" panose="02030600000101010101" pitchFamily="18" charset="-127"/>
                 <a:ea typeface="HY헤드라인M" panose="02030600000101010101" pitchFamily="18" charset="-127"/>
               </a:rPr>
               <a:t> 방송 연관 사진</a:t>
             </a:r>
             <a:r>
-              <a:rPr lang="en-US" altLang="ko-KR" sz="3200" dirty="0" smtClean="0">
+              <a:rPr lang="en-US" altLang="ko-KR" sz="3200" dirty="0">
                 <a:latin typeface="HY헤드라인M" panose="02030600000101010101" pitchFamily="18" charset="-127"/>
                 <a:ea typeface="HY헤드라인M" panose="02030600000101010101" pitchFamily="18" charset="-127"/>
               </a:rPr>
@@ -4731,13 +4828,6 @@
   <p:clrMapOvr>
     <a:masterClrMapping/>
   </p:clrMapOvr>
-  <p:timing>
-    <p:tnLst>
-      <p:par>
-        <p:cTn id="1" dur="indefinite" restart="never" nodeType="tmRoot"/>
-      </p:par>
-    </p:tnLst>
-  </p:timing>
 </p:sld>
 </file>
 
@@ -4835,26 +4925,15 @@
                 <a:latin typeface="타이포_쌍문동 B" panose="02020803020101020101" pitchFamily="18" charset="-127"/>
                 <a:ea typeface="타이포_쌍문동 B" panose="02020803020101020101" pitchFamily="18" charset="-127"/>
               </a:rPr>
-              <a:t>3</a:t>
-            </a:r>
-            <a:r>
-              <a:rPr lang="en-US" altLang="ko-KR" sz="4000" dirty="0" smtClean="0">
+              <a:t>3. </a:t>
+            </a:r>
+            <a:r>
+              <a:rPr lang="ko-KR" altLang="en-US" sz="4000" dirty="0">
                 <a:latin typeface="타이포_쌍문동 B" panose="02020803020101020101" pitchFamily="18" charset="-127"/>
                 <a:ea typeface="타이포_쌍문동 B" panose="02020803020101020101" pitchFamily="18" charset="-127"/>
               </a:rPr>
-              <a:t>. </a:t>
-            </a:r>
-            <a:r>
-              <a:rPr lang="ko-KR" altLang="en-US" sz="4000" dirty="0" smtClean="0">
-                <a:latin typeface="타이포_쌍문동 B" panose="02020803020101020101" pitchFamily="18" charset="-127"/>
-                <a:ea typeface="타이포_쌍문동 B" panose="02020803020101020101" pitchFamily="18" charset="-127"/>
-              </a:rPr>
               <a:t>구현 환경 및 기술</a:t>
             </a:r>
-            <a:endParaRPr lang="ko-KR" altLang="en-US" sz="4000" dirty="0">
-              <a:latin typeface="타이포_쌍문동 B" panose="02020803020101020101" pitchFamily="18" charset="-127"/>
-              <a:ea typeface="타이포_쌍문동 B" panose="02020803020101020101" pitchFamily="18" charset="-127"/>
-            </a:endParaRPr>
           </a:p>
         </p:txBody>
       </p:sp>
@@ -4885,7 +4964,7 @@
               <a:buChar char="•"/>
             </a:pPr>
             <a:r>
-              <a:rPr lang="en-US" altLang="ko-KR" sz="3200" dirty="0" smtClean="0">
+              <a:rPr lang="en-US" altLang="ko-KR" sz="3200" dirty="0">
                 <a:latin typeface="HY헤드라인M" panose="02030600000101010101" pitchFamily="18" charset="-127"/>
                 <a:ea typeface="HY헤드라인M" panose="02030600000101010101" pitchFamily="18" charset="-127"/>
               </a:rPr>
@@ -4898,20 +4977,20 @@
               <a:buChar char="•"/>
             </a:pPr>
             <a:r>
-              <a:rPr lang="en-US" altLang="ko-KR" sz="3200" dirty="0" smtClean="0">
+              <a:rPr lang="en-US" altLang="ko-KR" sz="3200" dirty="0">
                 <a:latin typeface="HY헤드라인M" panose="02030600000101010101" pitchFamily="18" charset="-127"/>
                 <a:ea typeface="HY헤드라인M" panose="02030600000101010101" pitchFamily="18" charset="-127"/>
               </a:rPr>
               <a:t>DirectX 12 S</a:t>
             </a:r>
             <a:r>
-              <a:rPr lang="ko-KR" altLang="en-US" sz="3200" dirty="0" smtClean="0">
+              <a:rPr lang="ko-KR" altLang="en-US" sz="3200" dirty="0">
                 <a:latin typeface="HY헤드라인M" panose="02030600000101010101" pitchFamily="18" charset="-127"/>
                 <a:ea typeface="HY헤드라인M" panose="02030600000101010101" pitchFamily="18" charset="-127"/>
               </a:rPr>
               <a:t>아</a:t>
             </a:r>
-            <a:endParaRPr lang="en-US" altLang="ko-KR" sz="3200" dirty="0" smtClean="0">
+            <a:endParaRPr lang="en-US" altLang="ko-KR" sz="3200" dirty="0">
               <a:latin typeface="HY헤드라인M" panose="02030600000101010101" pitchFamily="18" charset="-127"/>
               <a:ea typeface="HY헤드라인M" panose="02030600000101010101" pitchFamily="18" charset="-127"/>
             </a:endParaRPr>
@@ -4922,7 +5001,7 @@
               <a:buChar char="•"/>
             </a:pPr>
             <a:r>
-              <a:rPr lang="en-US" altLang="ko-KR" sz="3200" dirty="0" smtClean="0">
+              <a:rPr lang="en-US" altLang="ko-KR" sz="3200" dirty="0">
                 <a:latin typeface="HY헤드라인M" panose="02030600000101010101" pitchFamily="18" charset="-127"/>
                 <a:ea typeface="HY헤드라인M" panose="02030600000101010101" pitchFamily="18" charset="-127"/>
               </a:rPr>
@@ -4935,35 +5014,35 @@
               <a:buChar char="•"/>
             </a:pPr>
             <a:r>
-              <a:rPr lang="ko-KR" altLang="en-US" sz="3200" dirty="0" err="1" smtClean="0">
+              <a:rPr lang="ko-KR" altLang="en-US" sz="3200" dirty="0" err="1">
                 <a:latin typeface="HY헤드라인M" panose="02030600000101010101" pitchFamily="18" charset="-127"/>
                 <a:ea typeface="HY헤드라인M" panose="02030600000101010101" pitchFamily="18" charset="-127"/>
               </a:rPr>
               <a:t>트위치</a:t>
             </a:r>
             <a:r>
-              <a:rPr lang="ko-KR" altLang="en-US" sz="3200" dirty="0" smtClean="0">
+              <a:rPr lang="ko-KR" altLang="en-US" sz="3200" dirty="0">
                 <a:latin typeface="HY헤드라인M" panose="02030600000101010101" pitchFamily="18" charset="-127"/>
                 <a:ea typeface="HY헤드라인M" panose="02030600000101010101" pitchFamily="18" charset="-127"/>
               </a:rPr>
               <a:t> 방송 </a:t>
             </a:r>
             <a:r>
-              <a:rPr lang="ko-KR" altLang="en-US" sz="3200" dirty="0" err="1" smtClean="0">
+              <a:rPr lang="ko-KR" altLang="en-US" sz="3200" dirty="0" err="1">
                 <a:latin typeface="HY헤드라인M" panose="02030600000101010101" pitchFamily="18" charset="-127"/>
                 <a:ea typeface="HY헤드라인M" panose="02030600000101010101" pitchFamily="18" charset="-127"/>
               </a:rPr>
               <a:t>플렛폼</a:t>
             </a:r>
             <a:r>
-              <a:rPr lang="ko-KR" altLang="en-US" sz="3200" dirty="0" smtClean="0">
+              <a:rPr lang="ko-KR" altLang="en-US" sz="3200" dirty="0">
                 <a:latin typeface="HY헤드라인M" panose="02030600000101010101" pitchFamily="18" charset="-127"/>
                 <a:ea typeface="HY헤드라인M" panose="02030600000101010101" pitchFamily="18" charset="-127"/>
               </a:rPr>
               <a:t> </a:t>
             </a:r>
             <a:r>
-              <a:rPr lang="en-US" altLang="ko-KR" sz="3200" dirty="0" smtClean="0">
+              <a:rPr lang="en-US" altLang="ko-KR" sz="3200" dirty="0">
                 <a:latin typeface="HY헤드라인M" panose="02030600000101010101" pitchFamily="18" charset="-127"/>
                 <a:ea typeface="HY헤드라인M" panose="02030600000101010101" pitchFamily="18" charset="-127"/>
               </a:rPr>
@@ -4976,20 +5055,20 @@
               <a:buChar char="•"/>
             </a:pPr>
             <a:r>
-              <a:rPr lang="en-US" altLang="ko-KR" sz="3200" dirty="0" smtClean="0">
+              <a:rPr lang="en-US" altLang="ko-KR" sz="3200" dirty="0">
                 <a:latin typeface="HY헤드라인M" panose="02030600000101010101" pitchFamily="18" charset="-127"/>
                 <a:ea typeface="HY헤드라인M" panose="02030600000101010101" pitchFamily="18" charset="-127"/>
               </a:rPr>
               <a:t>FBX S</a:t>
             </a:r>
             <a:r>
-              <a:rPr lang="ko-KR" altLang="en-US" sz="3200" dirty="0" smtClean="0">
+              <a:rPr lang="ko-KR" altLang="en-US" sz="3200" dirty="0">
                 <a:latin typeface="HY헤드라인M" panose="02030600000101010101" pitchFamily="18" charset="-127"/>
                 <a:ea typeface="HY헤드라인M" panose="02030600000101010101" pitchFamily="18" charset="-127"/>
               </a:rPr>
               <a:t>아</a:t>
             </a:r>
-            <a:endParaRPr lang="en-US" altLang="ko-KR" sz="3200" dirty="0" smtClean="0">
+            <a:endParaRPr lang="en-US" altLang="ko-KR" sz="3200" dirty="0">
               <a:latin typeface="HY헤드라인M" panose="02030600000101010101" pitchFamily="18" charset="-127"/>
               <a:ea typeface="HY헤드라인M" panose="02030600000101010101" pitchFamily="18" charset="-127"/>
             </a:endParaRPr>
@@ -5000,13 +5079,13 @@
               <a:buChar char="•"/>
             </a:pPr>
             <a:r>
-              <a:rPr lang="en-US" altLang="ko-KR" sz="3200" dirty="0" err="1" smtClean="0">
+              <a:rPr lang="en-US" altLang="ko-KR" sz="3200" dirty="0" err="1">
                 <a:latin typeface="HY헤드라인M" panose="02030600000101010101" pitchFamily="18" charset="-127"/>
                 <a:ea typeface="HY헤드라인M" panose="02030600000101010101" pitchFamily="18" charset="-127"/>
               </a:rPr>
               <a:t>PhotoShop</a:t>
             </a:r>
-            <a:endParaRPr lang="en-US" altLang="ko-KR" sz="3200" dirty="0" smtClean="0">
+            <a:endParaRPr lang="en-US" altLang="ko-KR" sz="3200" dirty="0">
               <a:latin typeface="HY헤드라인M" panose="02030600000101010101" pitchFamily="18" charset="-127"/>
               <a:ea typeface="HY헤드라인M" panose="02030600000101010101" pitchFamily="18" charset="-127"/>
             </a:endParaRPr>
@@ -5017,13 +5096,13 @@
               <a:buChar char="•"/>
             </a:pPr>
             <a:r>
-              <a:rPr lang="ko-KR" altLang="en-US" sz="3200" dirty="0" smtClean="0">
+              <a:rPr lang="ko-KR" altLang="en-US" sz="3200" dirty="0">
                 <a:latin typeface="HY헤드라인M" panose="02030600000101010101" pitchFamily="18" charset="-127"/>
                 <a:ea typeface="HY헤드라인M" panose="02030600000101010101" pitchFamily="18" charset="-127"/>
               </a:rPr>
               <a:t>등등</a:t>
             </a:r>
-            <a:endParaRPr lang="en-US" altLang="ko-KR" sz="3200" dirty="0" smtClean="0">
+            <a:endParaRPr lang="en-US" altLang="ko-KR" sz="3200" dirty="0">
               <a:latin typeface="HY헤드라인M" panose="02030600000101010101" pitchFamily="18" charset="-127"/>
               <a:ea typeface="HY헤드라인M" panose="02030600000101010101" pitchFamily="18" charset="-127"/>
             </a:endParaRPr>
@@ -5040,13 +5119,6 @@
   <p:clrMapOvr>
     <a:masterClrMapping/>
   </p:clrMapOvr>
-  <p:timing>
-    <p:tnLst>
-      <p:par>
-        <p:cTn id="1" dur="indefinite" restart="never" nodeType="tmRoot"/>
-      </p:par>
-    </p:tnLst>
-  </p:timing>
 </p:sld>
 </file>
 
@@ -5140,23 +5212,19 @@
           <a:lstStyle/>
           <a:p>
             <a:r>
-              <a:rPr lang="en-US" altLang="ko-KR" sz="4000" dirty="0" smtClean="0">
+              <a:rPr lang="en-US" altLang="ko-KR" sz="4000" dirty="0">
                 <a:latin typeface="타이포_쌍문동 B" panose="02020803020101020101" pitchFamily="18" charset="-127"/>
                 <a:ea typeface="타이포_쌍문동 B" panose="02020803020101020101" pitchFamily="18" charset="-127"/>
               </a:rPr>
               <a:t>4. </a:t>
             </a:r>
             <a:r>
-              <a:rPr lang="ko-KR" altLang="en-US" sz="4000" dirty="0" smtClean="0">
+              <a:rPr lang="ko-KR" altLang="en-US" sz="4000" dirty="0">
                 <a:latin typeface="타이포_쌍문동 B" panose="02020803020101020101" pitchFamily="18" charset="-127"/>
                 <a:ea typeface="타이포_쌍문동 B" panose="02020803020101020101" pitchFamily="18" charset="-127"/>
               </a:rPr>
               <a:t>타 제품과의 차별성</a:t>
             </a:r>
-            <a:endParaRPr lang="ko-KR" altLang="en-US" sz="4000" dirty="0">
-              <a:latin typeface="타이포_쌍문동 B" panose="02020803020101020101" pitchFamily="18" charset="-127"/>
-              <a:ea typeface="타이포_쌍문동 B" panose="02020803020101020101" pitchFamily="18" charset="-127"/>
-            </a:endParaRPr>
           </a:p>
         </p:txBody>
       </p:sp>
@@ -5170,13 +5238,6 @@
   <p:clrMapOvr>
     <a:masterClrMapping/>
   </p:clrMapOvr>
-  <p:timing>
-    <p:tnLst>
-      <p:par>
-        <p:cTn id="1" dur="indefinite" restart="never" nodeType="tmRoot"/>
-      </p:par>
-    </p:tnLst>
-  </p:timing>
 </p:sld>
 </file>
 
@@ -5274,26 +5335,15 @@
                 <a:latin typeface="타이포_쌍문동 B" panose="02020803020101020101" pitchFamily="18" charset="-127"/>
                 <a:ea typeface="타이포_쌍문동 B" panose="02020803020101020101" pitchFamily="18" charset="-127"/>
               </a:rPr>
-              <a:t>5</a:t>
-            </a:r>
-            <a:r>
-              <a:rPr lang="en-US" altLang="ko-KR" sz="4000" dirty="0" smtClean="0">
+              <a:t>5. </a:t>
+            </a:r>
+            <a:r>
+              <a:rPr lang="ko-KR" altLang="en-US" sz="4000" dirty="0">
                 <a:latin typeface="타이포_쌍문동 B" panose="02020803020101020101" pitchFamily="18" charset="-127"/>
                 <a:ea typeface="타이포_쌍문동 B" panose="02020803020101020101" pitchFamily="18" charset="-127"/>
               </a:rPr>
-              <a:t>. </a:t>
-            </a:r>
-            <a:r>
-              <a:rPr lang="ko-KR" altLang="en-US" sz="4000" dirty="0" smtClean="0">
-                <a:latin typeface="타이포_쌍문동 B" panose="02020803020101020101" pitchFamily="18" charset="-127"/>
-                <a:ea typeface="타이포_쌍문동 B" panose="02020803020101020101" pitchFamily="18" charset="-127"/>
-              </a:rPr>
               <a:t>역할 분담 및 일정</a:t>
             </a:r>
-            <a:endParaRPr lang="ko-KR" altLang="en-US" sz="4000" dirty="0">
-              <a:latin typeface="타이포_쌍문동 B" panose="02020803020101020101" pitchFamily="18" charset="-127"/>
-              <a:ea typeface="타이포_쌍문동 B" panose="02020803020101020101" pitchFamily="18" charset="-127"/>
-            </a:endParaRPr>
           </a:p>
         </p:txBody>
       </p:sp>
@@ -5307,13 +5357,6 @@
   <p:clrMapOvr>
     <a:masterClrMapping/>
   </p:clrMapOvr>
-  <p:timing>
-    <p:tnLst>
-      <p:par>
-        <p:cTn id="1" dur="indefinite" restart="never" nodeType="tmRoot"/>
-      </p:par>
-    </p:tnLst>
-  </p:timing>
 </p:sld>
 </file>
 

--- a/Document/발표자료.pptx
+++ b/Document/발표자료.pptx
@@ -8,10 +8,11 @@
     <p:sldId id="256" r:id="rId2"/>
     <p:sldId id="257" r:id="rId3"/>
     <p:sldId id="258" r:id="rId4"/>
-    <p:sldId id="259" r:id="rId5"/>
-    <p:sldId id="260" r:id="rId6"/>
-    <p:sldId id="261" r:id="rId7"/>
-    <p:sldId id="262" r:id="rId8"/>
+    <p:sldId id="263" r:id="rId5"/>
+    <p:sldId id="259" r:id="rId6"/>
+    <p:sldId id="260" r:id="rId7"/>
+    <p:sldId id="261" r:id="rId8"/>
+    <p:sldId id="262" r:id="rId9"/>
   </p:sldIdLst>
   <p:sldSz cx="12192000" cy="6858000"/>
   <p:notesSz cx="6858000" cy="9144000"/>
@@ -140,7 +141,7 @@
           <p:cNvPr id="2" name="제목 1">
             <a:extLst>
               <a:ext uri="{FF2B5EF4-FFF2-40B4-BE49-F238E27FC236}">
-                <a16:creationId xmlns:a16="http://schemas.microsoft.com/office/drawing/2014/main" id="{B936B912-8F14-4454-841F-F830FE1C510A}"/>
+                <a16:creationId xmlns:a16="http://schemas.microsoft.com/office/drawing/2014/main" xmlns="" id="{B936B912-8F14-4454-841F-F830FE1C510A}"/>
               </a:ext>
             </a:extLst>
           </p:cNvPr>
@@ -177,7 +178,7 @@
           <p:cNvPr id="3" name="부제목 2">
             <a:extLst>
               <a:ext uri="{FF2B5EF4-FFF2-40B4-BE49-F238E27FC236}">
-                <a16:creationId xmlns:a16="http://schemas.microsoft.com/office/drawing/2014/main" id="{8BABFFD6-FDD0-4F2B-9B66-760A09682190}"/>
+                <a16:creationId xmlns:a16="http://schemas.microsoft.com/office/drawing/2014/main" xmlns="" id="{8BABFFD6-FDD0-4F2B-9B66-760A09682190}"/>
               </a:ext>
             </a:extLst>
           </p:cNvPr>
@@ -247,7 +248,7 @@
           <p:cNvPr id="4" name="날짜 개체 틀 3">
             <a:extLst>
               <a:ext uri="{FF2B5EF4-FFF2-40B4-BE49-F238E27FC236}">
-                <a16:creationId xmlns:a16="http://schemas.microsoft.com/office/drawing/2014/main" id="{D2C7BDE2-087A-4A4E-BFCB-C54C166307EA}"/>
+                <a16:creationId xmlns:a16="http://schemas.microsoft.com/office/drawing/2014/main" xmlns="" id="{D2C7BDE2-087A-4A4E-BFCB-C54C166307EA}"/>
               </a:ext>
             </a:extLst>
           </p:cNvPr>
@@ -276,7 +277,7 @@
           <p:cNvPr id="5" name="바닥글 개체 틀 4">
             <a:extLst>
               <a:ext uri="{FF2B5EF4-FFF2-40B4-BE49-F238E27FC236}">
-                <a16:creationId xmlns:a16="http://schemas.microsoft.com/office/drawing/2014/main" id="{B058C36A-5080-4A1F-BD9A-209F167EACC5}"/>
+                <a16:creationId xmlns:a16="http://schemas.microsoft.com/office/drawing/2014/main" xmlns="" id="{B058C36A-5080-4A1F-BD9A-209F167EACC5}"/>
               </a:ext>
             </a:extLst>
           </p:cNvPr>
@@ -301,7 +302,7 @@
           <p:cNvPr id="6" name="슬라이드 번호 개체 틀 5">
             <a:extLst>
               <a:ext uri="{FF2B5EF4-FFF2-40B4-BE49-F238E27FC236}">
-                <a16:creationId xmlns:a16="http://schemas.microsoft.com/office/drawing/2014/main" id="{5D26E8C6-FEB9-4E54-82A2-DABAB1DBA83F}"/>
+                <a16:creationId xmlns:a16="http://schemas.microsoft.com/office/drawing/2014/main" xmlns="" id="{5D26E8C6-FEB9-4E54-82A2-DABAB1DBA83F}"/>
               </a:ext>
             </a:extLst>
           </p:cNvPr>
@@ -360,7 +361,7 @@
           <p:cNvPr id="2" name="제목 1">
             <a:extLst>
               <a:ext uri="{FF2B5EF4-FFF2-40B4-BE49-F238E27FC236}">
-                <a16:creationId xmlns:a16="http://schemas.microsoft.com/office/drawing/2014/main" id="{6522FE70-5AAD-46AC-A3AD-B2FFC97CD113}"/>
+                <a16:creationId xmlns:a16="http://schemas.microsoft.com/office/drawing/2014/main" xmlns="" id="{6522FE70-5AAD-46AC-A3AD-B2FFC97CD113}"/>
               </a:ext>
             </a:extLst>
           </p:cNvPr>
@@ -388,7 +389,7 @@
           <p:cNvPr id="3" name="세로 텍스트 개체 틀 2">
             <a:extLst>
               <a:ext uri="{FF2B5EF4-FFF2-40B4-BE49-F238E27FC236}">
-                <a16:creationId xmlns:a16="http://schemas.microsoft.com/office/drawing/2014/main" id="{675C94ED-F63A-445A-902F-85AA9985202B}"/>
+                <a16:creationId xmlns:a16="http://schemas.microsoft.com/office/drawing/2014/main" xmlns="" id="{675C94ED-F63A-445A-902F-85AA9985202B}"/>
               </a:ext>
             </a:extLst>
           </p:cNvPr>
@@ -445,7 +446,7 @@
           <p:cNvPr id="4" name="날짜 개체 틀 3">
             <a:extLst>
               <a:ext uri="{FF2B5EF4-FFF2-40B4-BE49-F238E27FC236}">
-                <a16:creationId xmlns:a16="http://schemas.microsoft.com/office/drawing/2014/main" id="{EFC916FE-88B2-456F-9155-001FC6F14397}"/>
+                <a16:creationId xmlns:a16="http://schemas.microsoft.com/office/drawing/2014/main" xmlns="" id="{EFC916FE-88B2-456F-9155-001FC6F14397}"/>
               </a:ext>
             </a:extLst>
           </p:cNvPr>
@@ -474,7 +475,7 @@
           <p:cNvPr id="5" name="바닥글 개체 틀 4">
             <a:extLst>
               <a:ext uri="{FF2B5EF4-FFF2-40B4-BE49-F238E27FC236}">
-                <a16:creationId xmlns:a16="http://schemas.microsoft.com/office/drawing/2014/main" id="{6863F8D2-1235-4969-BC8F-853FCD5C0FF0}"/>
+                <a16:creationId xmlns:a16="http://schemas.microsoft.com/office/drawing/2014/main" xmlns="" id="{6863F8D2-1235-4969-BC8F-853FCD5C0FF0}"/>
               </a:ext>
             </a:extLst>
           </p:cNvPr>
@@ -499,7 +500,7 @@
           <p:cNvPr id="6" name="슬라이드 번호 개체 틀 5">
             <a:extLst>
               <a:ext uri="{FF2B5EF4-FFF2-40B4-BE49-F238E27FC236}">
-                <a16:creationId xmlns:a16="http://schemas.microsoft.com/office/drawing/2014/main" id="{8C426888-C4B2-4432-8415-02EF77C0AFD0}"/>
+                <a16:creationId xmlns:a16="http://schemas.microsoft.com/office/drawing/2014/main" xmlns="" id="{8C426888-C4B2-4432-8415-02EF77C0AFD0}"/>
               </a:ext>
             </a:extLst>
           </p:cNvPr>
@@ -558,7 +559,7 @@
           <p:cNvPr id="2" name="세로 제목 1">
             <a:extLst>
               <a:ext uri="{FF2B5EF4-FFF2-40B4-BE49-F238E27FC236}">
-                <a16:creationId xmlns:a16="http://schemas.microsoft.com/office/drawing/2014/main" id="{C2380799-B9B6-49A5-BE4F-87339A69295D}"/>
+                <a16:creationId xmlns:a16="http://schemas.microsoft.com/office/drawing/2014/main" xmlns="" id="{C2380799-B9B6-49A5-BE4F-87339A69295D}"/>
               </a:ext>
             </a:extLst>
           </p:cNvPr>
@@ -591,7 +592,7 @@
           <p:cNvPr id="3" name="세로 텍스트 개체 틀 2">
             <a:extLst>
               <a:ext uri="{FF2B5EF4-FFF2-40B4-BE49-F238E27FC236}">
-                <a16:creationId xmlns:a16="http://schemas.microsoft.com/office/drawing/2014/main" id="{DA0DF918-840B-45D2-B837-7C4E5569A752}"/>
+                <a16:creationId xmlns:a16="http://schemas.microsoft.com/office/drawing/2014/main" xmlns="" id="{DA0DF918-840B-45D2-B837-7C4E5569A752}"/>
               </a:ext>
             </a:extLst>
           </p:cNvPr>
@@ -653,7 +654,7 @@
           <p:cNvPr id="4" name="날짜 개체 틀 3">
             <a:extLst>
               <a:ext uri="{FF2B5EF4-FFF2-40B4-BE49-F238E27FC236}">
-                <a16:creationId xmlns:a16="http://schemas.microsoft.com/office/drawing/2014/main" id="{E6B75E25-B397-4F4A-8857-A02D14ABCE3A}"/>
+                <a16:creationId xmlns:a16="http://schemas.microsoft.com/office/drawing/2014/main" xmlns="" id="{E6B75E25-B397-4F4A-8857-A02D14ABCE3A}"/>
               </a:ext>
             </a:extLst>
           </p:cNvPr>
@@ -682,7 +683,7 @@
           <p:cNvPr id="5" name="바닥글 개체 틀 4">
             <a:extLst>
               <a:ext uri="{FF2B5EF4-FFF2-40B4-BE49-F238E27FC236}">
-                <a16:creationId xmlns:a16="http://schemas.microsoft.com/office/drawing/2014/main" id="{CE837077-09C9-43D3-99B1-B74C9360A72C}"/>
+                <a16:creationId xmlns:a16="http://schemas.microsoft.com/office/drawing/2014/main" xmlns="" id="{CE837077-09C9-43D3-99B1-B74C9360A72C}"/>
               </a:ext>
             </a:extLst>
           </p:cNvPr>
@@ -707,7 +708,7 @@
           <p:cNvPr id="6" name="슬라이드 번호 개체 틀 5">
             <a:extLst>
               <a:ext uri="{FF2B5EF4-FFF2-40B4-BE49-F238E27FC236}">
-                <a16:creationId xmlns:a16="http://schemas.microsoft.com/office/drawing/2014/main" id="{B016B6BF-CEBF-4743-AB57-FE41059AF6FA}"/>
+                <a16:creationId xmlns:a16="http://schemas.microsoft.com/office/drawing/2014/main" xmlns="" id="{B016B6BF-CEBF-4743-AB57-FE41059AF6FA}"/>
               </a:ext>
             </a:extLst>
           </p:cNvPr>
@@ -766,7 +767,7 @@
           <p:cNvPr id="2" name="제목 1">
             <a:extLst>
               <a:ext uri="{FF2B5EF4-FFF2-40B4-BE49-F238E27FC236}">
-                <a16:creationId xmlns:a16="http://schemas.microsoft.com/office/drawing/2014/main" id="{C8ADD370-53FE-44C5-9074-47E2559983B6}"/>
+                <a16:creationId xmlns:a16="http://schemas.microsoft.com/office/drawing/2014/main" xmlns="" id="{C8ADD370-53FE-44C5-9074-47E2559983B6}"/>
               </a:ext>
             </a:extLst>
           </p:cNvPr>
@@ -794,7 +795,7 @@
           <p:cNvPr id="3" name="내용 개체 틀 2">
             <a:extLst>
               <a:ext uri="{FF2B5EF4-FFF2-40B4-BE49-F238E27FC236}">
-                <a16:creationId xmlns:a16="http://schemas.microsoft.com/office/drawing/2014/main" id="{BBD08937-E849-4A00-BDD4-07F619C5E046}"/>
+                <a16:creationId xmlns:a16="http://schemas.microsoft.com/office/drawing/2014/main" xmlns="" id="{BBD08937-E849-4A00-BDD4-07F619C5E046}"/>
               </a:ext>
             </a:extLst>
           </p:cNvPr>
@@ -851,7 +852,7 @@
           <p:cNvPr id="4" name="날짜 개체 틀 3">
             <a:extLst>
               <a:ext uri="{FF2B5EF4-FFF2-40B4-BE49-F238E27FC236}">
-                <a16:creationId xmlns:a16="http://schemas.microsoft.com/office/drawing/2014/main" id="{E6DF612E-C229-4FDD-81CF-F633CCAD6056}"/>
+                <a16:creationId xmlns:a16="http://schemas.microsoft.com/office/drawing/2014/main" xmlns="" id="{E6DF612E-C229-4FDD-81CF-F633CCAD6056}"/>
               </a:ext>
             </a:extLst>
           </p:cNvPr>
@@ -880,7 +881,7 @@
           <p:cNvPr id="5" name="바닥글 개체 틀 4">
             <a:extLst>
               <a:ext uri="{FF2B5EF4-FFF2-40B4-BE49-F238E27FC236}">
-                <a16:creationId xmlns:a16="http://schemas.microsoft.com/office/drawing/2014/main" id="{DE1DA4F0-C3D3-4A3A-B77B-AFD11048B6A3}"/>
+                <a16:creationId xmlns:a16="http://schemas.microsoft.com/office/drawing/2014/main" xmlns="" id="{DE1DA4F0-C3D3-4A3A-B77B-AFD11048B6A3}"/>
               </a:ext>
             </a:extLst>
           </p:cNvPr>
@@ -905,7 +906,7 @@
           <p:cNvPr id="6" name="슬라이드 번호 개체 틀 5">
             <a:extLst>
               <a:ext uri="{FF2B5EF4-FFF2-40B4-BE49-F238E27FC236}">
-                <a16:creationId xmlns:a16="http://schemas.microsoft.com/office/drawing/2014/main" id="{A7E7E67F-EE93-4EB3-AFA8-389F83DA7C53}"/>
+                <a16:creationId xmlns:a16="http://schemas.microsoft.com/office/drawing/2014/main" xmlns="" id="{A7E7E67F-EE93-4EB3-AFA8-389F83DA7C53}"/>
               </a:ext>
             </a:extLst>
           </p:cNvPr>
@@ -964,7 +965,7 @@
           <p:cNvPr id="2" name="제목 1">
             <a:extLst>
               <a:ext uri="{FF2B5EF4-FFF2-40B4-BE49-F238E27FC236}">
-                <a16:creationId xmlns:a16="http://schemas.microsoft.com/office/drawing/2014/main" id="{DE95C7A9-2628-4F2D-8FAD-5467883AB9E5}"/>
+                <a16:creationId xmlns:a16="http://schemas.microsoft.com/office/drawing/2014/main" xmlns="" id="{DE95C7A9-2628-4F2D-8FAD-5467883AB9E5}"/>
               </a:ext>
             </a:extLst>
           </p:cNvPr>
@@ -1001,7 +1002,7 @@
           <p:cNvPr id="3" name="텍스트 개체 틀 2">
             <a:extLst>
               <a:ext uri="{FF2B5EF4-FFF2-40B4-BE49-F238E27FC236}">
-                <a16:creationId xmlns:a16="http://schemas.microsoft.com/office/drawing/2014/main" id="{7C7CA35E-20E5-4286-9FE6-05E33B32DCC6}"/>
+                <a16:creationId xmlns:a16="http://schemas.microsoft.com/office/drawing/2014/main" xmlns="" id="{7C7CA35E-20E5-4286-9FE6-05E33B32DCC6}"/>
               </a:ext>
             </a:extLst>
           </p:cNvPr>
@@ -1126,7 +1127,7 @@
           <p:cNvPr id="4" name="날짜 개체 틀 3">
             <a:extLst>
               <a:ext uri="{FF2B5EF4-FFF2-40B4-BE49-F238E27FC236}">
-                <a16:creationId xmlns:a16="http://schemas.microsoft.com/office/drawing/2014/main" id="{4E2A9C52-AABA-4146-A783-558D8D8BF602}"/>
+                <a16:creationId xmlns:a16="http://schemas.microsoft.com/office/drawing/2014/main" xmlns="" id="{4E2A9C52-AABA-4146-A783-558D8D8BF602}"/>
               </a:ext>
             </a:extLst>
           </p:cNvPr>
@@ -1155,7 +1156,7 @@
           <p:cNvPr id="5" name="바닥글 개체 틀 4">
             <a:extLst>
               <a:ext uri="{FF2B5EF4-FFF2-40B4-BE49-F238E27FC236}">
-                <a16:creationId xmlns:a16="http://schemas.microsoft.com/office/drawing/2014/main" id="{67C1B6AB-2F4C-4C8C-B3A6-A44F2A6161A7}"/>
+                <a16:creationId xmlns:a16="http://schemas.microsoft.com/office/drawing/2014/main" xmlns="" id="{67C1B6AB-2F4C-4C8C-B3A6-A44F2A6161A7}"/>
               </a:ext>
             </a:extLst>
           </p:cNvPr>
@@ -1180,7 +1181,7 @@
           <p:cNvPr id="6" name="슬라이드 번호 개체 틀 5">
             <a:extLst>
               <a:ext uri="{FF2B5EF4-FFF2-40B4-BE49-F238E27FC236}">
-                <a16:creationId xmlns:a16="http://schemas.microsoft.com/office/drawing/2014/main" id="{11B3794C-92B6-4B3F-8D28-F3C90F724496}"/>
+                <a16:creationId xmlns:a16="http://schemas.microsoft.com/office/drawing/2014/main" xmlns="" id="{11B3794C-92B6-4B3F-8D28-F3C90F724496}"/>
               </a:ext>
             </a:extLst>
           </p:cNvPr>
@@ -1239,7 +1240,7 @@
           <p:cNvPr id="2" name="제목 1">
             <a:extLst>
               <a:ext uri="{FF2B5EF4-FFF2-40B4-BE49-F238E27FC236}">
-                <a16:creationId xmlns:a16="http://schemas.microsoft.com/office/drawing/2014/main" id="{3AA66B23-CCBA-4651-BB9D-5892D9D79C9D}"/>
+                <a16:creationId xmlns:a16="http://schemas.microsoft.com/office/drawing/2014/main" xmlns="" id="{3AA66B23-CCBA-4651-BB9D-5892D9D79C9D}"/>
               </a:ext>
             </a:extLst>
           </p:cNvPr>
@@ -1267,7 +1268,7 @@
           <p:cNvPr id="3" name="내용 개체 틀 2">
             <a:extLst>
               <a:ext uri="{FF2B5EF4-FFF2-40B4-BE49-F238E27FC236}">
-                <a16:creationId xmlns:a16="http://schemas.microsoft.com/office/drawing/2014/main" id="{BE0F50E7-3CE9-43EA-9E3A-A2C8508A9051}"/>
+                <a16:creationId xmlns:a16="http://schemas.microsoft.com/office/drawing/2014/main" xmlns="" id="{BE0F50E7-3CE9-43EA-9E3A-A2C8508A9051}"/>
               </a:ext>
             </a:extLst>
           </p:cNvPr>
@@ -1329,7 +1330,7 @@
           <p:cNvPr id="4" name="내용 개체 틀 3">
             <a:extLst>
               <a:ext uri="{FF2B5EF4-FFF2-40B4-BE49-F238E27FC236}">
-                <a16:creationId xmlns:a16="http://schemas.microsoft.com/office/drawing/2014/main" id="{AA724CDE-ECB7-400E-BB1F-2CC86000DA9D}"/>
+                <a16:creationId xmlns:a16="http://schemas.microsoft.com/office/drawing/2014/main" xmlns="" id="{AA724CDE-ECB7-400E-BB1F-2CC86000DA9D}"/>
               </a:ext>
             </a:extLst>
           </p:cNvPr>
@@ -1391,7 +1392,7 @@
           <p:cNvPr id="5" name="날짜 개체 틀 4">
             <a:extLst>
               <a:ext uri="{FF2B5EF4-FFF2-40B4-BE49-F238E27FC236}">
-                <a16:creationId xmlns:a16="http://schemas.microsoft.com/office/drawing/2014/main" id="{7C01F48B-D319-44D1-BDAC-23C5EFBBCF88}"/>
+                <a16:creationId xmlns:a16="http://schemas.microsoft.com/office/drawing/2014/main" xmlns="" id="{7C01F48B-D319-44D1-BDAC-23C5EFBBCF88}"/>
               </a:ext>
             </a:extLst>
           </p:cNvPr>
@@ -1420,7 +1421,7 @@
           <p:cNvPr id="6" name="바닥글 개체 틀 5">
             <a:extLst>
               <a:ext uri="{FF2B5EF4-FFF2-40B4-BE49-F238E27FC236}">
-                <a16:creationId xmlns:a16="http://schemas.microsoft.com/office/drawing/2014/main" id="{E8F58D82-AD40-4FE0-8A83-7BE1B73D3B3A}"/>
+                <a16:creationId xmlns:a16="http://schemas.microsoft.com/office/drawing/2014/main" xmlns="" id="{E8F58D82-AD40-4FE0-8A83-7BE1B73D3B3A}"/>
               </a:ext>
             </a:extLst>
           </p:cNvPr>
@@ -1445,7 +1446,7 @@
           <p:cNvPr id="7" name="슬라이드 번호 개체 틀 6">
             <a:extLst>
               <a:ext uri="{FF2B5EF4-FFF2-40B4-BE49-F238E27FC236}">
-                <a16:creationId xmlns:a16="http://schemas.microsoft.com/office/drawing/2014/main" id="{88EB293D-25FD-47E5-9BE8-23B499CCB71F}"/>
+                <a16:creationId xmlns:a16="http://schemas.microsoft.com/office/drawing/2014/main" xmlns="" id="{88EB293D-25FD-47E5-9BE8-23B499CCB71F}"/>
               </a:ext>
             </a:extLst>
           </p:cNvPr>
@@ -1504,7 +1505,7 @@
           <p:cNvPr id="2" name="제목 1">
             <a:extLst>
               <a:ext uri="{FF2B5EF4-FFF2-40B4-BE49-F238E27FC236}">
-                <a16:creationId xmlns:a16="http://schemas.microsoft.com/office/drawing/2014/main" id="{DD02B42E-5366-430E-931F-948440EFF756}"/>
+                <a16:creationId xmlns:a16="http://schemas.microsoft.com/office/drawing/2014/main" xmlns="" id="{DD02B42E-5366-430E-931F-948440EFF756}"/>
               </a:ext>
             </a:extLst>
           </p:cNvPr>
@@ -1537,7 +1538,7 @@
           <p:cNvPr id="3" name="텍스트 개체 틀 2">
             <a:extLst>
               <a:ext uri="{FF2B5EF4-FFF2-40B4-BE49-F238E27FC236}">
-                <a16:creationId xmlns:a16="http://schemas.microsoft.com/office/drawing/2014/main" id="{B00581D1-9821-4AC3-BB51-B12F84B52654}"/>
+                <a16:creationId xmlns:a16="http://schemas.microsoft.com/office/drawing/2014/main" xmlns="" id="{B00581D1-9821-4AC3-BB51-B12F84B52654}"/>
               </a:ext>
             </a:extLst>
           </p:cNvPr>
@@ -1608,7 +1609,7 @@
           <p:cNvPr id="4" name="내용 개체 틀 3">
             <a:extLst>
               <a:ext uri="{FF2B5EF4-FFF2-40B4-BE49-F238E27FC236}">
-                <a16:creationId xmlns:a16="http://schemas.microsoft.com/office/drawing/2014/main" id="{547A433D-A49B-4B74-AE18-75CC8413FB85}"/>
+                <a16:creationId xmlns:a16="http://schemas.microsoft.com/office/drawing/2014/main" xmlns="" id="{547A433D-A49B-4B74-AE18-75CC8413FB85}"/>
               </a:ext>
             </a:extLst>
           </p:cNvPr>
@@ -1670,7 +1671,7 @@
           <p:cNvPr id="5" name="텍스트 개체 틀 4">
             <a:extLst>
               <a:ext uri="{FF2B5EF4-FFF2-40B4-BE49-F238E27FC236}">
-                <a16:creationId xmlns:a16="http://schemas.microsoft.com/office/drawing/2014/main" id="{F6885725-5E78-41C4-BFF0-7E60811C10CD}"/>
+                <a16:creationId xmlns:a16="http://schemas.microsoft.com/office/drawing/2014/main" xmlns="" id="{F6885725-5E78-41C4-BFF0-7E60811C10CD}"/>
               </a:ext>
             </a:extLst>
           </p:cNvPr>
@@ -1741,7 +1742,7 @@
           <p:cNvPr id="6" name="내용 개체 틀 5">
             <a:extLst>
               <a:ext uri="{FF2B5EF4-FFF2-40B4-BE49-F238E27FC236}">
-                <a16:creationId xmlns:a16="http://schemas.microsoft.com/office/drawing/2014/main" id="{37153D67-3B92-4621-A2D6-7C0EB77DC057}"/>
+                <a16:creationId xmlns:a16="http://schemas.microsoft.com/office/drawing/2014/main" xmlns="" id="{37153D67-3B92-4621-A2D6-7C0EB77DC057}"/>
               </a:ext>
             </a:extLst>
           </p:cNvPr>
@@ -1803,7 +1804,7 @@
           <p:cNvPr id="7" name="날짜 개체 틀 6">
             <a:extLst>
               <a:ext uri="{FF2B5EF4-FFF2-40B4-BE49-F238E27FC236}">
-                <a16:creationId xmlns:a16="http://schemas.microsoft.com/office/drawing/2014/main" id="{34B3B4BE-2C5C-48B3-BA79-E2D71BC00D25}"/>
+                <a16:creationId xmlns:a16="http://schemas.microsoft.com/office/drawing/2014/main" xmlns="" id="{34B3B4BE-2C5C-48B3-BA79-E2D71BC00D25}"/>
               </a:ext>
             </a:extLst>
           </p:cNvPr>
@@ -1832,7 +1833,7 @@
           <p:cNvPr id="8" name="바닥글 개체 틀 7">
             <a:extLst>
               <a:ext uri="{FF2B5EF4-FFF2-40B4-BE49-F238E27FC236}">
-                <a16:creationId xmlns:a16="http://schemas.microsoft.com/office/drawing/2014/main" id="{052BBC5D-24C1-4EC7-82AE-78A73D26800F}"/>
+                <a16:creationId xmlns:a16="http://schemas.microsoft.com/office/drawing/2014/main" xmlns="" id="{052BBC5D-24C1-4EC7-82AE-78A73D26800F}"/>
               </a:ext>
             </a:extLst>
           </p:cNvPr>
@@ -1857,7 +1858,7 @@
           <p:cNvPr id="9" name="슬라이드 번호 개체 틀 8">
             <a:extLst>
               <a:ext uri="{FF2B5EF4-FFF2-40B4-BE49-F238E27FC236}">
-                <a16:creationId xmlns:a16="http://schemas.microsoft.com/office/drawing/2014/main" id="{E7CE8E55-714C-4D96-81E1-9C272EE0D029}"/>
+                <a16:creationId xmlns:a16="http://schemas.microsoft.com/office/drawing/2014/main" xmlns="" id="{E7CE8E55-714C-4D96-81E1-9C272EE0D029}"/>
               </a:ext>
             </a:extLst>
           </p:cNvPr>
@@ -1916,7 +1917,7 @@
           <p:cNvPr id="2" name="제목 1">
             <a:extLst>
               <a:ext uri="{FF2B5EF4-FFF2-40B4-BE49-F238E27FC236}">
-                <a16:creationId xmlns:a16="http://schemas.microsoft.com/office/drawing/2014/main" id="{72CC9B56-CC2D-4EC5-ADAC-B641C68DACCD}"/>
+                <a16:creationId xmlns:a16="http://schemas.microsoft.com/office/drawing/2014/main" xmlns="" id="{72CC9B56-CC2D-4EC5-ADAC-B641C68DACCD}"/>
               </a:ext>
             </a:extLst>
           </p:cNvPr>
@@ -1944,7 +1945,7 @@
           <p:cNvPr id="3" name="날짜 개체 틀 2">
             <a:extLst>
               <a:ext uri="{FF2B5EF4-FFF2-40B4-BE49-F238E27FC236}">
-                <a16:creationId xmlns:a16="http://schemas.microsoft.com/office/drawing/2014/main" id="{7B6E839D-776A-482D-A584-3ADE24E9CCCA}"/>
+                <a16:creationId xmlns:a16="http://schemas.microsoft.com/office/drawing/2014/main" xmlns="" id="{7B6E839D-776A-482D-A584-3ADE24E9CCCA}"/>
               </a:ext>
             </a:extLst>
           </p:cNvPr>
@@ -1973,7 +1974,7 @@
           <p:cNvPr id="4" name="바닥글 개체 틀 3">
             <a:extLst>
               <a:ext uri="{FF2B5EF4-FFF2-40B4-BE49-F238E27FC236}">
-                <a16:creationId xmlns:a16="http://schemas.microsoft.com/office/drawing/2014/main" id="{66B39A00-DBDF-40F4-B0A8-5C51012C1B84}"/>
+                <a16:creationId xmlns:a16="http://schemas.microsoft.com/office/drawing/2014/main" xmlns="" id="{66B39A00-DBDF-40F4-B0A8-5C51012C1B84}"/>
               </a:ext>
             </a:extLst>
           </p:cNvPr>
@@ -1998,7 +1999,7 @@
           <p:cNvPr id="5" name="슬라이드 번호 개체 틀 4">
             <a:extLst>
               <a:ext uri="{FF2B5EF4-FFF2-40B4-BE49-F238E27FC236}">
-                <a16:creationId xmlns:a16="http://schemas.microsoft.com/office/drawing/2014/main" id="{5195F81A-DD8A-4275-8137-0597AD08AD1E}"/>
+                <a16:creationId xmlns:a16="http://schemas.microsoft.com/office/drawing/2014/main" xmlns="" id="{5195F81A-DD8A-4275-8137-0597AD08AD1E}"/>
               </a:ext>
             </a:extLst>
           </p:cNvPr>
@@ -2057,7 +2058,7 @@
           <p:cNvPr id="2" name="날짜 개체 틀 1">
             <a:extLst>
               <a:ext uri="{FF2B5EF4-FFF2-40B4-BE49-F238E27FC236}">
-                <a16:creationId xmlns:a16="http://schemas.microsoft.com/office/drawing/2014/main" id="{F065F68B-1533-4963-A54B-CEE48C7AFE98}"/>
+                <a16:creationId xmlns:a16="http://schemas.microsoft.com/office/drawing/2014/main" xmlns="" id="{F065F68B-1533-4963-A54B-CEE48C7AFE98}"/>
               </a:ext>
             </a:extLst>
           </p:cNvPr>
@@ -2086,7 +2087,7 @@
           <p:cNvPr id="3" name="바닥글 개체 틀 2">
             <a:extLst>
               <a:ext uri="{FF2B5EF4-FFF2-40B4-BE49-F238E27FC236}">
-                <a16:creationId xmlns:a16="http://schemas.microsoft.com/office/drawing/2014/main" id="{58EE470F-A156-43DB-AF4D-A418A13FC06A}"/>
+                <a16:creationId xmlns:a16="http://schemas.microsoft.com/office/drawing/2014/main" xmlns="" id="{58EE470F-A156-43DB-AF4D-A418A13FC06A}"/>
               </a:ext>
             </a:extLst>
           </p:cNvPr>
@@ -2111,7 +2112,7 @@
           <p:cNvPr id="4" name="슬라이드 번호 개체 틀 3">
             <a:extLst>
               <a:ext uri="{FF2B5EF4-FFF2-40B4-BE49-F238E27FC236}">
-                <a16:creationId xmlns:a16="http://schemas.microsoft.com/office/drawing/2014/main" id="{D9E472DA-D5E2-4F99-8E2A-AB735C09801E}"/>
+                <a16:creationId xmlns:a16="http://schemas.microsoft.com/office/drawing/2014/main" xmlns="" id="{D9E472DA-D5E2-4F99-8E2A-AB735C09801E}"/>
               </a:ext>
             </a:extLst>
           </p:cNvPr>
@@ -2170,7 +2171,7 @@
           <p:cNvPr id="2" name="제목 1">
             <a:extLst>
               <a:ext uri="{FF2B5EF4-FFF2-40B4-BE49-F238E27FC236}">
-                <a16:creationId xmlns:a16="http://schemas.microsoft.com/office/drawing/2014/main" id="{EE8E2C22-E96D-4E30-829E-C5601080B61C}"/>
+                <a16:creationId xmlns:a16="http://schemas.microsoft.com/office/drawing/2014/main" xmlns="" id="{EE8E2C22-E96D-4E30-829E-C5601080B61C}"/>
               </a:ext>
             </a:extLst>
           </p:cNvPr>
@@ -2207,7 +2208,7 @@
           <p:cNvPr id="3" name="내용 개체 틀 2">
             <a:extLst>
               <a:ext uri="{FF2B5EF4-FFF2-40B4-BE49-F238E27FC236}">
-                <a16:creationId xmlns:a16="http://schemas.microsoft.com/office/drawing/2014/main" id="{FF85F714-56E0-45E6-A574-CFBABF0A914A}"/>
+                <a16:creationId xmlns:a16="http://schemas.microsoft.com/office/drawing/2014/main" xmlns="" id="{FF85F714-56E0-45E6-A574-CFBABF0A914A}"/>
               </a:ext>
             </a:extLst>
           </p:cNvPr>
@@ -2297,7 +2298,7 @@
           <p:cNvPr id="4" name="텍스트 개체 틀 3">
             <a:extLst>
               <a:ext uri="{FF2B5EF4-FFF2-40B4-BE49-F238E27FC236}">
-                <a16:creationId xmlns:a16="http://schemas.microsoft.com/office/drawing/2014/main" id="{6E1EB69D-CF07-420B-98BD-B53C60016B2E}"/>
+                <a16:creationId xmlns:a16="http://schemas.microsoft.com/office/drawing/2014/main" xmlns="" id="{6E1EB69D-CF07-420B-98BD-B53C60016B2E}"/>
               </a:ext>
             </a:extLst>
           </p:cNvPr>
@@ -2368,7 +2369,7 @@
           <p:cNvPr id="5" name="날짜 개체 틀 4">
             <a:extLst>
               <a:ext uri="{FF2B5EF4-FFF2-40B4-BE49-F238E27FC236}">
-                <a16:creationId xmlns:a16="http://schemas.microsoft.com/office/drawing/2014/main" id="{3F9EE376-932C-4F20-912A-19A9A92368BE}"/>
+                <a16:creationId xmlns:a16="http://schemas.microsoft.com/office/drawing/2014/main" xmlns="" id="{3F9EE376-932C-4F20-912A-19A9A92368BE}"/>
               </a:ext>
             </a:extLst>
           </p:cNvPr>
@@ -2397,7 +2398,7 @@
           <p:cNvPr id="6" name="바닥글 개체 틀 5">
             <a:extLst>
               <a:ext uri="{FF2B5EF4-FFF2-40B4-BE49-F238E27FC236}">
-                <a16:creationId xmlns:a16="http://schemas.microsoft.com/office/drawing/2014/main" id="{6C08D442-9F4C-4537-AB2F-F56660233C99}"/>
+                <a16:creationId xmlns:a16="http://schemas.microsoft.com/office/drawing/2014/main" xmlns="" id="{6C08D442-9F4C-4537-AB2F-F56660233C99}"/>
               </a:ext>
             </a:extLst>
           </p:cNvPr>
@@ -2422,7 +2423,7 @@
           <p:cNvPr id="7" name="슬라이드 번호 개체 틀 6">
             <a:extLst>
               <a:ext uri="{FF2B5EF4-FFF2-40B4-BE49-F238E27FC236}">
-                <a16:creationId xmlns:a16="http://schemas.microsoft.com/office/drawing/2014/main" id="{9CFFC8C6-17C1-444B-B85B-E71B0A034E0B}"/>
+                <a16:creationId xmlns:a16="http://schemas.microsoft.com/office/drawing/2014/main" xmlns="" id="{9CFFC8C6-17C1-444B-B85B-E71B0A034E0B}"/>
               </a:ext>
             </a:extLst>
           </p:cNvPr>
@@ -2481,7 +2482,7 @@
           <p:cNvPr id="2" name="제목 1">
             <a:extLst>
               <a:ext uri="{FF2B5EF4-FFF2-40B4-BE49-F238E27FC236}">
-                <a16:creationId xmlns:a16="http://schemas.microsoft.com/office/drawing/2014/main" id="{63C56BF2-B225-434A-B878-CF35C517A78C}"/>
+                <a16:creationId xmlns:a16="http://schemas.microsoft.com/office/drawing/2014/main" xmlns="" id="{63C56BF2-B225-434A-B878-CF35C517A78C}"/>
               </a:ext>
             </a:extLst>
           </p:cNvPr>
@@ -2518,7 +2519,7 @@
           <p:cNvPr id="3" name="그림 개체 틀 2">
             <a:extLst>
               <a:ext uri="{FF2B5EF4-FFF2-40B4-BE49-F238E27FC236}">
-                <a16:creationId xmlns:a16="http://schemas.microsoft.com/office/drawing/2014/main" id="{735853CD-1204-4BFE-9E7D-FA03056BDF91}"/>
+                <a16:creationId xmlns:a16="http://schemas.microsoft.com/office/drawing/2014/main" xmlns="" id="{735853CD-1204-4BFE-9E7D-FA03056BDF91}"/>
               </a:ext>
             </a:extLst>
           </p:cNvPr>
@@ -2585,7 +2586,7 @@
           <p:cNvPr id="4" name="텍스트 개체 틀 3">
             <a:extLst>
               <a:ext uri="{FF2B5EF4-FFF2-40B4-BE49-F238E27FC236}">
-                <a16:creationId xmlns:a16="http://schemas.microsoft.com/office/drawing/2014/main" id="{630D1046-84F8-47E2-9637-EE1F8D66172A}"/>
+                <a16:creationId xmlns:a16="http://schemas.microsoft.com/office/drawing/2014/main" xmlns="" id="{630D1046-84F8-47E2-9637-EE1F8D66172A}"/>
               </a:ext>
             </a:extLst>
           </p:cNvPr>
@@ -2656,7 +2657,7 @@
           <p:cNvPr id="5" name="날짜 개체 틀 4">
             <a:extLst>
               <a:ext uri="{FF2B5EF4-FFF2-40B4-BE49-F238E27FC236}">
-                <a16:creationId xmlns:a16="http://schemas.microsoft.com/office/drawing/2014/main" id="{56573E4D-EA74-4746-B5BF-A9FF0E3AF999}"/>
+                <a16:creationId xmlns:a16="http://schemas.microsoft.com/office/drawing/2014/main" xmlns="" id="{56573E4D-EA74-4746-B5BF-A9FF0E3AF999}"/>
               </a:ext>
             </a:extLst>
           </p:cNvPr>
@@ -2685,7 +2686,7 @@
           <p:cNvPr id="6" name="바닥글 개체 틀 5">
             <a:extLst>
               <a:ext uri="{FF2B5EF4-FFF2-40B4-BE49-F238E27FC236}">
-                <a16:creationId xmlns:a16="http://schemas.microsoft.com/office/drawing/2014/main" id="{53508D7C-3EBC-4B81-8BC0-015ACC2DF71B}"/>
+                <a16:creationId xmlns:a16="http://schemas.microsoft.com/office/drawing/2014/main" xmlns="" id="{53508D7C-3EBC-4B81-8BC0-015ACC2DF71B}"/>
               </a:ext>
             </a:extLst>
           </p:cNvPr>
@@ -2710,7 +2711,7 @@
           <p:cNvPr id="7" name="슬라이드 번호 개체 틀 6">
             <a:extLst>
               <a:ext uri="{FF2B5EF4-FFF2-40B4-BE49-F238E27FC236}">
-                <a16:creationId xmlns:a16="http://schemas.microsoft.com/office/drawing/2014/main" id="{F06D730C-C52D-488A-B3AC-856FBF2E0D93}"/>
+                <a16:creationId xmlns:a16="http://schemas.microsoft.com/office/drawing/2014/main" xmlns="" id="{F06D730C-C52D-488A-B3AC-856FBF2E0D93}"/>
               </a:ext>
             </a:extLst>
           </p:cNvPr>
@@ -2774,7 +2775,7 @@
           <p:cNvPr id="2" name="제목 개체 틀 1">
             <a:extLst>
               <a:ext uri="{FF2B5EF4-FFF2-40B4-BE49-F238E27FC236}">
-                <a16:creationId xmlns:a16="http://schemas.microsoft.com/office/drawing/2014/main" id="{9820A22F-101A-402F-A5BB-D095C3AA9064}"/>
+                <a16:creationId xmlns:a16="http://schemas.microsoft.com/office/drawing/2014/main" xmlns="" id="{9820A22F-101A-402F-A5BB-D095C3AA9064}"/>
               </a:ext>
             </a:extLst>
           </p:cNvPr>
@@ -2812,7 +2813,7 @@
           <p:cNvPr id="3" name="텍스트 개체 틀 2">
             <a:extLst>
               <a:ext uri="{FF2B5EF4-FFF2-40B4-BE49-F238E27FC236}">
-                <a16:creationId xmlns:a16="http://schemas.microsoft.com/office/drawing/2014/main" id="{21450A64-DD20-48B6-913C-D3DE6053C593}"/>
+                <a16:creationId xmlns:a16="http://schemas.microsoft.com/office/drawing/2014/main" xmlns="" id="{21450A64-DD20-48B6-913C-D3DE6053C593}"/>
               </a:ext>
             </a:extLst>
           </p:cNvPr>
@@ -2879,7 +2880,7 @@
           <p:cNvPr id="4" name="날짜 개체 틀 3">
             <a:extLst>
               <a:ext uri="{FF2B5EF4-FFF2-40B4-BE49-F238E27FC236}">
-                <a16:creationId xmlns:a16="http://schemas.microsoft.com/office/drawing/2014/main" id="{A5C6B5C1-6075-4315-A6E3-6CCB2438CE33}"/>
+                <a16:creationId xmlns:a16="http://schemas.microsoft.com/office/drawing/2014/main" xmlns="" id="{A5C6B5C1-6075-4315-A6E3-6CCB2438CE33}"/>
               </a:ext>
             </a:extLst>
           </p:cNvPr>
@@ -2926,7 +2927,7 @@
           <p:cNvPr id="5" name="바닥글 개체 틀 4">
             <a:extLst>
               <a:ext uri="{FF2B5EF4-FFF2-40B4-BE49-F238E27FC236}">
-                <a16:creationId xmlns:a16="http://schemas.microsoft.com/office/drawing/2014/main" id="{44EC332D-5CC3-4692-ADAC-F797423C040C}"/>
+                <a16:creationId xmlns:a16="http://schemas.microsoft.com/office/drawing/2014/main" xmlns="" id="{44EC332D-5CC3-4692-ADAC-F797423C040C}"/>
               </a:ext>
             </a:extLst>
           </p:cNvPr>
@@ -2969,7 +2970,7 @@
           <p:cNvPr id="6" name="슬라이드 번호 개체 틀 5">
             <a:extLst>
               <a:ext uri="{FF2B5EF4-FFF2-40B4-BE49-F238E27FC236}">
-                <a16:creationId xmlns:a16="http://schemas.microsoft.com/office/drawing/2014/main" id="{6EAA751D-6B6D-458B-9E99-DFAF8049E4EA}"/>
+                <a16:creationId xmlns:a16="http://schemas.microsoft.com/office/drawing/2014/main" xmlns="" id="{6EAA751D-6B6D-458B-9E99-DFAF8049E4EA}"/>
               </a:ext>
             </a:extLst>
           </p:cNvPr>
@@ -3357,7 +3358,7 @@
           <a:bodyPr wrap="square" lIns="0" tIns="0" rIns="0" bIns="0" rtlCol="0"/>
           <a:lstStyle/>
           <a:p>
-            <a:endParaRPr/>
+            <a:endParaRPr dirty="0"/>
           </a:p>
         </p:txBody>
       </p:sp>
@@ -3366,7 +3367,7 @@
           <p:cNvPr id="6" name="TextBox 5">
             <a:extLst>
               <a:ext uri="{FF2B5EF4-FFF2-40B4-BE49-F238E27FC236}">
-                <a16:creationId xmlns:a16="http://schemas.microsoft.com/office/drawing/2014/main" id="{090DD904-92DF-4C00-9DEF-62DB324CA9DC}"/>
+                <a16:creationId xmlns:a16="http://schemas.microsoft.com/office/drawing/2014/main" xmlns="" id="{090DD904-92DF-4C00-9DEF-62DB324CA9DC}"/>
               </a:ext>
             </a:extLst>
           </p:cNvPr>
@@ -3417,7 +3418,7 @@
               <a:t>2016182029 </a:t>
             </a:r>
             <a:r>
-              <a:rPr lang="ko-KR" altLang="en-US" sz="2000" dirty="0" err="1">
+              <a:rPr lang="ko-KR" altLang="en-US" sz="2000" dirty="0">
                 <a:latin typeface="Adobe 고딕 Std B" panose="020B0800000000000000" pitchFamily="34" charset="-127"/>
                 <a:ea typeface="Adobe 고딕 Std B" panose="020B0800000000000000" pitchFamily="34" charset="-127"/>
               </a:rPr>
@@ -3435,7 +3436,7 @@
           <p:cNvPr id="7" name="직사각형 6">
             <a:extLst>
               <a:ext uri="{FF2B5EF4-FFF2-40B4-BE49-F238E27FC236}">
-                <a16:creationId xmlns:a16="http://schemas.microsoft.com/office/drawing/2014/main" id="{60ABF07A-FE4E-4688-80CC-687EED60F91B}"/>
+                <a16:creationId xmlns:a16="http://schemas.microsoft.com/office/drawing/2014/main" xmlns="" id="{60ABF07A-FE4E-4688-80CC-687EED60F91B}"/>
               </a:ext>
             </a:extLst>
           </p:cNvPr>
@@ -3478,7 +3479,7 @@
           <a:lstStyle/>
           <a:p>
             <a:pPr algn="ctr"/>
-            <a:endParaRPr lang="ko-KR" altLang="en-US"/>
+            <a:endParaRPr lang="ko-KR" altLang="en-US" dirty="0"/>
           </a:p>
         </p:txBody>
       </p:sp>
@@ -3487,7 +3488,7 @@
           <p:cNvPr id="8" name="TextBox 7">
             <a:extLst>
               <a:ext uri="{FF2B5EF4-FFF2-40B4-BE49-F238E27FC236}">
-                <a16:creationId xmlns:a16="http://schemas.microsoft.com/office/drawing/2014/main" id="{6136D3A2-8D78-4CCE-AFF0-FB3E4EC571BB}"/>
+                <a16:creationId xmlns:a16="http://schemas.microsoft.com/office/drawing/2014/main" xmlns="" id="{6136D3A2-8D78-4CCE-AFF0-FB3E4EC571BB}"/>
               </a:ext>
             </a:extLst>
           </p:cNvPr>
@@ -3518,16 +3519,12 @@
               <a:t>Professor. </a:t>
             </a:r>
             <a:r>
-              <a:rPr lang="ko-KR" altLang="en-US" dirty="0" err="1">
+              <a:rPr lang="ko-KR" altLang="en-US" dirty="0">
                 <a:latin typeface="Adobe 고딕 Std B" panose="020B0800000000000000" pitchFamily="34" charset="-127"/>
                 <a:ea typeface="Adobe 고딕 Std B" panose="020B0800000000000000" pitchFamily="34" charset="-127"/>
               </a:rPr>
               <a:t>김경철</a:t>
             </a:r>
-            <a:endParaRPr lang="ko-KR" altLang="en-US" dirty="0">
-              <a:latin typeface="Adobe 고딕 Std B" panose="020B0800000000000000" pitchFamily="34" charset="-127"/>
-              <a:ea typeface="Adobe 고딕 Std B" panose="020B0800000000000000" pitchFamily="34" charset="-127"/>
-            </a:endParaRPr>
           </a:p>
         </p:txBody>
       </p:sp>
@@ -3536,7 +3533,7 @@
           <p:cNvPr id="10" name="직선 연결선 9">
             <a:extLst>
               <a:ext uri="{FF2B5EF4-FFF2-40B4-BE49-F238E27FC236}">
-                <a16:creationId xmlns:a16="http://schemas.microsoft.com/office/drawing/2014/main" id="{B3FBACC2-97ED-4D82-BB8A-5711DC7F65D1}"/>
+                <a16:creationId xmlns:a16="http://schemas.microsoft.com/office/drawing/2014/main" xmlns="" id="{B3FBACC2-97ED-4D82-BB8A-5711DC7F65D1}"/>
               </a:ext>
             </a:extLst>
           </p:cNvPr>
@@ -3597,7 +3594,7 @@
           <a:bodyPr wrap="square" lIns="0" tIns="0" rIns="0" bIns="0" rtlCol="0"/>
           <a:lstStyle/>
           <a:p>
-            <a:endParaRPr/>
+            <a:endParaRPr dirty="0"/>
           </a:p>
         </p:txBody>
       </p:sp>
@@ -3647,7 +3644,7 @@
           <a:bodyPr wrap="square" lIns="0" tIns="0" rIns="0" bIns="0" rtlCol="0"/>
           <a:lstStyle/>
           <a:p>
-            <a:endParaRPr/>
+            <a:endParaRPr dirty="0"/>
           </a:p>
         </p:txBody>
       </p:sp>
@@ -3656,7 +3653,7 @@
           <p:cNvPr id="11" name="TextBox 10">
             <a:extLst>
               <a:ext uri="{FF2B5EF4-FFF2-40B4-BE49-F238E27FC236}">
-                <a16:creationId xmlns:a16="http://schemas.microsoft.com/office/drawing/2014/main" id="{91BE35E7-FEAB-4F32-8A4C-A484EAB8A745}"/>
+                <a16:creationId xmlns:a16="http://schemas.microsoft.com/office/drawing/2014/main" xmlns="" id="{91BE35E7-FEAB-4F32-8A4C-A484EAB8A745}"/>
               </a:ext>
             </a:extLst>
           </p:cNvPr>
@@ -3780,7 +3777,7 @@
           <a:bodyPr wrap="square" lIns="0" tIns="0" rIns="0" bIns="0" rtlCol="0"/>
           <a:lstStyle/>
           <a:p>
-            <a:endParaRPr/>
+            <a:endParaRPr dirty="0"/>
           </a:p>
         </p:txBody>
       </p:sp>
@@ -4095,7 +4092,7 @@
           <a:bodyPr wrap="square" lIns="0" tIns="0" rIns="0" bIns="0" rtlCol="0"/>
           <a:lstStyle/>
           <a:p>
-            <a:endParaRPr/>
+            <a:endParaRPr dirty="0"/>
           </a:p>
         </p:txBody>
       </p:sp>
@@ -4180,7 +4177,7 @@
         <p:spPr>
           <a:xfrm>
             <a:off x="669701" y="2274838"/>
-            <a:ext cx="11418510" cy="3662541"/>
+            <a:ext cx="11238974" cy="4462760"/>
           </a:xfrm>
           <a:prstGeom prst="rect">
             <a:avLst/>
@@ -4236,7 +4233,7 @@
               <a:t>, </a:t>
             </a:r>
             <a:r>
-              <a:rPr lang="ko-KR" altLang="en-US" sz="2400" dirty="0" err="1">
+              <a:rPr lang="ko-KR" altLang="en-US" sz="2400" dirty="0">
                 <a:latin typeface="HY헤드라인M" panose="02030600000101010101" pitchFamily="18" charset="-127"/>
                 <a:ea typeface="HY헤드라인M" panose="02030600000101010101" pitchFamily="18" charset="-127"/>
               </a:rPr>
@@ -4332,6 +4329,13 @@
                 <a:ea typeface="HY헤드라인M" panose="02030600000101010101" pitchFamily="18" charset="-127"/>
               </a:rPr>
               <a:t>의 사용자</a:t>
+            </a:r>
+            <a:r>
+              <a:rPr lang="en-US" altLang="ko-KR" sz="2400" dirty="0">
+                <a:latin typeface="HY헤드라인M" panose="02030600000101010101" pitchFamily="18" charset="-127"/>
+                <a:ea typeface="HY헤드라인M" panose="02030600000101010101" pitchFamily="18" charset="-127"/>
+              </a:rPr>
+              <a:t/>
             </a:r>
             <a:br>
               <a:rPr lang="en-US" altLang="ko-KR" sz="2400" dirty="0">
@@ -4361,7 +4365,7 @@
               <a:t>인 미디어 </a:t>
             </a:r>
             <a:r>
-              <a:rPr lang="ko-KR" altLang="en-US" sz="2400" dirty="0" err="1">
+              <a:rPr lang="ko-KR" altLang="en-US" sz="2400" dirty="0">
                 <a:latin typeface="HY헤드라인M" panose="02030600000101010101" pitchFamily="18" charset="-127"/>
                 <a:ea typeface="HY헤드라인M" panose="02030600000101010101" pitchFamily="18" charset="-127"/>
               </a:rPr>
@@ -4433,7 +4437,21 @@
                 <a:latin typeface="HY헤드라인M" panose="02030600000101010101" pitchFamily="18" charset="-127"/>
                 <a:ea typeface="HY헤드라인M" panose="02030600000101010101" pitchFamily="18" charset="-127"/>
               </a:rPr>
-              <a:t>확실한 진출 가능성이 있는 시장이 마련되 있음에도 </a:t>
+              <a:t>확실한 진출 가능성이 있는 시장이 </a:t>
+            </a:r>
+            <a:r>
+              <a:rPr lang="ko-KR" altLang="en-US" sz="2400" dirty="0" smtClean="0">
+                <a:latin typeface="HY헤드라인M" panose="02030600000101010101" pitchFamily="18" charset="-127"/>
+                <a:ea typeface="HY헤드라인M" panose="02030600000101010101" pitchFamily="18" charset="-127"/>
+              </a:rPr>
+              <a:t>마련되어 </a:t>
+            </a:r>
+            <a:r>
+              <a:rPr lang="ko-KR" altLang="en-US" sz="2400" dirty="0">
+                <a:latin typeface="HY헤드라인M" panose="02030600000101010101" pitchFamily="18" charset="-127"/>
+                <a:ea typeface="HY헤드라인M" panose="02030600000101010101" pitchFamily="18" charset="-127"/>
+              </a:rPr>
+              <a:t>있음에도 </a:t>
             </a:r>
             <a:endParaRPr lang="en-US" altLang="ko-KR" sz="2400" dirty="0">
               <a:latin typeface="HY헤드라인M" panose="02030600000101010101" pitchFamily="18" charset="-127"/>
@@ -4442,14 +4460,21 @@
           </a:p>
           <a:p>
             <a:r>
+              <a:rPr lang="ko-KR" altLang="en-US" sz="2400" dirty="0" smtClean="0">
+                <a:latin typeface="HY헤드라인M" panose="02030600000101010101" pitchFamily="18" charset="-127"/>
+                <a:ea typeface="HY헤드라인M" panose="02030600000101010101" pitchFamily="18" charset="-127"/>
+              </a:rPr>
+              <a:t>시장에 </a:t>
+            </a:r>
+            <a:r>
               <a:rPr lang="ko-KR" altLang="en-US" sz="2400" dirty="0">
                 <a:latin typeface="HY헤드라인M" panose="02030600000101010101" pitchFamily="18" charset="-127"/>
                 <a:ea typeface="HY헤드라인M" panose="02030600000101010101" pitchFamily="18" charset="-127"/>
               </a:rPr>
-              <a:t>그에 맞는 게임이 나오지 않고 있다</a:t>
-            </a:r>
-            <a:r>
-              <a:rPr lang="en-US" altLang="ko-KR" sz="2400" dirty="0">
+              <a:t>맞는 게임이 나오지 않고 있다</a:t>
+            </a:r>
+            <a:r>
+              <a:rPr lang="en-US" altLang="ko-KR" sz="2400" dirty="0" smtClean="0">
                 <a:latin typeface="HY헤드라인M" panose="02030600000101010101" pitchFamily="18" charset="-127"/>
                 <a:ea typeface="HY헤드라인M" panose="02030600000101010101" pitchFamily="18" charset="-127"/>
               </a:rPr>
@@ -4464,6 +4489,109 @@
           </a:p>
           <a:p>
             <a:r>
+              <a:rPr lang="ko-KR" altLang="en-US" sz="2800" b="1" dirty="0" smtClean="0">
+                <a:effectLst>
+                  <a:outerShdw blurRad="38100" dist="38100" dir="2700000" algn="tl">
+                    <a:srgbClr val="000000">
+                      <a:alpha val="43137"/>
+                    </a:srgbClr>
+                  </a:outerShdw>
+                </a:effectLst>
+                <a:latin typeface="HY헤드라인M" panose="02030600000101010101" pitchFamily="18" charset="-127"/>
+                <a:ea typeface="HY헤드라인M" panose="02030600000101010101" pitchFamily="18" charset="-127"/>
+              </a:rPr>
+              <a:t>커지는 시장에 맞는 </a:t>
+            </a:r>
+            <a:r>
+              <a:rPr lang="en-US" altLang="ko-KR" sz="2800" b="1" dirty="0" smtClean="0">
+                <a:effectLst>
+                  <a:outerShdw blurRad="38100" dist="38100" dir="2700000" algn="tl">
+                    <a:srgbClr val="000000">
+                      <a:alpha val="43137"/>
+                    </a:srgbClr>
+                  </a:outerShdw>
+                </a:effectLst>
+                <a:latin typeface="HY헤드라인M" panose="02030600000101010101" pitchFamily="18" charset="-127"/>
+                <a:ea typeface="HY헤드라인M" panose="02030600000101010101" pitchFamily="18" charset="-127"/>
+              </a:rPr>
+              <a:t>1</a:t>
+            </a:r>
+            <a:r>
+              <a:rPr lang="ko-KR" altLang="en-US" sz="2800" b="1" dirty="0" smtClean="0">
+                <a:effectLst>
+                  <a:outerShdw blurRad="38100" dist="38100" dir="2700000" algn="tl">
+                    <a:srgbClr val="000000">
+                      <a:alpha val="43137"/>
+                    </a:srgbClr>
+                  </a:outerShdw>
+                </a:effectLst>
+                <a:latin typeface="HY헤드라인M" panose="02030600000101010101" pitchFamily="18" charset="-127"/>
+                <a:ea typeface="HY헤드라인M" panose="02030600000101010101" pitchFamily="18" charset="-127"/>
+              </a:rPr>
+              <a:t>인 미디어 </a:t>
+            </a:r>
+            <a:r>
+              <a:rPr lang="ko-KR" altLang="en-US" sz="2800" b="1" dirty="0" err="1" smtClean="0">
+                <a:effectLst>
+                  <a:outerShdw blurRad="38100" dist="38100" dir="2700000" algn="tl">
+                    <a:srgbClr val="000000">
+                      <a:alpha val="43137"/>
+                    </a:srgbClr>
+                  </a:outerShdw>
+                </a:effectLst>
+                <a:latin typeface="HY헤드라인M" panose="02030600000101010101" pitchFamily="18" charset="-127"/>
+                <a:ea typeface="HY헤드라인M" panose="02030600000101010101" pitchFamily="18" charset="-127"/>
+              </a:rPr>
+              <a:t>플렛폼</a:t>
+            </a:r>
+            <a:r>
+              <a:rPr lang="ko-KR" altLang="en-US" sz="2800" b="1" dirty="0" smtClean="0">
+                <a:effectLst>
+                  <a:outerShdw blurRad="38100" dist="38100" dir="2700000" algn="tl">
+                    <a:srgbClr val="000000">
+                      <a:alpha val="43137"/>
+                    </a:srgbClr>
+                  </a:outerShdw>
+                </a:effectLst>
+                <a:latin typeface="HY헤드라인M" panose="02030600000101010101" pitchFamily="18" charset="-127"/>
+                <a:ea typeface="HY헤드라인M" panose="02030600000101010101" pitchFamily="18" charset="-127"/>
+              </a:rPr>
+              <a:t> 전용 게임이 필요하다</a:t>
+            </a:r>
+            <a:r>
+              <a:rPr lang="en-US" altLang="ko-KR" sz="2800" b="1" dirty="0" smtClean="0">
+                <a:effectLst>
+                  <a:outerShdw blurRad="38100" dist="38100" dir="2700000" algn="tl">
+                    <a:srgbClr val="000000">
+                      <a:alpha val="43137"/>
+                    </a:srgbClr>
+                  </a:outerShdw>
+                </a:effectLst>
+                <a:latin typeface="HY헤드라인M" panose="02030600000101010101" pitchFamily="18" charset="-127"/>
+                <a:ea typeface="HY헤드라인M" panose="02030600000101010101" pitchFamily="18" charset="-127"/>
+              </a:rPr>
+              <a:t>.</a:t>
+            </a:r>
+            <a:endParaRPr lang="en-US" altLang="ko-KR" sz="2800" b="1" dirty="0">
+              <a:effectLst>
+                <a:outerShdw blurRad="38100" dist="38100" dir="2700000" algn="tl">
+                  <a:srgbClr val="000000">
+                    <a:alpha val="43137"/>
+                  </a:srgbClr>
+                </a:outerShdw>
+              </a:effectLst>
+              <a:latin typeface="HY헤드라인M" panose="02030600000101010101" pitchFamily="18" charset="-127"/>
+              <a:ea typeface="HY헤드라인M" panose="02030600000101010101" pitchFamily="18" charset="-127"/>
+            </a:endParaRPr>
+          </a:p>
+          <a:p>
+            <a:endParaRPr lang="en-US" altLang="ko-KR" sz="2400" dirty="0">
+              <a:latin typeface="HY헤드라인M" panose="02030600000101010101" pitchFamily="18" charset="-127"/>
+              <a:ea typeface="HY헤드라인M" panose="02030600000101010101" pitchFamily="18" charset="-127"/>
+            </a:endParaRPr>
+          </a:p>
+          <a:p>
+            <a:r>
               <a:rPr lang="en-US" altLang="ko-KR" sz="1600" dirty="0">
                 <a:latin typeface="HY헤드라인M" panose="02030600000101010101" pitchFamily="18" charset="-127"/>
                 <a:ea typeface="HY헤드라인M" panose="02030600000101010101" pitchFamily="18" charset="-127"/>
@@ -4502,10 +4630,24 @@
               <a:rPr lang="en-US" altLang="ko-KR" sz="1600" dirty="0">
                 <a:hlinkClick r:id="rId2"/>
               </a:rPr>
-              <a:t>Slay the Spire</a:t>
-            </a:r>
-            <a:r>
-              <a:rPr lang="en-US" altLang="ko-KR" sz="1600" dirty="0"/>
+              <a:t>Slay the </a:t>
+            </a:r>
+            <a:r>
+              <a:rPr lang="en-US" altLang="ko-KR" sz="1600" dirty="0" smtClean="0">
+                <a:hlinkClick r:id="rId2"/>
+              </a:rPr>
+              <a:t>Spire</a:t>
+            </a:r>
+            <a:r>
+              <a:rPr lang="en-US" altLang="ko-KR" sz="1600" dirty="0" smtClean="0"/>
+              <a:t> </a:t>
+            </a:r>
+            <a:r>
+              <a:rPr lang="ko-KR" altLang="en-US" sz="1400" dirty="0" smtClean="0"/>
+              <a:t>등</a:t>
+            </a:r>
+            <a:r>
+              <a:rPr lang="en-US" altLang="ko-KR" sz="1600" dirty="0" smtClean="0"/>
               <a:t>]</a:t>
             </a:r>
             <a:endParaRPr lang="ko-KR" altLang="en-US" sz="1600" dirty="0">
@@ -4520,7 +4662,7 @@
           <p:cNvPr id="8" name="TextBox 7">
             <a:extLst>
               <a:ext uri="{FF2B5EF4-FFF2-40B4-BE49-F238E27FC236}">
-                <a16:creationId xmlns:a16="http://schemas.microsoft.com/office/drawing/2014/main" id="{19D8874A-4E9C-4026-924B-5BEEA86EABD0}"/>
+                <a16:creationId xmlns:a16="http://schemas.microsoft.com/office/drawing/2014/main" xmlns="" id="{19D8874A-4E9C-4026-924B-5BEEA86EABD0}"/>
               </a:ext>
             </a:extLst>
           </p:cNvPr>
@@ -4660,7 +4802,7 @@
           <a:bodyPr wrap="square" lIns="0" tIns="0" rIns="0" bIns="0" rtlCol="0"/>
           <a:lstStyle/>
           <a:p>
-            <a:endParaRPr/>
+            <a:endParaRPr dirty="0"/>
           </a:p>
         </p:txBody>
       </p:sp>
@@ -4703,16 +4845,137 @@
           </a:p>
         </p:txBody>
       </p:sp>
-      <p:sp>
-        <p:nvSpPr>
-          <p:cNvPr id="6" name="TextBox 5"/>
+      <p:pic>
+        <p:nvPicPr>
+          <p:cNvPr id="11" name="그림 10"/>
+          <p:cNvPicPr>
+            <a:picLocks noChangeAspect="1"/>
+          </p:cNvPicPr>
+          <p:nvPr/>
+        </p:nvPicPr>
+        <p:blipFill>
+          <a:blip r:embed="rId2"/>
+          <a:stretch>
+            <a:fillRect/>
+          </a:stretch>
+        </p:blipFill>
+        <p:spPr>
+          <a:xfrm>
+            <a:off x="417261" y="1279816"/>
+            <a:ext cx="4552133" cy="2649484"/>
+          </a:xfrm>
+          <a:prstGeom prst="rect">
+            <a:avLst/>
+          </a:prstGeom>
+        </p:spPr>
+      </p:pic>
+      <p:pic>
+        <p:nvPicPr>
+          <p:cNvPr id="10" name="그림 9"/>
+          <p:cNvPicPr>
+            <a:picLocks noChangeAspect="1"/>
+          </p:cNvPicPr>
+          <p:nvPr/>
+        </p:nvPicPr>
+        <p:blipFill>
+          <a:blip r:embed="rId3">
+            <a:duotone>
+              <a:schemeClr val="accent4">
+                <a:shade val="45000"/>
+                <a:satMod val="135000"/>
+              </a:schemeClr>
+              <a:prstClr val="white"/>
+            </a:duotone>
+            <a:extLst>
+              <a:ext uri="{28A0092B-C50C-407E-A947-70E740481C1C}">
+                <a14:useLocalDpi xmlns:a14="http://schemas.microsoft.com/office/drawing/2010/main" val="0"/>
+              </a:ext>
+            </a:extLst>
+          </a:blip>
+          <a:stretch>
+            <a:fillRect/>
+          </a:stretch>
+        </p:blipFill>
+        <p:spPr>
+          <a:xfrm rot="2466467">
+            <a:off x="1234519" y="1712694"/>
+            <a:ext cx="2951980" cy="1902892"/>
+          </a:xfrm>
+          <a:prstGeom prst="rect">
+            <a:avLst/>
+          </a:prstGeom>
+        </p:spPr>
+      </p:pic>
+      <p:pic>
+        <p:nvPicPr>
+          <p:cNvPr id="12" name="그림 11"/>
+          <p:cNvPicPr>
+            <a:picLocks noChangeAspect="1"/>
+          </p:cNvPicPr>
+          <p:nvPr/>
+        </p:nvPicPr>
+        <p:blipFill>
+          <a:blip r:embed="rId4"/>
+          <a:stretch>
+            <a:fillRect/>
+          </a:stretch>
+        </p:blipFill>
+        <p:spPr>
+          <a:xfrm>
+            <a:off x="417260" y="3929300"/>
+            <a:ext cx="4552133" cy="2745585"/>
+          </a:xfrm>
+          <a:prstGeom prst="rect">
+            <a:avLst/>
+          </a:prstGeom>
+        </p:spPr>
+      </p:pic>
+      <p:pic>
+        <p:nvPicPr>
+          <p:cNvPr id="9" name="그림 8"/>
+          <p:cNvPicPr>
+            <a:picLocks noChangeAspect="1"/>
+          </p:cNvPicPr>
+          <p:nvPr/>
+        </p:nvPicPr>
+        <p:blipFill rotWithShape="1">
+          <a:blip r:embed="rId5">
+            <a:duotone>
+              <a:schemeClr val="accent4">
+                <a:shade val="45000"/>
+                <a:satMod val="135000"/>
+              </a:schemeClr>
+              <a:prstClr val="white"/>
+            </a:duotone>
+            <a:extLst>
+              <a:ext uri="{28A0092B-C50C-407E-A947-70E740481C1C}">
+                <a14:useLocalDpi xmlns:a14="http://schemas.microsoft.com/office/drawing/2010/main" val="0"/>
+              </a:ext>
+            </a:extLst>
+          </a:blip>
+          <a:srcRect l="39524" r="41048"/>
+          <a:stretch/>
+        </p:blipFill>
+        <p:spPr>
+          <a:xfrm rot="12024704">
+            <a:off x="1928211" y="3786978"/>
+            <a:ext cx="889000" cy="2614706"/>
+          </a:xfrm>
+          <a:prstGeom prst="rect">
+            <a:avLst/>
+          </a:prstGeom>
+        </p:spPr>
+      </p:pic>
+      <p:sp>
+        <p:nvSpPr>
+          <p:cNvPr id="13" name="TextBox 12"/>
           <p:cNvSpPr txBox="1"/>
           <p:nvPr/>
         </p:nvSpPr>
         <p:spPr>
           <a:xfrm>
-            <a:off x="669701" y="1338853"/>
-            <a:ext cx="6133410" cy="2554545"/>
+            <a:off x="1824677" y="890186"/>
+            <a:ext cx="1552028" cy="400110"/>
           </a:xfrm>
           <a:prstGeom prst="rect">
             <a:avLst/>
@@ -4726,102 +4989,124 @@
           <a:lstStyle/>
           <a:p>
             <a:r>
-              <a:rPr lang="ko-KR" altLang="en-US" sz="3200" dirty="0" err="1">
-                <a:latin typeface="HY헤드라인M" panose="02030600000101010101" pitchFamily="18" charset="-127"/>
-                <a:ea typeface="HY헤드라인M" panose="02030600000101010101" pitchFamily="18" charset="-127"/>
-              </a:rPr>
-              <a:t>트위치</a:t>
-            </a:r>
-            <a:r>
-              <a:rPr lang="en-US" altLang="ko-KR" sz="3200" dirty="0">
-                <a:latin typeface="HY헤드라인M" panose="02030600000101010101" pitchFamily="18" charset="-127"/>
-                <a:ea typeface="HY헤드라인M" panose="02030600000101010101" pitchFamily="18" charset="-127"/>
-              </a:rPr>
-              <a:t>API</a:t>
-            </a:r>
-            <a:r>
-              <a:rPr lang="ko-KR" altLang="en-US" sz="3200" dirty="0">
-                <a:latin typeface="HY헤드라인M" panose="02030600000101010101" pitchFamily="18" charset="-127"/>
-                <a:ea typeface="HY헤드라인M" panose="02030600000101010101" pitchFamily="18" charset="-127"/>
-              </a:rPr>
-              <a:t>를 선택한 이유 </a:t>
-            </a:r>
-            <a:r>
-              <a:rPr lang="en-US" altLang="ko-KR" sz="3200" dirty="0">
-                <a:latin typeface="HY헤드라인M" panose="02030600000101010101" pitchFamily="18" charset="-127"/>
-                <a:ea typeface="HY헤드라인M" panose="02030600000101010101" pitchFamily="18" charset="-127"/>
-              </a:rPr>
-              <a:t>+ </a:t>
-            </a:r>
-          </a:p>
-          <a:p>
-            <a:r>
-              <a:rPr lang="ko-KR" altLang="en-US" sz="3200" dirty="0">
-                <a:latin typeface="HY헤드라인M" panose="02030600000101010101" pitchFamily="18" charset="-127"/>
-                <a:ea typeface="HY헤드라인M" panose="02030600000101010101" pitchFamily="18" charset="-127"/>
-              </a:rPr>
-              <a:t>어떤 형식의 게임인지</a:t>
-            </a:r>
-            <a:endParaRPr lang="en-US" altLang="ko-KR" sz="3200" dirty="0">
+              <a:rPr lang="ko-KR" altLang="en-US" sz="2000" smtClean="0">
+                <a:latin typeface="HY헤드라인M" panose="02030600000101010101" pitchFamily="18" charset="-127"/>
+                <a:ea typeface="HY헤드라인M" panose="02030600000101010101" pitchFamily="18" charset="-127"/>
+              </a:rPr>
+              <a:t>캐릭터 </a:t>
+            </a:r>
+            <a:r>
+              <a:rPr lang="ko-KR" altLang="en-US" sz="2000" dirty="0" err="1" smtClean="0">
+                <a:latin typeface="HY헤드라인M" panose="02030600000101010101" pitchFamily="18" charset="-127"/>
+                <a:ea typeface="HY헤드라인M" panose="02030600000101010101" pitchFamily="18" charset="-127"/>
+              </a:rPr>
+              <a:t>컨셉</a:t>
+            </a:r>
+            <a:endParaRPr lang="ko-KR" altLang="en-US" sz="2000" dirty="0">
               <a:latin typeface="HY헤드라인M" panose="02030600000101010101" pitchFamily="18" charset="-127"/>
               <a:ea typeface="HY헤드라인M" panose="02030600000101010101" pitchFamily="18" charset="-127"/>
             </a:endParaRPr>
           </a:p>
-          <a:p>
-            <a:r>
-              <a:rPr lang="en-US" altLang="ko-KR" sz="3200" dirty="0">
-                <a:latin typeface="HY헤드라인M" panose="02030600000101010101" pitchFamily="18" charset="-127"/>
-                <a:ea typeface="HY헤드라인M" panose="02030600000101010101" pitchFamily="18" charset="-127"/>
-              </a:rPr>
-              <a:t>(1</a:t>
-            </a:r>
-            <a:r>
-              <a:rPr lang="ko-KR" altLang="en-US" sz="3200" dirty="0">
-                <a:latin typeface="HY헤드라인M" panose="02030600000101010101" pitchFamily="18" charset="-127"/>
-                <a:ea typeface="HY헤드라인M" panose="02030600000101010101" pitchFamily="18" charset="-127"/>
-              </a:rPr>
-              <a:t>인 </a:t>
-            </a:r>
-            <a:r>
-              <a:rPr lang="ko-KR" altLang="en-US" sz="3200" dirty="0" err="1">
-                <a:latin typeface="HY헤드라인M" panose="02030600000101010101" pitchFamily="18" charset="-127"/>
-                <a:ea typeface="HY헤드라인M" panose="02030600000101010101" pitchFamily="18" charset="-127"/>
-              </a:rPr>
-              <a:t>크리에이터</a:t>
-            </a:r>
-            <a:r>
-              <a:rPr lang="ko-KR" altLang="en-US" sz="3200" dirty="0">
-                <a:latin typeface="HY헤드라인M" panose="02030600000101010101" pitchFamily="18" charset="-127"/>
-                <a:ea typeface="HY헤드라인M" panose="02030600000101010101" pitchFamily="18" charset="-127"/>
-              </a:rPr>
-              <a:t> 방송 연관 사진</a:t>
-            </a:r>
-            <a:r>
-              <a:rPr lang="en-US" altLang="ko-KR" sz="3200" dirty="0">
-                <a:latin typeface="HY헤드라인M" panose="02030600000101010101" pitchFamily="18" charset="-127"/>
-                <a:ea typeface="HY헤드라인M" panose="02030600000101010101" pitchFamily="18" charset="-127"/>
-              </a:rPr>
-              <a:t>)</a:t>
-            </a:r>
-          </a:p>
-          <a:p>
-            <a:endParaRPr lang="en-US" altLang="ko-KR" sz="3200" dirty="0">
+        </p:txBody>
+      </p:sp>
+      <p:sp>
+        <p:nvSpPr>
+          <p:cNvPr id="14" name="TextBox 13"/>
+          <p:cNvSpPr txBox="1"/>
+          <p:nvPr/>
+        </p:nvSpPr>
+        <p:spPr>
+          <a:xfrm>
+            <a:off x="8212777" y="924164"/>
+            <a:ext cx="1039067" cy="400110"/>
+          </a:xfrm>
+          <a:prstGeom prst="rect">
+            <a:avLst/>
+          </a:prstGeom>
+          <a:noFill/>
+        </p:spPr>
+        <p:txBody>
+          <a:bodyPr wrap="none" rtlCol="0">
+            <a:spAutoFit/>
+          </a:bodyPr>
+          <a:lstStyle/>
+          <a:p>
+            <a:r>
+              <a:rPr lang="ko-KR" altLang="en-US" sz="2000" dirty="0" err="1" smtClean="0">
+                <a:latin typeface="HY헤드라인M" panose="02030600000101010101" pitchFamily="18" charset="-127"/>
+                <a:ea typeface="HY헤드라인M" panose="02030600000101010101" pitchFamily="18" charset="-127"/>
+              </a:rPr>
+              <a:t>맵</a:t>
+            </a:r>
+            <a:r>
+              <a:rPr lang="ko-KR" altLang="en-US" sz="2000" dirty="0" smtClean="0">
+                <a:latin typeface="HY헤드라인M" panose="02030600000101010101" pitchFamily="18" charset="-127"/>
+                <a:ea typeface="HY헤드라인M" panose="02030600000101010101" pitchFamily="18" charset="-127"/>
+              </a:rPr>
+              <a:t> </a:t>
+            </a:r>
+            <a:r>
+              <a:rPr lang="ko-KR" altLang="en-US" sz="2000" dirty="0" err="1" smtClean="0">
+                <a:latin typeface="HY헤드라인M" panose="02030600000101010101" pitchFamily="18" charset="-127"/>
+                <a:ea typeface="HY헤드라인M" panose="02030600000101010101" pitchFamily="18" charset="-127"/>
+              </a:rPr>
+              <a:t>컨셉</a:t>
+            </a:r>
+            <a:endParaRPr lang="ko-KR" altLang="en-US" sz="2000" dirty="0">
               <a:latin typeface="HY헤드라인M" panose="02030600000101010101" pitchFamily="18" charset="-127"/>
               <a:ea typeface="HY헤드라인M" panose="02030600000101010101" pitchFamily="18" charset="-127"/>
             </a:endParaRPr>
           </a:p>
-          <a:p>
-            <a:endParaRPr lang="ko-KR" altLang="en-US" sz="3200" dirty="0">
-              <a:latin typeface="HY헤드라인M" panose="02030600000101010101" pitchFamily="18" charset="-127"/>
-              <a:ea typeface="HY헤드라인M" panose="02030600000101010101" pitchFamily="18" charset="-127"/>
-            </a:endParaRPr>
-          </a:p>
-        </p:txBody>
-      </p:sp>
+        </p:txBody>
+      </p:sp>
+      <p:pic>
+        <p:nvPicPr>
+          <p:cNvPr id="15" name="그림 14"/>
+          <p:cNvPicPr>
+            <a:picLocks noChangeAspect="1"/>
+          </p:cNvPicPr>
+          <p:nvPr/>
+        </p:nvPicPr>
+        <p:blipFill>
+          <a:blip r:embed="rId6">
+            <a:extLst>
+              <a:ext uri="{28A0092B-C50C-407E-A947-70E740481C1C}">
+                <a14:useLocalDpi xmlns:a14="http://schemas.microsoft.com/office/drawing/2010/main" val="0"/>
+              </a:ext>
+            </a:extLst>
+          </a:blip>
+          <a:stretch>
+            <a:fillRect/>
+          </a:stretch>
+        </p:blipFill>
+        <p:spPr>
+          <a:xfrm>
+            <a:off x="5760008" y="1887301"/>
+            <a:ext cx="5944604" cy="4083998"/>
+          </a:xfrm>
+          <a:prstGeom prst="rect">
+            <a:avLst/>
+          </a:prstGeom>
+          <a:ln w="38100" cap="sq">
+            <a:solidFill>
+              <a:srgbClr val="000000"/>
+            </a:solidFill>
+            <a:prstDash val="solid"/>
+            <a:miter lim="800000"/>
+          </a:ln>
+          <a:effectLst>
+            <a:outerShdw blurRad="50800" dist="38100" dir="2700000" algn="tl" rotWithShape="0">
+              <a:srgbClr val="000000">
+                <a:alpha val="43000"/>
+              </a:srgbClr>
+            </a:outerShdw>
+          </a:effectLst>
+        </p:spPr>
+      </p:pic>
     </p:spTree>
     <p:extLst>
       <p:ext uri="{BB962C8B-B14F-4D97-AF65-F5344CB8AC3E}">
-        <p14:creationId xmlns:p14="http://schemas.microsoft.com/office/powerpoint/2010/main" val="1869839230"/>
+        <p14:creationId xmlns:p14="http://schemas.microsoft.com/office/powerpoint/2010/main" val="1470767982"/>
       </p:ext>
     </p:extLst>
   </p:cSld>
@@ -4894,7 +5179,7 @@
           <a:bodyPr wrap="square" lIns="0" tIns="0" rIns="0" bIns="0" rtlCol="0"/>
           <a:lstStyle/>
           <a:p>
-            <a:endParaRPr/>
+            <a:endParaRPr dirty="0"/>
           </a:p>
         </p:txBody>
       </p:sp>
@@ -4907,7 +5192,7 @@
         <p:spPr>
           <a:xfrm>
             <a:off x="180303" y="129241"/>
-            <a:ext cx="4924746" cy="707886"/>
+            <a:ext cx="4770858" cy="707886"/>
           </a:xfrm>
           <a:prstGeom prst="rect">
             <a:avLst/>
@@ -4925,33 +5210,209 @@
                 <a:latin typeface="타이포_쌍문동 B" panose="02020803020101020101" pitchFamily="18" charset="-127"/>
                 <a:ea typeface="타이포_쌍문동 B" panose="02020803020101020101" pitchFamily="18" charset="-127"/>
               </a:rPr>
-              <a:t>3. </a:t>
+              <a:t>2. </a:t>
             </a:r>
             <a:r>
               <a:rPr lang="ko-KR" altLang="en-US" sz="4000" dirty="0">
                 <a:latin typeface="타이포_쌍문동 B" panose="02020803020101020101" pitchFamily="18" charset="-127"/>
                 <a:ea typeface="타이포_쌍문동 B" panose="02020803020101020101" pitchFamily="18" charset="-127"/>
               </a:rPr>
-              <a:t>구현 환경 및 기술</a:t>
-            </a:r>
-          </a:p>
-        </p:txBody>
-      </p:sp>
-      <p:sp>
-        <p:nvSpPr>
-          <p:cNvPr id="6" name="TextBox 5"/>
-          <p:cNvSpPr txBox="1"/>
+              <a:t>게임소개 및 특징</a:t>
+            </a:r>
+          </a:p>
+        </p:txBody>
+      </p:sp>
+      <p:pic>
+        <p:nvPicPr>
+          <p:cNvPr id="2" name="그림 1"/>
+          <p:cNvPicPr>
+            <a:picLocks noChangeAspect="1"/>
+          </p:cNvPicPr>
           <p:nvPr/>
-        </p:nvSpPr>
+        </p:nvPicPr>
+        <p:blipFill rotWithShape="1">
+          <a:blip r:embed="rId2"/>
+          <a:srcRect l="21115"/>
+          <a:stretch/>
+        </p:blipFill>
         <p:spPr>
           <a:xfrm>
-            <a:off x="669701" y="1338853"/>
-            <a:ext cx="5136342" cy="3539430"/>
+            <a:off x="180303" y="1400728"/>
+            <a:ext cx="6834010" cy="4873072"/>
+          </a:xfrm>
+          <a:prstGeom prst="rect">
+            <a:avLst/>
+          </a:prstGeom>
+        </p:spPr>
+      </p:pic>
+      <p:sp>
+        <p:nvSpPr>
+          <p:cNvPr id="3" name="직사각형 2"/>
+          <p:cNvSpPr/>
+          <p:nvPr/>
+        </p:nvSpPr>
+        <p:spPr>
+          <a:xfrm>
+            <a:off x="5095203" y="3911600"/>
+            <a:ext cx="1919110" cy="1409700"/>
           </a:xfrm>
           <a:prstGeom prst="rect">
             <a:avLst/>
           </a:prstGeom>
           <a:noFill/>
+          <a:ln w="57150">
+            <a:solidFill>
+              <a:srgbClr val="FF0000"/>
+            </a:solidFill>
+          </a:ln>
+        </p:spPr>
+        <p:style>
+          <a:lnRef idx="2">
+            <a:schemeClr val="accent1">
+              <a:shade val="50000"/>
+            </a:schemeClr>
+          </a:lnRef>
+          <a:fillRef idx="1">
+            <a:schemeClr val="accent1"/>
+          </a:fillRef>
+          <a:effectRef idx="0">
+            <a:schemeClr val="accent1"/>
+          </a:effectRef>
+          <a:fontRef idx="minor">
+            <a:schemeClr val="lt1"/>
+          </a:fontRef>
+        </p:style>
+        <p:txBody>
+          <a:bodyPr rtlCol="0" anchor="ctr"/>
+          <a:lstStyle/>
+          <a:p>
+            <a:pPr algn="ctr"/>
+            <a:endParaRPr lang="ko-KR" altLang="en-US"/>
+          </a:p>
+        </p:txBody>
+      </p:sp>
+      <p:pic>
+        <p:nvPicPr>
+          <p:cNvPr id="8" name="그림 7"/>
+          <p:cNvPicPr>
+            <a:picLocks noChangeAspect="1"/>
+          </p:cNvPicPr>
+          <p:nvPr/>
+        </p:nvPicPr>
+        <p:blipFill>
+          <a:blip r:embed="rId3">
+            <a:extLst>
+              <a:ext uri="{28A0092B-C50C-407E-A947-70E740481C1C}">
+                <a14:useLocalDpi xmlns:a14="http://schemas.microsoft.com/office/drawing/2010/main" val="0"/>
+              </a:ext>
+            </a:extLst>
+          </a:blip>
+          <a:stretch>
+            <a:fillRect/>
+          </a:stretch>
+        </p:blipFill>
+        <p:spPr>
+          <a:xfrm>
+            <a:off x="3950898" y="1518862"/>
+            <a:ext cx="2899513" cy="2046003"/>
+          </a:xfrm>
+          <a:prstGeom prst="rect">
+            <a:avLst/>
+          </a:prstGeom>
+          <a:ln w="57150">
+            <a:solidFill>
+              <a:srgbClr val="FF0000"/>
+            </a:solidFill>
+          </a:ln>
+        </p:spPr>
+      </p:pic>
+      <p:cxnSp>
+        <p:nvCxnSpPr>
+          <p:cNvPr id="10" name="직선 화살표 연결선 9"/>
+          <p:cNvCxnSpPr/>
+          <p:nvPr/>
+        </p:nvCxnSpPr>
+        <p:spPr>
+          <a:xfrm flipH="1">
+            <a:off x="7206332" y="2135464"/>
+            <a:ext cx="415186" cy="0"/>
+          </a:xfrm>
+          <a:prstGeom prst="straightConnector1">
+            <a:avLst/>
+          </a:prstGeom>
+          <a:ln>
+            <a:solidFill>
+              <a:schemeClr val="tx1"/>
+            </a:solidFill>
+            <a:tailEnd type="triangle"/>
+          </a:ln>
+        </p:spPr>
+        <p:style>
+          <a:lnRef idx="1">
+            <a:schemeClr val="accent1"/>
+          </a:lnRef>
+          <a:fillRef idx="0">
+            <a:schemeClr val="accent1"/>
+          </a:fillRef>
+          <a:effectRef idx="0">
+            <a:schemeClr val="accent1"/>
+          </a:effectRef>
+          <a:fontRef idx="minor">
+            <a:schemeClr val="tx1"/>
+          </a:fontRef>
+        </p:style>
+      </p:cxnSp>
+      <p:cxnSp>
+        <p:nvCxnSpPr>
+          <p:cNvPr id="13" name="직선 화살표 연결선 12"/>
+          <p:cNvCxnSpPr/>
+          <p:nvPr/>
+        </p:nvCxnSpPr>
+        <p:spPr>
+          <a:xfrm flipH="1">
+            <a:off x="7172146" y="4491314"/>
+            <a:ext cx="415186" cy="0"/>
+          </a:xfrm>
+          <a:prstGeom prst="straightConnector1">
+            <a:avLst/>
+          </a:prstGeom>
+          <a:ln>
+            <a:solidFill>
+              <a:schemeClr val="tx1"/>
+            </a:solidFill>
+            <a:tailEnd type="triangle"/>
+          </a:ln>
+        </p:spPr>
+        <p:style>
+          <a:lnRef idx="1">
+            <a:schemeClr val="accent1"/>
+          </a:lnRef>
+          <a:fillRef idx="0">
+            <a:schemeClr val="accent1"/>
+          </a:fillRef>
+          <a:effectRef idx="0">
+            <a:schemeClr val="accent1"/>
+          </a:effectRef>
+          <a:fontRef idx="minor">
+            <a:schemeClr val="tx1"/>
+          </a:fontRef>
+        </p:style>
+      </p:cxnSp>
+      <p:sp>
+        <p:nvSpPr>
+          <p:cNvPr id="14" name="TextBox 13"/>
+          <p:cNvSpPr txBox="1"/>
+          <p:nvPr/>
+        </p:nvSpPr>
+        <p:spPr>
+          <a:xfrm>
+            <a:off x="7621518" y="1941698"/>
+            <a:ext cx="4570482" cy="1200329"/>
+          </a:xfrm>
+          <a:prstGeom prst="rect">
+            <a:avLst/>
+          </a:prstGeom>
+          <a:noFill/>
         </p:spPr>
         <p:txBody>
           <a:bodyPr wrap="none" rtlCol="0">
@@ -4959,150 +5420,200 @@
           </a:bodyPr>
           <a:lstStyle/>
           <a:p>
-            <a:pPr marL="457200" indent="-457200">
-              <a:buFont typeface="Arial" panose="020B0604020202020204" pitchFamily="34" charset="0"/>
-              <a:buChar char="•"/>
-            </a:pPr>
-            <a:r>
-              <a:rPr lang="en-US" altLang="ko-KR" sz="3200" dirty="0">
-                <a:latin typeface="HY헤드라인M" panose="02030600000101010101" pitchFamily="18" charset="-127"/>
-                <a:ea typeface="HY헤드라인M" panose="02030600000101010101" pitchFamily="18" charset="-127"/>
-              </a:rPr>
-              <a:t>Visual Studio 2017 C++</a:t>
-            </a:r>
-          </a:p>
-          <a:p>
-            <a:pPr marL="457200" indent="-457200">
-              <a:buFont typeface="Arial" panose="020B0604020202020204" pitchFamily="34" charset="0"/>
-              <a:buChar char="•"/>
-            </a:pPr>
-            <a:r>
-              <a:rPr lang="en-US" altLang="ko-KR" sz="3200" dirty="0">
-                <a:latin typeface="HY헤드라인M" panose="02030600000101010101" pitchFamily="18" charset="-127"/>
-                <a:ea typeface="HY헤드라인M" panose="02030600000101010101" pitchFamily="18" charset="-127"/>
-              </a:rPr>
-              <a:t>DirectX 12 S</a:t>
-            </a:r>
-            <a:r>
-              <a:rPr lang="ko-KR" altLang="en-US" sz="3200" dirty="0">
-                <a:latin typeface="HY헤드라인M" panose="02030600000101010101" pitchFamily="18" charset="-127"/>
-                <a:ea typeface="HY헤드라인M" panose="02030600000101010101" pitchFamily="18" charset="-127"/>
-              </a:rPr>
-              <a:t>아</a:t>
-            </a:r>
-            <a:endParaRPr lang="en-US" altLang="ko-KR" sz="3200" dirty="0">
+            <a:r>
+              <a:rPr lang="en-US" altLang="ko-KR" dirty="0" smtClean="0">
+                <a:latin typeface="HY헤드라인M" panose="02030600000101010101" pitchFamily="18" charset="-127"/>
+                <a:ea typeface="HY헤드라인M" panose="02030600000101010101" pitchFamily="18" charset="-127"/>
+              </a:rPr>
+              <a:t>Donation (</a:t>
+            </a:r>
+            <a:r>
+              <a:rPr lang="ko-KR" altLang="en-US" dirty="0" smtClean="0">
+                <a:latin typeface="HY헤드라인M" panose="02030600000101010101" pitchFamily="18" charset="-127"/>
+                <a:ea typeface="HY헤드라인M" panose="02030600000101010101" pitchFamily="18" charset="-127"/>
+              </a:rPr>
+              <a:t>후원</a:t>
+            </a:r>
+            <a:r>
+              <a:rPr lang="en-US" altLang="ko-KR" dirty="0" smtClean="0">
+                <a:latin typeface="HY헤드라인M" panose="02030600000101010101" pitchFamily="18" charset="-127"/>
+                <a:ea typeface="HY헤드라인M" panose="02030600000101010101" pitchFamily="18" charset="-127"/>
+              </a:rPr>
+              <a:t>) : </a:t>
+            </a:r>
+          </a:p>
+          <a:p>
+            <a:endParaRPr lang="en-US" altLang="ko-KR" dirty="0" smtClean="0">
               <a:latin typeface="HY헤드라인M" panose="02030600000101010101" pitchFamily="18" charset="-127"/>
               <a:ea typeface="HY헤드라인M" panose="02030600000101010101" pitchFamily="18" charset="-127"/>
             </a:endParaRPr>
           </a:p>
           <a:p>
-            <a:pPr marL="457200" indent="-457200">
-              <a:buFont typeface="Arial" panose="020B0604020202020204" pitchFamily="34" charset="0"/>
-              <a:buChar char="•"/>
-            </a:pPr>
-            <a:r>
-              <a:rPr lang="en-US" altLang="ko-KR" sz="3200" dirty="0">
-                <a:latin typeface="HY헤드라인M" panose="02030600000101010101" pitchFamily="18" charset="-127"/>
-                <a:ea typeface="HY헤드라인M" panose="02030600000101010101" pitchFamily="18" charset="-127"/>
-              </a:rPr>
-              <a:t>IOCP</a:t>
-            </a:r>
-          </a:p>
-          <a:p>
-            <a:pPr marL="457200" indent="-457200">
-              <a:buFont typeface="Arial" panose="020B0604020202020204" pitchFamily="34" charset="0"/>
-              <a:buChar char="•"/>
-            </a:pPr>
-            <a:r>
-              <a:rPr lang="ko-KR" altLang="en-US" sz="3200" dirty="0" err="1">
+            <a:r>
+              <a:rPr lang="ko-KR" altLang="en-US" dirty="0" smtClean="0">
+                <a:latin typeface="HY헤드라인M" panose="02030600000101010101" pitchFamily="18" charset="-127"/>
+                <a:ea typeface="HY헤드라인M" panose="02030600000101010101" pitchFamily="18" charset="-127"/>
+              </a:rPr>
+              <a:t>시청자들이 </a:t>
+            </a:r>
+            <a:r>
+              <a:rPr lang="ko-KR" altLang="en-US" dirty="0" err="1" smtClean="0">
+                <a:latin typeface="HY헤드라인M" panose="02030600000101010101" pitchFamily="18" charset="-127"/>
+                <a:ea typeface="HY헤드라인M" panose="02030600000101010101" pitchFamily="18" charset="-127"/>
+              </a:rPr>
+              <a:t>스트리머에게</a:t>
+            </a:r>
+            <a:r>
+              <a:rPr lang="ko-KR" altLang="en-US" dirty="0" smtClean="0">
+                <a:latin typeface="HY헤드라인M" panose="02030600000101010101" pitchFamily="18" charset="-127"/>
+                <a:ea typeface="HY헤드라인M" panose="02030600000101010101" pitchFamily="18" charset="-127"/>
+              </a:rPr>
+              <a:t> 후원을 </a:t>
+            </a:r>
+            <a:r>
+              <a:rPr lang="ko-KR" altLang="en-US" dirty="0" err="1" smtClean="0">
+                <a:latin typeface="HY헤드라인M" panose="02030600000101010101" pitchFamily="18" charset="-127"/>
+                <a:ea typeface="HY헤드라인M" panose="02030600000101010101" pitchFamily="18" charset="-127"/>
+              </a:rPr>
+              <a:t>하였을때</a:t>
+            </a:r>
+            <a:r>
+              <a:rPr lang="en-US" altLang="ko-KR" dirty="0" smtClean="0">
+                <a:latin typeface="HY헤드라인M" panose="02030600000101010101" pitchFamily="18" charset="-127"/>
+                <a:ea typeface="HY헤드라인M" panose="02030600000101010101" pitchFamily="18" charset="-127"/>
+              </a:rPr>
+              <a:t/>
+            </a:r>
+            <a:br>
+              <a:rPr lang="en-US" altLang="ko-KR" dirty="0" smtClean="0">
+                <a:latin typeface="HY헤드라인M" panose="02030600000101010101" pitchFamily="18" charset="-127"/>
+                <a:ea typeface="HY헤드라인M" panose="02030600000101010101" pitchFamily="18" charset="-127"/>
+              </a:rPr>
+            </a:br>
+            <a:r>
+              <a:rPr lang="ko-KR" altLang="en-US" dirty="0" err="1" smtClean="0">
+                <a:latin typeface="HY헤드라인M" panose="02030600000101010101" pitchFamily="18" charset="-127"/>
+                <a:ea typeface="HY헤드라인M" panose="02030600000101010101" pitchFamily="18" charset="-127"/>
+              </a:rPr>
+              <a:t>게임내</a:t>
+            </a:r>
+            <a:r>
+              <a:rPr lang="ko-KR" altLang="en-US" dirty="0" smtClean="0">
+                <a:latin typeface="HY헤드라인M" panose="02030600000101010101" pitchFamily="18" charset="-127"/>
+                <a:ea typeface="HY헤드라인M" panose="02030600000101010101" pitchFamily="18" charset="-127"/>
+              </a:rPr>
+              <a:t> 코인이 올라 상품을 살 수 있다</a:t>
+            </a:r>
+            <a:r>
+              <a:rPr lang="en-US" altLang="ko-KR" dirty="0" smtClean="0">
+                <a:latin typeface="HY헤드라인M" panose="02030600000101010101" pitchFamily="18" charset="-127"/>
+                <a:ea typeface="HY헤드라인M" panose="02030600000101010101" pitchFamily="18" charset="-127"/>
+              </a:rPr>
+              <a:t>.</a:t>
+            </a:r>
+          </a:p>
+        </p:txBody>
+      </p:sp>
+      <p:sp>
+        <p:nvSpPr>
+          <p:cNvPr id="15" name="TextBox 14"/>
+          <p:cNvSpPr txBox="1"/>
+          <p:nvPr/>
+        </p:nvSpPr>
+        <p:spPr>
+          <a:xfrm>
+            <a:off x="7698462" y="4306648"/>
+            <a:ext cx="4416594" cy="1200329"/>
+          </a:xfrm>
+          <a:prstGeom prst="rect">
+            <a:avLst/>
+          </a:prstGeom>
+          <a:noFill/>
+        </p:spPr>
+        <p:txBody>
+          <a:bodyPr wrap="none" rtlCol="0">
+            <a:spAutoFit/>
+          </a:bodyPr>
+          <a:lstStyle/>
+          <a:p>
+            <a:r>
+              <a:rPr lang="ko-KR" altLang="en-US" dirty="0" err="1" smtClean="0">
                 <a:latin typeface="HY헤드라인M" panose="02030600000101010101" pitchFamily="18" charset="-127"/>
                 <a:ea typeface="HY헤드라인M" panose="02030600000101010101" pitchFamily="18" charset="-127"/>
               </a:rPr>
               <a:t>트위치</a:t>
             </a:r>
             <a:r>
-              <a:rPr lang="ko-KR" altLang="en-US" sz="3200" dirty="0">
-                <a:latin typeface="HY헤드라인M" panose="02030600000101010101" pitchFamily="18" charset="-127"/>
-                <a:ea typeface="HY헤드라인M" panose="02030600000101010101" pitchFamily="18" charset="-127"/>
-              </a:rPr>
-              <a:t> 방송 </a:t>
-            </a:r>
-            <a:r>
-              <a:rPr lang="ko-KR" altLang="en-US" sz="3200" dirty="0" err="1">
-                <a:latin typeface="HY헤드라인M" panose="02030600000101010101" pitchFamily="18" charset="-127"/>
-                <a:ea typeface="HY헤드라인M" panose="02030600000101010101" pitchFamily="18" charset="-127"/>
-              </a:rPr>
-              <a:t>플렛폼</a:t>
-            </a:r>
-            <a:r>
-              <a:rPr lang="ko-KR" altLang="en-US" sz="3200" dirty="0">
-                <a:latin typeface="HY헤드라인M" panose="02030600000101010101" pitchFamily="18" charset="-127"/>
-                <a:ea typeface="HY헤드라인M" panose="02030600000101010101" pitchFamily="18" charset="-127"/>
-              </a:rPr>
-              <a:t> </a:t>
-            </a:r>
-            <a:r>
-              <a:rPr lang="en-US" altLang="ko-KR" sz="3200" dirty="0">
-                <a:latin typeface="HY헤드라인M" panose="02030600000101010101" pitchFamily="18" charset="-127"/>
-                <a:ea typeface="HY헤드라인M" panose="02030600000101010101" pitchFamily="18" charset="-127"/>
-              </a:rPr>
-              <a:t>API</a:t>
-            </a:r>
-          </a:p>
-          <a:p>
-            <a:pPr marL="457200" indent="-457200">
-              <a:buFont typeface="Arial" panose="020B0604020202020204" pitchFamily="34" charset="0"/>
-              <a:buChar char="•"/>
-            </a:pPr>
-            <a:r>
-              <a:rPr lang="en-US" altLang="ko-KR" sz="3200" dirty="0">
-                <a:latin typeface="HY헤드라인M" panose="02030600000101010101" pitchFamily="18" charset="-127"/>
-                <a:ea typeface="HY헤드라인M" panose="02030600000101010101" pitchFamily="18" charset="-127"/>
-              </a:rPr>
-              <a:t>FBX S</a:t>
-            </a:r>
-            <a:r>
-              <a:rPr lang="ko-KR" altLang="en-US" sz="3200" dirty="0">
-                <a:latin typeface="HY헤드라인M" panose="02030600000101010101" pitchFamily="18" charset="-127"/>
-                <a:ea typeface="HY헤드라인M" panose="02030600000101010101" pitchFamily="18" charset="-127"/>
-              </a:rPr>
-              <a:t>아</a:t>
-            </a:r>
-            <a:endParaRPr lang="en-US" altLang="ko-KR" sz="3200" dirty="0">
+              <a:rPr lang="ko-KR" altLang="en-US" dirty="0" smtClean="0">
+                <a:latin typeface="HY헤드라인M" panose="02030600000101010101" pitchFamily="18" charset="-127"/>
+                <a:ea typeface="HY헤드라인M" panose="02030600000101010101" pitchFamily="18" charset="-127"/>
+              </a:rPr>
+              <a:t> 채팅 </a:t>
+            </a:r>
+            <a:r>
+              <a:rPr lang="en-US" altLang="ko-KR" dirty="0" smtClean="0">
+                <a:latin typeface="HY헤드라인M" panose="02030600000101010101" pitchFamily="18" charset="-127"/>
+                <a:ea typeface="HY헤드라인M" panose="02030600000101010101" pitchFamily="18" charset="-127"/>
+              </a:rPr>
+              <a:t>:</a:t>
+            </a:r>
+          </a:p>
+          <a:p>
+            <a:endParaRPr lang="en-US" altLang="ko-KR" dirty="0" smtClean="0">
               <a:latin typeface="HY헤드라인M" panose="02030600000101010101" pitchFamily="18" charset="-127"/>
               <a:ea typeface="HY헤드라인M" panose="02030600000101010101" pitchFamily="18" charset="-127"/>
             </a:endParaRPr>
           </a:p>
           <a:p>
-            <a:pPr marL="457200" indent="-457200">
-              <a:buFont typeface="Arial" panose="020B0604020202020204" pitchFamily="34" charset="0"/>
-              <a:buChar char="•"/>
-            </a:pPr>
-            <a:r>
-              <a:rPr lang="en-US" altLang="ko-KR" sz="3200" dirty="0" err="1">
-                <a:latin typeface="HY헤드라인M" panose="02030600000101010101" pitchFamily="18" charset="-127"/>
-                <a:ea typeface="HY헤드라인M" panose="02030600000101010101" pitchFamily="18" charset="-127"/>
-              </a:rPr>
-              <a:t>PhotoShop</a:t>
-            </a:r>
-            <a:endParaRPr lang="en-US" altLang="ko-KR" sz="3200" dirty="0">
+            <a:r>
+              <a:rPr lang="ko-KR" altLang="en-US" dirty="0" smtClean="0">
+                <a:latin typeface="HY헤드라인M" panose="02030600000101010101" pitchFamily="18" charset="-127"/>
+                <a:ea typeface="HY헤드라인M" panose="02030600000101010101" pitchFamily="18" charset="-127"/>
+              </a:rPr>
+              <a:t>실시간 채팅을 </a:t>
+            </a:r>
+            <a:r>
+              <a:rPr lang="ko-KR" altLang="en-US" dirty="0" err="1" smtClean="0">
+                <a:latin typeface="HY헤드라인M" panose="02030600000101010101" pitchFamily="18" charset="-127"/>
+                <a:ea typeface="HY헤드라인M" panose="02030600000101010101" pitchFamily="18" charset="-127"/>
+              </a:rPr>
+              <a:t>게임내</a:t>
+            </a:r>
+            <a:r>
+              <a:rPr lang="ko-KR" altLang="en-US" dirty="0" smtClean="0">
+                <a:latin typeface="HY헤드라인M" panose="02030600000101010101" pitchFamily="18" charset="-127"/>
+                <a:ea typeface="HY헤드라인M" panose="02030600000101010101" pitchFamily="18" charset="-127"/>
+              </a:rPr>
+              <a:t> 채팅으로 설정하여</a:t>
+            </a:r>
+            <a:endParaRPr lang="en-US" altLang="ko-KR" dirty="0" smtClean="0">
               <a:latin typeface="HY헤드라인M" panose="02030600000101010101" pitchFamily="18" charset="-127"/>
               <a:ea typeface="HY헤드라인M" panose="02030600000101010101" pitchFamily="18" charset="-127"/>
             </a:endParaRPr>
           </a:p>
           <a:p>
-            <a:pPr marL="457200" indent="-457200">
-              <a:buFont typeface="Arial" panose="020B0604020202020204" pitchFamily="34" charset="0"/>
-              <a:buChar char="•"/>
-            </a:pPr>
-            <a:r>
-              <a:rPr lang="ko-KR" altLang="en-US" sz="3200" dirty="0">
-                <a:latin typeface="HY헤드라인M" panose="02030600000101010101" pitchFamily="18" charset="-127"/>
-                <a:ea typeface="HY헤드라인M" panose="02030600000101010101" pitchFamily="18" charset="-127"/>
-              </a:rPr>
-              <a:t>등등</a:t>
-            </a:r>
-            <a:endParaRPr lang="en-US" altLang="ko-KR" sz="3200" dirty="0">
+            <a:r>
+              <a:rPr lang="ko-KR" altLang="en-US" dirty="0" err="1" smtClean="0">
+                <a:latin typeface="HY헤드라인M" panose="02030600000101010101" pitchFamily="18" charset="-127"/>
+                <a:ea typeface="HY헤드라인M" panose="02030600000101010101" pitchFamily="18" charset="-127"/>
+              </a:rPr>
+              <a:t>스트리머와</a:t>
+            </a:r>
+            <a:r>
+              <a:rPr lang="ko-KR" altLang="en-US" dirty="0" smtClean="0">
+                <a:latin typeface="HY헤드라인M" panose="02030600000101010101" pitchFamily="18" charset="-127"/>
+                <a:ea typeface="HY헤드라인M" panose="02030600000101010101" pitchFamily="18" charset="-127"/>
+              </a:rPr>
+              <a:t> 시청자의 실시간 소통</a:t>
+            </a:r>
+            <a:r>
+              <a:rPr lang="en-US" altLang="ko-KR" dirty="0" smtClean="0">
+                <a:latin typeface="HY헤드라인M" panose="02030600000101010101" pitchFamily="18" charset="-127"/>
+                <a:ea typeface="HY헤드라인M" panose="02030600000101010101" pitchFamily="18" charset="-127"/>
+              </a:rPr>
+              <a:t>.</a:t>
+            </a:r>
+            <a:endParaRPr lang="ko-KR" altLang="en-US" dirty="0">
               <a:latin typeface="HY헤드라인M" panose="02030600000101010101" pitchFamily="18" charset="-127"/>
               <a:ea typeface="HY헤드라인M" panose="02030600000101010101" pitchFamily="18" charset="-127"/>
             </a:endParaRPr>
@@ -5112,7 +5623,7 @@
     </p:spTree>
     <p:extLst>
       <p:ext uri="{BB962C8B-B14F-4D97-AF65-F5344CB8AC3E}">
-        <p14:creationId xmlns:p14="http://schemas.microsoft.com/office/powerpoint/2010/main" val="2519324529"/>
+        <p14:creationId xmlns:p14="http://schemas.microsoft.com/office/powerpoint/2010/main" val="1869839230"/>
       </p:ext>
     </p:extLst>
   </p:cSld>
@@ -5198,6 +5709,297 @@
         <p:spPr>
           <a:xfrm>
             <a:off x="180303" y="129241"/>
+            <a:ext cx="4924746" cy="707886"/>
+          </a:xfrm>
+          <a:prstGeom prst="rect">
+            <a:avLst/>
+          </a:prstGeom>
+          <a:noFill/>
+        </p:spPr>
+        <p:txBody>
+          <a:bodyPr wrap="none" rtlCol="0">
+            <a:spAutoFit/>
+          </a:bodyPr>
+          <a:lstStyle/>
+          <a:p>
+            <a:r>
+              <a:rPr lang="en-US" altLang="ko-KR" sz="4000" dirty="0">
+                <a:latin typeface="타이포_쌍문동 B" panose="02020803020101020101" pitchFamily="18" charset="-127"/>
+                <a:ea typeface="타이포_쌍문동 B" panose="02020803020101020101" pitchFamily="18" charset="-127"/>
+              </a:rPr>
+              <a:t>3. </a:t>
+            </a:r>
+            <a:r>
+              <a:rPr lang="ko-KR" altLang="en-US" sz="4000" dirty="0">
+                <a:latin typeface="타이포_쌍문동 B" panose="02020803020101020101" pitchFamily="18" charset="-127"/>
+                <a:ea typeface="타이포_쌍문동 B" panose="02020803020101020101" pitchFamily="18" charset="-127"/>
+              </a:rPr>
+              <a:t>구현 환경 및 기술</a:t>
+            </a:r>
+          </a:p>
+        </p:txBody>
+      </p:sp>
+      <p:sp>
+        <p:nvSpPr>
+          <p:cNvPr id="6" name="TextBox 5"/>
+          <p:cNvSpPr txBox="1"/>
+          <p:nvPr/>
+        </p:nvSpPr>
+        <p:spPr>
+          <a:xfrm>
+            <a:off x="669701" y="1338853"/>
+            <a:ext cx="5136342" cy="3539430"/>
+          </a:xfrm>
+          <a:prstGeom prst="rect">
+            <a:avLst/>
+          </a:prstGeom>
+          <a:noFill/>
+        </p:spPr>
+        <p:txBody>
+          <a:bodyPr wrap="none" rtlCol="0">
+            <a:spAutoFit/>
+          </a:bodyPr>
+          <a:lstStyle/>
+          <a:p>
+            <a:pPr marL="457200" indent="-457200">
+              <a:buFont typeface="Arial" panose="020B0604020202020204" pitchFamily="34" charset="0"/>
+              <a:buChar char="•"/>
+            </a:pPr>
+            <a:r>
+              <a:rPr lang="en-US" altLang="ko-KR" sz="3200" dirty="0">
+                <a:latin typeface="HY헤드라인M" panose="02030600000101010101" pitchFamily="18" charset="-127"/>
+                <a:ea typeface="HY헤드라인M" panose="02030600000101010101" pitchFamily="18" charset="-127"/>
+              </a:rPr>
+              <a:t>Visual Studio 2017 C++</a:t>
+            </a:r>
+          </a:p>
+          <a:p>
+            <a:pPr marL="457200" indent="-457200">
+              <a:buFont typeface="Arial" panose="020B0604020202020204" pitchFamily="34" charset="0"/>
+              <a:buChar char="•"/>
+            </a:pPr>
+            <a:r>
+              <a:rPr lang="en-US" altLang="ko-KR" sz="3200" dirty="0">
+                <a:latin typeface="HY헤드라인M" panose="02030600000101010101" pitchFamily="18" charset="-127"/>
+                <a:ea typeface="HY헤드라인M" panose="02030600000101010101" pitchFamily="18" charset="-127"/>
+              </a:rPr>
+              <a:t>DirectX 12 </a:t>
+            </a:r>
+            <a:r>
+              <a:rPr lang="en-US" altLang="ko-KR" sz="3200" dirty="0" err="1" smtClean="0">
+                <a:latin typeface="HY헤드라인M" panose="02030600000101010101" pitchFamily="18" charset="-127"/>
+                <a:ea typeface="HY헤드라인M" panose="02030600000101010101" pitchFamily="18" charset="-127"/>
+              </a:rPr>
+              <a:t>sdk</a:t>
+            </a:r>
+            <a:endParaRPr lang="en-US" altLang="ko-KR" sz="3200" dirty="0">
+              <a:latin typeface="HY헤드라인M" panose="02030600000101010101" pitchFamily="18" charset="-127"/>
+              <a:ea typeface="HY헤드라인M" panose="02030600000101010101" pitchFamily="18" charset="-127"/>
+            </a:endParaRPr>
+          </a:p>
+          <a:p>
+            <a:pPr marL="457200" indent="-457200">
+              <a:buFont typeface="Arial" panose="020B0604020202020204" pitchFamily="34" charset="0"/>
+              <a:buChar char="•"/>
+            </a:pPr>
+            <a:r>
+              <a:rPr lang="en-US" altLang="ko-KR" sz="3200" dirty="0">
+                <a:latin typeface="HY헤드라인M" panose="02030600000101010101" pitchFamily="18" charset="-127"/>
+                <a:ea typeface="HY헤드라인M" panose="02030600000101010101" pitchFamily="18" charset="-127"/>
+              </a:rPr>
+              <a:t>IOCP</a:t>
+            </a:r>
+          </a:p>
+          <a:p>
+            <a:pPr marL="457200" indent="-457200">
+              <a:buFont typeface="Arial" panose="020B0604020202020204" pitchFamily="34" charset="0"/>
+              <a:buChar char="•"/>
+            </a:pPr>
+            <a:r>
+              <a:rPr lang="ko-KR" altLang="en-US" sz="3200" dirty="0" err="1">
+                <a:latin typeface="HY헤드라인M" panose="02030600000101010101" pitchFamily="18" charset="-127"/>
+                <a:ea typeface="HY헤드라인M" panose="02030600000101010101" pitchFamily="18" charset="-127"/>
+              </a:rPr>
+              <a:t>트위치</a:t>
+            </a:r>
+            <a:r>
+              <a:rPr lang="ko-KR" altLang="en-US" sz="3200" dirty="0">
+                <a:latin typeface="HY헤드라인M" panose="02030600000101010101" pitchFamily="18" charset="-127"/>
+                <a:ea typeface="HY헤드라인M" panose="02030600000101010101" pitchFamily="18" charset="-127"/>
+              </a:rPr>
+              <a:t> 방송 </a:t>
+            </a:r>
+            <a:r>
+              <a:rPr lang="ko-KR" altLang="en-US" sz="3200" dirty="0" err="1">
+                <a:latin typeface="HY헤드라인M" panose="02030600000101010101" pitchFamily="18" charset="-127"/>
+                <a:ea typeface="HY헤드라인M" panose="02030600000101010101" pitchFamily="18" charset="-127"/>
+              </a:rPr>
+              <a:t>플렛폼</a:t>
+            </a:r>
+            <a:r>
+              <a:rPr lang="ko-KR" altLang="en-US" sz="3200" dirty="0">
+                <a:latin typeface="HY헤드라인M" panose="02030600000101010101" pitchFamily="18" charset="-127"/>
+                <a:ea typeface="HY헤드라인M" panose="02030600000101010101" pitchFamily="18" charset="-127"/>
+              </a:rPr>
+              <a:t> </a:t>
+            </a:r>
+            <a:r>
+              <a:rPr lang="en-US" altLang="ko-KR" sz="3200" dirty="0">
+                <a:latin typeface="HY헤드라인M" panose="02030600000101010101" pitchFamily="18" charset="-127"/>
+                <a:ea typeface="HY헤드라인M" panose="02030600000101010101" pitchFamily="18" charset="-127"/>
+              </a:rPr>
+              <a:t>API</a:t>
+            </a:r>
+          </a:p>
+          <a:p>
+            <a:pPr marL="457200" indent="-457200">
+              <a:buFont typeface="Arial" panose="020B0604020202020204" pitchFamily="34" charset="0"/>
+              <a:buChar char="•"/>
+            </a:pPr>
+            <a:r>
+              <a:rPr lang="en-US" altLang="ko-KR" sz="3200" dirty="0">
+                <a:latin typeface="HY헤드라인M" panose="02030600000101010101" pitchFamily="18" charset="-127"/>
+                <a:ea typeface="HY헤드라인M" panose="02030600000101010101" pitchFamily="18" charset="-127"/>
+              </a:rPr>
+              <a:t>FBX </a:t>
+            </a:r>
+            <a:r>
+              <a:rPr lang="en-US" altLang="ko-KR" sz="3200" dirty="0" err="1" smtClean="0">
+                <a:latin typeface="HY헤드라인M" panose="02030600000101010101" pitchFamily="18" charset="-127"/>
+                <a:ea typeface="HY헤드라인M" panose="02030600000101010101" pitchFamily="18" charset="-127"/>
+              </a:rPr>
+              <a:t>sdk</a:t>
+            </a:r>
+            <a:endParaRPr lang="en-US" altLang="ko-KR" sz="3200" dirty="0">
+              <a:latin typeface="HY헤드라인M" panose="02030600000101010101" pitchFamily="18" charset="-127"/>
+              <a:ea typeface="HY헤드라인M" panose="02030600000101010101" pitchFamily="18" charset="-127"/>
+            </a:endParaRPr>
+          </a:p>
+          <a:p>
+            <a:pPr marL="457200" indent="-457200">
+              <a:buFont typeface="Arial" panose="020B0604020202020204" pitchFamily="34" charset="0"/>
+              <a:buChar char="•"/>
+            </a:pPr>
+            <a:r>
+              <a:rPr lang="en-US" altLang="ko-KR" sz="3200" dirty="0" err="1">
+                <a:latin typeface="HY헤드라인M" panose="02030600000101010101" pitchFamily="18" charset="-127"/>
+                <a:ea typeface="HY헤드라인M" panose="02030600000101010101" pitchFamily="18" charset="-127"/>
+              </a:rPr>
+              <a:t>PhotoShop</a:t>
+            </a:r>
+            <a:endParaRPr lang="en-US" altLang="ko-KR" sz="3200" dirty="0">
+              <a:latin typeface="HY헤드라인M" panose="02030600000101010101" pitchFamily="18" charset="-127"/>
+              <a:ea typeface="HY헤드라인M" panose="02030600000101010101" pitchFamily="18" charset="-127"/>
+            </a:endParaRPr>
+          </a:p>
+          <a:p>
+            <a:pPr marL="457200" indent="-457200">
+              <a:buFont typeface="Arial" panose="020B0604020202020204" pitchFamily="34" charset="0"/>
+              <a:buChar char="•"/>
+            </a:pPr>
+            <a:r>
+              <a:rPr lang="ko-KR" altLang="en-US" sz="3200" dirty="0">
+                <a:latin typeface="HY헤드라인M" panose="02030600000101010101" pitchFamily="18" charset="-127"/>
+                <a:ea typeface="HY헤드라인M" panose="02030600000101010101" pitchFamily="18" charset="-127"/>
+              </a:rPr>
+              <a:t>등등</a:t>
+            </a:r>
+            <a:endParaRPr lang="en-US" altLang="ko-KR" sz="3200" dirty="0">
+              <a:latin typeface="HY헤드라인M" panose="02030600000101010101" pitchFamily="18" charset="-127"/>
+              <a:ea typeface="HY헤드라인M" panose="02030600000101010101" pitchFamily="18" charset="-127"/>
+            </a:endParaRPr>
+          </a:p>
+        </p:txBody>
+      </p:sp>
+    </p:spTree>
+    <p:extLst>
+      <p:ext uri="{BB962C8B-B14F-4D97-AF65-F5344CB8AC3E}">
+        <p14:creationId xmlns:p14="http://schemas.microsoft.com/office/powerpoint/2010/main" val="2519324529"/>
+      </p:ext>
+    </p:extLst>
+  </p:cSld>
+  <p:clrMapOvr>
+    <a:masterClrMapping/>
+  </p:clrMapOvr>
+</p:sld>
+</file>
+
+<file path=ppt/slides/slide7.xml><?xml version="1.0" encoding="utf-8"?>
+<p:sld xmlns:a="http://schemas.openxmlformats.org/drawingml/2006/main" xmlns:r="http://schemas.openxmlformats.org/officeDocument/2006/relationships" xmlns:p="http://schemas.openxmlformats.org/presentationml/2006/main">
+  <p:cSld>
+    <p:spTree>
+      <p:nvGrpSpPr>
+        <p:cNvPr id="1" name=""/>
+        <p:cNvGrpSpPr/>
+        <p:nvPr/>
+      </p:nvGrpSpPr>
+      <p:grpSpPr>
+        <a:xfrm>
+          <a:off x="0" y="0"/>
+          <a:ext cx="0" cy="0"/>
+          <a:chOff x="0" y="0"/>
+          <a:chExt cx="0" cy="0"/>
+        </a:xfrm>
+      </p:grpSpPr>
+      <p:sp>
+        <p:nvSpPr>
+          <p:cNvPr id="4" name="object 4"/>
+          <p:cNvSpPr/>
+          <p:nvPr/>
+        </p:nvSpPr>
+        <p:spPr>
+          <a:xfrm>
+            <a:off x="0" y="837127"/>
+            <a:ext cx="12192000" cy="86228"/>
+          </a:xfrm>
+          <a:custGeom>
+            <a:avLst/>
+            <a:gdLst/>
+            <a:ahLst/>
+            <a:cxnLst/>
+            <a:rect l="l" t="t" r="r" b="b"/>
+            <a:pathLst>
+              <a:path w="12192000" h="1270000">
+                <a:moveTo>
+                  <a:pt x="0" y="0"/>
+                </a:moveTo>
+                <a:lnTo>
+                  <a:pt x="12192000" y="0"/>
+                </a:lnTo>
+                <a:lnTo>
+                  <a:pt x="12192000" y="1269999"/>
+                </a:lnTo>
+                <a:lnTo>
+                  <a:pt x="0" y="1269999"/>
+                </a:lnTo>
+                <a:lnTo>
+                  <a:pt x="0" y="0"/>
+                </a:lnTo>
+                <a:close/>
+              </a:path>
+            </a:pathLst>
+          </a:custGeom>
+          <a:solidFill>
+            <a:srgbClr val="FABACF"/>
+          </a:solidFill>
+        </p:spPr>
+        <p:txBody>
+          <a:bodyPr wrap="square" lIns="0" tIns="0" rIns="0" bIns="0" rtlCol="0"/>
+          <a:lstStyle/>
+          <a:p>
+            <a:endParaRPr/>
+          </a:p>
+        </p:txBody>
+      </p:sp>
+      <p:sp>
+        <p:nvSpPr>
+          <p:cNvPr id="5" name="TextBox 4"/>
+          <p:cNvSpPr txBox="1"/>
+          <p:nvPr/>
+        </p:nvSpPr>
+        <p:spPr>
+          <a:xfrm>
+            <a:off x="180303" y="129241"/>
             <a:ext cx="5283819" cy="707886"/>
           </a:xfrm>
           <a:prstGeom prst="rect">
@@ -5241,7 +6043,7 @@
 </p:sld>
 </file>
 
-<file path=ppt/slides/slide7.xml><?xml version="1.0" encoding="utf-8"?>
+<file path=ppt/slides/slide8.xml><?xml version="1.0" encoding="utf-8"?>
 <p:sld xmlns:a="http://schemas.openxmlformats.org/drawingml/2006/main" xmlns:r="http://schemas.openxmlformats.org/officeDocument/2006/relationships" xmlns:p="http://schemas.openxmlformats.org/presentationml/2006/main">
   <p:cSld>
     <p:spTree>

--- a/Document/발표자료.pptx
+++ b/Document/발표자료.pptx
@@ -8,11 +8,12 @@
     <p:sldId id="256" r:id="rId2"/>
     <p:sldId id="257" r:id="rId3"/>
     <p:sldId id="258" r:id="rId4"/>
-    <p:sldId id="263" r:id="rId5"/>
-    <p:sldId id="259" r:id="rId6"/>
-    <p:sldId id="260" r:id="rId7"/>
-    <p:sldId id="261" r:id="rId8"/>
-    <p:sldId id="262" r:id="rId9"/>
+    <p:sldId id="264" r:id="rId5"/>
+    <p:sldId id="263" r:id="rId6"/>
+    <p:sldId id="259" r:id="rId7"/>
+    <p:sldId id="260" r:id="rId8"/>
+    <p:sldId id="261" r:id="rId9"/>
+    <p:sldId id="262" r:id="rId10"/>
   </p:sldIdLst>
   <p:sldSz cx="12192000" cy="6858000"/>
   <p:notesSz cx="6858000" cy="9144000"/>
@@ -141,7 +142,7 @@
           <p:cNvPr id="2" name="제목 1">
             <a:extLst>
               <a:ext uri="{FF2B5EF4-FFF2-40B4-BE49-F238E27FC236}">
-                <a16:creationId xmlns:a16="http://schemas.microsoft.com/office/drawing/2014/main" xmlns="" id="{B936B912-8F14-4454-841F-F830FE1C510A}"/>
+                <a16:creationId xmlns="" xmlns:a16="http://schemas.microsoft.com/office/drawing/2014/main" id="{B936B912-8F14-4454-841F-F830FE1C510A}"/>
               </a:ext>
             </a:extLst>
           </p:cNvPr>
@@ -178,7 +179,7 @@
           <p:cNvPr id="3" name="부제목 2">
             <a:extLst>
               <a:ext uri="{FF2B5EF4-FFF2-40B4-BE49-F238E27FC236}">
-                <a16:creationId xmlns:a16="http://schemas.microsoft.com/office/drawing/2014/main" xmlns="" id="{8BABFFD6-FDD0-4F2B-9B66-760A09682190}"/>
+                <a16:creationId xmlns="" xmlns:a16="http://schemas.microsoft.com/office/drawing/2014/main" id="{8BABFFD6-FDD0-4F2B-9B66-760A09682190}"/>
               </a:ext>
             </a:extLst>
           </p:cNvPr>
@@ -248,7 +249,7 @@
           <p:cNvPr id="4" name="날짜 개체 틀 3">
             <a:extLst>
               <a:ext uri="{FF2B5EF4-FFF2-40B4-BE49-F238E27FC236}">
-                <a16:creationId xmlns:a16="http://schemas.microsoft.com/office/drawing/2014/main" xmlns="" id="{D2C7BDE2-087A-4A4E-BFCB-C54C166307EA}"/>
+                <a16:creationId xmlns="" xmlns:a16="http://schemas.microsoft.com/office/drawing/2014/main" id="{D2C7BDE2-087A-4A4E-BFCB-C54C166307EA}"/>
               </a:ext>
             </a:extLst>
           </p:cNvPr>
@@ -277,7 +278,7 @@
           <p:cNvPr id="5" name="바닥글 개체 틀 4">
             <a:extLst>
               <a:ext uri="{FF2B5EF4-FFF2-40B4-BE49-F238E27FC236}">
-                <a16:creationId xmlns:a16="http://schemas.microsoft.com/office/drawing/2014/main" xmlns="" id="{B058C36A-5080-4A1F-BD9A-209F167EACC5}"/>
+                <a16:creationId xmlns="" xmlns:a16="http://schemas.microsoft.com/office/drawing/2014/main" id="{B058C36A-5080-4A1F-BD9A-209F167EACC5}"/>
               </a:ext>
             </a:extLst>
           </p:cNvPr>
@@ -302,7 +303,7 @@
           <p:cNvPr id="6" name="슬라이드 번호 개체 틀 5">
             <a:extLst>
               <a:ext uri="{FF2B5EF4-FFF2-40B4-BE49-F238E27FC236}">
-                <a16:creationId xmlns:a16="http://schemas.microsoft.com/office/drawing/2014/main" xmlns="" id="{5D26E8C6-FEB9-4E54-82A2-DABAB1DBA83F}"/>
+                <a16:creationId xmlns="" xmlns:a16="http://schemas.microsoft.com/office/drawing/2014/main" id="{5D26E8C6-FEB9-4E54-82A2-DABAB1DBA83F}"/>
               </a:ext>
             </a:extLst>
           </p:cNvPr>
@@ -361,7 +362,7 @@
           <p:cNvPr id="2" name="제목 1">
             <a:extLst>
               <a:ext uri="{FF2B5EF4-FFF2-40B4-BE49-F238E27FC236}">
-                <a16:creationId xmlns:a16="http://schemas.microsoft.com/office/drawing/2014/main" xmlns="" id="{6522FE70-5AAD-46AC-A3AD-B2FFC97CD113}"/>
+                <a16:creationId xmlns="" xmlns:a16="http://schemas.microsoft.com/office/drawing/2014/main" id="{6522FE70-5AAD-46AC-A3AD-B2FFC97CD113}"/>
               </a:ext>
             </a:extLst>
           </p:cNvPr>
@@ -389,7 +390,7 @@
           <p:cNvPr id="3" name="세로 텍스트 개체 틀 2">
             <a:extLst>
               <a:ext uri="{FF2B5EF4-FFF2-40B4-BE49-F238E27FC236}">
-                <a16:creationId xmlns:a16="http://schemas.microsoft.com/office/drawing/2014/main" xmlns="" id="{675C94ED-F63A-445A-902F-85AA9985202B}"/>
+                <a16:creationId xmlns="" xmlns:a16="http://schemas.microsoft.com/office/drawing/2014/main" id="{675C94ED-F63A-445A-902F-85AA9985202B}"/>
               </a:ext>
             </a:extLst>
           </p:cNvPr>
@@ -446,7 +447,7 @@
           <p:cNvPr id="4" name="날짜 개체 틀 3">
             <a:extLst>
               <a:ext uri="{FF2B5EF4-FFF2-40B4-BE49-F238E27FC236}">
-                <a16:creationId xmlns:a16="http://schemas.microsoft.com/office/drawing/2014/main" xmlns="" id="{EFC916FE-88B2-456F-9155-001FC6F14397}"/>
+                <a16:creationId xmlns="" xmlns:a16="http://schemas.microsoft.com/office/drawing/2014/main" id="{EFC916FE-88B2-456F-9155-001FC6F14397}"/>
               </a:ext>
             </a:extLst>
           </p:cNvPr>
@@ -475,7 +476,7 @@
           <p:cNvPr id="5" name="바닥글 개체 틀 4">
             <a:extLst>
               <a:ext uri="{FF2B5EF4-FFF2-40B4-BE49-F238E27FC236}">
-                <a16:creationId xmlns:a16="http://schemas.microsoft.com/office/drawing/2014/main" xmlns="" id="{6863F8D2-1235-4969-BC8F-853FCD5C0FF0}"/>
+                <a16:creationId xmlns="" xmlns:a16="http://schemas.microsoft.com/office/drawing/2014/main" id="{6863F8D2-1235-4969-BC8F-853FCD5C0FF0}"/>
               </a:ext>
             </a:extLst>
           </p:cNvPr>
@@ -500,7 +501,7 @@
           <p:cNvPr id="6" name="슬라이드 번호 개체 틀 5">
             <a:extLst>
               <a:ext uri="{FF2B5EF4-FFF2-40B4-BE49-F238E27FC236}">
-                <a16:creationId xmlns:a16="http://schemas.microsoft.com/office/drawing/2014/main" xmlns="" id="{8C426888-C4B2-4432-8415-02EF77C0AFD0}"/>
+                <a16:creationId xmlns="" xmlns:a16="http://schemas.microsoft.com/office/drawing/2014/main" id="{8C426888-C4B2-4432-8415-02EF77C0AFD0}"/>
               </a:ext>
             </a:extLst>
           </p:cNvPr>
@@ -559,7 +560,7 @@
           <p:cNvPr id="2" name="세로 제목 1">
             <a:extLst>
               <a:ext uri="{FF2B5EF4-FFF2-40B4-BE49-F238E27FC236}">
-                <a16:creationId xmlns:a16="http://schemas.microsoft.com/office/drawing/2014/main" xmlns="" id="{C2380799-B9B6-49A5-BE4F-87339A69295D}"/>
+                <a16:creationId xmlns="" xmlns:a16="http://schemas.microsoft.com/office/drawing/2014/main" id="{C2380799-B9B6-49A5-BE4F-87339A69295D}"/>
               </a:ext>
             </a:extLst>
           </p:cNvPr>
@@ -592,7 +593,7 @@
           <p:cNvPr id="3" name="세로 텍스트 개체 틀 2">
             <a:extLst>
               <a:ext uri="{FF2B5EF4-FFF2-40B4-BE49-F238E27FC236}">
-                <a16:creationId xmlns:a16="http://schemas.microsoft.com/office/drawing/2014/main" xmlns="" id="{DA0DF918-840B-45D2-B837-7C4E5569A752}"/>
+                <a16:creationId xmlns="" xmlns:a16="http://schemas.microsoft.com/office/drawing/2014/main" id="{DA0DF918-840B-45D2-B837-7C4E5569A752}"/>
               </a:ext>
             </a:extLst>
           </p:cNvPr>
@@ -654,7 +655,7 @@
           <p:cNvPr id="4" name="날짜 개체 틀 3">
             <a:extLst>
               <a:ext uri="{FF2B5EF4-FFF2-40B4-BE49-F238E27FC236}">
-                <a16:creationId xmlns:a16="http://schemas.microsoft.com/office/drawing/2014/main" xmlns="" id="{E6B75E25-B397-4F4A-8857-A02D14ABCE3A}"/>
+                <a16:creationId xmlns="" xmlns:a16="http://schemas.microsoft.com/office/drawing/2014/main" id="{E6B75E25-B397-4F4A-8857-A02D14ABCE3A}"/>
               </a:ext>
             </a:extLst>
           </p:cNvPr>
@@ -683,7 +684,7 @@
           <p:cNvPr id="5" name="바닥글 개체 틀 4">
             <a:extLst>
               <a:ext uri="{FF2B5EF4-FFF2-40B4-BE49-F238E27FC236}">
-                <a16:creationId xmlns:a16="http://schemas.microsoft.com/office/drawing/2014/main" xmlns="" id="{CE837077-09C9-43D3-99B1-B74C9360A72C}"/>
+                <a16:creationId xmlns="" xmlns:a16="http://schemas.microsoft.com/office/drawing/2014/main" id="{CE837077-09C9-43D3-99B1-B74C9360A72C}"/>
               </a:ext>
             </a:extLst>
           </p:cNvPr>
@@ -708,7 +709,7 @@
           <p:cNvPr id="6" name="슬라이드 번호 개체 틀 5">
             <a:extLst>
               <a:ext uri="{FF2B5EF4-FFF2-40B4-BE49-F238E27FC236}">
-                <a16:creationId xmlns:a16="http://schemas.microsoft.com/office/drawing/2014/main" xmlns="" id="{B016B6BF-CEBF-4743-AB57-FE41059AF6FA}"/>
+                <a16:creationId xmlns="" xmlns:a16="http://schemas.microsoft.com/office/drawing/2014/main" id="{B016B6BF-CEBF-4743-AB57-FE41059AF6FA}"/>
               </a:ext>
             </a:extLst>
           </p:cNvPr>
@@ -767,7 +768,7 @@
           <p:cNvPr id="2" name="제목 1">
             <a:extLst>
               <a:ext uri="{FF2B5EF4-FFF2-40B4-BE49-F238E27FC236}">
-                <a16:creationId xmlns:a16="http://schemas.microsoft.com/office/drawing/2014/main" xmlns="" id="{C8ADD370-53FE-44C5-9074-47E2559983B6}"/>
+                <a16:creationId xmlns="" xmlns:a16="http://schemas.microsoft.com/office/drawing/2014/main" id="{C8ADD370-53FE-44C5-9074-47E2559983B6}"/>
               </a:ext>
             </a:extLst>
           </p:cNvPr>
@@ -795,7 +796,7 @@
           <p:cNvPr id="3" name="내용 개체 틀 2">
             <a:extLst>
               <a:ext uri="{FF2B5EF4-FFF2-40B4-BE49-F238E27FC236}">
-                <a16:creationId xmlns:a16="http://schemas.microsoft.com/office/drawing/2014/main" xmlns="" id="{BBD08937-E849-4A00-BDD4-07F619C5E046}"/>
+                <a16:creationId xmlns="" xmlns:a16="http://schemas.microsoft.com/office/drawing/2014/main" id="{BBD08937-E849-4A00-BDD4-07F619C5E046}"/>
               </a:ext>
             </a:extLst>
           </p:cNvPr>
@@ -852,7 +853,7 @@
           <p:cNvPr id="4" name="날짜 개체 틀 3">
             <a:extLst>
               <a:ext uri="{FF2B5EF4-FFF2-40B4-BE49-F238E27FC236}">
-                <a16:creationId xmlns:a16="http://schemas.microsoft.com/office/drawing/2014/main" xmlns="" id="{E6DF612E-C229-4FDD-81CF-F633CCAD6056}"/>
+                <a16:creationId xmlns="" xmlns:a16="http://schemas.microsoft.com/office/drawing/2014/main" id="{E6DF612E-C229-4FDD-81CF-F633CCAD6056}"/>
               </a:ext>
             </a:extLst>
           </p:cNvPr>
@@ -881,7 +882,7 @@
           <p:cNvPr id="5" name="바닥글 개체 틀 4">
             <a:extLst>
               <a:ext uri="{FF2B5EF4-FFF2-40B4-BE49-F238E27FC236}">
-                <a16:creationId xmlns:a16="http://schemas.microsoft.com/office/drawing/2014/main" xmlns="" id="{DE1DA4F0-C3D3-4A3A-B77B-AFD11048B6A3}"/>
+                <a16:creationId xmlns="" xmlns:a16="http://schemas.microsoft.com/office/drawing/2014/main" id="{DE1DA4F0-C3D3-4A3A-B77B-AFD11048B6A3}"/>
               </a:ext>
             </a:extLst>
           </p:cNvPr>
@@ -906,7 +907,7 @@
           <p:cNvPr id="6" name="슬라이드 번호 개체 틀 5">
             <a:extLst>
               <a:ext uri="{FF2B5EF4-FFF2-40B4-BE49-F238E27FC236}">
-                <a16:creationId xmlns:a16="http://schemas.microsoft.com/office/drawing/2014/main" xmlns="" id="{A7E7E67F-EE93-4EB3-AFA8-389F83DA7C53}"/>
+                <a16:creationId xmlns="" xmlns:a16="http://schemas.microsoft.com/office/drawing/2014/main" id="{A7E7E67F-EE93-4EB3-AFA8-389F83DA7C53}"/>
               </a:ext>
             </a:extLst>
           </p:cNvPr>
@@ -965,7 +966,7 @@
           <p:cNvPr id="2" name="제목 1">
             <a:extLst>
               <a:ext uri="{FF2B5EF4-FFF2-40B4-BE49-F238E27FC236}">
-                <a16:creationId xmlns:a16="http://schemas.microsoft.com/office/drawing/2014/main" xmlns="" id="{DE95C7A9-2628-4F2D-8FAD-5467883AB9E5}"/>
+                <a16:creationId xmlns="" xmlns:a16="http://schemas.microsoft.com/office/drawing/2014/main" id="{DE95C7A9-2628-4F2D-8FAD-5467883AB9E5}"/>
               </a:ext>
             </a:extLst>
           </p:cNvPr>
@@ -1002,7 +1003,7 @@
           <p:cNvPr id="3" name="텍스트 개체 틀 2">
             <a:extLst>
               <a:ext uri="{FF2B5EF4-FFF2-40B4-BE49-F238E27FC236}">
-                <a16:creationId xmlns:a16="http://schemas.microsoft.com/office/drawing/2014/main" xmlns="" id="{7C7CA35E-20E5-4286-9FE6-05E33B32DCC6}"/>
+                <a16:creationId xmlns="" xmlns:a16="http://schemas.microsoft.com/office/drawing/2014/main" id="{7C7CA35E-20E5-4286-9FE6-05E33B32DCC6}"/>
               </a:ext>
             </a:extLst>
           </p:cNvPr>
@@ -1127,7 +1128,7 @@
           <p:cNvPr id="4" name="날짜 개체 틀 3">
             <a:extLst>
               <a:ext uri="{FF2B5EF4-FFF2-40B4-BE49-F238E27FC236}">
-                <a16:creationId xmlns:a16="http://schemas.microsoft.com/office/drawing/2014/main" xmlns="" id="{4E2A9C52-AABA-4146-A783-558D8D8BF602}"/>
+                <a16:creationId xmlns="" xmlns:a16="http://schemas.microsoft.com/office/drawing/2014/main" id="{4E2A9C52-AABA-4146-A783-558D8D8BF602}"/>
               </a:ext>
             </a:extLst>
           </p:cNvPr>
@@ -1156,7 +1157,7 @@
           <p:cNvPr id="5" name="바닥글 개체 틀 4">
             <a:extLst>
               <a:ext uri="{FF2B5EF4-FFF2-40B4-BE49-F238E27FC236}">
-                <a16:creationId xmlns:a16="http://schemas.microsoft.com/office/drawing/2014/main" xmlns="" id="{67C1B6AB-2F4C-4C8C-B3A6-A44F2A6161A7}"/>
+                <a16:creationId xmlns="" xmlns:a16="http://schemas.microsoft.com/office/drawing/2014/main" id="{67C1B6AB-2F4C-4C8C-B3A6-A44F2A6161A7}"/>
               </a:ext>
             </a:extLst>
           </p:cNvPr>
@@ -1181,7 +1182,7 @@
           <p:cNvPr id="6" name="슬라이드 번호 개체 틀 5">
             <a:extLst>
               <a:ext uri="{FF2B5EF4-FFF2-40B4-BE49-F238E27FC236}">
-                <a16:creationId xmlns:a16="http://schemas.microsoft.com/office/drawing/2014/main" xmlns="" id="{11B3794C-92B6-4B3F-8D28-F3C90F724496}"/>
+                <a16:creationId xmlns="" xmlns:a16="http://schemas.microsoft.com/office/drawing/2014/main" id="{11B3794C-92B6-4B3F-8D28-F3C90F724496}"/>
               </a:ext>
             </a:extLst>
           </p:cNvPr>
@@ -1240,7 +1241,7 @@
           <p:cNvPr id="2" name="제목 1">
             <a:extLst>
               <a:ext uri="{FF2B5EF4-FFF2-40B4-BE49-F238E27FC236}">
-                <a16:creationId xmlns:a16="http://schemas.microsoft.com/office/drawing/2014/main" xmlns="" id="{3AA66B23-CCBA-4651-BB9D-5892D9D79C9D}"/>
+                <a16:creationId xmlns="" xmlns:a16="http://schemas.microsoft.com/office/drawing/2014/main" id="{3AA66B23-CCBA-4651-BB9D-5892D9D79C9D}"/>
               </a:ext>
             </a:extLst>
           </p:cNvPr>
@@ -1268,7 +1269,7 @@
           <p:cNvPr id="3" name="내용 개체 틀 2">
             <a:extLst>
               <a:ext uri="{FF2B5EF4-FFF2-40B4-BE49-F238E27FC236}">
-                <a16:creationId xmlns:a16="http://schemas.microsoft.com/office/drawing/2014/main" xmlns="" id="{BE0F50E7-3CE9-43EA-9E3A-A2C8508A9051}"/>
+                <a16:creationId xmlns="" xmlns:a16="http://schemas.microsoft.com/office/drawing/2014/main" id="{BE0F50E7-3CE9-43EA-9E3A-A2C8508A9051}"/>
               </a:ext>
             </a:extLst>
           </p:cNvPr>
@@ -1330,7 +1331,7 @@
           <p:cNvPr id="4" name="내용 개체 틀 3">
             <a:extLst>
               <a:ext uri="{FF2B5EF4-FFF2-40B4-BE49-F238E27FC236}">
-                <a16:creationId xmlns:a16="http://schemas.microsoft.com/office/drawing/2014/main" xmlns="" id="{AA724CDE-ECB7-400E-BB1F-2CC86000DA9D}"/>
+                <a16:creationId xmlns="" xmlns:a16="http://schemas.microsoft.com/office/drawing/2014/main" id="{AA724CDE-ECB7-400E-BB1F-2CC86000DA9D}"/>
               </a:ext>
             </a:extLst>
           </p:cNvPr>
@@ -1392,7 +1393,7 @@
           <p:cNvPr id="5" name="날짜 개체 틀 4">
             <a:extLst>
               <a:ext uri="{FF2B5EF4-FFF2-40B4-BE49-F238E27FC236}">
-                <a16:creationId xmlns:a16="http://schemas.microsoft.com/office/drawing/2014/main" xmlns="" id="{7C01F48B-D319-44D1-BDAC-23C5EFBBCF88}"/>
+                <a16:creationId xmlns="" xmlns:a16="http://schemas.microsoft.com/office/drawing/2014/main" id="{7C01F48B-D319-44D1-BDAC-23C5EFBBCF88}"/>
               </a:ext>
             </a:extLst>
           </p:cNvPr>
@@ -1421,7 +1422,7 @@
           <p:cNvPr id="6" name="바닥글 개체 틀 5">
             <a:extLst>
               <a:ext uri="{FF2B5EF4-FFF2-40B4-BE49-F238E27FC236}">
-                <a16:creationId xmlns:a16="http://schemas.microsoft.com/office/drawing/2014/main" xmlns="" id="{E8F58D82-AD40-4FE0-8A83-7BE1B73D3B3A}"/>
+                <a16:creationId xmlns="" xmlns:a16="http://schemas.microsoft.com/office/drawing/2014/main" id="{E8F58D82-AD40-4FE0-8A83-7BE1B73D3B3A}"/>
               </a:ext>
             </a:extLst>
           </p:cNvPr>
@@ -1446,7 +1447,7 @@
           <p:cNvPr id="7" name="슬라이드 번호 개체 틀 6">
             <a:extLst>
               <a:ext uri="{FF2B5EF4-FFF2-40B4-BE49-F238E27FC236}">
-                <a16:creationId xmlns:a16="http://schemas.microsoft.com/office/drawing/2014/main" xmlns="" id="{88EB293D-25FD-47E5-9BE8-23B499CCB71F}"/>
+                <a16:creationId xmlns="" xmlns:a16="http://schemas.microsoft.com/office/drawing/2014/main" id="{88EB293D-25FD-47E5-9BE8-23B499CCB71F}"/>
               </a:ext>
             </a:extLst>
           </p:cNvPr>
@@ -1505,7 +1506,7 @@
           <p:cNvPr id="2" name="제목 1">
             <a:extLst>
               <a:ext uri="{FF2B5EF4-FFF2-40B4-BE49-F238E27FC236}">
-                <a16:creationId xmlns:a16="http://schemas.microsoft.com/office/drawing/2014/main" xmlns="" id="{DD02B42E-5366-430E-931F-948440EFF756}"/>
+                <a16:creationId xmlns="" xmlns:a16="http://schemas.microsoft.com/office/drawing/2014/main" id="{DD02B42E-5366-430E-931F-948440EFF756}"/>
               </a:ext>
             </a:extLst>
           </p:cNvPr>
@@ -1538,7 +1539,7 @@
           <p:cNvPr id="3" name="텍스트 개체 틀 2">
             <a:extLst>
               <a:ext uri="{FF2B5EF4-FFF2-40B4-BE49-F238E27FC236}">
-                <a16:creationId xmlns:a16="http://schemas.microsoft.com/office/drawing/2014/main" xmlns="" id="{B00581D1-9821-4AC3-BB51-B12F84B52654}"/>
+                <a16:creationId xmlns="" xmlns:a16="http://schemas.microsoft.com/office/drawing/2014/main" id="{B00581D1-9821-4AC3-BB51-B12F84B52654}"/>
               </a:ext>
             </a:extLst>
           </p:cNvPr>
@@ -1609,7 +1610,7 @@
           <p:cNvPr id="4" name="내용 개체 틀 3">
             <a:extLst>
               <a:ext uri="{FF2B5EF4-FFF2-40B4-BE49-F238E27FC236}">
-                <a16:creationId xmlns:a16="http://schemas.microsoft.com/office/drawing/2014/main" xmlns="" id="{547A433D-A49B-4B74-AE18-75CC8413FB85}"/>
+                <a16:creationId xmlns="" xmlns:a16="http://schemas.microsoft.com/office/drawing/2014/main" id="{547A433D-A49B-4B74-AE18-75CC8413FB85}"/>
               </a:ext>
             </a:extLst>
           </p:cNvPr>
@@ -1671,7 +1672,7 @@
           <p:cNvPr id="5" name="텍스트 개체 틀 4">
             <a:extLst>
               <a:ext uri="{FF2B5EF4-FFF2-40B4-BE49-F238E27FC236}">
-                <a16:creationId xmlns:a16="http://schemas.microsoft.com/office/drawing/2014/main" xmlns="" id="{F6885725-5E78-41C4-BFF0-7E60811C10CD}"/>
+                <a16:creationId xmlns="" xmlns:a16="http://schemas.microsoft.com/office/drawing/2014/main" id="{F6885725-5E78-41C4-BFF0-7E60811C10CD}"/>
               </a:ext>
             </a:extLst>
           </p:cNvPr>
@@ -1742,7 +1743,7 @@
           <p:cNvPr id="6" name="내용 개체 틀 5">
             <a:extLst>
               <a:ext uri="{FF2B5EF4-FFF2-40B4-BE49-F238E27FC236}">
-                <a16:creationId xmlns:a16="http://schemas.microsoft.com/office/drawing/2014/main" xmlns="" id="{37153D67-3B92-4621-A2D6-7C0EB77DC057}"/>
+                <a16:creationId xmlns="" xmlns:a16="http://schemas.microsoft.com/office/drawing/2014/main" id="{37153D67-3B92-4621-A2D6-7C0EB77DC057}"/>
               </a:ext>
             </a:extLst>
           </p:cNvPr>
@@ -1804,7 +1805,7 @@
           <p:cNvPr id="7" name="날짜 개체 틀 6">
             <a:extLst>
               <a:ext uri="{FF2B5EF4-FFF2-40B4-BE49-F238E27FC236}">
-                <a16:creationId xmlns:a16="http://schemas.microsoft.com/office/drawing/2014/main" xmlns="" id="{34B3B4BE-2C5C-48B3-BA79-E2D71BC00D25}"/>
+                <a16:creationId xmlns="" xmlns:a16="http://schemas.microsoft.com/office/drawing/2014/main" id="{34B3B4BE-2C5C-48B3-BA79-E2D71BC00D25}"/>
               </a:ext>
             </a:extLst>
           </p:cNvPr>
@@ -1833,7 +1834,7 @@
           <p:cNvPr id="8" name="바닥글 개체 틀 7">
             <a:extLst>
               <a:ext uri="{FF2B5EF4-FFF2-40B4-BE49-F238E27FC236}">
-                <a16:creationId xmlns:a16="http://schemas.microsoft.com/office/drawing/2014/main" xmlns="" id="{052BBC5D-24C1-4EC7-82AE-78A73D26800F}"/>
+                <a16:creationId xmlns="" xmlns:a16="http://schemas.microsoft.com/office/drawing/2014/main" id="{052BBC5D-24C1-4EC7-82AE-78A73D26800F}"/>
               </a:ext>
             </a:extLst>
           </p:cNvPr>
@@ -1858,7 +1859,7 @@
           <p:cNvPr id="9" name="슬라이드 번호 개체 틀 8">
             <a:extLst>
               <a:ext uri="{FF2B5EF4-FFF2-40B4-BE49-F238E27FC236}">
-                <a16:creationId xmlns:a16="http://schemas.microsoft.com/office/drawing/2014/main" xmlns="" id="{E7CE8E55-714C-4D96-81E1-9C272EE0D029}"/>
+                <a16:creationId xmlns="" xmlns:a16="http://schemas.microsoft.com/office/drawing/2014/main" id="{E7CE8E55-714C-4D96-81E1-9C272EE0D029}"/>
               </a:ext>
             </a:extLst>
           </p:cNvPr>
@@ -1917,7 +1918,7 @@
           <p:cNvPr id="2" name="제목 1">
             <a:extLst>
               <a:ext uri="{FF2B5EF4-FFF2-40B4-BE49-F238E27FC236}">
-                <a16:creationId xmlns:a16="http://schemas.microsoft.com/office/drawing/2014/main" xmlns="" id="{72CC9B56-CC2D-4EC5-ADAC-B641C68DACCD}"/>
+                <a16:creationId xmlns="" xmlns:a16="http://schemas.microsoft.com/office/drawing/2014/main" id="{72CC9B56-CC2D-4EC5-ADAC-B641C68DACCD}"/>
               </a:ext>
             </a:extLst>
           </p:cNvPr>
@@ -1945,7 +1946,7 @@
           <p:cNvPr id="3" name="날짜 개체 틀 2">
             <a:extLst>
               <a:ext uri="{FF2B5EF4-FFF2-40B4-BE49-F238E27FC236}">
-                <a16:creationId xmlns:a16="http://schemas.microsoft.com/office/drawing/2014/main" xmlns="" id="{7B6E839D-776A-482D-A584-3ADE24E9CCCA}"/>
+                <a16:creationId xmlns="" xmlns:a16="http://schemas.microsoft.com/office/drawing/2014/main" id="{7B6E839D-776A-482D-A584-3ADE24E9CCCA}"/>
               </a:ext>
             </a:extLst>
           </p:cNvPr>
@@ -1974,7 +1975,7 @@
           <p:cNvPr id="4" name="바닥글 개체 틀 3">
             <a:extLst>
               <a:ext uri="{FF2B5EF4-FFF2-40B4-BE49-F238E27FC236}">
-                <a16:creationId xmlns:a16="http://schemas.microsoft.com/office/drawing/2014/main" xmlns="" id="{66B39A00-DBDF-40F4-B0A8-5C51012C1B84}"/>
+                <a16:creationId xmlns="" xmlns:a16="http://schemas.microsoft.com/office/drawing/2014/main" id="{66B39A00-DBDF-40F4-B0A8-5C51012C1B84}"/>
               </a:ext>
             </a:extLst>
           </p:cNvPr>
@@ -1999,7 +2000,7 @@
           <p:cNvPr id="5" name="슬라이드 번호 개체 틀 4">
             <a:extLst>
               <a:ext uri="{FF2B5EF4-FFF2-40B4-BE49-F238E27FC236}">
-                <a16:creationId xmlns:a16="http://schemas.microsoft.com/office/drawing/2014/main" xmlns="" id="{5195F81A-DD8A-4275-8137-0597AD08AD1E}"/>
+                <a16:creationId xmlns="" xmlns:a16="http://schemas.microsoft.com/office/drawing/2014/main" id="{5195F81A-DD8A-4275-8137-0597AD08AD1E}"/>
               </a:ext>
             </a:extLst>
           </p:cNvPr>
@@ -2058,7 +2059,7 @@
           <p:cNvPr id="2" name="날짜 개체 틀 1">
             <a:extLst>
               <a:ext uri="{FF2B5EF4-FFF2-40B4-BE49-F238E27FC236}">
-                <a16:creationId xmlns:a16="http://schemas.microsoft.com/office/drawing/2014/main" xmlns="" id="{F065F68B-1533-4963-A54B-CEE48C7AFE98}"/>
+                <a16:creationId xmlns="" xmlns:a16="http://schemas.microsoft.com/office/drawing/2014/main" id="{F065F68B-1533-4963-A54B-CEE48C7AFE98}"/>
               </a:ext>
             </a:extLst>
           </p:cNvPr>
@@ -2087,7 +2088,7 @@
           <p:cNvPr id="3" name="바닥글 개체 틀 2">
             <a:extLst>
               <a:ext uri="{FF2B5EF4-FFF2-40B4-BE49-F238E27FC236}">
-                <a16:creationId xmlns:a16="http://schemas.microsoft.com/office/drawing/2014/main" xmlns="" id="{58EE470F-A156-43DB-AF4D-A418A13FC06A}"/>
+                <a16:creationId xmlns="" xmlns:a16="http://schemas.microsoft.com/office/drawing/2014/main" id="{58EE470F-A156-43DB-AF4D-A418A13FC06A}"/>
               </a:ext>
             </a:extLst>
           </p:cNvPr>
@@ -2112,7 +2113,7 @@
           <p:cNvPr id="4" name="슬라이드 번호 개체 틀 3">
             <a:extLst>
               <a:ext uri="{FF2B5EF4-FFF2-40B4-BE49-F238E27FC236}">
-                <a16:creationId xmlns:a16="http://schemas.microsoft.com/office/drawing/2014/main" xmlns="" id="{D9E472DA-D5E2-4F99-8E2A-AB735C09801E}"/>
+                <a16:creationId xmlns="" xmlns:a16="http://schemas.microsoft.com/office/drawing/2014/main" id="{D9E472DA-D5E2-4F99-8E2A-AB735C09801E}"/>
               </a:ext>
             </a:extLst>
           </p:cNvPr>
@@ -2171,7 +2172,7 @@
           <p:cNvPr id="2" name="제목 1">
             <a:extLst>
               <a:ext uri="{FF2B5EF4-FFF2-40B4-BE49-F238E27FC236}">
-                <a16:creationId xmlns:a16="http://schemas.microsoft.com/office/drawing/2014/main" xmlns="" id="{EE8E2C22-E96D-4E30-829E-C5601080B61C}"/>
+                <a16:creationId xmlns="" xmlns:a16="http://schemas.microsoft.com/office/drawing/2014/main" id="{EE8E2C22-E96D-4E30-829E-C5601080B61C}"/>
               </a:ext>
             </a:extLst>
           </p:cNvPr>
@@ -2208,7 +2209,7 @@
           <p:cNvPr id="3" name="내용 개체 틀 2">
             <a:extLst>
               <a:ext uri="{FF2B5EF4-FFF2-40B4-BE49-F238E27FC236}">
-                <a16:creationId xmlns:a16="http://schemas.microsoft.com/office/drawing/2014/main" xmlns="" id="{FF85F714-56E0-45E6-A574-CFBABF0A914A}"/>
+                <a16:creationId xmlns="" xmlns:a16="http://schemas.microsoft.com/office/drawing/2014/main" id="{FF85F714-56E0-45E6-A574-CFBABF0A914A}"/>
               </a:ext>
             </a:extLst>
           </p:cNvPr>
@@ -2298,7 +2299,7 @@
           <p:cNvPr id="4" name="텍스트 개체 틀 3">
             <a:extLst>
               <a:ext uri="{FF2B5EF4-FFF2-40B4-BE49-F238E27FC236}">
-                <a16:creationId xmlns:a16="http://schemas.microsoft.com/office/drawing/2014/main" xmlns="" id="{6E1EB69D-CF07-420B-98BD-B53C60016B2E}"/>
+                <a16:creationId xmlns="" xmlns:a16="http://schemas.microsoft.com/office/drawing/2014/main" id="{6E1EB69D-CF07-420B-98BD-B53C60016B2E}"/>
               </a:ext>
             </a:extLst>
           </p:cNvPr>
@@ -2369,7 +2370,7 @@
           <p:cNvPr id="5" name="날짜 개체 틀 4">
             <a:extLst>
               <a:ext uri="{FF2B5EF4-FFF2-40B4-BE49-F238E27FC236}">
-                <a16:creationId xmlns:a16="http://schemas.microsoft.com/office/drawing/2014/main" xmlns="" id="{3F9EE376-932C-4F20-912A-19A9A92368BE}"/>
+                <a16:creationId xmlns="" xmlns:a16="http://schemas.microsoft.com/office/drawing/2014/main" id="{3F9EE376-932C-4F20-912A-19A9A92368BE}"/>
               </a:ext>
             </a:extLst>
           </p:cNvPr>
@@ -2398,7 +2399,7 @@
           <p:cNvPr id="6" name="바닥글 개체 틀 5">
             <a:extLst>
               <a:ext uri="{FF2B5EF4-FFF2-40B4-BE49-F238E27FC236}">
-                <a16:creationId xmlns:a16="http://schemas.microsoft.com/office/drawing/2014/main" xmlns="" id="{6C08D442-9F4C-4537-AB2F-F56660233C99}"/>
+                <a16:creationId xmlns="" xmlns:a16="http://schemas.microsoft.com/office/drawing/2014/main" id="{6C08D442-9F4C-4537-AB2F-F56660233C99}"/>
               </a:ext>
             </a:extLst>
           </p:cNvPr>
@@ -2423,7 +2424,7 @@
           <p:cNvPr id="7" name="슬라이드 번호 개체 틀 6">
             <a:extLst>
               <a:ext uri="{FF2B5EF4-FFF2-40B4-BE49-F238E27FC236}">
-                <a16:creationId xmlns:a16="http://schemas.microsoft.com/office/drawing/2014/main" xmlns="" id="{9CFFC8C6-17C1-444B-B85B-E71B0A034E0B}"/>
+                <a16:creationId xmlns="" xmlns:a16="http://schemas.microsoft.com/office/drawing/2014/main" id="{9CFFC8C6-17C1-444B-B85B-E71B0A034E0B}"/>
               </a:ext>
             </a:extLst>
           </p:cNvPr>
@@ -2482,7 +2483,7 @@
           <p:cNvPr id="2" name="제목 1">
             <a:extLst>
               <a:ext uri="{FF2B5EF4-FFF2-40B4-BE49-F238E27FC236}">
-                <a16:creationId xmlns:a16="http://schemas.microsoft.com/office/drawing/2014/main" xmlns="" id="{63C56BF2-B225-434A-B878-CF35C517A78C}"/>
+                <a16:creationId xmlns="" xmlns:a16="http://schemas.microsoft.com/office/drawing/2014/main" id="{63C56BF2-B225-434A-B878-CF35C517A78C}"/>
               </a:ext>
             </a:extLst>
           </p:cNvPr>
@@ -2519,7 +2520,7 @@
           <p:cNvPr id="3" name="그림 개체 틀 2">
             <a:extLst>
               <a:ext uri="{FF2B5EF4-FFF2-40B4-BE49-F238E27FC236}">
-                <a16:creationId xmlns:a16="http://schemas.microsoft.com/office/drawing/2014/main" xmlns="" id="{735853CD-1204-4BFE-9E7D-FA03056BDF91}"/>
+                <a16:creationId xmlns="" xmlns:a16="http://schemas.microsoft.com/office/drawing/2014/main" id="{735853CD-1204-4BFE-9E7D-FA03056BDF91}"/>
               </a:ext>
             </a:extLst>
           </p:cNvPr>
@@ -2586,7 +2587,7 @@
           <p:cNvPr id="4" name="텍스트 개체 틀 3">
             <a:extLst>
               <a:ext uri="{FF2B5EF4-FFF2-40B4-BE49-F238E27FC236}">
-                <a16:creationId xmlns:a16="http://schemas.microsoft.com/office/drawing/2014/main" xmlns="" id="{630D1046-84F8-47E2-9637-EE1F8D66172A}"/>
+                <a16:creationId xmlns="" xmlns:a16="http://schemas.microsoft.com/office/drawing/2014/main" id="{630D1046-84F8-47E2-9637-EE1F8D66172A}"/>
               </a:ext>
             </a:extLst>
           </p:cNvPr>
@@ -2657,7 +2658,7 @@
           <p:cNvPr id="5" name="날짜 개체 틀 4">
             <a:extLst>
               <a:ext uri="{FF2B5EF4-FFF2-40B4-BE49-F238E27FC236}">
-                <a16:creationId xmlns:a16="http://schemas.microsoft.com/office/drawing/2014/main" xmlns="" id="{56573E4D-EA74-4746-B5BF-A9FF0E3AF999}"/>
+                <a16:creationId xmlns="" xmlns:a16="http://schemas.microsoft.com/office/drawing/2014/main" id="{56573E4D-EA74-4746-B5BF-A9FF0E3AF999}"/>
               </a:ext>
             </a:extLst>
           </p:cNvPr>
@@ -2686,7 +2687,7 @@
           <p:cNvPr id="6" name="바닥글 개체 틀 5">
             <a:extLst>
               <a:ext uri="{FF2B5EF4-FFF2-40B4-BE49-F238E27FC236}">
-                <a16:creationId xmlns:a16="http://schemas.microsoft.com/office/drawing/2014/main" xmlns="" id="{53508D7C-3EBC-4B81-8BC0-015ACC2DF71B}"/>
+                <a16:creationId xmlns="" xmlns:a16="http://schemas.microsoft.com/office/drawing/2014/main" id="{53508D7C-3EBC-4B81-8BC0-015ACC2DF71B}"/>
               </a:ext>
             </a:extLst>
           </p:cNvPr>
@@ -2711,7 +2712,7 @@
           <p:cNvPr id="7" name="슬라이드 번호 개체 틀 6">
             <a:extLst>
               <a:ext uri="{FF2B5EF4-FFF2-40B4-BE49-F238E27FC236}">
-                <a16:creationId xmlns:a16="http://schemas.microsoft.com/office/drawing/2014/main" xmlns="" id="{F06D730C-C52D-488A-B3AC-856FBF2E0D93}"/>
+                <a16:creationId xmlns="" xmlns:a16="http://schemas.microsoft.com/office/drawing/2014/main" id="{F06D730C-C52D-488A-B3AC-856FBF2E0D93}"/>
               </a:ext>
             </a:extLst>
           </p:cNvPr>
@@ -2775,7 +2776,7 @@
           <p:cNvPr id="2" name="제목 개체 틀 1">
             <a:extLst>
               <a:ext uri="{FF2B5EF4-FFF2-40B4-BE49-F238E27FC236}">
-                <a16:creationId xmlns:a16="http://schemas.microsoft.com/office/drawing/2014/main" xmlns="" id="{9820A22F-101A-402F-A5BB-D095C3AA9064}"/>
+                <a16:creationId xmlns="" xmlns:a16="http://schemas.microsoft.com/office/drawing/2014/main" id="{9820A22F-101A-402F-A5BB-D095C3AA9064}"/>
               </a:ext>
             </a:extLst>
           </p:cNvPr>
@@ -2813,7 +2814,7 @@
           <p:cNvPr id="3" name="텍스트 개체 틀 2">
             <a:extLst>
               <a:ext uri="{FF2B5EF4-FFF2-40B4-BE49-F238E27FC236}">
-                <a16:creationId xmlns:a16="http://schemas.microsoft.com/office/drawing/2014/main" xmlns="" id="{21450A64-DD20-48B6-913C-D3DE6053C593}"/>
+                <a16:creationId xmlns="" xmlns:a16="http://schemas.microsoft.com/office/drawing/2014/main" id="{21450A64-DD20-48B6-913C-D3DE6053C593}"/>
               </a:ext>
             </a:extLst>
           </p:cNvPr>
@@ -2880,7 +2881,7 @@
           <p:cNvPr id="4" name="날짜 개체 틀 3">
             <a:extLst>
               <a:ext uri="{FF2B5EF4-FFF2-40B4-BE49-F238E27FC236}">
-                <a16:creationId xmlns:a16="http://schemas.microsoft.com/office/drawing/2014/main" xmlns="" id="{A5C6B5C1-6075-4315-A6E3-6CCB2438CE33}"/>
+                <a16:creationId xmlns="" xmlns:a16="http://schemas.microsoft.com/office/drawing/2014/main" id="{A5C6B5C1-6075-4315-A6E3-6CCB2438CE33}"/>
               </a:ext>
             </a:extLst>
           </p:cNvPr>
@@ -2927,7 +2928,7 @@
           <p:cNvPr id="5" name="바닥글 개체 틀 4">
             <a:extLst>
               <a:ext uri="{FF2B5EF4-FFF2-40B4-BE49-F238E27FC236}">
-                <a16:creationId xmlns:a16="http://schemas.microsoft.com/office/drawing/2014/main" xmlns="" id="{44EC332D-5CC3-4692-ADAC-F797423C040C}"/>
+                <a16:creationId xmlns="" xmlns:a16="http://schemas.microsoft.com/office/drawing/2014/main" id="{44EC332D-5CC3-4692-ADAC-F797423C040C}"/>
               </a:ext>
             </a:extLst>
           </p:cNvPr>
@@ -2970,7 +2971,7 @@
           <p:cNvPr id="6" name="슬라이드 번호 개체 틀 5">
             <a:extLst>
               <a:ext uri="{FF2B5EF4-FFF2-40B4-BE49-F238E27FC236}">
-                <a16:creationId xmlns:a16="http://schemas.microsoft.com/office/drawing/2014/main" xmlns="" id="{6EAA751D-6B6D-458B-9E99-DFAF8049E4EA}"/>
+                <a16:creationId xmlns="" xmlns:a16="http://schemas.microsoft.com/office/drawing/2014/main" id="{6EAA751D-6B6D-458B-9E99-DFAF8049E4EA}"/>
               </a:ext>
             </a:extLst>
           </p:cNvPr>
@@ -3367,7 +3368,7 @@
           <p:cNvPr id="6" name="TextBox 5">
             <a:extLst>
               <a:ext uri="{FF2B5EF4-FFF2-40B4-BE49-F238E27FC236}">
-                <a16:creationId xmlns:a16="http://schemas.microsoft.com/office/drawing/2014/main" xmlns="" id="{090DD904-92DF-4C00-9DEF-62DB324CA9DC}"/>
+                <a16:creationId xmlns="" xmlns:a16="http://schemas.microsoft.com/office/drawing/2014/main" id="{090DD904-92DF-4C00-9DEF-62DB324CA9DC}"/>
               </a:ext>
             </a:extLst>
           </p:cNvPr>
@@ -3436,7 +3437,7 @@
           <p:cNvPr id="7" name="직사각형 6">
             <a:extLst>
               <a:ext uri="{FF2B5EF4-FFF2-40B4-BE49-F238E27FC236}">
-                <a16:creationId xmlns:a16="http://schemas.microsoft.com/office/drawing/2014/main" xmlns="" id="{60ABF07A-FE4E-4688-80CC-687EED60F91B}"/>
+                <a16:creationId xmlns="" xmlns:a16="http://schemas.microsoft.com/office/drawing/2014/main" id="{60ABF07A-FE4E-4688-80CC-687EED60F91B}"/>
               </a:ext>
             </a:extLst>
           </p:cNvPr>
@@ -3488,7 +3489,7 @@
           <p:cNvPr id="8" name="TextBox 7">
             <a:extLst>
               <a:ext uri="{FF2B5EF4-FFF2-40B4-BE49-F238E27FC236}">
-                <a16:creationId xmlns:a16="http://schemas.microsoft.com/office/drawing/2014/main" xmlns="" id="{6136D3A2-8D78-4CCE-AFF0-FB3E4EC571BB}"/>
+                <a16:creationId xmlns="" xmlns:a16="http://schemas.microsoft.com/office/drawing/2014/main" id="{6136D3A2-8D78-4CCE-AFF0-FB3E4EC571BB}"/>
               </a:ext>
             </a:extLst>
           </p:cNvPr>
@@ -3533,7 +3534,7 @@
           <p:cNvPr id="10" name="직선 연결선 9">
             <a:extLst>
               <a:ext uri="{FF2B5EF4-FFF2-40B4-BE49-F238E27FC236}">
-                <a16:creationId xmlns:a16="http://schemas.microsoft.com/office/drawing/2014/main" xmlns="" id="{B3FBACC2-97ED-4D82-BB8A-5711DC7F65D1}"/>
+                <a16:creationId xmlns="" xmlns:a16="http://schemas.microsoft.com/office/drawing/2014/main" id="{B3FBACC2-97ED-4D82-BB8A-5711DC7F65D1}"/>
               </a:ext>
             </a:extLst>
           </p:cNvPr>
@@ -3653,7 +3654,7 @@
           <p:cNvPr id="11" name="TextBox 10">
             <a:extLst>
               <a:ext uri="{FF2B5EF4-FFF2-40B4-BE49-F238E27FC236}">
-                <a16:creationId xmlns:a16="http://schemas.microsoft.com/office/drawing/2014/main" xmlns="" id="{91BE35E7-FEAB-4F32-8A4C-A484EAB8A745}"/>
+                <a16:creationId xmlns="" xmlns:a16="http://schemas.microsoft.com/office/drawing/2014/main" id="{91BE35E7-FEAB-4F32-8A4C-A484EAB8A745}"/>
               </a:ext>
             </a:extLst>
           </p:cNvPr>
@@ -4140,7 +4141,7 @@
         </p:nvSpPr>
         <p:spPr>
           <a:xfrm>
-            <a:off x="455945" y="1338853"/>
+            <a:off x="455945" y="1146731"/>
             <a:ext cx="3244799" cy="584775"/>
           </a:xfrm>
           <a:prstGeom prst="rect">
@@ -4176,8 +4177,8 @@
         </p:nvSpPr>
         <p:spPr>
           <a:xfrm>
-            <a:off x="669701" y="2274838"/>
-            <a:ext cx="11238974" cy="4462760"/>
+            <a:off x="644763" y="1997839"/>
+            <a:ext cx="11238974" cy="2308324"/>
           </a:xfrm>
           <a:prstGeom prst="rect">
             <a:avLst/>
@@ -4237,14 +4238,7 @@
                 <a:latin typeface="HY헤드라인M" panose="02030600000101010101" pitchFamily="18" charset="-127"/>
                 <a:ea typeface="HY헤드라인M" panose="02030600000101010101" pitchFamily="18" charset="-127"/>
               </a:rPr>
-              <a:t>트위치</a:t>
-            </a:r>
-            <a:r>
-              <a:rPr lang="ko-KR" altLang="en-US" sz="2400" dirty="0">
-                <a:latin typeface="HY헤드라인M" panose="02030600000101010101" pitchFamily="18" charset="-127"/>
-                <a:ea typeface="HY헤드라인M" panose="02030600000101010101" pitchFamily="18" charset="-127"/>
-              </a:rPr>
-              <a:t> </a:t>
+              <a:t>트위치 </a:t>
             </a:r>
             <a:r>
               <a:rPr lang="en-US" altLang="ko-KR" sz="2400" dirty="0">
@@ -4362,21 +4356,7 @@
                 <a:latin typeface="HY헤드라인M" panose="02030600000101010101" pitchFamily="18" charset="-127"/>
                 <a:ea typeface="HY헤드라인M" panose="02030600000101010101" pitchFamily="18" charset="-127"/>
               </a:rPr>
-              <a:t>인 미디어 </a:t>
-            </a:r>
-            <a:r>
-              <a:rPr lang="ko-KR" altLang="en-US" sz="2400" dirty="0">
-                <a:latin typeface="HY헤드라인M" panose="02030600000101010101" pitchFamily="18" charset="-127"/>
-                <a:ea typeface="HY헤드라인M" panose="02030600000101010101" pitchFamily="18" charset="-127"/>
-              </a:rPr>
-              <a:t>플렛폼</a:t>
-            </a:r>
-            <a:r>
-              <a:rPr lang="ko-KR" altLang="en-US" sz="2400" dirty="0">
-                <a:latin typeface="HY헤드라인M" panose="02030600000101010101" pitchFamily="18" charset="-127"/>
-                <a:ea typeface="HY헤드라인M" panose="02030600000101010101" pitchFamily="18" charset="-127"/>
-              </a:rPr>
-              <a:t> 시장이 엄청난 성장세를 보이고 있으며</a:t>
+              <a:t>인 미디어 플렛폼 시장이 엄청난 성장세를 보이고 있으며</a:t>
             </a:r>
             <a:endParaRPr lang="en-US" altLang="ko-KR" sz="2400" dirty="0">
               <a:latin typeface="HY헤드라인M" panose="02030600000101010101" pitchFamily="18" charset="-127"/>
@@ -4431,301 +4411,109 @@
               <a:ea typeface="HY헤드라인M" panose="02030600000101010101" pitchFamily="18" charset="-127"/>
             </a:endParaRPr>
           </a:p>
-          <a:p>
-            <a:r>
-              <a:rPr lang="ko-KR" altLang="en-US" sz="2400" dirty="0">
-                <a:latin typeface="HY헤드라인M" panose="02030600000101010101" pitchFamily="18" charset="-127"/>
-                <a:ea typeface="HY헤드라인M" panose="02030600000101010101" pitchFamily="18" charset="-127"/>
-              </a:rPr>
-              <a:t>확실한 진출 가능성이 있는 시장이 </a:t>
-            </a:r>
-            <a:r>
-              <a:rPr lang="ko-KR" altLang="en-US" sz="2400" dirty="0" smtClean="0">
-                <a:latin typeface="HY헤드라인M" panose="02030600000101010101" pitchFamily="18" charset="-127"/>
-                <a:ea typeface="HY헤드라인M" panose="02030600000101010101" pitchFamily="18" charset="-127"/>
-              </a:rPr>
-              <a:t>마련되어 </a:t>
-            </a:r>
-            <a:r>
-              <a:rPr lang="ko-KR" altLang="en-US" sz="2400" dirty="0">
-                <a:latin typeface="HY헤드라인M" panose="02030600000101010101" pitchFamily="18" charset="-127"/>
-                <a:ea typeface="HY헤드라인M" panose="02030600000101010101" pitchFamily="18" charset="-127"/>
-              </a:rPr>
-              <a:t>있음에도 </a:t>
-            </a:r>
-            <a:endParaRPr lang="en-US" altLang="ko-KR" sz="2400" dirty="0">
-              <a:latin typeface="HY헤드라인M" panose="02030600000101010101" pitchFamily="18" charset="-127"/>
-              <a:ea typeface="HY헤드라인M" panose="02030600000101010101" pitchFamily="18" charset="-127"/>
-            </a:endParaRPr>
-          </a:p>
-          <a:p>
-            <a:r>
-              <a:rPr lang="ko-KR" altLang="en-US" sz="2400" dirty="0" smtClean="0">
-                <a:latin typeface="HY헤드라인M" panose="02030600000101010101" pitchFamily="18" charset="-127"/>
-                <a:ea typeface="HY헤드라인M" panose="02030600000101010101" pitchFamily="18" charset="-127"/>
-              </a:rPr>
-              <a:t>시장에 </a:t>
-            </a:r>
-            <a:r>
-              <a:rPr lang="ko-KR" altLang="en-US" sz="2400" dirty="0">
-                <a:latin typeface="HY헤드라인M" panose="02030600000101010101" pitchFamily="18" charset="-127"/>
-                <a:ea typeface="HY헤드라인M" panose="02030600000101010101" pitchFamily="18" charset="-127"/>
-              </a:rPr>
-              <a:t>맞는 게임이 나오지 않고 있다</a:t>
-            </a:r>
-            <a:r>
-              <a:rPr lang="en-US" altLang="ko-KR" sz="2400" dirty="0" smtClean="0">
-                <a:latin typeface="HY헤드라인M" panose="02030600000101010101" pitchFamily="18" charset="-127"/>
-                <a:ea typeface="HY헤드라인M" panose="02030600000101010101" pitchFamily="18" charset="-127"/>
-              </a:rPr>
-              <a:t>.</a:t>
-            </a:r>
-          </a:p>
-          <a:p>
-            <a:endParaRPr lang="en-US" altLang="ko-KR" sz="2400" dirty="0">
-              <a:latin typeface="HY헤드라인M" panose="02030600000101010101" pitchFamily="18" charset="-127"/>
-              <a:ea typeface="HY헤드라인M" panose="02030600000101010101" pitchFamily="18" charset="-127"/>
-            </a:endParaRPr>
-          </a:p>
-          <a:p>
-            <a:r>
-              <a:rPr lang="ko-KR" altLang="en-US" sz="2800" b="1" dirty="0" smtClean="0">
-                <a:effectLst>
-                  <a:outerShdw blurRad="38100" dist="38100" dir="2700000" algn="tl">
-                    <a:srgbClr val="000000">
-                      <a:alpha val="43137"/>
-                    </a:srgbClr>
-                  </a:outerShdw>
-                </a:effectLst>
-                <a:latin typeface="HY헤드라인M" panose="02030600000101010101" pitchFamily="18" charset="-127"/>
-                <a:ea typeface="HY헤드라인M" panose="02030600000101010101" pitchFamily="18" charset="-127"/>
-              </a:rPr>
-              <a:t>커지는 시장에 맞는 </a:t>
-            </a:r>
-            <a:r>
-              <a:rPr lang="en-US" altLang="ko-KR" sz="2800" b="1" dirty="0" smtClean="0">
-                <a:effectLst>
-                  <a:outerShdw blurRad="38100" dist="38100" dir="2700000" algn="tl">
-                    <a:srgbClr val="000000">
-                      <a:alpha val="43137"/>
-                    </a:srgbClr>
-                  </a:outerShdw>
-                </a:effectLst>
-                <a:latin typeface="HY헤드라인M" panose="02030600000101010101" pitchFamily="18" charset="-127"/>
-                <a:ea typeface="HY헤드라인M" panose="02030600000101010101" pitchFamily="18" charset="-127"/>
-              </a:rPr>
-              <a:t>1</a:t>
-            </a:r>
-            <a:r>
-              <a:rPr lang="ko-KR" altLang="en-US" sz="2800" b="1" dirty="0" smtClean="0">
-                <a:effectLst>
-                  <a:outerShdw blurRad="38100" dist="38100" dir="2700000" algn="tl">
-                    <a:srgbClr val="000000">
-                      <a:alpha val="43137"/>
-                    </a:srgbClr>
-                  </a:outerShdw>
-                </a:effectLst>
-                <a:latin typeface="HY헤드라인M" panose="02030600000101010101" pitchFamily="18" charset="-127"/>
-                <a:ea typeface="HY헤드라인M" panose="02030600000101010101" pitchFamily="18" charset="-127"/>
-              </a:rPr>
-              <a:t>인 미디어 </a:t>
-            </a:r>
-            <a:r>
-              <a:rPr lang="ko-KR" altLang="en-US" sz="2800" b="1" dirty="0" err="1" smtClean="0">
-                <a:effectLst>
-                  <a:outerShdw blurRad="38100" dist="38100" dir="2700000" algn="tl">
-                    <a:srgbClr val="000000">
-                      <a:alpha val="43137"/>
-                    </a:srgbClr>
-                  </a:outerShdw>
-                </a:effectLst>
-                <a:latin typeface="HY헤드라인M" panose="02030600000101010101" pitchFamily="18" charset="-127"/>
-                <a:ea typeface="HY헤드라인M" panose="02030600000101010101" pitchFamily="18" charset="-127"/>
-              </a:rPr>
-              <a:t>플렛폼</a:t>
-            </a:r>
-            <a:r>
-              <a:rPr lang="ko-KR" altLang="en-US" sz="2800" b="1" dirty="0" smtClean="0">
-                <a:effectLst>
-                  <a:outerShdw blurRad="38100" dist="38100" dir="2700000" algn="tl">
-                    <a:srgbClr val="000000">
-                      <a:alpha val="43137"/>
-                    </a:srgbClr>
-                  </a:outerShdw>
-                </a:effectLst>
-                <a:latin typeface="HY헤드라인M" panose="02030600000101010101" pitchFamily="18" charset="-127"/>
-                <a:ea typeface="HY헤드라인M" panose="02030600000101010101" pitchFamily="18" charset="-127"/>
-              </a:rPr>
-              <a:t> 전용 게임이 필요하다</a:t>
-            </a:r>
-            <a:r>
-              <a:rPr lang="en-US" altLang="ko-KR" sz="2800" b="1" dirty="0" smtClean="0">
-                <a:effectLst>
-                  <a:outerShdw blurRad="38100" dist="38100" dir="2700000" algn="tl">
-                    <a:srgbClr val="000000">
-                      <a:alpha val="43137"/>
-                    </a:srgbClr>
-                  </a:outerShdw>
-                </a:effectLst>
-                <a:latin typeface="HY헤드라인M" panose="02030600000101010101" pitchFamily="18" charset="-127"/>
-                <a:ea typeface="HY헤드라인M" panose="02030600000101010101" pitchFamily="18" charset="-127"/>
-              </a:rPr>
-              <a:t>.</a:t>
-            </a:r>
-            <a:endParaRPr lang="en-US" altLang="ko-KR" sz="2800" b="1" dirty="0">
-              <a:effectLst>
-                <a:outerShdw blurRad="38100" dist="38100" dir="2700000" algn="tl">
-                  <a:srgbClr val="000000">
-                    <a:alpha val="43137"/>
-                  </a:srgbClr>
-                </a:outerShdw>
-              </a:effectLst>
-              <a:latin typeface="HY헤드라인M" panose="02030600000101010101" pitchFamily="18" charset="-127"/>
-              <a:ea typeface="HY헤드라인M" panose="02030600000101010101" pitchFamily="18" charset="-127"/>
-            </a:endParaRPr>
-          </a:p>
-          <a:p>
-            <a:endParaRPr lang="en-US" altLang="ko-KR" sz="2400" dirty="0">
-              <a:latin typeface="HY헤드라인M" panose="02030600000101010101" pitchFamily="18" charset="-127"/>
-              <a:ea typeface="HY헤드라인M" panose="02030600000101010101" pitchFamily="18" charset="-127"/>
-            </a:endParaRPr>
-          </a:p>
-          <a:p>
-            <a:r>
-              <a:rPr lang="en-US" altLang="ko-KR" sz="1600" dirty="0">
-                <a:latin typeface="HY헤드라인M" panose="02030600000101010101" pitchFamily="18" charset="-127"/>
-                <a:ea typeface="HY헤드라인M" panose="02030600000101010101" pitchFamily="18" charset="-127"/>
-              </a:rPr>
-              <a:t>- </a:t>
-            </a:r>
-            <a:r>
-              <a:rPr lang="ko-KR" altLang="en-US" sz="1600" dirty="0">
-                <a:latin typeface="HY헤드라인M" panose="02030600000101010101" pitchFamily="18" charset="-127"/>
-                <a:ea typeface="HY헤드라인M" panose="02030600000101010101" pitchFamily="18" charset="-127"/>
-              </a:rPr>
-              <a:t>투표 기능 구현 게임은 있다</a:t>
-            </a:r>
-            <a:r>
-              <a:rPr lang="en-US" altLang="ko-KR" sz="1600" dirty="0">
-                <a:latin typeface="HY헤드라인M" panose="02030600000101010101" pitchFamily="18" charset="-127"/>
-                <a:ea typeface="HY헤드라인M" panose="02030600000101010101" pitchFamily="18" charset="-127"/>
-              </a:rPr>
-              <a:t>.</a:t>
-            </a:r>
-            <a:r>
-              <a:rPr lang="ko-KR" altLang="en-US" sz="1600" dirty="0">
-                <a:latin typeface="HY헤드라인M" panose="02030600000101010101" pitchFamily="18" charset="-127"/>
-                <a:ea typeface="HY헤드라인M" panose="02030600000101010101" pitchFamily="18" charset="-127"/>
-              </a:rPr>
-              <a:t> </a:t>
-            </a:r>
-            <a:r>
-              <a:rPr lang="en-US" altLang="ko-KR" sz="1600" dirty="0">
-                <a:latin typeface="HY헤드라인M" panose="02030600000101010101" pitchFamily="18" charset="-127"/>
-                <a:ea typeface="HY헤드라인M" panose="02030600000101010101" pitchFamily="18" charset="-127"/>
-              </a:rPr>
-              <a:t>(</a:t>
-            </a:r>
-            <a:r>
-              <a:rPr lang="en-US" altLang="ko-KR" sz="1600" dirty="0">
-                <a:hlinkClick r:id="rId2"/>
-              </a:rPr>
-              <a:t>Slay the </a:t>
-            </a:r>
-            <a:r>
-              <a:rPr lang="en-US" altLang="ko-KR" sz="1600" dirty="0" smtClean="0">
-                <a:hlinkClick r:id="rId2"/>
-              </a:rPr>
-              <a:t>Spire</a:t>
-            </a:r>
-            <a:r>
-              <a:rPr lang="en-US" altLang="ko-KR" sz="1600" dirty="0" smtClean="0"/>
-              <a:t> </a:t>
-            </a:r>
-            <a:r>
-              <a:rPr lang="ko-KR" altLang="en-US" sz="1400" dirty="0" smtClean="0"/>
-              <a:t>등</a:t>
-            </a:r>
-            <a:r>
-              <a:rPr lang="en-US" altLang="ko-KR" sz="1600" dirty="0" smtClean="0"/>
-              <a:t>]</a:t>
-            </a:r>
-            <a:endParaRPr lang="ko-KR" altLang="en-US" sz="1600" dirty="0">
-              <a:latin typeface="HY헤드라인M" panose="02030600000101010101" pitchFamily="18" charset="-127"/>
-              <a:ea typeface="HY헤드라인M" panose="02030600000101010101" pitchFamily="18" charset="-127"/>
-            </a:endParaRPr>
-          </a:p>
-        </p:txBody>
-      </p:sp>
-      <p:sp>
-        <p:nvSpPr>
-          <p:cNvPr id="8" name="TextBox 7">
-            <a:extLst>
-              <a:ext uri="{FF2B5EF4-FFF2-40B4-BE49-F238E27FC236}">
-                <a16:creationId xmlns:a16="http://schemas.microsoft.com/office/drawing/2014/main" xmlns="" id="{19D8874A-4E9C-4026-924B-5BEEA86EABD0}"/>
-              </a:ext>
-            </a:extLst>
-          </p:cNvPr>
-          <p:cNvSpPr txBox="1"/>
+        </p:txBody>
+      </p:sp>
+      <p:pic>
+        <p:nvPicPr>
+          <p:cNvPr id="6" name="그림 5"/>
+          <p:cNvPicPr>
+            <a:picLocks noChangeAspect="1"/>
+          </p:cNvPicPr>
           <p:nvPr/>
-        </p:nvSpPr>
-        <p:spPr>
-          <a:xfrm>
-            <a:off x="507956" y="3521333"/>
-            <a:ext cx="1362874" cy="707886"/>
+        </p:nvPicPr>
+        <p:blipFill>
+          <a:blip r:embed="rId2"/>
+          <a:stretch>
+            <a:fillRect/>
+          </a:stretch>
+        </p:blipFill>
+        <p:spPr>
+          <a:xfrm>
+            <a:off x="4258639" y="3375053"/>
+            <a:ext cx="2956731" cy="3008377"/>
           </a:xfrm>
           <a:prstGeom prst="rect">
             <a:avLst/>
           </a:prstGeom>
-          <a:noFill/>
+          <a:ln>
+            <a:noFill/>
+          </a:ln>
           <a:effectLst>
-            <a:outerShdw blurRad="50800" dist="38100" dir="2700000" algn="tl" rotWithShape="0">
-              <a:prstClr val="black">
-                <a:alpha val="40000"/>
-              </a:prstClr>
+            <a:outerShdw blurRad="292100" dist="139700" dir="2700000" algn="tl" rotWithShape="0">
+              <a:srgbClr val="333333">
+                <a:alpha val="65000"/>
+              </a:srgbClr>
             </a:outerShdw>
           </a:effectLst>
         </p:spPr>
-        <p:txBody>
-          <a:bodyPr wrap="none" rtlCol="0">
-            <a:spAutoFit/>
-          </a:bodyPr>
-          <a:lstStyle/>
-          <a:p>
-            <a:r>
-              <a:rPr lang="en-US" altLang="ko-KR" sz="4000" b="1" dirty="0">
-                <a:solidFill>
-                  <a:srgbClr val="FABACF"/>
-                </a:solidFill>
-                <a:effectLst>
-                  <a:outerShdw blurRad="38100" dist="38100" dir="2700000" algn="tl">
-                    <a:srgbClr val="000000">
-                      <a:alpha val="43137"/>
-                    </a:srgbClr>
-                  </a:outerShdw>
-                </a:effectLst>
-                <a:latin typeface="HY헤드라인M" panose="02030600000101010101" pitchFamily="18" charset="-127"/>
-                <a:ea typeface="HY헤드라인M" panose="02030600000101010101" pitchFamily="18" charset="-127"/>
-              </a:rPr>
-              <a:t>BUT !</a:t>
-            </a:r>
-            <a:endParaRPr lang="ko-KR" altLang="en-US" sz="4000" b="1" dirty="0">
-              <a:solidFill>
-                <a:srgbClr val="FABACF"/>
-              </a:solidFill>
-              <a:effectLst>
-                <a:outerShdw blurRad="38100" dist="38100" dir="2700000" algn="tl">
-                  <a:srgbClr val="000000">
-                    <a:alpha val="43137"/>
-                  </a:srgbClr>
-                </a:outerShdw>
-              </a:effectLst>
-              <a:latin typeface="HY헤드라인M" panose="02030600000101010101" pitchFamily="18" charset="-127"/>
-              <a:ea typeface="HY헤드라인M" panose="02030600000101010101" pitchFamily="18" charset="-127"/>
-            </a:endParaRPr>
-          </a:p>
-        </p:txBody>
-      </p:sp>
+      </p:pic>
+      <p:pic>
+        <p:nvPicPr>
+          <p:cNvPr id="9" name="그림 8"/>
+          <p:cNvPicPr>
+            <a:picLocks noChangeAspect="1"/>
+          </p:cNvPicPr>
+          <p:nvPr/>
+        </p:nvPicPr>
+        <p:blipFill rotWithShape="1">
+          <a:blip r:embed="rId3"/>
+          <a:srcRect l="9770" t="2458" r="6015"/>
+          <a:stretch/>
+        </p:blipFill>
+        <p:spPr>
+          <a:xfrm>
+            <a:off x="724786" y="3375053"/>
+            <a:ext cx="2975958" cy="3010245"/>
+          </a:xfrm>
+          <a:prstGeom prst="rect">
+            <a:avLst/>
+          </a:prstGeom>
+          <a:ln>
+            <a:noFill/>
+          </a:ln>
+          <a:effectLst>
+            <a:outerShdw blurRad="292100" dist="139700" dir="2700000" algn="tl" rotWithShape="0">
+              <a:srgbClr val="333333">
+                <a:alpha val="65000"/>
+              </a:srgbClr>
+            </a:outerShdw>
+          </a:effectLst>
+        </p:spPr>
+      </p:pic>
+      <p:pic>
+        <p:nvPicPr>
+          <p:cNvPr id="10" name="그림 9"/>
+          <p:cNvPicPr>
+            <a:picLocks noChangeAspect="1"/>
+          </p:cNvPicPr>
+          <p:nvPr/>
+        </p:nvPicPr>
+        <p:blipFill>
+          <a:blip r:embed="rId4"/>
+          <a:stretch>
+            <a:fillRect/>
+          </a:stretch>
+        </p:blipFill>
+        <p:spPr>
+          <a:xfrm>
+            <a:off x="7773266" y="3375053"/>
+            <a:ext cx="3460281" cy="3010244"/>
+          </a:xfrm>
+          <a:prstGeom prst="rect">
+            <a:avLst/>
+          </a:prstGeom>
+          <a:ln>
+            <a:noFill/>
+          </a:ln>
+          <a:effectLst>
+            <a:outerShdw blurRad="292100" dist="139700" dir="2700000" algn="tl" rotWithShape="0">
+              <a:srgbClr val="333333">
+                <a:alpha val="65000"/>
+              </a:srgbClr>
+            </a:outerShdw>
+          </a:effectLst>
+        </p:spPr>
+      </p:pic>
     </p:spTree>
     <p:extLst>
       <p:ext uri="{BB962C8B-B14F-4D97-AF65-F5344CB8AC3E}">
@@ -4758,7 +4546,220 @@
       </p:grpSpPr>
       <p:sp>
         <p:nvSpPr>
-          <p:cNvPr id="4" name="object 4"/>
+          <p:cNvPr id="4" name="직사각형 3"/>
+          <p:cNvSpPr/>
+          <p:nvPr/>
+        </p:nvSpPr>
+        <p:spPr>
+          <a:xfrm>
+            <a:off x="811877" y="2038026"/>
+            <a:ext cx="11133512" cy="1661993"/>
+          </a:xfrm>
+          <a:prstGeom prst="rect">
+            <a:avLst/>
+          </a:prstGeom>
+        </p:spPr>
+        <p:txBody>
+          <a:bodyPr wrap="square">
+            <a:spAutoFit/>
+          </a:bodyPr>
+          <a:lstStyle/>
+          <a:p>
+            <a:r>
+              <a:rPr lang="ko-KR" altLang="en-US" sz="2000" dirty="0">
+                <a:latin typeface="HY헤드라인M" panose="02030600000101010101" pitchFamily="18" charset="-127"/>
+                <a:ea typeface="HY헤드라인M" panose="02030600000101010101" pitchFamily="18" charset="-127"/>
+              </a:rPr>
+              <a:t>확실한 수익성을 내고 있는 시장이 마련되어 있음에도 </a:t>
+            </a:r>
+            <a:r>
+              <a:rPr lang="ko-KR" altLang="en-US" sz="2000" dirty="0" smtClean="0">
+                <a:latin typeface="HY헤드라인M" panose="02030600000101010101" pitchFamily="18" charset="-127"/>
+                <a:ea typeface="HY헤드라인M" panose="02030600000101010101" pitchFamily="18" charset="-127"/>
+              </a:rPr>
+              <a:t>시장을 </a:t>
+            </a:r>
+            <a:r>
+              <a:rPr lang="ko-KR" altLang="en-US" sz="2000" dirty="0">
+                <a:latin typeface="HY헤드라인M" panose="02030600000101010101" pitchFamily="18" charset="-127"/>
+                <a:ea typeface="HY헤드라인M" panose="02030600000101010101" pitchFamily="18" charset="-127"/>
+              </a:rPr>
+              <a:t>활용하는 게임이 나오지 않고 있다</a:t>
+            </a:r>
+            <a:r>
+              <a:rPr lang="en-US" altLang="ko-KR" sz="2000" dirty="0">
+                <a:latin typeface="HY헤드라인M" panose="02030600000101010101" pitchFamily="18" charset="-127"/>
+                <a:ea typeface="HY헤드라인M" panose="02030600000101010101" pitchFamily="18" charset="-127"/>
+              </a:rPr>
+              <a:t>.</a:t>
+            </a:r>
+          </a:p>
+          <a:p>
+            <a:endParaRPr lang="en-US" altLang="ko-KR" sz="2000" dirty="0">
+              <a:latin typeface="HY헤드라인M" panose="02030600000101010101" pitchFamily="18" charset="-127"/>
+              <a:ea typeface="HY헤드라인M" panose="02030600000101010101" pitchFamily="18" charset="-127"/>
+            </a:endParaRPr>
+          </a:p>
+          <a:p>
+            <a:r>
+              <a:rPr lang="ko-KR" altLang="en-US" sz="2800" b="1" dirty="0">
+                <a:effectLst>
+                  <a:outerShdw blurRad="38100" dist="38100" dir="2700000" algn="tl">
+                    <a:srgbClr val="000000">
+                      <a:alpha val="43137"/>
+                    </a:srgbClr>
+                  </a:outerShdw>
+                </a:effectLst>
+                <a:latin typeface="HY헤드라인M" panose="02030600000101010101" pitchFamily="18" charset="-127"/>
+                <a:ea typeface="HY헤드라인M" panose="02030600000101010101" pitchFamily="18" charset="-127"/>
+              </a:rPr>
+              <a:t>커지는 시장에 맞는 </a:t>
+            </a:r>
+            <a:r>
+              <a:rPr lang="en-US" altLang="ko-KR" sz="2800" b="1" dirty="0">
+                <a:effectLst>
+                  <a:outerShdw blurRad="38100" dist="38100" dir="2700000" algn="tl">
+                    <a:srgbClr val="000000">
+                      <a:alpha val="43137"/>
+                    </a:srgbClr>
+                  </a:outerShdw>
+                </a:effectLst>
+                <a:latin typeface="HY헤드라인M" panose="02030600000101010101" pitchFamily="18" charset="-127"/>
+                <a:ea typeface="HY헤드라인M" panose="02030600000101010101" pitchFamily="18" charset="-127"/>
+              </a:rPr>
+              <a:t>1</a:t>
+            </a:r>
+            <a:r>
+              <a:rPr lang="ko-KR" altLang="en-US" sz="2800" b="1" dirty="0">
+                <a:effectLst>
+                  <a:outerShdw blurRad="38100" dist="38100" dir="2700000" algn="tl">
+                    <a:srgbClr val="000000">
+                      <a:alpha val="43137"/>
+                    </a:srgbClr>
+                  </a:outerShdw>
+                </a:effectLst>
+                <a:latin typeface="HY헤드라인M" panose="02030600000101010101" pitchFamily="18" charset="-127"/>
+                <a:ea typeface="HY헤드라인M" panose="02030600000101010101" pitchFamily="18" charset="-127"/>
+              </a:rPr>
+              <a:t>인 미디어 </a:t>
+            </a:r>
+            <a:r>
+              <a:rPr lang="ko-KR" altLang="en-US" sz="2800" b="1" dirty="0" err="1">
+                <a:effectLst>
+                  <a:outerShdw blurRad="38100" dist="38100" dir="2700000" algn="tl">
+                    <a:srgbClr val="000000">
+                      <a:alpha val="43137"/>
+                    </a:srgbClr>
+                  </a:outerShdw>
+                </a:effectLst>
+                <a:latin typeface="HY헤드라인M" panose="02030600000101010101" pitchFamily="18" charset="-127"/>
+                <a:ea typeface="HY헤드라인M" panose="02030600000101010101" pitchFamily="18" charset="-127"/>
+              </a:rPr>
+              <a:t>플렛폼을</a:t>
+            </a:r>
+            <a:r>
+              <a:rPr lang="ko-KR" altLang="en-US" sz="2800" b="1" dirty="0">
+                <a:effectLst>
+                  <a:outerShdw blurRad="38100" dist="38100" dir="2700000" algn="tl">
+                    <a:srgbClr val="000000">
+                      <a:alpha val="43137"/>
+                    </a:srgbClr>
+                  </a:outerShdw>
+                </a:effectLst>
+                <a:latin typeface="HY헤드라인M" panose="02030600000101010101" pitchFamily="18" charset="-127"/>
+                <a:ea typeface="HY헤드라인M" panose="02030600000101010101" pitchFamily="18" charset="-127"/>
+              </a:rPr>
+              <a:t> 활용한 게임이 필요하다</a:t>
+            </a:r>
+            <a:r>
+              <a:rPr lang="en-US" altLang="ko-KR" sz="2800" b="1" dirty="0">
+                <a:effectLst>
+                  <a:outerShdw blurRad="38100" dist="38100" dir="2700000" algn="tl">
+                    <a:srgbClr val="000000">
+                      <a:alpha val="43137"/>
+                    </a:srgbClr>
+                  </a:outerShdw>
+                </a:effectLst>
+                <a:latin typeface="HY헤드라인M" panose="02030600000101010101" pitchFamily="18" charset="-127"/>
+                <a:ea typeface="HY헤드라인M" panose="02030600000101010101" pitchFamily="18" charset="-127"/>
+              </a:rPr>
+              <a:t>.</a:t>
+            </a:r>
+          </a:p>
+          <a:p>
+            <a:endParaRPr lang="en-US" altLang="ko-KR" sz="2000" dirty="0">
+              <a:latin typeface="HY헤드라인M" panose="02030600000101010101" pitchFamily="18" charset="-127"/>
+              <a:ea typeface="HY헤드라인M" panose="02030600000101010101" pitchFamily="18" charset="-127"/>
+            </a:endParaRPr>
+          </a:p>
+          <a:p>
+            <a:r>
+              <a:rPr lang="en-US" altLang="ko-KR" sz="1400" dirty="0">
+                <a:latin typeface="HY헤드라인M" panose="02030600000101010101" pitchFamily="18" charset="-127"/>
+                <a:ea typeface="HY헤드라인M" panose="02030600000101010101" pitchFamily="18" charset="-127"/>
+              </a:rPr>
+              <a:t>- </a:t>
+            </a:r>
+            <a:r>
+              <a:rPr lang="ko-KR" altLang="en-US" sz="1400" dirty="0">
+                <a:latin typeface="HY헤드라인M" panose="02030600000101010101" pitchFamily="18" charset="-127"/>
+                <a:ea typeface="HY헤드라인M" panose="02030600000101010101" pitchFamily="18" charset="-127"/>
+              </a:rPr>
+              <a:t>투표 기능 구현 게임은 있다</a:t>
+            </a:r>
+            <a:r>
+              <a:rPr lang="en-US" altLang="ko-KR" sz="1400" dirty="0">
+                <a:latin typeface="HY헤드라인M" panose="02030600000101010101" pitchFamily="18" charset="-127"/>
+                <a:ea typeface="HY헤드라인M" panose="02030600000101010101" pitchFamily="18" charset="-127"/>
+              </a:rPr>
+              <a:t>.</a:t>
+            </a:r>
+            <a:r>
+              <a:rPr lang="ko-KR" altLang="en-US" sz="1400" dirty="0">
+                <a:latin typeface="HY헤드라인M" panose="02030600000101010101" pitchFamily="18" charset="-127"/>
+                <a:ea typeface="HY헤드라인M" panose="02030600000101010101" pitchFamily="18" charset="-127"/>
+              </a:rPr>
+              <a:t> </a:t>
+            </a:r>
+            <a:r>
+              <a:rPr lang="en-US" altLang="ko-KR" sz="1400" dirty="0" smtClean="0">
+                <a:latin typeface="HY헤드라인M" panose="02030600000101010101" pitchFamily="18" charset="-127"/>
+                <a:ea typeface="HY헤드라인M" panose="02030600000101010101" pitchFamily="18" charset="-127"/>
+              </a:rPr>
+              <a:t>(ex. </a:t>
+            </a:r>
+            <a:r>
+              <a:rPr lang="en-US" altLang="ko-KR" sz="1400" dirty="0" smtClean="0">
+                <a:hlinkClick r:id="rId2"/>
+              </a:rPr>
+              <a:t>Slay </a:t>
+            </a:r>
+            <a:r>
+              <a:rPr lang="en-US" altLang="ko-KR" sz="1400" dirty="0">
+                <a:hlinkClick r:id="rId2"/>
+              </a:rPr>
+              <a:t>the </a:t>
+            </a:r>
+            <a:r>
+              <a:rPr lang="en-US" altLang="ko-KR" sz="1400" dirty="0" smtClean="0">
+                <a:hlinkClick r:id="rId2"/>
+              </a:rPr>
+              <a:t>Spire</a:t>
+            </a:r>
+            <a:r>
+              <a:rPr lang="en-US" altLang="ko-KR" sz="1400" dirty="0" smtClean="0"/>
+              <a:t>]</a:t>
+            </a:r>
+            <a:endParaRPr lang="ko-KR" altLang="en-US" sz="1400" dirty="0">
+              <a:latin typeface="HY헤드라인M" panose="02030600000101010101" pitchFamily="18" charset="-127"/>
+              <a:ea typeface="HY헤드라인M" panose="02030600000101010101" pitchFamily="18" charset="-127"/>
+            </a:endParaRPr>
+          </a:p>
+        </p:txBody>
+      </p:sp>
+      <p:sp>
+        <p:nvSpPr>
+          <p:cNvPr id="5" name="object 4"/>
           <p:cNvSpPr/>
           <p:nvPr/>
         </p:nvSpPr>
@@ -4808,14 +4809,14 @@
       </p:sp>
       <p:sp>
         <p:nvSpPr>
-          <p:cNvPr id="5" name="TextBox 4"/>
+          <p:cNvPr id="6" name="TextBox 5"/>
           <p:cNvSpPr txBox="1"/>
           <p:nvPr/>
         </p:nvSpPr>
         <p:spPr>
           <a:xfrm>
             <a:off x="180303" y="129241"/>
-            <a:ext cx="4770858" cy="707886"/>
+            <a:ext cx="3140603" cy="707886"/>
           </a:xfrm>
           <a:prstGeom prst="rect">
             <a:avLst/>
@@ -4828,41 +4829,113 @@
           </a:bodyPr>
           <a:lstStyle/>
           <a:p>
-            <a:r>
-              <a:rPr lang="en-US" altLang="ko-KR" sz="4000" dirty="0">
-                <a:latin typeface="타이포_쌍문동 B" panose="02020803020101020101" pitchFamily="18" charset="-127"/>
-                <a:ea typeface="타이포_쌍문동 B" panose="02020803020101020101" pitchFamily="18" charset="-127"/>
-              </a:rPr>
-              <a:t>2. </a:t>
-            </a:r>
+            <a:pPr marL="742950" indent="-742950">
+              <a:buFont typeface="+mj-lt"/>
+              <a:buAutoNum type="arabicPeriod"/>
+            </a:pPr>
             <a:r>
               <a:rPr lang="ko-KR" altLang="en-US" sz="4000" dirty="0">
                 <a:latin typeface="타이포_쌍문동 B" panose="02020803020101020101" pitchFamily="18" charset="-127"/>
                 <a:ea typeface="타이포_쌍문동 B" panose="02020803020101020101" pitchFamily="18" charset="-127"/>
               </a:rPr>
-              <a:t>게임소개 및 특징</a:t>
-            </a:r>
+              <a:t>연구 목적</a:t>
+            </a:r>
+          </a:p>
+        </p:txBody>
+      </p:sp>
+      <p:sp>
+        <p:nvSpPr>
+          <p:cNvPr id="7" name="TextBox 6">
+            <a:extLst>
+              <a:ext uri="{FF2B5EF4-FFF2-40B4-BE49-F238E27FC236}">
+                <a16:creationId xmlns="" xmlns:a16="http://schemas.microsoft.com/office/drawing/2014/main" id="{19D8874A-4E9C-4026-924B-5BEEA86EABD0}"/>
+              </a:ext>
+            </a:extLst>
+          </p:cNvPr>
+          <p:cNvSpPr txBox="1"/>
+          <p:nvPr/>
+        </p:nvSpPr>
+        <p:spPr>
+          <a:xfrm>
+            <a:off x="505822" y="1191070"/>
+            <a:ext cx="1362874" cy="707886"/>
+          </a:xfrm>
+          <a:prstGeom prst="rect">
+            <a:avLst/>
+          </a:prstGeom>
+          <a:noFill/>
+          <a:effectLst>
+            <a:outerShdw blurRad="50800" dist="38100" dir="2700000" algn="tl" rotWithShape="0">
+              <a:prstClr val="black">
+                <a:alpha val="40000"/>
+              </a:prstClr>
+            </a:outerShdw>
+          </a:effectLst>
+        </p:spPr>
+        <p:txBody>
+          <a:bodyPr wrap="none" rtlCol="0">
+            <a:spAutoFit/>
+          </a:bodyPr>
+          <a:lstStyle/>
+          <a:p>
+            <a:r>
+              <a:rPr lang="en-US" altLang="ko-KR" sz="4000" b="1" dirty="0">
+                <a:solidFill>
+                  <a:srgbClr val="FABACF"/>
+                </a:solidFill>
+                <a:effectLst>
+                  <a:outerShdw blurRad="38100" dist="38100" dir="2700000" algn="tl">
+                    <a:srgbClr val="000000">
+                      <a:alpha val="43137"/>
+                    </a:srgbClr>
+                  </a:outerShdw>
+                </a:effectLst>
+                <a:latin typeface="HY헤드라인M" panose="02030600000101010101" pitchFamily="18" charset="-127"/>
+                <a:ea typeface="HY헤드라인M" panose="02030600000101010101" pitchFamily="18" charset="-127"/>
+              </a:rPr>
+              <a:t>BUT !</a:t>
+            </a:r>
+            <a:endParaRPr lang="ko-KR" altLang="en-US" sz="4000" b="1" dirty="0">
+              <a:solidFill>
+                <a:srgbClr val="FABACF"/>
+              </a:solidFill>
+              <a:effectLst>
+                <a:outerShdw blurRad="38100" dist="38100" dir="2700000" algn="tl">
+                  <a:srgbClr val="000000">
+                    <a:alpha val="43137"/>
+                  </a:srgbClr>
+                </a:outerShdw>
+              </a:effectLst>
+              <a:latin typeface="HY헤드라인M" panose="02030600000101010101" pitchFamily="18" charset="-127"/>
+              <a:ea typeface="HY헤드라인M" panose="02030600000101010101" pitchFamily="18" charset="-127"/>
+            </a:endParaRPr>
           </a:p>
         </p:txBody>
       </p:sp>
       <p:pic>
         <p:nvPicPr>
-          <p:cNvPr id="11" name="그림 10"/>
+          <p:cNvPr id="8" name="그림 7"/>
           <p:cNvPicPr>
             <a:picLocks noChangeAspect="1"/>
           </p:cNvPicPr>
           <p:nvPr/>
         </p:nvPicPr>
         <p:blipFill>
-          <a:blip r:embed="rId2"/>
+          <a:blip r:embed="rId3">
+            <a:extLst>
+              <a:ext uri="{28A0092B-C50C-407E-A947-70E740481C1C}">
+                <a14:useLocalDpi xmlns:a14="http://schemas.microsoft.com/office/drawing/2010/main" val="0"/>
+              </a:ext>
+            </a:extLst>
+          </a:blip>
           <a:stretch>
             <a:fillRect/>
           </a:stretch>
         </p:blipFill>
         <p:spPr>
           <a:xfrm>
-            <a:off x="417261" y="1279816"/>
-            <a:ext cx="4552133" cy="2649484"/>
+            <a:off x="811877" y="3839089"/>
+            <a:ext cx="5070087" cy="2691939"/>
           </a:xfrm>
           <a:prstGeom prst="rect">
             <a:avLst/>
@@ -4877,236 +4950,31 @@
           </p:cNvPicPr>
           <p:nvPr/>
         </p:nvPicPr>
-        <p:blipFill>
-          <a:blip r:embed="rId3">
-            <a:duotone>
-              <a:schemeClr val="accent4">
-                <a:shade val="45000"/>
-                <a:satMod val="135000"/>
-              </a:schemeClr>
-              <a:prstClr val="white"/>
-            </a:duotone>
+        <p:blipFill rotWithShape="1">
+          <a:blip r:embed="rId4">
             <a:extLst>
               <a:ext uri="{28A0092B-C50C-407E-A947-70E740481C1C}">
                 <a14:useLocalDpi xmlns:a14="http://schemas.microsoft.com/office/drawing/2010/main" val="0"/>
               </a:ext>
             </a:extLst>
           </a:blip>
-          <a:stretch>
-            <a:fillRect/>
-          </a:stretch>
+          <a:srcRect t="14682" b="8182"/>
+          <a:stretch/>
         </p:blipFill>
         <p:spPr>
-          <a:xfrm rot="2466467">
-            <a:off x="1234519" y="1712694"/>
-            <a:ext cx="2951980" cy="1902892"/>
+          <a:xfrm>
+            <a:off x="6542116" y="3241964"/>
+            <a:ext cx="4721629" cy="3491345"/>
           </a:xfrm>
           <a:prstGeom prst="rect">
             <a:avLst/>
           </a:prstGeom>
-        </p:spPr>
-      </p:pic>
-      <p:pic>
-        <p:nvPicPr>
-          <p:cNvPr id="12" name="그림 11"/>
-          <p:cNvPicPr>
-            <a:picLocks noChangeAspect="1"/>
-          </p:cNvPicPr>
-          <p:nvPr/>
-        </p:nvPicPr>
-        <p:blipFill>
-          <a:blip r:embed="rId4"/>
-          <a:stretch>
-            <a:fillRect/>
-          </a:stretch>
-        </p:blipFill>
-        <p:spPr>
-          <a:xfrm>
-            <a:off x="417260" y="3929300"/>
-            <a:ext cx="4552133" cy="2745585"/>
-          </a:xfrm>
-          <a:prstGeom prst="rect">
-            <a:avLst/>
-          </a:prstGeom>
-        </p:spPr>
-      </p:pic>
-      <p:pic>
-        <p:nvPicPr>
-          <p:cNvPr id="9" name="그림 8"/>
-          <p:cNvPicPr>
-            <a:picLocks noChangeAspect="1"/>
-          </p:cNvPicPr>
-          <p:nvPr/>
-        </p:nvPicPr>
-        <p:blipFill rotWithShape="1">
-          <a:blip r:embed="rId5">
-            <a:duotone>
-              <a:schemeClr val="accent4">
-                <a:shade val="45000"/>
-                <a:satMod val="135000"/>
-              </a:schemeClr>
-              <a:prstClr val="white"/>
-            </a:duotone>
-            <a:extLst>
-              <a:ext uri="{28A0092B-C50C-407E-A947-70E740481C1C}">
-                <a14:useLocalDpi xmlns:a14="http://schemas.microsoft.com/office/drawing/2010/main" val="0"/>
-              </a:ext>
-            </a:extLst>
-          </a:blip>
-          <a:srcRect l="39524" r="41048"/>
-          <a:stretch/>
-        </p:blipFill>
-        <p:spPr>
-          <a:xfrm rot="12024704">
-            <a:off x="1928211" y="3786978"/>
-            <a:ext cx="889000" cy="2614706"/>
-          </a:xfrm>
-          <a:prstGeom prst="rect">
-            <a:avLst/>
-          </a:prstGeom>
-        </p:spPr>
-      </p:pic>
-      <p:sp>
-        <p:nvSpPr>
-          <p:cNvPr id="13" name="TextBox 12"/>
-          <p:cNvSpPr txBox="1"/>
-          <p:nvPr/>
-        </p:nvSpPr>
-        <p:spPr>
-          <a:xfrm>
-            <a:off x="1824677" y="890186"/>
-            <a:ext cx="1552028" cy="400110"/>
-          </a:xfrm>
-          <a:prstGeom prst="rect">
-            <a:avLst/>
-          </a:prstGeom>
-          <a:noFill/>
-        </p:spPr>
-        <p:txBody>
-          <a:bodyPr wrap="none" rtlCol="0">
-            <a:spAutoFit/>
-          </a:bodyPr>
-          <a:lstStyle/>
-          <a:p>
-            <a:r>
-              <a:rPr lang="ko-KR" altLang="en-US" sz="2000" smtClean="0">
-                <a:latin typeface="HY헤드라인M" panose="02030600000101010101" pitchFamily="18" charset="-127"/>
-                <a:ea typeface="HY헤드라인M" panose="02030600000101010101" pitchFamily="18" charset="-127"/>
-              </a:rPr>
-              <a:t>캐릭터 </a:t>
-            </a:r>
-            <a:r>
-              <a:rPr lang="ko-KR" altLang="en-US" sz="2000" dirty="0" err="1" smtClean="0">
-                <a:latin typeface="HY헤드라인M" panose="02030600000101010101" pitchFamily="18" charset="-127"/>
-                <a:ea typeface="HY헤드라인M" panose="02030600000101010101" pitchFamily="18" charset="-127"/>
-              </a:rPr>
-              <a:t>컨셉</a:t>
-            </a:r>
-            <a:endParaRPr lang="ko-KR" altLang="en-US" sz="2000" dirty="0">
-              <a:latin typeface="HY헤드라인M" panose="02030600000101010101" pitchFamily="18" charset="-127"/>
-              <a:ea typeface="HY헤드라인M" panose="02030600000101010101" pitchFamily="18" charset="-127"/>
-            </a:endParaRPr>
-          </a:p>
-        </p:txBody>
-      </p:sp>
-      <p:sp>
-        <p:nvSpPr>
-          <p:cNvPr id="14" name="TextBox 13"/>
-          <p:cNvSpPr txBox="1"/>
-          <p:nvPr/>
-        </p:nvSpPr>
-        <p:spPr>
-          <a:xfrm>
-            <a:off x="8212777" y="924164"/>
-            <a:ext cx="1039067" cy="400110"/>
-          </a:xfrm>
-          <a:prstGeom prst="rect">
-            <a:avLst/>
-          </a:prstGeom>
-          <a:noFill/>
-        </p:spPr>
-        <p:txBody>
-          <a:bodyPr wrap="none" rtlCol="0">
-            <a:spAutoFit/>
-          </a:bodyPr>
-          <a:lstStyle/>
-          <a:p>
-            <a:r>
-              <a:rPr lang="ko-KR" altLang="en-US" sz="2000" dirty="0" err="1" smtClean="0">
-                <a:latin typeface="HY헤드라인M" panose="02030600000101010101" pitchFamily="18" charset="-127"/>
-                <a:ea typeface="HY헤드라인M" panose="02030600000101010101" pitchFamily="18" charset="-127"/>
-              </a:rPr>
-              <a:t>맵</a:t>
-            </a:r>
-            <a:r>
-              <a:rPr lang="ko-KR" altLang="en-US" sz="2000" dirty="0" smtClean="0">
-                <a:latin typeface="HY헤드라인M" panose="02030600000101010101" pitchFamily="18" charset="-127"/>
-                <a:ea typeface="HY헤드라인M" panose="02030600000101010101" pitchFamily="18" charset="-127"/>
-              </a:rPr>
-              <a:t> </a:t>
-            </a:r>
-            <a:r>
-              <a:rPr lang="ko-KR" altLang="en-US" sz="2000" dirty="0" err="1" smtClean="0">
-                <a:latin typeface="HY헤드라인M" panose="02030600000101010101" pitchFamily="18" charset="-127"/>
-                <a:ea typeface="HY헤드라인M" panose="02030600000101010101" pitchFamily="18" charset="-127"/>
-              </a:rPr>
-              <a:t>컨셉</a:t>
-            </a:r>
-            <a:endParaRPr lang="ko-KR" altLang="en-US" sz="2000" dirty="0">
-              <a:latin typeface="HY헤드라인M" panose="02030600000101010101" pitchFamily="18" charset="-127"/>
-              <a:ea typeface="HY헤드라인M" panose="02030600000101010101" pitchFamily="18" charset="-127"/>
-            </a:endParaRPr>
-          </a:p>
-        </p:txBody>
-      </p:sp>
-      <p:pic>
-        <p:nvPicPr>
-          <p:cNvPr id="15" name="그림 14"/>
-          <p:cNvPicPr>
-            <a:picLocks noChangeAspect="1"/>
-          </p:cNvPicPr>
-          <p:nvPr/>
-        </p:nvPicPr>
-        <p:blipFill>
-          <a:blip r:embed="rId6">
-            <a:extLst>
-              <a:ext uri="{28A0092B-C50C-407E-A947-70E740481C1C}">
-                <a14:useLocalDpi xmlns:a14="http://schemas.microsoft.com/office/drawing/2010/main" val="0"/>
-              </a:ext>
-            </a:extLst>
-          </a:blip>
-          <a:stretch>
-            <a:fillRect/>
-          </a:stretch>
-        </p:blipFill>
-        <p:spPr>
-          <a:xfrm>
-            <a:off x="5760008" y="1887301"/>
-            <a:ext cx="5944604" cy="4083998"/>
-          </a:xfrm>
-          <a:prstGeom prst="rect">
-            <a:avLst/>
-          </a:prstGeom>
-          <a:ln w="38100" cap="sq">
-            <a:solidFill>
-              <a:srgbClr val="000000"/>
-            </a:solidFill>
-            <a:prstDash val="solid"/>
-            <a:miter lim="800000"/>
-          </a:ln>
-          <a:effectLst>
-            <a:outerShdw blurRad="50800" dist="38100" dir="2700000" algn="tl" rotWithShape="0">
-              <a:srgbClr val="000000">
-                <a:alpha val="43000"/>
-              </a:srgbClr>
-            </a:outerShdw>
-          </a:effectLst>
         </p:spPr>
       </p:pic>
     </p:spTree>
     <p:extLst>
       <p:ext uri="{BB962C8B-B14F-4D97-AF65-F5344CB8AC3E}">
-        <p14:creationId xmlns:p14="http://schemas.microsoft.com/office/powerpoint/2010/main" val="1470767982"/>
+        <p14:creationId xmlns:p14="http://schemas.microsoft.com/office/powerpoint/2010/main" val="452425691"/>
       </p:ext>
     </p:extLst>
   </p:cSld>
@@ -5224,76 +5092,31 @@
       </p:sp>
       <p:pic>
         <p:nvPicPr>
-          <p:cNvPr id="2" name="그림 1"/>
+          <p:cNvPr id="11" name="그림 10"/>
           <p:cNvPicPr>
             <a:picLocks noChangeAspect="1"/>
           </p:cNvPicPr>
           <p:nvPr/>
         </p:nvPicPr>
-        <p:blipFill rotWithShape="1">
+        <p:blipFill>
           <a:blip r:embed="rId2"/>
-          <a:srcRect l="21115"/>
-          <a:stretch/>
+          <a:stretch>
+            <a:fillRect/>
+          </a:stretch>
         </p:blipFill>
         <p:spPr>
           <a:xfrm>
-            <a:off x="180303" y="1400728"/>
-            <a:ext cx="6834010" cy="4873072"/>
+            <a:off x="417261" y="1279816"/>
+            <a:ext cx="4552133" cy="2649484"/>
           </a:xfrm>
           <a:prstGeom prst="rect">
             <a:avLst/>
           </a:prstGeom>
         </p:spPr>
       </p:pic>
-      <p:sp>
-        <p:nvSpPr>
-          <p:cNvPr id="3" name="직사각형 2"/>
-          <p:cNvSpPr/>
-          <p:nvPr/>
-        </p:nvSpPr>
-        <p:spPr>
-          <a:xfrm>
-            <a:off x="5095203" y="3911600"/>
-            <a:ext cx="1919110" cy="1409700"/>
-          </a:xfrm>
-          <a:prstGeom prst="rect">
-            <a:avLst/>
-          </a:prstGeom>
-          <a:noFill/>
-          <a:ln w="57150">
-            <a:solidFill>
-              <a:srgbClr val="FF0000"/>
-            </a:solidFill>
-          </a:ln>
-        </p:spPr>
-        <p:style>
-          <a:lnRef idx="2">
-            <a:schemeClr val="accent1">
-              <a:shade val="50000"/>
-            </a:schemeClr>
-          </a:lnRef>
-          <a:fillRef idx="1">
-            <a:schemeClr val="accent1"/>
-          </a:fillRef>
-          <a:effectRef idx="0">
-            <a:schemeClr val="accent1"/>
-          </a:effectRef>
-          <a:fontRef idx="minor">
-            <a:schemeClr val="lt1"/>
-          </a:fontRef>
-        </p:style>
-        <p:txBody>
-          <a:bodyPr rtlCol="0" anchor="ctr"/>
-          <a:lstStyle/>
-          <a:p>
-            <a:pPr algn="ctr"/>
-            <a:endParaRPr lang="ko-KR" altLang="en-US"/>
-          </a:p>
-        </p:txBody>
-      </p:sp>
       <p:pic>
         <p:nvPicPr>
-          <p:cNvPr id="8" name="그림 7"/>
+          <p:cNvPr id="10" name="그림 9"/>
           <p:cNvPicPr>
             <a:picLocks noChangeAspect="1"/>
           </p:cNvPicPr>
@@ -5301,6 +5124,13 @@
         </p:nvPicPr>
         <p:blipFill>
           <a:blip r:embed="rId3">
+            <a:duotone>
+              <a:schemeClr val="accent4">
+                <a:shade val="45000"/>
+                <a:satMod val="135000"/>
+              </a:schemeClr>
+              <a:prstClr val="white"/>
+            </a:duotone>
             <a:extLst>
               <a:ext uri="{28A0092B-C50C-407E-A947-70E740481C1C}">
                 <a14:useLocalDpi xmlns:a14="http://schemas.microsoft.com/office/drawing/2010/main" val="0"/>
@@ -5312,102 +5142,85 @@
           </a:stretch>
         </p:blipFill>
         <p:spPr>
-          <a:xfrm>
-            <a:off x="3950898" y="1518862"/>
-            <a:ext cx="2899513" cy="2046003"/>
+          <a:xfrm rot="2466467">
+            <a:off x="1234519" y="1712694"/>
+            <a:ext cx="2951980" cy="1902892"/>
           </a:xfrm>
           <a:prstGeom prst="rect">
             <a:avLst/>
           </a:prstGeom>
-          <a:ln w="57150">
-            <a:solidFill>
-              <a:srgbClr val="FF0000"/>
-            </a:solidFill>
-          </a:ln>
         </p:spPr>
       </p:pic>
-      <p:cxnSp>
-        <p:nvCxnSpPr>
-          <p:cNvPr id="10" name="직선 화살표 연결선 9"/>
-          <p:cNvCxnSpPr/>
+      <p:pic>
+        <p:nvPicPr>
+          <p:cNvPr id="12" name="그림 11"/>
+          <p:cNvPicPr>
+            <a:picLocks noChangeAspect="1"/>
+          </p:cNvPicPr>
           <p:nvPr/>
-        </p:nvCxnSpPr>
-        <p:spPr>
-          <a:xfrm flipH="1">
-            <a:off x="7206332" y="2135464"/>
-            <a:ext cx="415186" cy="0"/>
-          </a:xfrm>
-          <a:prstGeom prst="straightConnector1">
+        </p:nvPicPr>
+        <p:blipFill>
+          <a:blip r:embed="rId4"/>
+          <a:stretch>
+            <a:fillRect/>
+          </a:stretch>
+        </p:blipFill>
+        <p:spPr>
+          <a:xfrm>
+            <a:off x="417260" y="3929300"/>
+            <a:ext cx="4552133" cy="2745585"/>
+          </a:xfrm>
+          <a:prstGeom prst="rect">
             <a:avLst/>
           </a:prstGeom>
-          <a:ln>
-            <a:solidFill>
-              <a:schemeClr val="tx1"/>
-            </a:solidFill>
-            <a:tailEnd type="triangle"/>
-          </a:ln>
-        </p:spPr>
-        <p:style>
-          <a:lnRef idx="1">
-            <a:schemeClr val="accent1"/>
-          </a:lnRef>
-          <a:fillRef idx="0">
-            <a:schemeClr val="accent1"/>
-          </a:fillRef>
-          <a:effectRef idx="0">
-            <a:schemeClr val="accent1"/>
-          </a:effectRef>
-          <a:fontRef idx="minor">
-            <a:schemeClr val="tx1"/>
-          </a:fontRef>
-        </p:style>
-      </p:cxnSp>
-      <p:cxnSp>
-        <p:nvCxnSpPr>
-          <p:cNvPr id="13" name="직선 화살표 연결선 12"/>
-          <p:cNvCxnSpPr/>
+        </p:spPr>
+      </p:pic>
+      <p:pic>
+        <p:nvPicPr>
+          <p:cNvPr id="9" name="그림 8"/>
+          <p:cNvPicPr>
+            <a:picLocks noChangeAspect="1"/>
+          </p:cNvPicPr>
           <p:nvPr/>
-        </p:nvCxnSpPr>
-        <p:spPr>
-          <a:xfrm flipH="1">
-            <a:off x="7172146" y="4491314"/>
-            <a:ext cx="415186" cy="0"/>
-          </a:xfrm>
-          <a:prstGeom prst="straightConnector1">
+        </p:nvPicPr>
+        <p:blipFill rotWithShape="1">
+          <a:blip r:embed="rId5">
+            <a:duotone>
+              <a:schemeClr val="accent4">
+                <a:shade val="45000"/>
+                <a:satMod val="135000"/>
+              </a:schemeClr>
+              <a:prstClr val="white"/>
+            </a:duotone>
+            <a:extLst>
+              <a:ext uri="{28A0092B-C50C-407E-A947-70E740481C1C}">
+                <a14:useLocalDpi xmlns:a14="http://schemas.microsoft.com/office/drawing/2010/main" val="0"/>
+              </a:ext>
+            </a:extLst>
+          </a:blip>
+          <a:srcRect l="39524" r="41048"/>
+          <a:stretch/>
+        </p:blipFill>
+        <p:spPr>
+          <a:xfrm rot="12024704">
+            <a:off x="1928211" y="3786978"/>
+            <a:ext cx="889000" cy="2614706"/>
+          </a:xfrm>
+          <a:prstGeom prst="rect">
             <a:avLst/>
           </a:prstGeom>
-          <a:ln>
-            <a:solidFill>
-              <a:schemeClr val="tx1"/>
-            </a:solidFill>
-            <a:tailEnd type="triangle"/>
-          </a:ln>
-        </p:spPr>
-        <p:style>
-          <a:lnRef idx="1">
-            <a:schemeClr val="accent1"/>
-          </a:lnRef>
-          <a:fillRef idx="0">
-            <a:schemeClr val="accent1"/>
-          </a:fillRef>
-          <a:effectRef idx="0">
-            <a:schemeClr val="accent1"/>
-          </a:effectRef>
-          <a:fontRef idx="minor">
-            <a:schemeClr val="tx1"/>
-          </a:fontRef>
-        </p:style>
-      </p:cxnSp>
-      <p:sp>
-        <p:nvSpPr>
-          <p:cNvPr id="14" name="TextBox 13"/>
+        </p:spPr>
+      </p:pic>
+      <p:sp>
+        <p:nvSpPr>
+          <p:cNvPr id="13" name="TextBox 12"/>
           <p:cNvSpPr txBox="1"/>
           <p:nvPr/>
         </p:nvSpPr>
         <p:spPr>
           <a:xfrm>
-            <a:off x="7621518" y="1941698"/>
-            <a:ext cx="4570482" cy="1200329"/>
+            <a:off x="1824677" y="890186"/>
+            <a:ext cx="1552028" cy="400110"/>
           </a:xfrm>
           <a:prstGeom prst="rect">
             <a:avLst/>
@@ -5421,109 +5234,36 @@
           <a:lstStyle/>
           <a:p>
             <a:r>
-              <a:rPr lang="en-US" altLang="ko-KR" dirty="0" smtClean="0">
-                <a:latin typeface="HY헤드라인M" panose="02030600000101010101" pitchFamily="18" charset="-127"/>
-                <a:ea typeface="HY헤드라인M" panose="02030600000101010101" pitchFamily="18" charset="-127"/>
-              </a:rPr>
-              <a:t>Donation (</a:t>
-            </a:r>
-            <a:r>
-              <a:rPr lang="ko-KR" altLang="en-US" dirty="0" smtClean="0">
-                <a:latin typeface="HY헤드라인M" panose="02030600000101010101" pitchFamily="18" charset="-127"/>
-                <a:ea typeface="HY헤드라인M" panose="02030600000101010101" pitchFamily="18" charset="-127"/>
-              </a:rPr>
-              <a:t>후원</a:t>
-            </a:r>
-            <a:r>
-              <a:rPr lang="en-US" altLang="ko-KR" dirty="0" smtClean="0">
-                <a:latin typeface="HY헤드라인M" panose="02030600000101010101" pitchFamily="18" charset="-127"/>
-                <a:ea typeface="HY헤드라인M" panose="02030600000101010101" pitchFamily="18" charset="-127"/>
-              </a:rPr>
-              <a:t>) : </a:t>
-            </a:r>
-          </a:p>
-          <a:p>
-            <a:endParaRPr lang="en-US" altLang="ko-KR" dirty="0" smtClean="0">
+              <a:rPr lang="ko-KR" altLang="en-US" sz="2000" smtClean="0">
+                <a:latin typeface="HY헤드라인M" panose="02030600000101010101" pitchFamily="18" charset="-127"/>
+                <a:ea typeface="HY헤드라인M" panose="02030600000101010101" pitchFamily="18" charset="-127"/>
+              </a:rPr>
+              <a:t>캐릭터 </a:t>
+            </a:r>
+            <a:r>
+              <a:rPr lang="ko-KR" altLang="en-US" sz="2000" dirty="0" err="1" smtClean="0">
+                <a:latin typeface="HY헤드라인M" panose="02030600000101010101" pitchFamily="18" charset="-127"/>
+                <a:ea typeface="HY헤드라인M" panose="02030600000101010101" pitchFamily="18" charset="-127"/>
+              </a:rPr>
+              <a:t>컨셉</a:t>
+            </a:r>
+            <a:endParaRPr lang="ko-KR" altLang="en-US" sz="2000" dirty="0">
               <a:latin typeface="HY헤드라인M" panose="02030600000101010101" pitchFamily="18" charset="-127"/>
               <a:ea typeface="HY헤드라인M" panose="02030600000101010101" pitchFamily="18" charset="-127"/>
             </a:endParaRPr>
           </a:p>
-          <a:p>
-            <a:r>
-              <a:rPr lang="ko-KR" altLang="en-US" dirty="0" smtClean="0">
-                <a:latin typeface="HY헤드라인M" panose="02030600000101010101" pitchFamily="18" charset="-127"/>
-                <a:ea typeface="HY헤드라인M" panose="02030600000101010101" pitchFamily="18" charset="-127"/>
-              </a:rPr>
-              <a:t>시청자들이 </a:t>
-            </a:r>
-            <a:r>
-              <a:rPr lang="ko-KR" altLang="en-US" dirty="0" err="1" smtClean="0">
-                <a:latin typeface="HY헤드라인M" panose="02030600000101010101" pitchFamily="18" charset="-127"/>
-                <a:ea typeface="HY헤드라인M" panose="02030600000101010101" pitchFamily="18" charset="-127"/>
-              </a:rPr>
-              <a:t>스트리머에게</a:t>
-            </a:r>
-            <a:r>
-              <a:rPr lang="ko-KR" altLang="en-US" dirty="0" smtClean="0">
-                <a:latin typeface="HY헤드라인M" panose="02030600000101010101" pitchFamily="18" charset="-127"/>
-                <a:ea typeface="HY헤드라인M" panose="02030600000101010101" pitchFamily="18" charset="-127"/>
-              </a:rPr>
-              <a:t> 후원을 </a:t>
-            </a:r>
-            <a:r>
-              <a:rPr lang="ko-KR" altLang="en-US" dirty="0" err="1" smtClean="0">
-                <a:latin typeface="HY헤드라인M" panose="02030600000101010101" pitchFamily="18" charset="-127"/>
-                <a:ea typeface="HY헤드라인M" panose="02030600000101010101" pitchFamily="18" charset="-127"/>
-              </a:rPr>
-              <a:t>하였을때</a:t>
-            </a:r>
-            <a:r>
-              <a:rPr lang="en-US" altLang="ko-KR" dirty="0" smtClean="0">
-                <a:latin typeface="HY헤드라인M" panose="02030600000101010101" pitchFamily="18" charset="-127"/>
-                <a:ea typeface="HY헤드라인M" panose="02030600000101010101" pitchFamily="18" charset="-127"/>
-              </a:rPr>
-              <a:t/>
-            </a:r>
-            <a:br>
-              <a:rPr lang="en-US" altLang="ko-KR" dirty="0" smtClean="0">
-                <a:latin typeface="HY헤드라인M" panose="02030600000101010101" pitchFamily="18" charset="-127"/>
-                <a:ea typeface="HY헤드라인M" panose="02030600000101010101" pitchFamily="18" charset="-127"/>
-              </a:rPr>
-            </a:br>
-            <a:r>
-              <a:rPr lang="ko-KR" altLang="en-US" dirty="0" err="1" smtClean="0">
-                <a:latin typeface="HY헤드라인M" panose="02030600000101010101" pitchFamily="18" charset="-127"/>
-                <a:ea typeface="HY헤드라인M" panose="02030600000101010101" pitchFamily="18" charset="-127"/>
-              </a:rPr>
-              <a:t>게임내</a:t>
-            </a:r>
-            <a:r>
-              <a:rPr lang="ko-KR" altLang="en-US" dirty="0" smtClean="0">
-                <a:latin typeface="HY헤드라인M" panose="02030600000101010101" pitchFamily="18" charset="-127"/>
-                <a:ea typeface="HY헤드라인M" panose="02030600000101010101" pitchFamily="18" charset="-127"/>
-              </a:rPr>
-              <a:t> 코인이 올라 상품을 살 수 있다</a:t>
-            </a:r>
-            <a:r>
-              <a:rPr lang="en-US" altLang="ko-KR" dirty="0" smtClean="0">
-                <a:latin typeface="HY헤드라인M" panose="02030600000101010101" pitchFamily="18" charset="-127"/>
-                <a:ea typeface="HY헤드라인M" panose="02030600000101010101" pitchFamily="18" charset="-127"/>
-              </a:rPr>
-              <a:t>.</a:t>
-            </a:r>
-          </a:p>
-        </p:txBody>
-      </p:sp>
-      <p:sp>
-        <p:nvSpPr>
-          <p:cNvPr id="15" name="TextBox 14"/>
+        </p:txBody>
+      </p:sp>
+      <p:sp>
+        <p:nvSpPr>
+          <p:cNvPr id="14" name="TextBox 13"/>
           <p:cNvSpPr txBox="1"/>
           <p:nvPr/>
         </p:nvSpPr>
         <p:spPr>
           <a:xfrm>
-            <a:off x="7698462" y="4306648"/>
-            <a:ext cx="4416594" cy="1200329"/>
+            <a:off x="8212777" y="924164"/>
+            <a:ext cx="1039067" cy="400110"/>
           </a:xfrm>
           <a:prstGeom prst="rect">
             <a:avLst/>
@@ -5537,93 +5277,81 @@
           <a:lstStyle/>
           <a:p>
             <a:r>
-              <a:rPr lang="ko-KR" altLang="en-US" dirty="0" err="1" smtClean="0">
-                <a:latin typeface="HY헤드라인M" panose="02030600000101010101" pitchFamily="18" charset="-127"/>
-                <a:ea typeface="HY헤드라인M" panose="02030600000101010101" pitchFamily="18" charset="-127"/>
-              </a:rPr>
-              <a:t>트위치</a:t>
-            </a:r>
-            <a:r>
-              <a:rPr lang="ko-KR" altLang="en-US" dirty="0" smtClean="0">
-                <a:latin typeface="HY헤드라인M" panose="02030600000101010101" pitchFamily="18" charset="-127"/>
-                <a:ea typeface="HY헤드라인M" panose="02030600000101010101" pitchFamily="18" charset="-127"/>
-              </a:rPr>
-              <a:t> 채팅 </a:t>
-            </a:r>
-            <a:r>
-              <a:rPr lang="en-US" altLang="ko-KR" dirty="0" smtClean="0">
-                <a:latin typeface="HY헤드라인M" panose="02030600000101010101" pitchFamily="18" charset="-127"/>
-                <a:ea typeface="HY헤드라인M" panose="02030600000101010101" pitchFamily="18" charset="-127"/>
-              </a:rPr>
-              <a:t>:</a:t>
-            </a:r>
-          </a:p>
-          <a:p>
-            <a:endParaRPr lang="en-US" altLang="ko-KR" dirty="0" smtClean="0">
+              <a:rPr lang="ko-KR" altLang="en-US" sz="2000" dirty="0" err="1" smtClean="0">
+                <a:latin typeface="HY헤드라인M" panose="02030600000101010101" pitchFamily="18" charset="-127"/>
+                <a:ea typeface="HY헤드라인M" panose="02030600000101010101" pitchFamily="18" charset="-127"/>
+              </a:rPr>
+              <a:t>맵</a:t>
+            </a:r>
+            <a:r>
+              <a:rPr lang="ko-KR" altLang="en-US" sz="2000" dirty="0" smtClean="0">
+                <a:latin typeface="HY헤드라인M" panose="02030600000101010101" pitchFamily="18" charset="-127"/>
+                <a:ea typeface="HY헤드라인M" panose="02030600000101010101" pitchFamily="18" charset="-127"/>
+              </a:rPr>
+              <a:t> </a:t>
+            </a:r>
+            <a:r>
+              <a:rPr lang="ko-KR" altLang="en-US" sz="2000" dirty="0" err="1" smtClean="0">
+                <a:latin typeface="HY헤드라인M" panose="02030600000101010101" pitchFamily="18" charset="-127"/>
+                <a:ea typeface="HY헤드라인M" panose="02030600000101010101" pitchFamily="18" charset="-127"/>
+              </a:rPr>
+              <a:t>컨셉</a:t>
+            </a:r>
+            <a:endParaRPr lang="ko-KR" altLang="en-US" sz="2000" dirty="0">
               <a:latin typeface="HY헤드라인M" panose="02030600000101010101" pitchFamily="18" charset="-127"/>
               <a:ea typeface="HY헤드라인M" panose="02030600000101010101" pitchFamily="18" charset="-127"/>
             </a:endParaRPr>
           </a:p>
-          <a:p>
-            <a:r>
-              <a:rPr lang="ko-KR" altLang="en-US" dirty="0" smtClean="0">
-                <a:latin typeface="HY헤드라인M" panose="02030600000101010101" pitchFamily="18" charset="-127"/>
-                <a:ea typeface="HY헤드라인M" panose="02030600000101010101" pitchFamily="18" charset="-127"/>
-              </a:rPr>
-              <a:t>실시간 채팅을 </a:t>
-            </a:r>
-            <a:r>
-              <a:rPr lang="ko-KR" altLang="en-US" dirty="0" err="1" smtClean="0">
-                <a:latin typeface="HY헤드라인M" panose="02030600000101010101" pitchFamily="18" charset="-127"/>
-                <a:ea typeface="HY헤드라인M" panose="02030600000101010101" pitchFamily="18" charset="-127"/>
-              </a:rPr>
-              <a:t>게임내</a:t>
-            </a:r>
-            <a:r>
-              <a:rPr lang="ko-KR" altLang="en-US" dirty="0" smtClean="0">
-                <a:latin typeface="HY헤드라인M" panose="02030600000101010101" pitchFamily="18" charset="-127"/>
-                <a:ea typeface="HY헤드라인M" panose="02030600000101010101" pitchFamily="18" charset="-127"/>
-              </a:rPr>
-              <a:t> 채팅으로 설정하여</a:t>
-            </a:r>
-            <a:endParaRPr lang="en-US" altLang="ko-KR" dirty="0" smtClean="0">
-              <a:latin typeface="HY헤드라인M" panose="02030600000101010101" pitchFamily="18" charset="-127"/>
-              <a:ea typeface="HY헤드라인M" panose="02030600000101010101" pitchFamily="18" charset="-127"/>
-            </a:endParaRPr>
-          </a:p>
-          <a:p>
-            <a:r>
-              <a:rPr lang="ko-KR" altLang="en-US" dirty="0" err="1" smtClean="0">
-                <a:latin typeface="HY헤드라인M" panose="02030600000101010101" pitchFamily="18" charset="-127"/>
-                <a:ea typeface="HY헤드라인M" panose="02030600000101010101" pitchFamily="18" charset="-127"/>
-              </a:rPr>
-              <a:t>스트리머와</a:t>
-            </a:r>
-            <a:r>
-              <a:rPr lang="ko-KR" altLang="en-US" dirty="0" smtClean="0">
-                <a:latin typeface="HY헤드라인M" panose="02030600000101010101" pitchFamily="18" charset="-127"/>
-                <a:ea typeface="HY헤드라인M" panose="02030600000101010101" pitchFamily="18" charset="-127"/>
-              </a:rPr>
-              <a:t> 시청자의 실시간 소통</a:t>
-            </a:r>
-            <a:r>
-              <a:rPr lang="en-US" altLang="ko-KR" dirty="0" smtClean="0">
-                <a:latin typeface="HY헤드라인M" panose="02030600000101010101" pitchFamily="18" charset="-127"/>
-                <a:ea typeface="HY헤드라인M" panose="02030600000101010101" pitchFamily="18" charset="-127"/>
-              </a:rPr>
-              <a:t>.</a:t>
-            </a:r>
-            <a:endParaRPr lang="ko-KR" altLang="en-US" dirty="0">
-              <a:latin typeface="HY헤드라인M" panose="02030600000101010101" pitchFamily="18" charset="-127"/>
-              <a:ea typeface="HY헤드라인M" panose="02030600000101010101" pitchFamily="18" charset="-127"/>
-            </a:endParaRPr>
-          </a:p>
-        </p:txBody>
-      </p:sp>
+        </p:txBody>
+      </p:sp>
+      <p:pic>
+        <p:nvPicPr>
+          <p:cNvPr id="15" name="그림 14"/>
+          <p:cNvPicPr>
+            <a:picLocks noChangeAspect="1"/>
+          </p:cNvPicPr>
+          <p:nvPr/>
+        </p:nvPicPr>
+        <p:blipFill>
+          <a:blip r:embed="rId6">
+            <a:extLst>
+              <a:ext uri="{28A0092B-C50C-407E-A947-70E740481C1C}">
+                <a14:useLocalDpi xmlns:a14="http://schemas.microsoft.com/office/drawing/2010/main" val="0"/>
+              </a:ext>
+            </a:extLst>
+          </a:blip>
+          <a:stretch>
+            <a:fillRect/>
+          </a:stretch>
+        </p:blipFill>
+        <p:spPr>
+          <a:xfrm>
+            <a:off x="5760008" y="1887301"/>
+            <a:ext cx="5944604" cy="4083998"/>
+          </a:xfrm>
+          <a:prstGeom prst="rect">
+            <a:avLst/>
+          </a:prstGeom>
+          <a:ln w="38100" cap="sq">
+            <a:solidFill>
+              <a:srgbClr val="000000"/>
+            </a:solidFill>
+            <a:prstDash val="solid"/>
+            <a:miter lim="800000"/>
+          </a:ln>
+          <a:effectLst>
+            <a:outerShdw blurRad="50800" dist="38100" dir="2700000" algn="tl" rotWithShape="0">
+              <a:srgbClr val="000000">
+                <a:alpha val="43000"/>
+              </a:srgbClr>
+            </a:outerShdw>
+          </a:effectLst>
+        </p:spPr>
+      </p:pic>
     </p:spTree>
     <p:extLst>
       <p:ext uri="{BB962C8B-B14F-4D97-AF65-F5344CB8AC3E}">
-        <p14:creationId xmlns:p14="http://schemas.microsoft.com/office/powerpoint/2010/main" val="1869839230"/>
+        <p14:creationId xmlns:p14="http://schemas.microsoft.com/office/powerpoint/2010/main" val="1470767982"/>
       </p:ext>
     </p:extLst>
   </p:cSld>
@@ -5696,7 +5424,7 @@
           <a:bodyPr wrap="square" lIns="0" tIns="0" rIns="0" bIns="0" rtlCol="0"/>
           <a:lstStyle/>
           <a:p>
-            <a:endParaRPr/>
+            <a:endParaRPr dirty="0"/>
           </a:p>
         </p:txBody>
       </p:sp>
@@ -5709,7 +5437,7 @@
         <p:spPr>
           <a:xfrm>
             <a:off x="180303" y="129241"/>
-            <a:ext cx="4924746" cy="707886"/>
+            <a:ext cx="4770858" cy="707886"/>
           </a:xfrm>
           <a:prstGeom prst="rect">
             <a:avLst/>
@@ -5727,33 +5455,208 @@
                 <a:latin typeface="타이포_쌍문동 B" panose="02020803020101020101" pitchFamily="18" charset="-127"/>
                 <a:ea typeface="타이포_쌍문동 B" panose="02020803020101020101" pitchFamily="18" charset="-127"/>
               </a:rPr>
-              <a:t>3. </a:t>
+              <a:t>2. </a:t>
             </a:r>
             <a:r>
               <a:rPr lang="ko-KR" altLang="en-US" sz="4000" dirty="0">
                 <a:latin typeface="타이포_쌍문동 B" panose="02020803020101020101" pitchFamily="18" charset="-127"/>
                 <a:ea typeface="타이포_쌍문동 B" panose="02020803020101020101" pitchFamily="18" charset="-127"/>
               </a:rPr>
-              <a:t>구현 환경 및 기술</a:t>
-            </a:r>
-          </a:p>
-        </p:txBody>
-      </p:sp>
-      <p:sp>
-        <p:nvSpPr>
-          <p:cNvPr id="6" name="TextBox 5"/>
-          <p:cNvSpPr txBox="1"/>
+              <a:t>게임소개 및 특징</a:t>
+            </a:r>
+          </a:p>
+        </p:txBody>
+      </p:sp>
+      <p:pic>
+        <p:nvPicPr>
+          <p:cNvPr id="2" name="그림 1"/>
+          <p:cNvPicPr>
+            <a:picLocks noChangeAspect="1"/>
+          </p:cNvPicPr>
           <p:nvPr/>
-        </p:nvSpPr>
-        <p:spPr>
-          <a:xfrm>
-            <a:off x="669701" y="1338853"/>
-            <a:ext cx="5136342" cy="3539430"/>
+        </p:nvPicPr>
+        <p:blipFill rotWithShape="1">
+          <a:blip r:embed="rId2"/>
+          <a:srcRect l="21115"/>
+          <a:stretch/>
+        </p:blipFill>
+        <p:spPr>
+          <a:xfrm>
+            <a:off x="180303" y="1400728"/>
+            <a:ext cx="6834010" cy="4873072"/>
+          </a:xfrm>
+          <a:prstGeom prst="rect">
+            <a:avLst/>
+          </a:prstGeom>
+        </p:spPr>
+      </p:pic>
+      <p:sp>
+        <p:nvSpPr>
+          <p:cNvPr id="3" name="직사각형 2"/>
+          <p:cNvSpPr/>
+          <p:nvPr/>
+        </p:nvSpPr>
+        <p:spPr>
+          <a:xfrm>
+            <a:off x="5095203" y="3911600"/>
+            <a:ext cx="1919110" cy="1409700"/>
           </a:xfrm>
           <a:prstGeom prst="rect">
             <a:avLst/>
           </a:prstGeom>
           <a:noFill/>
+          <a:ln w="57150">
+            <a:solidFill>
+              <a:srgbClr val="FF0000"/>
+            </a:solidFill>
+          </a:ln>
+        </p:spPr>
+        <p:style>
+          <a:lnRef idx="2">
+            <a:schemeClr val="accent1">
+              <a:shade val="50000"/>
+            </a:schemeClr>
+          </a:lnRef>
+          <a:fillRef idx="1">
+            <a:schemeClr val="accent1"/>
+          </a:fillRef>
+          <a:effectRef idx="0">
+            <a:schemeClr val="accent1"/>
+          </a:effectRef>
+          <a:fontRef idx="minor">
+            <a:schemeClr val="lt1"/>
+          </a:fontRef>
+        </p:style>
+        <p:txBody>
+          <a:bodyPr rtlCol="0" anchor="ctr"/>
+          <a:lstStyle/>
+          <a:p>
+            <a:pPr algn="ctr"/>
+            <a:endParaRPr lang="ko-KR" altLang="en-US"/>
+          </a:p>
+        </p:txBody>
+      </p:sp>
+      <p:pic>
+        <p:nvPicPr>
+          <p:cNvPr id="8" name="그림 7"/>
+          <p:cNvPicPr>
+            <a:picLocks noChangeAspect="1"/>
+          </p:cNvPicPr>
+          <p:nvPr/>
+        </p:nvPicPr>
+        <p:blipFill rotWithShape="1">
+          <a:blip r:embed="rId3">
+            <a:extLst>
+              <a:ext uri="{28A0092B-C50C-407E-A947-70E740481C1C}">
+                <a14:useLocalDpi xmlns:a14="http://schemas.microsoft.com/office/drawing/2010/main" val="0"/>
+              </a:ext>
+            </a:extLst>
+          </a:blip>
+          <a:srcRect l="12246" t="20024" r="8339"/>
+          <a:stretch/>
+        </p:blipFill>
+        <p:spPr>
+          <a:xfrm>
+            <a:off x="4309142" y="1620322"/>
+            <a:ext cx="2593588" cy="1843079"/>
+          </a:xfrm>
+          <a:prstGeom prst="rect">
+            <a:avLst/>
+          </a:prstGeom>
+          <a:ln w="57150">
+            <a:solidFill>
+              <a:srgbClr val="FF0000"/>
+            </a:solidFill>
+          </a:ln>
+        </p:spPr>
+      </p:pic>
+      <p:cxnSp>
+        <p:nvCxnSpPr>
+          <p:cNvPr id="10" name="직선 화살표 연결선 9"/>
+          <p:cNvCxnSpPr/>
+          <p:nvPr/>
+        </p:nvCxnSpPr>
+        <p:spPr>
+          <a:xfrm flipH="1">
+            <a:off x="7206332" y="2135464"/>
+            <a:ext cx="415186" cy="0"/>
+          </a:xfrm>
+          <a:prstGeom prst="straightConnector1">
+            <a:avLst/>
+          </a:prstGeom>
+          <a:ln>
+            <a:solidFill>
+              <a:schemeClr val="tx1"/>
+            </a:solidFill>
+            <a:tailEnd type="triangle"/>
+          </a:ln>
+        </p:spPr>
+        <p:style>
+          <a:lnRef idx="1">
+            <a:schemeClr val="accent1"/>
+          </a:lnRef>
+          <a:fillRef idx="0">
+            <a:schemeClr val="accent1"/>
+          </a:fillRef>
+          <a:effectRef idx="0">
+            <a:schemeClr val="accent1"/>
+          </a:effectRef>
+          <a:fontRef idx="minor">
+            <a:schemeClr val="tx1"/>
+          </a:fontRef>
+        </p:style>
+      </p:cxnSp>
+      <p:cxnSp>
+        <p:nvCxnSpPr>
+          <p:cNvPr id="13" name="직선 화살표 연결선 12"/>
+          <p:cNvCxnSpPr/>
+          <p:nvPr/>
+        </p:nvCxnSpPr>
+        <p:spPr>
+          <a:xfrm flipH="1">
+            <a:off x="7172146" y="4491314"/>
+            <a:ext cx="415186" cy="0"/>
+          </a:xfrm>
+          <a:prstGeom prst="straightConnector1">
+            <a:avLst/>
+          </a:prstGeom>
+          <a:ln>
+            <a:solidFill>
+              <a:schemeClr val="tx1"/>
+            </a:solidFill>
+            <a:tailEnd type="triangle"/>
+          </a:ln>
+        </p:spPr>
+        <p:style>
+          <a:lnRef idx="1">
+            <a:schemeClr val="accent1"/>
+          </a:lnRef>
+          <a:fillRef idx="0">
+            <a:schemeClr val="accent1"/>
+          </a:fillRef>
+          <a:effectRef idx="0">
+            <a:schemeClr val="accent1"/>
+          </a:effectRef>
+          <a:fontRef idx="minor">
+            <a:schemeClr val="tx1"/>
+          </a:fontRef>
+        </p:style>
+      </p:cxnSp>
+      <p:sp>
+        <p:nvSpPr>
+          <p:cNvPr id="14" name="TextBox 13"/>
+          <p:cNvSpPr txBox="1"/>
+          <p:nvPr/>
+        </p:nvSpPr>
+        <p:spPr>
+          <a:xfrm>
+            <a:off x="7621518" y="1941698"/>
+            <a:ext cx="4570482" cy="1200329"/>
+          </a:xfrm>
+          <a:prstGeom prst="rect">
+            <a:avLst/>
+          </a:prstGeom>
+          <a:noFill/>
         </p:spPr>
         <p:txBody>
           <a:bodyPr wrap="none" rtlCol="0">
@@ -5761,150 +5664,200 @@
           </a:bodyPr>
           <a:lstStyle/>
           <a:p>
-            <a:pPr marL="457200" indent="-457200">
-              <a:buFont typeface="Arial" panose="020B0604020202020204" pitchFamily="34" charset="0"/>
-              <a:buChar char="•"/>
-            </a:pPr>
-            <a:r>
-              <a:rPr lang="en-US" altLang="ko-KR" sz="3200" dirty="0">
-                <a:latin typeface="HY헤드라인M" panose="02030600000101010101" pitchFamily="18" charset="-127"/>
-                <a:ea typeface="HY헤드라인M" panose="02030600000101010101" pitchFamily="18" charset="-127"/>
-              </a:rPr>
-              <a:t>Visual Studio 2017 C++</a:t>
-            </a:r>
-          </a:p>
-          <a:p>
-            <a:pPr marL="457200" indent="-457200">
-              <a:buFont typeface="Arial" panose="020B0604020202020204" pitchFamily="34" charset="0"/>
-              <a:buChar char="•"/>
-            </a:pPr>
-            <a:r>
-              <a:rPr lang="en-US" altLang="ko-KR" sz="3200" dirty="0">
-                <a:latin typeface="HY헤드라인M" panose="02030600000101010101" pitchFamily="18" charset="-127"/>
-                <a:ea typeface="HY헤드라인M" panose="02030600000101010101" pitchFamily="18" charset="-127"/>
-              </a:rPr>
-              <a:t>DirectX 12 </a:t>
-            </a:r>
-            <a:r>
-              <a:rPr lang="en-US" altLang="ko-KR" sz="3200" dirty="0" err="1" smtClean="0">
-                <a:latin typeface="HY헤드라인M" panose="02030600000101010101" pitchFamily="18" charset="-127"/>
-                <a:ea typeface="HY헤드라인M" panose="02030600000101010101" pitchFamily="18" charset="-127"/>
-              </a:rPr>
-              <a:t>sdk</a:t>
-            </a:r>
-            <a:endParaRPr lang="en-US" altLang="ko-KR" sz="3200" dirty="0">
+            <a:r>
+              <a:rPr lang="en-US" altLang="ko-KR" dirty="0" smtClean="0">
+                <a:latin typeface="HY헤드라인M" panose="02030600000101010101" pitchFamily="18" charset="-127"/>
+                <a:ea typeface="HY헤드라인M" panose="02030600000101010101" pitchFamily="18" charset="-127"/>
+              </a:rPr>
+              <a:t>Donation (</a:t>
+            </a:r>
+            <a:r>
+              <a:rPr lang="ko-KR" altLang="en-US" dirty="0" smtClean="0">
+                <a:latin typeface="HY헤드라인M" panose="02030600000101010101" pitchFamily="18" charset="-127"/>
+                <a:ea typeface="HY헤드라인M" panose="02030600000101010101" pitchFamily="18" charset="-127"/>
+              </a:rPr>
+              <a:t>후원</a:t>
+            </a:r>
+            <a:r>
+              <a:rPr lang="en-US" altLang="ko-KR" dirty="0" smtClean="0">
+                <a:latin typeface="HY헤드라인M" panose="02030600000101010101" pitchFamily="18" charset="-127"/>
+                <a:ea typeface="HY헤드라인M" panose="02030600000101010101" pitchFamily="18" charset="-127"/>
+              </a:rPr>
+              <a:t>) : </a:t>
+            </a:r>
+          </a:p>
+          <a:p>
+            <a:endParaRPr lang="en-US" altLang="ko-KR" dirty="0" smtClean="0">
               <a:latin typeface="HY헤드라인M" panose="02030600000101010101" pitchFamily="18" charset="-127"/>
               <a:ea typeface="HY헤드라인M" panose="02030600000101010101" pitchFamily="18" charset="-127"/>
             </a:endParaRPr>
           </a:p>
           <a:p>
-            <a:pPr marL="457200" indent="-457200">
-              <a:buFont typeface="Arial" panose="020B0604020202020204" pitchFamily="34" charset="0"/>
-              <a:buChar char="•"/>
-            </a:pPr>
-            <a:r>
-              <a:rPr lang="en-US" altLang="ko-KR" sz="3200" dirty="0">
-                <a:latin typeface="HY헤드라인M" panose="02030600000101010101" pitchFamily="18" charset="-127"/>
-                <a:ea typeface="HY헤드라인M" panose="02030600000101010101" pitchFamily="18" charset="-127"/>
-              </a:rPr>
-              <a:t>IOCP</a:t>
-            </a:r>
-          </a:p>
-          <a:p>
-            <a:pPr marL="457200" indent="-457200">
-              <a:buFont typeface="Arial" panose="020B0604020202020204" pitchFamily="34" charset="0"/>
-              <a:buChar char="•"/>
-            </a:pPr>
-            <a:r>
-              <a:rPr lang="ko-KR" altLang="en-US" sz="3200" dirty="0" err="1">
+            <a:r>
+              <a:rPr lang="ko-KR" altLang="en-US" dirty="0" smtClean="0">
+                <a:latin typeface="HY헤드라인M" panose="02030600000101010101" pitchFamily="18" charset="-127"/>
+                <a:ea typeface="HY헤드라인M" panose="02030600000101010101" pitchFamily="18" charset="-127"/>
+              </a:rPr>
+              <a:t>시청자들이 </a:t>
+            </a:r>
+            <a:r>
+              <a:rPr lang="ko-KR" altLang="en-US" dirty="0" err="1" smtClean="0">
+                <a:latin typeface="HY헤드라인M" panose="02030600000101010101" pitchFamily="18" charset="-127"/>
+                <a:ea typeface="HY헤드라인M" panose="02030600000101010101" pitchFamily="18" charset="-127"/>
+              </a:rPr>
+              <a:t>스트리머에게</a:t>
+            </a:r>
+            <a:r>
+              <a:rPr lang="ko-KR" altLang="en-US" dirty="0" smtClean="0">
+                <a:latin typeface="HY헤드라인M" panose="02030600000101010101" pitchFamily="18" charset="-127"/>
+                <a:ea typeface="HY헤드라인M" panose="02030600000101010101" pitchFamily="18" charset="-127"/>
+              </a:rPr>
+              <a:t> 후원을 </a:t>
+            </a:r>
+            <a:r>
+              <a:rPr lang="ko-KR" altLang="en-US" dirty="0" err="1" smtClean="0">
+                <a:latin typeface="HY헤드라인M" panose="02030600000101010101" pitchFamily="18" charset="-127"/>
+                <a:ea typeface="HY헤드라인M" panose="02030600000101010101" pitchFamily="18" charset="-127"/>
+              </a:rPr>
+              <a:t>하였을때</a:t>
+            </a:r>
+            <a:r>
+              <a:rPr lang="en-US" altLang="ko-KR" dirty="0" smtClean="0">
+                <a:latin typeface="HY헤드라인M" panose="02030600000101010101" pitchFamily="18" charset="-127"/>
+                <a:ea typeface="HY헤드라인M" panose="02030600000101010101" pitchFamily="18" charset="-127"/>
+              </a:rPr>
+              <a:t/>
+            </a:r>
+            <a:br>
+              <a:rPr lang="en-US" altLang="ko-KR" dirty="0" smtClean="0">
+                <a:latin typeface="HY헤드라인M" panose="02030600000101010101" pitchFamily="18" charset="-127"/>
+                <a:ea typeface="HY헤드라인M" panose="02030600000101010101" pitchFamily="18" charset="-127"/>
+              </a:rPr>
+            </a:br>
+            <a:r>
+              <a:rPr lang="ko-KR" altLang="en-US" dirty="0" err="1" smtClean="0">
+                <a:latin typeface="HY헤드라인M" panose="02030600000101010101" pitchFamily="18" charset="-127"/>
+                <a:ea typeface="HY헤드라인M" panose="02030600000101010101" pitchFamily="18" charset="-127"/>
+              </a:rPr>
+              <a:t>게임내</a:t>
+            </a:r>
+            <a:r>
+              <a:rPr lang="ko-KR" altLang="en-US" dirty="0" smtClean="0">
+                <a:latin typeface="HY헤드라인M" panose="02030600000101010101" pitchFamily="18" charset="-127"/>
+                <a:ea typeface="HY헤드라인M" panose="02030600000101010101" pitchFamily="18" charset="-127"/>
+              </a:rPr>
+              <a:t> 코인이 올라 상품을 살 수 있다</a:t>
+            </a:r>
+            <a:r>
+              <a:rPr lang="en-US" altLang="ko-KR" dirty="0" smtClean="0">
+                <a:latin typeface="HY헤드라인M" panose="02030600000101010101" pitchFamily="18" charset="-127"/>
+                <a:ea typeface="HY헤드라인M" panose="02030600000101010101" pitchFamily="18" charset="-127"/>
+              </a:rPr>
+              <a:t>.</a:t>
+            </a:r>
+          </a:p>
+        </p:txBody>
+      </p:sp>
+      <p:sp>
+        <p:nvSpPr>
+          <p:cNvPr id="15" name="TextBox 14"/>
+          <p:cNvSpPr txBox="1"/>
+          <p:nvPr/>
+        </p:nvSpPr>
+        <p:spPr>
+          <a:xfrm>
+            <a:off x="7698462" y="4306648"/>
+            <a:ext cx="4416594" cy="1200329"/>
+          </a:xfrm>
+          <a:prstGeom prst="rect">
+            <a:avLst/>
+          </a:prstGeom>
+          <a:noFill/>
+        </p:spPr>
+        <p:txBody>
+          <a:bodyPr wrap="none" rtlCol="0">
+            <a:spAutoFit/>
+          </a:bodyPr>
+          <a:lstStyle/>
+          <a:p>
+            <a:r>
+              <a:rPr lang="ko-KR" altLang="en-US" dirty="0" err="1" smtClean="0">
                 <a:latin typeface="HY헤드라인M" panose="02030600000101010101" pitchFamily="18" charset="-127"/>
                 <a:ea typeface="HY헤드라인M" panose="02030600000101010101" pitchFamily="18" charset="-127"/>
               </a:rPr>
               <a:t>트위치</a:t>
             </a:r>
             <a:r>
-              <a:rPr lang="ko-KR" altLang="en-US" sz="3200" dirty="0">
-                <a:latin typeface="HY헤드라인M" panose="02030600000101010101" pitchFamily="18" charset="-127"/>
-                <a:ea typeface="HY헤드라인M" panose="02030600000101010101" pitchFamily="18" charset="-127"/>
-              </a:rPr>
-              <a:t> 방송 </a:t>
-            </a:r>
-            <a:r>
-              <a:rPr lang="ko-KR" altLang="en-US" sz="3200" dirty="0" err="1">
-                <a:latin typeface="HY헤드라인M" panose="02030600000101010101" pitchFamily="18" charset="-127"/>
-                <a:ea typeface="HY헤드라인M" panose="02030600000101010101" pitchFamily="18" charset="-127"/>
-              </a:rPr>
-              <a:t>플렛폼</a:t>
-            </a:r>
-            <a:r>
-              <a:rPr lang="ko-KR" altLang="en-US" sz="3200" dirty="0">
-                <a:latin typeface="HY헤드라인M" panose="02030600000101010101" pitchFamily="18" charset="-127"/>
-                <a:ea typeface="HY헤드라인M" panose="02030600000101010101" pitchFamily="18" charset="-127"/>
-              </a:rPr>
-              <a:t> </a:t>
-            </a:r>
-            <a:r>
-              <a:rPr lang="en-US" altLang="ko-KR" sz="3200" dirty="0">
-                <a:latin typeface="HY헤드라인M" panose="02030600000101010101" pitchFamily="18" charset="-127"/>
-                <a:ea typeface="HY헤드라인M" panose="02030600000101010101" pitchFamily="18" charset="-127"/>
-              </a:rPr>
-              <a:t>API</a:t>
-            </a:r>
-          </a:p>
-          <a:p>
-            <a:pPr marL="457200" indent="-457200">
-              <a:buFont typeface="Arial" panose="020B0604020202020204" pitchFamily="34" charset="0"/>
-              <a:buChar char="•"/>
-            </a:pPr>
-            <a:r>
-              <a:rPr lang="en-US" altLang="ko-KR" sz="3200" dirty="0">
-                <a:latin typeface="HY헤드라인M" panose="02030600000101010101" pitchFamily="18" charset="-127"/>
-                <a:ea typeface="HY헤드라인M" panose="02030600000101010101" pitchFamily="18" charset="-127"/>
-              </a:rPr>
-              <a:t>FBX </a:t>
-            </a:r>
-            <a:r>
-              <a:rPr lang="en-US" altLang="ko-KR" sz="3200" dirty="0" err="1" smtClean="0">
-                <a:latin typeface="HY헤드라인M" panose="02030600000101010101" pitchFamily="18" charset="-127"/>
-                <a:ea typeface="HY헤드라인M" panose="02030600000101010101" pitchFamily="18" charset="-127"/>
-              </a:rPr>
-              <a:t>sdk</a:t>
-            </a:r>
-            <a:endParaRPr lang="en-US" altLang="ko-KR" sz="3200" dirty="0">
+              <a:rPr lang="ko-KR" altLang="en-US" dirty="0" smtClean="0">
+                <a:latin typeface="HY헤드라인M" panose="02030600000101010101" pitchFamily="18" charset="-127"/>
+                <a:ea typeface="HY헤드라인M" panose="02030600000101010101" pitchFamily="18" charset="-127"/>
+              </a:rPr>
+              <a:t> 채팅 </a:t>
+            </a:r>
+            <a:r>
+              <a:rPr lang="en-US" altLang="ko-KR" dirty="0" smtClean="0">
+                <a:latin typeface="HY헤드라인M" panose="02030600000101010101" pitchFamily="18" charset="-127"/>
+                <a:ea typeface="HY헤드라인M" panose="02030600000101010101" pitchFamily="18" charset="-127"/>
+              </a:rPr>
+              <a:t>:</a:t>
+            </a:r>
+          </a:p>
+          <a:p>
+            <a:endParaRPr lang="en-US" altLang="ko-KR" dirty="0" smtClean="0">
               <a:latin typeface="HY헤드라인M" panose="02030600000101010101" pitchFamily="18" charset="-127"/>
               <a:ea typeface="HY헤드라인M" panose="02030600000101010101" pitchFamily="18" charset="-127"/>
             </a:endParaRPr>
           </a:p>
           <a:p>
-            <a:pPr marL="457200" indent="-457200">
-              <a:buFont typeface="Arial" panose="020B0604020202020204" pitchFamily="34" charset="0"/>
-              <a:buChar char="•"/>
-            </a:pPr>
-            <a:r>
-              <a:rPr lang="en-US" altLang="ko-KR" sz="3200" dirty="0" err="1">
-                <a:latin typeface="HY헤드라인M" panose="02030600000101010101" pitchFamily="18" charset="-127"/>
-                <a:ea typeface="HY헤드라인M" panose="02030600000101010101" pitchFamily="18" charset="-127"/>
-              </a:rPr>
-              <a:t>PhotoShop</a:t>
-            </a:r>
-            <a:endParaRPr lang="en-US" altLang="ko-KR" sz="3200" dirty="0">
+            <a:r>
+              <a:rPr lang="ko-KR" altLang="en-US" dirty="0" smtClean="0">
+                <a:latin typeface="HY헤드라인M" panose="02030600000101010101" pitchFamily="18" charset="-127"/>
+                <a:ea typeface="HY헤드라인M" panose="02030600000101010101" pitchFamily="18" charset="-127"/>
+              </a:rPr>
+              <a:t>실시간 채팅을 </a:t>
+            </a:r>
+            <a:r>
+              <a:rPr lang="ko-KR" altLang="en-US" dirty="0" err="1" smtClean="0">
+                <a:latin typeface="HY헤드라인M" panose="02030600000101010101" pitchFamily="18" charset="-127"/>
+                <a:ea typeface="HY헤드라인M" panose="02030600000101010101" pitchFamily="18" charset="-127"/>
+              </a:rPr>
+              <a:t>게임내</a:t>
+            </a:r>
+            <a:r>
+              <a:rPr lang="ko-KR" altLang="en-US" dirty="0" smtClean="0">
+                <a:latin typeface="HY헤드라인M" panose="02030600000101010101" pitchFamily="18" charset="-127"/>
+                <a:ea typeface="HY헤드라인M" panose="02030600000101010101" pitchFamily="18" charset="-127"/>
+              </a:rPr>
+              <a:t> 채팅으로 설정하여</a:t>
+            </a:r>
+            <a:endParaRPr lang="en-US" altLang="ko-KR" dirty="0" smtClean="0">
               <a:latin typeface="HY헤드라인M" panose="02030600000101010101" pitchFamily="18" charset="-127"/>
               <a:ea typeface="HY헤드라인M" panose="02030600000101010101" pitchFamily="18" charset="-127"/>
             </a:endParaRPr>
           </a:p>
           <a:p>
-            <a:pPr marL="457200" indent="-457200">
-              <a:buFont typeface="Arial" panose="020B0604020202020204" pitchFamily="34" charset="0"/>
-              <a:buChar char="•"/>
-            </a:pPr>
-            <a:r>
-              <a:rPr lang="ko-KR" altLang="en-US" sz="3200" dirty="0">
-                <a:latin typeface="HY헤드라인M" panose="02030600000101010101" pitchFamily="18" charset="-127"/>
-                <a:ea typeface="HY헤드라인M" panose="02030600000101010101" pitchFamily="18" charset="-127"/>
-              </a:rPr>
-              <a:t>등등</a:t>
-            </a:r>
-            <a:endParaRPr lang="en-US" altLang="ko-KR" sz="3200" dirty="0">
+            <a:r>
+              <a:rPr lang="ko-KR" altLang="en-US" dirty="0" err="1" smtClean="0">
+                <a:latin typeface="HY헤드라인M" panose="02030600000101010101" pitchFamily="18" charset="-127"/>
+                <a:ea typeface="HY헤드라인M" panose="02030600000101010101" pitchFamily="18" charset="-127"/>
+              </a:rPr>
+              <a:t>스트리머와</a:t>
+            </a:r>
+            <a:r>
+              <a:rPr lang="ko-KR" altLang="en-US" dirty="0" smtClean="0">
+                <a:latin typeface="HY헤드라인M" panose="02030600000101010101" pitchFamily="18" charset="-127"/>
+                <a:ea typeface="HY헤드라인M" panose="02030600000101010101" pitchFamily="18" charset="-127"/>
+              </a:rPr>
+              <a:t> 시청자의 실시간 소통</a:t>
+            </a:r>
+            <a:r>
+              <a:rPr lang="en-US" altLang="ko-KR" dirty="0" smtClean="0">
+                <a:latin typeface="HY헤드라인M" panose="02030600000101010101" pitchFamily="18" charset="-127"/>
+                <a:ea typeface="HY헤드라인M" panose="02030600000101010101" pitchFamily="18" charset="-127"/>
+              </a:rPr>
+              <a:t>.</a:t>
+            </a:r>
+            <a:endParaRPr lang="ko-KR" altLang="en-US" dirty="0">
               <a:latin typeface="HY헤드라인M" panose="02030600000101010101" pitchFamily="18" charset="-127"/>
               <a:ea typeface="HY헤드라인M" panose="02030600000101010101" pitchFamily="18" charset="-127"/>
             </a:endParaRPr>
@@ -5914,7 +5867,7 @@
     </p:spTree>
     <p:extLst>
       <p:ext uri="{BB962C8B-B14F-4D97-AF65-F5344CB8AC3E}">
-        <p14:creationId xmlns:p14="http://schemas.microsoft.com/office/powerpoint/2010/main" val="2519324529"/>
+        <p14:creationId xmlns:p14="http://schemas.microsoft.com/office/powerpoint/2010/main" val="1869839230"/>
       </p:ext>
     </p:extLst>
   </p:cSld>
@@ -6000,6 +5953,297 @@
         <p:spPr>
           <a:xfrm>
             <a:off x="180303" y="129241"/>
+            <a:ext cx="4924746" cy="707886"/>
+          </a:xfrm>
+          <a:prstGeom prst="rect">
+            <a:avLst/>
+          </a:prstGeom>
+          <a:noFill/>
+        </p:spPr>
+        <p:txBody>
+          <a:bodyPr wrap="none" rtlCol="0">
+            <a:spAutoFit/>
+          </a:bodyPr>
+          <a:lstStyle/>
+          <a:p>
+            <a:r>
+              <a:rPr lang="en-US" altLang="ko-KR" sz="4000" dirty="0">
+                <a:latin typeface="타이포_쌍문동 B" panose="02020803020101020101" pitchFamily="18" charset="-127"/>
+                <a:ea typeface="타이포_쌍문동 B" panose="02020803020101020101" pitchFamily="18" charset="-127"/>
+              </a:rPr>
+              <a:t>3. </a:t>
+            </a:r>
+            <a:r>
+              <a:rPr lang="ko-KR" altLang="en-US" sz="4000" dirty="0">
+                <a:latin typeface="타이포_쌍문동 B" panose="02020803020101020101" pitchFamily="18" charset="-127"/>
+                <a:ea typeface="타이포_쌍문동 B" panose="02020803020101020101" pitchFamily="18" charset="-127"/>
+              </a:rPr>
+              <a:t>구현 환경 및 기술</a:t>
+            </a:r>
+          </a:p>
+        </p:txBody>
+      </p:sp>
+      <p:sp>
+        <p:nvSpPr>
+          <p:cNvPr id="6" name="TextBox 5"/>
+          <p:cNvSpPr txBox="1"/>
+          <p:nvPr/>
+        </p:nvSpPr>
+        <p:spPr>
+          <a:xfrm>
+            <a:off x="669701" y="1338853"/>
+            <a:ext cx="5136342" cy="3539430"/>
+          </a:xfrm>
+          <a:prstGeom prst="rect">
+            <a:avLst/>
+          </a:prstGeom>
+          <a:noFill/>
+        </p:spPr>
+        <p:txBody>
+          <a:bodyPr wrap="none" rtlCol="0">
+            <a:spAutoFit/>
+          </a:bodyPr>
+          <a:lstStyle/>
+          <a:p>
+            <a:pPr marL="457200" indent="-457200">
+              <a:buFont typeface="Arial" panose="020B0604020202020204" pitchFamily="34" charset="0"/>
+              <a:buChar char="•"/>
+            </a:pPr>
+            <a:r>
+              <a:rPr lang="en-US" altLang="ko-KR" sz="3200" dirty="0">
+                <a:latin typeface="HY헤드라인M" panose="02030600000101010101" pitchFamily="18" charset="-127"/>
+                <a:ea typeface="HY헤드라인M" panose="02030600000101010101" pitchFamily="18" charset="-127"/>
+              </a:rPr>
+              <a:t>Visual Studio 2017 C++</a:t>
+            </a:r>
+          </a:p>
+          <a:p>
+            <a:pPr marL="457200" indent="-457200">
+              <a:buFont typeface="Arial" panose="020B0604020202020204" pitchFamily="34" charset="0"/>
+              <a:buChar char="•"/>
+            </a:pPr>
+            <a:r>
+              <a:rPr lang="en-US" altLang="ko-KR" sz="3200" dirty="0">
+                <a:latin typeface="HY헤드라인M" panose="02030600000101010101" pitchFamily="18" charset="-127"/>
+                <a:ea typeface="HY헤드라인M" panose="02030600000101010101" pitchFamily="18" charset="-127"/>
+              </a:rPr>
+              <a:t>DirectX 12 </a:t>
+            </a:r>
+            <a:r>
+              <a:rPr lang="en-US" altLang="ko-KR" sz="3200" dirty="0" err="1" smtClean="0">
+                <a:latin typeface="HY헤드라인M" panose="02030600000101010101" pitchFamily="18" charset="-127"/>
+                <a:ea typeface="HY헤드라인M" panose="02030600000101010101" pitchFamily="18" charset="-127"/>
+              </a:rPr>
+              <a:t>sdk</a:t>
+            </a:r>
+            <a:endParaRPr lang="en-US" altLang="ko-KR" sz="3200" dirty="0">
+              <a:latin typeface="HY헤드라인M" panose="02030600000101010101" pitchFamily="18" charset="-127"/>
+              <a:ea typeface="HY헤드라인M" panose="02030600000101010101" pitchFamily="18" charset="-127"/>
+            </a:endParaRPr>
+          </a:p>
+          <a:p>
+            <a:pPr marL="457200" indent="-457200">
+              <a:buFont typeface="Arial" panose="020B0604020202020204" pitchFamily="34" charset="0"/>
+              <a:buChar char="•"/>
+            </a:pPr>
+            <a:r>
+              <a:rPr lang="en-US" altLang="ko-KR" sz="3200" dirty="0">
+                <a:latin typeface="HY헤드라인M" panose="02030600000101010101" pitchFamily="18" charset="-127"/>
+                <a:ea typeface="HY헤드라인M" panose="02030600000101010101" pitchFamily="18" charset="-127"/>
+              </a:rPr>
+              <a:t>IOCP</a:t>
+            </a:r>
+          </a:p>
+          <a:p>
+            <a:pPr marL="457200" indent="-457200">
+              <a:buFont typeface="Arial" panose="020B0604020202020204" pitchFamily="34" charset="0"/>
+              <a:buChar char="•"/>
+            </a:pPr>
+            <a:r>
+              <a:rPr lang="ko-KR" altLang="en-US" sz="3200" dirty="0" err="1">
+                <a:latin typeface="HY헤드라인M" panose="02030600000101010101" pitchFamily="18" charset="-127"/>
+                <a:ea typeface="HY헤드라인M" panose="02030600000101010101" pitchFamily="18" charset="-127"/>
+              </a:rPr>
+              <a:t>트위치</a:t>
+            </a:r>
+            <a:r>
+              <a:rPr lang="ko-KR" altLang="en-US" sz="3200" dirty="0">
+                <a:latin typeface="HY헤드라인M" panose="02030600000101010101" pitchFamily="18" charset="-127"/>
+                <a:ea typeface="HY헤드라인M" panose="02030600000101010101" pitchFamily="18" charset="-127"/>
+              </a:rPr>
+              <a:t> 방송 </a:t>
+            </a:r>
+            <a:r>
+              <a:rPr lang="ko-KR" altLang="en-US" sz="3200" dirty="0" err="1">
+                <a:latin typeface="HY헤드라인M" panose="02030600000101010101" pitchFamily="18" charset="-127"/>
+                <a:ea typeface="HY헤드라인M" panose="02030600000101010101" pitchFamily="18" charset="-127"/>
+              </a:rPr>
+              <a:t>플렛폼</a:t>
+            </a:r>
+            <a:r>
+              <a:rPr lang="ko-KR" altLang="en-US" sz="3200" dirty="0">
+                <a:latin typeface="HY헤드라인M" panose="02030600000101010101" pitchFamily="18" charset="-127"/>
+                <a:ea typeface="HY헤드라인M" panose="02030600000101010101" pitchFamily="18" charset="-127"/>
+              </a:rPr>
+              <a:t> </a:t>
+            </a:r>
+            <a:r>
+              <a:rPr lang="en-US" altLang="ko-KR" sz="3200" dirty="0">
+                <a:latin typeface="HY헤드라인M" panose="02030600000101010101" pitchFamily="18" charset="-127"/>
+                <a:ea typeface="HY헤드라인M" panose="02030600000101010101" pitchFamily="18" charset="-127"/>
+              </a:rPr>
+              <a:t>API</a:t>
+            </a:r>
+          </a:p>
+          <a:p>
+            <a:pPr marL="457200" indent="-457200">
+              <a:buFont typeface="Arial" panose="020B0604020202020204" pitchFamily="34" charset="0"/>
+              <a:buChar char="•"/>
+            </a:pPr>
+            <a:r>
+              <a:rPr lang="en-US" altLang="ko-KR" sz="3200" dirty="0">
+                <a:latin typeface="HY헤드라인M" panose="02030600000101010101" pitchFamily="18" charset="-127"/>
+                <a:ea typeface="HY헤드라인M" panose="02030600000101010101" pitchFamily="18" charset="-127"/>
+              </a:rPr>
+              <a:t>FBX </a:t>
+            </a:r>
+            <a:r>
+              <a:rPr lang="en-US" altLang="ko-KR" sz="3200" dirty="0" err="1" smtClean="0">
+                <a:latin typeface="HY헤드라인M" panose="02030600000101010101" pitchFamily="18" charset="-127"/>
+                <a:ea typeface="HY헤드라인M" panose="02030600000101010101" pitchFamily="18" charset="-127"/>
+              </a:rPr>
+              <a:t>sdk</a:t>
+            </a:r>
+            <a:endParaRPr lang="en-US" altLang="ko-KR" sz="3200" dirty="0">
+              <a:latin typeface="HY헤드라인M" panose="02030600000101010101" pitchFamily="18" charset="-127"/>
+              <a:ea typeface="HY헤드라인M" panose="02030600000101010101" pitchFamily="18" charset="-127"/>
+            </a:endParaRPr>
+          </a:p>
+          <a:p>
+            <a:pPr marL="457200" indent="-457200">
+              <a:buFont typeface="Arial" panose="020B0604020202020204" pitchFamily="34" charset="0"/>
+              <a:buChar char="•"/>
+            </a:pPr>
+            <a:r>
+              <a:rPr lang="en-US" altLang="ko-KR" sz="3200" dirty="0" err="1">
+                <a:latin typeface="HY헤드라인M" panose="02030600000101010101" pitchFamily="18" charset="-127"/>
+                <a:ea typeface="HY헤드라인M" panose="02030600000101010101" pitchFamily="18" charset="-127"/>
+              </a:rPr>
+              <a:t>PhotoShop</a:t>
+            </a:r>
+            <a:endParaRPr lang="en-US" altLang="ko-KR" sz="3200" dirty="0">
+              <a:latin typeface="HY헤드라인M" panose="02030600000101010101" pitchFamily="18" charset="-127"/>
+              <a:ea typeface="HY헤드라인M" panose="02030600000101010101" pitchFamily="18" charset="-127"/>
+            </a:endParaRPr>
+          </a:p>
+          <a:p>
+            <a:pPr marL="457200" indent="-457200">
+              <a:buFont typeface="Arial" panose="020B0604020202020204" pitchFamily="34" charset="0"/>
+              <a:buChar char="•"/>
+            </a:pPr>
+            <a:r>
+              <a:rPr lang="ko-KR" altLang="en-US" sz="3200" dirty="0">
+                <a:latin typeface="HY헤드라인M" panose="02030600000101010101" pitchFamily="18" charset="-127"/>
+                <a:ea typeface="HY헤드라인M" panose="02030600000101010101" pitchFamily="18" charset="-127"/>
+              </a:rPr>
+              <a:t>등등</a:t>
+            </a:r>
+            <a:endParaRPr lang="en-US" altLang="ko-KR" sz="3200" dirty="0">
+              <a:latin typeface="HY헤드라인M" panose="02030600000101010101" pitchFamily="18" charset="-127"/>
+              <a:ea typeface="HY헤드라인M" panose="02030600000101010101" pitchFamily="18" charset="-127"/>
+            </a:endParaRPr>
+          </a:p>
+        </p:txBody>
+      </p:sp>
+    </p:spTree>
+    <p:extLst>
+      <p:ext uri="{BB962C8B-B14F-4D97-AF65-F5344CB8AC3E}">
+        <p14:creationId xmlns:p14="http://schemas.microsoft.com/office/powerpoint/2010/main" val="2519324529"/>
+      </p:ext>
+    </p:extLst>
+  </p:cSld>
+  <p:clrMapOvr>
+    <a:masterClrMapping/>
+  </p:clrMapOvr>
+</p:sld>
+</file>
+
+<file path=ppt/slides/slide8.xml><?xml version="1.0" encoding="utf-8"?>
+<p:sld xmlns:a="http://schemas.openxmlformats.org/drawingml/2006/main" xmlns:r="http://schemas.openxmlformats.org/officeDocument/2006/relationships" xmlns:p="http://schemas.openxmlformats.org/presentationml/2006/main">
+  <p:cSld>
+    <p:spTree>
+      <p:nvGrpSpPr>
+        <p:cNvPr id="1" name=""/>
+        <p:cNvGrpSpPr/>
+        <p:nvPr/>
+      </p:nvGrpSpPr>
+      <p:grpSpPr>
+        <a:xfrm>
+          <a:off x="0" y="0"/>
+          <a:ext cx="0" cy="0"/>
+          <a:chOff x="0" y="0"/>
+          <a:chExt cx="0" cy="0"/>
+        </a:xfrm>
+      </p:grpSpPr>
+      <p:sp>
+        <p:nvSpPr>
+          <p:cNvPr id="4" name="object 4"/>
+          <p:cNvSpPr/>
+          <p:nvPr/>
+        </p:nvSpPr>
+        <p:spPr>
+          <a:xfrm>
+            <a:off x="0" y="837127"/>
+            <a:ext cx="12192000" cy="86228"/>
+          </a:xfrm>
+          <a:custGeom>
+            <a:avLst/>
+            <a:gdLst/>
+            <a:ahLst/>
+            <a:cxnLst/>
+            <a:rect l="l" t="t" r="r" b="b"/>
+            <a:pathLst>
+              <a:path w="12192000" h="1270000">
+                <a:moveTo>
+                  <a:pt x="0" y="0"/>
+                </a:moveTo>
+                <a:lnTo>
+                  <a:pt x="12192000" y="0"/>
+                </a:lnTo>
+                <a:lnTo>
+                  <a:pt x="12192000" y="1269999"/>
+                </a:lnTo>
+                <a:lnTo>
+                  <a:pt x="0" y="1269999"/>
+                </a:lnTo>
+                <a:lnTo>
+                  <a:pt x="0" y="0"/>
+                </a:lnTo>
+                <a:close/>
+              </a:path>
+            </a:pathLst>
+          </a:custGeom>
+          <a:solidFill>
+            <a:srgbClr val="FABACF"/>
+          </a:solidFill>
+        </p:spPr>
+        <p:txBody>
+          <a:bodyPr wrap="square" lIns="0" tIns="0" rIns="0" bIns="0" rtlCol="0"/>
+          <a:lstStyle/>
+          <a:p>
+            <a:endParaRPr/>
+          </a:p>
+        </p:txBody>
+      </p:sp>
+      <p:sp>
+        <p:nvSpPr>
+          <p:cNvPr id="5" name="TextBox 4"/>
+          <p:cNvSpPr txBox="1"/>
+          <p:nvPr/>
+        </p:nvSpPr>
+        <p:spPr>
+          <a:xfrm>
+            <a:off x="180303" y="129241"/>
             <a:ext cx="5283819" cy="707886"/>
           </a:xfrm>
           <a:prstGeom prst="rect">
@@ -6043,7 +6287,7 @@
 </p:sld>
 </file>
 
-<file path=ppt/slides/slide8.xml><?xml version="1.0" encoding="utf-8"?>
+<file path=ppt/slides/slide9.xml><?xml version="1.0" encoding="utf-8"?>
 <p:sld xmlns:a="http://schemas.openxmlformats.org/drawingml/2006/main" xmlns:r="http://schemas.openxmlformats.org/officeDocument/2006/relationships" xmlns:p="http://schemas.openxmlformats.org/presentationml/2006/main">
   <p:cSld>
     <p:spTree>

--- a/Document/발표자료.pptx
+++ b/Document/발표자료.pptx
@@ -9,8 +9,8 @@
     <p:sldId id="257" r:id="rId3"/>
     <p:sldId id="258" r:id="rId4"/>
     <p:sldId id="264" r:id="rId5"/>
-    <p:sldId id="263" r:id="rId6"/>
-    <p:sldId id="259" r:id="rId7"/>
+    <p:sldId id="259" r:id="rId6"/>
+    <p:sldId id="263" r:id="rId7"/>
     <p:sldId id="260" r:id="rId8"/>
     <p:sldId id="261" r:id="rId9"/>
     <p:sldId id="262" r:id="rId10"/>
@@ -142,7 +142,7 @@
           <p:cNvPr id="2" name="제목 1">
             <a:extLst>
               <a:ext uri="{FF2B5EF4-FFF2-40B4-BE49-F238E27FC236}">
-                <a16:creationId xmlns="" xmlns:a16="http://schemas.microsoft.com/office/drawing/2014/main" id="{B936B912-8F14-4454-841F-F830FE1C510A}"/>
+                <a16:creationId xmlns:a16="http://schemas.microsoft.com/office/drawing/2014/main" id="{B936B912-8F14-4454-841F-F830FE1C510A}"/>
               </a:ext>
             </a:extLst>
           </p:cNvPr>
@@ -179,7 +179,7 @@
           <p:cNvPr id="3" name="부제목 2">
             <a:extLst>
               <a:ext uri="{FF2B5EF4-FFF2-40B4-BE49-F238E27FC236}">
-                <a16:creationId xmlns="" xmlns:a16="http://schemas.microsoft.com/office/drawing/2014/main" id="{8BABFFD6-FDD0-4F2B-9B66-760A09682190}"/>
+                <a16:creationId xmlns:a16="http://schemas.microsoft.com/office/drawing/2014/main" id="{8BABFFD6-FDD0-4F2B-9B66-760A09682190}"/>
               </a:ext>
             </a:extLst>
           </p:cNvPr>
@@ -249,7 +249,7 @@
           <p:cNvPr id="4" name="날짜 개체 틀 3">
             <a:extLst>
               <a:ext uri="{FF2B5EF4-FFF2-40B4-BE49-F238E27FC236}">
-                <a16:creationId xmlns="" xmlns:a16="http://schemas.microsoft.com/office/drawing/2014/main" id="{D2C7BDE2-087A-4A4E-BFCB-C54C166307EA}"/>
+                <a16:creationId xmlns:a16="http://schemas.microsoft.com/office/drawing/2014/main" id="{D2C7BDE2-087A-4A4E-BFCB-C54C166307EA}"/>
               </a:ext>
             </a:extLst>
           </p:cNvPr>
@@ -267,7 +267,7 @@
           <a:p>
             <a:fld id="{F1E08AD5-9E69-4E2B-9F94-C8CBCC606C5B}" type="datetimeFigureOut">
               <a:rPr lang="ko-KR" altLang="en-US" smtClean="0"/>
-              <a:t>2018-11-28</a:t>
+              <a:t>2018-11-29</a:t>
             </a:fld>
             <a:endParaRPr lang="ko-KR" altLang="en-US"/>
           </a:p>
@@ -278,7 +278,7 @@
           <p:cNvPr id="5" name="바닥글 개체 틀 4">
             <a:extLst>
               <a:ext uri="{FF2B5EF4-FFF2-40B4-BE49-F238E27FC236}">
-                <a16:creationId xmlns="" xmlns:a16="http://schemas.microsoft.com/office/drawing/2014/main" id="{B058C36A-5080-4A1F-BD9A-209F167EACC5}"/>
+                <a16:creationId xmlns:a16="http://schemas.microsoft.com/office/drawing/2014/main" id="{B058C36A-5080-4A1F-BD9A-209F167EACC5}"/>
               </a:ext>
             </a:extLst>
           </p:cNvPr>
@@ -303,7 +303,7 @@
           <p:cNvPr id="6" name="슬라이드 번호 개체 틀 5">
             <a:extLst>
               <a:ext uri="{FF2B5EF4-FFF2-40B4-BE49-F238E27FC236}">
-                <a16:creationId xmlns="" xmlns:a16="http://schemas.microsoft.com/office/drawing/2014/main" id="{5D26E8C6-FEB9-4E54-82A2-DABAB1DBA83F}"/>
+                <a16:creationId xmlns:a16="http://schemas.microsoft.com/office/drawing/2014/main" id="{5D26E8C6-FEB9-4E54-82A2-DABAB1DBA83F}"/>
               </a:ext>
             </a:extLst>
           </p:cNvPr>
@@ -362,7 +362,7 @@
           <p:cNvPr id="2" name="제목 1">
             <a:extLst>
               <a:ext uri="{FF2B5EF4-FFF2-40B4-BE49-F238E27FC236}">
-                <a16:creationId xmlns="" xmlns:a16="http://schemas.microsoft.com/office/drawing/2014/main" id="{6522FE70-5AAD-46AC-A3AD-B2FFC97CD113}"/>
+                <a16:creationId xmlns:a16="http://schemas.microsoft.com/office/drawing/2014/main" id="{6522FE70-5AAD-46AC-A3AD-B2FFC97CD113}"/>
               </a:ext>
             </a:extLst>
           </p:cNvPr>
@@ -390,7 +390,7 @@
           <p:cNvPr id="3" name="세로 텍스트 개체 틀 2">
             <a:extLst>
               <a:ext uri="{FF2B5EF4-FFF2-40B4-BE49-F238E27FC236}">
-                <a16:creationId xmlns="" xmlns:a16="http://schemas.microsoft.com/office/drawing/2014/main" id="{675C94ED-F63A-445A-902F-85AA9985202B}"/>
+                <a16:creationId xmlns:a16="http://schemas.microsoft.com/office/drawing/2014/main" id="{675C94ED-F63A-445A-902F-85AA9985202B}"/>
               </a:ext>
             </a:extLst>
           </p:cNvPr>
@@ -447,7 +447,7 @@
           <p:cNvPr id="4" name="날짜 개체 틀 3">
             <a:extLst>
               <a:ext uri="{FF2B5EF4-FFF2-40B4-BE49-F238E27FC236}">
-                <a16:creationId xmlns="" xmlns:a16="http://schemas.microsoft.com/office/drawing/2014/main" id="{EFC916FE-88B2-456F-9155-001FC6F14397}"/>
+                <a16:creationId xmlns:a16="http://schemas.microsoft.com/office/drawing/2014/main" id="{EFC916FE-88B2-456F-9155-001FC6F14397}"/>
               </a:ext>
             </a:extLst>
           </p:cNvPr>
@@ -465,7 +465,7 @@
           <a:p>
             <a:fld id="{F1E08AD5-9E69-4E2B-9F94-C8CBCC606C5B}" type="datetimeFigureOut">
               <a:rPr lang="ko-KR" altLang="en-US" smtClean="0"/>
-              <a:t>2018-11-28</a:t>
+              <a:t>2018-11-29</a:t>
             </a:fld>
             <a:endParaRPr lang="ko-KR" altLang="en-US"/>
           </a:p>
@@ -476,7 +476,7 @@
           <p:cNvPr id="5" name="바닥글 개체 틀 4">
             <a:extLst>
               <a:ext uri="{FF2B5EF4-FFF2-40B4-BE49-F238E27FC236}">
-                <a16:creationId xmlns="" xmlns:a16="http://schemas.microsoft.com/office/drawing/2014/main" id="{6863F8D2-1235-4969-BC8F-853FCD5C0FF0}"/>
+                <a16:creationId xmlns:a16="http://schemas.microsoft.com/office/drawing/2014/main" id="{6863F8D2-1235-4969-BC8F-853FCD5C0FF0}"/>
               </a:ext>
             </a:extLst>
           </p:cNvPr>
@@ -501,7 +501,7 @@
           <p:cNvPr id="6" name="슬라이드 번호 개체 틀 5">
             <a:extLst>
               <a:ext uri="{FF2B5EF4-FFF2-40B4-BE49-F238E27FC236}">
-                <a16:creationId xmlns="" xmlns:a16="http://schemas.microsoft.com/office/drawing/2014/main" id="{8C426888-C4B2-4432-8415-02EF77C0AFD0}"/>
+                <a16:creationId xmlns:a16="http://schemas.microsoft.com/office/drawing/2014/main" id="{8C426888-C4B2-4432-8415-02EF77C0AFD0}"/>
               </a:ext>
             </a:extLst>
           </p:cNvPr>
@@ -560,7 +560,7 @@
           <p:cNvPr id="2" name="세로 제목 1">
             <a:extLst>
               <a:ext uri="{FF2B5EF4-FFF2-40B4-BE49-F238E27FC236}">
-                <a16:creationId xmlns="" xmlns:a16="http://schemas.microsoft.com/office/drawing/2014/main" id="{C2380799-B9B6-49A5-BE4F-87339A69295D}"/>
+                <a16:creationId xmlns:a16="http://schemas.microsoft.com/office/drawing/2014/main" id="{C2380799-B9B6-49A5-BE4F-87339A69295D}"/>
               </a:ext>
             </a:extLst>
           </p:cNvPr>
@@ -593,7 +593,7 @@
           <p:cNvPr id="3" name="세로 텍스트 개체 틀 2">
             <a:extLst>
               <a:ext uri="{FF2B5EF4-FFF2-40B4-BE49-F238E27FC236}">
-                <a16:creationId xmlns="" xmlns:a16="http://schemas.microsoft.com/office/drawing/2014/main" id="{DA0DF918-840B-45D2-B837-7C4E5569A752}"/>
+                <a16:creationId xmlns:a16="http://schemas.microsoft.com/office/drawing/2014/main" id="{DA0DF918-840B-45D2-B837-7C4E5569A752}"/>
               </a:ext>
             </a:extLst>
           </p:cNvPr>
@@ -655,7 +655,7 @@
           <p:cNvPr id="4" name="날짜 개체 틀 3">
             <a:extLst>
               <a:ext uri="{FF2B5EF4-FFF2-40B4-BE49-F238E27FC236}">
-                <a16:creationId xmlns="" xmlns:a16="http://schemas.microsoft.com/office/drawing/2014/main" id="{E6B75E25-B397-4F4A-8857-A02D14ABCE3A}"/>
+                <a16:creationId xmlns:a16="http://schemas.microsoft.com/office/drawing/2014/main" id="{E6B75E25-B397-4F4A-8857-A02D14ABCE3A}"/>
               </a:ext>
             </a:extLst>
           </p:cNvPr>
@@ -673,7 +673,7 @@
           <a:p>
             <a:fld id="{F1E08AD5-9E69-4E2B-9F94-C8CBCC606C5B}" type="datetimeFigureOut">
               <a:rPr lang="ko-KR" altLang="en-US" smtClean="0"/>
-              <a:t>2018-11-28</a:t>
+              <a:t>2018-11-29</a:t>
             </a:fld>
             <a:endParaRPr lang="ko-KR" altLang="en-US"/>
           </a:p>
@@ -684,7 +684,7 @@
           <p:cNvPr id="5" name="바닥글 개체 틀 4">
             <a:extLst>
               <a:ext uri="{FF2B5EF4-FFF2-40B4-BE49-F238E27FC236}">
-                <a16:creationId xmlns="" xmlns:a16="http://schemas.microsoft.com/office/drawing/2014/main" id="{CE837077-09C9-43D3-99B1-B74C9360A72C}"/>
+                <a16:creationId xmlns:a16="http://schemas.microsoft.com/office/drawing/2014/main" id="{CE837077-09C9-43D3-99B1-B74C9360A72C}"/>
               </a:ext>
             </a:extLst>
           </p:cNvPr>
@@ -709,7 +709,7 @@
           <p:cNvPr id="6" name="슬라이드 번호 개체 틀 5">
             <a:extLst>
               <a:ext uri="{FF2B5EF4-FFF2-40B4-BE49-F238E27FC236}">
-                <a16:creationId xmlns="" xmlns:a16="http://schemas.microsoft.com/office/drawing/2014/main" id="{B016B6BF-CEBF-4743-AB57-FE41059AF6FA}"/>
+                <a16:creationId xmlns:a16="http://schemas.microsoft.com/office/drawing/2014/main" id="{B016B6BF-CEBF-4743-AB57-FE41059AF6FA}"/>
               </a:ext>
             </a:extLst>
           </p:cNvPr>
@@ -768,7 +768,7 @@
           <p:cNvPr id="2" name="제목 1">
             <a:extLst>
               <a:ext uri="{FF2B5EF4-FFF2-40B4-BE49-F238E27FC236}">
-                <a16:creationId xmlns="" xmlns:a16="http://schemas.microsoft.com/office/drawing/2014/main" id="{C8ADD370-53FE-44C5-9074-47E2559983B6}"/>
+                <a16:creationId xmlns:a16="http://schemas.microsoft.com/office/drawing/2014/main" id="{C8ADD370-53FE-44C5-9074-47E2559983B6}"/>
               </a:ext>
             </a:extLst>
           </p:cNvPr>
@@ -796,7 +796,7 @@
           <p:cNvPr id="3" name="내용 개체 틀 2">
             <a:extLst>
               <a:ext uri="{FF2B5EF4-FFF2-40B4-BE49-F238E27FC236}">
-                <a16:creationId xmlns="" xmlns:a16="http://schemas.microsoft.com/office/drawing/2014/main" id="{BBD08937-E849-4A00-BDD4-07F619C5E046}"/>
+                <a16:creationId xmlns:a16="http://schemas.microsoft.com/office/drawing/2014/main" id="{BBD08937-E849-4A00-BDD4-07F619C5E046}"/>
               </a:ext>
             </a:extLst>
           </p:cNvPr>
@@ -853,7 +853,7 @@
           <p:cNvPr id="4" name="날짜 개체 틀 3">
             <a:extLst>
               <a:ext uri="{FF2B5EF4-FFF2-40B4-BE49-F238E27FC236}">
-                <a16:creationId xmlns="" xmlns:a16="http://schemas.microsoft.com/office/drawing/2014/main" id="{E6DF612E-C229-4FDD-81CF-F633CCAD6056}"/>
+                <a16:creationId xmlns:a16="http://schemas.microsoft.com/office/drawing/2014/main" id="{E6DF612E-C229-4FDD-81CF-F633CCAD6056}"/>
               </a:ext>
             </a:extLst>
           </p:cNvPr>
@@ -871,7 +871,7 @@
           <a:p>
             <a:fld id="{F1E08AD5-9E69-4E2B-9F94-C8CBCC606C5B}" type="datetimeFigureOut">
               <a:rPr lang="ko-KR" altLang="en-US" smtClean="0"/>
-              <a:t>2018-11-28</a:t>
+              <a:t>2018-11-29</a:t>
             </a:fld>
             <a:endParaRPr lang="ko-KR" altLang="en-US"/>
           </a:p>
@@ -882,7 +882,7 @@
           <p:cNvPr id="5" name="바닥글 개체 틀 4">
             <a:extLst>
               <a:ext uri="{FF2B5EF4-FFF2-40B4-BE49-F238E27FC236}">
-                <a16:creationId xmlns="" xmlns:a16="http://schemas.microsoft.com/office/drawing/2014/main" id="{DE1DA4F0-C3D3-4A3A-B77B-AFD11048B6A3}"/>
+                <a16:creationId xmlns:a16="http://schemas.microsoft.com/office/drawing/2014/main" id="{DE1DA4F0-C3D3-4A3A-B77B-AFD11048B6A3}"/>
               </a:ext>
             </a:extLst>
           </p:cNvPr>
@@ -907,7 +907,7 @@
           <p:cNvPr id="6" name="슬라이드 번호 개체 틀 5">
             <a:extLst>
               <a:ext uri="{FF2B5EF4-FFF2-40B4-BE49-F238E27FC236}">
-                <a16:creationId xmlns="" xmlns:a16="http://schemas.microsoft.com/office/drawing/2014/main" id="{A7E7E67F-EE93-4EB3-AFA8-389F83DA7C53}"/>
+                <a16:creationId xmlns:a16="http://schemas.microsoft.com/office/drawing/2014/main" id="{A7E7E67F-EE93-4EB3-AFA8-389F83DA7C53}"/>
               </a:ext>
             </a:extLst>
           </p:cNvPr>
@@ -966,7 +966,7 @@
           <p:cNvPr id="2" name="제목 1">
             <a:extLst>
               <a:ext uri="{FF2B5EF4-FFF2-40B4-BE49-F238E27FC236}">
-                <a16:creationId xmlns="" xmlns:a16="http://schemas.microsoft.com/office/drawing/2014/main" id="{DE95C7A9-2628-4F2D-8FAD-5467883AB9E5}"/>
+                <a16:creationId xmlns:a16="http://schemas.microsoft.com/office/drawing/2014/main" id="{DE95C7A9-2628-4F2D-8FAD-5467883AB9E5}"/>
               </a:ext>
             </a:extLst>
           </p:cNvPr>
@@ -1003,7 +1003,7 @@
           <p:cNvPr id="3" name="텍스트 개체 틀 2">
             <a:extLst>
               <a:ext uri="{FF2B5EF4-FFF2-40B4-BE49-F238E27FC236}">
-                <a16:creationId xmlns="" xmlns:a16="http://schemas.microsoft.com/office/drawing/2014/main" id="{7C7CA35E-20E5-4286-9FE6-05E33B32DCC6}"/>
+                <a16:creationId xmlns:a16="http://schemas.microsoft.com/office/drawing/2014/main" id="{7C7CA35E-20E5-4286-9FE6-05E33B32DCC6}"/>
               </a:ext>
             </a:extLst>
           </p:cNvPr>
@@ -1128,7 +1128,7 @@
           <p:cNvPr id="4" name="날짜 개체 틀 3">
             <a:extLst>
               <a:ext uri="{FF2B5EF4-FFF2-40B4-BE49-F238E27FC236}">
-                <a16:creationId xmlns="" xmlns:a16="http://schemas.microsoft.com/office/drawing/2014/main" id="{4E2A9C52-AABA-4146-A783-558D8D8BF602}"/>
+                <a16:creationId xmlns:a16="http://schemas.microsoft.com/office/drawing/2014/main" id="{4E2A9C52-AABA-4146-A783-558D8D8BF602}"/>
               </a:ext>
             </a:extLst>
           </p:cNvPr>
@@ -1146,7 +1146,7 @@
           <a:p>
             <a:fld id="{F1E08AD5-9E69-4E2B-9F94-C8CBCC606C5B}" type="datetimeFigureOut">
               <a:rPr lang="ko-KR" altLang="en-US" smtClean="0"/>
-              <a:t>2018-11-28</a:t>
+              <a:t>2018-11-29</a:t>
             </a:fld>
             <a:endParaRPr lang="ko-KR" altLang="en-US"/>
           </a:p>
@@ -1157,7 +1157,7 @@
           <p:cNvPr id="5" name="바닥글 개체 틀 4">
             <a:extLst>
               <a:ext uri="{FF2B5EF4-FFF2-40B4-BE49-F238E27FC236}">
-                <a16:creationId xmlns="" xmlns:a16="http://schemas.microsoft.com/office/drawing/2014/main" id="{67C1B6AB-2F4C-4C8C-B3A6-A44F2A6161A7}"/>
+                <a16:creationId xmlns:a16="http://schemas.microsoft.com/office/drawing/2014/main" id="{67C1B6AB-2F4C-4C8C-B3A6-A44F2A6161A7}"/>
               </a:ext>
             </a:extLst>
           </p:cNvPr>
@@ -1182,7 +1182,7 @@
           <p:cNvPr id="6" name="슬라이드 번호 개체 틀 5">
             <a:extLst>
               <a:ext uri="{FF2B5EF4-FFF2-40B4-BE49-F238E27FC236}">
-                <a16:creationId xmlns="" xmlns:a16="http://schemas.microsoft.com/office/drawing/2014/main" id="{11B3794C-92B6-4B3F-8D28-F3C90F724496}"/>
+                <a16:creationId xmlns:a16="http://schemas.microsoft.com/office/drawing/2014/main" id="{11B3794C-92B6-4B3F-8D28-F3C90F724496}"/>
               </a:ext>
             </a:extLst>
           </p:cNvPr>
@@ -1241,7 +1241,7 @@
           <p:cNvPr id="2" name="제목 1">
             <a:extLst>
               <a:ext uri="{FF2B5EF4-FFF2-40B4-BE49-F238E27FC236}">
-                <a16:creationId xmlns="" xmlns:a16="http://schemas.microsoft.com/office/drawing/2014/main" id="{3AA66B23-CCBA-4651-BB9D-5892D9D79C9D}"/>
+                <a16:creationId xmlns:a16="http://schemas.microsoft.com/office/drawing/2014/main" id="{3AA66B23-CCBA-4651-BB9D-5892D9D79C9D}"/>
               </a:ext>
             </a:extLst>
           </p:cNvPr>
@@ -1269,7 +1269,7 @@
           <p:cNvPr id="3" name="내용 개체 틀 2">
             <a:extLst>
               <a:ext uri="{FF2B5EF4-FFF2-40B4-BE49-F238E27FC236}">
-                <a16:creationId xmlns="" xmlns:a16="http://schemas.microsoft.com/office/drawing/2014/main" id="{BE0F50E7-3CE9-43EA-9E3A-A2C8508A9051}"/>
+                <a16:creationId xmlns:a16="http://schemas.microsoft.com/office/drawing/2014/main" id="{BE0F50E7-3CE9-43EA-9E3A-A2C8508A9051}"/>
               </a:ext>
             </a:extLst>
           </p:cNvPr>
@@ -1331,7 +1331,7 @@
           <p:cNvPr id="4" name="내용 개체 틀 3">
             <a:extLst>
               <a:ext uri="{FF2B5EF4-FFF2-40B4-BE49-F238E27FC236}">
-                <a16:creationId xmlns="" xmlns:a16="http://schemas.microsoft.com/office/drawing/2014/main" id="{AA724CDE-ECB7-400E-BB1F-2CC86000DA9D}"/>
+                <a16:creationId xmlns:a16="http://schemas.microsoft.com/office/drawing/2014/main" id="{AA724CDE-ECB7-400E-BB1F-2CC86000DA9D}"/>
               </a:ext>
             </a:extLst>
           </p:cNvPr>
@@ -1393,7 +1393,7 @@
           <p:cNvPr id="5" name="날짜 개체 틀 4">
             <a:extLst>
               <a:ext uri="{FF2B5EF4-FFF2-40B4-BE49-F238E27FC236}">
-                <a16:creationId xmlns="" xmlns:a16="http://schemas.microsoft.com/office/drawing/2014/main" id="{7C01F48B-D319-44D1-BDAC-23C5EFBBCF88}"/>
+                <a16:creationId xmlns:a16="http://schemas.microsoft.com/office/drawing/2014/main" id="{7C01F48B-D319-44D1-BDAC-23C5EFBBCF88}"/>
               </a:ext>
             </a:extLst>
           </p:cNvPr>
@@ -1411,7 +1411,7 @@
           <a:p>
             <a:fld id="{F1E08AD5-9E69-4E2B-9F94-C8CBCC606C5B}" type="datetimeFigureOut">
               <a:rPr lang="ko-KR" altLang="en-US" smtClean="0"/>
-              <a:t>2018-11-28</a:t>
+              <a:t>2018-11-29</a:t>
             </a:fld>
             <a:endParaRPr lang="ko-KR" altLang="en-US"/>
           </a:p>
@@ -1422,7 +1422,7 @@
           <p:cNvPr id="6" name="바닥글 개체 틀 5">
             <a:extLst>
               <a:ext uri="{FF2B5EF4-FFF2-40B4-BE49-F238E27FC236}">
-                <a16:creationId xmlns="" xmlns:a16="http://schemas.microsoft.com/office/drawing/2014/main" id="{E8F58D82-AD40-4FE0-8A83-7BE1B73D3B3A}"/>
+                <a16:creationId xmlns:a16="http://schemas.microsoft.com/office/drawing/2014/main" id="{E8F58D82-AD40-4FE0-8A83-7BE1B73D3B3A}"/>
               </a:ext>
             </a:extLst>
           </p:cNvPr>
@@ -1447,7 +1447,7 @@
           <p:cNvPr id="7" name="슬라이드 번호 개체 틀 6">
             <a:extLst>
               <a:ext uri="{FF2B5EF4-FFF2-40B4-BE49-F238E27FC236}">
-                <a16:creationId xmlns="" xmlns:a16="http://schemas.microsoft.com/office/drawing/2014/main" id="{88EB293D-25FD-47E5-9BE8-23B499CCB71F}"/>
+                <a16:creationId xmlns:a16="http://schemas.microsoft.com/office/drawing/2014/main" id="{88EB293D-25FD-47E5-9BE8-23B499CCB71F}"/>
               </a:ext>
             </a:extLst>
           </p:cNvPr>
@@ -1506,7 +1506,7 @@
           <p:cNvPr id="2" name="제목 1">
             <a:extLst>
               <a:ext uri="{FF2B5EF4-FFF2-40B4-BE49-F238E27FC236}">
-                <a16:creationId xmlns="" xmlns:a16="http://schemas.microsoft.com/office/drawing/2014/main" id="{DD02B42E-5366-430E-931F-948440EFF756}"/>
+                <a16:creationId xmlns:a16="http://schemas.microsoft.com/office/drawing/2014/main" id="{DD02B42E-5366-430E-931F-948440EFF756}"/>
               </a:ext>
             </a:extLst>
           </p:cNvPr>
@@ -1539,7 +1539,7 @@
           <p:cNvPr id="3" name="텍스트 개체 틀 2">
             <a:extLst>
               <a:ext uri="{FF2B5EF4-FFF2-40B4-BE49-F238E27FC236}">
-                <a16:creationId xmlns="" xmlns:a16="http://schemas.microsoft.com/office/drawing/2014/main" id="{B00581D1-9821-4AC3-BB51-B12F84B52654}"/>
+                <a16:creationId xmlns:a16="http://schemas.microsoft.com/office/drawing/2014/main" id="{B00581D1-9821-4AC3-BB51-B12F84B52654}"/>
               </a:ext>
             </a:extLst>
           </p:cNvPr>
@@ -1610,7 +1610,7 @@
           <p:cNvPr id="4" name="내용 개체 틀 3">
             <a:extLst>
               <a:ext uri="{FF2B5EF4-FFF2-40B4-BE49-F238E27FC236}">
-                <a16:creationId xmlns="" xmlns:a16="http://schemas.microsoft.com/office/drawing/2014/main" id="{547A433D-A49B-4B74-AE18-75CC8413FB85}"/>
+                <a16:creationId xmlns:a16="http://schemas.microsoft.com/office/drawing/2014/main" id="{547A433D-A49B-4B74-AE18-75CC8413FB85}"/>
               </a:ext>
             </a:extLst>
           </p:cNvPr>
@@ -1672,7 +1672,7 @@
           <p:cNvPr id="5" name="텍스트 개체 틀 4">
             <a:extLst>
               <a:ext uri="{FF2B5EF4-FFF2-40B4-BE49-F238E27FC236}">
-                <a16:creationId xmlns="" xmlns:a16="http://schemas.microsoft.com/office/drawing/2014/main" id="{F6885725-5E78-41C4-BFF0-7E60811C10CD}"/>
+                <a16:creationId xmlns:a16="http://schemas.microsoft.com/office/drawing/2014/main" id="{F6885725-5E78-41C4-BFF0-7E60811C10CD}"/>
               </a:ext>
             </a:extLst>
           </p:cNvPr>
@@ -1743,7 +1743,7 @@
           <p:cNvPr id="6" name="내용 개체 틀 5">
             <a:extLst>
               <a:ext uri="{FF2B5EF4-FFF2-40B4-BE49-F238E27FC236}">
-                <a16:creationId xmlns="" xmlns:a16="http://schemas.microsoft.com/office/drawing/2014/main" id="{37153D67-3B92-4621-A2D6-7C0EB77DC057}"/>
+                <a16:creationId xmlns:a16="http://schemas.microsoft.com/office/drawing/2014/main" id="{37153D67-3B92-4621-A2D6-7C0EB77DC057}"/>
               </a:ext>
             </a:extLst>
           </p:cNvPr>
@@ -1805,7 +1805,7 @@
           <p:cNvPr id="7" name="날짜 개체 틀 6">
             <a:extLst>
               <a:ext uri="{FF2B5EF4-FFF2-40B4-BE49-F238E27FC236}">
-                <a16:creationId xmlns="" xmlns:a16="http://schemas.microsoft.com/office/drawing/2014/main" id="{34B3B4BE-2C5C-48B3-BA79-E2D71BC00D25}"/>
+                <a16:creationId xmlns:a16="http://schemas.microsoft.com/office/drawing/2014/main" id="{34B3B4BE-2C5C-48B3-BA79-E2D71BC00D25}"/>
               </a:ext>
             </a:extLst>
           </p:cNvPr>
@@ -1823,7 +1823,7 @@
           <a:p>
             <a:fld id="{F1E08AD5-9E69-4E2B-9F94-C8CBCC606C5B}" type="datetimeFigureOut">
               <a:rPr lang="ko-KR" altLang="en-US" smtClean="0"/>
-              <a:t>2018-11-28</a:t>
+              <a:t>2018-11-29</a:t>
             </a:fld>
             <a:endParaRPr lang="ko-KR" altLang="en-US"/>
           </a:p>
@@ -1834,7 +1834,7 @@
           <p:cNvPr id="8" name="바닥글 개체 틀 7">
             <a:extLst>
               <a:ext uri="{FF2B5EF4-FFF2-40B4-BE49-F238E27FC236}">
-                <a16:creationId xmlns="" xmlns:a16="http://schemas.microsoft.com/office/drawing/2014/main" id="{052BBC5D-24C1-4EC7-82AE-78A73D26800F}"/>
+                <a16:creationId xmlns:a16="http://schemas.microsoft.com/office/drawing/2014/main" id="{052BBC5D-24C1-4EC7-82AE-78A73D26800F}"/>
               </a:ext>
             </a:extLst>
           </p:cNvPr>
@@ -1859,7 +1859,7 @@
           <p:cNvPr id="9" name="슬라이드 번호 개체 틀 8">
             <a:extLst>
               <a:ext uri="{FF2B5EF4-FFF2-40B4-BE49-F238E27FC236}">
-                <a16:creationId xmlns="" xmlns:a16="http://schemas.microsoft.com/office/drawing/2014/main" id="{E7CE8E55-714C-4D96-81E1-9C272EE0D029}"/>
+                <a16:creationId xmlns:a16="http://schemas.microsoft.com/office/drawing/2014/main" id="{E7CE8E55-714C-4D96-81E1-9C272EE0D029}"/>
               </a:ext>
             </a:extLst>
           </p:cNvPr>
@@ -1918,7 +1918,7 @@
           <p:cNvPr id="2" name="제목 1">
             <a:extLst>
               <a:ext uri="{FF2B5EF4-FFF2-40B4-BE49-F238E27FC236}">
-                <a16:creationId xmlns="" xmlns:a16="http://schemas.microsoft.com/office/drawing/2014/main" id="{72CC9B56-CC2D-4EC5-ADAC-B641C68DACCD}"/>
+                <a16:creationId xmlns:a16="http://schemas.microsoft.com/office/drawing/2014/main" id="{72CC9B56-CC2D-4EC5-ADAC-B641C68DACCD}"/>
               </a:ext>
             </a:extLst>
           </p:cNvPr>
@@ -1946,7 +1946,7 @@
           <p:cNvPr id="3" name="날짜 개체 틀 2">
             <a:extLst>
               <a:ext uri="{FF2B5EF4-FFF2-40B4-BE49-F238E27FC236}">
-                <a16:creationId xmlns="" xmlns:a16="http://schemas.microsoft.com/office/drawing/2014/main" id="{7B6E839D-776A-482D-A584-3ADE24E9CCCA}"/>
+                <a16:creationId xmlns:a16="http://schemas.microsoft.com/office/drawing/2014/main" id="{7B6E839D-776A-482D-A584-3ADE24E9CCCA}"/>
               </a:ext>
             </a:extLst>
           </p:cNvPr>
@@ -1964,7 +1964,7 @@
           <a:p>
             <a:fld id="{F1E08AD5-9E69-4E2B-9F94-C8CBCC606C5B}" type="datetimeFigureOut">
               <a:rPr lang="ko-KR" altLang="en-US" smtClean="0"/>
-              <a:t>2018-11-28</a:t>
+              <a:t>2018-11-29</a:t>
             </a:fld>
             <a:endParaRPr lang="ko-KR" altLang="en-US"/>
           </a:p>
@@ -1975,7 +1975,7 @@
           <p:cNvPr id="4" name="바닥글 개체 틀 3">
             <a:extLst>
               <a:ext uri="{FF2B5EF4-FFF2-40B4-BE49-F238E27FC236}">
-                <a16:creationId xmlns="" xmlns:a16="http://schemas.microsoft.com/office/drawing/2014/main" id="{66B39A00-DBDF-40F4-B0A8-5C51012C1B84}"/>
+                <a16:creationId xmlns:a16="http://schemas.microsoft.com/office/drawing/2014/main" id="{66B39A00-DBDF-40F4-B0A8-5C51012C1B84}"/>
               </a:ext>
             </a:extLst>
           </p:cNvPr>
@@ -2000,7 +2000,7 @@
           <p:cNvPr id="5" name="슬라이드 번호 개체 틀 4">
             <a:extLst>
               <a:ext uri="{FF2B5EF4-FFF2-40B4-BE49-F238E27FC236}">
-                <a16:creationId xmlns="" xmlns:a16="http://schemas.microsoft.com/office/drawing/2014/main" id="{5195F81A-DD8A-4275-8137-0597AD08AD1E}"/>
+                <a16:creationId xmlns:a16="http://schemas.microsoft.com/office/drawing/2014/main" id="{5195F81A-DD8A-4275-8137-0597AD08AD1E}"/>
               </a:ext>
             </a:extLst>
           </p:cNvPr>
@@ -2059,7 +2059,7 @@
           <p:cNvPr id="2" name="날짜 개체 틀 1">
             <a:extLst>
               <a:ext uri="{FF2B5EF4-FFF2-40B4-BE49-F238E27FC236}">
-                <a16:creationId xmlns="" xmlns:a16="http://schemas.microsoft.com/office/drawing/2014/main" id="{F065F68B-1533-4963-A54B-CEE48C7AFE98}"/>
+                <a16:creationId xmlns:a16="http://schemas.microsoft.com/office/drawing/2014/main" id="{F065F68B-1533-4963-A54B-CEE48C7AFE98}"/>
               </a:ext>
             </a:extLst>
           </p:cNvPr>
@@ -2077,7 +2077,7 @@
           <a:p>
             <a:fld id="{F1E08AD5-9E69-4E2B-9F94-C8CBCC606C5B}" type="datetimeFigureOut">
               <a:rPr lang="ko-KR" altLang="en-US" smtClean="0"/>
-              <a:t>2018-11-28</a:t>
+              <a:t>2018-11-29</a:t>
             </a:fld>
             <a:endParaRPr lang="ko-KR" altLang="en-US"/>
           </a:p>
@@ -2088,7 +2088,7 @@
           <p:cNvPr id="3" name="바닥글 개체 틀 2">
             <a:extLst>
               <a:ext uri="{FF2B5EF4-FFF2-40B4-BE49-F238E27FC236}">
-                <a16:creationId xmlns="" xmlns:a16="http://schemas.microsoft.com/office/drawing/2014/main" id="{58EE470F-A156-43DB-AF4D-A418A13FC06A}"/>
+                <a16:creationId xmlns:a16="http://schemas.microsoft.com/office/drawing/2014/main" id="{58EE470F-A156-43DB-AF4D-A418A13FC06A}"/>
               </a:ext>
             </a:extLst>
           </p:cNvPr>
@@ -2113,7 +2113,7 @@
           <p:cNvPr id="4" name="슬라이드 번호 개체 틀 3">
             <a:extLst>
               <a:ext uri="{FF2B5EF4-FFF2-40B4-BE49-F238E27FC236}">
-                <a16:creationId xmlns="" xmlns:a16="http://schemas.microsoft.com/office/drawing/2014/main" id="{D9E472DA-D5E2-4F99-8E2A-AB735C09801E}"/>
+                <a16:creationId xmlns:a16="http://schemas.microsoft.com/office/drawing/2014/main" id="{D9E472DA-D5E2-4F99-8E2A-AB735C09801E}"/>
               </a:ext>
             </a:extLst>
           </p:cNvPr>
@@ -2172,7 +2172,7 @@
           <p:cNvPr id="2" name="제목 1">
             <a:extLst>
               <a:ext uri="{FF2B5EF4-FFF2-40B4-BE49-F238E27FC236}">
-                <a16:creationId xmlns="" xmlns:a16="http://schemas.microsoft.com/office/drawing/2014/main" id="{EE8E2C22-E96D-4E30-829E-C5601080B61C}"/>
+                <a16:creationId xmlns:a16="http://schemas.microsoft.com/office/drawing/2014/main" id="{EE8E2C22-E96D-4E30-829E-C5601080B61C}"/>
               </a:ext>
             </a:extLst>
           </p:cNvPr>
@@ -2209,7 +2209,7 @@
           <p:cNvPr id="3" name="내용 개체 틀 2">
             <a:extLst>
               <a:ext uri="{FF2B5EF4-FFF2-40B4-BE49-F238E27FC236}">
-                <a16:creationId xmlns="" xmlns:a16="http://schemas.microsoft.com/office/drawing/2014/main" id="{FF85F714-56E0-45E6-A574-CFBABF0A914A}"/>
+                <a16:creationId xmlns:a16="http://schemas.microsoft.com/office/drawing/2014/main" id="{FF85F714-56E0-45E6-A574-CFBABF0A914A}"/>
               </a:ext>
             </a:extLst>
           </p:cNvPr>
@@ -2299,7 +2299,7 @@
           <p:cNvPr id="4" name="텍스트 개체 틀 3">
             <a:extLst>
               <a:ext uri="{FF2B5EF4-FFF2-40B4-BE49-F238E27FC236}">
-                <a16:creationId xmlns="" xmlns:a16="http://schemas.microsoft.com/office/drawing/2014/main" id="{6E1EB69D-CF07-420B-98BD-B53C60016B2E}"/>
+                <a16:creationId xmlns:a16="http://schemas.microsoft.com/office/drawing/2014/main" id="{6E1EB69D-CF07-420B-98BD-B53C60016B2E}"/>
               </a:ext>
             </a:extLst>
           </p:cNvPr>
@@ -2370,7 +2370,7 @@
           <p:cNvPr id="5" name="날짜 개체 틀 4">
             <a:extLst>
               <a:ext uri="{FF2B5EF4-FFF2-40B4-BE49-F238E27FC236}">
-                <a16:creationId xmlns="" xmlns:a16="http://schemas.microsoft.com/office/drawing/2014/main" id="{3F9EE376-932C-4F20-912A-19A9A92368BE}"/>
+                <a16:creationId xmlns:a16="http://schemas.microsoft.com/office/drawing/2014/main" id="{3F9EE376-932C-4F20-912A-19A9A92368BE}"/>
               </a:ext>
             </a:extLst>
           </p:cNvPr>
@@ -2388,7 +2388,7 @@
           <a:p>
             <a:fld id="{F1E08AD5-9E69-4E2B-9F94-C8CBCC606C5B}" type="datetimeFigureOut">
               <a:rPr lang="ko-KR" altLang="en-US" smtClean="0"/>
-              <a:t>2018-11-28</a:t>
+              <a:t>2018-11-29</a:t>
             </a:fld>
             <a:endParaRPr lang="ko-KR" altLang="en-US"/>
           </a:p>
@@ -2399,7 +2399,7 @@
           <p:cNvPr id="6" name="바닥글 개체 틀 5">
             <a:extLst>
               <a:ext uri="{FF2B5EF4-FFF2-40B4-BE49-F238E27FC236}">
-                <a16:creationId xmlns="" xmlns:a16="http://schemas.microsoft.com/office/drawing/2014/main" id="{6C08D442-9F4C-4537-AB2F-F56660233C99}"/>
+                <a16:creationId xmlns:a16="http://schemas.microsoft.com/office/drawing/2014/main" id="{6C08D442-9F4C-4537-AB2F-F56660233C99}"/>
               </a:ext>
             </a:extLst>
           </p:cNvPr>
@@ -2424,7 +2424,7 @@
           <p:cNvPr id="7" name="슬라이드 번호 개체 틀 6">
             <a:extLst>
               <a:ext uri="{FF2B5EF4-FFF2-40B4-BE49-F238E27FC236}">
-                <a16:creationId xmlns="" xmlns:a16="http://schemas.microsoft.com/office/drawing/2014/main" id="{9CFFC8C6-17C1-444B-B85B-E71B0A034E0B}"/>
+                <a16:creationId xmlns:a16="http://schemas.microsoft.com/office/drawing/2014/main" id="{9CFFC8C6-17C1-444B-B85B-E71B0A034E0B}"/>
               </a:ext>
             </a:extLst>
           </p:cNvPr>
@@ -2483,7 +2483,7 @@
           <p:cNvPr id="2" name="제목 1">
             <a:extLst>
               <a:ext uri="{FF2B5EF4-FFF2-40B4-BE49-F238E27FC236}">
-                <a16:creationId xmlns="" xmlns:a16="http://schemas.microsoft.com/office/drawing/2014/main" id="{63C56BF2-B225-434A-B878-CF35C517A78C}"/>
+                <a16:creationId xmlns:a16="http://schemas.microsoft.com/office/drawing/2014/main" id="{63C56BF2-B225-434A-B878-CF35C517A78C}"/>
               </a:ext>
             </a:extLst>
           </p:cNvPr>
@@ -2520,7 +2520,7 @@
           <p:cNvPr id="3" name="그림 개체 틀 2">
             <a:extLst>
               <a:ext uri="{FF2B5EF4-FFF2-40B4-BE49-F238E27FC236}">
-                <a16:creationId xmlns="" xmlns:a16="http://schemas.microsoft.com/office/drawing/2014/main" id="{735853CD-1204-4BFE-9E7D-FA03056BDF91}"/>
+                <a16:creationId xmlns:a16="http://schemas.microsoft.com/office/drawing/2014/main" id="{735853CD-1204-4BFE-9E7D-FA03056BDF91}"/>
               </a:ext>
             </a:extLst>
           </p:cNvPr>
@@ -2587,7 +2587,7 @@
           <p:cNvPr id="4" name="텍스트 개체 틀 3">
             <a:extLst>
               <a:ext uri="{FF2B5EF4-FFF2-40B4-BE49-F238E27FC236}">
-                <a16:creationId xmlns="" xmlns:a16="http://schemas.microsoft.com/office/drawing/2014/main" id="{630D1046-84F8-47E2-9637-EE1F8D66172A}"/>
+                <a16:creationId xmlns:a16="http://schemas.microsoft.com/office/drawing/2014/main" id="{630D1046-84F8-47E2-9637-EE1F8D66172A}"/>
               </a:ext>
             </a:extLst>
           </p:cNvPr>
@@ -2658,7 +2658,7 @@
           <p:cNvPr id="5" name="날짜 개체 틀 4">
             <a:extLst>
               <a:ext uri="{FF2B5EF4-FFF2-40B4-BE49-F238E27FC236}">
-                <a16:creationId xmlns="" xmlns:a16="http://schemas.microsoft.com/office/drawing/2014/main" id="{56573E4D-EA74-4746-B5BF-A9FF0E3AF999}"/>
+                <a16:creationId xmlns:a16="http://schemas.microsoft.com/office/drawing/2014/main" id="{56573E4D-EA74-4746-B5BF-A9FF0E3AF999}"/>
               </a:ext>
             </a:extLst>
           </p:cNvPr>
@@ -2676,7 +2676,7 @@
           <a:p>
             <a:fld id="{F1E08AD5-9E69-4E2B-9F94-C8CBCC606C5B}" type="datetimeFigureOut">
               <a:rPr lang="ko-KR" altLang="en-US" smtClean="0"/>
-              <a:t>2018-11-28</a:t>
+              <a:t>2018-11-29</a:t>
             </a:fld>
             <a:endParaRPr lang="ko-KR" altLang="en-US"/>
           </a:p>
@@ -2687,7 +2687,7 @@
           <p:cNvPr id="6" name="바닥글 개체 틀 5">
             <a:extLst>
               <a:ext uri="{FF2B5EF4-FFF2-40B4-BE49-F238E27FC236}">
-                <a16:creationId xmlns="" xmlns:a16="http://schemas.microsoft.com/office/drawing/2014/main" id="{53508D7C-3EBC-4B81-8BC0-015ACC2DF71B}"/>
+                <a16:creationId xmlns:a16="http://schemas.microsoft.com/office/drawing/2014/main" id="{53508D7C-3EBC-4B81-8BC0-015ACC2DF71B}"/>
               </a:ext>
             </a:extLst>
           </p:cNvPr>
@@ -2712,7 +2712,7 @@
           <p:cNvPr id="7" name="슬라이드 번호 개체 틀 6">
             <a:extLst>
               <a:ext uri="{FF2B5EF4-FFF2-40B4-BE49-F238E27FC236}">
-                <a16:creationId xmlns="" xmlns:a16="http://schemas.microsoft.com/office/drawing/2014/main" id="{F06D730C-C52D-488A-B3AC-856FBF2E0D93}"/>
+                <a16:creationId xmlns:a16="http://schemas.microsoft.com/office/drawing/2014/main" id="{F06D730C-C52D-488A-B3AC-856FBF2E0D93}"/>
               </a:ext>
             </a:extLst>
           </p:cNvPr>
@@ -2776,7 +2776,7 @@
           <p:cNvPr id="2" name="제목 개체 틀 1">
             <a:extLst>
               <a:ext uri="{FF2B5EF4-FFF2-40B4-BE49-F238E27FC236}">
-                <a16:creationId xmlns="" xmlns:a16="http://schemas.microsoft.com/office/drawing/2014/main" id="{9820A22F-101A-402F-A5BB-D095C3AA9064}"/>
+                <a16:creationId xmlns:a16="http://schemas.microsoft.com/office/drawing/2014/main" id="{9820A22F-101A-402F-A5BB-D095C3AA9064}"/>
               </a:ext>
             </a:extLst>
           </p:cNvPr>
@@ -2814,7 +2814,7 @@
           <p:cNvPr id="3" name="텍스트 개체 틀 2">
             <a:extLst>
               <a:ext uri="{FF2B5EF4-FFF2-40B4-BE49-F238E27FC236}">
-                <a16:creationId xmlns="" xmlns:a16="http://schemas.microsoft.com/office/drawing/2014/main" id="{21450A64-DD20-48B6-913C-D3DE6053C593}"/>
+                <a16:creationId xmlns:a16="http://schemas.microsoft.com/office/drawing/2014/main" id="{21450A64-DD20-48B6-913C-D3DE6053C593}"/>
               </a:ext>
             </a:extLst>
           </p:cNvPr>
@@ -2881,7 +2881,7 @@
           <p:cNvPr id="4" name="날짜 개체 틀 3">
             <a:extLst>
               <a:ext uri="{FF2B5EF4-FFF2-40B4-BE49-F238E27FC236}">
-                <a16:creationId xmlns="" xmlns:a16="http://schemas.microsoft.com/office/drawing/2014/main" id="{A5C6B5C1-6075-4315-A6E3-6CCB2438CE33}"/>
+                <a16:creationId xmlns:a16="http://schemas.microsoft.com/office/drawing/2014/main" id="{A5C6B5C1-6075-4315-A6E3-6CCB2438CE33}"/>
               </a:ext>
             </a:extLst>
           </p:cNvPr>
@@ -2917,7 +2917,7 @@
           <a:p>
             <a:fld id="{F1E08AD5-9E69-4E2B-9F94-C8CBCC606C5B}" type="datetimeFigureOut">
               <a:rPr lang="ko-KR" altLang="en-US" smtClean="0"/>
-              <a:t>2018-11-28</a:t>
+              <a:t>2018-11-29</a:t>
             </a:fld>
             <a:endParaRPr lang="ko-KR" altLang="en-US"/>
           </a:p>
@@ -2928,7 +2928,7 @@
           <p:cNvPr id="5" name="바닥글 개체 틀 4">
             <a:extLst>
               <a:ext uri="{FF2B5EF4-FFF2-40B4-BE49-F238E27FC236}">
-                <a16:creationId xmlns="" xmlns:a16="http://schemas.microsoft.com/office/drawing/2014/main" id="{44EC332D-5CC3-4692-ADAC-F797423C040C}"/>
+                <a16:creationId xmlns:a16="http://schemas.microsoft.com/office/drawing/2014/main" id="{44EC332D-5CC3-4692-ADAC-F797423C040C}"/>
               </a:ext>
             </a:extLst>
           </p:cNvPr>
@@ -2971,7 +2971,7 @@
           <p:cNvPr id="6" name="슬라이드 번호 개체 틀 5">
             <a:extLst>
               <a:ext uri="{FF2B5EF4-FFF2-40B4-BE49-F238E27FC236}">
-                <a16:creationId xmlns="" xmlns:a16="http://schemas.microsoft.com/office/drawing/2014/main" id="{6EAA751D-6B6D-458B-9E99-DFAF8049E4EA}"/>
+                <a16:creationId xmlns:a16="http://schemas.microsoft.com/office/drawing/2014/main" id="{6EAA751D-6B6D-458B-9E99-DFAF8049E4EA}"/>
               </a:ext>
             </a:extLst>
           </p:cNvPr>
@@ -3368,7 +3368,7 @@
           <p:cNvPr id="6" name="TextBox 5">
             <a:extLst>
               <a:ext uri="{FF2B5EF4-FFF2-40B4-BE49-F238E27FC236}">
-                <a16:creationId xmlns="" xmlns:a16="http://schemas.microsoft.com/office/drawing/2014/main" id="{090DD904-92DF-4C00-9DEF-62DB324CA9DC}"/>
+                <a16:creationId xmlns:a16="http://schemas.microsoft.com/office/drawing/2014/main" id="{090DD904-92DF-4C00-9DEF-62DB324CA9DC}"/>
               </a:ext>
             </a:extLst>
           </p:cNvPr>
@@ -3437,7 +3437,7 @@
           <p:cNvPr id="7" name="직사각형 6">
             <a:extLst>
               <a:ext uri="{FF2B5EF4-FFF2-40B4-BE49-F238E27FC236}">
-                <a16:creationId xmlns="" xmlns:a16="http://schemas.microsoft.com/office/drawing/2014/main" id="{60ABF07A-FE4E-4688-80CC-687EED60F91B}"/>
+                <a16:creationId xmlns:a16="http://schemas.microsoft.com/office/drawing/2014/main" id="{60ABF07A-FE4E-4688-80CC-687EED60F91B}"/>
               </a:ext>
             </a:extLst>
           </p:cNvPr>
@@ -3489,7 +3489,7 @@
           <p:cNvPr id="8" name="TextBox 7">
             <a:extLst>
               <a:ext uri="{FF2B5EF4-FFF2-40B4-BE49-F238E27FC236}">
-                <a16:creationId xmlns="" xmlns:a16="http://schemas.microsoft.com/office/drawing/2014/main" id="{6136D3A2-8D78-4CCE-AFF0-FB3E4EC571BB}"/>
+                <a16:creationId xmlns:a16="http://schemas.microsoft.com/office/drawing/2014/main" id="{6136D3A2-8D78-4CCE-AFF0-FB3E4EC571BB}"/>
               </a:ext>
             </a:extLst>
           </p:cNvPr>
@@ -3534,7 +3534,7 @@
           <p:cNvPr id="10" name="직선 연결선 9">
             <a:extLst>
               <a:ext uri="{FF2B5EF4-FFF2-40B4-BE49-F238E27FC236}">
-                <a16:creationId xmlns="" xmlns:a16="http://schemas.microsoft.com/office/drawing/2014/main" id="{B3FBACC2-97ED-4D82-BB8A-5711DC7F65D1}"/>
+                <a16:creationId xmlns:a16="http://schemas.microsoft.com/office/drawing/2014/main" id="{B3FBACC2-97ED-4D82-BB8A-5711DC7F65D1}"/>
               </a:ext>
             </a:extLst>
           </p:cNvPr>
@@ -3654,7 +3654,7 @@
           <p:cNvPr id="11" name="TextBox 10">
             <a:extLst>
               <a:ext uri="{FF2B5EF4-FFF2-40B4-BE49-F238E27FC236}">
-                <a16:creationId xmlns="" xmlns:a16="http://schemas.microsoft.com/office/drawing/2014/main" id="{91BE35E7-FEAB-4F32-8A4C-A484EAB8A745}"/>
+                <a16:creationId xmlns:a16="http://schemas.microsoft.com/office/drawing/2014/main" id="{91BE35E7-FEAB-4F32-8A4C-A484EAB8A745}"/>
               </a:ext>
             </a:extLst>
           </p:cNvPr>
@@ -4323,13 +4323,6 @@
                 <a:ea typeface="HY헤드라인M" panose="02030600000101010101" pitchFamily="18" charset="-127"/>
               </a:rPr>
               <a:t>의 사용자</a:t>
-            </a:r>
-            <a:r>
-              <a:rPr lang="en-US" altLang="ko-KR" sz="2400" dirty="0">
-                <a:latin typeface="HY헤드라인M" panose="02030600000101010101" pitchFamily="18" charset="-127"/>
-                <a:ea typeface="HY헤드라인M" panose="02030600000101010101" pitchFamily="18" charset="-127"/>
-              </a:rPr>
-              <a:t/>
             </a:r>
             <a:br>
               <a:rPr lang="en-US" altLang="ko-KR" sz="2400" dirty="0">
@@ -4570,21 +4563,7 @@
                 <a:latin typeface="HY헤드라인M" panose="02030600000101010101" pitchFamily="18" charset="-127"/>
                 <a:ea typeface="HY헤드라인M" panose="02030600000101010101" pitchFamily="18" charset="-127"/>
               </a:rPr>
-              <a:t>확실한 수익성을 내고 있는 시장이 마련되어 있음에도 </a:t>
-            </a:r>
-            <a:r>
-              <a:rPr lang="ko-KR" altLang="en-US" sz="2000" dirty="0" smtClean="0">
-                <a:latin typeface="HY헤드라인M" panose="02030600000101010101" pitchFamily="18" charset="-127"/>
-                <a:ea typeface="HY헤드라인M" panose="02030600000101010101" pitchFamily="18" charset="-127"/>
-              </a:rPr>
-              <a:t>시장을 </a:t>
-            </a:r>
-            <a:r>
-              <a:rPr lang="ko-KR" altLang="en-US" sz="2000" dirty="0">
-                <a:latin typeface="HY헤드라인M" panose="02030600000101010101" pitchFamily="18" charset="-127"/>
-                <a:ea typeface="HY헤드라인M" panose="02030600000101010101" pitchFamily="18" charset="-127"/>
-              </a:rPr>
-              <a:t>활용하는 게임이 나오지 않고 있다</a:t>
+              <a:t>확실한 수익성을 내고 있는 시장이 마련되어 있음에도 시장을 활용하는 게임이 나오지 않고 있다</a:t>
             </a:r>
             <a:r>
               <a:rPr lang="en-US" altLang="ko-KR" sz="2000" dirty="0">
@@ -4722,32 +4701,20 @@
               <a:t> </a:t>
             </a:r>
             <a:r>
-              <a:rPr lang="en-US" altLang="ko-KR" sz="1400" dirty="0" smtClean="0">
+              <a:rPr lang="en-US" altLang="ko-KR" sz="1400" dirty="0">
                 <a:latin typeface="HY헤드라인M" panose="02030600000101010101" pitchFamily="18" charset="-127"/>
                 <a:ea typeface="HY헤드라인M" panose="02030600000101010101" pitchFamily="18" charset="-127"/>
               </a:rPr>
               <a:t>(ex. </a:t>
-            </a:r>
-            <a:r>
-              <a:rPr lang="en-US" altLang="ko-KR" sz="1400" dirty="0" smtClean="0">
-                <a:hlinkClick r:id="rId2"/>
-              </a:rPr>
-              <a:t>Slay </a:t>
             </a:r>
             <a:r>
               <a:rPr lang="en-US" altLang="ko-KR" sz="1400" dirty="0">
                 <a:hlinkClick r:id="rId2"/>
               </a:rPr>
-              <a:t>the </a:t>
-            </a:r>
-            <a:r>
-              <a:rPr lang="en-US" altLang="ko-KR" sz="1400" dirty="0" smtClean="0">
-                <a:hlinkClick r:id="rId2"/>
-              </a:rPr>
-              <a:t>Spire</a:t>
-            </a:r>
-            <a:r>
-              <a:rPr lang="en-US" altLang="ko-KR" sz="1400" dirty="0" smtClean="0"/>
+              <a:t>Slay the Spire</a:t>
+            </a:r>
+            <a:r>
+              <a:rPr lang="en-US" altLang="ko-KR" sz="1400" dirty="0"/>
               <a:t>]</a:t>
             </a:r>
             <a:endParaRPr lang="ko-KR" altLang="en-US" sz="1400" dirty="0">
@@ -4848,7 +4815,7 @@
           <p:cNvPr id="7" name="TextBox 6">
             <a:extLst>
               <a:ext uri="{FF2B5EF4-FFF2-40B4-BE49-F238E27FC236}">
-                <a16:creationId xmlns="" xmlns:a16="http://schemas.microsoft.com/office/drawing/2014/main" id="{19D8874A-4E9C-4026-924B-5BEEA86EABD0}"/>
+                <a16:creationId xmlns:a16="http://schemas.microsoft.com/office/drawing/2014/main" id="{19D8874A-4E9C-4026-924B-5BEEA86EABD0}"/>
               </a:ext>
             </a:extLst>
           </p:cNvPr>
@@ -5092,119 +5059,21 @@
       </p:sp>
       <p:pic>
         <p:nvPicPr>
-          <p:cNvPr id="11" name="그림 10"/>
-          <p:cNvPicPr>
-            <a:picLocks noChangeAspect="1"/>
-          </p:cNvPicPr>
-          <p:nvPr/>
-        </p:nvPicPr>
-        <p:blipFill>
-          <a:blip r:embed="rId2"/>
-          <a:stretch>
-            <a:fillRect/>
-          </a:stretch>
-        </p:blipFill>
-        <p:spPr>
-          <a:xfrm>
-            <a:off x="417261" y="1279816"/>
-            <a:ext cx="4552133" cy="2649484"/>
-          </a:xfrm>
-          <a:prstGeom prst="rect">
-            <a:avLst/>
-          </a:prstGeom>
-        </p:spPr>
-      </p:pic>
-      <p:pic>
-        <p:nvPicPr>
-          <p:cNvPr id="10" name="그림 9"/>
-          <p:cNvPicPr>
-            <a:picLocks noChangeAspect="1"/>
-          </p:cNvPicPr>
-          <p:nvPr/>
-        </p:nvPicPr>
-        <p:blipFill>
-          <a:blip r:embed="rId3">
-            <a:duotone>
-              <a:schemeClr val="accent4">
-                <a:shade val="45000"/>
-                <a:satMod val="135000"/>
-              </a:schemeClr>
-              <a:prstClr val="white"/>
-            </a:duotone>
-            <a:extLst>
-              <a:ext uri="{28A0092B-C50C-407E-A947-70E740481C1C}">
-                <a14:useLocalDpi xmlns:a14="http://schemas.microsoft.com/office/drawing/2010/main" val="0"/>
-              </a:ext>
-            </a:extLst>
-          </a:blip>
-          <a:stretch>
-            <a:fillRect/>
-          </a:stretch>
-        </p:blipFill>
-        <p:spPr>
-          <a:xfrm rot="2466467">
-            <a:off x="1234519" y="1712694"/>
-            <a:ext cx="2951980" cy="1902892"/>
-          </a:xfrm>
-          <a:prstGeom prst="rect">
-            <a:avLst/>
-          </a:prstGeom>
-        </p:spPr>
-      </p:pic>
-      <p:pic>
-        <p:nvPicPr>
-          <p:cNvPr id="12" name="그림 11"/>
-          <p:cNvPicPr>
-            <a:picLocks noChangeAspect="1"/>
-          </p:cNvPicPr>
-          <p:nvPr/>
-        </p:nvPicPr>
-        <p:blipFill>
-          <a:blip r:embed="rId4"/>
-          <a:stretch>
-            <a:fillRect/>
-          </a:stretch>
-        </p:blipFill>
-        <p:spPr>
-          <a:xfrm>
-            <a:off x="417260" y="3929300"/>
-            <a:ext cx="4552133" cy="2745585"/>
-          </a:xfrm>
-          <a:prstGeom prst="rect">
-            <a:avLst/>
-          </a:prstGeom>
-        </p:spPr>
-      </p:pic>
-      <p:pic>
-        <p:nvPicPr>
-          <p:cNvPr id="9" name="그림 8"/>
+          <p:cNvPr id="2" name="그림 1"/>
           <p:cNvPicPr>
             <a:picLocks noChangeAspect="1"/>
           </p:cNvPicPr>
           <p:nvPr/>
         </p:nvPicPr>
         <p:blipFill rotWithShape="1">
-          <a:blip r:embed="rId5">
-            <a:duotone>
-              <a:schemeClr val="accent4">
-                <a:shade val="45000"/>
-                <a:satMod val="135000"/>
-              </a:schemeClr>
-              <a:prstClr val="white"/>
-            </a:duotone>
-            <a:extLst>
-              <a:ext uri="{28A0092B-C50C-407E-A947-70E740481C1C}">
-                <a14:useLocalDpi xmlns:a14="http://schemas.microsoft.com/office/drawing/2010/main" val="0"/>
-              </a:ext>
-            </a:extLst>
-          </a:blip>
-          <a:srcRect l="39524" r="41048"/>
+          <a:blip r:embed="rId2"/>
+          <a:srcRect l="21115"/>
           <a:stretch/>
         </p:blipFill>
         <p:spPr>
-          <a:xfrm rot="12024704">
-            <a:off x="1928211" y="3786978"/>
-            <a:ext cx="889000" cy="2614706"/>
+          <a:xfrm>
+            <a:off x="180303" y="1400728"/>
+            <a:ext cx="6834010" cy="4873072"/>
           </a:xfrm>
           <a:prstGeom prst="rect">
             <a:avLst/>
@@ -5213,145 +5082,375 @@
       </p:pic>
       <p:sp>
         <p:nvSpPr>
-          <p:cNvPr id="13" name="TextBox 12"/>
-          <p:cNvSpPr txBox="1"/>
+          <p:cNvPr id="3" name="직사각형 2"/>
+          <p:cNvSpPr/>
           <p:nvPr/>
         </p:nvSpPr>
         <p:spPr>
           <a:xfrm>
-            <a:off x="1824677" y="890186"/>
-            <a:ext cx="1552028" cy="400110"/>
+            <a:off x="5095203" y="3911600"/>
+            <a:ext cx="1919110" cy="1409700"/>
           </a:xfrm>
           <a:prstGeom prst="rect">
             <a:avLst/>
           </a:prstGeom>
           <a:noFill/>
-        </p:spPr>
-        <p:txBody>
-          <a:bodyPr wrap="none" rtlCol="0">
-            <a:spAutoFit/>
-          </a:bodyPr>
-          <a:lstStyle/>
-          <a:p>
-            <a:r>
-              <a:rPr lang="ko-KR" altLang="en-US" sz="2000" smtClean="0">
-                <a:latin typeface="HY헤드라인M" panose="02030600000101010101" pitchFamily="18" charset="-127"/>
-                <a:ea typeface="HY헤드라인M" panose="02030600000101010101" pitchFamily="18" charset="-127"/>
-              </a:rPr>
-              <a:t>캐릭터 </a:t>
-            </a:r>
-            <a:r>
-              <a:rPr lang="ko-KR" altLang="en-US" sz="2000" dirty="0" err="1" smtClean="0">
-                <a:latin typeface="HY헤드라인M" panose="02030600000101010101" pitchFamily="18" charset="-127"/>
-                <a:ea typeface="HY헤드라인M" panose="02030600000101010101" pitchFamily="18" charset="-127"/>
-              </a:rPr>
-              <a:t>컨셉</a:t>
-            </a:r>
-            <a:endParaRPr lang="ko-KR" altLang="en-US" sz="2000" dirty="0">
-              <a:latin typeface="HY헤드라인M" panose="02030600000101010101" pitchFamily="18" charset="-127"/>
-              <a:ea typeface="HY헤드라인M" panose="02030600000101010101" pitchFamily="18" charset="-127"/>
-            </a:endParaRPr>
-          </a:p>
-        </p:txBody>
-      </p:sp>
-      <p:sp>
-        <p:nvSpPr>
-          <p:cNvPr id="14" name="TextBox 13"/>
-          <p:cNvSpPr txBox="1"/>
-          <p:nvPr/>
-        </p:nvSpPr>
-        <p:spPr>
-          <a:xfrm>
-            <a:off x="8212777" y="924164"/>
-            <a:ext cx="1039067" cy="400110"/>
-          </a:xfrm>
-          <a:prstGeom prst="rect">
-            <a:avLst/>
-          </a:prstGeom>
-          <a:noFill/>
-        </p:spPr>
-        <p:txBody>
-          <a:bodyPr wrap="none" rtlCol="0">
-            <a:spAutoFit/>
-          </a:bodyPr>
-          <a:lstStyle/>
-          <a:p>
-            <a:r>
-              <a:rPr lang="ko-KR" altLang="en-US" sz="2000" dirty="0" err="1" smtClean="0">
-                <a:latin typeface="HY헤드라인M" panose="02030600000101010101" pitchFamily="18" charset="-127"/>
-                <a:ea typeface="HY헤드라인M" panose="02030600000101010101" pitchFamily="18" charset="-127"/>
-              </a:rPr>
-              <a:t>맵</a:t>
-            </a:r>
-            <a:r>
-              <a:rPr lang="ko-KR" altLang="en-US" sz="2000" dirty="0" smtClean="0">
-                <a:latin typeface="HY헤드라인M" panose="02030600000101010101" pitchFamily="18" charset="-127"/>
-                <a:ea typeface="HY헤드라인M" panose="02030600000101010101" pitchFamily="18" charset="-127"/>
-              </a:rPr>
-              <a:t> </a:t>
-            </a:r>
-            <a:r>
-              <a:rPr lang="ko-KR" altLang="en-US" sz="2000" dirty="0" err="1" smtClean="0">
-                <a:latin typeface="HY헤드라인M" panose="02030600000101010101" pitchFamily="18" charset="-127"/>
-                <a:ea typeface="HY헤드라인M" panose="02030600000101010101" pitchFamily="18" charset="-127"/>
-              </a:rPr>
-              <a:t>컨셉</a:t>
-            </a:r>
-            <a:endParaRPr lang="ko-KR" altLang="en-US" sz="2000" dirty="0">
-              <a:latin typeface="HY헤드라인M" panose="02030600000101010101" pitchFamily="18" charset="-127"/>
-              <a:ea typeface="HY헤드라인M" panose="02030600000101010101" pitchFamily="18" charset="-127"/>
-            </a:endParaRPr>
+          <a:ln w="57150">
+            <a:solidFill>
+              <a:srgbClr val="FF0000"/>
+            </a:solidFill>
+          </a:ln>
+        </p:spPr>
+        <p:style>
+          <a:lnRef idx="2">
+            <a:schemeClr val="accent1">
+              <a:shade val="50000"/>
+            </a:schemeClr>
+          </a:lnRef>
+          <a:fillRef idx="1">
+            <a:schemeClr val="accent1"/>
+          </a:fillRef>
+          <a:effectRef idx="0">
+            <a:schemeClr val="accent1"/>
+          </a:effectRef>
+          <a:fontRef idx="minor">
+            <a:schemeClr val="lt1"/>
+          </a:fontRef>
+        </p:style>
+        <p:txBody>
+          <a:bodyPr rtlCol="0" anchor="ctr"/>
+          <a:lstStyle/>
+          <a:p>
+            <a:pPr algn="ctr"/>
+            <a:endParaRPr lang="ko-KR" altLang="en-US"/>
           </a:p>
         </p:txBody>
       </p:sp>
       <p:pic>
         <p:nvPicPr>
-          <p:cNvPr id="15" name="그림 14"/>
+          <p:cNvPr id="8" name="그림 7"/>
           <p:cNvPicPr>
             <a:picLocks noChangeAspect="1"/>
           </p:cNvPicPr>
           <p:nvPr/>
         </p:nvPicPr>
-        <p:blipFill>
-          <a:blip r:embed="rId6">
+        <p:blipFill rotWithShape="1">
+          <a:blip r:embed="rId3">
             <a:extLst>
               <a:ext uri="{28A0092B-C50C-407E-A947-70E740481C1C}">
                 <a14:useLocalDpi xmlns:a14="http://schemas.microsoft.com/office/drawing/2010/main" val="0"/>
               </a:ext>
             </a:extLst>
           </a:blip>
-          <a:stretch>
-            <a:fillRect/>
-          </a:stretch>
+          <a:srcRect l="12246" t="20024" r="8339"/>
+          <a:stretch/>
         </p:blipFill>
         <p:spPr>
           <a:xfrm>
-            <a:off x="5760008" y="1887301"/>
-            <a:ext cx="5944604" cy="4083998"/>
+            <a:off x="4309142" y="1620322"/>
+            <a:ext cx="2593588" cy="1843079"/>
           </a:xfrm>
           <a:prstGeom prst="rect">
             <a:avLst/>
           </a:prstGeom>
-          <a:ln w="38100" cap="sq">
+          <a:ln w="57150">
             <a:solidFill>
-              <a:srgbClr val="000000"/>
+              <a:srgbClr val="FF0000"/>
             </a:solidFill>
-            <a:prstDash val="solid"/>
-            <a:miter lim="800000"/>
           </a:ln>
-          <a:effectLst>
-            <a:outerShdw blurRad="50800" dist="38100" dir="2700000" algn="tl" rotWithShape="0">
-              <a:srgbClr val="000000">
-                <a:alpha val="43000"/>
-              </a:srgbClr>
-            </a:outerShdw>
-          </a:effectLst>
         </p:spPr>
       </p:pic>
+      <p:cxnSp>
+        <p:nvCxnSpPr>
+          <p:cNvPr id="10" name="직선 화살표 연결선 9"/>
+          <p:cNvCxnSpPr/>
+          <p:nvPr/>
+        </p:nvCxnSpPr>
+        <p:spPr>
+          <a:xfrm flipH="1">
+            <a:off x="7206332" y="2135464"/>
+            <a:ext cx="415186" cy="0"/>
+          </a:xfrm>
+          <a:prstGeom prst="straightConnector1">
+            <a:avLst/>
+          </a:prstGeom>
+          <a:ln>
+            <a:solidFill>
+              <a:schemeClr val="tx1"/>
+            </a:solidFill>
+            <a:tailEnd type="triangle"/>
+          </a:ln>
+        </p:spPr>
+        <p:style>
+          <a:lnRef idx="1">
+            <a:schemeClr val="accent1"/>
+          </a:lnRef>
+          <a:fillRef idx="0">
+            <a:schemeClr val="accent1"/>
+          </a:fillRef>
+          <a:effectRef idx="0">
+            <a:schemeClr val="accent1"/>
+          </a:effectRef>
+          <a:fontRef idx="minor">
+            <a:schemeClr val="tx1"/>
+          </a:fontRef>
+        </p:style>
+      </p:cxnSp>
+      <p:cxnSp>
+        <p:nvCxnSpPr>
+          <p:cNvPr id="13" name="직선 화살표 연결선 12"/>
+          <p:cNvCxnSpPr/>
+          <p:nvPr/>
+        </p:nvCxnSpPr>
+        <p:spPr>
+          <a:xfrm flipH="1">
+            <a:off x="7172146" y="4491314"/>
+            <a:ext cx="415186" cy="0"/>
+          </a:xfrm>
+          <a:prstGeom prst="straightConnector1">
+            <a:avLst/>
+          </a:prstGeom>
+          <a:ln>
+            <a:solidFill>
+              <a:schemeClr val="tx1"/>
+            </a:solidFill>
+            <a:tailEnd type="triangle"/>
+          </a:ln>
+        </p:spPr>
+        <p:style>
+          <a:lnRef idx="1">
+            <a:schemeClr val="accent1"/>
+          </a:lnRef>
+          <a:fillRef idx="0">
+            <a:schemeClr val="accent1"/>
+          </a:fillRef>
+          <a:effectRef idx="0">
+            <a:schemeClr val="accent1"/>
+          </a:effectRef>
+          <a:fontRef idx="minor">
+            <a:schemeClr val="tx1"/>
+          </a:fontRef>
+        </p:style>
+      </p:cxnSp>
+      <p:sp>
+        <p:nvSpPr>
+          <p:cNvPr id="14" name="TextBox 13"/>
+          <p:cNvSpPr txBox="1"/>
+          <p:nvPr/>
+        </p:nvSpPr>
+        <p:spPr>
+          <a:xfrm>
+            <a:off x="7621518" y="1941698"/>
+            <a:ext cx="4570482" cy="1200329"/>
+          </a:xfrm>
+          <a:prstGeom prst="rect">
+            <a:avLst/>
+          </a:prstGeom>
+          <a:noFill/>
+        </p:spPr>
+        <p:txBody>
+          <a:bodyPr wrap="none" rtlCol="0">
+            <a:spAutoFit/>
+          </a:bodyPr>
+          <a:lstStyle/>
+          <a:p>
+            <a:r>
+              <a:rPr lang="en-US" altLang="ko-KR" dirty="0">
+                <a:latin typeface="HY헤드라인M" panose="02030600000101010101" pitchFamily="18" charset="-127"/>
+                <a:ea typeface="HY헤드라인M" panose="02030600000101010101" pitchFamily="18" charset="-127"/>
+              </a:rPr>
+              <a:t>Donation (</a:t>
+            </a:r>
+            <a:r>
+              <a:rPr lang="ko-KR" altLang="en-US" dirty="0">
+                <a:latin typeface="HY헤드라인M" panose="02030600000101010101" pitchFamily="18" charset="-127"/>
+                <a:ea typeface="HY헤드라인M" panose="02030600000101010101" pitchFamily="18" charset="-127"/>
+              </a:rPr>
+              <a:t>후원</a:t>
+            </a:r>
+            <a:r>
+              <a:rPr lang="en-US" altLang="ko-KR" dirty="0">
+                <a:latin typeface="HY헤드라인M" panose="02030600000101010101" pitchFamily="18" charset="-127"/>
+                <a:ea typeface="HY헤드라인M" panose="02030600000101010101" pitchFamily="18" charset="-127"/>
+              </a:rPr>
+              <a:t>) : </a:t>
+            </a:r>
+          </a:p>
+          <a:p>
+            <a:endParaRPr lang="en-US" altLang="ko-KR" dirty="0">
+              <a:latin typeface="HY헤드라인M" panose="02030600000101010101" pitchFamily="18" charset="-127"/>
+              <a:ea typeface="HY헤드라인M" panose="02030600000101010101" pitchFamily="18" charset="-127"/>
+            </a:endParaRPr>
+          </a:p>
+          <a:p>
+            <a:r>
+              <a:rPr lang="ko-KR" altLang="en-US" dirty="0">
+                <a:latin typeface="HY헤드라인M" panose="02030600000101010101" pitchFamily="18" charset="-127"/>
+                <a:ea typeface="HY헤드라인M" panose="02030600000101010101" pitchFamily="18" charset="-127"/>
+              </a:rPr>
+              <a:t>시청자들이 </a:t>
+            </a:r>
+            <a:r>
+              <a:rPr lang="ko-KR" altLang="en-US" dirty="0" err="1">
+                <a:latin typeface="HY헤드라인M" panose="02030600000101010101" pitchFamily="18" charset="-127"/>
+                <a:ea typeface="HY헤드라인M" panose="02030600000101010101" pitchFamily="18" charset="-127"/>
+              </a:rPr>
+              <a:t>스트리머에게</a:t>
+            </a:r>
+            <a:r>
+              <a:rPr lang="ko-KR" altLang="en-US" dirty="0">
+                <a:latin typeface="HY헤드라인M" panose="02030600000101010101" pitchFamily="18" charset="-127"/>
+                <a:ea typeface="HY헤드라인M" panose="02030600000101010101" pitchFamily="18" charset="-127"/>
+              </a:rPr>
+              <a:t> 후원을 </a:t>
+            </a:r>
+            <a:r>
+              <a:rPr lang="ko-KR" altLang="en-US" dirty="0" err="1">
+                <a:latin typeface="HY헤드라인M" panose="02030600000101010101" pitchFamily="18" charset="-127"/>
+                <a:ea typeface="HY헤드라인M" panose="02030600000101010101" pitchFamily="18" charset="-127"/>
+              </a:rPr>
+              <a:t>하였을때</a:t>
+            </a:r>
+            <a:br>
+              <a:rPr lang="en-US" altLang="ko-KR" dirty="0">
+                <a:latin typeface="HY헤드라인M" panose="02030600000101010101" pitchFamily="18" charset="-127"/>
+                <a:ea typeface="HY헤드라인M" panose="02030600000101010101" pitchFamily="18" charset="-127"/>
+              </a:rPr>
+            </a:br>
+            <a:r>
+              <a:rPr lang="ko-KR" altLang="en-US" dirty="0" err="1">
+                <a:latin typeface="HY헤드라인M" panose="02030600000101010101" pitchFamily="18" charset="-127"/>
+                <a:ea typeface="HY헤드라인M" panose="02030600000101010101" pitchFamily="18" charset="-127"/>
+              </a:rPr>
+              <a:t>게임내</a:t>
+            </a:r>
+            <a:r>
+              <a:rPr lang="ko-KR" altLang="en-US" dirty="0">
+                <a:latin typeface="HY헤드라인M" panose="02030600000101010101" pitchFamily="18" charset="-127"/>
+                <a:ea typeface="HY헤드라인M" panose="02030600000101010101" pitchFamily="18" charset="-127"/>
+              </a:rPr>
+              <a:t> 코인이 올라 상품을 살 수 있다</a:t>
+            </a:r>
+            <a:r>
+              <a:rPr lang="en-US" altLang="ko-KR" dirty="0">
+                <a:latin typeface="HY헤드라인M" panose="02030600000101010101" pitchFamily="18" charset="-127"/>
+                <a:ea typeface="HY헤드라인M" panose="02030600000101010101" pitchFamily="18" charset="-127"/>
+              </a:rPr>
+              <a:t>.</a:t>
+            </a:r>
+          </a:p>
+        </p:txBody>
+      </p:sp>
+      <p:sp>
+        <p:nvSpPr>
+          <p:cNvPr id="15" name="TextBox 14"/>
+          <p:cNvSpPr txBox="1"/>
+          <p:nvPr/>
+        </p:nvSpPr>
+        <p:spPr>
+          <a:xfrm>
+            <a:off x="7698462" y="4306648"/>
+            <a:ext cx="4416594" cy="1200329"/>
+          </a:xfrm>
+          <a:prstGeom prst="rect">
+            <a:avLst/>
+          </a:prstGeom>
+          <a:noFill/>
+        </p:spPr>
+        <p:txBody>
+          <a:bodyPr wrap="none" rtlCol="0">
+            <a:spAutoFit/>
+          </a:bodyPr>
+          <a:lstStyle/>
+          <a:p>
+            <a:r>
+              <a:rPr lang="ko-KR" altLang="en-US" dirty="0" err="1">
+                <a:latin typeface="HY헤드라인M" panose="02030600000101010101" pitchFamily="18" charset="-127"/>
+                <a:ea typeface="HY헤드라인M" panose="02030600000101010101" pitchFamily="18" charset="-127"/>
+              </a:rPr>
+              <a:t>트위치</a:t>
+            </a:r>
+            <a:r>
+              <a:rPr lang="ko-KR" altLang="en-US" dirty="0">
+                <a:latin typeface="HY헤드라인M" panose="02030600000101010101" pitchFamily="18" charset="-127"/>
+                <a:ea typeface="HY헤드라인M" panose="02030600000101010101" pitchFamily="18" charset="-127"/>
+              </a:rPr>
+              <a:t> 채팅 </a:t>
+            </a:r>
+            <a:r>
+              <a:rPr lang="en-US" altLang="ko-KR" dirty="0">
+                <a:latin typeface="HY헤드라인M" panose="02030600000101010101" pitchFamily="18" charset="-127"/>
+                <a:ea typeface="HY헤드라인M" panose="02030600000101010101" pitchFamily="18" charset="-127"/>
+              </a:rPr>
+              <a:t>:</a:t>
+            </a:r>
+          </a:p>
+          <a:p>
+            <a:endParaRPr lang="en-US" altLang="ko-KR" dirty="0">
+              <a:latin typeface="HY헤드라인M" panose="02030600000101010101" pitchFamily="18" charset="-127"/>
+              <a:ea typeface="HY헤드라인M" panose="02030600000101010101" pitchFamily="18" charset="-127"/>
+            </a:endParaRPr>
+          </a:p>
+          <a:p>
+            <a:r>
+              <a:rPr lang="ko-KR" altLang="en-US" dirty="0">
+                <a:latin typeface="HY헤드라인M" panose="02030600000101010101" pitchFamily="18" charset="-127"/>
+                <a:ea typeface="HY헤드라인M" panose="02030600000101010101" pitchFamily="18" charset="-127"/>
+              </a:rPr>
+              <a:t>실시간 채팅을 </a:t>
+            </a:r>
+            <a:r>
+              <a:rPr lang="ko-KR" altLang="en-US" dirty="0" err="1">
+                <a:latin typeface="HY헤드라인M" panose="02030600000101010101" pitchFamily="18" charset="-127"/>
+                <a:ea typeface="HY헤드라인M" panose="02030600000101010101" pitchFamily="18" charset="-127"/>
+              </a:rPr>
+              <a:t>게임내</a:t>
+            </a:r>
+            <a:r>
+              <a:rPr lang="ko-KR" altLang="en-US" dirty="0">
+                <a:latin typeface="HY헤드라인M" panose="02030600000101010101" pitchFamily="18" charset="-127"/>
+                <a:ea typeface="HY헤드라인M" panose="02030600000101010101" pitchFamily="18" charset="-127"/>
+              </a:rPr>
+              <a:t> 채팅으로 설정하여</a:t>
+            </a:r>
+            <a:endParaRPr lang="en-US" altLang="ko-KR" dirty="0">
+              <a:latin typeface="HY헤드라인M" panose="02030600000101010101" pitchFamily="18" charset="-127"/>
+              <a:ea typeface="HY헤드라인M" panose="02030600000101010101" pitchFamily="18" charset="-127"/>
+            </a:endParaRPr>
+          </a:p>
+          <a:p>
+            <a:r>
+              <a:rPr lang="ko-KR" altLang="en-US" dirty="0" err="1">
+                <a:latin typeface="HY헤드라인M" panose="02030600000101010101" pitchFamily="18" charset="-127"/>
+                <a:ea typeface="HY헤드라인M" panose="02030600000101010101" pitchFamily="18" charset="-127"/>
+              </a:rPr>
+              <a:t>스트리머와</a:t>
+            </a:r>
+            <a:r>
+              <a:rPr lang="ko-KR" altLang="en-US" dirty="0">
+                <a:latin typeface="HY헤드라인M" panose="02030600000101010101" pitchFamily="18" charset="-127"/>
+                <a:ea typeface="HY헤드라인M" panose="02030600000101010101" pitchFamily="18" charset="-127"/>
+              </a:rPr>
+              <a:t> 시청자의 실시간 소통</a:t>
+            </a:r>
+            <a:r>
+              <a:rPr lang="en-US" altLang="ko-KR" dirty="0">
+                <a:latin typeface="HY헤드라인M" panose="02030600000101010101" pitchFamily="18" charset="-127"/>
+                <a:ea typeface="HY헤드라인M" panose="02030600000101010101" pitchFamily="18" charset="-127"/>
+              </a:rPr>
+              <a:t>.</a:t>
+            </a:r>
+            <a:endParaRPr lang="ko-KR" altLang="en-US" dirty="0">
+              <a:latin typeface="HY헤드라인M" panose="02030600000101010101" pitchFamily="18" charset="-127"/>
+              <a:ea typeface="HY헤드라인M" panose="02030600000101010101" pitchFamily="18" charset="-127"/>
+            </a:endParaRPr>
+          </a:p>
+        </p:txBody>
+      </p:sp>
     </p:spTree>
     <p:extLst>
       <p:ext uri="{BB962C8B-B14F-4D97-AF65-F5344CB8AC3E}">
-        <p14:creationId xmlns:p14="http://schemas.microsoft.com/office/powerpoint/2010/main" val="1470767982"/>
+        <p14:creationId xmlns:p14="http://schemas.microsoft.com/office/powerpoint/2010/main" val="1869839230"/>
       </p:ext>
     </p:extLst>
   </p:cSld>
@@ -5469,21 +5568,119 @@
       </p:sp>
       <p:pic>
         <p:nvPicPr>
-          <p:cNvPr id="2" name="그림 1"/>
+          <p:cNvPr id="11" name="그림 10"/>
+          <p:cNvPicPr>
+            <a:picLocks noChangeAspect="1"/>
+          </p:cNvPicPr>
+          <p:nvPr/>
+        </p:nvPicPr>
+        <p:blipFill>
+          <a:blip r:embed="rId2"/>
+          <a:stretch>
+            <a:fillRect/>
+          </a:stretch>
+        </p:blipFill>
+        <p:spPr>
+          <a:xfrm>
+            <a:off x="417261" y="1279816"/>
+            <a:ext cx="4552133" cy="2649484"/>
+          </a:xfrm>
+          <a:prstGeom prst="rect">
+            <a:avLst/>
+          </a:prstGeom>
+        </p:spPr>
+      </p:pic>
+      <p:pic>
+        <p:nvPicPr>
+          <p:cNvPr id="10" name="그림 9"/>
+          <p:cNvPicPr>
+            <a:picLocks noChangeAspect="1"/>
+          </p:cNvPicPr>
+          <p:nvPr/>
+        </p:nvPicPr>
+        <p:blipFill>
+          <a:blip r:embed="rId3">
+            <a:duotone>
+              <a:schemeClr val="accent4">
+                <a:shade val="45000"/>
+                <a:satMod val="135000"/>
+              </a:schemeClr>
+              <a:prstClr val="white"/>
+            </a:duotone>
+            <a:extLst>
+              <a:ext uri="{28A0092B-C50C-407E-A947-70E740481C1C}">
+                <a14:useLocalDpi xmlns:a14="http://schemas.microsoft.com/office/drawing/2010/main" val="0"/>
+              </a:ext>
+            </a:extLst>
+          </a:blip>
+          <a:stretch>
+            <a:fillRect/>
+          </a:stretch>
+        </p:blipFill>
+        <p:spPr>
+          <a:xfrm rot="2466467">
+            <a:off x="1234519" y="1712694"/>
+            <a:ext cx="2951980" cy="1902892"/>
+          </a:xfrm>
+          <a:prstGeom prst="rect">
+            <a:avLst/>
+          </a:prstGeom>
+        </p:spPr>
+      </p:pic>
+      <p:pic>
+        <p:nvPicPr>
+          <p:cNvPr id="12" name="그림 11"/>
+          <p:cNvPicPr>
+            <a:picLocks noChangeAspect="1"/>
+          </p:cNvPicPr>
+          <p:nvPr/>
+        </p:nvPicPr>
+        <p:blipFill>
+          <a:blip r:embed="rId4"/>
+          <a:stretch>
+            <a:fillRect/>
+          </a:stretch>
+        </p:blipFill>
+        <p:spPr>
+          <a:xfrm>
+            <a:off x="417260" y="3929300"/>
+            <a:ext cx="4552133" cy="2745585"/>
+          </a:xfrm>
+          <a:prstGeom prst="rect">
+            <a:avLst/>
+          </a:prstGeom>
+        </p:spPr>
+      </p:pic>
+      <p:pic>
+        <p:nvPicPr>
+          <p:cNvPr id="9" name="그림 8"/>
           <p:cNvPicPr>
             <a:picLocks noChangeAspect="1"/>
           </p:cNvPicPr>
           <p:nvPr/>
         </p:nvPicPr>
         <p:blipFill rotWithShape="1">
-          <a:blip r:embed="rId2"/>
-          <a:srcRect l="21115"/>
+          <a:blip r:embed="rId5">
+            <a:duotone>
+              <a:schemeClr val="accent4">
+                <a:shade val="45000"/>
+                <a:satMod val="135000"/>
+              </a:schemeClr>
+              <a:prstClr val="white"/>
+            </a:duotone>
+            <a:extLst>
+              <a:ext uri="{28A0092B-C50C-407E-A947-70E740481C1C}">
+                <a14:useLocalDpi xmlns:a14="http://schemas.microsoft.com/office/drawing/2010/main" val="0"/>
+              </a:ext>
+            </a:extLst>
+          </a:blip>
+          <a:srcRect l="39524" r="41048"/>
           <a:stretch/>
         </p:blipFill>
         <p:spPr>
-          <a:xfrm>
-            <a:off x="180303" y="1400728"/>
-            <a:ext cx="6834010" cy="4873072"/>
+          <a:xfrm rot="12024704">
+            <a:off x="1928211" y="3786978"/>
+            <a:ext cx="889000" cy="2614706"/>
           </a:xfrm>
           <a:prstGeom prst="rect">
             <a:avLst/>
@@ -5492,382 +5689,145 @@
       </p:pic>
       <p:sp>
         <p:nvSpPr>
-          <p:cNvPr id="3" name="직사각형 2"/>
-          <p:cNvSpPr/>
+          <p:cNvPr id="13" name="TextBox 12"/>
+          <p:cNvSpPr txBox="1"/>
           <p:nvPr/>
         </p:nvSpPr>
         <p:spPr>
           <a:xfrm>
-            <a:off x="5095203" y="3911600"/>
-            <a:ext cx="1919110" cy="1409700"/>
+            <a:off x="1824677" y="890186"/>
+            <a:ext cx="1552028" cy="400110"/>
           </a:xfrm>
           <a:prstGeom prst="rect">
             <a:avLst/>
           </a:prstGeom>
           <a:noFill/>
-          <a:ln w="57150">
-            <a:solidFill>
-              <a:srgbClr val="FF0000"/>
-            </a:solidFill>
-          </a:ln>
-        </p:spPr>
-        <p:style>
-          <a:lnRef idx="2">
-            <a:schemeClr val="accent1">
-              <a:shade val="50000"/>
-            </a:schemeClr>
-          </a:lnRef>
-          <a:fillRef idx="1">
-            <a:schemeClr val="accent1"/>
-          </a:fillRef>
-          <a:effectRef idx="0">
-            <a:schemeClr val="accent1"/>
-          </a:effectRef>
-          <a:fontRef idx="minor">
-            <a:schemeClr val="lt1"/>
-          </a:fontRef>
-        </p:style>
-        <p:txBody>
-          <a:bodyPr rtlCol="0" anchor="ctr"/>
-          <a:lstStyle/>
-          <a:p>
-            <a:pPr algn="ctr"/>
-            <a:endParaRPr lang="ko-KR" altLang="en-US"/>
+        </p:spPr>
+        <p:txBody>
+          <a:bodyPr wrap="none" rtlCol="0">
+            <a:spAutoFit/>
+          </a:bodyPr>
+          <a:lstStyle/>
+          <a:p>
+            <a:r>
+              <a:rPr lang="ko-KR" altLang="en-US" sz="2000">
+                <a:latin typeface="HY헤드라인M" panose="02030600000101010101" pitchFamily="18" charset="-127"/>
+                <a:ea typeface="HY헤드라인M" panose="02030600000101010101" pitchFamily="18" charset="-127"/>
+              </a:rPr>
+              <a:t>캐릭터 </a:t>
+            </a:r>
+            <a:r>
+              <a:rPr lang="ko-KR" altLang="en-US" sz="2000" dirty="0" err="1">
+                <a:latin typeface="HY헤드라인M" panose="02030600000101010101" pitchFamily="18" charset="-127"/>
+                <a:ea typeface="HY헤드라인M" panose="02030600000101010101" pitchFamily="18" charset="-127"/>
+              </a:rPr>
+              <a:t>컨셉</a:t>
+            </a:r>
+            <a:endParaRPr lang="ko-KR" altLang="en-US" sz="2000" dirty="0">
+              <a:latin typeface="HY헤드라인M" panose="02030600000101010101" pitchFamily="18" charset="-127"/>
+              <a:ea typeface="HY헤드라인M" panose="02030600000101010101" pitchFamily="18" charset="-127"/>
+            </a:endParaRPr>
+          </a:p>
+        </p:txBody>
+      </p:sp>
+      <p:sp>
+        <p:nvSpPr>
+          <p:cNvPr id="14" name="TextBox 13"/>
+          <p:cNvSpPr txBox="1"/>
+          <p:nvPr/>
+        </p:nvSpPr>
+        <p:spPr>
+          <a:xfrm>
+            <a:off x="8212777" y="924164"/>
+            <a:ext cx="1039067" cy="400110"/>
+          </a:xfrm>
+          <a:prstGeom prst="rect">
+            <a:avLst/>
+          </a:prstGeom>
+          <a:noFill/>
+        </p:spPr>
+        <p:txBody>
+          <a:bodyPr wrap="none" rtlCol="0">
+            <a:spAutoFit/>
+          </a:bodyPr>
+          <a:lstStyle/>
+          <a:p>
+            <a:r>
+              <a:rPr lang="ko-KR" altLang="en-US" sz="2000" dirty="0" err="1">
+                <a:latin typeface="HY헤드라인M" panose="02030600000101010101" pitchFamily="18" charset="-127"/>
+                <a:ea typeface="HY헤드라인M" panose="02030600000101010101" pitchFamily="18" charset="-127"/>
+              </a:rPr>
+              <a:t>맵</a:t>
+            </a:r>
+            <a:r>
+              <a:rPr lang="ko-KR" altLang="en-US" sz="2000" dirty="0">
+                <a:latin typeface="HY헤드라인M" panose="02030600000101010101" pitchFamily="18" charset="-127"/>
+                <a:ea typeface="HY헤드라인M" panose="02030600000101010101" pitchFamily="18" charset="-127"/>
+              </a:rPr>
+              <a:t> </a:t>
+            </a:r>
+            <a:r>
+              <a:rPr lang="ko-KR" altLang="en-US" sz="2000" dirty="0" err="1">
+                <a:latin typeface="HY헤드라인M" panose="02030600000101010101" pitchFamily="18" charset="-127"/>
+                <a:ea typeface="HY헤드라인M" panose="02030600000101010101" pitchFamily="18" charset="-127"/>
+              </a:rPr>
+              <a:t>컨셉</a:t>
+            </a:r>
+            <a:endParaRPr lang="ko-KR" altLang="en-US" sz="2000" dirty="0">
+              <a:latin typeface="HY헤드라인M" panose="02030600000101010101" pitchFamily="18" charset="-127"/>
+              <a:ea typeface="HY헤드라인M" panose="02030600000101010101" pitchFamily="18" charset="-127"/>
+            </a:endParaRPr>
           </a:p>
         </p:txBody>
       </p:sp>
       <p:pic>
         <p:nvPicPr>
-          <p:cNvPr id="8" name="그림 7"/>
+          <p:cNvPr id="15" name="그림 14"/>
           <p:cNvPicPr>
             <a:picLocks noChangeAspect="1"/>
           </p:cNvPicPr>
           <p:nvPr/>
         </p:nvPicPr>
-        <p:blipFill rotWithShape="1">
-          <a:blip r:embed="rId3">
+        <p:blipFill>
+          <a:blip r:embed="rId6">
             <a:extLst>
               <a:ext uri="{28A0092B-C50C-407E-A947-70E740481C1C}">
                 <a14:useLocalDpi xmlns:a14="http://schemas.microsoft.com/office/drawing/2010/main" val="0"/>
               </a:ext>
             </a:extLst>
           </a:blip>
-          <a:srcRect l="12246" t="20024" r="8339"/>
-          <a:stretch/>
+          <a:stretch>
+            <a:fillRect/>
+          </a:stretch>
         </p:blipFill>
         <p:spPr>
           <a:xfrm>
-            <a:off x="4309142" y="1620322"/>
-            <a:ext cx="2593588" cy="1843079"/>
+            <a:off x="5760008" y="1887301"/>
+            <a:ext cx="5944604" cy="4083998"/>
           </a:xfrm>
           <a:prstGeom prst="rect">
             <a:avLst/>
           </a:prstGeom>
-          <a:ln w="57150">
+          <a:ln w="38100" cap="sq">
             <a:solidFill>
-              <a:srgbClr val="FF0000"/>
+              <a:srgbClr val="000000"/>
             </a:solidFill>
+            <a:prstDash val="solid"/>
+            <a:miter lim="800000"/>
           </a:ln>
+          <a:effectLst>
+            <a:outerShdw blurRad="50800" dist="38100" dir="2700000" algn="tl" rotWithShape="0">
+              <a:srgbClr val="000000">
+                <a:alpha val="43000"/>
+              </a:srgbClr>
+            </a:outerShdw>
+          </a:effectLst>
         </p:spPr>
       </p:pic>
-      <p:cxnSp>
-        <p:nvCxnSpPr>
-          <p:cNvPr id="10" name="직선 화살표 연결선 9"/>
-          <p:cNvCxnSpPr/>
-          <p:nvPr/>
-        </p:nvCxnSpPr>
-        <p:spPr>
-          <a:xfrm flipH="1">
-            <a:off x="7206332" y="2135464"/>
-            <a:ext cx="415186" cy="0"/>
-          </a:xfrm>
-          <a:prstGeom prst="straightConnector1">
-            <a:avLst/>
-          </a:prstGeom>
-          <a:ln>
-            <a:solidFill>
-              <a:schemeClr val="tx1"/>
-            </a:solidFill>
-            <a:tailEnd type="triangle"/>
-          </a:ln>
-        </p:spPr>
-        <p:style>
-          <a:lnRef idx="1">
-            <a:schemeClr val="accent1"/>
-          </a:lnRef>
-          <a:fillRef idx="0">
-            <a:schemeClr val="accent1"/>
-          </a:fillRef>
-          <a:effectRef idx="0">
-            <a:schemeClr val="accent1"/>
-          </a:effectRef>
-          <a:fontRef idx="minor">
-            <a:schemeClr val="tx1"/>
-          </a:fontRef>
-        </p:style>
-      </p:cxnSp>
-      <p:cxnSp>
-        <p:nvCxnSpPr>
-          <p:cNvPr id="13" name="직선 화살표 연결선 12"/>
-          <p:cNvCxnSpPr/>
-          <p:nvPr/>
-        </p:nvCxnSpPr>
-        <p:spPr>
-          <a:xfrm flipH="1">
-            <a:off x="7172146" y="4491314"/>
-            <a:ext cx="415186" cy="0"/>
-          </a:xfrm>
-          <a:prstGeom prst="straightConnector1">
-            <a:avLst/>
-          </a:prstGeom>
-          <a:ln>
-            <a:solidFill>
-              <a:schemeClr val="tx1"/>
-            </a:solidFill>
-            <a:tailEnd type="triangle"/>
-          </a:ln>
-        </p:spPr>
-        <p:style>
-          <a:lnRef idx="1">
-            <a:schemeClr val="accent1"/>
-          </a:lnRef>
-          <a:fillRef idx="0">
-            <a:schemeClr val="accent1"/>
-          </a:fillRef>
-          <a:effectRef idx="0">
-            <a:schemeClr val="accent1"/>
-          </a:effectRef>
-          <a:fontRef idx="minor">
-            <a:schemeClr val="tx1"/>
-          </a:fontRef>
-        </p:style>
-      </p:cxnSp>
-      <p:sp>
-        <p:nvSpPr>
-          <p:cNvPr id="14" name="TextBox 13"/>
-          <p:cNvSpPr txBox="1"/>
-          <p:nvPr/>
-        </p:nvSpPr>
-        <p:spPr>
-          <a:xfrm>
-            <a:off x="7621518" y="1941698"/>
-            <a:ext cx="4570482" cy="1200329"/>
-          </a:xfrm>
-          <a:prstGeom prst="rect">
-            <a:avLst/>
-          </a:prstGeom>
-          <a:noFill/>
-        </p:spPr>
-        <p:txBody>
-          <a:bodyPr wrap="none" rtlCol="0">
-            <a:spAutoFit/>
-          </a:bodyPr>
-          <a:lstStyle/>
-          <a:p>
-            <a:r>
-              <a:rPr lang="en-US" altLang="ko-KR" dirty="0" smtClean="0">
-                <a:latin typeface="HY헤드라인M" panose="02030600000101010101" pitchFamily="18" charset="-127"/>
-                <a:ea typeface="HY헤드라인M" panose="02030600000101010101" pitchFamily="18" charset="-127"/>
-              </a:rPr>
-              <a:t>Donation (</a:t>
-            </a:r>
-            <a:r>
-              <a:rPr lang="ko-KR" altLang="en-US" dirty="0" smtClean="0">
-                <a:latin typeface="HY헤드라인M" panose="02030600000101010101" pitchFamily="18" charset="-127"/>
-                <a:ea typeface="HY헤드라인M" panose="02030600000101010101" pitchFamily="18" charset="-127"/>
-              </a:rPr>
-              <a:t>후원</a:t>
-            </a:r>
-            <a:r>
-              <a:rPr lang="en-US" altLang="ko-KR" dirty="0" smtClean="0">
-                <a:latin typeface="HY헤드라인M" panose="02030600000101010101" pitchFamily="18" charset="-127"/>
-                <a:ea typeface="HY헤드라인M" panose="02030600000101010101" pitchFamily="18" charset="-127"/>
-              </a:rPr>
-              <a:t>) : </a:t>
-            </a:r>
-          </a:p>
-          <a:p>
-            <a:endParaRPr lang="en-US" altLang="ko-KR" dirty="0" smtClean="0">
-              <a:latin typeface="HY헤드라인M" panose="02030600000101010101" pitchFamily="18" charset="-127"/>
-              <a:ea typeface="HY헤드라인M" panose="02030600000101010101" pitchFamily="18" charset="-127"/>
-            </a:endParaRPr>
-          </a:p>
-          <a:p>
-            <a:r>
-              <a:rPr lang="ko-KR" altLang="en-US" dirty="0" smtClean="0">
-                <a:latin typeface="HY헤드라인M" panose="02030600000101010101" pitchFamily="18" charset="-127"/>
-                <a:ea typeface="HY헤드라인M" panose="02030600000101010101" pitchFamily="18" charset="-127"/>
-              </a:rPr>
-              <a:t>시청자들이 </a:t>
-            </a:r>
-            <a:r>
-              <a:rPr lang="ko-KR" altLang="en-US" dirty="0" err="1" smtClean="0">
-                <a:latin typeface="HY헤드라인M" panose="02030600000101010101" pitchFamily="18" charset="-127"/>
-                <a:ea typeface="HY헤드라인M" panose="02030600000101010101" pitchFamily="18" charset="-127"/>
-              </a:rPr>
-              <a:t>스트리머에게</a:t>
-            </a:r>
-            <a:r>
-              <a:rPr lang="ko-KR" altLang="en-US" dirty="0" smtClean="0">
-                <a:latin typeface="HY헤드라인M" panose="02030600000101010101" pitchFamily="18" charset="-127"/>
-                <a:ea typeface="HY헤드라인M" panose="02030600000101010101" pitchFamily="18" charset="-127"/>
-              </a:rPr>
-              <a:t> 후원을 </a:t>
-            </a:r>
-            <a:r>
-              <a:rPr lang="ko-KR" altLang="en-US" dirty="0" err="1" smtClean="0">
-                <a:latin typeface="HY헤드라인M" panose="02030600000101010101" pitchFamily="18" charset="-127"/>
-                <a:ea typeface="HY헤드라인M" panose="02030600000101010101" pitchFamily="18" charset="-127"/>
-              </a:rPr>
-              <a:t>하였을때</a:t>
-            </a:r>
-            <a:r>
-              <a:rPr lang="en-US" altLang="ko-KR" dirty="0" smtClean="0">
-                <a:latin typeface="HY헤드라인M" panose="02030600000101010101" pitchFamily="18" charset="-127"/>
-                <a:ea typeface="HY헤드라인M" panose="02030600000101010101" pitchFamily="18" charset="-127"/>
-              </a:rPr>
-              <a:t/>
-            </a:r>
-            <a:br>
-              <a:rPr lang="en-US" altLang="ko-KR" dirty="0" smtClean="0">
-                <a:latin typeface="HY헤드라인M" panose="02030600000101010101" pitchFamily="18" charset="-127"/>
-                <a:ea typeface="HY헤드라인M" panose="02030600000101010101" pitchFamily="18" charset="-127"/>
-              </a:rPr>
-            </a:br>
-            <a:r>
-              <a:rPr lang="ko-KR" altLang="en-US" dirty="0" err="1" smtClean="0">
-                <a:latin typeface="HY헤드라인M" panose="02030600000101010101" pitchFamily="18" charset="-127"/>
-                <a:ea typeface="HY헤드라인M" panose="02030600000101010101" pitchFamily="18" charset="-127"/>
-              </a:rPr>
-              <a:t>게임내</a:t>
-            </a:r>
-            <a:r>
-              <a:rPr lang="ko-KR" altLang="en-US" dirty="0" smtClean="0">
-                <a:latin typeface="HY헤드라인M" panose="02030600000101010101" pitchFamily="18" charset="-127"/>
-                <a:ea typeface="HY헤드라인M" panose="02030600000101010101" pitchFamily="18" charset="-127"/>
-              </a:rPr>
-              <a:t> 코인이 올라 상품을 살 수 있다</a:t>
-            </a:r>
-            <a:r>
-              <a:rPr lang="en-US" altLang="ko-KR" dirty="0" smtClean="0">
-                <a:latin typeface="HY헤드라인M" panose="02030600000101010101" pitchFamily="18" charset="-127"/>
-                <a:ea typeface="HY헤드라인M" panose="02030600000101010101" pitchFamily="18" charset="-127"/>
-              </a:rPr>
-              <a:t>.</a:t>
-            </a:r>
-          </a:p>
-        </p:txBody>
-      </p:sp>
-      <p:sp>
-        <p:nvSpPr>
-          <p:cNvPr id="15" name="TextBox 14"/>
-          <p:cNvSpPr txBox="1"/>
-          <p:nvPr/>
-        </p:nvSpPr>
-        <p:spPr>
-          <a:xfrm>
-            <a:off x="7698462" y="4306648"/>
-            <a:ext cx="4416594" cy="1200329"/>
-          </a:xfrm>
-          <a:prstGeom prst="rect">
-            <a:avLst/>
-          </a:prstGeom>
-          <a:noFill/>
-        </p:spPr>
-        <p:txBody>
-          <a:bodyPr wrap="none" rtlCol="0">
-            <a:spAutoFit/>
-          </a:bodyPr>
-          <a:lstStyle/>
-          <a:p>
-            <a:r>
-              <a:rPr lang="ko-KR" altLang="en-US" dirty="0" err="1" smtClean="0">
-                <a:latin typeface="HY헤드라인M" panose="02030600000101010101" pitchFamily="18" charset="-127"/>
-                <a:ea typeface="HY헤드라인M" panose="02030600000101010101" pitchFamily="18" charset="-127"/>
-              </a:rPr>
-              <a:t>트위치</a:t>
-            </a:r>
-            <a:r>
-              <a:rPr lang="ko-KR" altLang="en-US" dirty="0" smtClean="0">
-                <a:latin typeface="HY헤드라인M" panose="02030600000101010101" pitchFamily="18" charset="-127"/>
-                <a:ea typeface="HY헤드라인M" panose="02030600000101010101" pitchFamily="18" charset="-127"/>
-              </a:rPr>
-              <a:t> 채팅 </a:t>
-            </a:r>
-            <a:r>
-              <a:rPr lang="en-US" altLang="ko-KR" dirty="0" smtClean="0">
-                <a:latin typeface="HY헤드라인M" panose="02030600000101010101" pitchFamily="18" charset="-127"/>
-                <a:ea typeface="HY헤드라인M" panose="02030600000101010101" pitchFamily="18" charset="-127"/>
-              </a:rPr>
-              <a:t>:</a:t>
-            </a:r>
-          </a:p>
-          <a:p>
-            <a:endParaRPr lang="en-US" altLang="ko-KR" dirty="0" smtClean="0">
-              <a:latin typeface="HY헤드라인M" panose="02030600000101010101" pitchFamily="18" charset="-127"/>
-              <a:ea typeface="HY헤드라인M" panose="02030600000101010101" pitchFamily="18" charset="-127"/>
-            </a:endParaRPr>
-          </a:p>
-          <a:p>
-            <a:r>
-              <a:rPr lang="ko-KR" altLang="en-US" dirty="0" smtClean="0">
-                <a:latin typeface="HY헤드라인M" panose="02030600000101010101" pitchFamily="18" charset="-127"/>
-                <a:ea typeface="HY헤드라인M" panose="02030600000101010101" pitchFamily="18" charset="-127"/>
-              </a:rPr>
-              <a:t>실시간 채팅을 </a:t>
-            </a:r>
-            <a:r>
-              <a:rPr lang="ko-KR" altLang="en-US" dirty="0" err="1" smtClean="0">
-                <a:latin typeface="HY헤드라인M" panose="02030600000101010101" pitchFamily="18" charset="-127"/>
-                <a:ea typeface="HY헤드라인M" panose="02030600000101010101" pitchFamily="18" charset="-127"/>
-              </a:rPr>
-              <a:t>게임내</a:t>
-            </a:r>
-            <a:r>
-              <a:rPr lang="ko-KR" altLang="en-US" dirty="0" smtClean="0">
-                <a:latin typeface="HY헤드라인M" panose="02030600000101010101" pitchFamily="18" charset="-127"/>
-                <a:ea typeface="HY헤드라인M" panose="02030600000101010101" pitchFamily="18" charset="-127"/>
-              </a:rPr>
-              <a:t> 채팅으로 설정하여</a:t>
-            </a:r>
-            <a:endParaRPr lang="en-US" altLang="ko-KR" dirty="0" smtClean="0">
-              <a:latin typeface="HY헤드라인M" panose="02030600000101010101" pitchFamily="18" charset="-127"/>
-              <a:ea typeface="HY헤드라인M" panose="02030600000101010101" pitchFamily="18" charset="-127"/>
-            </a:endParaRPr>
-          </a:p>
-          <a:p>
-            <a:r>
-              <a:rPr lang="ko-KR" altLang="en-US" dirty="0" err="1" smtClean="0">
-                <a:latin typeface="HY헤드라인M" panose="02030600000101010101" pitchFamily="18" charset="-127"/>
-                <a:ea typeface="HY헤드라인M" panose="02030600000101010101" pitchFamily="18" charset="-127"/>
-              </a:rPr>
-              <a:t>스트리머와</a:t>
-            </a:r>
-            <a:r>
-              <a:rPr lang="ko-KR" altLang="en-US" dirty="0" smtClean="0">
-                <a:latin typeface="HY헤드라인M" panose="02030600000101010101" pitchFamily="18" charset="-127"/>
-                <a:ea typeface="HY헤드라인M" panose="02030600000101010101" pitchFamily="18" charset="-127"/>
-              </a:rPr>
-              <a:t> 시청자의 실시간 소통</a:t>
-            </a:r>
-            <a:r>
-              <a:rPr lang="en-US" altLang="ko-KR" dirty="0" smtClean="0">
-                <a:latin typeface="HY헤드라인M" panose="02030600000101010101" pitchFamily="18" charset="-127"/>
-                <a:ea typeface="HY헤드라인M" panose="02030600000101010101" pitchFamily="18" charset="-127"/>
-              </a:rPr>
-              <a:t>.</a:t>
-            </a:r>
-            <a:endParaRPr lang="ko-KR" altLang="en-US" dirty="0">
-              <a:latin typeface="HY헤드라인M" panose="02030600000101010101" pitchFamily="18" charset="-127"/>
-              <a:ea typeface="HY헤드라인M" panose="02030600000101010101" pitchFamily="18" charset="-127"/>
-            </a:endParaRPr>
-          </a:p>
-        </p:txBody>
-      </p:sp>
     </p:spTree>
     <p:extLst>
       <p:ext uri="{BB962C8B-B14F-4D97-AF65-F5344CB8AC3E}">
-        <p14:creationId xmlns:p14="http://schemas.microsoft.com/office/powerpoint/2010/main" val="1869839230"/>
+        <p14:creationId xmlns:p14="http://schemas.microsoft.com/office/powerpoint/2010/main" val="1470767982"/>
       </p:ext>
     </p:extLst>
   </p:cSld>
@@ -6030,7 +5990,7 @@
               <a:t>DirectX 12 </a:t>
             </a:r>
             <a:r>
-              <a:rPr lang="en-US" altLang="ko-KR" sz="3200" dirty="0" err="1" smtClean="0">
+              <a:rPr lang="en-US" altLang="ko-KR" sz="3200" dirty="0" err="1">
                 <a:latin typeface="HY헤드라인M" panose="02030600000101010101" pitchFamily="18" charset="-127"/>
                 <a:ea typeface="HY헤드라인M" panose="02030600000101010101" pitchFamily="18" charset="-127"/>
               </a:rPr>
@@ -6108,7 +6068,7 @@
               <a:t>FBX </a:t>
             </a:r>
             <a:r>
-              <a:rPr lang="en-US" altLang="ko-KR" sz="3200" dirty="0" err="1" smtClean="0">
+              <a:rPr lang="en-US" altLang="ko-KR" sz="3200" dirty="0" err="1">
                 <a:latin typeface="HY헤드라인M" panose="02030600000101010101" pitchFamily="18" charset="-127"/>
                 <a:ea typeface="HY헤드라인M" panose="02030600000101010101" pitchFamily="18" charset="-127"/>
               </a:rPr>

--- a/Document/발표자료.pptx
+++ b/Document/발표자료.pptx
@@ -6,14 +6,18 @@
   </p:sldMasterIdLst>
   <p:sldIdLst>
     <p:sldId id="256" r:id="rId2"/>
-    <p:sldId id="257" r:id="rId3"/>
-    <p:sldId id="258" r:id="rId4"/>
-    <p:sldId id="264" r:id="rId5"/>
-    <p:sldId id="259" r:id="rId6"/>
-    <p:sldId id="263" r:id="rId7"/>
-    <p:sldId id="260" r:id="rId8"/>
-    <p:sldId id="261" r:id="rId9"/>
-    <p:sldId id="262" r:id="rId10"/>
+    <p:sldId id="265" r:id="rId3"/>
+    <p:sldId id="257" r:id="rId4"/>
+    <p:sldId id="258" r:id="rId5"/>
+    <p:sldId id="264" r:id="rId6"/>
+    <p:sldId id="266" r:id="rId7"/>
+    <p:sldId id="267" r:id="rId8"/>
+    <p:sldId id="263" r:id="rId9"/>
+    <p:sldId id="259" r:id="rId10"/>
+    <p:sldId id="260" r:id="rId11"/>
+    <p:sldId id="261" r:id="rId12"/>
+    <p:sldId id="262" r:id="rId13"/>
+    <p:sldId id="268" r:id="rId14"/>
   </p:sldIdLst>
   <p:sldSz cx="12192000" cy="6858000"/>
   <p:notesSz cx="6858000" cy="9144000"/>
@@ -142,7 +146,7 @@
           <p:cNvPr id="2" name="제목 1">
             <a:extLst>
               <a:ext uri="{FF2B5EF4-FFF2-40B4-BE49-F238E27FC236}">
-                <a16:creationId xmlns:a16="http://schemas.microsoft.com/office/drawing/2014/main" id="{B936B912-8F14-4454-841F-F830FE1C510A}"/>
+                <a16:creationId xmlns:a16="http://schemas.microsoft.com/office/drawing/2014/main" xmlns="" id="{B936B912-8F14-4454-841F-F830FE1C510A}"/>
               </a:ext>
             </a:extLst>
           </p:cNvPr>
@@ -179,7 +183,7 @@
           <p:cNvPr id="3" name="부제목 2">
             <a:extLst>
               <a:ext uri="{FF2B5EF4-FFF2-40B4-BE49-F238E27FC236}">
-                <a16:creationId xmlns:a16="http://schemas.microsoft.com/office/drawing/2014/main" id="{8BABFFD6-FDD0-4F2B-9B66-760A09682190}"/>
+                <a16:creationId xmlns:a16="http://schemas.microsoft.com/office/drawing/2014/main" xmlns="" id="{8BABFFD6-FDD0-4F2B-9B66-760A09682190}"/>
               </a:ext>
             </a:extLst>
           </p:cNvPr>
@@ -249,7 +253,7 @@
           <p:cNvPr id="4" name="날짜 개체 틀 3">
             <a:extLst>
               <a:ext uri="{FF2B5EF4-FFF2-40B4-BE49-F238E27FC236}">
-                <a16:creationId xmlns:a16="http://schemas.microsoft.com/office/drawing/2014/main" id="{D2C7BDE2-087A-4A4E-BFCB-C54C166307EA}"/>
+                <a16:creationId xmlns:a16="http://schemas.microsoft.com/office/drawing/2014/main" xmlns="" id="{D2C7BDE2-087A-4A4E-BFCB-C54C166307EA}"/>
               </a:ext>
             </a:extLst>
           </p:cNvPr>
@@ -267,7 +271,7 @@
           <a:p>
             <a:fld id="{F1E08AD5-9E69-4E2B-9F94-C8CBCC606C5B}" type="datetimeFigureOut">
               <a:rPr lang="ko-KR" altLang="en-US" smtClean="0"/>
-              <a:t>2018-11-29</a:t>
+              <a:t>2018-12-03</a:t>
             </a:fld>
             <a:endParaRPr lang="ko-KR" altLang="en-US"/>
           </a:p>
@@ -278,7 +282,7 @@
           <p:cNvPr id="5" name="바닥글 개체 틀 4">
             <a:extLst>
               <a:ext uri="{FF2B5EF4-FFF2-40B4-BE49-F238E27FC236}">
-                <a16:creationId xmlns:a16="http://schemas.microsoft.com/office/drawing/2014/main" id="{B058C36A-5080-4A1F-BD9A-209F167EACC5}"/>
+                <a16:creationId xmlns:a16="http://schemas.microsoft.com/office/drawing/2014/main" xmlns="" id="{B058C36A-5080-4A1F-BD9A-209F167EACC5}"/>
               </a:ext>
             </a:extLst>
           </p:cNvPr>
@@ -303,7 +307,7 @@
           <p:cNvPr id="6" name="슬라이드 번호 개체 틀 5">
             <a:extLst>
               <a:ext uri="{FF2B5EF4-FFF2-40B4-BE49-F238E27FC236}">
-                <a16:creationId xmlns:a16="http://schemas.microsoft.com/office/drawing/2014/main" id="{5D26E8C6-FEB9-4E54-82A2-DABAB1DBA83F}"/>
+                <a16:creationId xmlns:a16="http://schemas.microsoft.com/office/drawing/2014/main" xmlns="" id="{5D26E8C6-FEB9-4E54-82A2-DABAB1DBA83F}"/>
               </a:ext>
             </a:extLst>
           </p:cNvPr>
@@ -362,7 +366,7 @@
           <p:cNvPr id="2" name="제목 1">
             <a:extLst>
               <a:ext uri="{FF2B5EF4-FFF2-40B4-BE49-F238E27FC236}">
-                <a16:creationId xmlns:a16="http://schemas.microsoft.com/office/drawing/2014/main" id="{6522FE70-5AAD-46AC-A3AD-B2FFC97CD113}"/>
+                <a16:creationId xmlns:a16="http://schemas.microsoft.com/office/drawing/2014/main" xmlns="" id="{6522FE70-5AAD-46AC-A3AD-B2FFC97CD113}"/>
               </a:ext>
             </a:extLst>
           </p:cNvPr>
@@ -390,7 +394,7 @@
           <p:cNvPr id="3" name="세로 텍스트 개체 틀 2">
             <a:extLst>
               <a:ext uri="{FF2B5EF4-FFF2-40B4-BE49-F238E27FC236}">
-                <a16:creationId xmlns:a16="http://schemas.microsoft.com/office/drawing/2014/main" id="{675C94ED-F63A-445A-902F-85AA9985202B}"/>
+                <a16:creationId xmlns:a16="http://schemas.microsoft.com/office/drawing/2014/main" xmlns="" id="{675C94ED-F63A-445A-902F-85AA9985202B}"/>
               </a:ext>
             </a:extLst>
           </p:cNvPr>
@@ -447,7 +451,7 @@
           <p:cNvPr id="4" name="날짜 개체 틀 3">
             <a:extLst>
               <a:ext uri="{FF2B5EF4-FFF2-40B4-BE49-F238E27FC236}">
-                <a16:creationId xmlns:a16="http://schemas.microsoft.com/office/drawing/2014/main" id="{EFC916FE-88B2-456F-9155-001FC6F14397}"/>
+                <a16:creationId xmlns:a16="http://schemas.microsoft.com/office/drawing/2014/main" xmlns="" id="{EFC916FE-88B2-456F-9155-001FC6F14397}"/>
               </a:ext>
             </a:extLst>
           </p:cNvPr>
@@ -465,7 +469,7 @@
           <a:p>
             <a:fld id="{F1E08AD5-9E69-4E2B-9F94-C8CBCC606C5B}" type="datetimeFigureOut">
               <a:rPr lang="ko-KR" altLang="en-US" smtClean="0"/>
-              <a:t>2018-11-29</a:t>
+              <a:t>2018-12-03</a:t>
             </a:fld>
             <a:endParaRPr lang="ko-KR" altLang="en-US"/>
           </a:p>
@@ -476,7 +480,7 @@
           <p:cNvPr id="5" name="바닥글 개체 틀 4">
             <a:extLst>
               <a:ext uri="{FF2B5EF4-FFF2-40B4-BE49-F238E27FC236}">
-                <a16:creationId xmlns:a16="http://schemas.microsoft.com/office/drawing/2014/main" id="{6863F8D2-1235-4969-BC8F-853FCD5C0FF0}"/>
+                <a16:creationId xmlns:a16="http://schemas.microsoft.com/office/drawing/2014/main" xmlns="" id="{6863F8D2-1235-4969-BC8F-853FCD5C0FF0}"/>
               </a:ext>
             </a:extLst>
           </p:cNvPr>
@@ -501,7 +505,7 @@
           <p:cNvPr id="6" name="슬라이드 번호 개체 틀 5">
             <a:extLst>
               <a:ext uri="{FF2B5EF4-FFF2-40B4-BE49-F238E27FC236}">
-                <a16:creationId xmlns:a16="http://schemas.microsoft.com/office/drawing/2014/main" id="{8C426888-C4B2-4432-8415-02EF77C0AFD0}"/>
+                <a16:creationId xmlns:a16="http://schemas.microsoft.com/office/drawing/2014/main" xmlns="" id="{8C426888-C4B2-4432-8415-02EF77C0AFD0}"/>
               </a:ext>
             </a:extLst>
           </p:cNvPr>
@@ -560,7 +564,7 @@
           <p:cNvPr id="2" name="세로 제목 1">
             <a:extLst>
               <a:ext uri="{FF2B5EF4-FFF2-40B4-BE49-F238E27FC236}">
-                <a16:creationId xmlns:a16="http://schemas.microsoft.com/office/drawing/2014/main" id="{C2380799-B9B6-49A5-BE4F-87339A69295D}"/>
+                <a16:creationId xmlns:a16="http://schemas.microsoft.com/office/drawing/2014/main" xmlns="" id="{C2380799-B9B6-49A5-BE4F-87339A69295D}"/>
               </a:ext>
             </a:extLst>
           </p:cNvPr>
@@ -593,7 +597,7 @@
           <p:cNvPr id="3" name="세로 텍스트 개체 틀 2">
             <a:extLst>
               <a:ext uri="{FF2B5EF4-FFF2-40B4-BE49-F238E27FC236}">
-                <a16:creationId xmlns:a16="http://schemas.microsoft.com/office/drawing/2014/main" id="{DA0DF918-840B-45D2-B837-7C4E5569A752}"/>
+                <a16:creationId xmlns:a16="http://schemas.microsoft.com/office/drawing/2014/main" xmlns="" id="{DA0DF918-840B-45D2-B837-7C4E5569A752}"/>
               </a:ext>
             </a:extLst>
           </p:cNvPr>
@@ -655,7 +659,7 @@
           <p:cNvPr id="4" name="날짜 개체 틀 3">
             <a:extLst>
               <a:ext uri="{FF2B5EF4-FFF2-40B4-BE49-F238E27FC236}">
-                <a16:creationId xmlns:a16="http://schemas.microsoft.com/office/drawing/2014/main" id="{E6B75E25-B397-4F4A-8857-A02D14ABCE3A}"/>
+                <a16:creationId xmlns:a16="http://schemas.microsoft.com/office/drawing/2014/main" xmlns="" id="{E6B75E25-B397-4F4A-8857-A02D14ABCE3A}"/>
               </a:ext>
             </a:extLst>
           </p:cNvPr>
@@ -673,7 +677,7 @@
           <a:p>
             <a:fld id="{F1E08AD5-9E69-4E2B-9F94-C8CBCC606C5B}" type="datetimeFigureOut">
               <a:rPr lang="ko-KR" altLang="en-US" smtClean="0"/>
-              <a:t>2018-11-29</a:t>
+              <a:t>2018-12-03</a:t>
             </a:fld>
             <a:endParaRPr lang="ko-KR" altLang="en-US"/>
           </a:p>
@@ -684,7 +688,7 @@
           <p:cNvPr id="5" name="바닥글 개체 틀 4">
             <a:extLst>
               <a:ext uri="{FF2B5EF4-FFF2-40B4-BE49-F238E27FC236}">
-                <a16:creationId xmlns:a16="http://schemas.microsoft.com/office/drawing/2014/main" id="{CE837077-09C9-43D3-99B1-B74C9360A72C}"/>
+                <a16:creationId xmlns:a16="http://schemas.microsoft.com/office/drawing/2014/main" xmlns="" id="{CE837077-09C9-43D3-99B1-B74C9360A72C}"/>
               </a:ext>
             </a:extLst>
           </p:cNvPr>
@@ -709,7 +713,7 @@
           <p:cNvPr id="6" name="슬라이드 번호 개체 틀 5">
             <a:extLst>
               <a:ext uri="{FF2B5EF4-FFF2-40B4-BE49-F238E27FC236}">
-                <a16:creationId xmlns:a16="http://schemas.microsoft.com/office/drawing/2014/main" id="{B016B6BF-CEBF-4743-AB57-FE41059AF6FA}"/>
+                <a16:creationId xmlns:a16="http://schemas.microsoft.com/office/drawing/2014/main" xmlns="" id="{B016B6BF-CEBF-4743-AB57-FE41059AF6FA}"/>
               </a:ext>
             </a:extLst>
           </p:cNvPr>
@@ -768,7 +772,7 @@
           <p:cNvPr id="2" name="제목 1">
             <a:extLst>
               <a:ext uri="{FF2B5EF4-FFF2-40B4-BE49-F238E27FC236}">
-                <a16:creationId xmlns:a16="http://schemas.microsoft.com/office/drawing/2014/main" id="{C8ADD370-53FE-44C5-9074-47E2559983B6}"/>
+                <a16:creationId xmlns:a16="http://schemas.microsoft.com/office/drawing/2014/main" xmlns="" id="{C8ADD370-53FE-44C5-9074-47E2559983B6}"/>
               </a:ext>
             </a:extLst>
           </p:cNvPr>
@@ -796,7 +800,7 @@
           <p:cNvPr id="3" name="내용 개체 틀 2">
             <a:extLst>
               <a:ext uri="{FF2B5EF4-FFF2-40B4-BE49-F238E27FC236}">
-                <a16:creationId xmlns:a16="http://schemas.microsoft.com/office/drawing/2014/main" id="{BBD08937-E849-4A00-BDD4-07F619C5E046}"/>
+                <a16:creationId xmlns:a16="http://schemas.microsoft.com/office/drawing/2014/main" xmlns="" id="{BBD08937-E849-4A00-BDD4-07F619C5E046}"/>
               </a:ext>
             </a:extLst>
           </p:cNvPr>
@@ -853,7 +857,7 @@
           <p:cNvPr id="4" name="날짜 개체 틀 3">
             <a:extLst>
               <a:ext uri="{FF2B5EF4-FFF2-40B4-BE49-F238E27FC236}">
-                <a16:creationId xmlns:a16="http://schemas.microsoft.com/office/drawing/2014/main" id="{E6DF612E-C229-4FDD-81CF-F633CCAD6056}"/>
+                <a16:creationId xmlns:a16="http://schemas.microsoft.com/office/drawing/2014/main" xmlns="" id="{E6DF612E-C229-4FDD-81CF-F633CCAD6056}"/>
               </a:ext>
             </a:extLst>
           </p:cNvPr>
@@ -871,7 +875,7 @@
           <a:p>
             <a:fld id="{F1E08AD5-9E69-4E2B-9F94-C8CBCC606C5B}" type="datetimeFigureOut">
               <a:rPr lang="ko-KR" altLang="en-US" smtClean="0"/>
-              <a:t>2018-11-29</a:t>
+              <a:t>2018-12-03</a:t>
             </a:fld>
             <a:endParaRPr lang="ko-KR" altLang="en-US"/>
           </a:p>
@@ -882,7 +886,7 @@
           <p:cNvPr id="5" name="바닥글 개체 틀 4">
             <a:extLst>
               <a:ext uri="{FF2B5EF4-FFF2-40B4-BE49-F238E27FC236}">
-                <a16:creationId xmlns:a16="http://schemas.microsoft.com/office/drawing/2014/main" id="{DE1DA4F0-C3D3-4A3A-B77B-AFD11048B6A3}"/>
+                <a16:creationId xmlns:a16="http://schemas.microsoft.com/office/drawing/2014/main" xmlns="" id="{DE1DA4F0-C3D3-4A3A-B77B-AFD11048B6A3}"/>
               </a:ext>
             </a:extLst>
           </p:cNvPr>
@@ -907,7 +911,7 @@
           <p:cNvPr id="6" name="슬라이드 번호 개체 틀 5">
             <a:extLst>
               <a:ext uri="{FF2B5EF4-FFF2-40B4-BE49-F238E27FC236}">
-                <a16:creationId xmlns:a16="http://schemas.microsoft.com/office/drawing/2014/main" id="{A7E7E67F-EE93-4EB3-AFA8-389F83DA7C53}"/>
+                <a16:creationId xmlns:a16="http://schemas.microsoft.com/office/drawing/2014/main" xmlns="" id="{A7E7E67F-EE93-4EB3-AFA8-389F83DA7C53}"/>
               </a:ext>
             </a:extLst>
           </p:cNvPr>
@@ -966,7 +970,7 @@
           <p:cNvPr id="2" name="제목 1">
             <a:extLst>
               <a:ext uri="{FF2B5EF4-FFF2-40B4-BE49-F238E27FC236}">
-                <a16:creationId xmlns:a16="http://schemas.microsoft.com/office/drawing/2014/main" id="{DE95C7A9-2628-4F2D-8FAD-5467883AB9E5}"/>
+                <a16:creationId xmlns:a16="http://schemas.microsoft.com/office/drawing/2014/main" xmlns="" id="{DE95C7A9-2628-4F2D-8FAD-5467883AB9E5}"/>
               </a:ext>
             </a:extLst>
           </p:cNvPr>
@@ -1003,7 +1007,7 @@
           <p:cNvPr id="3" name="텍스트 개체 틀 2">
             <a:extLst>
               <a:ext uri="{FF2B5EF4-FFF2-40B4-BE49-F238E27FC236}">
-                <a16:creationId xmlns:a16="http://schemas.microsoft.com/office/drawing/2014/main" id="{7C7CA35E-20E5-4286-9FE6-05E33B32DCC6}"/>
+                <a16:creationId xmlns:a16="http://schemas.microsoft.com/office/drawing/2014/main" xmlns="" id="{7C7CA35E-20E5-4286-9FE6-05E33B32DCC6}"/>
               </a:ext>
             </a:extLst>
           </p:cNvPr>
@@ -1128,7 +1132,7 @@
           <p:cNvPr id="4" name="날짜 개체 틀 3">
             <a:extLst>
               <a:ext uri="{FF2B5EF4-FFF2-40B4-BE49-F238E27FC236}">
-                <a16:creationId xmlns:a16="http://schemas.microsoft.com/office/drawing/2014/main" id="{4E2A9C52-AABA-4146-A783-558D8D8BF602}"/>
+                <a16:creationId xmlns:a16="http://schemas.microsoft.com/office/drawing/2014/main" xmlns="" id="{4E2A9C52-AABA-4146-A783-558D8D8BF602}"/>
               </a:ext>
             </a:extLst>
           </p:cNvPr>
@@ -1146,7 +1150,7 @@
           <a:p>
             <a:fld id="{F1E08AD5-9E69-4E2B-9F94-C8CBCC606C5B}" type="datetimeFigureOut">
               <a:rPr lang="ko-KR" altLang="en-US" smtClean="0"/>
-              <a:t>2018-11-29</a:t>
+              <a:t>2018-12-03</a:t>
             </a:fld>
             <a:endParaRPr lang="ko-KR" altLang="en-US"/>
           </a:p>
@@ -1157,7 +1161,7 @@
           <p:cNvPr id="5" name="바닥글 개체 틀 4">
             <a:extLst>
               <a:ext uri="{FF2B5EF4-FFF2-40B4-BE49-F238E27FC236}">
-                <a16:creationId xmlns:a16="http://schemas.microsoft.com/office/drawing/2014/main" id="{67C1B6AB-2F4C-4C8C-B3A6-A44F2A6161A7}"/>
+                <a16:creationId xmlns:a16="http://schemas.microsoft.com/office/drawing/2014/main" xmlns="" id="{67C1B6AB-2F4C-4C8C-B3A6-A44F2A6161A7}"/>
               </a:ext>
             </a:extLst>
           </p:cNvPr>
@@ -1182,7 +1186,7 @@
           <p:cNvPr id="6" name="슬라이드 번호 개체 틀 5">
             <a:extLst>
               <a:ext uri="{FF2B5EF4-FFF2-40B4-BE49-F238E27FC236}">
-                <a16:creationId xmlns:a16="http://schemas.microsoft.com/office/drawing/2014/main" id="{11B3794C-92B6-4B3F-8D28-F3C90F724496}"/>
+                <a16:creationId xmlns:a16="http://schemas.microsoft.com/office/drawing/2014/main" xmlns="" id="{11B3794C-92B6-4B3F-8D28-F3C90F724496}"/>
               </a:ext>
             </a:extLst>
           </p:cNvPr>
@@ -1241,7 +1245,7 @@
           <p:cNvPr id="2" name="제목 1">
             <a:extLst>
               <a:ext uri="{FF2B5EF4-FFF2-40B4-BE49-F238E27FC236}">
-                <a16:creationId xmlns:a16="http://schemas.microsoft.com/office/drawing/2014/main" id="{3AA66B23-CCBA-4651-BB9D-5892D9D79C9D}"/>
+                <a16:creationId xmlns:a16="http://schemas.microsoft.com/office/drawing/2014/main" xmlns="" id="{3AA66B23-CCBA-4651-BB9D-5892D9D79C9D}"/>
               </a:ext>
             </a:extLst>
           </p:cNvPr>
@@ -1269,7 +1273,7 @@
           <p:cNvPr id="3" name="내용 개체 틀 2">
             <a:extLst>
               <a:ext uri="{FF2B5EF4-FFF2-40B4-BE49-F238E27FC236}">
-                <a16:creationId xmlns:a16="http://schemas.microsoft.com/office/drawing/2014/main" id="{BE0F50E7-3CE9-43EA-9E3A-A2C8508A9051}"/>
+                <a16:creationId xmlns:a16="http://schemas.microsoft.com/office/drawing/2014/main" xmlns="" id="{BE0F50E7-3CE9-43EA-9E3A-A2C8508A9051}"/>
               </a:ext>
             </a:extLst>
           </p:cNvPr>
@@ -1331,7 +1335,7 @@
           <p:cNvPr id="4" name="내용 개체 틀 3">
             <a:extLst>
               <a:ext uri="{FF2B5EF4-FFF2-40B4-BE49-F238E27FC236}">
-                <a16:creationId xmlns:a16="http://schemas.microsoft.com/office/drawing/2014/main" id="{AA724CDE-ECB7-400E-BB1F-2CC86000DA9D}"/>
+                <a16:creationId xmlns:a16="http://schemas.microsoft.com/office/drawing/2014/main" xmlns="" id="{AA724CDE-ECB7-400E-BB1F-2CC86000DA9D}"/>
               </a:ext>
             </a:extLst>
           </p:cNvPr>
@@ -1393,7 +1397,7 @@
           <p:cNvPr id="5" name="날짜 개체 틀 4">
             <a:extLst>
               <a:ext uri="{FF2B5EF4-FFF2-40B4-BE49-F238E27FC236}">
-                <a16:creationId xmlns:a16="http://schemas.microsoft.com/office/drawing/2014/main" id="{7C01F48B-D319-44D1-BDAC-23C5EFBBCF88}"/>
+                <a16:creationId xmlns:a16="http://schemas.microsoft.com/office/drawing/2014/main" xmlns="" id="{7C01F48B-D319-44D1-BDAC-23C5EFBBCF88}"/>
               </a:ext>
             </a:extLst>
           </p:cNvPr>
@@ -1411,7 +1415,7 @@
           <a:p>
             <a:fld id="{F1E08AD5-9E69-4E2B-9F94-C8CBCC606C5B}" type="datetimeFigureOut">
               <a:rPr lang="ko-KR" altLang="en-US" smtClean="0"/>
-              <a:t>2018-11-29</a:t>
+              <a:t>2018-12-03</a:t>
             </a:fld>
             <a:endParaRPr lang="ko-KR" altLang="en-US"/>
           </a:p>
@@ -1422,7 +1426,7 @@
           <p:cNvPr id="6" name="바닥글 개체 틀 5">
             <a:extLst>
               <a:ext uri="{FF2B5EF4-FFF2-40B4-BE49-F238E27FC236}">
-                <a16:creationId xmlns:a16="http://schemas.microsoft.com/office/drawing/2014/main" id="{E8F58D82-AD40-4FE0-8A83-7BE1B73D3B3A}"/>
+                <a16:creationId xmlns:a16="http://schemas.microsoft.com/office/drawing/2014/main" xmlns="" id="{E8F58D82-AD40-4FE0-8A83-7BE1B73D3B3A}"/>
               </a:ext>
             </a:extLst>
           </p:cNvPr>
@@ -1447,7 +1451,7 @@
           <p:cNvPr id="7" name="슬라이드 번호 개체 틀 6">
             <a:extLst>
               <a:ext uri="{FF2B5EF4-FFF2-40B4-BE49-F238E27FC236}">
-                <a16:creationId xmlns:a16="http://schemas.microsoft.com/office/drawing/2014/main" id="{88EB293D-25FD-47E5-9BE8-23B499CCB71F}"/>
+                <a16:creationId xmlns:a16="http://schemas.microsoft.com/office/drawing/2014/main" xmlns="" id="{88EB293D-25FD-47E5-9BE8-23B499CCB71F}"/>
               </a:ext>
             </a:extLst>
           </p:cNvPr>
@@ -1506,7 +1510,7 @@
           <p:cNvPr id="2" name="제목 1">
             <a:extLst>
               <a:ext uri="{FF2B5EF4-FFF2-40B4-BE49-F238E27FC236}">
-                <a16:creationId xmlns:a16="http://schemas.microsoft.com/office/drawing/2014/main" id="{DD02B42E-5366-430E-931F-948440EFF756}"/>
+                <a16:creationId xmlns:a16="http://schemas.microsoft.com/office/drawing/2014/main" xmlns="" id="{DD02B42E-5366-430E-931F-948440EFF756}"/>
               </a:ext>
             </a:extLst>
           </p:cNvPr>
@@ -1539,7 +1543,7 @@
           <p:cNvPr id="3" name="텍스트 개체 틀 2">
             <a:extLst>
               <a:ext uri="{FF2B5EF4-FFF2-40B4-BE49-F238E27FC236}">
-                <a16:creationId xmlns:a16="http://schemas.microsoft.com/office/drawing/2014/main" id="{B00581D1-9821-4AC3-BB51-B12F84B52654}"/>
+                <a16:creationId xmlns:a16="http://schemas.microsoft.com/office/drawing/2014/main" xmlns="" id="{B00581D1-9821-4AC3-BB51-B12F84B52654}"/>
               </a:ext>
             </a:extLst>
           </p:cNvPr>
@@ -1610,7 +1614,7 @@
           <p:cNvPr id="4" name="내용 개체 틀 3">
             <a:extLst>
               <a:ext uri="{FF2B5EF4-FFF2-40B4-BE49-F238E27FC236}">
-                <a16:creationId xmlns:a16="http://schemas.microsoft.com/office/drawing/2014/main" id="{547A433D-A49B-4B74-AE18-75CC8413FB85}"/>
+                <a16:creationId xmlns:a16="http://schemas.microsoft.com/office/drawing/2014/main" xmlns="" id="{547A433D-A49B-4B74-AE18-75CC8413FB85}"/>
               </a:ext>
             </a:extLst>
           </p:cNvPr>
@@ -1672,7 +1676,7 @@
           <p:cNvPr id="5" name="텍스트 개체 틀 4">
             <a:extLst>
               <a:ext uri="{FF2B5EF4-FFF2-40B4-BE49-F238E27FC236}">
-                <a16:creationId xmlns:a16="http://schemas.microsoft.com/office/drawing/2014/main" id="{F6885725-5E78-41C4-BFF0-7E60811C10CD}"/>
+                <a16:creationId xmlns:a16="http://schemas.microsoft.com/office/drawing/2014/main" xmlns="" id="{F6885725-5E78-41C4-BFF0-7E60811C10CD}"/>
               </a:ext>
             </a:extLst>
           </p:cNvPr>
@@ -1743,7 +1747,7 @@
           <p:cNvPr id="6" name="내용 개체 틀 5">
             <a:extLst>
               <a:ext uri="{FF2B5EF4-FFF2-40B4-BE49-F238E27FC236}">
-                <a16:creationId xmlns:a16="http://schemas.microsoft.com/office/drawing/2014/main" id="{37153D67-3B92-4621-A2D6-7C0EB77DC057}"/>
+                <a16:creationId xmlns:a16="http://schemas.microsoft.com/office/drawing/2014/main" xmlns="" id="{37153D67-3B92-4621-A2D6-7C0EB77DC057}"/>
               </a:ext>
             </a:extLst>
           </p:cNvPr>
@@ -1805,7 +1809,7 @@
           <p:cNvPr id="7" name="날짜 개체 틀 6">
             <a:extLst>
               <a:ext uri="{FF2B5EF4-FFF2-40B4-BE49-F238E27FC236}">
-                <a16:creationId xmlns:a16="http://schemas.microsoft.com/office/drawing/2014/main" id="{34B3B4BE-2C5C-48B3-BA79-E2D71BC00D25}"/>
+                <a16:creationId xmlns:a16="http://schemas.microsoft.com/office/drawing/2014/main" xmlns="" id="{34B3B4BE-2C5C-48B3-BA79-E2D71BC00D25}"/>
               </a:ext>
             </a:extLst>
           </p:cNvPr>
@@ -1823,7 +1827,7 @@
           <a:p>
             <a:fld id="{F1E08AD5-9E69-4E2B-9F94-C8CBCC606C5B}" type="datetimeFigureOut">
               <a:rPr lang="ko-KR" altLang="en-US" smtClean="0"/>
-              <a:t>2018-11-29</a:t>
+              <a:t>2018-12-03</a:t>
             </a:fld>
             <a:endParaRPr lang="ko-KR" altLang="en-US"/>
           </a:p>
@@ -1834,7 +1838,7 @@
           <p:cNvPr id="8" name="바닥글 개체 틀 7">
             <a:extLst>
               <a:ext uri="{FF2B5EF4-FFF2-40B4-BE49-F238E27FC236}">
-                <a16:creationId xmlns:a16="http://schemas.microsoft.com/office/drawing/2014/main" id="{052BBC5D-24C1-4EC7-82AE-78A73D26800F}"/>
+                <a16:creationId xmlns:a16="http://schemas.microsoft.com/office/drawing/2014/main" xmlns="" id="{052BBC5D-24C1-4EC7-82AE-78A73D26800F}"/>
               </a:ext>
             </a:extLst>
           </p:cNvPr>
@@ -1859,7 +1863,7 @@
           <p:cNvPr id="9" name="슬라이드 번호 개체 틀 8">
             <a:extLst>
               <a:ext uri="{FF2B5EF4-FFF2-40B4-BE49-F238E27FC236}">
-                <a16:creationId xmlns:a16="http://schemas.microsoft.com/office/drawing/2014/main" id="{E7CE8E55-714C-4D96-81E1-9C272EE0D029}"/>
+                <a16:creationId xmlns:a16="http://schemas.microsoft.com/office/drawing/2014/main" xmlns="" id="{E7CE8E55-714C-4D96-81E1-9C272EE0D029}"/>
               </a:ext>
             </a:extLst>
           </p:cNvPr>
@@ -1918,7 +1922,7 @@
           <p:cNvPr id="2" name="제목 1">
             <a:extLst>
               <a:ext uri="{FF2B5EF4-FFF2-40B4-BE49-F238E27FC236}">
-                <a16:creationId xmlns:a16="http://schemas.microsoft.com/office/drawing/2014/main" id="{72CC9B56-CC2D-4EC5-ADAC-B641C68DACCD}"/>
+                <a16:creationId xmlns:a16="http://schemas.microsoft.com/office/drawing/2014/main" xmlns="" id="{72CC9B56-CC2D-4EC5-ADAC-B641C68DACCD}"/>
               </a:ext>
             </a:extLst>
           </p:cNvPr>
@@ -1946,7 +1950,7 @@
           <p:cNvPr id="3" name="날짜 개체 틀 2">
             <a:extLst>
               <a:ext uri="{FF2B5EF4-FFF2-40B4-BE49-F238E27FC236}">
-                <a16:creationId xmlns:a16="http://schemas.microsoft.com/office/drawing/2014/main" id="{7B6E839D-776A-482D-A584-3ADE24E9CCCA}"/>
+                <a16:creationId xmlns:a16="http://schemas.microsoft.com/office/drawing/2014/main" xmlns="" id="{7B6E839D-776A-482D-A584-3ADE24E9CCCA}"/>
               </a:ext>
             </a:extLst>
           </p:cNvPr>
@@ -1964,7 +1968,7 @@
           <a:p>
             <a:fld id="{F1E08AD5-9E69-4E2B-9F94-C8CBCC606C5B}" type="datetimeFigureOut">
               <a:rPr lang="ko-KR" altLang="en-US" smtClean="0"/>
-              <a:t>2018-11-29</a:t>
+              <a:t>2018-12-03</a:t>
             </a:fld>
             <a:endParaRPr lang="ko-KR" altLang="en-US"/>
           </a:p>
@@ -1975,7 +1979,7 @@
           <p:cNvPr id="4" name="바닥글 개체 틀 3">
             <a:extLst>
               <a:ext uri="{FF2B5EF4-FFF2-40B4-BE49-F238E27FC236}">
-                <a16:creationId xmlns:a16="http://schemas.microsoft.com/office/drawing/2014/main" id="{66B39A00-DBDF-40F4-B0A8-5C51012C1B84}"/>
+                <a16:creationId xmlns:a16="http://schemas.microsoft.com/office/drawing/2014/main" xmlns="" id="{66B39A00-DBDF-40F4-B0A8-5C51012C1B84}"/>
               </a:ext>
             </a:extLst>
           </p:cNvPr>
@@ -2000,7 +2004,7 @@
           <p:cNvPr id="5" name="슬라이드 번호 개체 틀 4">
             <a:extLst>
               <a:ext uri="{FF2B5EF4-FFF2-40B4-BE49-F238E27FC236}">
-                <a16:creationId xmlns:a16="http://schemas.microsoft.com/office/drawing/2014/main" id="{5195F81A-DD8A-4275-8137-0597AD08AD1E}"/>
+                <a16:creationId xmlns:a16="http://schemas.microsoft.com/office/drawing/2014/main" xmlns="" id="{5195F81A-DD8A-4275-8137-0597AD08AD1E}"/>
               </a:ext>
             </a:extLst>
           </p:cNvPr>
@@ -2059,7 +2063,7 @@
           <p:cNvPr id="2" name="날짜 개체 틀 1">
             <a:extLst>
               <a:ext uri="{FF2B5EF4-FFF2-40B4-BE49-F238E27FC236}">
-                <a16:creationId xmlns:a16="http://schemas.microsoft.com/office/drawing/2014/main" id="{F065F68B-1533-4963-A54B-CEE48C7AFE98}"/>
+                <a16:creationId xmlns:a16="http://schemas.microsoft.com/office/drawing/2014/main" xmlns="" id="{F065F68B-1533-4963-A54B-CEE48C7AFE98}"/>
               </a:ext>
             </a:extLst>
           </p:cNvPr>
@@ -2077,7 +2081,7 @@
           <a:p>
             <a:fld id="{F1E08AD5-9E69-4E2B-9F94-C8CBCC606C5B}" type="datetimeFigureOut">
               <a:rPr lang="ko-KR" altLang="en-US" smtClean="0"/>
-              <a:t>2018-11-29</a:t>
+              <a:t>2018-12-03</a:t>
             </a:fld>
             <a:endParaRPr lang="ko-KR" altLang="en-US"/>
           </a:p>
@@ -2088,7 +2092,7 @@
           <p:cNvPr id="3" name="바닥글 개체 틀 2">
             <a:extLst>
               <a:ext uri="{FF2B5EF4-FFF2-40B4-BE49-F238E27FC236}">
-                <a16:creationId xmlns:a16="http://schemas.microsoft.com/office/drawing/2014/main" id="{58EE470F-A156-43DB-AF4D-A418A13FC06A}"/>
+                <a16:creationId xmlns:a16="http://schemas.microsoft.com/office/drawing/2014/main" xmlns="" id="{58EE470F-A156-43DB-AF4D-A418A13FC06A}"/>
               </a:ext>
             </a:extLst>
           </p:cNvPr>
@@ -2113,7 +2117,7 @@
           <p:cNvPr id="4" name="슬라이드 번호 개체 틀 3">
             <a:extLst>
               <a:ext uri="{FF2B5EF4-FFF2-40B4-BE49-F238E27FC236}">
-                <a16:creationId xmlns:a16="http://schemas.microsoft.com/office/drawing/2014/main" id="{D9E472DA-D5E2-4F99-8E2A-AB735C09801E}"/>
+                <a16:creationId xmlns:a16="http://schemas.microsoft.com/office/drawing/2014/main" xmlns="" id="{D9E472DA-D5E2-4F99-8E2A-AB735C09801E}"/>
               </a:ext>
             </a:extLst>
           </p:cNvPr>
@@ -2172,7 +2176,7 @@
           <p:cNvPr id="2" name="제목 1">
             <a:extLst>
               <a:ext uri="{FF2B5EF4-FFF2-40B4-BE49-F238E27FC236}">
-                <a16:creationId xmlns:a16="http://schemas.microsoft.com/office/drawing/2014/main" id="{EE8E2C22-E96D-4E30-829E-C5601080B61C}"/>
+                <a16:creationId xmlns:a16="http://schemas.microsoft.com/office/drawing/2014/main" xmlns="" id="{EE8E2C22-E96D-4E30-829E-C5601080B61C}"/>
               </a:ext>
             </a:extLst>
           </p:cNvPr>
@@ -2209,7 +2213,7 @@
           <p:cNvPr id="3" name="내용 개체 틀 2">
             <a:extLst>
               <a:ext uri="{FF2B5EF4-FFF2-40B4-BE49-F238E27FC236}">
-                <a16:creationId xmlns:a16="http://schemas.microsoft.com/office/drawing/2014/main" id="{FF85F714-56E0-45E6-A574-CFBABF0A914A}"/>
+                <a16:creationId xmlns:a16="http://schemas.microsoft.com/office/drawing/2014/main" xmlns="" id="{FF85F714-56E0-45E6-A574-CFBABF0A914A}"/>
               </a:ext>
             </a:extLst>
           </p:cNvPr>
@@ -2299,7 +2303,7 @@
           <p:cNvPr id="4" name="텍스트 개체 틀 3">
             <a:extLst>
               <a:ext uri="{FF2B5EF4-FFF2-40B4-BE49-F238E27FC236}">
-                <a16:creationId xmlns:a16="http://schemas.microsoft.com/office/drawing/2014/main" id="{6E1EB69D-CF07-420B-98BD-B53C60016B2E}"/>
+                <a16:creationId xmlns:a16="http://schemas.microsoft.com/office/drawing/2014/main" xmlns="" id="{6E1EB69D-CF07-420B-98BD-B53C60016B2E}"/>
               </a:ext>
             </a:extLst>
           </p:cNvPr>
@@ -2370,7 +2374,7 @@
           <p:cNvPr id="5" name="날짜 개체 틀 4">
             <a:extLst>
               <a:ext uri="{FF2B5EF4-FFF2-40B4-BE49-F238E27FC236}">
-                <a16:creationId xmlns:a16="http://schemas.microsoft.com/office/drawing/2014/main" id="{3F9EE376-932C-4F20-912A-19A9A92368BE}"/>
+                <a16:creationId xmlns:a16="http://schemas.microsoft.com/office/drawing/2014/main" xmlns="" id="{3F9EE376-932C-4F20-912A-19A9A92368BE}"/>
               </a:ext>
             </a:extLst>
           </p:cNvPr>
@@ -2388,7 +2392,7 @@
           <a:p>
             <a:fld id="{F1E08AD5-9E69-4E2B-9F94-C8CBCC606C5B}" type="datetimeFigureOut">
               <a:rPr lang="ko-KR" altLang="en-US" smtClean="0"/>
-              <a:t>2018-11-29</a:t>
+              <a:t>2018-12-03</a:t>
             </a:fld>
             <a:endParaRPr lang="ko-KR" altLang="en-US"/>
           </a:p>
@@ -2399,7 +2403,7 @@
           <p:cNvPr id="6" name="바닥글 개체 틀 5">
             <a:extLst>
               <a:ext uri="{FF2B5EF4-FFF2-40B4-BE49-F238E27FC236}">
-                <a16:creationId xmlns:a16="http://schemas.microsoft.com/office/drawing/2014/main" id="{6C08D442-9F4C-4537-AB2F-F56660233C99}"/>
+                <a16:creationId xmlns:a16="http://schemas.microsoft.com/office/drawing/2014/main" xmlns="" id="{6C08D442-9F4C-4537-AB2F-F56660233C99}"/>
               </a:ext>
             </a:extLst>
           </p:cNvPr>
@@ -2424,7 +2428,7 @@
           <p:cNvPr id="7" name="슬라이드 번호 개체 틀 6">
             <a:extLst>
               <a:ext uri="{FF2B5EF4-FFF2-40B4-BE49-F238E27FC236}">
-                <a16:creationId xmlns:a16="http://schemas.microsoft.com/office/drawing/2014/main" id="{9CFFC8C6-17C1-444B-B85B-E71B0A034E0B}"/>
+                <a16:creationId xmlns:a16="http://schemas.microsoft.com/office/drawing/2014/main" xmlns="" id="{9CFFC8C6-17C1-444B-B85B-E71B0A034E0B}"/>
               </a:ext>
             </a:extLst>
           </p:cNvPr>
@@ -2483,7 +2487,7 @@
           <p:cNvPr id="2" name="제목 1">
             <a:extLst>
               <a:ext uri="{FF2B5EF4-FFF2-40B4-BE49-F238E27FC236}">
-                <a16:creationId xmlns:a16="http://schemas.microsoft.com/office/drawing/2014/main" id="{63C56BF2-B225-434A-B878-CF35C517A78C}"/>
+                <a16:creationId xmlns:a16="http://schemas.microsoft.com/office/drawing/2014/main" xmlns="" id="{63C56BF2-B225-434A-B878-CF35C517A78C}"/>
               </a:ext>
             </a:extLst>
           </p:cNvPr>
@@ -2520,7 +2524,7 @@
           <p:cNvPr id="3" name="그림 개체 틀 2">
             <a:extLst>
               <a:ext uri="{FF2B5EF4-FFF2-40B4-BE49-F238E27FC236}">
-                <a16:creationId xmlns:a16="http://schemas.microsoft.com/office/drawing/2014/main" id="{735853CD-1204-4BFE-9E7D-FA03056BDF91}"/>
+                <a16:creationId xmlns:a16="http://schemas.microsoft.com/office/drawing/2014/main" xmlns="" id="{735853CD-1204-4BFE-9E7D-FA03056BDF91}"/>
               </a:ext>
             </a:extLst>
           </p:cNvPr>
@@ -2587,7 +2591,7 @@
           <p:cNvPr id="4" name="텍스트 개체 틀 3">
             <a:extLst>
               <a:ext uri="{FF2B5EF4-FFF2-40B4-BE49-F238E27FC236}">
-                <a16:creationId xmlns:a16="http://schemas.microsoft.com/office/drawing/2014/main" id="{630D1046-84F8-47E2-9637-EE1F8D66172A}"/>
+                <a16:creationId xmlns:a16="http://schemas.microsoft.com/office/drawing/2014/main" xmlns="" id="{630D1046-84F8-47E2-9637-EE1F8D66172A}"/>
               </a:ext>
             </a:extLst>
           </p:cNvPr>
@@ -2658,7 +2662,7 @@
           <p:cNvPr id="5" name="날짜 개체 틀 4">
             <a:extLst>
               <a:ext uri="{FF2B5EF4-FFF2-40B4-BE49-F238E27FC236}">
-                <a16:creationId xmlns:a16="http://schemas.microsoft.com/office/drawing/2014/main" id="{56573E4D-EA74-4746-B5BF-A9FF0E3AF999}"/>
+                <a16:creationId xmlns:a16="http://schemas.microsoft.com/office/drawing/2014/main" xmlns="" id="{56573E4D-EA74-4746-B5BF-A9FF0E3AF999}"/>
               </a:ext>
             </a:extLst>
           </p:cNvPr>
@@ -2676,7 +2680,7 @@
           <a:p>
             <a:fld id="{F1E08AD5-9E69-4E2B-9F94-C8CBCC606C5B}" type="datetimeFigureOut">
               <a:rPr lang="ko-KR" altLang="en-US" smtClean="0"/>
-              <a:t>2018-11-29</a:t>
+              <a:t>2018-12-03</a:t>
             </a:fld>
             <a:endParaRPr lang="ko-KR" altLang="en-US"/>
           </a:p>
@@ -2687,7 +2691,7 @@
           <p:cNvPr id="6" name="바닥글 개체 틀 5">
             <a:extLst>
               <a:ext uri="{FF2B5EF4-FFF2-40B4-BE49-F238E27FC236}">
-                <a16:creationId xmlns:a16="http://schemas.microsoft.com/office/drawing/2014/main" id="{53508D7C-3EBC-4B81-8BC0-015ACC2DF71B}"/>
+                <a16:creationId xmlns:a16="http://schemas.microsoft.com/office/drawing/2014/main" xmlns="" id="{53508D7C-3EBC-4B81-8BC0-015ACC2DF71B}"/>
               </a:ext>
             </a:extLst>
           </p:cNvPr>
@@ -2712,7 +2716,7 @@
           <p:cNvPr id="7" name="슬라이드 번호 개체 틀 6">
             <a:extLst>
               <a:ext uri="{FF2B5EF4-FFF2-40B4-BE49-F238E27FC236}">
-                <a16:creationId xmlns:a16="http://schemas.microsoft.com/office/drawing/2014/main" id="{F06D730C-C52D-488A-B3AC-856FBF2E0D93}"/>
+                <a16:creationId xmlns:a16="http://schemas.microsoft.com/office/drawing/2014/main" xmlns="" id="{F06D730C-C52D-488A-B3AC-856FBF2E0D93}"/>
               </a:ext>
             </a:extLst>
           </p:cNvPr>
@@ -2776,7 +2780,7 @@
           <p:cNvPr id="2" name="제목 개체 틀 1">
             <a:extLst>
               <a:ext uri="{FF2B5EF4-FFF2-40B4-BE49-F238E27FC236}">
-                <a16:creationId xmlns:a16="http://schemas.microsoft.com/office/drawing/2014/main" id="{9820A22F-101A-402F-A5BB-D095C3AA9064}"/>
+                <a16:creationId xmlns:a16="http://schemas.microsoft.com/office/drawing/2014/main" xmlns="" id="{9820A22F-101A-402F-A5BB-D095C3AA9064}"/>
               </a:ext>
             </a:extLst>
           </p:cNvPr>
@@ -2814,7 +2818,7 @@
           <p:cNvPr id="3" name="텍스트 개체 틀 2">
             <a:extLst>
               <a:ext uri="{FF2B5EF4-FFF2-40B4-BE49-F238E27FC236}">
-                <a16:creationId xmlns:a16="http://schemas.microsoft.com/office/drawing/2014/main" id="{21450A64-DD20-48B6-913C-D3DE6053C593}"/>
+                <a16:creationId xmlns:a16="http://schemas.microsoft.com/office/drawing/2014/main" xmlns="" id="{21450A64-DD20-48B6-913C-D3DE6053C593}"/>
               </a:ext>
             </a:extLst>
           </p:cNvPr>
@@ -2881,7 +2885,7 @@
           <p:cNvPr id="4" name="날짜 개체 틀 3">
             <a:extLst>
               <a:ext uri="{FF2B5EF4-FFF2-40B4-BE49-F238E27FC236}">
-                <a16:creationId xmlns:a16="http://schemas.microsoft.com/office/drawing/2014/main" id="{A5C6B5C1-6075-4315-A6E3-6CCB2438CE33}"/>
+                <a16:creationId xmlns:a16="http://schemas.microsoft.com/office/drawing/2014/main" xmlns="" id="{A5C6B5C1-6075-4315-A6E3-6CCB2438CE33}"/>
               </a:ext>
             </a:extLst>
           </p:cNvPr>
@@ -2917,7 +2921,7 @@
           <a:p>
             <a:fld id="{F1E08AD5-9E69-4E2B-9F94-C8CBCC606C5B}" type="datetimeFigureOut">
               <a:rPr lang="ko-KR" altLang="en-US" smtClean="0"/>
-              <a:t>2018-11-29</a:t>
+              <a:t>2018-12-03</a:t>
             </a:fld>
             <a:endParaRPr lang="ko-KR" altLang="en-US"/>
           </a:p>
@@ -2928,7 +2932,7 @@
           <p:cNvPr id="5" name="바닥글 개체 틀 4">
             <a:extLst>
               <a:ext uri="{FF2B5EF4-FFF2-40B4-BE49-F238E27FC236}">
-                <a16:creationId xmlns:a16="http://schemas.microsoft.com/office/drawing/2014/main" id="{44EC332D-5CC3-4692-ADAC-F797423C040C}"/>
+                <a16:creationId xmlns:a16="http://schemas.microsoft.com/office/drawing/2014/main" xmlns="" id="{44EC332D-5CC3-4692-ADAC-F797423C040C}"/>
               </a:ext>
             </a:extLst>
           </p:cNvPr>
@@ -2971,7 +2975,7 @@
           <p:cNvPr id="6" name="슬라이드 번호 개체 틀 5">
             <a:extLst>
               <a:ext uri="{FF2B5EF4-FFF2-40B4-BE49-F238E27FC236}">
-                <a16:creationId xmlns:a16="http://schemas.microsoft.com/office/drawing/2014/main" id="{6EAA751D-6B6D-458B-9E99-DFAF8049E4EA}"/>
+                <a16:creationId xmlns:a16="http://schemas.microsoft.com/office/drawing/2014/main" xmlns="" id="{6EAA751D-6B6D-458B-9E99-DFAF8049E4EA}"/>
               </a:ext>
             </a:extLst>
           </p:cNvPr>
@@ -3336,39 +3340,10 @@
       </p:grpSpPr>
       <p:sp>
         <p:nvSpPr>
-          <p:cNvPr id="20" name="object 3"/>
-          <p:cNvSpPr/>
-          <p:nvPr/>
-        </p:nvSpPr>
-        <p:spPr>
-          <a:xfrm>
-            <a:off x="2200140" y="2121408"/>
-            <a:ext cx="7765961" cy="1984196"/>
-          </a:xfrm>
-          <a:prstGeom prst="rect">
-            <a:avLst/>
-          </a:prstGeom>
-          <a:blipFill>
-            <a:blip r:embed="rId2" cstate="print"/>
-            <a:stretch>
-              <a:fillRect/>
-            </a:stretch>
-          </a:blipFill>
-        </p:spPr>
-        <p:txBody>
-          <a:bodyPr wrap="square" lIns="0" tIns="0" rIns="0" bIns="0" rtlCol="0"/>
-          <a:lstStyle/>
-          <a:p>
-            <a:endParaRPr dirty="0"/>
-          </a:p>
-        </p:txBody>
-      </p:sp>
-      <p:sp>
-        <p:nvSpPr>
           <p:cNvPr id="6" name="TextBox 5">
             <a:extLst>
               <a:ext uri="{FF2B5EF4-FFF2-40B4-BE49-F238E27FC236}">
-                <a16:creationId xmlns:a16="http://schemas.microsoft.com/office/drawing/2014/main" id="{090DD904-92DF-4C00-9DEF-62DB324CA9DC}"/>
+                <a16:creationId xmlns:a16="http://schemas.microsoft.com/office/drawing/2014/main" xmlns="" id="{090DD904-92DF-4C00-9DEF-62DB324CA9DC}"/>
               </a:ext>
             </a:extLst>
           </p:cNvPr>
@@ -3437,7 +3412,7 @@
           <p:cNvPr id="7" name="직사각형 6">
             <a:extLst>
               <a:ext uri="{FF2B5EF4-FFF2-40B4-BE49-F238E27FC236}">
-                <a16:creationId xmlns:a16="http://schemas.microsoft.com/office/drawing/2014/main" id="{60ABF07A-FE4E-4688-80CC-687EED60F91B}"/>
+                <a16:creationId xmlns:a16="http://schemas.microsoft.com/office/drawing/2014/main" xmlns="" id="{60ABF07A-FE4E-4688-80CC-687EED60F91B}"/>
               </a:ext>
             </a:extLst>
           </p:cNvPr>
@@ -3489,7 +3464,7 @@
           <p:cNvPr id="8" name="TextBox 7">
             <a:extLst>
               <a:ext uri="{FF2B5EF4-FFF2-40B4-BE49-F238E27FC236}">
-                <a16:creationId xmlns:a16="http://schemas.microsoft.com/office/drawing/2014/main" id="{6136D3A2-8D78-4CCE-AFF0-FB3E4EC571BB}"/>
+                <a16:creationId xmlns:a16="http://schemas.microsoft.com/office/drawing/2014/main" xmlns="" id="{6136D3A2-8D78-4CCE-AFF0-FB3E4EC571BB}"/>
               </a:ext>
             </a:extLst>
           </p:cNvPr>
@@ -3534,7 +3509,7 @@
           <p:cNvPr id="10" name="직선 연결선 9">
             <a:extLst>
               <a:ext uri="{FF2B5EF4-FFF2-40B4-BE49-F238E27FC236}">
-                <a16:creationId xmlns:a16="http://schemas.microsoft.com/office/drawing/2014/main" id="{B3FBACC2-97ED-4D82-BB8A-5711DC7F65D1}"/>
+                <a16:creationId xmlns:a16="http://schemas.microsoft.com/office/drawing/2014/main" xmlns="" id="{B3FBACC2-97ED-4D82-BB8A-5711DC7F65D1}"/>
               </a:ext>
             </a:extLst>
           </p:cNvPr>
@@ -3654,7 +3629,7 @@
           <p:cNvPr id="11" name="TextBox 10">
             <a:extLst>
               <a:ext uri="{FF2B5EF4-FFF2-40B4-BE49-F238E27FC236}">
-                <a16:creationId xmlns:a16="http://schemas.microsoft.com/office/drawing/2014/main" id="{91BE35E7-FEAB-4F32-8A4C-A484EAB8A745}"/>
+                <a16:creationId xmlns:a16="http://schemas.microsoft.com/office/drawing/2014/main" xmlns="" id="{91BE35E7-FEAB-4F32-8A4C-A484EAB8A745}"/>
               </a:ext>
             </a:extLst>
           </p:cNvPr>
@@ -3663,7 +3638,7 @@
         </p:nvSpPr>
         <p:spPr>
           <a:xfrm>
-            <a:off x="2486143" y="1858835"/>
+            <a:off x="2486143" y="1878894"/>
             <a:ext cx="7193956" cy="2246769"/>
           </a:xfrm>
           <a:prstGeom prst="rect">
@@ -3715,7 +3690,7 @@
 </p:sld>
 </file>
 
-<file path=ppt/slides/slide2.xml><?xml version="1.0" encoding="utf-8"?>
+<file path=ppt/slides/slide10.xml><?xml version="1.0" encoding="utf-8"?>
 <p:sld xmlns:a="http://schemas.openxmlformats.org/drawingml/2006/main" xmlns:r="http://schemas.openxmlformats.org/officeDocument/2006/relationships" xmlns:p="http://schemas.openxmlformats.org/presentationml/2006/main">
   <p:cSld>
     <p:spTree>
@@ -3734,7 +3709,7 @@
       </p:grpSpPr>
       <p:sp>
         <p:nvSpPr>
-          <p:cNvPr id="3" name="object 4"/>
+          <p:cNvPr id="4" name="object 4"/>
           <p:cNvSpPr/>
           <p:nvPr/>
         </p:nvSpPr>
@@ -3778,20 +3753,20 @@
           <a:bodyPr wrap="square" lIns="0" tIns="0" rIns="0" bIns="0" rtlCol="0"/>
           <a:lstStyle/>
           <a:p>
-            <a:endParaRPr dirty="0"/>
-          </a:p>
-        </p:txBody>
-      </p:sp>
-      <p:sp>
-        <p:nvSpPr>
-          <p:cNvPr id="2" name="TextBox 1"/>
+            <a:endParaRPr/>
+          </a:p>
+        </p:txBody>
+      </p:sp>
+      <p:sp>
+        <p:nvSpPr>
+          <p:cNvPr id="5" name="TextBox 4"/>
           <p:cNvSpPr txBox="1"/>
           <p:nvPr/>
         </p:nvSpPr>
         <p:spPr>
           <a:xfrm>
             <a:off x="180303" y="129241"/>
-            <a:ext cx="3815468" cy="707886"/>
+            <a:ext cx="4924746" cy="707886"/>
           </a:xfrm>
           <a:prstGeom prst="rect">
             <a:avLst/>
@@ -3804,34 +3779,33 @@
           </a:bodyPr>
           <a:lstStyle/>
           <a:p>
-            <a:pPr marL="571500" indent="-571500">
-              <a:buFont typeface="Arial" panose="020B0604020202020204" pitchFamily="34" charset="0"/>
-              <a:buChar char="•"/>
-            </a:pPr>
             <a:r>
               <a:rPr lang="en-US" altLang="ko-KR" sz="4000" dirty="0">
                 <a:latin typeface="타이포_쌍문동 B" panose="02020803020101020101" pitchFamily="18" charset="-127"/>
                 <a:ea typeface="타이포_쌍문동 B" panose="02020803020101020101" pitchFamily="18" charset="-127"/>
               </a:rPr>
-              <a:t>CONTENTS</a:t>
-            </a:r>
-            <a:endParaRPr lang="ko-KR" altLang="en-US" sz="4000" dirty="0">
-              <a:latin typeface="타이포_쌍문동 B" panose="02020803020101020101" pitchFamily="18" charset="-127"/>
-              <a:ea typeface="타이포_쌍문동 B" panose="02020803020101020101" pitchFamily="18" charset="-127"/>
-            </a:endParaRPr>
-          </a:p>
-        </p:txBody>
-      </p:sp>
-      <p:sp>
-        <p:nvSpPr>
-          <p:cNvPr id="5" name="TextBox 4"/>
+              <a:t>3. </a:t>
+            </a:r>
+            <a:r>
+              <a:rPr lang="ko-KR" altLang="en-US" sz="4000" dirty="0">
+                <a:latin typeface="타이포_쌍문동 B" panose="02020803020101020101" pitchFamily="18" charset="-127"/>
+                <a:ea typeface="타이포_쌍문동 B" panose="02020803020101020101" pitchFamily="18" charset="-127"/>
+              </a:rPr>
+              <a:t>구현 환경 및 기술</a:t>
+            </a:r>
+          </a:p>
+        </p:txBody>
+      </p:sp>
+      <p:sp>
+        <p:nvSpPr>
+          <p:cNvPr id="6" name="TextBox 5"/>
           <p:cNvSpPr txBox="1"/>
           <p:nvPr/>
         </p:nvSpPr>
         <p:spPr>
           <a:xfrm>
-            <a:off x="1596980" y="1454762"/>
-            <a:ext cx="2422458" cy="584775"/>
+            <a:off x="669701" y="1338853"/>
+            <a:ext cx="5136342" cy="3539430"/>
           </a:xfrm>
           <a:prstGeom prst="rect">
             <a:avLst/>
@@ -3844,183 +3818,160 @@
           </a:bodyPr>
           <a:lstStyle/>
           <a:p>
+            <a:pPr marL="457200" indent="-457200">
+              <a:buFont typeface="Arial" panose="020B0604020202020204" pitchFamily="34" charset="0"/>
+              <a:buChar char="•"/>
+            </a:pPr>
             <a:r>
               <a:rPr lang="en-US" altLang="ko-KR" sz="3200" dirty="0">
                 <a:latin typeface="HY헤드라인M" panose="02030600000101010101" pitchFamily="18" charset="-127"/>
                 <a:ea typeface="HY헤드라인M" panose="02030600000101010101" pitchFamily="18" charset="-127"/>
               </a:rPr>
-              <a:t>1. </a:t>
+              <a:t>Visual Studio 2017 C++</a:t>
+            </a:r>
+          </a:p>
+          <a:p>
+            <a:pPr marL="457200" indent="-457200">
+              <a:buFont typeface="Arial" panose="020B0604020202020204" pitchFamily="34" charset="0"/>
+              <a:buChar char="•"/>
+            </a:pPr>
+            <a:r>
+              <a:rPr lang="en-US" altLang="ko-KR" sz="3200" dirty="0">
+                <a:latin typeface="HY헤드라인M" panose="02030600000101010101" pitchFamily="18" charset="-127"/>
+                <a:ea typeface="HY헤드라인M" panose="02030600000101010101" pitchFamily="18" charset="-127"/>
+              </a:rPr>
+              <a:t>DirectX 12 </a:t>
+            </a:r>
+            <a:r>
+              <a:rPr lang="en-US" altLang="ko-KR" sz="3200" dirty="0" err="1">
+                <a:latin typeface="HY헤드라인M" panose="02030600000101010101" pitchFamily="18" charset="-127"/>
+                <a:ea typeface="HY헤드라인M" panose="02030600000101010101" pitchFamily="18" charset="-127"/>
+              </a:rPr>
+              <a:t>sdk</a:t>
+            </a:r>
+            <a:endParaRPr lang="en-US" altLang="ko-KR" sz="3200" dirty="0">
+              <a:latin typeface="HY헤드라인M" panose="02030600000101010101" pitchFamily="18" charset="-127"/>
+              <a:ea typeface="HY헤드라인M" panose="02030600000101010101" pitchFamily="18" charset="-127"/>
+            </a:endParaRPr>
+          </a:p>
+          <a:p>
+            <a:pPr marL="457200" indent="-457200">
+              <a:buFont typeface="Arial" panose="020B0604020202020204" pitchFamily="34" charset="0"/>
+              <a:buChar char="•"/>
+            </a:pPr>
+            <a:r>
+              <a:rPr lang="en-US" altLang="ko-KR" sz="3200" dirty="0">
+                <a:latin typeface="HY헤드라인M" panose="02030600000101010101" pitchFamily="18" charset="-127"/>
+                <a:ea typeface="HY헤드라인M" panose="02030600000101010101" pitchFamily="18" charset="-127"/>
+              </a:rPr>
+              <a:t>IOCP</a:t>
+            </a:r>
+          </a:p>
+          <a:p>
+            <a:pPr marL="457200" indent="-457200">
+              <a:buFont typeface="Arial" panose="020B0604020202020204" pitchFamily="34" charset="0"/>
+              <a:buChar char="•"/>
+            </a:pPr>
+            <a:r>
+              <a:rPr lang="ko-KR" altLang="en-US" sz="3200" dirty="0" err="1">
+                <a:latin typeface="HY헤드라인M" panose="02030600000101010101" pitchFamily="18" charset="-127"/>
+                <a:ea typeface="HY헤드라인M" panose="02030600000101010101" pitchFamily="18" charset="-127"/>
+              </a:rPr>
+              <a:t>트위치</a:t>
             </a:r>
             <a:r>
               <a:rPr lang="ko-KR" altLang="en-US" sz="3200" dirty="0">
                 <a:latin typeface="HY헤드라인M" panose="02030600000101010101" pitchFamily="18" charset="-127"/>
                 <a:ea typeface="HY헤드라인M" panose="02030600000101010101" pitchFamily="18" charset="-127"/>
               </a:rPr>
-              <a:t>연구 목적</a:t>
-            </a:r>
-          </a:p>
-        </p:txBody>
-      </p:sp>
-      <p:sp>
-        <p:nvSpPr>
-          <p:cNvPr id="6" name="TextBox 5"/>
-          <p:cNvSpPr txBox="1"/>
-          <p:nvPr/>
-        </p:nvSpPr>
-        <p:spPr>
-          <a:xfrm>
-            <a:off x="1596980" y="2492645"/>
-            <a:ext cx="3789820" cy="584775"/>
-          </a:xfrm>
-          <a:prstGeom prst="rect">
-            <a:avLst/>
-          </a:prstGeom>
-          <a:noFill/>
-        </p:spPr>
-        <p:txBody>
-          <a:bodyPr wrap="none" rtlCol="0">
-            <a:spAutoFit/>
-          </a:bodyPr>
-          <a:lstStyle/>
-          <a:p>
+              <a:t> 방송 </a:t>
+            </a:r>
+            <a:r>
+              <a:rPr lang="ko-KR" altLang="en-US" sz="3200" dirty="0" err="1">
+                <a:latin typeface="HY헤드라인M" panose="02030600000101010101" pitchFamily="18" charset="-127"/>
+                <a:ea typeface="HY헤드라인M" panose="02030600000101010101" pitchFamily="18" charset="-127"/>
+              </a:rPr>
+              <a:t>플렛폼</a:t>
+            </a:r>
+            <a:r>
+              <a:rPr lang="ko-KR" altLang="en-US" sz="3200" dirty="0">
+                <a:latin typeface="HY헤드라인M" panose="02030600000101010101" pitchFamily="18" charset="-127"/>
+                <a:ea typeface="HY헤드라인M" panose="02030600000101010101" pitchFamily="18" charset="-127"/>
+              </a:rPr>
+              <a:t> </a:t>
+            </a:r>
             <a:r>
               <a:rPr lang="en-US" altLang="ko-KR" sz="3200" dirty="0">
                 <a:latin typeface="HY헤드라인M" panose="02030600000101010101" pitchFamily="18" charset="-127"/>
                 <a:ea typeface="HY헤드라인M" panose="02030600000101010101" pitchFamily="18" charset="-127"/>
               </a:rPr>
-              <a:t>2. </a:t>
-            </a:r>
+              <a:t>API</a:t>
+            </a:r>
+          </a:p>
+          <a:p>
+            <a:pPr marL="457200" indent="-457200">
+              <a:buFont typeface="Arial" panose="020B0604020202020204" pitchFamily="34" charset="0"/>
+              <a:buChar char="•"/>
+            </a:pPr>
+            <a:r>
+              <a:rPr lang="en-US" altLang="ko-KR" sz="3200" dirty="0">
+                <a:latin typeface="HY헤드라인M" panose="02030600000101010101" pitchFamily="18" charset="-127"/>
+                <a:ea typeface="HY헤드라인M" panose="02030600000101010101" pitchFamily="18" charset="-127"/>
+              </a:rPr>
+              <a:t>FBX </a:t>
+            </a:r>
+            <a:r>
+              <a:rPr lang="en-US" altLang="ko-KR" sz="3200" dirty="0" err="1">
+                <a:latin typeface="HY헤드라인M" panose="02030600000101010101" pitchFamily="18" charset="-127"/>
+                <a:ea typeface="HY헤드라인M" panose="02030600000101010101" pitchFamily="18" charset="-127"/>
+              </a:rPr>
+              <a:t>sdk</a:t>
+            </a:r>
+            <a:endParaRPr lang="en-US" altLang="ko-KR" sz="3200" dirty="0">
+              <a:latin typeface="HY헤드라인M" panose="02030600000101010101" pitchFamily="18" charset="-127"/>
+              <a:ea typeface="HY헤드라인M" panose="02030600000101010101" pitchFamily="18" charset="-127"/>
+            </a:endParaRPr>
+          </a:p>
+          <a:p>
+            <a:pPr marL="457200" indent="-457200">
+              <a:buFont typeface="Arial" panose="020B0604020202020204" pitchFamily="34" charset="0"/>
+              <a:buChar char="•"/>
+            </a:pPr>
+            <a:r>
+              <a:rPr lang="en-US" altLang="ko-KR" sz="3200" dirty="0" err="1">
+                <a:latin typeface="HY헤드라인M" panose="02030600000101010101" pitchFamily="18" charset="-127"/>
+                <a:ea typeface="HY헤드라인M" panose="02030600000101010101" pitchFamily="18" charset="-127"/>
+              </a:rPr>
+              <a:t>PhotoShop</a:t>
+            </a:r>
+            <a:endParaRPr lang="en-US" altLang="ko-KR" sz="3200" dirty="0">
+              <a:latin typeface="HY헤드라인M" panose="02030600000101010101" pitchFamily="18" charset="-127"/>
+              <a:ea typeface="HY헤드라인M" panose="02030600000101010101" pitchFamily="18" charset="-127"/>
+            </a:endParaRPr>
+          </a:p>
+          <a:p>
+            <a:pPr marL="457200" indent="-457200">
+              <a:buFont typeface="Arial" panose="020B0604020202020204" pitchFamily="34" charset="0"/>
+              <a:buChar char="•"/>
+            </a:pPr>
             <a:r>
               <a:rPr lang="ko-KR" altLang="en-US" sz="3200" dirty="0">
                 <a:latin typeface="HY헤드라인M" panose="02030600000101010101" pitchFamily="18" charset="-127"/>
                 <a:ea typeface="HY헤드라인M" panose="02030600000101010101" pitchFamily="18" charset="-127"/>
               </a:rPr>
-              <a:t>게임소개 및 특징</a:t>
-            </a:r>
-          </a:p>
-        </p:txBody>
-      </p:sp>
-      <p:sp>
-        <p:nvSpPr>
-          <p:cNvPr id="7" name="TextBox 6"/>
-          <p:cNvSpPr txBox="1"/>
-          <p:nvPr/>
-        </p:nvSpPr>
-        <p:spPr>
-          <a:xfrm>
-            <a:off x="1596980" y="3485143"/>
-            <a:ext cx="3926075" cy="584775"/>
-          </a:xfrm>
-          <a:prstGeom prst="rect">
-            <a:avLst/>
-          </a:prstGeom>
-          <a:noFill/>
-        </p:spPr>
-        <p:txBody>
-          <a:bodyPr wrap="none" rtlCol="0">
-            <a:spAutoFit/>
-          </a:bodyPr>
-          <a:lstStyle/>
-          <a:p>
-            <a:r>
-              <a:rPr lang="en-US" altLang="ko-KR" sz="3200" dirty="0">
-                <a:latin typeface="HY헤드라인M" panose="02030600000101010101" pitchFamily="18" charset="-127"/>
-                <a:ea typeface="HY헤드라인M" panose="02030600000101010101" pitchFamily="18" charset="-127"/>
-              </a:rPr>
-              <a:t>3. </a:t>
-            </a:r>
-            <a:r>
-              <a:rPr lang="ko-KR" altLang="en-US" sz="3200" dirty="0">
-                <a:latin typeface="HY헤드라인M" panose="02030600000101010101" pitchFamily="18" charset="-127"/>
-                <a:ea typeface="HY헤드라인M" panose="02030600000101010101" pitchFamily="18" charset="-127"/>
-              </a:rPr>
-              <a:t>구현 환경 및 기술</a:t>
-            </a:r>
-          </a:p>
-        </p:txBody>
-      </p:sp>
-      <p:sp>
-        <p:nvSpPr>
-          <p:cNvPr id="8" name="TextBox 7"/>
-          <p:cNvSpPr txBox="1"/>
-          <p:nvPr/>
-        </p:nvSpPr>
-        <p:spPr>
-          <a:xfrm>
-            <a:off x="1596980" y="4523026"/>
-            <a:ext cx="4200189" cy="584775"/>
-          </a:xfrm>
-          <a:prstGeom prst="rect">
-            <a:avLst/>
-          </a:prstGeom>
-          <a:noFill/>
-        </p:spPr>
-        <p:txBody>
-          <a:bodyPr wrap="none" rtlCol="0">
-            <a:spAutoFit/>
-          </a:bodyPr>
-          <a:lstStyle/>
-          <a:p>
-            <a:r>
-              <a:rPr lang="en-US" altLang="ko-KR" sz="3200" dirty="0">
-                <a:latin typeface="HY헤드라인M" panose="02030600000101010101" pitchFamily="18" charset="-127"/>
-                <a:ea typeface="HY헤드라인M" panose="02030600000101010101" pitchFamily="18" charset="-127"/>
-              </a:rPr>
-              <a:t>4. </a:t>
-            </a:r>
-            <a:r>
-              <a:rPr lang="ko-KR" altLang="en-US" sz="3200" dirty="0">
-                <a:latin typeface="HY헤드라인M" panose="02030600000101010101" pitchFamily="18" charset="-127"/>
-                <a:ea typeface="HY헤드라인M" panose="02030600000101010101" pitchFamily="18" charset="-127"/>
-              </a:rPr>
-              <a:t>타 제품과의 차별성</a:t>
-            </a:r>
-          </a:p>
-        </p:txBody>
-      </p:sp>
-      <p:sp>
-        <p:nvSpPr>
-          <p:cNvPr id="9" name="TextBox 8"/>
-          <p:cNvSpPr txBox="1"/>
-          <p:nvPr/>
-        </p:nvSpPr>
-        <p:spPr>
-          <a:xfrm>
-            <a:off x="1596980" y="5545267"/>
-            <a:ext cx="3789820" cy="584775"/>
-          </a:xfrm>
-          <a:prstGeom prst="rect">
-            <a:avLst/>
-          </a:prstGeom>
-          <a:noFill/>
-        </p:spPr>
-        <p:txBody>
-          <a:bodyPr wrap="none" rtlCol="0">
-            <a:spAutoFit/>
-          </a:bodyPr>
-          <a:lstStyle/>
-          <a:p>
-            <a:r>
-              <a:rPr lang="en-US" altLang="ko-KR" sz="3200" dirty="0">
-                <a:latin typeface="HY헤드라인M" panose="02030600000101010101" pitchFamily="18" charset="-127"/>
-                <a:ea typeface="HY헤드라인M" panose="02030600000101010101" pitchFamily="18" charset="-127"/>
-              </a:rPr>
-              <a:t>5. </a:t>
-            </a:r>
-            <a:r>
-              <a:rPr lang="ko-KR" altLang="en-US" sz="3200" dirty="0">
-                <a:latin typeface="HY헤드라인M" panose="02030600000101010101" pitchFamily="18" charset="-127"/>
-                <a:ea typeface="HY헤드라인M" panose="02030600000101010101" pitchFamily="18" charset="-127"/>
-              </a:rPr>
-              <a:t>역할분담 및 일정</a:t>
-            </a:r>
+              <a:t>등등</a:t>
+            </a:r>
+            <a:endParaRPr lang="en-US" altLang="ko-KR" sz="3200" dirty="0">
+              <a:latin typeface="HY헤드라인M" panose="02030600000101010101" pitchFamily="18" charset="-127"/>
+              <a:ea typeface="HY헤드라인M" panose="02030600000101010101" pitchFamily="18" charset="-127"/>
+            </a:endParaRPr>
           </a:p>
         </p:txBody>
       </p:sp>
     </p:spTree>
     <p:extLst>
       <p:ext uri="{BB962C8B-B14F-4D97-AF65-F5344CB8AC3E}">
-        <p14:creationId xmlns:p14="http://schemas.microsoft.com/office/powerpoint/2010/main" val="962021087"/>
+        <p14:creationId xmlns:p14="http://schemas.microsoft.com/office/powerpoint/2010/main" val="2519324529"/>
       </p:ext>
     </p:extLst>
   </p:cSld>
@@ -4030,7 +3981,7 @@
 </p:sld>
 </file>
 
-<file path=ppt/slides/slide3.xml><?xml version="1.0" encoding="utf-8"?>
+<file path=ppt/slides/slide11.xml><?xml version="1.0" encoding="utf-8"?>
 <p:sld xmlns:a="http://schemas.openxmlformats.org/drawingml/2006/main" xmlns:r="http://schemas.openxmlformats.org/officeDocument/2006/relationships" xmlns:p="http://schemas.openxmlformats.org/presentationml/2006/main">
   <p:cSld>
     <p:spTree>
@@ -4049,7 +4000,7 @@
       </p:grpSpPr>
       <p:sp>
         <p:nvSpPr>
-          <p:cNvPr id="2" name="object 4"/>
+          <p:cNvPr id="4" name="object 4"/>
           <p:cNvSpPr/>
           <p:nvPr/>
         </p:nvSpPr>
@@ -4093,20 +4044,20 @@
           <a:bodyPr wrap="square" lIns="0" tIns="0" rIns="0" bIns="0" rtlCol="0"/>
           <a:lstStyle/>
           <a:p>
-            <a:endParaRPr dirty="0"/>
-          </a:p>
-        </p:txBody>
-      </p:sp>
-      <p:sp>
-        <p:nvSpPr>
-          <p:cNvPr id="3" name="TextBox 2"/>
+            <a:endParaRPr/>
+          </a:p>
+        </p:txBody>
+      </p:sp>
+      <p:sp>
+        <p:nvSpPr>
+          <p:cNvPr id="5" name="TextBox 4"/>
           <p:cNvSpPr txBox="1"/>
           <p:nvPr/>
         </p:nvSpPr>
         <p:spPr>
           <a:xfrm>
             <a:off x="180303" y="129241"/>
-            <a:ext cx="3140603" cy="707886"/>
+            <a:ext cx="5283819" cy="707886"/>
           </a:xfrm>
           <a:prstGeom prst="rect">
             <a:avLst/>
@@ -4119,398 +4070,27 @@
           </a:bodyPr>
           <a:lstStyle/>
           <a:p>
-            <a:pPr marL="742950" indent="-742950">
-              <a:buFont typeface="+mj-lt"/>
-              <a:buAutoNum type="arabicPeriod"/>
-            </a:pPr>
+            <a:r>
+              <a:rPr lang="en-US" altLang="ko-KR" sz="4000" dirty="0">
+                <a:latin typeface="타이포_쌍문동 B" panose="02020803020101020101" pitchFamily="18" charset="-127"/>
+                <a:ea typeface="타이포_쌍문동 B" panose="02020803020101020101" pitchFamily="18" charset="-127"/>
+              </a:rPr>
+              <a:t>4. </a:t>
+            </a:r>
             <a:r>
               <a:rPr lang="ko-KR" altLang="en-US" sz="4000" dirty="0">
                 <a:latin typeface="타이포_쌍문동 B" panose="02020803020101020101" pitchFamily="18" charset="-127"/>
                 <a:ea typeface="타이포_쌍문동 B" panose="02020803020101020101" pitchFamily="18" charset="-127"/>
               </a:rPr>
-              <a:t>연구 목적</a:t>
-            </a:r>
-          </a:p>
-        </p:txBody>
-      </p:sp>
-      <p:sp>
-        <p:nvSpPr>
-          <p:cNvPr id="4" name="TextBox 3"/>
-          <p:cNvSpPr txBox="1"/>
-          <p:nvPr/>
-        </p:nvSpPr>
-        <p:spPr>
-          <a:xfrm>
-            <a:off x="455945" y="1146731"/>
-            <a:ext cx="3244799" cy="584775"/>
-          </a:xfrm>
-          <a:prstGeom prst="rect">
-            <a:avLst/>
-          </a:prstGeom>
-          <a:noFill/>
-        </p:spPr>
-        <p:txBody>
-          <a:bodyPr wrap="none" rtlCol="0">
-            <a:spAutoFit/>
-          </a:bodyPr>
-          <a:lstStyle/>
-          <a:p>
-            <a:pPr marL="457200" indent="-457200">
-              <a:buFont typeface="Arial" panose="020B0604020202020204" pitchFamily="34" charset="0"/>
-              <a:buChar char="•"/>
-            </a:pPr>
-            <a:r>
-              <a:rPr lang="ko-KR" altLang="en-US" sz="3200" dirty="0">
-                <a:latin typeface="HY헤드라인M" panose="02030600000101010101" pitchFamily="18" charset="-127"/>
-                <a:ea typeface="HY헤드라인M" panose="02030600000101010101" pitchFamily="18" charset="-127"/>
-              </a:rPr>
-              <a:t>게임의 필요성</a:t>
-            </a:r>
-          </a:p>
-        </p:txBody>
-      </p:sp>
-      <p:sp>
-        <p:nvSpPr>
-          <p:cNvPr id="5" name="TextBox 4"/>
-          <p:cNvSpPr txBox="1"/>
-          <p:nvPr/>
-        </p:nvSpPr>
-        <p:spPr>
-          <a:xfrm>
-            <a:off x="644763" y="1997839"/>
-            <a:ext cx="11238974" cy="2308324"/>
-          </a:xfrm>
-          <a:prstGeom prst="rect">
-            <a:avLst/>
-          </a:prstGeom>
-          <a:noFill/>
-        </p:spPr>
-        <p:txBody>
-          <a:bodyPr wrap="none" rtlCol="0">
-            <a:spAutoFit/>
-          </a:bodyPr>
-          <a:lstStyle/>
-          <a:p>
-            <a:r>
-              <a:rPr lang="ko-KR" altLang="en-US" sz="2400" dirty="0">
-                <a:latin typeface="HY헤드라인M" panose="02030600000101010101" pitchFamily="18" charset="-127"/>
-                <a:ea typeface="HY헤드라인M" panose="02030600000101010101" pitchFamily="18" charset="-127"/>
-              </a:rPr>
-              <a:t>연 </a:t>
-            </a:r>
-            <a:r>
-              <a:rPr lang="en-US" altLang="ko-KR" sz="2400" dirty="0">
-                <a:latin typeface="HY헤드라인M" panose="02030600000101010101" pitchFamily="18" charset="-127"/>
-                <a:ea typeface="HY헤드라인M" panose="02030600000101010101" pitchFamily="18" charset="-127"/>
-              </a:rPr>
-              <a:t>YouTube </a:t>
-            </a:r>
-            <a:r>
-              <a:rPr lang="ko-KR" altLang="en-US" sz="2400" dirty="0">
-                <a:latin typeface="HY헤드라인M" panose="02030600000101010101" pitchFamily="18" charset="-127"/>
-                <a:ea typeface="HY헤드라인M" panose="02030600000101010101" pitchFamily="18" charset="-127"/>
-              </a:rPr>
-              <a:t>약 </a:t>
-            </a:r>
-            <a:r>
-              <a:rPr lang="en-US" altLang="ko-KR" sz="2400" dirty="0">
-                <a:latin typeface="HY헤드라인M" panose="02030600000101010101" pitchFamily="18" charset="-127"/>
-                <a:ea typeface="HY헤드라인M" panose="02030600000101010101" pitchFamily="18" charset="-127"/>
-              </a:rPr>
-              <a:t>4</a:t>
-            </a:r>
-            <a:r>
-              <a:rPr lang="ko-KR" altLang="en-US" sz="2400" dirty="0">
-                <a:latin typeface="HY헤드라인M" panose="02030600000101010101" pitchFamily="18" charset="-127"/>
-                <a:ea typeface="HY헤드라인M" panose="02030600000101010101" pitchFamily="18" charset="-127"/>
-              </a:rPr>
-              <a:t>억</a:t>
-            </a:r>
-            <a:r>
-              <a:rPr lang="en-US" altLang="ko-KR" sz="2400" dirty="0">
-                <a:latin typeface="HY헤드라인M" panose="02030600000101010101" pitchFamily="18" charset="-127"/>
-                <a:ea typeface="HY헤드라인M" panose="02030600000101010101" pitchFamily="18" charset="-127"/>
-              </a:rPr>
-              <a:t>, </a:t>
-            </a:r>
-            <a:r>
-              <a:rPr lang="ko-KR" altLang="en-US" sz="2400" dirty="0">
-                <a:latin typeface="HY헤드라인M" panose="02030600000101010101" pitchFamily="18" charset="-127"/>
-                <a:ea typeface="HY헤드라인M" panose="02030600000101010101" pitchFamily="18" charset="-127"/>
-              </a:rPr>
-              <a:t>트위치 </a:t>
-            </a:r>
-            <a:r>
-              <a:rPr lang="en-US" altLang="ko-KR" sz="2400" dirty="0">
-                <a:latin typeface="HY헤드라인M" panose="02030600000101010101" pitchFamily="18" charset="-127"/>
-                <a:ea typeface="HY헤드라인M" panose="02030600000101010101" pitchFamily="18" charset="-127"/>
-              </a:rPr>
-              <a:t>210</a:t>
-            </a:r>
-            <a:r>
-              <a:rPr lang="ko-KR" altLang="en-US" sz="2400" dirty="0">
-                <a:latin typeface="HY헤드라인M" panose="02030600000101010101" pitchFamily="18" charset="-127"/>
-                <a:ea typeface="HY헤드라인M" panose="02030600000101010101" pitchFamily="18" charset="-127"/>
-              </a:rPr>
-              <a:t>만</a:t>
-            </a:r>
-            <a:r>
-              <a:rPr lang="en-US" altLang="ko-KR" sz="2400" dirty="0">
-                <a:latin typeface="HY헤드라인M" panose="02030600000101010101" pitchFamily="18" charset="-127"/>
-                <a:ea typeface="HY헤드라인M" panose="02030600000101010101" pitchFamily="18" charset="-127"/>
-              </a:rPr>
-              <a:t>, </a:t>
-            </a:r>
-            <a:r>
-              <a:rPr lang="ko-KR" altLang="en-US" sz="2400" dirty="0">
-                <a:latin typeface="HY헤드라인M" panose="02030600000101010101" pitchFamily="18" charset="-127"/>
-                <a:ea typeface="HY헤드라인M" panose="02030600000101010101" pitchFamily="18" charset="-127"/>
-              </a:rPr>
-              <a:t>아프리카</a:t>
-            </a:r>
-            <a:r>
-              <a:rPr lang="en-US" altLang="ko-KR" sz="2400" dirty="0">
-                <a:latin typeface="HY헤드라인M" panose="02030600000101010101" pitchFamily="18" charset="-127"/>
-                <a:ea typeface="HY헤드라인M" panose="02030600000101010101" pitchFamily="18" charset="-127"/>
-              </a:rPr>
-              <a:t>TV 120</a:t>
-            </a:r>
-            <a:r>
-              <a:rPr lang="ko-KR" altLang="en-US" sz="2400" dirty="0">
-                <a:latin typeface="HY헤드라인M" panose="02030600000101010101" pitchFamily="18" charset="-127"/>
-                <a:ea typeface="HY헤드라인M" panose="02030600000101010101" pitchFamily="18" charset="-127"/>
-              </a:rPr>
-              <a:t>만</a:t>
-            </a:r>
-            <a:r>
-              <a:rPr lang="en-US" altLang="ko-KR" sz="2400" dirty="0">
-                <a:latin typeface="HY헤드라인M" panose="02030600000101010101" pitchFamily="18" charset="-127"/>
-                <a:ea typeface="HY헤드라인M" panose="02030600000101010101" pitchFamily="18" charset="-127"/>
-              </a:rPr>
-              <a:t> </a:t>
-            </a:r>
-            <a:r>
-              <a:rPr lang="ko-KR" altLang="en-US" sz="2400" dirty="0">
-                <a:latin typeface="HY헤드라인M" panose="02030600000101010101" pitchFamily="18" charset="-127"/>
-                <a:ea typeface="HY헤드라인M" panose="02030600000101010101" pitchFamily="18" charset="-127"/>
-              </a:rPr>
-              <a:t>명 </a:t>
-            </a:r>
-            <a:r>
-              <a:rPr lang="en-US" altLang="ko-KR" sz="2400" dirty="0">
-                <a:latin typeface="HY헤드라인M" panose="02030600000101010101" pitchFamily="18" charset="-127"/>
-                <a:ea typeface="HY헤드라인M" panose="02030600000101010101" pitchFamily="18" charset="-127"/>
-              </a:rPr>
-              <a:t>(</a:t>
-            </a:r>
-            <a:r>
-              <a:rPr lang="ko-KR" altLang="en-US" sz="2400" dirty="0">
-                <a:latin typeface="HY헤드라인M" panose="02030600000101010101" pitchFamily="18" charset="-127"/>
-                <a:ea typeface="HY헤드라인M" panose="02030600000101010101" pitchFamily="18" charset="-127"/>
-              </a:rPr>
-              <a:t>로그인기준</a:t>
-            </a:r>
-            <a:r>
-              <a:rPr lang="en-US" altLang="ko-KR" sz="2400" dirty="0">
-                <a:latin typeface="HY헤드라인M" panose="02030600000101010101" pitchFamily="18" charset="-127"/>
-                <a:ea typeface="HY헤드라인M" panose="02030600000101010101" pitchFamily="18" charset="-127"/>
-              </a:rPr>
-              <a:t>) </a:t>
-            </a:r>
-            <a:r>
-              <a:rPr lang="ko-KR" altLang="en-US" sz="2400" dirty="0">
-                <a:latin typeface="HY헤드라인M" panose="02030600000101010101" pitchFamily="18" charset="-127"/>
-                <a:ea typeface="HY헤드라인M" panose="02030600000101010101" pitchFamily="18" charset="-127"/>
-              </a:rPr>
-              <a:t>의 사용자</a:t>
-            </a:r>
-            <a:br>
-              <a:rPr lang="en-US" altLang="ko-KR" sz="2400" dirty="0">
-                <a:latin typeface="HY헤드라인M" panose="02030600000101010101" pitchFamily="18" charset="-127"/>
-                <a:ea typeface="HY헤드라인M" panose="02030600000101010101" pitchFamily="18" charset="-127"/>
-              </a:rPr>
-            </a:br>
-            <a:r>
-              <a:rPr lang="ko-KR" altLang="en-US" sz="2400" dirty="0">
-                <a:latin typeface="HY헤드라인M" panose="02030600000101010101" pitchFamily="18" charset="-127"/>
-                <a:ea typeface="HY헤드라인M" panose="02030600000101010101" pitchFamily="18" charset="-127"/>
-              </a:rPr>
-              <a:t>가 있는 </a:t>
-            </a:r>
-            <a:r>
-              <a:rPr lang="en-US" altLang="ko-KR" sz="2400" dirty="0">
-                <a:latin typeface="HY헤드라인M" panose="02030600000101010101" pitchFamily="18" charset="-127"/>
-                <a:ea typeface="HY헤드라인M" panose="02030600000101010101" pitchFamily="18" charset="-127"/>
-              </a:rPr>
-              <a:t>1</a:t>
-            </a:r>
-            <a:r>
-              <a:rPr lang="ko-KR" altLang="en-US" sz="2400" dirty="0">
-                <a:latin typeface="HY헤드라인M" panose="02030600000101010101" pitchFamily="18" charset="-127"/>
-                <a:ea typeface="HY헤드라인M" panose="02030600000101010101" pitchFamily="18" charset="-127"/>
-              </a:rPr>
-              <a:t>인 미디어 플렛폼 시장이 엄청난 성장세를 보이고 있으며</a:t>
-            </a:r>
-            <a:endParaRPr lang="en-US" altLang="ko-KR" sz="2400" dirty="0">
-              <a:latin typeface="HY헤드라인M" panose="02030600000101010101" pitchFamily="18" charset="-127"/>
-              <a:ea typeface="HY헤드라인M" panose="02030600000101010101" pitchFamily="18" charset="-127"/>
-            </a:endParaRPr>
-          </a:p>
-          <a:p>
-            <a:r>
-              <a:rPr lang="ko-KR" altLang="en-US" sz="2400" dirty="0">
-                <a:latin typeface="HY헤드라인M" panose="02030600000101010101" pitchFamily="18" charset="-127"/>
-                <a:ea typeface="HY헤드라인M" panose="02030600000101010101" pitchFamily="18" charset="-127"/>
-              </a:rPr>
-              <a:t>그 중 게임이 차지 하고 있는 비율은 약 </a:t>
-            </a:r>
-            <a:r>
-              <a:rPr lang="en-US" altLang="ko-KR" sz="2400" dirty="0">
-                <a:latin typeface="HY헤드라인M" panose="02030600000101010101" pitchFamily="18" charset="-127"/>
-                <a:ea typeface="HY헤드라인M" panose="02030600000101010101" pitchFamily="18" charset="-127"/>
-              </a:rPr>
-              <a:t>70% </a:t>
-            </a:r>
-            <a:r>
-              <a:rPr lang="ko-KR" altLang="en-US" sz="2400" dirty="0">
-                <a:latin typeface="HY헤드라인M" panose="02030600000101010101" pitchFamily="18" charset="-127"/>
-                <a:ea typeface="HY헤드라인M" panose="02030600000101010101" pitchFamily="18" charset="-127"/>
-              </a:rPr>
-              <a:t>로 많은 비중을 차지하고 있다</a:t>
-            </a:r>
-            <a:r>
-              <a:rPr lang="en-US" altLang="ko-KR" sz="2400" dirty="0">
-                <a:latin typeface="HY헤드라인M" panose="02030600000101010101" pitchFamily="18" charset="-127"/>
-                <a:ea typeface="HY헤드라인M" panose="02030600000101010101" pitchFamily="18" charset="-127"/>
-              </a:rPr>
-              <a:t>.</a:t>
-            </a:r>
-          </a:p>
-          <a:p>
-            <a:endParaRPr lang="en-US" altLang="ko-KR" sz="2400" dirty="0">
-              <a:latin typeface="HY헤드라인M" panose="02030600000101010101" pitchFamily="18" charset="-127"/>
-              <a:ea typeface="HY헤드라인M" panose="02030600000101010101" pitchFamily="18" charset="-127"/>
-            </a:endParaRPr>
-          </a:p>
-          <a:p>
-            <a:endParaRPr lang="en-US" altLang="ko-KR" sz="2400" dirty="0">
-              <a:latin typeface="HY헤드라인M" panose="02030600000101010101" pitchFamily="18" charset="-127"/>
-              <a:ea typeface="HY헤드라인M" panose="02030600000101010101" pitchFamily="18" charset="-127"/>
-            </a:endParaRPr>
-          </a:p>
-          <a:p>
-            <a:endParaRPr lang="en-US" altLang="ko-KR" sz="2400" dirty="0">
-              <a:latin typeface="HY헤드라인M" panose="02030600000101010101" pitchFamily="18" charset="-127"/>
-              <a:ea typeface="HY헤드라인M" panose="02030600000101010101" pitchFamily="18" charset="-127"/>
-            </a:endParaRPr>
-          </a:p>
-        </p:txBody>
-      </p:sp>
-      <p:pic>
-        <p:nvPicPr>
-          <p:cNvPr id="6" name="그림 5"/>
-          <p:cNvPicPr>
-            <a:picLocks noChangeAspect="1"/>
-          </p:cNvPicPr>
-          <p:nvPr/>
-        </p:nvPicPr>
-        <p:blipFill>
-          <a:blip r:embed="rId2"/>
-          <a:stretch>
-            <a:fillRect/>
-          </a:stretch>
-        </p:blipFill>
-        <p:spPr>
-          <a:xfrm>
-            <a:off x="4258639" y="3375053"/>
-            <a:ext cx="2956731" cy="3008377"/>
-          </a:xfrm>
-          <a:prstGeom prst="rect">
-            <a:avLst/>
-          </a:prstGeom>
-          <a:ln>
-            <a:noFill/>
-          </a:ln>
-          <a:effectLst>
-            <a:outerShdw blurRad="292100" dist="139700" dir="2700000" algn="tl" rotWithShape="0">
-              <a:srgbClr val="333333">
-                <a:alpha val="65000"/>
-              </a:srgbClr>
-            </a:outerShdw>
-          </a:effectLst>
-        </p:spPr>
-      </p:pic>
-      <p:pic>
-        <p:nvPicPr>
-          <p:cNvPr id="9" name="그림 8"/>
-          <p:cNvPicPr>
-            <a:picLocks noChangeAspect="1"/>
-          </p:cNvPicPr>
-          <p:nvPr/>
-        </p:nvPicPr>
-        <p:blipFill rotWithShape="1">
-          <a:blip r:embed="rId3"/>
-          <a:srcRect l="9770" t="2458" r="6015"/>
-          <a:stretch/>
-        </p:blipFill>
-        <p:spPr>
-          <a:xfrm>
-            <a:off x="724786" y="3375053"/>
-            <a:ext cx="2975958" cy="3010245"/>
-          </a:xfrm>
-          <a:prstGeom prst="rect">
-            <a:avLst/>
-          </a:prstGeom>
-          <a:ln>
-            <a:noFill/>
-          </a:ln>
-          <a:effectLst>
-            <a:outerShdw blurRad="292100" dist="139700" dir="2700000" algn="tl" rotWithShape="0">
-              <a:srgbClr val="333333">
-                <a:alpha val="65000"/>
-              </a:srgbClr>
-            </a:outerShdw>
-          </a:effectLst>
-        </p:spPr>
-      </p:pic>
-      <p:pic>
-        <p:nvPicPr>
-          <p:cNvPr id="10" name="그림 9"/>
-          <p:cNvPicPr>
-            <a:picLocks noChangeAspect="1"/>
-          </p:cNvPicPr>
-          <p:nvPr/>
-        </p:nvPicPr>
-        <p:blipFill>
-          <a:blip r:embed="rId4"/>
-          <a:stretch>
-            <a:fillRect/>
-          </a:stretch>
-        </p:blipFill>
-        <p:spPr>
-          <a:xfrm>
-            <a:off x="7773266" y="3375053"/>
-            <a:ext cx="3460281" cy="3010244"/>
-          </a:xfrm>
-          <a:prstGeom prst="rect">
-            <a:avLst/>
-          </a:prstGeom>
-          <a:ln>
-            <a:noFill/>
-          </a:ln>
-          <a:effectLst>
-            <a:outerShdw blurRad="292100" dist="139700" dir="2700000" algn="tl" rotWithShape="0">
-              <a:srgbClr val="333333">
-                <a:alpha val="65000"/>
-              </a:srgbClr>
-            </a:outerShdw>
-          </a:effectLst>
-        </p:spPr>
-      </p:pic>
+              <a:t>타 제품과의 차별성</a:t>
+            </a:r>
+          </a:p>
+        </p:txBody>
+      </p:sp>
     </p:spTree>
     <p:extLst>
       <p:ext uri="{BB962C8B-B14F-4D97-AF65-F5344CB8AC3E}">
-        <p14:creationId xmlns:p14="http://schemas.microsoft.com/office/powerpoint/2010/main" val="950493426"/>
+        <p14:creationId xmlns:p14="http://schemas.microsoft.com/office/powerpoint/2010/main" val="1572282577"/>
       </p:ext>
     </p:extLst>
   </p:cSld>
@@ -4520,7 +4100,7 @@
 </p:sld>
 </file>
 
-<file path=ppt/slides/slide4.xml><?xml version="1.0" encoding="utf-8"?>
+<file path=ppt/slides/slide12.xml><?xml version="1.0" encoding="utf-8"?>
 <p:sld xmlns:a="http://schemas.openxmlformats.org/drawingml/2006/main" xmlns:r="http://schemas.openxmlformats.org/officeDocument/2006/relationships" xmlns:p="http://schemas.openxmlformats.org/presentationml/2006/main">
   <p:cSld>
     <p:spTree>
@@ -4539,194 +4119,7 @@
       </p:grpSpPr>
       <p:sp>
         <p:nvSpPr>
-          <p:cNvPr id="4" name="직사각형 3"/>
-          <p:cNvSpPr/>
-          <p:nvPr/>
-        </p:nvSpPr>
-        <p:spPr>
-          <a:xfrm>
-            <a:off x="811877" y="2038026"/>
-            <a:ext cx="11133512" cy="1661993"/>
-          </a:xfrm>
-          <a:prstGeom prst="rect">
-            <a:avLst/>
-          </a:prstGeom>
-        </p:spPr>
-        <p:txBody>
-          <a:bodyPr wrap="square">
-            <a:spAutoFit/>
-          </a:bodyPr>
-          <a:lstStyle/>
-          <a:p>
-            <a:r>
-              <a:rPr lang="ko-KR" altLang="en-US" sz="2000" dirty="0">
-                <a:latin typeface="HY헤드라인M" panose="02030600000101010101" pitchFamily="18" charset="-127"/>
-                <a:ea typeface="HY헤드라인M" panose="02030600000101010101" pitchFamily="18" charset="-127"/>
-              </a:rPr>
-              <a:t>확실한 수익성을 내고 있는 시장이 마련되어 있음에도 시장을 활용하는 게임이 나오지 않고 있다</a:t>
-            </a:r>
-            <a:r>
-              <a:rPr lang="en-US" altLang="ko-KR" sz="2000" dirty="0">
-                <a:latin typeface="HY헤드라인M" panose="02030600000101010101" pitchFamily="18" charset="-127"/>
-                <a:ea typeface="HY헤드라인M" panose="02030600000101010101" pitchFamily="18" charset="-127"/>
-              </a:rPr>
-              <a:t>.</a:t>
-            </a:r>
-          </a:p>
-          <a:p>
-            <a:endParaRPr lang="en-US" altLang="ko-KR" sz="2000" dirty="0">
-              <a:latin typeface="HY헤드라인M" panose="02030600000101010101" pitchFamily="18" charset="-127"/>
-              <a:ea typeface="HY헤드라인M" panose="02030600000101010101" pitchFamily="18" charset="-127"/>
-            </a:endParaRPr>
-          </a:p>
-          <a:p>
-            <a:r>
-              <a:rPr lang="ko-KR" altLang="en-US" sz="2800" b="1" dirty="0">
-                <a:effectLst>
-                  <a:outerShdw blurRad="38100" dist="38100" dir="2700000" algn="tl">
-                    <a:srgbClr val="000000">
-                      <a:alpha val="43137"/>
-                    </a:srgbClr>
-                  </a:outerShdw>
-                </a:effectLst>
-                <a:latin typeface="HY헤드라인M" panose="02030600000101010101" pitchFamily="18" charset="-127"/>
-                <a:ea typeface="HY헤드라인M" panose="02030600000101010101" pitchFamily="18" charset="-127"/>
-              </a:rPr>
-              <a:t>커지는 시장에 맞는 </a:t>
-            </a:r>
-            <a:r>
-              <a:rPr lang="en-US" altLang="ko-KR" sz="2800" b="1" dirty="0">
-                <a:effectLst>
-                  <a:outerShdw blurRad="38100" dist="38100" dir="2700000" algn="tl">
-                    <a:srgbClr val="000000">
-                      <a:alpha val="43137"/>
-                    </a:srgbClr>
-                  </a:outerShdw>
-                </a:effectLst>
-                <a:latin typeface="HY헤드라인M" panose="02030600000101010101" pitchFamily="18" charset="-127"/>
-                <a:ea typeface="HY헤드라인M" panose="02030600000101010101" pitchFamily="18" charset="-127"/>
-              </a:rPr>
-              <a:t>1</a:t>
-            </a:r>
-            <a:r>
-              <a:rPr lang="ko-KR" altLang="en-US" sz="2800" b="1" dirty="0">
-                <a:effectLst>
-                  <a:outerShdw blurRad="38100" dist="38100" dir="2700000" algn="tl">
-                    <a:srgbClr val="000000">
-                      <a:alpha val="43137"/>
-                    </a:srgbClr>
-                  </a:outerShdw>
-                </a:effectLst>
-                <a:latin typeface="HY헤드라인M" panose="02030600000101010101" pitchFamily="18" charset="-127"/>
-                <a:ea typeface="HY헤드라인M" panose="02030600000101010101" pitchFamily="18" charset="-127"/>
-              </a:rPr>
-              <a:t>인 미디어 </a:t>
-            </a:r>
-            <a:r>
-              <a:rPr lang="ko-KR" altLang="en-US" sz="2800" b="1" dirty="0" err="1">
-                <a:effectLst>
-                  <a:outerShdw blurRad="38100" dist="38100" dir="2700000" algn="tl">
-                    <a:srgbClr val="000000">
-                      <a:alpha val="43137"/>
-                    </a:srgbClr>
-                  </a:outerShdw>
-                </a:effectLst>
-                <a:latin typeface="HY헤드라인M" panose="02030600000101010101" pitchFamily="18" charset="-127"/>
-                <a:ea typeface="HY헤드라인M" panose="02030600000101010101" pitchFamily="18" charset="-127"/>
-              </a:rPr>
-              <a:t>플렛폼을</a:t>
-            </a:r>
-            <a:r>
-              <a:rPr lang="ko-KR" altLang="en-US" sz="2800" b="1" dirty="0">
-                <a:effectLst>
-                  <a:outerShdw blurRad="38100" dist="38100" dir="2700000" algn="tl">
-                    <a:srgbClr val="000000">
-                      <a:alpha val="43137"/>
-                    </a:srgbClr>
-                  </a:outerShdw>
-                </a:effectLst>
-                <a:latin typeface="HY헤드라인M" panose="02030600000101010101" pitchFamily="18" charset="-127"/>
-                <a:ea typeface="HY헤드라인M" panose="02030600000101010101" pitchFamily="18" charset="-127"/>
-              </a:rPr>
-              <a:t> 활용한 게임이 필요하다</a:t>
-            </a:r>
-            <a:r>
-              <a:rPr lang="en-US" altLang="ko-KR" sz="2800" b="1" dirty="0">
-                <a:effectLst>
-                  <a:outerShdw blurRad="38100" dist="38100" dir="2700000" algn="tl">
-                    <a:srgbClr val="000000">
-                      <a:alpha val="43137"/>
-                    </a:srgbClr>
-                  </a:outerShdw>
-                </a:effectLst>
-                <a:latin typeface="HY헤드라인M" panose="02030600000101010101" pitchFamily="18" charset="-127"/>
-                <a:ea typeface="HY헤드라인M" panose="02030600000101010101" pitchFamily="18" charset="-127"/>
-              </a:rPr>
-              <a:t>.</a:t>
-            </a:r>
-          </a:p>
-          <a:p>
-            <a:endParaRPr lang="en-US" altLang="ko-KR" sz="2000" dirty="0">
-              <a:latin typeface="HY헤드라인M" panose="02030600000101010101" pitchFamily="18" charset="-127"/>
-              <a:ea typeface="HY헤드라인M" panose="02030600000101010101" pitchFamily="18" charset="-127"/>
-            </a:endParaRPr>
-          </a:p>
-          <a:p>
-            <a:r>
-              <a:rPr lang="en-US" altLang="ko-KR" sz="1400" dirty="0">
-                <a:latin typeface="HY헤드라인M" panose="02030600000101010101" pitchFamily="18" charset="-127"/>
-                <a:ea typeface="HY헤드라인M" panose="02030600000101010101" pitchFamily="18" charset="-127"/>
-              </a:rPr>
-              <a:t>- </a:t>
-            </a:r>
-            <a:r>
-              <a:rPr lang="ko-KR" altLang="en-US" sz="1400" dirty="0">
-                <a:latin typeface="HY헤드라인M" panose="02030600000101010101" pitchFamily="18" charset="-127"/>
-                <a:ea typeface="HY헤드라인M" panose="02030600000101010101" pitchFamily="18" charset="-127"/>
-              </a:rPr>
-              <a:t>투표 기능 구현 게임은 있다</a:t>
-            </a:r>
-            <a:r>
-              <a:rPr lang="en-US" altLang="ko-KR" sz="1400" dirty="0">
-                <a:latin typeface="HY헤드라인M" panose="02030600000101010101" pitchFamily="18" charset="-127"/>
-                <a:ea typeface="HY헤드라인M" panose="02030600000101010101" pitchFamily="18" charset="-127"/>
-              </a:rPr>
-              <a:t>.</a:t>
-            </a:r>
-            <a:r>
-              <a:rPr lang="ko-KR" altLang="en-US" sz="1400" dirty="0">
-                <a:latin typeface="HY헤드라인M" panose="02030600000101010101" pitchFamily="18" charset="-127"/>
-                <a:ea typeface="HY헤드라인M" panose="02030600000101010101" pitchFamily="18" charset="-127"/>
-              </a:rPr>
-              <a:t> </a:t>
-            </a:r>
-            <a:r>
-              <a:rPr lang="en-US" altLang="ko-KR" sz="1400" dirty="0">
-                <a:latin typeface="HY헤드라인M" panose="02030600000101010101" pitchFamily="18" charset="-127"/>
-                <a:ea typeface="HY헤드라인M" panose="02030600000101010101" pitchFamily="18" charset="-127"/>
-              </a:rPr>
-              <a:t>(ex. </a:t>
-            </a:r>
-            <a:r>
-              <a:rPr lang="en-US" altLang="ko-KR" sz="1400" dirty="0">
-                <a:hlinkClick r:id="rId2"/>
-              </a:rPr>
-              <a:t>Slay the Spire</a:t>
-            </a:r>
-            <a:r>
-              <a:rPr lang="en-US" altLang="ko-KR" sz="1400" dirty="0"/>
-              <a:t>]</a:t>
-            </a:r>
-            <a:endParaRPr lang="ko-KR" altLang="en-US" sz="1400" dirty="0">
-              <a:latin typeface="HY헤드라인M" panose="02030600000101010101" pitchFamily="18" charset="-127"/>
-              <a:ea typeface="HY헤드라인M" panose="02030600000101010101" pitchFamily="18" charset="-127"/>
-            </a:endParaRPr>
-          </a:p>
-        </p:txBody>
-      </p:sp>
-      <p:sp>
-        <p:nvSpPr>
-          <p:cNvPr id="5" name="object 4"/>
+          <p:cNvPr id="4" name="object 4"/>
           <p:cNvSpPr/>
           <p:nvPr/>
         </p:nvSpPr>
@@ -4770,20 +4163,20 @@
           <a:bodyPr wrap="square" lIns="0" tIns="0" rIns="0" bIns="0" rtlCol="0"/>
           <a:lstStyle/>
           <a:p>
-            <a:endParaRPr dirty="0"/>
-          </a:p>
-        </p:txBody>
-      </p:sp>
-      <p:sp>
-        <p:nvSpPr>
-          <p:cNvPr id="6" name="TextBox 5"/>
+            <a:endParaRPr/>
+          </a:p>
+        </p:txBody>
+      </p:sp>
+      <p:sp>
+        <p:nvSpPr>
+          <p:cNvPr id="5" name="TextBox 4"/>
           <p:cNvSpPr txBox="1"/>
           <p:nvPr/>
         </p:nvSpPr>
         <p:spPr>
           <a:xfrm>
             <a:off x="180303" y="129241"/>
-            <a:ext cx="3140603" cy="707886"/>
+            <a:ext cx="4924746" cy="707886"/>
           </a:xfrm>
           <a:prstGeom prst="rect">
             <a:avLst/>
@@ -4796,152 +4189,27 @@
           </a:bodyPr>
           <a:lstStyle/>
           <a:p>
-            <a:pPr marL="742950" indent="-742950">
-              <a:buFont typeface="+mj-lt"/>
-              <a:buAutoNum type="arabicPeriod"/>
-            </a:pPr>
+            <a:r>
+              <a:rPr lang="en-US" altLang="ko-KR" sz="4000" dirty="0">
+                <a:latin typeface="타이포_쌍문동 B" panose="02020803020101020101" pitchFamily="18" charset="-127"/>
+                <a:ea typeface="타이포_쌍문동 B" panose="02020803020101020101" pitchFamily="18" charset="-127"/>
+              </a:rPr>
+              <a:t>5. </a:t>
+            </a:r>
             <a:r>
               <a:rPr lang="ko-KR" altLang="en-US" sz="4000" dirty="0">
                 <a:latin typeface="타이포_쌍문동 B" panose="02020803020101020101" pitchFamily="18" charset="-127"/>
                 <a:ea typeface="타이포_쌍문동 B" panose="02020803020101020101" pitchFamily="18" charset="-127"/>
               </a:rPr>
-              <a:t>연구 목적</a:t>
-            </a:r>
-          </a:p>
-        </p:txBody>
-      </p:sp>
-      <p:sp>
-        <p:nvSpPr>
-          <p:cNvPr id="7" name="TextBox 6">
-            <a:extLst>
-              <a:ext uri="{FF2B5EF4-FFF2-40B4-BE49-F238E27FC236}">
-                <a16:creationId xmlns:a16="http://schemas.microsoft.com/office/drawing/2014/main" id="{19D8874A-4E9C-4026-924B-5BEEA86EABD0}"/>
-              </a:ext>
-            </a:extLst>
-          </p:cNvPr>
-          <p:cNvSpPr txBox="1"/>
-          <p:nvPr/>
-        </p:nvSpPr>
-        <p:spPr>
-          <a:xfrm>
-            <a:off x="505822" y="1191070"/>
-            <a:ext cx="1362874" cy="707886"/>
-          </a:xfrm>
-          <a:prstGeom prst="rect">
-            <a:avLst/>
-          </a:prstGeom>
-          <a:noFill/>
-          <a:effectLst>
-            <a:outerShdw blurRad="50800" dist="38100" dir="2700000" algn="tl" rotWithShape="0">
-              <a:prstClr val="black">
-                <a:alpha val="40000"/>
-              </a:prstClr>
-            </a:outerShdw>
-          </a:effectLst>
-        </p:spPr>
-        <p:txBody>
-          <a:bodyPr wrap="none" rtlCol="0">
-            <a:spAutoFit/>
-          </a:bodyPr>
-          <a:lstStyle/>
-          <a:p>
-            <a:r>
-              <a:rPr lang="en-US" altLang="ko-KR" sz="4000" b="1" dirty="0">
-                <a:solidFill>
-                  <a:srgbClr val="FABACF"/>
-                </a:solidFill>
-                <a:effectLst>
-                  <a:outerShdw blurRad="38100" dist="38100" dir="2700000" algn="tl">
-                    <a:srgbClr val="000000">
-                      <a:alpha val="43137"/>
-                    </a:srgbClr>
-                  </a:outerShdw>
-                </a:effectLst>
-                <a:latin typeface="HY헤드라인M" panose="02030600000101010101" pitchFamily="18" charset="-127"/>
-                <a:ea typeface="HY헤드라인M" panose="02030600000101010101" pitchFamily="18" charset="-127"/>
-              </a:rPr>
-              <a:t>BUT !</a:t>
-            </a:r>
-            <a:endParaRPr lang="ko-KR" altLang="en-US" sz="4000" b="1" dirty="0">
-              <a:solidFill>
-                <a:srgbClr val="FABACF"/>
-              </a:solidFill>
-              <a:effectLst>
-                <a:outerShdw blurRad="38100" dist="38100" dir="2700000" algn="tl">
-                  <a:srgbClr val="000000">
-                    <a:alpha val="43137"/>
-                  </a:srgbClr>
-                </a:outerShdw>
-              </a:effectLst>
-              <a:latin typeface="HY헤드라인M" panose="02030600000101010101" pitchFamily="18" charset="-127"/>
-              <a:ea typeface="HY헤드라인M" panose="02030600000101010101" pitchFamily="18" charset="-127"/>
-            </a:endParaRPr>
-          </a:p>
-        </p:txBody>
-      </p:sp>
-      <p:pic>
-        <p:nvPicPr>
-          <p:cNvPr id="8" name="그림 7"/>
-          <p:cNvPicPr>
-            <a:picLocks noChangeAspect="1"/>
-          </p:cNvPicPr>
-          <p:nvPr/>
-        </p:nvPicPr>
-        <p:blipFill>
-          <a:blip r:embed="rId3">
-            <a:extLst>
-              <a:ext uri="{28A0092B-C50C-407E-A947-70E740481C1C}">
-                <a14:useLocalDpi xmlns:a14="http://schemas.microsoft.com/office/drawing/2010/main" val="0"/>
-              </a:ext>
-            </a:extLst>
-          </a:blip>
-          <a:stretch>
-            <a:fillRect/>
-          </a:stretch>
-        </p:blipFill>
-        <p:spPr>
-          <a:xfrm>
-            <a:off x="811877" y="3839089"/>
-            <a:ext cx="5070087" cy="2691939"/>
-          </a:xfrm>
-          <a:prstGeom prst="rect">
-            <a:avLst/>
-          </a:prstGeom>
-        </p:spPr>
-      </p:pic>
-      <p:pic>
-        <p:nvPicPr>
-          <p:cNvPr id="10" name="그림 9"/>
-          <p:cNvPicPr>
-            <a:picLocks noChangeAspect="1"/>
-          </p:cNvPicPr>
-          <p:nvPr/>
-        </p:nvPicPr>
-        <p:blipFill rotWithShape="1">
-          <a:blip r:embed="rId4">
-            <a:extLst>
-              <a:ext uri="{28A0092B-C50C-407E-A947-70E740481C1C}">
-                <a14:useLocalDpi xmlns:a14="http://schemas.microsoft.com/office/drawing/2010/main" val="0"/>
-              </a:ext>
-            </a:extLst>
-          </a:blip>
-          <a:srcRect t="14682" b="8182"/>
-          <a:stretch/>
-        </p:blipFill>
-        <p:spPr>
-          <a:xfrm>
-            <a:off x="6542116" y="3241964"/>
-            <a:ext cx="4721629" cy="3491345"/>
-          </a:xfrm>
-          <a:prstGeom prst="rect">
-            <a:avLst/>
-          </a:prstGeom>
-        </p:spPr>
-      </p:pic>
+              <a:t>역할 분담 및 일정</a:t>
+            </a:r>
+          </a:p>
+        </p:txBody>
+      </p:sp>
     </p:spTree>
     <p:extLst>
       <p:ext uri="{BB962C8B-B14F-4D97-AF65-F5344CB8AC3E}">
-        <p14:creationId xmlns:p14="http://schemas.microsoft.com/office/powerpoint/2010/main" val="452425691"/>
+        <p14:creationId xmlns:p14="http://schemas.microsoft.com/office/powerpoint/2010/main" val="4118720777"/>
       </p:ext>
     </p:extLst>
   </p:cSld>
@@ -4951,7 +4219,7 @@
 </p:sld>
 </file>
 
-<file path=ppt/slides/slide5.xml><?xml version="1.0" encoding="utf-8"?>
+<file path=ppt/slides/slide13.xml><?xml version="1.0" encoding="utf-8"?>
 <p:sld xmlns:a="http://schemas.openxmlformats.org/drawingml/2006/main" xmlns:r="http://schemas.openxmlformats.org/officeDocument/2006/relationships" xmlns:p="http://schemas.openxmlformats.org/presentationml/2006/main">
   <p:cSld>
     <p:spTree>
@@ -5014,7 +4282,7 @@
           <a:bodyPr wrap="square" lIns="0" tIns="0" rIns="0" bIns="0" rtlCol="0"/>
           <a:lstStyle/>
           <a:p>
-            <a:endParaRPr dirty="0"/>
+            <a:endParaRPr/>
           </a:p>
         </p:txBody>
       </p:sp>
@@ -5027,7 +4295,7 @@
         <p:spPr>
           <a:xfrm>
             <a:off x="180303" y="129241"/>
-            <a:ext cx="4770858" cy="707886"/>
+            <a:ext cx="2390398" cy="707886"/>
           </a:xfrm>
           <a:prstGeom prst="rect">
             <a:avLst/>
@@ -5041,408 +4309,15 @@
           <a:lstStyle/>
           <a:p>
             <a:r>
-              <a:rPr lang="en-US" altLang="ko-KR" sz="4000" dirty="0">
+              <a:rPr lang="ko-KR" altLang="en-US" sz="4000" dirty="0" smtClean="0">
                 <a:latin typeface="타이포_쌍문동 B" panose="02020803020101020101" pitchFamily="18" charset="-127"/>
                 <a:ea typeface="타이포_쌍문동 B" panose="02020803020101020101" pitchFamily="18" charset="-127"/>
               </a:rPr>
-              <a:t>2. </a:t>
-            </a:r>
-            <a:r>
-              <a:rPr lang="ko-KR" altLang="en-US" sz="4000" dirty="0">
-                <a:latin typeface="타이포_쌍문동 B" panose="02020803020101020101" pitchFamily="18" charset="-127"/>
-                <a:ea typeface="타이포_쌍문동 B" panose="02020803020101020101" pitchFamily="18" charset="-127"/>
-              </a:rPr>
-              <a:t>게임소개 및 특징</a:t>
-            </a:r>
-          </a:p>
-        </p:txBody>
-      </p:sp>
-      <p:pic>
-        <p:nvPicPr>
-          <p:cNvPr id="2" name="그림 1"/>
-          <p:cNvPicPr>
-            <a:picLocks noChangeAspect="1"/>
-          </p:cNvPicPr>
-          <p:nvPr/>
-        </p:nvPicPr>
-        <p:blipFill rotWithShape="1">
-          <a:blip r:embed="rId2"/>
-          <a:srcRect l="21115"/>
-          <a:stretch/>
-        </p:blipFill>
-        <p:spPr>
-          <a:xfrm>
-            <a:off x="180303" y="1400728"/>
-            <a:ext cx="6834010" cy="4873072"/>
-          </a:xfrm>
-          <a:prstGeom prst="rect">
-            <a:avLst/>
-          </a:prstGeom>
-        </p:spPr>
-      </p:pic>
-      <p:sp>
-        <p:nvSpPr>
-          <p:cNvPr id="3" name="직사각형 2"/>
-          <p:cNvSpPr/>
-          <p:nvPr/>
-        </p:nvSpPr>
-        <p:spPr>
-          <a:xfrm>
-            <a:off x="5095203" y="3911600"/>
-            <a:ext cx="1919110" cy="1409700"/>
-          </a:xfrm>
-          <a:prstGeom prst="rect">
-            <a:avLst/>
-          </a:prstGeom>
-          <a:noFill/>
-          <a:ln w="57150">
-            <a:solidFill>
-              <a:srgbClr val="FF0000"/>
-            </a:solidFill>
-          </a:ln>
-        </p:spPr>
-        <p:style>
-          <a:lnRef idx="2">
-            <a:schemeClr val="accent1">
-              <a:shade val="50000"/>
-            </a:schemeClr>
-          </a:lnRef>
-          <a:fillRef idx="1">
-            <a:schemeClr val="accent1"/>
-          </a:fillRef>
-          <a:effectRef idx="0">
-            <a:schemeClr val="accent1"/>
-          </a:effectRef>
-          <a:fontRef idx="minor">
-            <a:schemeClr val="lt1"/>
-          </a:fontRef>
-        </p:style>
-        <p:txBody>
-          <a:bodyPr rtlCol="0" anchor="ctr"/>
-          <a:lstStyle/>
-          <a:p>
-            <a:pPr algn="ctr"/>
-            <a:endParaRPr lang="ko-KR" altLang="en-US"/>
-          </a:p>
-        </p:txBody>
-      </p:sp>
-      <p:pic>
-        <p:nvPicPr>
-          <p:cNvPr id="8" name="그림 7"/>
-          <p:cNvPicPr>
-            <a:picLocks noChangeAspect="1"/>
-          </p:cNvPicPr>
-          <p:nvPr/>
-        </p:nvPicPr>
-        <p:blipFill rotWithShape="1">
-          <a:blip r:embed="rId3">
-            <a:extLst>
-              <a:ext uri="{28A0092B-C50C-407E-A947-70E740481C1C}">
-                <a14:useLocalDpi xmlns:a14="http://schemas.microsoft.com/office/drawing/2010/main" val="0"/>
-              </a:ext>
-            </a:extLst>
-          </a:blip>
-          <a:srcRect l="12246" t="20024" r="8339"/>
-          <a:stretch/>
-        </p:blipFill>
-        <p:spPr>
-          <a:xfrm>
-            <a:off x="4309142" y="1620322"/>
-            <a:ext cx="2593588" cy="1843079"/>
-          </a:xfrm>
-          <a:prstGeom prst="rect">
-            <a:avLst/>
-          </a:prstGeom>
-          <a:ln w="57150">
-            <a:solidFill>
-              <a:srgbClr val="FF0000"/>
-            </a:solidFill>
-          </a:ln>
-        </p:spPr>
-      </p:pic>
-      <p:cxnSp>
-        <p:nvCxnSpPr>
-          <p:cNvPr id="10" name="직선 화살표 연결선 9"/>
-          <p:cNvCxnSpPr/>
-          <p:nvPr/>
-        </p:nvCxnSpPr>
-        <p:spPr>
-          <a:xfrm flipH="1">
-            <a:off x="7206332" y="2135464"/>
-            <a:ext cx="415186" cy="0"/>
-          </a:xfrm>
-          <a:prstGeom prst="straightConnector1">
-            <a:avLst/>
-          </a:prstGeom>
-          <a:ln>
-            <a:solidFill>
-              <a:schemeClr val="tx1"/>
-            </a:solidFill>
-            <a:tailEnd type="triangle"/>
-          </a:ln>
-        </p:spPr>
-        <p:style>
-          <a:lnRef idx="1">
-            <a:schemeClr val="accent1"/>
-          </a:lnRef>
-          <a:fillRef idx="0">
-            <a:schemeClr val="accent1"/>
-          </a:fillRef>
-          <a:effectRef idx="0">
-            <a:schemeClr val="accent1"/>
-          </a:effectRef>
-          <a:fontRef idx="minor">
-            <a:schemeClr val="tx1"/>
-          </a:fontRef>
-        </p:style>
-      </p:cxnSp>
-      <p:cxnSp>
-        <p:nvCxnSpPr>
-          <p:cNvPr id="13" name="직선 화살표 연결선 12"/>
-          <p:cNvCxnSpPr/>
-          <p:nvPr/>
-        </p:nvCxnSpPr>
-        <p:spPr>
-          <a:xfrm flipH="1">
-            <a:off x="7172146" y="4491314"/>
-            <a:ext cx="415186" cy="0"/>
-          </a:xfrm>
-          <a:prstGeom prst="straightConnector1">
-            <a:avLst/>
-          </a:prstGeom>
-          <a:ln>
-            <a:solidFill>
-              <a:schemeClr val="tx1"/>
-            </a:solidFill>
-            <a:tailEnd type="triangle"/>
-          </a:ln>
-        </p:spPr>
-        <p:style>
-          <a:lnRef idx="1">
-            <a:schemeClr val="accent1"/>
-          </a:lnRef>
-          <a:fillRef idx="0">
-            <a:schemeClr val="accent1"/>
-          </a:fillRef>
-          <a:effectRef idx="0">
-            <a:schemeClr val="accent1"/>
-          </a:effectRef>
-          <a:fontRef idx="minor">
-            <a:schemeClr val="tx1"/>
-          </a:fontRef>
-        </p:style>
-      </p:cxnSp>
-      <p:sp>
-        <p:nvSpPr>
-          <p:cNvPr id="14" name="TextBox 13"/>
-          <p:cNvSpPr txBox="1"/>
-          <p:nvPr/>
-        </p:nvSpPr>
-        <p:spPr>
-          <a:xfrm>
-            <a:off x="7621518" y="1941698"/>
-            <a:ext cx="4570482" cy="1200329"/>
-          </a:xfrm>
-          <a:prstGeom prst="rect">
-            <a:avLst/>
-          </a:prstGeom>
-          <a:noFill/>
-        </p:spPr>
-        <p:txBody>
-          <a:bodyPr wrap="none" rtlCol="0">
-            <a:spAutoFit/>
-          </a:bodyPr>
-          <a:lstStyle/>
-          <a:p>
-            <a:r>
-              <a:rPr lang="en-US" altLang="ko-KR" dirty="0">
-                <a:latin typeface="HY헤드라인M" panose="02030600000101010101" pitchFamily="18" charset="-127"/>
-                <a:ea typeface="HY헤드라인M" panose="02030600000101010101" pitchFamily="18" charset="-127"/>
-              </a:rPr>
-              <a:t>Donation (</a:t>
-            </a:r>
-            <a:r>
-              <a:rPr lang="ko-KR" altLang="en-US" dirty="0">
-                <a:latin typeface="HY헤드라인M" panose="02030600000101010101" pitchFamily="18" charset="-127"/>
-                <a:ea typeface="HY헤드라인M" panose="02030600000101010101" pitchFamily="18" charset="-127"/>
-              </a:rPr>
-              <a:t>후원</a:t>
-            </a:r>
-            <a:r>
-              <a:rPr lang="en-US" altLang="ko-KR" dirty="0">
-                <a:latin typeface="HY헤드라인M" panose="02030600000101010101" pitchFamily="18" charset="-127"/>
-                <a:ea typeface="HY헤드라인M" panose="02030600000101010101" pitchFamily="18" charset="-127"/>
-              </a:rPr>
-              <a:t>) : </a:t>
-            </a:r>
-          </a:p>
-          <a:p>
-            <a:endParaRPr lang="en-US" altLang="ko-KR" dirty="0">
-              <a:latin typeface="HY헤드라인M" panose="02030600000101010101" pitchFamily="18" charset="-127"/>
-              <a:ea typeface="HY헤드라인M" panose="02030600000101010101" pitchFamily="18" charset="-127"/>
-            </a:endParaRPr>
-          </a:p>
-          <a:p>
-            <a:r>
-              <a:rPr lang="ko-KR" altLang="en-US" dirty="0">
-                <a:latin typeface="HY헤드라인M" panose="02030600000101010101" pitchFamily="18" charset="-127"/>
-                <a:ea typeface="HY헤드라인M" panose="02030600000101010101" pitchFamily="18" charset="-127"/>
-              </a:rPr>
-              <a:t>시청자들이 </a:t>
-            </a:r>
-            <a:r>
-              <a:rPr lang="ko-KR" altLang="en-US" dirty="0" err="1">
-                <a:latin typeface="HY헤드라인M" panose="02030600000101010101" pitchFamily="18" charset="-127"/>
-                <a:ea typeface="HY헤드라인M" panose="02030600000101010101" pitchFamily="18" charset="-127"/>
-              </a:rPr>
-              <a:t>스트리머에게</a:t>
-            </a:r>
-            <a:r>
-              <a:rPr lang="ko-KR" altLang="en-US" dirty="0">
-                <a:latin typeface="HY헤드라인M" panose="02030600000101010101" pitchFamily="18" charset="-127"/>
-                <a:ea typeface="HY헤드라인M" panose="02030600000101010101" pitchFamily="18" charset="-127"/>
-              </a:rPr>
-              <a:t> 후원을 </a:t>
-            </a:r>
-            <a:r>
-              <a:rPr lang="ko-KR" altLang="en-US" dirty="0" err="1">
-                <a:latin typeface="HY헤드라인M" panose="02030600000101010101" pitchFamily="18" charset="-127"/>
-                <a:ea typeface="HY헤드라인M" panose="02030600000101010101" pitchFamily="18" charset="-127"/>
-              </a:rPr>
-              <a:t>하였을때</a:t>
-            </a:r>
-            <a:br>
-              <a:rPr lang="en-US" altLang="ko-KR" dirty="0">
-                <a:latin typeface="HY헤드라인M" panose="02030600000101010101" pitchFamily="18" charset="-127"/>
-                <a:ea typeface="HY헤드라인M" panose="02030600000101010101" pitchFamily="18" charset="-127"/>
-              </a:rPr>
-            </a:br>
-            <a:r>
-              <a:rPr lang="ko-KR" altLang="en-US" dirty="0" err="1">
-                <a:latin typeface="HY헤드라인M" panose="02030600000101010101" pitchFamily="18" charset="-127"/>
-                <a:ea typeface="HY헤드라인M" panose="02030600000101010101" pitchFamily="18" charset="-127"/>
-              </a:rPr>
-              <a:t>게임내</a:t>
-            </a:r>
-            <a:r>
-              <a:rPr lang="ko-KR" altLang="en-US" dirty="0">
-                <a:latin typeface="HY헤드라인M" panose="02030600000101010101" pitchFamily="18" charset="-127"/>
-                <a:ea typeface="HY헤드라인M" panose="02030600000101010101" pitchFamily="18" charset="-127"/>
-              </a:rPr>
-              <a:t> 코인이 올라 상품을 살 수 있다</a:t>
-            </a:r>
-            <a:r>
-              <a:rPr lang="en-US" altLang="ko-KR" dirty="0">
-                <a:latin typeface="HY헤드라인M" panose="02030600000101010101" pitchFamily="18" charset="-127"/>
-                <a:ea typeface="HY헤드라인M" panose="02030600000101010101" pitchFamily="18" charset="-127"/>
-              </a:rPr>
-              <a:t>.</a:t>
-            </a:r>
-          </a:p>
-        </p:txBody>
-      </p:sp>
-      <p:sp>
-        <p:nvSpPr>
-          <p:cNvPr id="15" name="TextBox 14"/>
-          <p:cNvSpPr txBox="1"/>
-          <p:nvPr/>
-        </p:nvSpPr>
-        <p:spPr>
-          <a:xfrm>
-            <a:off x="7698462" y="4306648"/>
-            <a:ext cx="4416594" cy="1200329"/>
-          </a:xfrm>
-          <a:prstGeom prst="rect">
-            <a:avLst/>
-          </a:prstGeom>
-          <a:noFill/>
-        </p:spPr>
-        <p:txBody>
-          <a:bodyPr wrap="none" rtlCol="0">
-            <a:spAutoFit/>
-          </a:bodyPr>
-          <a:lstStyle/>
-          <a:p>
-            <a:r>
-              <a:rPr lang="ko-KR" altLang="en-US" dirty="0" err="1">
-                <a:latin typeface="HY헤드라인M" panose="02030600000101010101" pitchFamily="18" charset="-127"/>
-                <a:ea typeface="HY헤드라인M" panose="02030600000101010101" pitchFamily="18" charset="-127"/>
-              </a:rPr>
-              <a:t>트위치</a:t>
-            </a:r>
-            <a:r>
-              <a:rPr lang="ko-KR" altLang="en-US" dirty="0">
-                <a:latin typeface="HY헤드라인M" panose="02030600000101010101" pitchFamily="18" charset="-127"/>
-                <a:ea typeface="HY헤드라인M" panose="02030600000101010101" pitchFamily="18" charset="-127"/>
-              </a:rPr>
-              <a:t> 채팅 </a:t>
-            </a:r>
-            <a:r>
-              <a:rPr lang="en-US" altLang="ko-KR" dirty="0">
-                <a:latin typeface="HY헤드라인M" panose="02030600000101010101" pitchFamily="18" charset="-127"/>
-                <a:ea typeface="HY헤드라인M" panose="02030600000101010101" pitchFamily="18" charset="-127"/>
-              </a:rPr>
-              <a:t>:</a:t>
-            </a:r>
-          </a:p>
-          <a:p>
-            <a:endParaRPr lang="en-US" altLang="ko-KR" dirty="0">
-              <a:latin typeface="HY헤드라인M" panose="02030600000101010101" pitchFamily="18" charset="-127"/>
-              <a:ea typeface="HY헤드라인M" panose="02030600000101010101" pitchFamily="18" charset="-127"/>
-            </a:endParaRPr>
-          </a:p>
-          <a:p>
-            <a:r>
-              <a:rPr lang="ko-KR" altLang="en-US" dirty="0">
-                <a:latin typeface="HY헤드라인M" panose="02030600000101010101" pitchFamily="18" charset="-127"/>
-                <a:ea typeface="HY헤드라인M" panose="02030600000101010101" pitchFamily="18" charset="-127"/>
-              </a:rPr>
-              <a:t>실시간 채팅을 </a:t>
-            </a:r>
-            <a:r>
-              <a:rPr lang="ko-KR" altLang="en-US" dirty="0" err="1">
-                <a:latin typeface="HY헤드라인M" panose="02030600000101010101" pitchFamily="18" charset="-127"/>
-                <a:ea typeface="HY헤드라인M" panose="02030600000101010101" pitchFamily="18" charset="-127"/>
-              </a:rPr>
-              <a:t>게임내</a:t>
-            </a:r>
-            <a:r>
-              <a:rPr lang="ko-KR" altLang="en-US" dirty="0">
-                <a:latin typeface="HY헤드라인M" panose="02030600000101010101" pitchFamily="18" charset="-127"/>
-                <a:ea typeface="HY헤드라인M" panose="02030600000101010101" pitchFamily="18" charset="-127"/>
-              </a:rPr>
-              <a:t> 채팅으로 설정하여</a:t>
-            </a:r>
-            <a:endParaRPr lang="en-US" altLang="ko-KR" dirty="0">
-              <a:latin typeface="HY헤드라인M" panose="02030600000101010101" pitchFamily="18" charset="-127"/>
-              <a:ea typeface="HY헤드라인M" panose="02030600000101010101" pitchFamily="18" charset="-127"/>
-            </a:endParaRPr>
-          </a:p>
-          <a:p>
-            <a:r>
-              <a:rPr lang="ko-KR" altLang="en-US" dirty="0" err="1">
-                <a:latin typeface="HY헤드라인M" panose="02030600000101010101" pitchFamily="18" charset="-127"/>
-                <a:ea typeface="HY헤드라인M" panose="02030600000101010101" pitchFamily="18" charset="-127"/>
-              </a:rPr>
-              <a:t>스트리머와</a:t>
-            </a:r>
-            <a:r>
-              <a:rPr lang="ko-KR" altLang="en-US" dirty="0">
-                <a:latin typeface="HY헤드라인M" panose="02030600000101010101" pitchFamily="18" charset="-127"/>
-                <a:ea typeface="HY헤드라인M" panose="02030600000101010101" pitchFamily="18" charset="-127"/>
-              </a:rPr>
-              <a:t> 시청자의 실시간 소통</a:t>
-            </a:r>
-            <a:r>
-              <a:rPr lang="en-US" altLang="ko-KR" dirty="0">
-                <a:latin typeface="HY헤드라인M" panose="02030600000101010101" pitchFamily="18" charset="-127"/>
-                <a:ea typeface="HY헤드라인M" panose="02030600000101010101" pitchFamily="18" charset="-127"/>
-              </a:rPr>
-              <a:t>.</a:t>
-            </a:r>
-            <a:endParaRPr lang="ko-KR" altLang="en-US" dirty="0">
-              <a:latin typeface="HY헤드라인M" panose="02030600000101010101" pitchFamily="18" charset="-127"/>
-              <a:ea typeface="HY헤드라인M" panose="02030600000101010101" pitchFamily="18" charset="-127"/>
+              <a:t>첨부 링크</a:t>
+            </a:r>
+            <a:endParaRPr lang="ko-KR" altLang="en-US" sz="4000" dirty="0">
+              <a:latin typeface="타이포_쌍문동 B" panose="02020803020101020101" pitchFamily="18" charset="-127"/>
+              <a:ea typeface="타이포_쌍문동 B" panose="02020803020101020101" pitchFamily="18" charset="-127"/>
             </a:endParaRPr>
           </a:p>
         </p:txBody>
@@ -5450,7 +4325,7 @@
     </p:spTree>
     <p:extLst>
       <p:ext uri="{BB962C8B-B14F-4D97-AF65-F5344CB8AC3E}">
-        <p14:creationId xmlns:p14="http://schemas.microsoft.com/office/powerpoint/2010/main" val="1869839230"/>
+        <p14:creationId xmlns:p14="http://schemas.microsoft.com/office/powerpoint/2010/main" val="3349826725"/>
       </p:ext>
     </p:extLst>
   </p:cSld>
@@ -5460,7 +4335,7 @@
 </p:sld>
 </file>
 
-<file path=ppt/slides/slide6.xml><?xml version="1.0" encoding="utf-8"?>
+<file path=ppt/slides/slide2.xml><?xml version="1.0" encoding="utf-8"?>
 <p:sld xmlns:a="http://schemas.openxmlformats.org/drawingml/2006/main" xmlns:r="http://schemas.openxmlformats.org/officeDocument/2006/relationships" xmlns:p="http://schemas.openxmlformats.org/presentationml/2006/main">
   <p:cSld>
     <p:spTree>
@@ -5479,7 +4354,83 @@
       </p:grpSpPr>
       <p:sp>
         <p:nvSpPr>
-          <p:cNvPr id="4" name="object 4"/>
+          <p:cNvPr id="4" name="TextBox 3"/>
+          <p:cNvSpPr txBox="1"/>
+          <p:nvPr/>
+        </p:nvSpPr>
+        <p:spPr>
+          <a:xfrm>
+            <a:off x="4048299" y="1421477"/>
+            <a:ext cx="3571812" cy="369332"/>
+          </a:xfrm>
+          <a:prstGeom prst="rect">
+            <a:avLst/>
+          </a:prstGeom>
+          <a:noFill/>
+        </p:spPr>
+        <p:txBody>
+          <a:bodyPr wrap="none" rtlCol="0">
+            <a:spAutoFit/>
+          </a:bodyPr>
+          <a:lstStyle/>
+          <a:p>
+            <a:r>
+              <a:rPr lang="ko-KR" altLang="en-US" dirty="0" smtClean="0"/>
+              <a:t>최종 목적과 흡사한 사진</a:t>
+            </a:r>
+            <a:r>
+              <a:rPr lang="en-US" altLang="ko-KR" dirty="0"/>
+              <a:t> </a:t>
+            </a:r>
+            <a:r>
+              <a:rPr lang="en-US" altLang="ko-KR" dirty="0" smtClean="0"/>
+              <a:t>1~2</a:t>
+            </a:r>
+            <a:r>
+              <a:rPr lang="ko-KR" altLang="en-US" dirty="0" smtClean="0"/>
+              <a:t>장</a:t>
+            </a:r>
+            <a:r>
+              <a:rPr lang="en-US" altLang="ko-KR" dirty="0" smtClean="0"/>
+              <a:t>?</a:t>
+            </a:r>
+            <a:endParaRPr lang="ko-KR" altLang="en-US" dirty="0"/>
+          </a:p>
+        </p:txBody>
+      </p:sp>
+    </p:spTree>
+    <p:extLst>
+      <p:ext uri="{BB962C8B-B14F-4D97-AF65-F5344CB8AC3E}">
+        <p14:creationId xmlns:p14="http://schemas.microsoft.com/office/powerpoint/2010/main" val="3933646774"/>
+      </p:ext>
+    </p:extLst>
+  </p:cSld>
+  <p:clrMapOvr>
+    <a:masterClrMapping/>
+  </p:clrMapOvr>
+</p:sld>
+</file>
+
+<file path=ppt/slides/slide3.xml><?xml version="1.0" encoding="utf-8"?>
+<p:sld xmlns:a="http://schemas.openxmlformats.org/drawingml/2006/main" xmlns:r="http://schemas.openxmlformats.org/officeDocument/2006/relationships" xmlns:p="http://schemas.openxmlformats.org/presentationml/2006/main">
+  <p:cSld>
+    <p:spTree>
+      <p:nvGrpSpPr>
+        <p:cNvPr id="1" name=""/>
+        <p:cNvGrpSpPr/>
+        <p:nvPr/>
+      </p:nvGrpSpPr>
+      <p:grpSpPr>
+        <a:xfrm>
+          <a:off x="0" y="0"/>
+          <a:ext cx="0" cy="0"/>
+          <a:chOff x="0" y="0"/>
+          <a:chExt cx="0" cy="0"/>
+        </a:xfrm>
+      </p:grpSpPr>
+      <p:sp>
+        <p:nvSpPr>
+          <p:cNvPr id="3" name="object 4"/>
           <p:cNvSpPr/>
           <p:nvPr/>
         </p:nvSpPr>
@@ -5529,14 +4480,14 @@
       </p:sp>
       <p:sp>
         <p:nvSpPr>
-          <p:cNvPr id="5" name="TextBox 4"/>
+          <p:cNvPr id="2" name="TextBox 1"/>
           <p:cNvSpPr txBox="1"/>
           <p:nvPr/>
         </p:nvSpPr>
         <p:spPr>
           <a:xfrm>
             <a:off x="180303" y="129241"/>
-            <a:ext cx="4770858" cy="707886"/>
+            <a:ext cx="3815468" cy="707886"/>
           </a:xfrm>
           <a:prstGeom prst="rect">
             <a:avLst/>
@@ -5549,154 +4500,34 @@
           </a:bodyPr>
           <a:lstStyle/>
           <a:p>
+            <a:pPr marL="571500" indent="-571500">
+              <a:buFont typeface="Arial" panose="020B0604020202020204" pitchFamily="34" charset="0"/>
+              <a:buChar char="•"/>
+            </a:pPr>
             <a:r>
               <a:rPr lang="en-US" altLang="ko-KR" sz="4000" dirty="0">
                 <a:latin typeface="타이포_쌍문동 B" panose="02020803020101020101" pitchFamily="18" charset="-127"/>
                 <a:ea typeface="타이포_쌍문동 B" panose="02020803020101020101" pitchFamily="18" charset="-127"/>
               </a:rPr>
-              <a:t>2. </a:t>
-            </a:r>
-            <a:r>
-              <a:rPr lang="ko-KR" altLang="en-US" sz="4000" dirty="0">
-                <a:latin typeface="타이포_쌍문동 B" panose="02020803020101020101" pitchFamily="18" charset="-127"/>
-                <a:ea typeface="타이포_쌍문동 B" panose="02020803020101020101" pitchFamily="18" charset="-127"/>
-              </a:rPr>
-              <a:t>게임소개 및 특징</a:t>
-            </a:r>
-          </a:p>
-        </p:txBody>
-      </p:sp>
-      <p:pic>
-        <p:nvPicPr>
-          <p:cNvPr id="11" name="그림 10"/>
-          <p:cNvPicPr>
-            <a:picLocks noChangeAspect="1"/>
-          </p:cNvPicPr>
-          <p:nvPr/>
-        </p:nvPicPr>
-        <p:blipFill>
-          <a:blip r:embed="rId2"/>
-          <a:stretch>
-            <a:fillRect/>
-          </a:stretch>
-        </p:blipFill>
-        <p:spPr>
-          <a:xfrm>
-            <a:off x="417261" y="1279816"/>
-            <a:ext cx="4552133" cy="2649484"/>
-          </a:xfrm>
-          <a:prstGeom prst="rect">
-            <a:avLst/>
-          </a:prstGeom>
-        </p:spPr>
-      </p:pic>
-      <p:pic>
-        <p:nvPicPr>
-          <p:cNvPr id="10" name="그림 9"/>
-          <p:cNvPicPr>
-            <a:picLocks noChangeAspect="1"/>
-          </p:cNvPicPr>
-          <p:nvPr/>
-        </p:nvPicPr>
-        <p:blipFill>
-          <a:blip r:embed="rId3">
-            <a:duotone>
-              <a:schemeClr val="accent4">
-                <a:shade val="45000"/>
-                <a:satMod val="135000"/>
-              </a:schemeClr>
-              <a:prstClr val="white"/>
-            </a:duotone>
-            <a:extLst>
-              <a:ext uri="{28A0092B-C50C-407E-A947-70E740481C1C}">
-                <a14:useLocalDpi xmlns:a14="http://schemas.microsoft.com/office/drawing/2010/main" val="0"/>
-              </a:ext>
-            </a:extLst>
-          </a:blip>
-          <a:stretch>
-            <a:fillRect/>
-          </a:stretch>
-        </p:blipFill>
-        <p:spPr>
-          <a:xfrm rot="2466467">
-            <a:off x="1234519" y="1712694"/>
-            <a:ext cx="2951980" cy="1902892"/>
-          </a:xfrm>
-          <a:prstGeom prst="rect">
-            <a:avLst/>
-          </a:prstGeom>
-        </p:spPr>
-      </p:pic>
-      <p:pic>
-        <p:nvPicPr>
-          <p:cNvPr id="12" name="그림 11"/>
-          <p:cNvPicPr>
-            <a:picLocks noChangeAspect="1"/>
-          </p:cNvPicPr>
-          <p:nvPr/>
-        </p:nvPicPr>
-        <p:blipFill>
-          <a:blip r:embed="rId4"/>
-          <a:stretch>
-            <a:fillRect/>
-          </a:stretch>
-        </p:blipFill>
-        <p:spPr>
-          <a:xfrm>
-            <a:off x="417260" y="3929300"/>
-            <a:ext cx="4552133" cy="2745585"/>
-          </a:xfrm>
-          <a:prstGeom prst="rect">
-            <a:avLst/>
-          </a:prstGeom>
-        </p:spPr>
-      </p:pic>
-      <p:pic>
-        <p:nvPicPr>
-          <p:cNvPr id="9" name="그림 8"/>
-          <p:cNvPicPr>
-            <a:picLocks noChangeAspect="1"/>
-          </p:cNvPicPr>
-          <p:nvPr/>
-        </p:nvPicPr>
-        <p:blipFill rotWithShape="1">
-          <a:blip r:embed="rId5">
-            <a:duotone>
-              <a:schemeClr val="accent4">
-                <a:shade val="45000"/>
-                <a:satMod val="135000"/>
-              </a:schemeClr>
-              <a:prstClr val="white"/>
-            </a:duotone>
-            <a:extLst>
-              <a:ext uri="{28A0092B-C50C-407E-A947-70E740481C1C}">
-                <a14:useLocalDpi xmlns:a14="http://schemas.microsoft.com/office/drawing/2010/main" val="0"/>
-              </a:ext>
-            </a:extLst>
-          </a:blip>
-          <a:srcRect l="39524" r="41048"/>
-          <a:stretch/>
-        </p:blipFill>
-        <p:spPr>
-          <a:xfrm rot="12024704">
-            <a:off x="1928211" y="3786978"/>
-            <a:ext cx="889000" cy="2614706"/>
-          </a:xfrm>
-          <a:prstGeom prst="rect">
-            <a:avLst/>
-          </a:prstGeom>
-        </p:spPr>
-      </p:pic>
-      <p:sp>
-        <p:nvSpPr>
-          <p:cNvPr id="13" name="TextBox 12"/>
+              <a:t>CONTENTS</a:t>
+            </a:r>
+            <a:endParaRPr lang="ko-KR" altLang="en-US" sz="4000" dirty="0">
+              <a:latin typeface="타이포_쌍문동 B" panose="02020803020101020101" pitchFamily="18" charset="-127"/>
+              <a:ea typeface="타이포_쌍문동 B" panose="02020803020101020101" pitchFamily="18" charset="-127"/>
+            </a:endParaRPr>
+          </a:p>
+        </p:txBody>
+      </p:sp>
+      <p:sp>
+        <p:nvSpPr>
+          <p:cNvPr id="5" name="TextBox 4"/>
           <p:cNvSpPr txBox="1"/>
           <p:nvPr/>
         </p:nvSpPr>
         <p:spPr>
           <a:xfrm>
-            <a:off x="1824677" y="890186"/>
-            <a:ext cx="1552028" cy="400110"/>
+            <a:off x="1596980" y="1454762"/>
+            <a:ext cx="2422458" cy="584775"/>
           </a:xfrm>
           <a:prstGeom prst="rect">
             <a:avLst/>
@@ -5710,36 +4541,32 @@
           <a:lstStyle/>
           <a:p>
             <a:r>
-              <a:rPr lang="ko-KR" altLang="en-US" sz="2000">
-                <a:latin typeface="HY헤드라인M" panose="02030600000101010101" pitchFamily="18" charset="-127"/>
-                <a:ea typeface="HY헤드라인M" panose="02030600000101010101" pitchFamily="18" charset="-127"/>
-              </a:rPr>
-              <a:t>캐릭터 </a:t>
-            </a:r>
-            <a:r>
-              <a:rPr lang="ko-KR" altLang="en-US" sz="2000" dirty="0" err="1">
-                <a:latin typeface="HY헤드라인M" panose="02030600000101010101" pitchFamily="18" charset="-127"/>
-                <a:ea typeface="HY헤드라인M" panose="02030600000101010101" pitchFamily="18" charset="-127"/>
-              </a:rPr>
-              <a:t>컨셉</a:t>
-            </a:r>
-            <a:endParaRPr lang="ko-KR" altLang="en-US" sz="2000" dirty="0">
-              <a:latin typeface="HY헤드라인M" panose="02030600000101010101" pitchFamily="18" charset="-127"/>
-              <a:ea typeface="HY헤드라인M" panose="02030600000101010101" pitchFamily="18" charset="-127"/>
-            </a:endParaRPr>
-          </a:p>
-        </p:txBody>
-      </p:sp>
-      <p:sp>
-        <p:nvSpPr>
-          <p:cNvPr id="14" name="TextBox 13"/>
+              <a:rPr lang="en-US" altLang="ko-KR" sz="3200" dirty="0">
+                <a:latin typeface="HY헤드라인M" panose="02030600000101010101" pitchFamily="18" charset="-127"/>
+                <a:ea typeface="HY헤드라인M" panose="02030600000101010101" pitchFamily="18" charset="-127"/>
+              </a:rPr>
+              <a:t>1. </a:t>
+            </a:r>
+            <a:r>
+              <a:rPr lang="ko-KR" altLang="en-US" sz="3200" dirty="0">
+                <a:latin typeface="HY헤드라인M" panose="02030600000101010101" pitchFamily="18" charset="-127"/>
+                <a:ea typeface="HY헤드라인M" panose="02030600000101010101" pitchFamily="18" charset="-127"/>
+              </a:rPr>
+              <a:t>연구 목적</a:t>
+            </a:r>
+          </a:p>
+        </p:txBody>
+      </p:sp>
+      <p:sp>
+        <p:nvSpPr>
+          <p:cNvPr id="6" name="TextBox 5"/>
           <p:cNvSpPr txBox="1"/>
           <p:nvPr/>
         </p:nvSpPr>
         <p:spPr>
           <a:xfrm>
-            <a:off x="8212777" y="924164"/>
-            <a:ext cx="1039067" cy="400110"/>
+            <a:off x="1596980" y="2492645"/>
+            <a:ext cx="3789820" cy="584775"/>
           </a:xfrm>
           <a:prstGeom prst="rect">
             <a:avLst/>
@@ -5753,81 +4580,143 @@
           <a:lstStyle/>
           <a:p>
             <a:r>
-              <a:rPr lang="ko-KR" altLang="en-US" sz="2000" dirty="0" err="1">
-                <a:latin typeface="HY헤드라인M" panose="02030600000101010101" pitchFamily="18" charset="-127"/>
-                <a:ea typeface="HY헤드라인M" panose="02030600000101010101" pitchFamily="18" charset="-127"/>
-              </a:rPr>
-              <a:t>맵</a:t>
-            </a:r>
-            <a:r>
-              <a:rPr lang="ko-KR" altLang="en-US" sz="2000" dirty="0">
-                <a:latin typeface="HY헤드라인M" panose="02030600000101010101" pitchFamily="18" charset="-127"/>
-                <a:ea typeface="HY헤드라인M" panose="02030600000101010101" pitchFamily="18" charset="-127"/>
-              </a:rPr>
-              <a:t> </a:t>
-            </a:r>
-            <a:r>
-              <a:rPr lang="ko-KR" altLang="en-US" sz="2000" dirty="0" err="1">
-                <a:latin typeface="HY헤드라인M" panose="02030600000101010101" pitchFamily="18" charset="-127"/>
-                <a:ea typeface="HY헤드라인M" panose="02030600000101010101" pitchFamily="18" charset="-127"/>
-              </a:rPr>
-              <a:t>컨셉</a:t>
-            </a:r>
-            <a:endParaRPr lang="ko-KR" altLang="en-US" sz="2000" dirty="0">
-              <a:latin typeface="HY헤드라인M" panose="02030600000101010101" pitchFamily="18" charset="-127"/>
-              <a:ea typeface="HY헤드라인M" panose="02030600000101010101" pitchFamily="18" charset="-127"/>
-            </a:endParaRPr>
-          </a:p>
-        </p:txBody>
-      </p:sp>
-      <p:pic>
-        <p:nvPicPr>
-          <p:cNvPr id="15" name="그림 14"/>
-          <p:cNvPicPr>
-            <a:picLocks noChangeAspect="1"/>
-          </p:cNvPicPr>
+              <a:rPr lang="en-US" altLang="ko-KR" sz="3200" dirty="0">
+                <a:latin typeface="HY헤드라인M" panose="02030600000101010101" pitchFamily="18" charset="-127"/>
+                <a:ea typeface="HY헤드라인M" panose="02030600000101010101" pitchFamily="18" charset="-127"/>
+              </a:rPr>
+              <a:t>2. </a:t>
+            </a:r>
+            <a:r>
+              <a:rPr lang="ko-KR" altLang="en-US" sz="3200" dirty="0">
+                <a:latin typeface="HY헤드라인M" panose="02030600000101010101" pitchFamily="18" charset="-127"/>
+                <a:ea typeface="HY헤드라인M" panose="02030600000101010101" pitchFamily="18" charset="-127"/>
+              </a:rPr>
+              <a:t>게임소개 및 특징</a:t>
+            </a:r>
+          </a:p>
+        </p:txBody>
+      </p:sp>
+      <p:sp>
+        <p:nvSpPr>
+          <p:cNvPr id="7" name="TextBox 6"/>
+          <p:cNvSpPr txBox="1"/>
           <p:nvPr/>
-        </p:nvPicPr>
-        <p:blipFill>
-          <a:blip r:embed="rId6">
-            <a:extLst>
-              <a:ext uri="{28A0092B-C50C-407E-A947-70E740481C1C}">
-                <a14:useLocalDpi xmlns:a14="http://schemas.microsoft.com/office/drawing/2010/main" val="0"/>
-              </a:ext>
-            </a:extLst>
-          </a:blip>
-          <a:stretch>
-            <a:fillRect/>
-          </a:stretch>
-        </p:blipFill>
-        <p:spPr>
-          <a:xfrm>
-            <a:off x="5760008" y="1887301"/>
-            <a:ext cx="5944604" cy="4083998"/>
+        </p:nvSpPr>
+        <p:spPr>
+          <a:xfrm>
+            <a:off x="1596980" y="3485143"/>
+            <a:ext cx="3926075" cy="584775"/>
           </a:xfrm>
           <a:prstGeom prst="rect">
             <a:avLst/>
           </a:prstGeom>
-          <a:ln w="38100" cap="sq">
-            <a:solidFill>
-              <a:srgbClr val="000000"/>
-            </a:solidFill>
-            <a:prstDash val="solid"/>
-            <a:miter lim="800000"/>
-          </a:ln>
-          <a:effectLst>
-            <a:outerShdw blurRad="50800" dist="38100" dir="2700000" algn="tl" rotWithShape="0">
-              <a:srgbClr val="000000">
-                <a:alpha val="43000"/>
-              </a:srgbClr>
-            </a:outerShdw>
-          </a:effectLst>
-        </p:spPr>
-      </p:pic>
+          <a:noFill/>
+        </p:spPr>
+        <p:txBody>
+          <a:bodyPr wrap="none" rtlCol="0">
+            <a:spAutoFit/>
+          </a:bodyPr>
+          <a:lstStyle/>
+          <a:p>
+            <a:r>
+              <a:rPr lang="en-US" altLang="ko-KR" sz="3200" dirty="0">
+                <a:latin typeface="HY헤드라인M" panose="02030600000101010101" pitchFamily="18" charset="-127"/>
+                <a:ea typeface="HY헤드라인M" panose="02030600000101010101" pitchFamily="18" charset="-127"/>
+              </a:rPr>
+              <a:t>3. </a:t>
+            </a:r>
+            <a:r>
+              <a:rPr lang="ko-KR" altLang="en-US" sz="3200" dirty="0">
+                <a:latin typeface="HY헤드라인M" panose="02030600000101010101" pitchFamily="18" charset="-127"/>
+                <a:ea typeface="HY헤드라인M" panose="02030600000101010101" pitchFamily="18" charset="-127"/>
+              </a:rPr>
+              <a:t>구현 환경 및 기술</a:t>
+            </a:r>
+          </a:p>
+        </p:txBody>
+      </p:sp>
+      <p:sp>
+        <p:nvSpPr>
+          <p:cNvPr id="8" name="TextBox 7"/>
+          <p:cNvSpPr txBox="1"/>
+          <p:nvPr/>
+        </p:nvSpPr>
+        <p:spPr>
+          <a:xfrm>
+            <a:off x="1596980" y="4523026"/>
+            <a:ext cx="4200189" cy="584775"/>
+          </a:xfrm>
+          <a:prstGeom prst="rect">
+            <a:avLst/>
+          </a:prstGeom>
+          <a:noFill/>
+        </p:spPr>
+        <p:txBody>
+          <a:bodyPr wrap="none" rtlCol="0">
+            <a:spAutoFit/>
+          </a:bodyPr>
+          <a:lstStyle/>
+          <a:p>
+            <a:r>
+              <a:rPr lang="en-US" altLang="ko-KR" sz="3200" dirty="0">
+                <a:latin typeface="HY헤드라인M" panose="02030600000101010101" pitchFamily="18" charset="-127"/>
+                <a:ea typeface="HY헤드라인M" panose="02030600000101010101" pitchFamily="18" charset="-127"/>
+              </a:rPr>
+              <a:t>4. </a:t>
+            </a:r>
+            <a:r>
+              <a:rPr lang="ko-KR" altLang="en-US" sz="3200" dirty="0">
+                <a:latin typeface="HY헤드라인M" panose="02030600000101010101" pitchFamily="18" charset="-127"/>
+                <a:ea typeface="HY헤드라인M" panose="02030600000101010101" pitchFamily="18" charset="-127"/>
+              </a:rPr>
+              <a:t>타 제품과의 차별성</a:t>
+            </a:r>
+          </a:p>
+        </p:txBody>
+      </p:sp>
+      <p:sp>
+        <p:nvSpPr>
+          <p:cNvPr id="9" name="TextBox 8"/>
+          <p:cNvSpPr txBox="1"/>
+          <p:nvPr/>
+        </p:nvSpPr>
+        <p:spPr>
+          <a:xfrm>
+            <a:off x="1596980" y="5545267"/>
+            <a:ext cx="3789820" cy="584775"/>
+          </a:xfrm>
+          <a:prstGeom prst="rect">
+            <a:avLst/>
+          </a:prstGeom>
+          <a:noFill/>
+        </p:spPr>
+        <p:txBody>
+          <a:bodyPr wrap="none" rtlCol="0">
+            <a:spAutoFit/>
+          </a:bodyPr>
+          <a:lstStyle/>
+          <a:p>
+            <a:r>
+              <a:rPr lang="en-US" altLang="ko-KR" sz="3200" dirty="0">
+                <a:latin typeface="HY헤드라인M" panose="02030600000101010101" pitchFamily="18" charset="-127"/>
+                <a:ea typeface="HY헤드라인M" panose="02030600000101010101" pitchFamily="18" charset="-127"/>
+              </a:rPr>
+              <a:t>5. </a:t>
+            </a:r>
+            <a:r>
+              <a:rPr lang="ko-KR" altLang="en-US" sz="3200" dirty="0">
+                <a:latin typeface="HY헤드라인M" panose="02030600000101010101" pitchFamily="18" charset="-127"/>
+                <a:ea typeface="HY헤드라인M" panose="02030600000101010101" pitchFamily="18" charset="-127"/>
+              </a:rPr>
+              <a:t>역할분담 및 일정</a:t>
+            </a:r>
+          </a:p>
+        </p:txBody>
+      </p:sp>
     </p:spTree>
     <p:extLst>
       <p:ext uri="{BB962C8B-B14F-4D97-AF65-F5344CB8AC3E}">
-        <p14:creationId xmlns:p14="http://schemas.microsoft.com/office/powerpoint/2010/main" val="1470767982"/>
+        <p14:creationId xmlns:p14="http://schemas.microsoft.com/office/powerpoint/2010/main" val="962021087"/>
       </p:ext>
     </p:extLst>
   </p:cSld>
@@ -5837,7 +4726,7 @@
 </p:sld>
 </file>
 
-<file path=ppt/slides/slide7.xml><?xml version="1.0" encoding="utf-8"?>
+<file path=ppt/slides/slide4.xml><?xml version="1.0" encoding="utf-8"?>
 <p:sld xmlns:a="http://schemas.openxmlformats.org/drawingml/2006/main" xmlns:r="http://schemas.openxmlformats.org/officeDocument/2006/relationships" xmlns:p="http://schemas.openxmlformats.org/presentationml/2006/main">
   <p:cSld>
     <p:spTree>
@@ -5856,7 +4745,7 @@
       </p:grpSpPr>
       <p:sp>
         <p:nvSpPr>
-          <p:cNvPr id="4" name="object 4"/>
+          <p:cNvPr id="2" name="object 4"/>
           <p:cNvSpPr/>
           <p:nvPr/>
         </p:nvSpPr>
@@ -5900,20 +4789,20 @@
           <a:bodyPr wrap="square" lIns="0" tIns="0" rIns="0" bIns="0" rtlCol="0"/>
           <a:lstStyle/>
           <a:p>
-            <a:endParaRPr/>
-          </a:p>
-        </p:txBody>
-      </p:sp>
-      <p:sp>
-        <p:nvSpPr>
-          <p:cNvPr id="5" name="TextBox 4"/>
+            <a:endParaRPr dirty="0"/>
+          </a:p>
+        </p:txBody>
+      </p:sp>
+      <p:sp>
+        <p:nvSpPr>
+          <p:cNvPr id="3" name="TextBox 2"/>
           <p:cNvSpPr txBox="1"/>
           <p:nvPr/>
         </p:nvSpPr>
         <p:spPr>
           <a:xfrm>
             <a:off x="180303" y="129241"/>
-            <a:ext cx="4924746" cy="707886"/>
+            <a:ext cx="3140603" cy="707886"/>
           </a:xfrm>
           <a:prstGeom prst="rect">
             <a:avLst/>
@@ -5926,33 +4815,30 @@
           </a:bodyPr>
           <a:lstStyle/>
           <a:p>
-            <a:r>
-              <a:rPr lang="en-US" altLang="ko-KR" sz="4000" dirty="0">
-                <a:latin typeface="타이포_쌍문동 B" panose="02020803020101020101" pitchFamily="18" charset="-127"/>
-                <a:ea typeface="타이포_쌍문동 B" panose="02020803020101020101" pitchFamily="18" charset="-127"/>
-              </a:rPr>
-              <a:t>3. </a:t>
-            </a:r>
+            <a:pPr marL="742950" indent="-742950">
+              <a:buFont typeface="+mj-lt"/>
+              <a:buAutoNum type="arabicPeriod"/>
+            </a:pPr>
             <a:r>
               <a:rPr lang="ko-KR" altLang="en-US" sz="4000" dirty="0">
                 <a:latin typeface="타이포_쌍문동 B" panose="02020803020101020101" pitchFamily="18" charset="-127"/>
                 <a:ea typeface="타이포_쌍문동 B" panose="02020803020101020101" pitchFamily="18" charset="-127"/>
               </a:rPr>
-              <a:t>구현 환경 및 기술</a:t>
-            </a:r>
-          </a:p>
-        </p:txBody>
-      </p:sp>
-      <p:sp>
-        <p:nvSpPr>
-          <p:cNvPr id="6" name="TextBox 5"/>
+              <a:t>연구 목적</a:t>
+            </a:r>
+          </a:p>
+        </p:txBody>
+      </p:sp>
+      <p:sp>
+        <p:nvSpPr>
+          <p:cNvPr id="4" name="TextBox 3"/>
           <p:cNvSpPr txBox="1"/>
           <p:nvPr/>
         </p:nvSpPr>
         <p:spPr>
           <a:xfrm>
-            <a:off x="669701" y="1338853"/>
-            <a:ext cx="5136342" cy="3539430"/>
+            <a:off x="455945" y="1146731"/>
+            <a:ext cx="3244799" cy="584775"/>
           </a:xfrm>
           <a:prstGeom prst="rect">
             <a:avLst/>
@@ -5970,155 +4856,364 @@
               <a:buChar char="•"/>
             </a:pPr>
             <a:r>
-              <a:rPr lang="en-US" altLang="ko-KR" sz="3200" dirty="0">
-                <a:latin typeface="HY헤드라인M" panose="02030600000101010101" pitchFamily="18" charset="-127"/>
-                <a:ea typeface="HY헤드라인M" panose="02030600000101010101" pitchFamily="18" charset="-127"/>
-              </a:rPr>
-              <a:t>Visual Studio 2017 C++</a:t>
-            </a:r>
-          </a:p>
-          <a:p>
-            <a:pPr marL="457200" indent="-457200">
-              <a:buFont typeface="Arial" panose="020B0604020202020204" pitchFamily="34" charset="0"/>
-              <a:buChar char="•"/>
-            </a:pPr>
-            <a:r>
-              <a:rPr lang="en-US" altLang="ko-KR" sz="3200" dirty="0">
-                <a:latin typeface="HY헤드라인M" panose="02030600000101010101" pitchFamily="18" charset="-127"/>
-                <a:ea typeface="HY헤드라인M" panose="02030600000101010101" pitchFamily="18" charset="-127"/>
-              </a:rPr>
-              <a:t>DirectX 12 </a:t>
-            </a:r>
-            <a:r>
-              <a:rPr lang="en-US" altLang="ko-KR" sz="3200" dirty="0" err="1">
-                <a:latin typeface="HY헤드라인M" panose="02030600000101010101" pitchFamily="18" charset="-127"/>
-                <a:ea typeface="HY헤드라인M" panose="02030600000101010101" pitchFamily="18" charset="-127"/>
-              </a:rPr>
-              <a:t>sdk</a:t>
-            </a:r>
-            <a:endParaRPr lang="en-US" altLang="ko-KR" sz="3200" dirty="0">
+              <a:rPr lang="ko-KR" altLang="en-US" sz="3200" dirty="0">
+                <a:latin typeface="HY헤드라인M" panose="02030600000101010101" pitchFamily="18" charset="-127"/>
+                <a:ea typeface="HY헤드라인M" panose="02030600000101010101" pitchFamily="18" charset="-127"/>
+              </a:rPr>
+              <a:t>게임의 필요성</a:t>
+            </a:r>
+          </a:p>
+        </p:txBody>
+      </p:sp>
+      <p:sp>
+        <p:nvSpPr>
+          <p:cNvPr id="5" name="TextBox 4"/>
+          <p:cNvSpPr txBox="1"/>
+          <p:nvPr/>
+        </p:nvSpPr>
+        <p:spPr>
+          <a:xfrm>
+            <a:off x="644763" y="1997839"/>
+            <a:ext cx="11238974" cy="2308324"/>
+          </a:xfrm>
+          <a:prstGeom prst="rect">
+            <a:avLst/>
+          </a:prstGeom>
+          <a:noFill/>
+        </p:spPr>
+        <p:txBody>
+          <a:bodyPr wrap="none" rtlCol="0">
+            <a:spAutoFit/>
+          </a:bodyPr>
+          <a:lstStyle/>
+          <a:p>
+            <a:r>
+              <a:rPr lang="ko-KR" altLang="en-US" sz="2400" dirty="0">
+                <a:latin typeface="HY헤드라인M" panose="02030600000101010101" pitchFamily="18" charset="-127"/>
+                <a:ea typeface="HY헤드라인M" panose="02030600000101010101" pitchFamily="18" charset="-127"/>
+              </a:rPr>
+              <a:t>연 </a:t>
+            </a:r>
+            <a:r>
+              <a:rPr lang="en-US" altLang="ko-KR" sz="2400" dirty="0">
+                <a:latin typeface="HY헤드라인M" panose="02030600000101010101" pitchFamily="18" charset="-127"/>
+                <a:ea typeface="HY헤드라인M" panose="02030600000101010101" pitchFamily="18" charset="-127"/>
+              </a:rPr>
+              <a:t>YouTube </a:t>
+            </a:r>
+            <a:r>
+              <a:rPr lang="ko-KR" altLang="en-US" sz="2400" dirty="0">
+                <a:latin typeface="HY헤드라인M" panose="02030600000101010101" pitchFamily="18" charset="-127"/>
+                <a:ea typeface="HY헤드라인M" panose="02030600000101010101" pitchFamily="18" charset="-127"/>
+              </a:rPr>
+              <a:t>약 </a:t>
+            </a:r>
+            <a:r>
+              <a:rPr lang="en-US" altLang="ko-KR" sz="2400" dirty="0">
+                <a:latin typeface="HY헤드라인M" panose="02030600000101010101" pitchFamily="18" charset="-127"/>
+                <a:ea typeface="HY헤드라인M" panose="02030600000101010101" pitchFamily="18" charset="-127"/>
+              </a:rPr>
+              <a:t>4</a:t>
+            </a:r>
+            <a:r>
+              <a:rPr lang="ko-KR" altLang="en-US" sz="2400" dirty="0">
+                <a:latin typeface="HY헤드라인M" panose="02030600000101010101" pitchFamily="18" charset="-127"/>
+                <a:ea typeface="HY헤드라인M" panose="02030600000101010101" pitchFamily="18" charset="-127"/>
+              </a:rPr>
+              <a:t>억</a:t>
+            </a:r>
+            <a:r>
+              <a:rPr lang="en-US" altLang="ko-KR" sz="2400" dirty="0">
+                <a:latin typeface="HY헤드라인M" panose="02030600000101010101" pitchFamily="18" charset="-127"/>
+                <a:ea typeface="HY헤드라인M" panose="02030600000101010101" pitchFamily="18" charset="-127"/>
+              </a:rPr>
+              <a:t>, </a:t>
+            </a:r>
+            <a:r>
+              <a:rPr lang="ko-KR" altLang="en-US" sz="2400" dirty="0">
+                <a:latin typeface="HY헤드라인M" panose="02030600000101010101" pitchFamily="18" charset="-127"/>
+                <a:ea typeface="HY헤드라인M" panose="02030600000101010101" pitchFamily="18" charset="-127"/>
+              </a:rPr>
+              <a:t>트위치 </a:t>
+            </a:r>
+            <a:r>
+              <a:rPr lang="en-US" altLang="ko-KR" sz="2400" dirty="0">
+                <a:latin typeface="HY헤드라인M" panose="02030600000101010101" pitchFamily="18" charset="-127"/>
+                <a:ea typeface="HY헤드라인M" panose="02030600000101010101" pitchFamily="18" charset="-127"/>
+              </a:rPr>
+              <a:t>210</a:t>
+            </a:r>
+            <a:r>
+              <a:rPr lang="ko-KR" altLang="en-US" sz="2400" dirty="0">
+                <a:latin typeface="HY헤드라인M" panose="02030600000101010101" pitchFamily="18" charset="-127"/>
+                <a:ea typeface="HY헤드라인M" panose="02030600000101010101" pitchFamily="18" charset="-127"/>
+              </a:rPr>
+              <a:t>만</a:t>
+            </a:r>
+            <a:r>
+              <a:rPr lang="en-US" altLang="ko-KR" sz="2400" dirty="0">
+                <a:latin typeface="HY헤드라인M" panose="02030600000101010101" pitchFamily="18" charset="-127"/>
+                <a:ea typeface="HY헤드라인M" panose="02030600000101010101" pitchFamily="18" charset="-127"/>
+              </a:rPr>
+              <a:t>, </a:t>
+            </a:r>
+            <a:r>
+              <a:rPr lang="ko-KR" altLang="en-US" sz="2400" dirty="0">
+                <a:latin typeface="HY헤드라인M" panose="02030600000101010101" pitchFamily="18" charset="-127"/>
+                <a:ea typeface="HY헤드라인M" panose="02030600000101010101" pitchFamily="18" charset="-127"/>
+              </a:rPr>
+              <a:t>아프리카</a:t>
+            </a:r>
+            <a:r>
+              <a:rPr lang="en-US" altLang="ko-KR" sz="2400" dirty="0">
+                <a:latin typeface="HY헤드라인M" panose="02030600000101010101" pitchFamily="18" charset="-127"/>
+                <a:ea typeface="HY헤드라인M" panose="02030600000101010101" pitchFamily="18" charset="-127"/>
+              </a:rPr>
+              <a:t>TV 120</a:t>
+            </a:r>
+            <a:r>
+              <a:rPr lang="ko-KR" altLang="en-US" sz="2400" dirty="0">
+                <a:latin typeface="HY헤드라인M" panose="02030600000101010101" pitchFamily="18" charset="-127"/>
+                <a:ea typeface="HY헤드라인M" panose="02030600000101010101" pitchFamily="18" charset="-127"/>
+              </a:rPr>
+              <a:t>만</a:t>
+            </a:r>
+            <a:r>
+              <a:rPr lang="en-US" altLang="ko-KR" sz="2400" dirty="0">
+                <a:latin typeface="HY헤드라인M" panose="02030600000101010101" pitchFamily="18" charset="-127"/>
+                <a:ea typeface="HY헤드라인M" panose="02030600000101010101" pitchFamily="18" charset="-127"/>
+              </a:rPr>
+              <a:t> </a:t>
+            </a:r>
+            <a:r>
+              <a:rPr lang="ko-KR" altLang="en-US" sz="2400" dirty="0">
+                <a:latin typeface="HY헤드라인M" panose="02030600000101010101" pitchFamily="18" charset="-127"/>
+                <a:ea typeface="HY헤드라인M" panose="02030600000101010101" pitchFamily="18" charset="-127"/>
+              </a:rPr>
+              <a:t>명 </a:t>
+            </a:r>
+            <a:r>
+              <a:rPr lang="en-US" altLang="ko-KR" sz="2400" dirty="0">
+                <a:latin typeface="HY헤드라인M" panose="02030600000101010101" pitchFamily="18" charset="-127"/>
+                <a:ea typeface="HY헤드라인M" panose="02030600000101010101" pitchFamily="18" charset="-127"/>
+              </a:rPr>
+              <a:t>(</a:t>
+            </a:r>
+            <a:r>
+              <a:rPr lang="ko-KR" altLang="en-US" sz="2400" dirty="0">
+                <a:latin typeface="HY헤드라인M" panose="02030600000101010101" pitchFamily="18" charset="-127"/>
+                <a:ea typeface="HY헤드라인M" panose="02030600000101010101" pitchFamily="18" charset="-127"/>
+              </a:rPr>
+              <a:t>로그인기준</a:t>
+            </a:r>
+            <a:r>
+              <a:rPr lang="en-US" altLang="ko-KR" sz="2400" dirty="0">
+                <a:latin typeface="HY헤드라인M" panose="02030600000101010101" pitchFamily="18" charset="-127"/>
+                <a:ea typeface="HY헤드라인M" panose="02030600000101010101" pitchFamily="18" charset="-127"/>
+              </a:rPr>
+              <a:t>) </a:t>
+            </a:r>
+            <a:r>
+              <a:rPr lang="ko-KR" altLang="en-US" sz="2400" dirty="0">
+                <a:latin typeface="HY헤드라인M" panose="02030600000101010101" pitchFamily="18" charset="-127"/>
+                <a:ea typeface="HY헤드라인M" panose="02030600000101010101" pitchFamily="18" charset="-127"/>
+              </a:rPr>
+              <a:t>의 사용자</a:t>
+            </a:r>
+            <a:r>
+              <a:rPr lang="en-US" altLang="ko-KR" sz="2400" dirty="0">
+                <a:latin typeface="HY헤드라인M" panose="02030600000101010101" pitchFamily="18" charset="-127"/>
+                <a:ea typeface="HY헤드라인M" panose="02030600000101010101" pitchFamily="18" charset="-127"/>
+              </a:rPr>
+              <a:t/>
+            </a:r>
+            <a:br>
+              <a:rPr lang="en-US" altLang="ko-KR" sz="2400" dirty="0">
+                <a:latin typeface="HY헤드라인M" panose="02030600000101010101" pitchFamily="18" charset="-127"/>
+                <a:ea typeface="HY헤드라인M" panose="02030600000101010101" pitchFamily="18" charset="-127"/>
+              </a:rPr>
+            </a:br>
+            <a:r>
+              <a:rPr lang="ko-KR" altLang="en-US" sz="2400" dirty="0">
+                <a:latin typeface="HY헤드라인M" panose="02030600000101010101" pitchFamily="18" charset="-127"/>
+                <a:ea typeface="HY헤드라인M" panose="02030600000101010101" pitchFamily="18" charset="-127"/>
+              </a:rPr>
+              <a:t>가 있는 </a:t>
+            </a:r>
+            <a:r>
+              <a:rPr lang="en-US" altLang="ko-KR" sz="2400" dirty="0">
+                <a:latin typeface="HY헤드라인M" panose="02030600000101010101" pitchFamily="18" charset="-127"/>
+                <a:ea typeface="HY헤드라인M" panose="02030600000101010101" pitchFamily="18" charset="-127"/>
+              </a:rPr>
+              <a:t>1</a:t>
+            </a:r>
+            <a:r>
+              <a:rPr lang="ko-KR" altLang="en-US" sz="2400" dirty="0">
+                <a:latin typeface="HY헤드라인M" panose="02030600000101010101" pitchFamily="18" charset="-127"/>
+                <a:ea typeface="HY헤드라인M" panose="02030600000101010101" pitchFamily="18" charset="-127"/>
+              </a:rPr>
+              <a:t>인 미디어 플렛폼 시장이 엄청난 성장세를 보이고 있으며</a:t>
+            </a:r>
+            <a:endParaRPr lang="en-US" altLang="ko-KR" sz="2400" dirty="0">
               <a:latin typeface="HY헤드라인M" panose="02030600000101010101" pitchFamily="18" charset="-127"/>
               <a:ea typeface="HY헤드라인M" panose="02030600000101010101" pitchFamily="18" charset="-127"/>
             </a:endParaRPr>
           </a:p>
           <a:p>
-            <a:pPr marL="457200" indent="-457200">
-              <a:buFont typeface="Arial" panose="020B0604020202020204" pitchFamily="34" charset="0"/>
-              <a:buChar char="•"/>
-            </a:pPr>
-            <a:r>
-              <a:rPr lang="en-US" altLang="ko-KR" sz="3200" dirty="0">
-                <a:latin typeface="HY헤드라인M" panose="02030600000101010101" pitchFamily="18" charset="-127"/>
-                <a:ea typeface="HY헤드라인M" panose="02030600000101010101" pitchFamily="18" charset="-127"/>
-              </a:rPr>
-              <a:t>IOCP</a:t>
-            </a:r>
-          </a:p>
-          <a:p>
-            <a:pPr marL="457200" indent="-457200">
-              <a:buFont typeface="Arial" panose="020B0604020202020204" pitchFamily="34" charset="0"/>
-              <a:buChar char="•"/>
-            </a:pPr>
-            <a:r>
-              <a:rPr lang="ko-KR" altLang="en-US" sz="3200" dirty="0" err="1">
-                <a:latin typeface="HY헤드라인M" panose="02030600000101010101" pitchFamily="18" charset="-127"/>
-                <a:ea typeface="HY헤드라인M" panose="02030600000101010101" pitchFamily="18" charset="-127"/>
-              </a:rPr>
-              <a:t>트위치</a:t>
-            </a:r>
-            <a:r>
-              <a:rPr lang="ko-KR" altLang="en-US" sz="3200" dirty="0">
-                <a:latin typeface="HY헤드라인M" panose="02030600000101010101" pitchFamily="18" charset="-127"/>
-                <a:ea typeface="HY헤드라인M" panose="02030600000101010101" pitchFamily="18" charset="-127"/>
-              </a:rPr>
-              <a:t> 방송 </a:t>
-            </a:r>
-            <a:r>
-              <a:rPr lang="ko-KR" altLang="en-US" sz="3200" dirty="0" err="1">
-                <a:latin typeface="HY헤드라인M" panose="02030600000101010101" pitchFamily="18" charset="-127"/>
-                <a:ea typeface="HY헤드라인M" panose="02030600000101010101" pitchFamily="18" charset="-127"/>
-              </a:rPr>
-              <a:t>플렛폼</a:t>
-            </a:r>
-            <a:r>
-              <a:rPr lang="ko-KR" altLang="en-US" sz="3200" dirty="0">
-                <a:latin typeface="HY헤드라인M" panose="02030600000101010101" pitchFamily="18" charset="-127"/>
-                <a:ea typeface="HY헤드라인M" panose="02030600000101010101" pitchFamily="18" charset="-127"/>
-              </a:rPr>
-              <a:t> </a:t>
-            </a:r>
-            <a:r>
-              <a:rPr lang="en-US" altLang="ko-KR" sz="3200" dirty="0">
-                <a:latin typeface="HY헤드라인M" panose="02030600000101010101" pitchFamily="18" charset="-127"/>
-                <a:ea typeface="HY헤드라인M" panose="02030600000101010101" pitchFamily="18" charset="-127"/>
-              </a:rPr>
-              <a:t>API</a:t>
-            </a:r>
-          </a:p>
-          <a:p>
-            <a:pPr marL="457200" indent="-457200">
-              <a:buFont typeface="Arial" panose="020B0604020202020204" pitchFamily="34" charset="0"/>
-              <a:buChar char="•"/>
-            </a:pPr>
-            <a:r>
-              <a:rPr lang="en-US" altLang="ko-KR" sz="3200" dirty="0">
-                <a:latin typeface="HY헤드라인M" panose="02030600000101010101" pitchFamily="18" charset="-127"/>
-                <a:ea typeface="HY헤드라인M" panose="02030600000101010101" pitchFamily="18" charset="-127"/>
-              </a:rPr>
-              <a:t>FBX </a:t>
-            </a:r>
-            <a:r>
-              <a:rPr lang="en-US" altLang="ko-KR" sz="3200" dirty="0" err="1">
-                <a:latin typeface="HY헤드라인M" panose="02030600000101010101" pitchFamily="18" charset="-127"/>
-                <a:ea typeface="HY헤드라인M" panose="02030600000101010101" pitchFamily="18" charset="-127"/>
-              </a:rPr>
-              <a:t>sdk</a:t>
-            </a:r>
-            <a:endParaRPr lang="en-US" altLang="ko-KR" sz="3200" dirty="0">
+            <a:r>
+              <a:rPr lang="ko-KR" altLang="en-US" sz="2400" dirty="0">
+                <a:latin typeface="HY헤드라인M" panose="02030600000101010101" pitchFamily="18" charset="-127"/>
+                <a:ea typeface="HY헤드라인M" panose="02030600000101010101" pitchFamily="18" charset="-127"/>
+              </a:rPr>
+              <a:t>그 중 게임이 차지 하고 있는 비율은 약 </a:t>
+            </a:r>
+            <a:r>
+              <a:rPr lang="en-US" altLang="ko-KR" sz="2400" dirty="0">
+                <a:latin typeface="HY헤드라인M" panose="02030600000101010101" pitchFamily="18" charset="-127"/>
+                <a:ea typeface="HY헤드라인M" panose="02030600000101010101" pitchFamily="18" charset="-127"/>
+              </a:rPr>
+              <a:t>70% </a:t>
+            </a:r>
+            <a:r>
+              <a:rPr lang="ko-KR" altLang="en-US" sz="2400" dirty="0">
+                <a:latin typeface="HY헤드라인M" panose="02030600000101010101" pitchFamily="18" charset="-127"/>
+                <a:ea typeface="HY헤드라인M" panose="02030600000101010101" pitchFamily="18" charset="-127"/>
+              </a:rPr>
+              <a:t>로 많은 비중을 차지하고 있다</a:t>
+            </a:r>
+            <a:r>
+              <a:rPr lang="en-US" altLang="ko-KR" sz="2400" dirty="0">
+                <a:latin typeface="HY헤드라인M" panose="02030600000101010101" pitchFamily="18" charset="-127"/>
+                <a:ea typeface="HY헤드라인M" panose="02030600000101010101" pitchFamily="18" charset="-127"/>
+              </a:rPr>
+              <a:t>.</a:t>
+            </a:r>
+          </a:p>
+          <a:p>
+            <a:endParaRPr lang="en-US" altLang="ko-KR" sz="2400" dirty="0">
               <a:latin typeface="HY헤드라인M" panose="02030600000101010101" pitchFamily="18" charset="-127"/>
               <a:ea typeface="HY헤드라인M" panose="02030600000101010101" pitchFamily="18" charset="-127"/>
             </a:endParaRPr>
           </a:p>
           <a:p>
-            <a:pPr marL="457200" indent="-457200">
-              <a:buFont typeface="Arial" panose="020B0604020202020204" pitchFamily="34" charset="0"/>
-              <a:buChar char="•"/>
-            </a:pPr>
-            <a:r>
-              <a:rPr lang="en-US" altLang="ko-KR" sz="3200" dirty="0" err="1">
-                <a:latin typeface="HY헤드라인M" panose="02030600000101010101" pitchFamily="18" charset="-127"/>
-                <a:ea typeface="HY헤드라인M" panose="02030600000101010101" pitchFamily="18" charset="-127"/>
-              </a:rPr>
-              <a:t>PhotoShop</a:t>
-            </a:r>
-            <a:endParaRPr lang="en-US" altLang="ko-KR" sz="3200" dirty="0">
+            <a:endParaRPr lang="en-US" altLang="ko-KR" sz="2400" dirty="0">
               <a:latin typeface="HY헤드라인M" panose="02030600000101010101" pitchFamily="18" charset="-127"/>
               <a:ea typeface="HY헤드라인M" panose="02030600000101010101" pitchFamily="18" charset="-127"/>
             </a:endParaRPr>
           </a:p>
           <a:p>
-            <a:pPr marL="457200" indent="-457200">
-              <a:buFont typeface="Arial" panose="020B0604020202020204" pitchFamily="34" charset="0"/>
-              <a:buChar char="•"/>
-            </a:pPr>
-            <a:r>
-              <a:rPr lang="ko-KR" altLang="en-US" sz="3200" dirty="0">
-                <a:latin typeface="HY헤드라인M" panose="02030600000101010101" pitchFamily="18" charset="-127"/>
-                <a:ea typeface="HY헤드라인M" panose="02030600000101010101" pitchFamily="18" charset="-127"/>
-              </a:rPr>
-              <a:t>등등</a:t>
-            </a:r>
-            <a:endParaRPr lang="en-US" altLang="ko-KR" sz="3200" dirty="0">
+            <a:endParaRPr lang="en-US" altLang="ko-KR" sz="2400" dirty="0">
               <a:latin typeface="HY헤드라인M" panose="02030600000101010101" pitchFamily="18" charset="-127"/>
               <a:ea typeface="HY헤드라인M" panose="02030600000101010101" pitchFamily="18" charset="-127"/>
             </a:endParaRPr>
           </a:p>
         </p:txBody>
       </p:sp>
+      <p:pic>
+        <p:nvPicPr>
+          <p:cNvPr id="6" name="그림 5"/>
+          <p:cNvPicPr>
+            <a:picLocks noChangeAspect="1"/>
+          </p:cNvPicPr>
+          <p:nvPr/>
+        </p:nvPicPr>
+        <p:blipFill>
+          <a:blip r:embed="rId2"/>
+          <a:stretch>
+            <a:fillRect/>
+          </a:stretch>
+        </p:blipFill>
+        <p:spPr>
+          <a:xfrm>
+            <a:off x="4258639" y="3375053"/>
+            <a:ext cx="2956731" cy="3008377"/>
+          </a:xfrm>
+          <a:prstGeom prst="rect">
+            <a:avLst/>
+          </a:prstGeom>
+          <a:ln>
+            <a:noFill/>
+          </a:ln>
+          <a:effectLst>
+            <a:outerShdw blurRad="292100" dist="139700" dir="2700000" algn="tl" rotWithShape="0">
+              <a:srgbClr val="333333">
+                <a:alpha val="65000"/>
+              </a:srgbClr>
+            </a:outerShdw>
+          </a:effectLst>
+        </p:spPr>
+      </p:pic>
+      <p:pic>
+        <p:nvPicPr>
+          <p:cNvPr id="9" name="그림 8"/>
+          <p:cNvPicPr>
+            <a:picLocks noChangeAspect="1"/>
+          </p:cNvPicPr>
+          <p:nvPr/>
+        </p:nvPicPr>
+        <p:blipFill rotWithShape="1">
+          <a:blip r:embed="rId3"/>
+          <a:srcRect l="9770" t="2458" r="6015"/>
+          <a:stretch/>
+        </p:blipFill>
+        <p:spPr>
+          <a:xfrm>
+            <a:off x="724786" y="3375053"/>
+            <a:ext cx="2975958" cy="3010245"/>
+          </a:xfrm>
+          <a:prstGeom prst="rect">
+            <a:avLst/>
+          </a:prstGeom>
+          <a:ln>
+            <a:noFill/>
+          </a:ln>
+          <a:effectLst>
+            <a:outerShdw blurRad="292100" dist="139700" dir="2700000" algn="tl" rotWithShape="0">
+              <a:srgbClr val="333333">
+                <a:alpha val="65000"/>
+              </a:srgbClr>
+            </a:outerShdw>
+          </a:effectLst>
+        </p:spPr>
+      </p:pic>
+      <p:pic>
+        <p:nvPicPr>
+          <p:cNvPr id="10" name="그림 9"/>
+          <p:cNvPicPr>
+            <a:picLocks noChangeAspect="1"/>
+          </p:cNvPicPr>
+          <p:nvPr/>
+        </p:nvPicPr>
+        <p:blipFill>
+          <a:blip r:embed="rId4"/>
+          <a:stretch>
+            <a:fillRect/>
+          </a:stretch>
+        </p:blipFill>
+        <p:spPr>
+          <a:xfrm>
+            <a:off x="7773266" y="3375053"/>
+            <a:ext cx="3460281" cy="3010244"/>
+          </a:xfrm>
+          <a:prstGeom prst="rect">
+            <a:avLst/>
+          </a:prstGeom>
+          <a:ln>
+            <a:noFill/>
+          </a:ln>
+          <a:effectLst>
+            <a:outerShdw blurRad="292100" dist="139700" dir="2700000" algn="tl" rotWithShape="0">
+              <a:srgbClr val="333333">
+                <a:alpha val="65000"/>
+              </a:srgbClr>
+            </a:outerShdw>
+          </a:effectLst>
+        </p:spPr>
+      </p:pic>
     </p:spTree>
     <p:extLst>
       <p:ext uri="{BB962C8B-B14F-4D97-AF65-F5344CB8AC3E}">
-        <p14:creationId xmlns:p14="http://schemas.microsoft.com/office/powerpoint/2010/main" val="2519324529"/>
+        <p14:creationId xmlns:p14="http://schemas.microsoft.com/office/powerpoint/2010/main" val="950493426"/>
       </p:ext>
     </p:extLst>
   </p:cSld>
@@ -6128,7 +5223,7 @@
 </p:sld>
 </file>
 
-<file path=ppt/slides/slide8.xml><?xml version="1.0" encoding="utf-8"?>
+<file path=ppt/slides/slide5.xml><?xml version="1.0" encoding="utf-8"?>
 <p:sld xmlns:a="http://schemas.openxmlformats.org/drawingml/2006/main" xmlns:r="http://schemas.openxmlformats.org/officeDocument/2006/relationships" xmlns:p="http://schemas.openxmlformats.org/presentationml/2006/main">
   <p:cSld>
     <p:spTree>
@@ -6147,7 +5242,194 @@
       </p:grpSpPr>
       <p:sp>
         <p:nvSpPr>
-          <p:cNvPr id="4" name="object 4"/>
+          <p:cNvPr id="4" name="직사각형 3"/>
+          <p:cNvSpPr/>
+          <p:nvPr/>
+        </p:nvSpPr>
+        <p:spPr>
+          <a:xfrm>
+            <a:off x="811877" y="1865569"/>
+            <a:ext cx="11133512" cy="1661993"/>
+          </a:xfrm>
+          <a:prstGeom prst="rect">
+            <a:avLst/>
+          </a:prstGeom>
+        </p:spPr>
+        <p:txBody>
+          <a:bodyPr wrap="square">
+            <a:spAutoFit/>
+          </a:bodyPr>
+          <a:lstStyle/>
+          <a:p>
+            <a:r>
+              <a:rPr lang="ko-KR" altLang="en-US" sz="2000" dirty="0">
+                <a:latin typeface="HY헤드라인M" panose="02030600000101010101" pitchFamily="18" charset="-127"/>
+                <a:ea typeface="HY헤드라인M" panose="02030600000101010101" pitchFamily="18" charset="-127"/>
+              </a:rPr>
+              <a:t>확실한 수익성을 내고 있는 시장이 마련되어 있음에도 시장을 활용하는 게임이 나오지 않고 있다</a:t>
+            </a:r>
+            <a:r>
+              <a:rPr lang="en-US" altLang="ko-KR" sz="2000" dirty="0">
+                <a:latin typeface="HY헤드라인M" panose="02030600000101010101" pitchFamily="18" charset="-127"/>
+                <a:ea typeface="HY헤드라인M" panose="02030600000101010101" pitchFamily="18" charset="-127"/>
+              </a:rPr>
+              <a:t>.</a:t>
+            </a:r>
+          </a:p>
+          <a:p>
+            <a:endParaRPr lang="en-US" altLang="ko-KR" sz="2000" dirty="0">
+              <a:latin typeface="HY헤드라인M" panose="02030600000101010101" pitchFamily="18" charset="-127"/>
+              <a:ea typeface="HY헤드라인M" panose="02030600000101010101" pitchFamily="18" charset="-127"/>
+            </a:endParaRPr>
+          </a:p>
+          <a:p>
+            <a:r>
+              <a:rPr lang="ko-KR" altLang="en-US" sz="2800" b="1" dirty="0">
+                <a:effectLst>
+                  <a:outerShdw blurRad="38100" dist="38100" dir="2700000" algn="tl">
+                    <a:srgbClr val="000000">
+                      <a:alpha val="43137"/>
+                    </a:srgbClr>
+                  </a:outerShdw>
+                </a:effectLst>
+                <a:latin typeface="HY헤드라인M" panose="02030600000101010101" pitchFamily="18" charset="-127"/>
+                <a:ea typeface="HY헤드라인M" panose="02030600000101010101" pitchFamily="18" charset="-127"/>
+              </a:rPr>
+              <a:t>커지는 시장에 맞는 </a:t>
+            </a:r>
+            <a:r>
+              <a:rPr lang="en-US" altLang="ko-KR" sz="2800" b="1" dirty="0">
+                <a:effectLst>
+                  <a:outerShdw blurRad="38100" dist="38100" dir="2700000" algn="tl">
+                    <a:srgbClr val="000000">
+                      <a:alpha val="43137"/>
+                    </a:srgbClr>
+                  </a:outerShdw>
+                </a:effectLst>
+                <a:latin typeface="HY헤드라인M" panose="02030600000101010101" pitchFamily="18" charset="-127"/>
+                <a:ea typeface="HY헤드라인M" panose="02030600000101010101" pitchFamily="18" charset="-127"/>
+              </a:rPr>
+              <a:t>1</a:t>
+            </a:r>
+            <a:r>
+              <a:rPr lang="ko-KR" altLang="en-US" sz="2800" b="1" dirty="0">
+                <a:effectLst>
+                  <a:outerShdw blurRad="38100" dist="38100" dir="2700000" algn="tl">
+                    <a:srgbClr val="000000">
+                      <a:alpha val="43137"/>
+                    </a:srgbClr>
+                  </a:outerShdw>
+                </a:effectLst>
+                <a:latin typeface="HY헤드라인M" panose="02030600000101010101" pitchFamily="18" charset="-127"/>
+                <a:ea typeface="HY헤드라인M" panose="02030600000101010101" pitchFamily="18" charset="-127"/>
+              </a:rPr>
+              <a:t>인 미디어 </a:t>
+            </a:r>
+            <a:r>
+              <a:rPr lang="ko-KR" altLang="en-US" sz="2800" b="1" dirty="0" err="1">
+                <a:effectLst>
+                  <a:outerShdw blurRad="38100" dist="38100" dir="2700000" algn="tl">
+                    <a:srgbClr val="000000">
+                      <a:alpha val="43137"/>
+                    </a:srgbClr>
+                  </a:outerShdw>
+                </a:effectLst>
+                <a:latin typeface="HY헤드라인M" panose="02030600000101010101" pitchFamily="18" charset="-127"/>
+                <a:ea typeface="HY헤드라인M" panose="02030600000101010101" pitchFamily="18" charset="-127"/>
+              </a:rPr>
+              <a:t>플렛폼을</a:t>
+            </a:r>
+            <a:r>
+              <a:rPr lang="ko-KR" altLang="en-US" sz="2800" b="1" dirty="0">
+                <a:effectLst>
+                  <a:outerShdw blurRad="38100" dist="38100" dir="2700000" algn="tl">
+                    <a:srgbClr val="000000">
+                      <a:alpha val="43137"/>
+                    </a:srgbClr>
+                  </a:outerShdw>
+                </a:effectLst>
+                <a:latin typeface="HY헤드라인M" panose="02030600000101010101" pitchFamily="18" charset="-127"/>
+                <a:ea typeface="HY헤드라인M" panose="02030600000101010101" pitchFamily="18" charset="-127"/>
+              </a:rPr>
+              <a:t> 활용한 게임이 필요하다</a:t>
+            </a:r>
+            <a:r>
+              <a:rPr lang="en-US" altLang="ko-KR" sz="2800" b="1" dirty="0">
+                <a:effectLst>
+                  <a:outerShdw blurRad="38100" dist="38100" dir="2700000" algn="tl">
+                    <a:srgbClr val="000000">
+                      <a:alpha val="43137"/>
+                    </a:srgbClr>
+                  </a:outerShdw>
+                </a:effectLst>
+                <a:latin typeface="HY헤드라인M" panose="02030600000101010101" pitchFamily="18" charset="-127"/>
+                <a:ea typeface="HY헤드라인M" panose="02030600000101010101" pitchFamily="18" charset="-127"/>
+              </a:rPr>
+              <a:t>.</a:t>
+            </a:r>
+          </a:p>
+          <a:p>
+            <a:endParaRPr lang="en-US" altLang="ko-KR" sz="2000" dirty="0">
+              <a:latin typeface="HY헤드라인M" panose="02030600000101010101" pitchFamily="18" charset="-127"/>
+              <a:ea typeface="HY헤드라인M" panose="02030600000101010101" pitchFamily="18" charset="-127"/>
+            </a:endParaRPr>
+          </a:p>
+          <a:p>
+            <a:r>
+              <a:rPr lang="en-US" altLang="ko-KR" sz="1400" dirty="0">
+                <a:latin typeface="HY헤드라인M" panose="02030600000101010101" pitchFamily="18" charset="-127"/>
+                <a:ea typeface="HY헤드라인M" panose="02030600000101010101" pitchFamily="18" charset="-127"/>
+              </a:rPr>
+              <a:t>- </a:t>
+            </a:r>
+            <a:r>
+              <a:rPr lang="ko-KR" altLang="en-US" sz="1400" dirty="0">
+                <a:latin typeface="HY헤드라인M" panose="02030600000101010101" pitchFamily="18" charset="-127"/>
+                <a:ea typeface="HY헤드라인M" panose="02030600000101010101" pitchFamily="18" charset="-127"/>
+              </a:rPr>
+              <a:t>투표 기능 구현 게임은 있다</a:t>
+            </a:r>
+            <a:r>
+              <a:rPr lang="en-US" altLang="ko-KR" sz="1400" dirty="0">
+                <a:latin typeface="HY헤드라인M" panose="02030600000101010101" pitchFamily="18" charset="-127"/>
+                <a:ea typeface="HY헤드라인M" panose="02030600000101010101" pitchFamily="18" charset="-127"/>
+              </a:rPr>
+              <a:t>.</a:t>
+            </a:r>
+            <a:r>
+              <a:rPr lang="ko-KR" altLang="en-US" sz="1400" dirty="0">
+                <a:latin typeface="HY헤드라인M" panose="02030600000101010101" pitchFamily="18" charset="-127"/>
+                <a:ea typeface="HY헤드라인M" panose="02030600000101010101" pitchFamily="18" charset="-127"/>
+              </a:rPr>
+              <a:t> </a:t>
+            </a:r>
+            <a:r>
+              <a:rPr lang="en-US" altLang="ko-KR" sz="1400" dirty="0">
+                <a:latin typeface="HY헤드라인M" panose="02030600000101010101" pitchFamily="18" charset="-127"/>
+                <a:ea typeface="HY헤드라인M" panose="02030600000101010101" pitchFamily="18" charset="-127"/>
+              </a:rPr>
+              <a:t>(ex. </a:t>
+            </a:r>
+            <a:r>
+              <a:rPr lang="en-US" altLang="ko-KR" sz="1400" dirty="0">
+                <a:hlinkClick r:id="rId2"/>
+              </a:rPr>
+              <a:t>Slay the Spire</a:t>
+            </a:r>
+            <a:r>
+              <a:rPr lang="en-US" altLang="ko-KR" sz="1400" dirty="0"/>
+              <a:t>]</a:t>
+            </a:r>
+            <a:endParaRPr lang="ko-KR" altLang="en-US" sz="1400" dirty="0">
+              <a:latin typeface="HY헤드라인M" panose="02030600000101010101" pitchFamily="18" charset="-127"/>
+              <a:ea typeface="HY헤드라인M" panose="02030600000101010101" pitchFamily="18" charset="-127"/>
+            </a:endParaRPr>
+          </a:p>
+        </p:txBody>
+      </p:sp>
+      <p:sp>
+        <p:nvSpPr>
+          <p:cNvPr id="5" name="object 4"/>
           <p:cNvSpPr/>
           <p:nvPr/>
         </p:nvSpPr>
@@ -6191,20 +5473,20 @@
           <a:bodyPr wrap="square" lIns="0" tIns="0" rIns="0" bIns="0" rtlCol="0"/>
           <a:lstStyle/>
           <a:p>
-            <a:endParaRPr/>
-          </a:p>
-        </p:txBody>
-      </p:sp>
-      <p:sp>
-        <p:nvSpPr>
-          <p:cNvPr id="5" name="TextBox 4"/>
+            <a:endParaRPr dirty="0"/>
+          </a:p>
+        </p:txBody>
+      </p:sp>
+      <p:sp>
+        <p:nvSpPr>
+          <p:cNvPr id="6" name="TextBox 5"/>
           <p:cNvSpPr txBox="1"/>
           <p:nvPr/>
         </p:nvSpPr>
         <p:spPr>
           <a:xfrm>
             <a:off x="180303" y="129241"/>
-            <a:ext cx="5283819" cy="707886"/>
+            <a:ext cx="3140603" cy="707886"/>
           </a:xfrm>
           <a:prstGeom prst="rect">
             <a:avLst/>
@@ -6217,27 +5499,152 @@
           </a:bodyPr>
           <a:lstStyle/>
           <a:p>
-            <a:r>
-              <a:rPr lang="en-US" altLang="ko-KR" sz="4000" dirty="0">
-                <a:latin typeface="타이포_쌍문동 B" panose="02020803020101020101" pitchFamily="18" charset="-127"/>
-                <a:ea typeface="타이포_쌍문동 B" panose="02020803020101020101" pitchFamily="18" charset="-127"/>
-              </a:rPr>
-              <a:t>4. </a:t>
-            </a:r>
+            <a:pPr marL="742950" indent="-742950">
+              <a:buFont typeface="+mj-lt"/>
+              <a:buAutoNum type="arabicPeriod"/>
+            </a:pPr>
             <a:r>
               <a:rPr lang="ko-KR" altLang="en-US" sz="4000" dirty="0">
                 <a:latin typeface="타이포_쌍문동 B" panose="02020803020101020101" pitchFamily="18" charset="-127"/>
                 <a:ea typeface="타이포_쌍문동 B" panose="02020803020101020101" pitchFamily="18" charset="-127"/>
               </a:rPr>
-              <a:t>타 제품과의 차별성</a:t>
-            </a:r>
-          </a:p>
-        </p:txBody>
-      </p:sp>
+              <a:t>연구 목적</a:t>
+            </a:r>
+          </a:p>
+        </p:txBody>
+      </p:sp>
+      <p:sp>
+        <p:nvSpPr>
+          <p:cNvPr id="7" name="TextBox 6">
+            <a:extLst>
+              <a:ext uri="{FF2B5EF4-FFF2-40B4-BE49-F238E27FC236}">
+                <a16:creationId xmlns:a16="http://schemas.microsoft.com/office/drawing/2014/main" xmlns="" id="{19D8874A-4E9C-4026-924B-5BEEA86EABD0}"/>
+              </a:ext>
+            </a:extLst>
+          </p:cNvPr>
+          <p:cNvSpPr txBox="1"/>
+          <p:nvPr/>
+        </p:nvSpPr>
+        <p:spPr>
+          <a:xfrm>
+            <a:off x="492943" y="1040519"/>
+            <a:ext cx="1362874" cy="707886"/>
+          </a:xfrm>
+          <a:prstGeom prst="rect">
+            <a:avLst/>
+          </a:prstGeom>
+          <a:noFill/>
+          <a:effectLst>
+            <a:outerShdw blurRad="50800" dist="38100" dir="2700000" algn="tl" rotWithShape="0">
+              <a:prstClr val="black">
+                <a:alpha val="40000"/>
+              </a:prstClr>
+            </a:outerShdw>
+          </a:effectLst>
+        </p:spPr>
+        <p:txBody>
+          <a:bodyPr wrap="none" rtlCol="0">
+            <a:spAutoFit/>
+          </a:bodyPr>
+          <a:lstStyle/>
+          <a:p>
+            <a:r>
+              <a:rPr lang="en-US" altLang="ko-KR" sz="4000" b="1" dirty="0">
+                <a:solidFill>
+                  <a:srgbClr val="FABACF"/>
+                </a:solidFill>
+                <a:effectLst>
+                  <a:outerShdw blurRad="38100" dist="38100" dir="2700000" algn="tl">
+                    <a:srgbClr val="000000">
+                      <a:alpha val="43137"/>
+                    </a:srgbClr>
+                  </a:outerShdw>
+                </a:effectLst>
+                <a:latin typeface="HY헤드라인M" panose="02030600000101010101" pitchFamily="18" charset="-127"/>
+                <a:ea typeface="HY헤드라인M" panose="02030600000101010101" pitchFamily="18" charset="-127"/>
+              </a:rPr>
+              <a:t>BUT !</a:t>
+            </a:r>
+            <a:endParaRPr lang="ko-KR" altLang="en-US" sz="4000" b="1" dirty="0">
+              <a:solidFill>
+                <a:srgbClr val="FABACF"/>
+              </a:solidFill>
+              <a:effectLst>
+                <a:outerShdw blurRad="38100" dist="38100" dir="2700000" algn="tl">
+                  <a:srgbClr val="000000">
+                    <a:alpha val="43137"/>
+                  </a:srgbClr>
+                </a:outerShdw>
+              </a:effectLst>
+              <a:latin typeface="HY헤드라인M" panose="02030600000101010101" pitchFamily="18" charset="-127"/>
+              <a:ea typeface="HY헤드라인M" panose="02030600000101010101" pitchFamily="18" charset="-127"/>
+            </a:endParaRPr>
+          </a:p>
+        </p:txBody>
+      </p:sp>
+      <p:pic>
+        <p:nvPicPr>
+          <p:cNvPr id="8" name="그림 7"/>
+          <p:cNvPicPr>
+            <a:picLocks noChangeAspect="1"/>
+          </p:cNvPicPr>
+          <p:nvPr/>
+        </p:nvPicPr>
+        <p:blipFill>
+          <a:blip r:embed="rId3">
+            <a:extLst>
+              <a:ext uri="{28A0092B-C50C-407E-A947-70E740481C1C}">
+                <a14:useLocalDpi xmlns:a14="http://schemas.microsoft.com/office/drawing/2010/main" val="0"/>
+              </a:ext>
+            </a:extLst>
+          </a:blip>
+          <a:stretch>
+            <a:fillRect/>
+          </a:stretch>
+        </p:blipFill>
+        <p:spPr>
+          <a:xfrm>
+            <a:off x="790385" y="3644726"/>
+            <a:ext cx="5070087" cy="2691939"/>
+          </a:xfrm>
+          <a:prstGeom prst="rect">
+            <a:avLst/>
+          </a:prstGeom>
+        </p:spPr>
+      </p:pic>
+      <p:pic>
+        <p:nvPicPr>
+          <p:cNvPr id="10" name="그림 9"/>
+          <p:cNvPicPr>
+            <a:picLocks noChangeAspect="1"/>
+          </p:cNvPicPr>
+          <p:nvPr/>
+        </p:nvPicPr>
+        <p:blipFill rotWithShape="1">
+          <a:blip r:embed="rId4">
+            <a:extLst>
+              <a:ext uri="{28A0092B-C50C-407E-A947-70E740481C1C}">
+                <a14:useLocalDpi xmlns:a14="http://schemas.microsoft.com/office/drawing/2010/main" val="0"/>
+              </a:ext>
+            </a:extLst>
+          </a:blip>
+          <a:srcRect t="14682" b="8182"/>
+          <a:stretch/>
+        </p:blipFill>
+        <p:spPr>
+          <a:xfrm>
+            <a:off x="6542116" y="3241964"/>
+            <a:ext cx="4721629" cy="3491345"/>
+          </a:xfrm>
+          <a:prstGeom prst="rect">
+            <a:avLst/>
+          </a:prstGeom>
+        </p:spPr>
+      </p:pic>
     </p:spTree>
     <p:extLst>
       <p:ext uri="{BB962C8B-B14F-4D97-AF65-F5344CB8AC3E}">
-        <p14:creationId xmlns:p14="http://schemas.microsoft.com/office/powerpoint/2010/main" val="1572282577"/>
+        <p14:creationId xmlns:p14="http://schemas.microsoft.com/office/powerpoint/2010/main" val="452425691"/>
       </p:ext>
     </p:extLst>
   </p:cSld>
@@ -6247,7 +5654,79 @@
 </p:sld>
 </file>
 
-<file path=ppt/slides/slide9.xml><?xml version="1.0" encoding="utf-8"?>
+<file path=ppt/slides/slide6.xml><?xml version="1.0" encoding="utf-8"?>
+<p:sld xmlns:a="http://schemas.openxmlformats.org/drawingml/2006/main" xmlns:r="http://schemas.openxmlformats.org/officeDocument/2006/relationships" xmlns:p="http://schemas.openxmlformats.org/presentationml/2006/main">
+  <p:cSld>
+    <p:spTree>
+      <p:nvGrpSpPr>
+        <p:cNvPr id="1" name=""/>
+        <p:cNvGrpSpPr/>
+        <p:nvPr/>
+      </p:nvGrpSpPr>
+      <p:grpSpPr>
+        <a:xfrm>
+          <a:off x="0" y="0"/>
+          <a:ext cx="0" cy="0"/>
+          <a:chOff x="0" y="0"/>
+          <a:chExt cx="0" cy="0"/>
+        </a:xfrm>
+      </p:grpSpPr>
+      <p:sp>
+        <p:nvSpPr>
+          <p:cNvPr id="4" name="TextBox 3"/>
+          <p:cNvSpPr txBox="1"/>
+          <p:nvPr/>
+        </p:nvSpPr>
+        <p:spPr>
+          <a:xfrm>
+            <a:off x="3341716" y="1263535"/>
+            <a:ext cx="4590552" cy="369332"/>
+          </a:xfrm>
+          <a:prstGeom prst="rect">
+            <a:avLst/>
+          </a:prstGeom>
+          <a:noFill/>
+        </p:spPr>
+        <p:txBody>
+          <a:bodyPr wrap="none" rtlCol="0">
+            <a:spAutoFit/>
+          </a:bodyPr>
+          <a:lstStyle/>
+          <a:p>
+            <a:r>
+              <a:rPr lang="en-US" altLang="ko-KR" dirty="0" smtClean="0"/>
+              <a:t>E-sport </a:t>
+            </a:r>
+            <a:r>
+              <a:rPr lang="ko-KR" altLang="en-US" dirty="0" smtClean="0"/>
+              <a:t>대회 중계 사진 </a:t>
+            </a:r>
+            <a:r>
+              <a:rPr lang="en-US" altLang="ko-KR" dirty="0" smtClean="0"/>
+              <a:t>, </a:t>
+            </a:r>
+            <a:r>
+              <a:rPr lang="ko-KR" altLang="en-US" dirty="0" smtClean="0"/>
+              <a:t>수요증가 그래프</a:t>
+            </a:r>
+            <a:endParaRPr lang="ko-KR" altLang="en-US" dirty="0"/>
+          </a:p>
+        </p:txBody>
+      </p:sp>
+    </p:spTree>
+    <p:extLst>
+      <p:ext uri="{BB962C8B-B14F-4D97-AF65-F5344CB8AC3E}">
+        <p14:creationId xmlns:p14="http://schemas.microsoft.com/office/powerpoint/2010/main" val="539179660"/>
+      </p:ext>
+    </p:extLst>
+  </p:cSld>
+  <p:clrMapOvr>
+    <a:masterClrMapping/>
+  </p:clrMapOvr>
+</p:sld>
+</file>
+
+<file path=ppt/slides/slide7.xml><?xml version="1.0" encoding="utf-8"?>
 <p:sld xmlns:a="http://schemas.openxmlformats.org/drawingml/2006/main" xmlns:r="http://schemas.openxmlformats.org/officeDocument/2006/relationships" xmlns:p="http://schemas.openxmlformats.org/presentationml/2006/main">
   <p:cSld>
     <p:spTree>
@@ -6310,7 +5789,7 @@
           <a:bodyPr wrap="square" lIns="0" tIns="0" rIns="0" bIns="0" rtlCol="0"/>
           <a:lstStyle/>
           <a:p>
-            <a:endParaRPr/>
+            <a:endParaRPr dirty="0"/>
           </a:p>
         </p:txBody>
       </p:sp>
@@ -6323,7 +5802,7 @@
         <p:spPr>
           <a:xfrm>
             <a:off x="180303" y="129241"/>
-            <a:ext cx="4924746" cy="707886"/>
+            <a:ext cx="4770858" cy="707886"/>
           </a:xfrm>
           <a:prstGeom prst="rect">
             <a:avLst/>
@@ -6341,22 +5820,943 @@
                 <a:latin typeface="타이포_쌍문동 B" panose="02020803020101020101" pitchFamily="18" charset="-127"/>
                 <a:ea typeface="타이포_쌍문동 B" panose="02020803020101020101" pitchFamily="18" charset="-127"/>
               </a:rPr>
-              <a:t>5. </a:t>
+              <a:t>2. </a:t>
             </a:r>
             <a:r>
               <a:rPr lang="ko-KR" altLang="en-US" sz="4000" dirty="0">
                 <a:latin typeface="타이포_쌍문동 B" panose="02020803020101020101" pitchFamily="18" charset="-127"/>
                 <a:ea typeface="타이포_쌍문동 B" panose="02020803020101020101" pitchFamily="18" charset="-127"/>
               </a:rPr>
-              <a:t>역할 분담 및 일정</a:t>
-            </a:r>
+              <a:t>게임소개 및 특징</a:t>
+            </a:r>
+          </a:p>
+        </p:txBody>
+      </p:sp>
+      <p:sp>
+        <p:nvSpPr>
+          <p:cNvPr id="6" name="TextBox 5"/>
+          <p:cNvSpPr txBox="1"/>
+          <p:nvPr/>
+        </p:nvSpPr>
+        <p:spPr>
+          <a:xfrm>
+            <a:off x="2967644" y="1545013"/>
+            <a:ext cx="2082621" cy="369332"/>
+          </a:xfrm>
+          <a:prstGeom prst="rect">
+            <a:avLst/>
+          </a:prstGeom>
+          <a:noFill/>
+        </p:spPr>
+        <p:txBody>
+          <a:bodyPr wrap="none" rtlCol="0">
+            <a:spAutoFit/>
+          </a:bodyPr>
+          <a:lstStyle/>
+          <a:p>
+            <a:r>
+              <a:rPr lang="ko-KR" altLang="en-US" dirty="0" smtClean="0"/>
+              <a:t>이유</a:t>
+            </a:r>
+            <a:r>
+              <a:rPr lang="en-US" altLang="ko-KR" dirty="0" smtClean="0"/>
+              <a:t>-&gt;</a:t>
+            </a:r>
+            <a:r>
+              <a:rPr lang="ko-KR" altLang="en-US" dirty="0" smtClean="0"/>
+              <a:t>격투게임</a:t>
+            </a:r>
+            <a:r>
+              <a:rPr lang="en-US" altLang="ko-KR" dirty="0" smtClean="0"/>
+              <a:t>-&gt;</a:t>
+            </a:r>
+            <a:endParaRPr lang="ko-KR" altLang="en-US" dirty="0"/>
           </a:p>
         </p:txBody>
       </p:sp>
     </p:spTree>
     <p:extLst>
       <p:ext uri="{BB962C8B-B14F-4D97-AF65-F5344CB8AC3E}">
-        <p14:creationId xmlns:p14="http://schemas.microsoft.com/office/powerpoint/2010/main" val="4118720777"/>
+        <p14:creationId xmlns:p14="http://schemas.microsoft.com/office/powerpoint/2010/main" val="1326348105"/>
+      </p:ext>
+    </p:extLst>
+  </p:cSld>
+  <p:clrMapOvr>
+    <a:masterClrMapping/>
+  </p:clrMapOvr>
+</p:sld>
+</file>
+
+<file path=ppt/slides/slide8.xml><?xml version="1.0" encoding="utf-8"?>
+<p:sld xmlns:a="http://schemas.openxmlformats.org/drawingml/2006/main" xmlns:r="http://schemas.openxmlformats.org/officeDocument/2006/relationships" xmlns:p="http://schemas.openxmlformats.org/presentationml/2006/main">
+  <p:cSld>
+    <p:spTree>
+      <p:nvGrpSpPr>
+        <p:cNvPr id="1" name=""/>
+        <p:cNvGrpSpPr/>
+        <p:nvPr/>
+      </p:nvGrpSpPr>
+      <p:grpSpPr>
+        <a:xfrm>
+          <a:off x="0" y="0"/>
+          <a:ext cx="0" cy="0"/>
+          <a:chOff x="0" y="0"/>
+          <a:chExt cx="0" cy="0"/>
+        </a:xfrm>
+      </p:grpSpPr>
+      <p:sp>
+        <p:nvSpPr>
+          <p:cNvPr id="4" name="object 4"/>
+          <p:cNvSpPr/>
+          <p:nvPr/>
+        </p:nvSpPr>
+        <p:spPr>
+          <a:xfrm>
+            <a:off x="0" y="837127"/>
+            <a:ext cx="12192000" cy="86228"/>
+          </a:xfrm>
+          <a:custGeom>
+            <a:avLst/>
+            <a:gdLst/>
+            <a:ahLst/>
+            <a:cxnLst/>
+            <a:rect l="l" t="t" r="r" b="b"/>
+            <a:pathLst>
+              <a:path w="12192000" h="1270000">
+                <a:moveTo>
+                  <a:pt x="0" y="0"/>
+                </a:moveTo>
+                <a:lnTo>
+                  <a:pt x="12192000" y="0"/>
+                </a:lnTo>
+                <a:lnTo>
+                  <a:pt x="12192000" y="1269999"/>
+                </a:lnTo>
+                <a:lnTo>
+                  <a:pt x="0" y="1269999"/>
+                </a:lnTo>
+                <a:lnTo>
+                  <a:pt x="0" y="0"/>
+                </a:lnTo>
+                <a:close/>
+              </a:path>
+            </a:pathLst>
+          </a:custGeom>
+          <a:solidFill>
+            <a:srgbClr val="FABACF"/>
+          </a:solidFill>
+        </p:spPr>
+        <p:txBody>
+          <a:bodyPr wrap="square" lIns="0" tIns="0" rIns="0" bIns="0" rtlCol="0"/>
+          <a:lstStyle/>
+          <a:p>
+            <a:endParaRPr dirty="0"/>
+          </a:p>
+        </p:txBody>
+      </p:sp>
+      <p:sp>
+        <p:nvSpPr>
+          <p:cNvPr id="5" name="TextBox 4"/>
+          <p:cNvSpPr txBox="1"/>
+          <p:nvPr/>
+        </p:nvSpPr>
+        <p:spPr>
+          <a:xfrm>
+            <a:off x="180303" y="129241"/>
+            <a:ext cx="4770858" cy="707886"/>
+          </a:xfrm>
+          <a:prstGeom prst="rect">
+            <a:avLst/>
+          </a:prstGeom>
+          <a:noFill/>
+        </p:spPr>
+        <p:txBody>
+          <a:bodyPr wrap="none" rtlCol="0">
+            <a:spAutoFit/>
+          </a:bodyPr>
+          <a:lstStyle/>
+          <a:p>
+            <a:r>
+              <a:rPr lang="en-US" altLang="ko-KR" sz="4000" dirty="0">
+                <a:latin typeface="타이포_쌍문동 B" panose="02020803020101020101" pitchFamily="18" charset="-127"/>
+                <a:ea typeface="타이포_쌍문동 B" panose="02020803020101020101" pitchFamily="18" charset="-127"/>
+              </a:rPr>
+              <a:t>2. </a:t>
+            </a:r>
+            <a:r>
+              <a:rPr lang="ko-KR" altLang="en-US" sz="4000" dirty="0">
+                <a:latin typeface="타이포_쌍문동 B" panose="02020803020101020101" pitchFamily="18" charset="-127"/>
+                <a:ea typeface="타이포_쌍문동 B" panose="02020803020101020101" pitchFamily="18" charset="-127"/>
+              </a:rPr>
+              <a:t>게임소개 및 특징</a:t>
+            </a:r>
+          </a:p>
+        </p:txBody>
+      </p:sp>
+      <p:pic>
+        <p:nvPicPr>
+          <p:cNvPr id="11" name="그림 10"/>
+          <p:cNvPicPr>
+            <a:picLocks noChangeAspect="1"/>
+          </p:cNvPicPr>
+          <p:nvPr/>
+        </p:nvPicPr>
+        <p:blipFill>
+          <a:blip r:embed="rId2"/>
+          <a:stretch>
+            <a:fillRect/>
+          </a:stretch>
+        </p:blipFill>
+        <p:spPr>
+          <a:xfrm>
+            <a:off x="417261" y="1279816"/>
+            <a:ext cx="4552133" cy="2649484"/>
+          </a:xfrm>
+          <a:prstGeom prst="rect">
+            <a:avLst/>
+          </a:prstGeom>
+        </p:spPr>
+      </p:pic>
+      <p:pic>
+        <p:nvPicPr>
+          <p:cNvPr id="10" name="그림 9"/>
+          <p:cNvPicPr>
+            <a:picLocks noChangeAspect="1"/>
+          </p:cNvPicPr>
+          <p:nvPr/>
+        </p:nvPicPr>
+        <p:blipFill>
+          <a:blip r:embed="rId3">
+            <a:duotone>
+              <a:schemeClr val="accent4">
+                <a:shade val="45000"/>
+                <a:satMod val="135000"/>
+              </a:schemeClr>
+              <a:prstClr val="white"/>
+            </a:duotone>
+            <a:extLst>
+              <a:ext uri="{28A0092B-C50C-407E-A947-70E740481C1C}">
+                <a14:useLocalDpi xmlns:a14="http://schemas.microsoft.com/office/drawing/2010/main" val="0"/>
+              </a:ext>
+            </a:extLst>
+          </a:blip>
+          <a:stretch>
+            <a:fillRect/>
+          </a:stretch>
+        </p:blipFill>
+        <p:spPr>
+          <a:xfrm rot="2466467">
+            <a:off x="1234519" y="1712694"/>
+            <a:ext cx="2951980" cy="1902892"/>
+          </a:xfrm>
+          <a:prstGeom prst="rect">
+            <a:avLst/>
+          </a:prstGeom>
+        </p:spPr>
+      </p:pic>
+      <p:pic>
+        <p:nvPicPr>
+          <p:cNvPr id="12" name="그림 11"/>
+          <p:cNvPicPr>
+            <a:picLocks noChangeAspect="1"/>
+          </p:cNvPicPr>
+          <p:nvPr/>
+        </p:nvPicPr>
+        <p:blipFill>
+          <a:blip r:embed="rId4"/>
+          <a:stretch>
+            <a:fillRect/>
+          </a:stretch>
+        </p:blipFill>
+        <p:spPr>
+          <a:xfrm>
+            <a:off x="417260" y="3929300"/>
+            <a:ext cx="4552133" cy="2745585"/>
+          </a:xfrm>
+          <a:prstGeom prst="rect">
+            <a:avLst/>
+          </a:prstGeom>
+        </p:spPr>
+      </p:pic>
+      <p:pic>
+        <p:nvPicPr>
+          <p:cNvPr id="9" name="그림 8"/>
+          <p:cNvPicPr>
+            <a:picLocks noChangeAspect="1"/>
+          </p:cNvPicPr>
+          <p:nvPr/>
+        </p:nvPicPr>
+        <p:blipFill rotWithShape="1">
+          <a:blip r:embed="rId5">
+            <a:duotone>
+              <a:schemeClr val="accent4">
+                <a:shade val="45000"/>
+                <a:satMod val="135000"/>
+              </a:schemeClr>
+              <a:prstClr val="white"/>
+            </a:duotone>
+            <a:extLst>
+              <a:ext uri="{28A0092B-C50C-407E-A947-70E740481C1C}">
+                <a14:useLocalDpi xmlns:a14="http://schemas.microsoft.com/office/drawing/2010/main" val="0"/>
+              </a:ext>
+            </a:extLst>
+          </a:blip>
+          <a:srcRect l="39524" r="41048"/>
+          <a:stretch/>
+        </p:blipFill>
+        <p:spPr>
+          <a:xfrm rot="12024704">
+            <a:off x="1928211" y="3786978"/>
+            <a:ext cx="889000" cy="2614706"/>
+          </a:xfrm>
+          <a:prstGeom prst="rect">
+            <a:avLst/>
+          </a:prstGeom>
+        </p:spPr>
+      </p:pic>
+      <p:sp>
+        <p:nvSpPr>
+          <p:cNvPr id="13" name="TextBox 12"/>
+          <p:cNvSpPr txBox="1"/>
+          <p:nvPr/>
+        </p:nvSpPr>
+        <p:spPr>
+          <a:xfrm>
+            <a:off x="1824677" y="890186"/>
+            <a:ext cx="1552028" cy="400110"/>
+          </a:xfrm>
+          <a:prstGeom prst="rect">
+            <a:avLst/>
+          </a:prstGeom>
+          <a:noFill/>
+        </p:spPr>
+        <p:txBody>
+          <a:bodyPr wrap="none" rtlCol="0">
+            <a:spAutoFit/>
+          </a:bodyPr>
+          <a:lstStyle/>
+          <a:p>
+            <a:r>
+              <a:rPr lang="ko-KR" altLang="en-US" sz="2000">
+                <a:latin typeface="HY헤드라인M" panose="02030600000101010101" pitchFamily="18" charset="-127"/>
+                <a:ea typeface="HY헤드라인M" panose="02030600000101010101" pitchFamily="18" charset="-127"/>
+              </a:rPr>
+              <a:t>캐릭터 </a:t>
+            </a:r>
+            <a:r>
+              <a:rPr lang="ko-KR" altLang="en-US" sz="2000" dirty="0" err="1">
+                <a:latin typeface="HY헤드라인M" panose="02030600000101010101" pitchFamily="18" charset="-127"/>
+                <a:ea typeface="HY헤드라인M" panose="02030600000101010101" pitchFamily="18" charset="-127"/>
+              </a:rPr>
+              <a:t>컨셉</a:t>
+            </a:r>
+            <a:endParaRPr lang="ko-KR" altLang="en-US" sz="2000" dirty="0">
+              <a:latin typeface="HY헤드라인M" panose="02030600000101010101" pitchFamily="18" charset="-127"/>
+              <a:ea typeface="HY헤드라인M" panose="02030600000101010101" pitchFamily="18" charset="-127"/>
+            </a:endParaRPr>
+          </a:p>
+        </p:txBody>
+      </p:sp>
+      <p:sp>
+        <p:nvSpPr>
+          <p:cNvPr id="14" name="TextBox 13"/>
+          <p:cNvSpPr txBox="1"/>
+          <p:nvPr/>
+        </p:nvSpPr>
+        <p:spPr>
+          <a:xfrm>
+            <a:off x="8212777" y="924164"/>
+            <a:ext cx="1039067" cy="400110"/>
+          </a:xfrm>
+          <a:prstGeom prst="rect">
+            <a:avLst/>
+          </a:prstGeom>
+          <a:noFill/>
+        </p:spPr>
+        <p:txBody>
+          <a:bodyPr wrap="none" rtlCol="0">
+            <a:spAutoFit/>
+          </a:bodyPr>
+          <a:lstStyle/>
+          <a:p>
+            <a:r>
+              <a:rPr lang="ko-KR" altLang="en-US" sz="2000" dirty="0" err="1">
+                <a:latin typeface="HY헤드라인M" panose="02030600000101010101" pitchFamily="18" charset="-127"/>
+                <a:ea typeface="HY헤드라인M" panose="02030600000101010101" pitchFamily="18" charset="-127"/>
+              </a:rPr>
+              <a:t>맵</a:t>
+            </a:r>
+            <a:r>
+              <a:rPr lang="ko-KR" altLang="en-US" sz="2000" dirty="0">
+                <a:latin typeface="HY헤드라인M" panose="02030600000101010101" pitchFamily="18" charset="-127"/>
+                <a:ea typeface="HY헤드라인M" panose="02030600000101010101" pitchFamily="18" charset="-127"/>
+              </a:rPr>
+              <a:t> </a:t>
+            </a:r>
+            <a:r>
+              <a:rPr lang="ko-KR" altLang="en-US" sz="2000" dirty="0" err="1">
+                <a:latin typeface="HY헤드라인M" panose="02030600000101010101" pitchFamily="18" charset="-127"/>
+                <a:ea typeface="HY헤드라인M" panose="02030600000101010101" pitchFamily="18" charset="-127"/>
+              </a:rPr>
+              <a:t>컨셉</a:t>
+            </a:r>
+            <a:endParaRPr lang="ko-KR" altLang="en-US" sz="2000" dirty="0">
+              <a:latin typeface="HY헤드라인M" panose="02030600000101010101" pitchFamily="18" charset="-127"/>
+              <a:ea typeface="HY헤드라인M" panose="02030600000101010101" pitchFamily="18" charset="-127"/>
+            </a:endParaRPr>
+          </a:p>
+        </p:txBody>
+      </p:sp>
+      <p:pic>
+        <p:nvPicPr>
+          <p:cNvPr id="2" name="그림 1"/>
+          <p:cNvPicPr>
+            <a:picLocks noChangeAspect="1"/>
+          </p:cNvPicPr>
+          <p:nvPr/>
+        </p:nvPicPr>
+        <p:blipFill>
+          <a:blip r:embed="rId6">
+            <a:extLst>
+              <a:ext uri="{28A0092B-C50C-407E-A947-70E740481C1C}">
+                <a14:useLocalDpi xmlns:a14="http://schemas.microsoft.com/office/drawing/2010/main" val="0"/>
+              </a:ext>
+            </a:extLst>
+          </a:blip>
+          <a:stretch>
+            <a:fillRect/>
+          </a:stretch>
+        </p:blipFill>
+        <p:spPr>
+          <a:xfrm>
+            <a:off x="5510295" y="1499732"/>
+            <a:ext cx="6420618" cy="4809627"/>
+          </a:xfrm>
+          <a:prstGeom prst="rect">
+            <a:avLst/>
+          </a:prstGeom>
+        </p:spPr>
+      </p:pic>
+    </p:spTree>
+    <p:extLst>
+      <p:ext uri="{BB962C8B-B14F-4D97-AF65-F5344CB8AC3E}">
+        <p14:creationId xmlns:p14="http://schemas.microsoft.com/office/powerpoint/2010/main" val="1470767982"/>
+      </p:ext>
+    </p:extLst>
+  </p:cSld>
+  <p:clrMapOvr>
+    <a:masterClrMapping/>
+  </p:clrMapOvr>
+</p:sld>
+</file>
+
+<file path=ppt/slides/slide9.xml><?xml version="1.0" encoding="utf-8"?>
+<p:sld xmlns:a="http://schemas.openxmlformats.org/drawingml/2006/main" xmlns:r="http://schemas.openxmlformats.org/officeDocument/2006/relationships" xmlns:p="http://schemas.openxmlformats.org/presentationml/2006/main">
+  <p:cSld>
+    <p:spTree>
+      <p:nvGrpSpPr>
+        <p:cNvPr id="1" name=""/>
+        <p:cNvGrpSpPr/>
+        <p:nvPr/>
+      </p:nvGrpSpPr>
+      <p:grpSpPr>
+        <a:xfrm>
+          <a:off x="0" y="0"/>
+          <a:ext cx="0" cy="0"/>
+          <a:chOff x="0" y="0"/>
+          <a:chExt cx="0" cy="0"/>
+        </a:xfrm>
+      </p:grpSpPr>
+      <p:sp>
+        <p:nvSpPr>
+          <p:cNvPr id="4" name="object 4"/>
+          <p:cNvSpPr/>
+          <p:nvPr/>
+        </p:nvSpPr>
+        <p:spPr>
+          <a:xfrm>
+            <a:off x="0" y="837127"/>
+            <a:ext cx="12192000" cy="86228"/>
+          </a:xfrm>
+          <a:custGeom>
+            <a:avLst/>
+            <a:gdLst/>
+            <a:ahLst/>
+            <a:cxnLst/>
+            <a:rect l="l" t="t" r="r" b="b"/>
+            <a:pathLst>
+              <a:path w="12192000" h="1270000">
+                <a:moveTo>
+                  <a:pt x="0" y="0"/>
+                </a:moveTo>
+                <a:lnTo>
+                  <a:pt x="12192000" y="0"/>
+                </a:lnTo>
+                <a:lnTo>
+                  <a:pt x="12192000" y="1269999"/>
+                </a:lnTo>
+                <a:lnTo>
+                  <a:pt x="0" y="1269999"/>
+                </a:lnTo>
+                <a:lnTo>
+                  <a:pt x="0" y="0"/>
+                </a:lnTo>
+                <a:close/>
+              </a:path>
+            </a:pathLst>
+          </a:custGeom>
+          <a:solidFill>
+            <a:srgbClr val="FABACF"/>
+          </a:solidFill>
+        </p:spPr>
+        <p:txBody>
+          <a:bodyPr wrap="square" lIns="0" tIns="0" rIns="0" bIns="0" rtlCol="0"/>
+          <a:lstStyle/>
+          <a:p>
+            <a:endParaRPr dirty="0"/>
+          </a:p>
+        </p:txBody>
+      </p:sp>
+      <p:sp>
+        <p:nvSpPr>
+          <p:cNvPr id="5" name="TextBox 4"/>
+          <p:cNvSpPr txBox="1"/>
+          <p:nvPr/>
+        </p:nvSpPr>
+        <p:spPr>
+          <a:xfrm>
+            <a:off x="180303" y="129241"/>
+            <a:ext cx="4770858" cy="707886"/>
+          </a:xfrm>
+          <a:prstGeom prst="rect">
+            <a:avLst/>
+          </a:prstGeom>
+          <a:noFill/>
+        </p:spPr>
+        <p:txBody>
+          <a:bodyPr wrap="none" rtlCol="0">
+            <a:spAutoFit/>
+          </a:bodyPr>
+          <a:lstStyle/>
+          <a:p>
+            <a:r>
+              <a:rPr lang="en-US" altLang="ko-KR" sz="4000" dirty="0">
+                <a:latin typeface="타이포_쌍문동 B" panose="02020803020101020101" pitchFamily="18" charset="-127"/>
+                <a:ea typeface="타이포_쌍문동 B" panose="02020803020101020101" pitchFamily="18" charset="-127"/>
+              </a:rPr>
+              <a:t>2. </a:t>
+            </a:r>
+            <a:r>
+              <a:rPr lang="ko-KR" altLang="en-US" sz="4000" dirty="0">
+                <a:latin typeface="타이포_쌍문동 B" panose="02020803020101020101" pitchFamily="18" charset="-127"/>
+                <a:ea typeface="타이포_쌍문동 B" panose="02020803020101020101" pitchFamily="18" charset="-127"/>
+              </a:rPr>
+              <a:t>게임소개 및 특징</a:t>
+            </a:r>
+          </a:p>
+        </p:txBody>
+      </p:sp>
+      <p:pic>
+        <p:nvPicPr>
+          <p:cNvPr id="2" name="그림 1"/>
+          <p:cNvPicPr>
+            <a:picLocks noChangeAspect="1"/>
+          </p:cNvPicPr>
+          <p:nvPr/>
+        </p:nvPicPr>
+        <p:blipFill rotWithShape="1">
+          <a:blip r:embed="rId2"/>
+          <a:srcRect l="21115"/>
+          <a:stretch/>
+        </p:blipFill>
+        <p:spPr>
+          <a:xfrm>
+            <a:off x="180303" y="1400727"/>
+            <a:ext cx="6907194" cy="4925257"/>
+          </a:xfrm>
+          <a:prstGeom prst="rect">
+            <a:avLst/>
+          </a:prstGeom>
+        </p:spPr>
+      </p:pic>
+      <p:sp>
+        <p:nvSpPr>
+          <p:cNvPr id="3" name="직사각형 2"/>
+          <p:cNvSpPr/>
+          <p:nvPr/>
+        </p:nvSpPr>
+        <p:spPr>
+          <a:xfrm>
+            <a:off x="5095203" y="3911600"/>
+            <a:ext cx="1919110" cy="1409700"/>
+          </a:xfrm>
+          <a:prstGeom prst="rect">
+            <a:avLst/>
+          </a:prstGeom>
+          <a:noFill/>
+          <a:ln w="57150">
+            <a:solidFill>
+              <a:srgbClr val="FF0000"/>
+            </a:solidFill>
+          </a:ln>
+        </p:spPr>
+        <p:style>
+          <a:lnRef idx="2">
+            <a:schemeClr val="accent1">
+              <a:shade val="50000"/>
+            </a:schemeClr>
+          </a:lnRef>
+          <a:fillRef idx="1">
+            <a:schemeClr val="accent1"/>
+          </a:fillRef>
+          <a:effectRef idx="0">
+            <a:schemeClr val="accent1"/>
+          </a:effectRef>
+          <a:fontRef idx="minor">
+            <a:schemeClr val="lt1"/>
+          </a:fontRef>
+        </p:style>
+        <p:txBody>
+          <a:bodyPr rtlCol="0" anchor="ctr"/>
+          <a:lstStyle/>
+          <a:p>
+            <a:pPr algn="ctr"/>
+            <a:endParaRPr lang="ko-KR" altLang="en-US"/>
+          </a:p>
+        </p:txBody>
+      </p:sp>
+      <p:pic>
+        <p:nvPicPr>
+          <p:cNvPr id="8" name="그림 7"/>
+          <p:cNvPicPr>
+            <a:picLocks noChangeAspect="1"/>
+          </p:cNvPicPr>
+          <p:nvPr/>
+        </p:nvPicPr>
+        <p:blipFill rotWithShape="1">
+          <a:blip r:embed="rId3">
+            <a:extLst>
+              <a:ext uri="{28A0092B-C50C-407E-A947-70E740481C1C}">
+                <a14:useLocalDpi xmlns:a14="http://schemas.microsoft.com/office/drawing/2010/main" val="0"/>
+              </a:ext>
+            </a:extLst>
+          </a:blip>
+          <a:srcRect l="12246" t="20024" r="8339"/>
+          <a:stretch/>
+        </p:blipFill>
+        <p:spPr>
+          <a:xfrm>
+            <a:off x="4309142" y="1620322"/>
+            <a:ext cx="2593588" cy="1843079"/>
+          </a:xfrm>
+          <a:prstGeom prst="rect">
+            <a:avLst/>
+          </a:prstGeom>
+          <a:ln w="57150">
+            <a:solidFill>
+              <a:srgbClr val="FF0000"/>
+            </a:solidFill>
+          </a:ln>
+        </p:spPr>
+      </p:pic>
+      <p:cxnSp>
+        <p:nvCxnSpPr>
+          <p:cNvPr id="10" name="직선 화살표 연결선 9"/>
+          <p:cNvCxnSpPr/>
+          <p:nvPr/>
+        </p:nvCxnSpPr>
+        <p:spPr>
+          <a:xfrm flipH="1">
+            <a:off x="7206332" y="2135464"/>
+            <a:ext cx="415186" cy="0"/>
+          </a:xfrm>
+          <a:prstGeom prst="straightConnector1">
+            <a:avLst/>
+          </a:prstGeom>
+          <a:ln>
+            <a:solidFill>
+              <a:schemeClr val="tx1"/>
+            </a:solidFill>
+            <a:tailEnd type="triangle"/>
+          </a:ln>
+        </p:spPr>
+        <p:style>
+          <a:lnRef idx="1">
+            <a:schemeClr val="accent1"/>
+          </a:lnRef>
+          <a:fillRef idx="0">
+            <a:schemeClr val="accent1"/>
+          </a:fillRef>
+          <a:effectRef idx="0">
+            <a:schemeClr val="accent1"/>
+          </a:effectRef>
+          <a:fontRef idx="minor">
+            <a:schemeClr val="tx1"/>
+          </a:fontRef>
+        </p:style>
+      </p:cxnSp>
+      <p:cxnSp>
+        <p:nvCxnSpPr>
+          <p:cNvPr id="13" name="직선 화살표 연결선 12"/>
+          <p:cNvCxnSpPr/>
+          <p:nvPr/>
+        </p:nvCxnSpPr>
+        <p:spPr>
+          <a:xfrm flipH="1">
+            <a:off x="7172146" y="4491314"/>
+            <a:ext cx="415186" cy="0"/>
+          </a:xfrm>
+          <a:prstGeom prst="straightConnector1">
+            <a:avLst/>
+          </a:prstGeom>
+          <a:ln>
+            <a:solidFill>
+              <a:schemeClr val="tx1"/>
+            </a:solidFill>
+            <a:tailEnd type="triangle"/>
+          </a:ln>
+        </p:spPr>
+        <p:style>
+          <a:lnRef idx="1">
+            <a:schemeClr val="accent1"/>
+          </a:lnRef>
+          <a:fillRef idx="0">
+            <a:schemeClr val="accent1"/>
+          </a:fillRef>
+          <a:effectRef idx="0">
+            <a:schemeClr val="accent1"/>
+          </a:effectRef>
+          <a:fontRef idx="minor">
+            <a:schemeClr val="tx1"/>
+          </a:fontRef>
+        </p:style>
+      </p:cxnSp>
+      <p:sp>
+        <p:nvSpPr>
+          <p:cNvPr id="14" name="TextBox 13"/>
+          <p:cNvSpPr txBox="1"/>
+          <p:nvPr/>
+        </p:nvSpPr>
+        <p:spPr>
+          <a:xfrm>
+            <a:off x="7621518" y="1941698"/>
+            <a:ext cx="4570482" cy="1200329"/>
+          </a:xfrm>
+          <a:prstGeom prst="rect">
+            <a:avLst/>
+          </a:prstGeom>
+          <a:noFill/>
+        </p:spPr>
+        <p:txBody>
+          <a:bodyPr wrap="none" rtlCol="0">
+            <a:spAutoFit/>
+          </a:bodyPr>
+          <a:lstStyle/>
+          <a:p>
+            <a:r>
+              <a:rPr lang="en-US" altLang="ko-KR" dirty="0">
+                <a:latin typeface="HY헤드라인M" panose="02030600000101010101" pitchFamily="18" charset="-127"/>
+                <a:ea typeface="HY헤드라인M" panose="02030600000101010101" pitchFamily="18" charset="-127"/>
+              </a:rPr>
+              <a:t>Donation (</a:t>
+            </a:r>
+            <a:r>
+              <a:rPr lang="ko-KR" altLang="en-US" dirty="0">
+                <a:latin typeface="HY헤드라인M" panose="02030600000101010101" pitchFamily="18" charset="-127"/>
+                <a:ea typeface="HY헤드라인M" panose="02030600000101010101" pitchFamily="18" charset="-127"/>
+              </a:rPr>
+              <a:t>후원</a:t>
+            </a:r>
+            <a:r>
+              <a:rPr lang="en-US" altLang="ko-KR" dirty="0">
+                <a:latin typeface="HY헤드라인M" panose="02030600000101010101" pitchFamily="18" charset="-127"/>
+                <a:ea typeface="HY헤드라인M" panose="02030600000101010101" pitchFamily="18" charset="-127"/>
+              </a:rPr>
+              <a:t>) : </a:t>
+            </a:r>
+          </a:p>
+          <a:p>
+            <a:endParaRPr lang="en-US" altLang="ko-KR" dirty="0">
+              <a:latin typeface="HY헤드라인M" panose="02030600000101010101" pitchFamily="18" charset="-127"/>
+              <a:ea typeface="HY헤드라인M" panose="02030600000101010101" pitchFamily="18" charset="-127"/>
+            </a:endParaRPr>
+          </a:p>
+          <a:p>
+            <a:r>
+              <a:rPr lang="ko-KR" altLang="en-US" dirty="0">
+                <a:latin typeface="HY헤드라인M" panose="02030600000101010101" pitchFamily="18" charset="-127"/>
+                <a:ea typeface="HY헤드라인M" panose="02030600000101010101" pitchFamily="18" charset="-127"/>
+              </a:rPr>
+              <a:t>시청자들이 </a:t>
+            </a:r>
+            <a:r>
+              <a:rPr lang="ko-KR" altLang="en-US" dirty="0" err="1">
+                <a:latin typeface="HY헤드라인M" panose="02030600000101010101" pitchFamily="18" charset="-127"/>
+                <a:ea typeface="HY헤드라인M" panose="02030600000101010101" pitchFamily="18" charset="-127"/>
+              </a:rPr>
+              <a:t>스트리머에게</a:t>
+            </a:r>
+            <a:r>
+              <a:rPr lang="ko-KR" altLang="en-US" dirty="0">
+                <a:latin typeface="HY헤드라인M" panose="02030600000101010101" pitchFamily="18" charset="-127"/>
+                <a:ea typeface="HY헤드라인M" panose="02030600000101010101" pitchFamily="18" charset="-127"/>
+              </a:rPr>
+              <a:t> 후원을 </a:t>
+            </a:r>
+            <a:r>
+              <a:rPr lang="ko-KR" altLang="en-US" dirty="0" err="1">
+                <a:latin typeface="HY헤드라인M" panose="02030600000101010101" pitchFamily="18" charset="-127"/>
+                <a:ea typeface="HY헤드라인M" panose="02030600000101010101" pitchFamily="18" charset="-127"/>
+              </a:rPr>
+              <a:t>하였을때</a:t>
+            </a:r>
+            <a:r>
+              <a:rPr lang="en-US" altLang="ko-KR" dirty="0">
+                <a:latin typeface="HY헤드라인M" panose="02030600000101010101" pitchFamily="18" charset="-127"/>
+                <a:ea typeface="HY헤드라인M" panose="02030600000101010101" pitchFamily="18" charset="-127"/>
+              </a:rPr>
+              <a:t/>
+            </a:r>
+            <a:br>
+              <a:rPr lang="en-US" altLang="ko-KR" dirty="0">
+                <a:latin typeface="HY헤드라인M" panose="02030600000101010101" pitchFamily="18" charset="-127"/>
+                <a:ea typeface="HY헤드라인M" panose="02030600000101010101" pitchFamily="18" charset="-127"/>
+              </a:rPr>
+            </a:br>
+            <a:r>
+              <a:rPr lang="ko-KR" altLang="en-US" dirty="0" err="1">
+                <a:latin typeface="HY헤드라인M" panose="02030600000101010101" pitchFamily="18" charset="-127"/>
+                <a:ea typeface="HY헤드라인M" panose="02030600000101010101" pitchFamily="18" charset="-127"/>
+              </a:rPr>
+              <a:t>게임내</a:t>
+            </a:r>
+            <a:r>
+              <a:rPr lang="ko-KR" altLang="en-US" dirty="0">
+                <a:latin typeface="HY헤드라인M" panose="02030600000101010101" pitchFamily="18" charset="-127"/>
+                <a:ea typeface="HY헤드라인M" panose="02030600000101010101" pitchFamily="18" charset="-127"/>
+              </a:rPr>
+              <a:t> 코인이 올라 상품을 살 수 있다</a:t>
+            </a:r>
+            <a:r>
+              <a:rPr lang="en-US" altLang="ko-KR" dirty="0">
+                <a:latin typeface="HY헤드라인M" panose="02030600000101010101" pitchFamily="18" charset="-127"/>
+                <a:ea typeface="HY헤드라인M" panose="02030600000101010101" pitchFamily="18" charset="-127"/>
+              </a:rPr>
+              <a:t>.</a:t>
+            </a:r>
+          </a:p>
+        </p:txBody>
+      </p:sp>
+      <p:sp>
+        <p:nvSpPr>
+          <p:cNvPr id="15" name="TextBox 14"/>
+          <p:cNvSpPr txBox="1"/>
+          <p:nvPr/>
+        </p:nvSpPr>
+        <p:spPr>
+          <a:xfrm>
+            <a:off x="7698462" y="4306648"/>
+            <a:ext cx="4416594" cy="1200329"/>
+          </a:xfrm>
+          <a:prstGeom prst="rect">
+            <a:avLst/>
+          </a:prstGeom>
+          <a:noFill/>
+        </p:spPr>
+        <p:txBody>
+          <a:bodyPr wrap="none" rtlCol="0">
+            <a:spAutoFit/>
+          </a:bodyPr>
+          <a:lstStyle/>
+          <a:p>
+            <a:r>
+              <a:rPr lang="ko-KR" altLang="en-US" dirty="0" err="1">
+                <a:latin typeface="HY헤드라인M" panose="02030600000101010101" pitchFamily="18" charset="-127"/>
+                <a:ea typeface="HY헤드라인M" panose="02030600000101010101" pitchFamily="18" charset="-127"/>
+              </a:rPr>
+              <a:t>트위치</a:t>
+            </a:r>
+            <a:r>
+              <a:rPr lang="ko-KR" altLang="en-US" dirty="0">
+                <a:latin typeface="HY헤드라인M" panose="02030600000101010101" pitchFamily="18" charset="-127"/>
+                <a:ea typeface="HY헤드라인M" panose="02030600000101010101" pitchFamily="18" charset="-127"/>
+              </a:rPr>
+              <a:t> 채팅 </a:t>
+            </a:r>
+            <a:r>
+              <a:rPr lang="en-US" altLang="ko-KR" dirty="0">
+                <a:latin typeface="HY헤드라인M" panose="02030600000101010101" pitchFamily="18" charset="-127"/>
+                <a:ea typeface="HY헤드라인M" panose="02030600000101010101" pitchFamily="18" charset="-127"/>
+              </a:rPr>
+              <a:t>:</a:t>
+            </a:r>
+          </a:p>
+          <a:p>
+            <a:endParaRPr lang="en-US" altLang="ko-KR" dirty="0">
+              <a:latin typeface="HY헤드라인M" panose="02030600000101010101" pitchFamily="18" charset="-127"/>
+              <a:ea typeface="HY헤드라인M" panose="02030600000101010101" pitchFamily="18" charset="-127"/>
+            </a:endParaRPr>
+          </a:p>
+          <a:p>
+            <a:r>
+              <a:rPr lang="ko-KR" altLang="en-US" dirty="0">
+                <a:latin typeface="HY헤드라인M" panose="02030600000101010101" pitchFamily="18" charset="-127"/>
+                <a:ea typeface="HY헤드라인M" panose="02030600000101010101" pitchFamily="18" charset="-127"/>
+              </a:rPr>
+              <a:t>실시간 채팅을 </a:t>
+            </a:r>
+            <a:r>
+              <a:rPr lang="ko-KR" altLang="en-US" dirty="0" err="1">
+                <a:latin typeface="HY헤드라인M" panose="02030600000101010101" pitchFamily="18" charset="-127"/>
+                <a:ea typeface="HY헤드라인M" panose="02030600000101010101" pitchFamily="18" charset="-127"/>
+              </a:rPr>
+              <a:t>게임내</a:t>
+            </a:r>
+            <a:r>
+              <a:rPr lang="ko-KR" altLang="en-US" dirty="0">
+                <a:latin typeface="HY헤드라인M" panose="02030600000101010101" pitchFamily="18" charset="-127"/>
+                <a:ea typeface="HY헤드라인M" panose="02030600000101010101" pitchFamily="18" charset="-127"/>
+              </a:rPr>
+              <a:t> 채팅으로 설정하여</a:t>
+            </a:r>
+            <a:endParaRPr lang="en-US" altLang="ko-KR" dirty="0">
+              <a:latin typeface="HY헤드라인M" panose="02030600000101010101" pitchFamily="18" charset="-127"/>
+              <a:ea typeface="HY헤드라인M" panose="02030600000101010101" pitchFamily="18" charset="-127"/>
+            </a:endParaRPr>
+          </a:p>
+          <a:p>
+            <a:r>
+              <a:rPr lang="ko-KR" altLang="en-US" dirty="0" err="1">
+                <a:latin typeface="HY헤드라인M" panose="02030600000101010101" pitchFamily="18" charset="-127"/>
+                <a:ea typeface="HY헤드라인M" panose="02030600000101010101" pitchFamily="18" charset="-127"/>
+              </a:rPr>
+              <a:t>스트리머와</a:t>
+            </a:r>
+            <a:r>
+              <a:rPr lang="ko-KR" altLang="en-US" dirty="0">
+                <a:latin typeface="HY헤드라인M" panose="02030600000101010101" pitchFamily="18" charset="-127"/>
+                <a:ea typeface="HY헤드라인M" panose="02030600000101010101" pitchFamily="18" charset="-127"/>
+              </a:rPr>
+              <a:t> 시청자의 실시간 소통</a:t>
+            </a:r>
+            <a:r>
+              <a:rPr lang="en-US" altLang="ko-KR" dirty="0">
+                <a:latin typeface="HY헤드라인M" panose="02030600000101010101" pitchFamily="18" charset="-127"/>
+                <a:ea typeface="HY헤드라인M" panose="02030600000101010101" pitchFamily="18" charset="-127"/>
+              </a:rPr>
+              <a:t>.</a:t>
+            </a:r>
+            <a:endParaRPr lang="ko-KR" altLang="en-US" dirty="0">
+              <a:latin typeface="HY헤드라인M" panose="02030600000101010101" pitchFamily="18" charset="-127"/>
+              <a:ea typeface="HY헤드라인M" panose="02030600000101010101" pitchFamily="18" charset="-127"/>
+            </a:endParaRPr>
+          </a:p>
+        </p:txBody>
+      </p:sp>
+    </p:spTree>
+    <p:extLst>
+      <p:ext uri="{BB962C8B-B14F-4D97-AF65-F5344CB8AC3E}">
+        <p14:creationId xmlns:p14="http://schemas.microsoft.com/office/powerpoint/2010/main" val="1869839230"/>
       </p:ext>
     </p:extLst>
   </p:cSld>
